--- a/Description/ReservationLayout.pptx
+++ b/Description/ReservationLayout.pptx
@@ -10,6 +10,8 @@
     <p:sldId id="283" r:id="rId4"/>
     <p:sldId id="265" r:id="rId5"/>
     <p:sldId id="266" r:id="rId6"/>
+    <p:sldId id="284" r:id="rId7"/>
+    <p:sldId id="285" r:id="rId8"/>
   </p:sldIdLst>
   <p:sldSz cx="12192000" cy="6858000"/>
   <p:notesSz cx="6661150" cy="9866313"/>
@@ -258,7 +260,7 @@
           <a:p>
             <a:fld id="{DDCE6D58-9B57-4731-A47B-3CD41B48F0A9}" type="datetimeFigureOut">
               <a:rPr lang="de-CH" smtClean="0"/>
-              <a:t>12.11.2024</a:t>
+              <a:t>29.11.2024</a:t>
             </a:fld>
             <a:endParaRPr lang="de-CH"/>
           </a:p>
@@ -428,7 +430,7 @@
           <a:p>
             <a:fld id="{DDCE6D58-9B57-4731-A47B-3CD41B48F0A9}" type="datetimeFigureOut">
               <a:rPr lang="de-CH" smtClean="0"/>
-              <a:t>12.11.2024</a:t>
+              <a:t>29.11.2024</a:t>
             </a:fld>
             <a:endParaRPr lang="de-CH"/>
           </a:p>
@@ -608,7 +610,7 @@
           <a:p>
             <a:fld id="{DDCE6D58-9B57-4731-A47B-3CD41B48F0A9}" type="datetimeFigureOut">
               <a:rPr lang="de-CH" smtClean="0"/>
-              <a:t>12.11.2024</a:t>
+              <a:t>29.11.2024</a:t>
             </a:fld>
             <a:endParaRPr lang="de-CH"/>
           </a:p>
@@ -778,7 +780,7 @@
           <a:p>
             <a:fld id="{DDCE6D58-9B57-4731-A47B-3CD41B48F0A9}" type="datetimeFigureOut">
               <a:rPr lang="de-CH" smtClean="0"/>
-              <a:t>12.11.2024</a:t>
+              <a:t>29.11.2024</a:t>
             </a:fld>
             <a:endParaRPr lang="de-CH"/>
           </a:p>
@@ -1024,7 +1026,7 @@
           <a:p>
             <a:fld id="{DDCE6D58-9B57-4731-A47B-3CD41B48F0A9}" type="datetimeFigureOut">
               <a:rPr lang="de-CH" smtClean="0"/>
-              <a:t>12.11.2024</a:t>
+              <a:t>29.11.2024</a:t>
             </a:fld>
             <a:endParaRPr lang="de-CH"/>
           </a:p>
@@ -1256,7 +1258,7 @@
           <a:p>
             <a:fld id="{DDCE6D58-9B57-4731-A47B-3CD41B48F0A9}" type="datetimeFigureOut">
               <a:rPr lang="de-CH" smtClean="0"/>
-              <a:t>12.11.2024</a:t>
+              <a:t>29.11.2024</a:t>
             </a:fld>
             <a:endParaRPr lang="de-CH"/>
           </a:p>
@@ -1623,7 +1625,7 @@
           <a:p>
             <a:fld id="{DDCE6D58-9B57-4731-A47B-3CD41B48F0A9}" type="datetimeFigureOut">
               <a:rPr lang="de-CH" smtClean="0"/>
-              <a:t>12.11.2024</a:t>
+              <a:t>29.11.2024</a:t>
             </a:fld>
             <a:endParaRPr lang="de-CH"/>
           </a:p>
@@ -1741,7 +1743,7 @@
           <a:p>
             <a:fld id="{DDCE6D58-9B57-4731-A47B-3CD41B48F0A9}" type="datetimeFigureOut">
               <a:rPr lang="de-CH" smtClean="0"/>
-              <a:t>12.11.2024</a:t>
+              <a:t>29.11.2024</a:t>
             </a:fld>
             <a:endParaRPr lang="de-CH"/>
           </a:p>
@@ -1836,7 +1838,7 @@
           <a:p>
             <a:fld id="{DDCE6D58-9B57-4731-A47B-3CD41B48F0A9}" type="datetimeFigureOut">
               <a:rPr lang="de-CH" smtClean="0"/>
-              <a:t>12.11.2024</a:t>
+              <a:t>29.11.2024</a:t>
             </a:fld>
             <a:endParaRPr lang="de-CH"/>
           </a:p>
@@ -2113,7 +2115,7 @@
           <a:p>
             <a:fld id="{DDCE6D58-9B57-4731-A47B-3CD41B48F0A9}" type="datetimeFigureOut">
               <a:rPr lang="de-CH" smtClean="0"/>
-              <a:t>12.11.2024</a:t>
+              <a:t>29.11.2024</a:t>
             </a:fld>
             <a:endParaRPr lang="de-CH"/>
           </a:p>
@@ -2366,7 +2368,7 @@
           <a:p>
             <a:fld id="{DDCE6D58-9B57-4731-A47B-3CD41B48F0A9}" type="datetimeFigureOut">
               <a:rPr lang="de-CH" smtClean="0"/>
-              <a:t>12.11.2024</a:t>
+              <a:t>29.11.2024</a:t>
             </a:fld>
             <a:endParaRPr lang="de-CH"/>
           </a:p>
@@ -2579,7 +2581,7 @@
           <a:p>
             <a:fld id="{DDCE6D58-9B57-4731-A47B-3CD41B48F0A9}" type="datetimeFigureOut">
               <a:rPr lang="de-CH" smtClean="0"/>
-              <a:t>12.11.2024</a:t>
+              <a:t>29.11.2024</a:t>
             </a:fld>
             <a:endParaRPr lang="de-CH"/>
           </a:p>
@@ -7947,10 +7949,100 @@
           <a:chExt cx="0" cy="0"/>
         </a:xfrm>
       </p:grpSpPr>
+      <p:pic>
+        <p:nvPicPr>
+          <p:cNvPr id="3" name="Grafik 2">
+            <a:extLst>
+              <a:ext uri="{FF2B5EF4-FFF2-40B4-BE49-F238E27FC236}">
+                <a16:creationId xmlns:a16="http://schemas.microsoft.com/office/drawing/2014/main" id="{7619D2C6-EC7D-E80A-7E30-B631DC911F25}"/>
+              </a:ext>
+            </a:extLst>
+          </p:cNvPr>
+          <p:cNvPicPr>
+            <a:picLocks noChangeAspect="1"/>
+          </p:cNvPicPr>
+          <p:nvPr/>
+        </p:nvPicPr>
+        <p:blipFill>
+          <a:blip r:embed="rId2"/>
+          <a:stretch>
+            <a:fillRect/>
+          </a:stretch>
+        </p:blipFill>
+        <p:spPr>
+          <a:xfrm>
+            <a:off x="3868677" y="480149"/>
+            <a:ext cx="3983851" cy="6293009"/>
+          </a:xfrm>
+          <a:prstGeom prst="rect">
+            <a:avLst/>
+          </a:prstGeom>
+        </p:spPr>
+      </p:pic>
     </p:spTree>
     <p:extLst>
       <p:ext uri="{BB962C8B-B14F-4D97-AF65-F5344CB8AC3E}">
         <p14:creationId xmlns:p14="http://schemas.microsoft.com/office/powerpoint/2010/main" val="2444453286"/>
+      </p:ext>
+    </p:extLst>
+  </p:cSld>
+  <p:clrMapOvr>
+    <a:masterClrMapping/>
+  </p:clrMapOvr>
+</p:sld>
+</file>
+
+<file path=ppt/slides/slide6.xml><?xml version="1.0" encoding="utf-8"?>
+<p:sld xmlns:a="http://schemas.openxmlformats.org/drawingml/2006/main" xmlns:r="http://schemas.openxmlformats.org/officeDocument/2006/relationships" xmlns:p="http://schemas.openxmlformats.org/presentationml/2006/main">
+  <p:cSld>
+    <p:spTree>
+      <p:nvGrpSpPr>
+        <p:cNvPr id="1" name=""/>
+        <p:cNvGrpSpPr/>
+        <p:nvPr/>
+      </p:nvGrpSpPr>
+      <p:grpSpPr>
+        <a:xfrm>
+          <a:off x="0" y="0"/>
+          <a:ext cx="0" cy="0"/>
+          <a:chOff x="0" y="0"/>
+          <a:chExt cx="0" cy="0"/>
+        </a:xfrm>
+      </p:grpSpPr>
+    </p:spTree>
+    <p:extLst>
+      <p:ext uri="{BB962C8B-B14F-4D97-AF65-F5344CB8AC3E}">
+        <p14:creationId xmlns:p14="http://schemas.microsoft.com/office/powerpoint/2010/main" val="2987062777"/>
+      </p:ext>
+    </p:extLst>
+  </p:cSld>
+  <p:clrMapOvr>
+    <a:masterClrMapping/>
+  </p:clrMapOvr>
+</p:sld>
+</file>
+
+<file path=ppt/slides/slide7.xml><?xml version="1.0" encoding="utf-8"?>
+<p:sld xmlns:a="http://schemas.openxmlformats.org/drawingml/2006/main" xmlns:r="http://schemas.openxmlformats.org/officeDocument/2006/relationships" xmlns:p="http://schemas.openxmlformats.org/presentationml/2006/main">
+  <p:cSld>
+    <p:spTree>
+      <p:nvGrpSpPr>
+        <p:cNvPr id="1" name=""/>
+        <p:cNvGrpSpPr/>
+        <p:nvPr/>
+      </p:nvGrpSpPr>
+      <p:grpSpPr>
+        <a:xfrm>
+          <a:off x="0" y="0"/>
+          <a:ext cx="0" cy="0"/>
+          <a:chOff x="0" y="0"/>
+          <a:chExt cx="0" cy="0"/>
+        </a:xfrm>
+      </p:grpSpPr>
+    </p:spTree>
+    <p:extLst>
+      <p:ext uri="{BB962C8B-B14F-4D97-AF65-F5344CB8AC3E}">
+        <p14:creationId xmlns:p14="http://schemas.microsoft.com/office/powerpoint/2010/main" val="2699061922"/>
       </p:ext>
     </p:extLst>
   </p:cSld>

--- a/Description/ReservationLayout.pptx
+++ b/Description/ReservationLayout.pptx
@@ -8,10 +8,12 @@
     <p:sldId id="267" r:id="rId2"/>
     <p:sldId id="270" r:id="rId3"/>
     <p:sldId id="283" r:id="rId4"/>
-    <p:sldId id="265" r:id="rId5"/>
-    <p:sldId id="266" r:id="rId6"/>
-    <p:sldId id="284" r:id="rId7"/>
-    <p:sldId id="285" r:id="rId8"/>
+    <p:sldId id="284" r:id="rId5"/>
+    <p:sldId id="286" r:id="rId6"/>
+    <p:sldId id="287" r:id="rId7"/>
+    <p:sldId id="265" r:id="rId8"/>
+    <p:sldId id="266" r:id="rId9"/>
+    <p:sldId id="285" r:id="rId10"/>
   </p:sldIdLst>
   <p:sldSz cx="12192000" cy="6858000"/>
   <p:notesSz cx="6661150" cy="9866313"/>
@@ -129,6 +131,18 @@
 </p:presentation>
 </file>
 
+<file path=ppt/commentAuthors.xml><?xml version="1.0" encoding="utf-8"?>
+<p:cmAuthorLst xmlns:a="http://schemas.openxmlformats.org/drawingml/2006/main" xmlns:r="http://schemas.openxmlformats.org/officeDocument/2006/relationships" xmlns:p="http://schemas.openxmlformats.org/presentationml/2006/main">
+  <p:cmAuthor id="1" name="Gunnar Liden" initials="GL" lastIdx="1" clrIdx="0">
+    <p:extLst>
+      <p:ext uri="{19B8F6BF-5375-455C-9EA6-DF929625EA0E}">
+        <p15:presenceInfo xmlns:p15="http://schemas.microsoft.com/office/powerpoint/2012/main" userId="6f9d43f83691c4e7" providerId="Windows Live"/>
+      </p:ext>
+    </p:extLst>
+  </p:cmAuthor>
+</p:cmAuthorLst>
+</file>
+
 <file path=ppt/slideLayouts/slideLayout1.xml><?xml version="1.0" encoding="utf-8"?>
 <p:sldLayout xmlns:a="http://schemas.openxmlformats.org/drawingml/2006/main" xmlns:r="http://schemas.openxmlformats.org/officeDocument/2006/relationships" xmlns:p="http://schemas.openxmlformats.org/presentationml/2006/main" type="title" preserve="1">
   <p:cSld name="Titelfolie">
@@ -260,7 +274,7 @@
           <a:p>
             <a:fld id="{DDCE6D58-9B57-4731-A47B-3CD41B48F0A9}" type="datetimeFigureOut">
               <a:rPr lang="de-CH" smtClean="0"/>
-              <a:t>29.11.2024</a:t>
+              <a:t>04.12.2024</a:t>
             </a:fld>
             <a:endParaRPr lang="de-CH"/>
           </a:p>
@@ -430,7 +444,7 @@
           <a:p>
             <a:fld id="{DDCE6D58-9B57-4731-A47B-3CD41B48F0A9}" type="datetimeFigureOut">
               <a:rPr lang="de-CH" smtClean="0"/>
-              <a:t>29.11.2024</a:t>
+              <a:t>04.12.2024</a:t>
             </a:fld>
             <a:endParaRPr lang="de-CH"/>
           </a:p>
@@ -610,7 +624,7 @@
           <a:p>
             <a:fld id="{DDCE6D58-9B57-4731-A47B-3CD41B48F0A9}" type="datetimeFigureOut">
               <a:rPr lang="de-CH" smtClean="0"/>
-              <a:t>29.11.2024</a:t>
+              <a:t>04.12.2024</a:t>
             </a:fld>
             <a:endParaRPr lang="de-CH"/>
           </a:p>
@@ -780,7 +794,7 @@
           <a:p>
             <a:fld id="{DDCE6D58-9B57-4731-A47B-3CD41B48F0A9}" type="datetimeFigureOut">
               <a:rPr lang="de-CH" smtClean="0"/>
-              <a:t>29.11.2024</a:t>
+              <a:t>04.12.2024</a:t>
             </a:fld>
             <a:endParaRPr lang="de-CH"/>
           </a:p>
@@ -1026,7 +1040,7 @@
           <a:p>
             <a:fld id="{DDCE6D58-9B57-4731-A47B-3CD41B48F0A9}" type="datetimeFigureOut">
               <a:rPr lang="de-CH" smtClean="0"/>
-              <a:t>29.11.2024</a:t>
+              <a:t>04.12.2024</a:t>
             </a:fld>
             <a:endParaRPr lang="de-CH"/>
           </a:p>
@@ -1258,7 +1272,7 @@
           <a:p>
             <a:fld id="{DDCE6D58-9B57-4731-A47B-3CD41B48F0A9}" type="datetimeFigureOut">
               <a:rPr lang="de-CH" smtClean="0"/>
-              <a:t>29.11.2024</a:t>
+              <a:t>04.12.2024</a:t>
             </a:fld>
             <a:endParaRPr lang="de-CH"/>
           </a:p>
@@ -1625,7 +1639,7 @@
           <a:p>
             <a:fld id="{DDCE6D58-9B57-4731-A47B-3CD41B48F0A9}" type="datetimeFigureOut">
               <a:rPr lang="de-CH" smtClean="0"/>
-              <a:t>29.11.2024</a:t>
+              <a:t>04.12.2024</a:t>
             </a:fld>
             <a:endParaRPr lang="de-CH"/>
           </a:p>
@@ -1743,7 +1757,7 @@
           <a:p>
             <a:fld id="{DDCE6D58-9B57-4731-A47B-3CD41B48F0A9}" type="datetimeFigureOut">
               <a:rPr lang="de-CH" smtClean="0"/>
-              <a:t>29.11.2024</a:t>
+              <a:t>04.12.2024</a:t>
             </a:fld>
             <a:endParaRPr lang="de-CH"/>
           </a:p>
@@ -1838,7 +1852,7 @@
           <a:p>
             <a:fld id="{DDCE6D58-9B57-4731-A47B-3CD41B48F0A9}" type="datetimeFigureOut">
               <a:rPr lang="de-CH" smtClean="0"/>
-              <a:t>29.11.2024</a:t>
+              <a:t>04.12.2024</a:t>
             </a:fld>
             <a:endParaRPr lang="de-CH"/>
           </a:p>
@@ -2115,7 +2129,7 @@
           <a:p>
             <a:fld id="{DDCE6D58-9B57-4731-A47B-3CD41B48F0A9}" type="datetimeFigureOut">
               <a:rPr lang="de-CH" smtClean="0"/>
-              <a:t>29.11.2024</a:t>
+              <a:t>04.12.2024</a:t>
             </a:fld>
             <a:endParaRPr lang="de-CH"/>
           </a:p>
@@ -2368,7 +2382,7 @@
           <a:p>
             <a:fld id="{DDCE6D58-9B57-4731-A47B-3CD41B48F0A9}" type="datetimeFigureOut">
               <a:rPr lang="de-CH" smtClean="0"/>
-              <a:t>29.11.2024</a:t>
+              <a:t>04.12.2024</a:t>
             </a:fld>
             <a:endParaRPr lang="de-CH"/>
           </a:p>
@@ -2581,7 +2595,7 @@
           <a:p>
             <a:fld id="{DDCE6D58-9B57-4731-A47B-3CD41B48F0A9}" type="datetimeFigureOut">
               <a:rPr lang="de-CH" smtClean="0"/>
-              <a:t>29.11.2024</a:t>
+              <a:t>04.12.2024</a:t>
             </a:fld>
             <a:endParaRPr lang="de-CH"/>
           </a:p>
@@ -7705,6 +7719,7706 @@
           <p:cNvPr id="2" name="Rechteck 1">
             <a:extLst>
               <a:ext uri="{FF2B5EF4-FFF2-40B4-BE49-F238E27FC236}">
+                <a16:creationId xmlns:a16="http://schemas.microsoft.com/office/drawing/2014/main" id="{0ED71BF6-995B-5D43-7873-F2B206C817B3}"/>
+              </a:ext>
+            </a:extLst>
+          </p:cNvPr>
+          <p:cNvSpPr/>
+          <p:nvPr/>
+        </p:nvSpPr>
+        <p:spPr>
+          <a:xfrm>
+            <a:off x="582001" y="1109648"/>
+            <a:ext cx="3467701" cy="570469"/>
+          </a:xfrm>
+          <a:prstGeom prst="rect">
+            <a:avLst/>
+          </a:prstGeom>
+          <a:noFill/>
+          <a:ln w="19050">
+            <a:solidFill>
+              <a:schemeClr val="tx1"/>
+            </a:solidFill>
+          </a:ln>
+        </p:spPr>
+        <p:style>
+          <a:lnRef idx="2">
+            <a:schemeClr val="accent1">
+              <a:shade val="50000"/>
+            </a:schemeClr>
+          </a:lnRef>
+          <a:fillRef idx="1">
+            <a:schemeClr val="accent1"/>
+          </a:fillRef>
+          <a:effectRef idx="0">
+            <a:schemeClr val="accent1"/>
+          </a:effectRef>
+          <a:fontRef idx="minor">
+            <a:schemeClr val="lt1"/>
+          </a:fontRef>
+        </p:style>
+        <p:txBody>
+          <a:bodyPr rtlCol="0" anchor="ctr"/>
+          <a:lstStyle/>
+          <a:p>
+            <a:pPr algn="ctr"/>
+            <a:r>
+              <a:rPr lang="de-CH" dirty="0" err="1">
+                <a:solidFill>
+                  <a:schemeClr val="tx1"/>
+                </a:solidFill>
+                <a:latin typeface="Arial" panose="020B0604020202020204" pitchFamily="34" charset="0"/>
+                <a:cs typeface="Arial" panose="020B0604020202020204" pitchFamily="34" charset="0"/>
+              </a:rPr>
+              <a:t>ReservationLayoutXml</a:t>
+            </a:r>
+            <a:endParaRPr lang="de-CH" dirty="0">
+              <a:solidFill>
+                <a:schemeClr val="tx1"/>
+              </a:solidFill>
+              <a:latin typeface="Arial" panose="020B0604020202020204" pitchFamily="34" charset="0"/>
+              <a:cs typeface="Arial" panose="020B0604020202020204" pitchFamily="34" charset="0"/>
+            </a:endParaRPr>
+          </a:p>
+          <a:p>
+            <a:pPr algn="ctr"/>
+            <a:r>
+              <a:rPr lang="de-CH" sz="1200" dirty="0">
+                <a:solidFill>
+                  <a:schemeClr val="tx1"/>
+                </a:solidFill>
+                <a:latin typeface="Arial" panose="020B0604020202020204" pitchFamily="34" charset="0"/>
+                <a:cs typeface="Arial" panose="020B0604020202020204" pitchFamily="34" charset="0"/>
+              </a:rPr>
+              <a:t>Holds all </a:t>
+            </a:r>
+            <a:r>
+              <a:rPr lang="de-CH" sz="1200" dirty="0" err="1">
+                <a:solidFill>
+                  <a:schemeClr val="tx1"/>
+                </a:solidFill>
+                <a:latin typeface="Arial" panose="020B0604020202020204" pitchFamily="34" charset="0"/>
+                <a:cs typeface="Arial" panose="020B0604020202020204" pitchFamily="34" charset="0"/>
+              </a:rPr>
+              <a:t>data</a:t>
+            </a:r>
+            <a:r>
+              <a:rPr lang="de-CH" sz="1200" dirty="0">
+                <a:solidFill>
+                  <a:schemeClr val="tx1"/>
+                </a:solidFill>
+                <a:latin typeface="Arial" panose="020B0604020202020204" pitchFamily="34" charset="0"/>
+                <a:cs typeface="Arial" panose="020B0604020202020204" pitchFamily="34" charset="0"/>
+              </a:rPr>
+              <a:t> </a:t>
+            </a:r>
+            <a:r>
+              <a:rPr lang="de-CH" sz="1200" dirty="0" err="1">
+                <a:solidFill>
+                  <a:schemeClr val="tx1"/>
+                </a:solidFill>
+                <a:latin typeface="Arial" panose="020B0604020202020204" pitchFamily="34" charset="0"/>
+                <a:cs typeface="Arial" panose="020B0604020202020204" pitchFamily="34" charset="0"/>
+              </a:rPr>
+              <a:t>for</a:t>
+            </a:r>
+            <a:r>
+              <a:rPr lang="de-CH" sz="1200" dirty="0">
+                <a:solidFill>
+                  <a:schemeClr val="tx1"/>
+                </a:solidFill>
+                <a:latin typeface="Arial" panose="020B0604020202020204" pitchFamily="34" charset="0"/>
+                <a:cs typeface="Arial" panose="020B0604020202020204" pitchFamily="34" charset="0"/>
+              </a:rPr>
+              <a:t> a </a:t>
+            </a:r>
+            <a:r>
+              <a:rPr lang="de-CH" sz="1200" dirty="0" err="1">
+                <a:solidFill>
+                  <a:schemeClr val="tx1"/>
+                </a:solidFill>
+                <a:latin typeface="Arial" panose="020B0604020202020204" pitchFamily="34" charset="0"/>
+                <a:cs typeface="Arial" panose="020B0604020202020204" pitchFamily="34" charset="0"/>
+              </a:rPr>
+              <a:t>reservation</a:t>
+            </a:r>
+            <a:r>
+              <a:rPr lang="de-CH" sz="1200" dirty="0">
+                <a:solidFill>
+                  <a:schemeClr val="tx1"/>
+                </a:solidFill>
+                <a:latin typeface="Arial" panose="020B0604020202020204" pitchFamily="34" charset="0"/>
+                <a:cs typeface="Arial" panose="020B0604020202020204" pitchFamily="34" charset="0"/>
+              </a:rPr>
+              <a:t> </a:t>
+            </a:r>
+            <a:r>
+              <a:rPr lang="de-CH" sz="1200" dirty="0" err="1">
+                <a:solidFill>
+                  <a:schemeClr val="tx1"/>
+                </a:solidFill>
+                <a:latin typeface="Arial" panose="020B0604020202020204" pitchFamily="34" charset="0"/>
+                <a:cs typeface="Arial" panose="020B0604020202020204" pitchFamily="34" charset="0"/>
+              </a:rPr>
+              <a:t>application</a:t>
+            </a:r>
+            <a:endParaRPr lang="de-CH" sz="1200" dirty="0">
+              <a:solidFill>
+                <a:schemeClr val="tx1"/>
+              </a:solidFill>
+              <a:latin typeface="Arial" panose="020B0604020202020204" pitchFamily="34" charset="0"/>
+              <a:cs typeface="Arial" panose="020B0604020202020204" pitchFamily="34" charset="0"/>
+            </a:endParaRPr>
+          </a:p>
+        </p:txBody>
+      </p:sp>
+      <p:sp>
+        <p:nvSpPr>
+          <p:cNvPr id="16" name="Rechteck 15">
+            <a:extLst>
+              <a:ext uri="{FF2B5EF4-FFF2-40B4-BE49-F238E27FC236}">
+                <a16:creationId xmlns:a16="http://schemas.microsoft.com/office/drawing/2014/main" id="{8AB47BD6-0FDF-D3EB-1745-D4F1FEDC01B4}"/>
+              </a:ext>
+            </a:extLst>
+          </p:cNvPr>
+          <p:cNvSpPr/>
+          <p:nvPr/>
+        </p:nvSpPr>
+        <p:spPr>
+          <a:xfrm>
+            <a:off x="582000" y="1680117"/>
+            <a:ext cx="3467703" cy="3639896"/>
+          </a:xfrm>
+          <a:prstGeom prst="rect">
+            <a:avLst/>
+          </a:prstGeom>
+          <a:noFill/>
+          <a:ln w="19050">
+            <a:solidFill>
+              <a:schemeClr val="tx1"/>
+            </a:solidFill>
+          </a:ln>
+        </p:spPr>
+        <p:style>
+          <a:lnRef idx="2">
+            <a:schemeClr val="accent1">
+              <a:shade val="50000"/>
+            </a:schemeClr>
+          </a:lnRef>
+          <a:fillRef idx="1">
+            <a:schemeClr val="accent1"/>
+          </a:fillRef>
+          <a:effectRef idx="0">
+            <a:schemeClr val="accent1"/>
+          </a:effectRef>
+          <a:fontRef idx="minor">
+            <a:schemeClr val="lt1"/>
+          </a:fontRef>
+        </p:style>
+        <p:txBody>
+          <a:bodyPr rtlCol="0" anchor="ctr"/>
+          <a:lstStyle/>
+          <a:p>
+            <a:r>
+              <a:rPr lang="en-US" sz="1200" dirty="0">
+                <a:solidFill>
+                  <a:schemeClr val="tx1"/>
+                </a:solidFill>
+                <a:latin typeface="Arial" panose="020B0604020202020204" pitchFamily="34" charset="0"/>
+                <a:cs typeface="Arial" panose="020B0604020202020204" pitchFamily="34" charset="0"/>
+              </a:rPr>
+              <a:t>Member variables</a:t>
+            </a:r>
+          </a:p>
+          <a:p>
+            <a:r>
+              <a:rPr lang="en-US" sz="1000" b="1" dirty="0" err="1">
+                <a:solidFill>
+                  <a:schemeClr val="tx1"/>
+                </a:solidFill>
+                <a:latin typeface="Arial" panose="020B0604020202020204" pitchFamily="34" charset="0"/>
+                <a:cs typeface="Arial" panose="020B0604020202020204" pitchFamily="34" charset="0"/>
+              </a:rPr>
+              <a:t>m_callback_function_name</a:t>
+            </a:r>
+            <a:endParaRPr lang="en-US" sz="1000" b="1" dirty="0">
+              <a:solidFill>
+                <a:schemeClr val="tx1"/>
+              </a:solidFill>
+              <a:latin typeface="Arial" panose="020B0604020202020204" pitchFamily="34" charset="0"/>
+              <a:cs typeface="Arial" panose="020B0604020202020204" pitchFamily="34" charset="0"/>
+            </a:endParaRPr>
+          </a:p>
+          <a:p>
+            <a:r>
+              <a:rPr lang="en-US" sz="1000" b="1" dirty="0" err="1">
+                <a:solidFill>
+                  <a:schemeClr val="tx1"/>
+                </a:solidFill>
+                <a:latin typeface="Arial" panose="020B0604020202020204" pitchFamily="34" charset="0"/>
+                <a:cs typeface="Arial" panose="020B0604020202020204" pitchFamily="34" charset="0"/>
+              </a:rPr>
+              <a:t>m_result_directory_name</a:t>
+            </a:r>
+            <a:endParaRPr lang="en-US" sz="1000" b="1" dirty="0">
+              <a:solidFill>
+                <a:schemeClr val="tx1"/>
+              </a:solidFill>
+              <a:latin typeface="Arial" panose="020B0604020202020204" pitchFamily="34" charset="0"/>
+              <a:cs typeface="Arial" panose="020B0604020202020204" pitchFamily="34" charset="0"/>
+            </a:endParaRPr>
+          </a:p>
+          <a:p>
+            <a:r>
+              <a:rPr lang="en-US" sz="1000" b="1" dirty="0" err="1">
+                <a:solidFill>
+                  <a:schemeClr val="tx1"/>
+                </a:solidFill>
+                <a:latin typeface="Arial" panose="020B0604020202020204" pitchFamily="34" charset="0"/>
+                <a:cs typeface="Arial" panose="020B0604020202020204" pitchFamily="34" charset="0"/>
+              </a:rPr>
+              <a:t>m_tags</a:t>
+            </a:r>
+            <a:r>
+              <a:rPr lang="en-US" sz="1000" b="1" dirty="0">
+                <a:solidFill>
+                  <a:schemeClr val="tx1"/>
+                </a:solidFill>
+                <a:latin typeface="Arial" panose="020B0604020202020204" pitchFamily="34" charset="0"/>
+                <a:cs typeface="Arial" panose="020B0604020202020204" pitchFamily="34" charset="0"/>
+              </a:rPr>
+              <a:t> = new </a:t>
+            </a:r>
+            <a:r>
+              <a:rPr lang="en-US" sz="1000" b="1" dirty="0" err="1">
+                <a:solidFill>
+                  <a:schemeClr val="tx1"/>
+                </a:solidFill>
+                <a:latin typeface="Arial" panose="020B0604020202020204" pitchFamily="34" charset="0"/>
+                <a:cs typeface="Arial" panose="020B0604020202020204" pitchFamily="34" charset="0"/>
+              </a:rPr>
+              <a:t>ReservationLayoutTags</a:t>
+            </a:r>
+            <a:endParaRPr lang="en-US" sz="1000" b="1" dirty="0">
+              <a:solidFill>
+                <a:schemeClr val="tx1"/>
+              </a:solidFill>
+              <a:latin typeface="Arial" panose="020B0604020202020204" pitchFamily="34" charset="0"/>
+              <a:cs typeface="Arial" panose="020B0604020202020204" pitchFamily="34" charset="0"/>
+            </a:endParaRPr>
+          </a:p>
+          <a:p>
+            <a:endParaRPr lang="en-US" sz="1000" b="1" dirty="0">
+              <a:solidFill>
+                <a:schemeClr val="tx1"/>
+              </a:solidFill>
+              <a:latin typeface="Arial" panose="020B0604020202020204" pitchFamily="34" charset="0"/>
+              <a:cs typeface="Arial" panose="020B0604020202020204" pitchFamily="34" charset="0"/>
+            </a:endParaRPr>
+          </a:p>
+          <a:p>
+            <a:r>
+              <a:rPr lang="en-US" sz="1200" dirty="0">
+                <a:solidFill>
+                  <a:schemeClr val="tx1"/>
+                </a:solidFill>
+                <a:latin typeface="Arial" panose="020B0604020202020204" pitchFamily="34" charset="0"/>
+                <a:cs typeface="Arial" panose="020B0604020202020204" pitchFamily="34" charset="0"/>
+              </a:rPr>
+              <a:t>Member functions</a:t>
+            </a:r>
+          </a:p>
+          <a:p>
+            <a:r>
+              <a:rPr lang="de-CH" sz="1000" b="1" dirty="0" err="1">
+                <a:solidFill>
+                  <a:schemeClr val="tx1"/>
+                </a:solidFill>
+                <a:latin typeface="Arial" panose="020B0604020202020204" pitchFamily="34" charset="0"/>
+                <a:cs typeface="Arial" panose="020B0604020202020204" pitchFamily="34" charset="0"/>
+              </a:rPr>
+              <a:t>loadOneXmlFile</a:t>
+            </a:r>
+            <a:endParaRPr lang="de-CH" sz="1000" b="1" dirty="0">
+              <a:solidFill>
+                <a:schemeClr val="tx1"/>
+              </a:solidFill>
+              <a:latin typeface="Arial" panose="020B0604020202020204" pitchFamily="34" charset="0"/>
+              <a:cs typeface="Arial" panose="020B0604020202020204" pitchFamily="34" charset="0"/>
+            </a:endParaRPr>
+          </a:p>
+          <a:p>
+            <a:r>
+              <a:rPr lang="de-CH" sz="1000" b="1" dirty="0" err="1">
+                <a:solidFill>
+                  <a:schemeClr val="tx1"/>
+                </a:solidFill>
+                <a:latin typeface="Arial" panose="020B0604020202020204" pitchFamily="34" charset="0"/>
+                <a:cs typeface="Arial" panose="020B0604020202020204" pitchFamily="34" charset="0"/>
+              </a:rPr>
+              <a:t>getXmlLayoutFileName</a:t>
+            </a:r>
+            <a:r>
+              <a:rPr lang="de-CH" sz="1000" b="1" dirty="0">
+                <a:solidFill>
+                  <a:schemeClr val="tx1"/>
+                </a:solidFill>
+                <a:latin typeface="Arial" panose="020B0604020202020204" pitchFamily="34" charset="0"/>
+                <a:cs typeface="Arial" panose="020B0604020202020204" pitchFamily="34" charset="0"/>
+              </a:rPr>
+              <a:t> (=</a:t>
+            </a:r>
+            <a:r>
+              <a:rPr lang="en-US" sz="1000" b="1" dirty="0" err="1">
+                <a:solidFill>
+                  <a:schemeClr val="tx1"/>
+                </a:solidFill>
+                <a:latin typeface="Arial" panose="020B0604020202020204" pitchFamily="34" charset="0"/>
+                <a:cs typeface="Arial" panose="020B0604020202020204" pitchFamily="34" charset="0"/>
+              </a:rPr>
+              <a:t>m_result_directory_name</a:t>
+            </a:r>
+            <a:r>
+              <a:rPr lang="en-US" sz="1000" b="1" dirty="0">
+                <a:solidFill>
+                  <a:schemeClr val="tx1"/>
+                </a:solidFill>
+                <a:latin typeface="Arial" panose="020B0604020202020204" pitchFamily="34" charset="0"/>
+                <a:cs typeface="Arial" panose="020B0604020202020204" pitchFamily="34" charset="0"/>
+              </a:rPr>
+              <a:t>)</a:t>
+            </a:r>
+          </a:p>
+          <a:p>
+            <a:r>
+              <a:rPr lang="en-US" sz="1000" b="1" dirty="0" err="1">
+                <a:solidFill>
+                  <a:schemeClr val="tx1"/>
+                </a:solidFill>
+                <a:latin typeface="Arial" panose="020B0604020202020204" pitchFamily="34" charset="0"/>
+                <a:cs typeface="Arial" panose="020B0604020202020204" pitchFamily="34" charset="0"/>
+              </a:rPr>
+              <a:t>getNumberOfLayoutFiles</a:t>
+            </a:r>
+            <a:endParaRPr lang="en-US" sz="1000" b="1" dirty="0">
+              <a:solidFill>
+                <a:schemeClr val="tx1"/>
+              </a:solidFill>
+              <a:latin typeface="Arial" panose="020B0604020202020204" pitchFamily="34" charset="0"/>
+              <a:cs typeface="Arial" panose="020B0604020202020204" pitchFamily="34" charset="0"/>
+            </a:endParaRPr>
+          </a:p>
+          <a:p>
+            <a:r>
+              <a:rPr lang="en-US" sz="1000" b="1" dirty="0" err="1">
+                <a:solidFill>
+                  <a:schemeClr val="tx1"/>
+                </a:solidFill>
+                <a:latin typeface="Arial" panose="020B0604020202020204" pitchFamily="34" charset="0"/>
+                <a:cs typeface="Arial" panose="020B0604020202020204" pitchFamily="34" charset="0"/>
+              </a:rPr>
+              <a:t>getNumberOfLayoutFileIdButtons</a:t>
+            </a:r>
+            <a:endParaRPr lang="en-US" sz="1000" b="1" dirty="0">
+              <a:solidFill>
+                <a:schemeClr val="tx1"/>
+              </a:solidFill>
+              <a:latin typeface="Arial" panose="020B0604020202020204" pitchFamily="34" charset="0"/>
+              <a:cs typeface="Arial" panose="020B0604020202020204" pitchFamily="34" charset="0"/>
+            </a:endParaRPr>
+          </a:p>
+          <a:p>
+            <a:r>
+              <a:rPr lang="en-US" sz="1000" b="1" dirty="0" err="1">
+                <a:solidFill>
+                  <a:schemeClr val="tx1"/>
+                </a:solidFill>
+                <a:latin typeface="Arial" panose="020B0604020202020204" pitchFamily="34" charset="0"/>
+                <a:cs typeface="Arial" panose="020B0604020202020204" pitchFamily="34" charset="0"/>
+              </a:rPr>
+              <a:t>getNumberOfDoors</a:t>
+            </a:r>
+            <a:endParaRPr lang="en-US" sz="1000" b="1" dirty="0">
+              <a:solidFill>
+                <a:schemeClr val="tx1"/>
+              </a:solidFill>
+              <a:latin typeface="Arial" panose="020B0604020202020204" pitchFamily="34" charset="0"/>
+              <a:cs typeface="Arial" panose="020B0604020202020204" pitchFamily="34" charset="0"/>
+            </a:endParaRPr>
+          </a:p>
+          <a:p>
+            <a:r>
+              <a:rPr lang="en-US" sz="1000" b="1" dirty="0" err="1">
+                <a:solidFill>
+                  <a:schemeClr val="tx1"/>
+                </a:solidFill>
+                <a:latin typeface="Arial" panose="020B0604020202020204" pitchFamily="34" charset="0"/>
+                <a:cs typeface="Arial" panose="020B0604020202020204" pitchFamily="34" charset="0"/>
+              </a:rPr>
+              <a:t>getNumberOfButtons</a:t>
+            </a:r>
+            <a:endParaRPr lang="en-US" sz="1000" b="1" dirty="0">
+              <a:solidFill>
+                <a:schemeClr val="tx1"/>
+              </a:solidFill>
+              <a:latin typeface="Arial" panose="020B0604020202020204" pitchFamily="34" charset="0"/>
+              <a:cs typeface="Arial" panose="020B0604020202020204" pitchFamily="34" charset="0"/>
+            </a:endParaRPr>
+          </a:p>
+          <a:p>
+            <a:r>
+              <a:rPr lang="en-US" sz="1000" b="1" dirty="0" err="1">
+                <a:solidFill>
+                  <a:schemeClr val="tx1"/>
+                </a:solidFill>
+                <a:latin typeface="Arial" panose="020B0604020202020204" pitchFamily="34" charset="0"/>
+                <a:cs typeface="Arial" panose="020B0604020202020204" pitchFamily="34" charset="0"/>
+              </a:rPr>
+              <a:t>getNumberOfTables</a:t>
+            </a:r>
+            <a:endParaRPr lang="en-US" sz="1000" b="1" dirty="0">
+              <a:solidFill>
+                <a:schemeClr val="tx1"/>
+              </a:solidFill>
+              <a:latin typeface="Arial" panose="020B0604020202020204" pitchFamily="34" charset="0"/>
+              <a:cs typeface="Arial" panose="020B0604020202020204" pitchFamily="34" charset="0"/>
+            </a:endParaRPr>
+          </a:p>
+          <a:p>
+            <a:r>
+              <a:rPr lang="en-US" sz="1000" b="1" dirty="0" err="1">
+                <a:solidFill>
+                  <a:schemeClr val="tx1"/>
+                </a:solidFill>
+                <a:latin typeface="Arial" panose="020B0604020202020204" pitchFamily="34" charset="0"/>
+                <a:cs typeface="Arial" panose="020B0604020202020204" pitchFamily="34" charset="0"/>
+              </a:rPr>
+              <a:t>getNumberOfGroups</a:t>
+            </a:r>
+            <a:endParaRPr lang="en-US" sz="1000" b="1" dirty="0">
+              <a:solidFill>
+                <a:schemeClr val="tx1"/>
+              </a:solidFill>
+              <a:latin typeface="Arial" panose="020B0604020202020204" pitchFamily="34" charset="0"/>
+              <a:cs typeface="Arial" panose="020B0604020202020204" pitchFamily="34" charset="0"/>
+            </a:endParaRPr>
+          </a:p>
+          <a:p>
+            <a:r>
+              <a:rPr lang="en-US" sz="1000" b="1" dirty="0" err="1">
+                <a:solidFill>
+                  <a:schemeClr val="tx1"/>
+                </a:solidFill>
+                <a:latin typeface="Arial" panose="020B0604020202020204" pitchFamily="34" charset="0"/>
+                <a:cs typeface="Arial" panose="020B0604020202020204" pitchFamily="34" charset="0"/>
+              </a:rPr>
+              <a:t>getNumberOTablesInOneGroup</a:t>
+            </a:r>
+            <a:endParaRPr lang="en-US" sz="1000" b="1" dirty="0">
+              <a:solidFill>
+                <a:schemeClr val="tx1"/>
+              </a:solidFill>
+              <a:latin typeface="Arial" panose="020B0604020202020204" pitchFamily="34" charset="0"/>
+              <a:cs typeface="Arial" panose="020B0604020202020204" pitchFamily="34" charset="0"/>
+            </a:endParaRPr>
+          </a:p>
+          <a:p>
+            <a:r>
+              <a:rPr lang="en-US" sz="1000" b="1" dirty="0" err="1">
+                <a:solidFill>
+                  <a:schemeClr val="tx1"/>
+                </a:solidFill>
+                <a:latin typeface="Arial" panose="020B0604020202020204" pitchFamily="34" charset="0"/>
+                <a:cs typeface="Arial" panose="020B0604020202020204" pitchFamily="34" charset="0"/>
+              </a:rPr>
+              <a:t>getGroupTableNumbers</a:t>
+            </a:r>
+            <a:endParaRPr lang="en-US" sz="1000" b="1" dirty="0">
+              <a:solidFill>
+                <a:schemeClr val="tx1"/>
+              </a:solidFill>
+              <a:latin typeface="Arial" panose="020B0604020202020204" pitchFamily="34" charset="0"/>
+              <a:cs typeface="Arial" panose="020B0604020202020204" pitchFamily="34" charset="0"/>
+            </a:endParaRPr>
+          </a:p>
+          <a:p>
+            <a:endParaRPr lang="en-US" sz="1000" b="1" dirty="0">
+              <a:solidFill>
+                <a:schemeClr val="tx1"/>
+              </a:solidFill>
+              <a:latin typeface="Arial" panose="020B0604020202020204" pitchFamily="34" charset="0"/>
+              <a:cs typeface="Arial" panose="020B0604020202020204" pitchFamily="34" charset="0"/>
+            </a:endParaRPr>
+          </a:p>
+          <a:p>
+            <a:r>
+              <a:rPr lang="de-CH" sz="1000" b="1" dirty="0">
+                <a:solidFill>
+                  <a:schemeClr val="tx1"/>
+                </a:solidFill>
+                <a:latin typeface="Arial" panose="020B0604020202020204" pitchFamily="34" charset="0"/>
+                <a:cs typeface="Arial" panose="020B0604020202020204" pitchFamily="34" charset="0"/>
+              </a:rPr>
+              <a:t>Set and </a:t>
+            </a:r>
+            <a:r>
+              <a:rPr lang="de-CH" sz="1000" b="1" dirty="0" err="1">
+                <a:solidFill>
+                  <a:schemeClr val="tx1"/>
+                </a:solidFill>
+                <a:latin typeface="Arial" panose="020B0604020202020204" pitchFamily="34" charset="0"/>
+                <a:cs typeface="Arial" panose="020B0604020202020204" pitchFamily="34" charset="0"/>
+              </a:rPr>
+              <a:t>get</a:t>
+            </a:r>
+            <a:r>
+              <a:rPr lang="de-CH" sz="1000" b="1" dirty="0">
+                <a:solidFill>
+                  <a:schemeClr val="tx1"/>
+                </a:solidFill>
+                <a:latin typeface="Arial" panose="020B0604020202020204" pitchFamily="34" charset="0"/>
+                <a:cs typeface="Arial" panose="020B0604020202020204" pitchFamily="34" charset="0"/>
+              </a:rPr>
+              <a:t> </a:t>
+            </a:r>
+            <a:r>
+              <a:rPr lang="de-CH" sz="1000" b="1" dirty="0" err="1">
+                <a:solidFill>
+                  <a:schemeClr val="tx1"/>
+                </a:solidFill>
+                <a:latin typeface="Arial" panose="020B0604020202020204" pitchFamily="34" charset="0"/>
+                <a:cs typeface="Arial" panose="020B0604020202020204" pitchFamily="34" charset="0"/>
+              </a:rPr>
+              <a:t>functions</a:t>
+            </a:r>
+            <a:r>
+              <a:rPr lang="de-CH" sz="1000" b="1" dirty="0">
+                <a:solidFill>
+                  <a:schemeClr val="tx1"/>
+                </a:solidFill>
+                <a:latin typeface="Arial" panose="020B0604020202020204" pitchFamily="34" charset="0"/>
+                <a:cs typeface="Arial" panose="020B0604020202020204" pitchFamily="34" charset="0"/>
+              </a:rPr>
+              <a:t> </a:t>
+            </a:r>
+            <a:r>
+              <a:rPr lang="de-CH" sz="1000" b="1" dirty="0" err="1">
+                <a:solidFill>
+                  <a:schemeClr val="tx1"/>
+                </a:solidFill>
+                <a:latin typeface="Arial" panose="020B0604020202020204" pitchFamily="34" charset="0"/>
+                <a:cs typeface="Arial" panose="020B0604020202020204" pitchFamily="34" charset="0"/>
+              </a:rPr>
+              <a:t>for</a:t>
+            </a:r>
+            <a:r>
+              <a:rPr lang="de-CH" sz="1000" b="1" dirty="0">
+                <a:solidFill>
+                  <a:schemeClr val="tx1"/>
+                </a:solidFill>
+                <a:latin typeface="Arial" panose="020B0604020202020204" pitchFamily="34" charset="0"/>
+                <a:cs typeface="Arial" panose="020B0604020202020204" pitchFamily="34" charset="0"/>
+              </a:rPr>
+              <a:t> </a:t>
+            </a:r>
+            <a:r>
+              <a:rPr lang="de-CH" sz="1000" b="1" dirty="0" err="1">
+                <a:solidFill>
+                  <a:schemeClr val="tx1"/>
+                </a:solidFill>
+                <a:latin typeface="Arial" panose="020B0604020202020204" pitchFamily="34" charset="0"/>
+                <a:cs typeface="Arial" panose="020B0604020202020204" pitchFamily="34" charset="0"/>
+              </a:rPr>
+              <a:t>the</a:t>
+            </a:r>
+            <a:r>
+              <a:rPr lang="de-CH" sz="1000" b="1" dirty="0">
+                <a:solidFill>
+                  <a:schemeClr val="tx1"/>
+                </a:solidFill>
+                <a:latin typeface="Arial" panose="020B0604020202020204" pitchFamily="34" charset="0"/>
+                <a:cs typeface="Arial" panose="020B0604020202020204" pitchFamily="34" charset="0"/>
+              </a:rPr>
+              <a:t> tag </a:t>
+            </a:r>
+            <a:r>
+              <a:rPr lang="de-CH" sz="1000" b="1" dirty="0" err="1">
+                <a:solidFill>
+                  <a:schemeClr val="tx1"/>
+                </a:solidFill>
+                <a:latin typeface="Arial" panose="020B0604020202020204" pitchFamily="34" charset="0"/>
+                <a:cs typeface="Arial" panose="020B0604020202020204" pitchFamily="34" charset="0"/>
+              </a:rPr>
+              <a:t>names</a:t>
+            </a:r>
+            <a:r>
+              <a:rPr lang="de-CH" sz="1000" b="1" dirty="0">
+                <a:solidFill>
+                  <a:schemeClr val="tx1"/>
+                </a:solidFill>
+                <a:latin typeface="Arial" panose="020B0604020202020204" pitchFamily="34" charset="0"/>
+                <a:cs typeface="Arial" panose="020B0604020202020204" pitchFamily="34" charset="0"/>
+              </a:rPr>
+              <a:t> </a:t>
+            </a:r>
+            <a:r>
+              <a:rPr lang="de-CH" sz="1000" b="1" dirty="0" err="1">
+                <a:solidFill>
+                  <a:schemeClr val="tx1"/>
+                </a:solidFill>
+                <a:latin typeface="Arial" panose="020B0604020202020204" pitchFamily="34" charset="0"/>
+                <a:cs typeface="Arial" panose="020B0604020202020204" pitchFamily="34" charset="0"/>
+              </a:rPr>
+              <a:t>defined</a:t>
+            </a:r>
+            <a:r>
+              <a:rPr lang="de-CH" sz="1000" b="1" dirty="0">
+                <a:solidFill>
+                  <a:schemeClr val="tx1"/>
+                </a:solidFill>
+                <a:latin typeface="Arial" panose="020B0604020202020204" pitchFamily="34" charset="0"/>
+                <a:cs typeface="Arial" panose="020B0604020202020204" pitchFamily="34" charset="0"/>
+              </a:rPr>
+              <a:t> in </a:t>
+            </a:r>
+            <a:r>
+              <a:rPr lang="de-CH" sz="1000" b="1" dirty="0" err="1">
+                <a:solidFill>
+                  <a:schemeClr val="tx1"/>
+                </a:solidFill>
+                <a:latin typeface="Arial" panose="020B0604020202020204" pitchFamily="34" charset="0"/>
+                <a:cs typeface="Arial" panose="020B0604020202020204" pitchFamily="34" charset="0"/>
+              </a:rPr>
+              <a:t>the</a:t>
+            </a:r>
+            <a:r>
+              <a:rPr lang="de-CH" sz="1000" b="1" dirty="0">
+                <a:solidFill>
+                  <a:schemeClr val="tx1"/>
+                </a:solidFill>
+                <a:latin typeface="Arial" panose="020B0604020202020204" pitchFamily="34" charset="0"/>
+                <a:cs typeface="Arial" panose="020B0604020202020204" pitchFamily="34" charset="0"/>
+              </a:rPr>
+              <a:t> </a:t>
+            </a:r>
+            <a:r>
+              <a:rPr lang="de-CH" sz="1000" b="1" dirty="0" err="1">
+                <a:solidFill>
+                  <a:schemeClr val="tx1"/>
+                </a:solidFill>
+                <a:latin typeface="Arial" panose="020B0604020202020204" pitchFamily="34" charset="0"/>
+                <a:cs typeface="Arial" panose="020B0604020202020204" pitchFamily="34" charset="0"/>
+              </a:rPr>
+              <a:t>class</a:t>
+            </a:r>
+            <a:r>
+              <a:rPr lang="de-CH" sz="1000" b="1" dirty="0">
+                <a:solidFill>
+                  <a:schemeClr val="tx1"/>
+                </a:solidFill>
+                <a:latin typeface="Arial" panose="020B0604020202020204" pitchFamily="34" charset="0"/>
+                <a:cs typeface="Arial" panose="020B0604020202020204" pitchFamily="34" charset="0"/>
+              </a:rPr>
+              <a:t> </a:t>
+            </a:r>
+            <a:r>
+              <a:rPr lang="de-CH" sz="1000" b="1" dirty="0" err="1">
+                <a:solidFill>
+                  <a:schemeClr val="tx1"/>
+                </a:solidFill>
+                <a:latin typeface="Arial" panose="020B0604020202020204" pitchFamily="34" charset="0"/>
+                <a:cs typeface="Arial" panose="020B0604020202020204" pitchFamily="34" charset="0"/>
+              </a:rPr>
+              <a:t>ReservarionLayoutXmlTags</a:t>
+            </a:r>
+            <a:r>
+              <a:rPr lang="de-CH" sz="1000" b="1" dirty="0">
+                <a:solidFill>
+                  <a:schemeClr val="tx1"/>
+                </a:solidFill>
+                <a:latin typeface="Arial" panose="020B0604020202020204" pitchFamily="34" charset="0"/>
+                <a:cs typeface="Arial" panose="020B0604020202020204" pitchFamily="34" charset="0"/>
+              </a:rPr>
+              <a:t> like </a:t>
+            </a:r>
+            <a:r>
+              <a:rPr lang="de-CH" sz="1000" b="1" dirty="0" err="1">
+                <a:solidFill>
+                  <a:schemeClr val="tx1"/>
+                </a:solidFill>
+                <a:latin typeface="Arial" panose="020B0604020202020204" pitchFamily="34" charset="0"/>
+                <a:cs typeface="Arial" panose="020B0604020202020204" pitchFamily="34" charset="0"/>
+              </a:rPr>
+              <a:t>for</a:t>
+            </a:r>
+            <a:r>
+              <a:rPr lang="de-CH" sz="1000" b="1" dirty="0">
+                <a:solidFill>
+                  <a:schemeClr val="tx1"/>
+                </a:solidFill>
+                <a:latin typeface="Arial" panose="020B0604020202020204" pitchFamily="34" charset="0"/>
+                <a:cs typeface="Arial" panose="020B0604020202020204" pitchFamily="34" charset="0"/>
+              </a:rPr>
+              <a:t> </a:t>
+            </a:r>
+            <a:r>
+              <a:rPr lang="de-CH" sz="1000" b="1" dirty="0" err="1">
+                <a:solidFill>
+                  <a:schemeClr val="tx1"/>
+                </a:solidFill>
+                <a:latin typeface="Arial" panose="020B0604020202020204" pitchFamily="34" charset="0"/>
+                <a:cs typeface="Arial" panose="020B0604020202020204" pitchFamily="34" charset="0"/>
+              </a:rPr>
+              <a:t>instance</a:t>
+            </a:r>
+            <a:r>
+              <a:rPr lang="de-CH" sz="1000" b="1" dirty="0">
+                <a:solidFill>
+                  <a:schemeClr val="tx1"/>
+                </a:solidFill>
+                <a:latin typeface="Arial" panose="020B0604020202020204" pitchFamily="34" charset="0"/>
+                <a:cs typeface="Arial" panose="020B0604020202020204" pitchFamily="34" charset="0"/>
+              </a:rPr>
+              <a:t> </a:t>
+            </a:r>
+            <a:r>
+              <a:rPr lang="en-US" sz="1000" b="1" dirty="0" err="1">
+                <a:solidFill>
+                  <a:schemeClr val="tx1"/>
+                </a:solidFill>
+                <a:latin typeface="Arial" panose="020B0604020202020204" pitchFamily="34" charset="0"/>
+                <a:cs typeface="Arial" panose="020B0604020202020204" pitchFamily="34" charset="0"/>
+              </a:rPr>
+              <a:t>getTableWidth</a:t>
+            </a:r>
+            <a:endParaRPr lang="en-US" sz="1000" b="1" dirty="0">
+              <a:solidFill>
+                <a:schemeClr val="tx1"/>
+              </a:solidFill>
+              <a:latin typeface="Arial" panose="020B0604020202020204" pitchFamily="34" charset="0"/>
+              <a:cs typeface="Arial" panose="020B0604020202020204" pitchFamily="34" charset="0"/>
+            </a:endParaRPr>
+          </a:p>
+          <a:p>
+            <a:r>
+              <a:rPr lang="en-US" sz="1000" b="1" dirty="0" err="1">
+                <a:solidFill>
+                  <a:schemeClr val="tx1"/>
+                </a:solidFill>
+                <a:latin typeface="Arial" panose="020B0604020202020204" pitchFamily="34" charset="0"/>
+                <a:cs typeface="Arial" panose="020B0604020202020204" pitchFamily="34" charset="0"/>
+              </a:rPr>
+              <a:t>setTableWidth</a:t>
+            </a:r>
+            <a:endParaRPr lang="en-US" sz="1000" b="1" dirty="0">
+              <a:solidFill>
+                <a:schemeClr val="tx1"/>
+              </a:solidFill>
+              <a:latin typeface="Arial" panose="020B0604020202020204" pitchFamily="34" charset="0"/>
+              <a:cs typeface="Arial" panose="020B0604020202020204" pitchFamily="34" charset="0"/>
+            </a:endParaRPr>
+          </a:p>
+          <a:p>
+            <a:endParaRPr lang="de-CH" sz="1000" b="1" dirty="0">
+              <a:solidFill>
+                <a:schemeClr val="tx1"/>
+              </a:solidFill>
+              <a:latin typeface="Arial" panose="020B0604020202020204" pitchFamily="34" charset="0"/>
+              <a:cs typeface="Arial" panose="020B0604020202020204" pitchFamily="34" charset="0"/>
+            </a:endParaRPr>
+          </a:p>
+        </p:txBody>
+      </p:sp>
+      <p:sp>
+        <p:nvSpPr>
+          <p:cNvPr id="17" name="Rechteck 16">
+            <a:extLst>
+              <a:ext uri="{FF2B5EF4-FFF2-40B4-BE49-F238E27FC236}">
+                <a16:creationId xmlns:a16="http://schemas.microsoft.com/office/drawing/2014/main" id="{DDB30624-FE31-4DD5-3D4E-4CFF5F8ECFB5}"/>
+              </a:ext>
+            </a:extLst>
+          </p:cNvPr>
+          <p:cNvSpPr/>
+          <p:nvPr/>
+        </p:nvSpPr>
+        <p:spPr>
+          <a:xfrm>
+            <a:off x="4362150" y="1109648"/>
+            <a:ext cx="3467701" cy="570469"/>
+          </a:xfrm>
+          <a:prstGeom prst="rect">
+            <a:avLst/>
+          </a:prstGeom>
+          <a:noFill/>
+          <a:ln w="19050">
+            <a:solidFill>
+              <a:schemeClr val="tx1"/>
+            </a:solidFill>
+          </a:ln>
+        </p:spPr>
+        <p:style>
+          <a:lnRef idx="2">
+            <a:schemeClr val="accent1">
+              <a:shade val="50000"/>
+            </a:schemeClr>
+          </a:lnRef>
+          <a:fillRef idx="1">
+            <a:schemeClr val="accent1"/>
+          </a:fillRef>
+          <a:effectRef idx="0">
+            <a:schemeClr val="accent1"/>
+          </a:effectRef>
+          <a:fontRef idx="minor">
+            <a:schemeClr val="lt1"/>
+          </a:fontRef>
+        </p:style>
+        <p:txBody>
+          <a:bodyPr rtlCol="0" anchor="ctr"/>
+          <a:lstStyle/>
+          <a:p>
+            <a:pPr algn="ctr"/>
+            <a:r>
+              <a:rPr lang="de-CH" dirty="0" err="1">
+                <a:solidFill>
+                  <a:schemeClr val="tx1"/>
+                </a:solidFill>
+                <a:latin typeface="Arial" panose="020B0604020202020204" pitchFamily="34" charset="0"/>
+                <a:cs typeface="Arial" panose="020B0604020202020204" pitchFamily="34" charset="0"/>
+              </a:rPr>
+              <a:t>ReservationLayoutXmlTags</a:t>
+            </a:r>
+            <a:endParaRPr lang="de-CH" dirty="0">
+              <a:solidFill>
+                <a:schemeClr val="tx1"/>
+              </a:solidFill>
+              <a:latin typeface="Arial" panose="020B0604020202020204" pitchFamily="34" charset="0"/>
+              <a:cs typeface="Arial" panose="020B0604020202020204" pitchFamily="34" charset="0"/>
+            </a:endParaRPr>
+          </a:p>
+          <a:p>
+            <a:pPr algn="ctr"/>
+            <a:r>
+              <a:rPr lang="de-CH" sz="1200" dirty="0">
+                <a:solidFill>
+                  <a:schemeClr val="tx1"/>
+                </a:solidFill>
+                <a:latin typeface="Arial" panose="020B0604020202020204" pitchFamily="34" charset="0"/>
+                <a:cs typeface="Arial" panose="020B0604020202020204" pitchFamily="34" charset="0"/>
+              </a:rPr>
+              <a:t>Holds all tag </a:t>
+            </a:r>
+            <a:r>
+              <a:rPr lang="de-CH" sz="1200" dirty="0" err="1">
+                <a:solidFill>
+                  <a:schemeClr val="tx1"/>
+                </a:solidFill>
+                <a:latin typeface="Arial" panose="020B0604020202020204" pitchFamily="34" charset="0"/>
+                <a:cs typeface="Arial" panose="020B0604020202020204" pitchFamily="34" charset="0"/>
+              </a:rPr>
+              <a:t>names</a:t>
+            </a:r>
+            <a:r>
+              <a:rPr lang="de-CH" sz="1200" dirty="0">
+                <a:solidFill>
+                  <a:schemeClr val="tx1"/>
+                </a:solidFill>
+                <a:latin typeface="Arial" panose="020B0604020202020204" pitchFamily="34" charset="0"/>
+                <a:cs typeface="Arial" panose="020B0604020202020204" pitchFamily="34" charset="0"/>
+              </a:rPr>
+              <a:t> </a:t>
+            </a:r>
+            <a:r>
+              <a:rPr lang="de-CH" sz="1200" dirty="0" err="1">
+                <a:solidFill>
+                  <a:schemeClr val="tx1"/>
+                </a:solidFill>
+                <a:latin typeface="Arial" panose="020B0604020202020204" pitchFamily="34" charset="0"/>
+                <a:cs typeface="Arial" panose="020B0604020202020204" pitchFamily="34" charset="0"/>
+              </a:rPr>
+              <a:t>of</a:t>
+            </a:r>
+            <a:r>
+              <a:rPr lang="de-CH" sz="1200" dirty="0">
+                <a:solidFill>
+                  <a:schemeClr val="tx1"/>
+                </a:solidFill>
+                <a:latin typeface="Arial" panose="020B0604020202020204" pitchFamily="34" charset="0"/>
+                <a:cs typeface="Arial" panose="020B0604020202020204" pitchFamily="34" charset="0"/>
+              </a:rPr>
+              <a:t> </a:t>
+            </a:r>
+            <a:r>
+              <a:rPr lang="de-CH" sz="1200" dirty="0" err="1">
+                <a:solidFill>
+                  <a:schemeClr val="tx1"/>
+                </a:solidFill>
+                <a:latin typeface="Arial" panose="020B0604020202020204" pitchFamily="34" charset="0"/>
+                <a:cs typeface="Arial" panose="020B0604020202020204" pitchFamily="34" charset="0"/>
+              </a:rPr>
+              <a:t>the</a:t>
+            </a:r>
+            <a:r>
+              <a:rPr lang="de-CH" sz="1200" dirty="0">
+                <a:solidFill>
+                  <a:schemeClr val="tx1"/>
+                </a:solidFill>
+                <a:latin typeface="Arial" panose="020B0604020202020204" pitchFamily="34" charset="0"/>
+                <a:cs typeface="Arial" panose="020B0604020202020204" pitchFamily="34" charset="0"/>
+              </a:rPr>
+              <a:t> XML </a:t>
+            </a:r>
+            <a:r>
+              <a:rPr lang="de-CH" sz="1200" dirty="0" err="1">
+                <a:solidFill>
+                  <a:schemeClr val="tx1"/>
+                </a:solidFill>
+                <a:latin typeface="Arial" panose="020B0604020202020204" pitchFamily="34" charset="0"/>
+                <a:cs typeface="Arial" panose="020B0604020202020204" pitchFamily="34" charset="0"/>
+              </a:rPr>
+              <a:t>file</a:t>
+            </a:r>
+            <a:endParaRPr lang="de-CH" sz="1200" dirty="0">
+              <a:solidFill>
+                <a:schemeClr val="tx1"/>
+              </a:solidFill>
+              <a:latin typeface="Arial" panose="020B0604020202020204" pitchFamily="34" charset="0"/>
+              <a:cs typeface="Arial" panose="020B0604020202020204" pitchFamily="34" charset="0"/>
+            </a:endParaRPr>
+          </a:p>
+        </p:txBody>
+      </p:sp>
+      <p:sp>
+        <p:nvSpPr>
+          <p:cNvPr id="18" name="Rechteck 17">
+            <a:extLst>
+              <a:ext uri="{FF2B5EF4-FFF2-40B4-BE49-F238E27FC236}">
+                <a16:creationId xmlns:a16="http://schemas.microsoft.com/office/drawing/2014/main" id="{FD04E92B-074E-A1D8-2DD7-1A866F9D7FCF}"/>
+              </a:ext>
+            </a:extLst>
+          </p:cNvPr>
+          <p:cNvSpPr/>
+          <p:nvPr/>
+        </p:nvSpPr>
+        <p:spPr>
+          <a:xfrm>
+            <a:off x="4362149" y="1680117"/>
+            <a:ext cx="3467701" cy="3639896"/>
+          </a:xfrm>
+          <a:prstGeom prst="rect">
+            <a:avLst/>
+          </a:prstGeom>
+          <a:noFill/>
+          <a:ln w="19050">
+            <a:solidFill>
+              <a:schemeClr val="tx1"/>
+            </a:solidFill>
+          </a:ln>
+        </p:spPr>
+        <p:style>
+          <a:lnRef idx="2">
+            <a:schemeClr val="accent1">
+              <a:shade val="50000"/>
+            </a:schemeClr>
+          </a:lnRef>
+          <a:fillRef idx="1">
+            <a:schemeClr val="accent1"/>
+          </a:fillRef>
+          <a:effectRef idx="0">
+            <a:schemeClr val="accent1"/>
+          </a:effectRef>
+          <a:fontRef idx="minor">
+            <a:schemeClr val="lt1"/>
+          </a:fontRef>
+        </p:style>
+        <p:txBody>
+          <a:bodyPr rtlCol="0" anchor="ctr"/>
+          <a:lstStyle/>
+          <a:p>
+            <a:r>
+              <a:rPr lang="en-US" sz="1200" dirty="0">
+                <a:solidFill>
+                  <a:schemeClr val="tx1"/>
+                </a:solidFill>
+                <a:latin typeface="Arial" panose="020B0604020202020204" pitchFamily="34" charset="0"/>
+                <a:cs typeface="Arial" panose="020B0604020202020204" pitchFamily="34" charset="0"/>
+              </a:rPr>
+              <a:t>Member functions</a:t>
+            </a:r>
+          </a:p>
+          <a:p>
+            <a:r>
+              <a:rPr lang="en-US" sz="1000" b="1" dirty="0" err="1">
+                <a:solidFill>
+                  <a:schemeClr val="tx1"/>
+                </a:solidFill>
+                <a:latin typeface="Arial" panose="020B0604020202020204" pitchFamily="34" charset="0"/>
+                <a:cs typeface="Arial" panose="020B0604020202020204" pitchFamily="34" charset="0"/>
+              </a:rPr>
+              <a:t>getPremisesName</a:t>
+            </a:r>
+            <a:endParaRPr lang="en-US" sz="1000" b="1" dirty="0">
+              <a:solidFill>
+                <a:schemeClr val="tx1"/>
+              </a:solidFill>
+              <a:latin typeface="Arial" panose="020B0604020202020204" pitchFamily="34" charset="0"/>
+              <a:cs typeface="Arial" panose="020B0604020202020204" pitchFamily="34" charset="0"/>
+            </a:endParaRPr>
+          </a:p>
+          <a:p>
+            <a:r>
+              <a:rPr lang="en-US" sz="1000" b="1" dirty="0" err="1">
+                <a:solidFill>
+                  <a:schemeClr val="tx1"/>
+                </a:solidFill>
+                <a:latin typeface="Arial" panose="020B0604020202020204" pitchFamily="34" charset="0"/>
+                <a:cs typeface="Arial" panose="020B0604020202020204" pitchFamily="34" charset="0"/>
+              </a:rPr>
+              <a:t>getPremisesWidth</a:t>
+            </a:r>
+            <a:r>
+              <a:rPr lang="en-US" sz="1000" b="1" dirty="0">
+                <a:solidFill>
+                  <a:schemeClr val="tx1"/>
+                </a:solidFill>
+                <a:latin typeface="Arial" panose="020B0604020202020204" pitchFamily="34" charset="0"/>
+                <a:cs typeface="Arial" panose="020B0604020202020204" pitchFamily="34" charset="0"/>
+              </a:rPr>
+              <a:t> </a:t>
+            </a:r>
+          </a:p>
+          <a:p>
+            <a:r>
+              <a:rPr lang="en-US" sz="1000" b="1" dirty="0" err="1">
+                <a:solidFill>
+                  <a:schemeClr val="tx1"/>
+                </a:solidFill>
+                <a:latin typeface="Arial" panose="020B0604020202020204" pitchFamily="34" charset="0"/>
+                <a:cs typeface="Arial" panose="020B0604020202020204" pitchFamily="34" charset="0"/>
+              </a:rPr>
+              <a:t>getPremisesHeight</a:t>
+            </a:r>
+            <a:endParaRPr lang="en-US" sz="1000" b="1" dirty="0">
+              <a:solidFill>
+                <a:schemeClr val="tx1"/>
+              </a:solidFill>
+              <a:latin typeface="Arial" panose="020B0604020202020204" pitchFamily="34" charset="0"/>
+              <a:cs typeface="Arial" panose="020B0604020202020204" pitchFamily="34" charset="0"/>
+            </a:endParaRPr>
+          </a:p>
+          <a:p>
+            <a:r>
+              <a:rPr lang="en-US" sz="1000" b="1" dirty="0" err="1">
+                <a:solidFill>
+                  <a:schemeClr val="tx1"/>
+                </a:solidFill>
+                <a:latin typeface="Arial" panose="020B0604020202020204" pitchFamily="34" charset="0"/>
+                <a:cs typeface="Arial" panose="020B0604020202020204" pitchFamily="34" charset="0"/>
+              </a:rPr>
+              <a:t>getWallThickness</a:t>
+            </a:r>
+            <a:endParaRPr lang="en-US" sz="1000" b="1" dirty="0">
+              <a:solidFill>
+                <a:schemeClr val="tx1"/>
+              </a:solidFill>
+              <a:latin typeface="Arial" panose="020B0604020202020204" pitchFamily="34" charset="0"/>
+              <a:cs typeface="Arial" panose="020B0604020202020204" pitchFamily="34" charset="0"/>
+            </a:endParaRPr>
+          </a:p>
+          <a:p>
+            <a:r>
+              <a:rPr lang="en-US" sz="1000" b="1" dirty="0" err="1">
+                <a:solidFill>
+                  <a:schemeClr val="tx1"/>
+                </a:solidFill>
+                <a:latin typeface="Arial" panose="020B0604020202020204" pitchFamily="34" charset="0"/>
+                <a:cs typeface="Arial" panose="020B0604020202020204" pitchFamily="34" charset="0"/>
+              </a:rPr>
+              <a:t>getMaxWidhtPixel</a:t>
+            </a:r>
+            <a:endParaRPr lang="en-US" sz="1000" b="1" dirty="0">
+              <a:solidFill>
+                <a:schemeClr val="tx1"/>
+              </a:solidFill>
+              <a:latin typeface="Arial" panose="020B0604020202020204" pitchFamily="34" charset="0"/>
+              <a:cs typeface="Arial" panose="020B0604020202020204" pitchFamily="34" charset="0"/>
+            </a:endParaRPr>
+          </a:p>
+          <a:p>
+            <a:r>
+              <a:rPr lang="en-US" sz="1000" b="1" dirty="0" err="1">
+                <a:solidFill>
+                  <a:schemeClr val="tx1"/>
+                </a:solidFill>
+                <a:latin typeface="Arial" panose="020B0604020202020204" pitchFamily="34" charset="0"/>
+                <a:cs typeface="Arial" panose="020B0604020202020204" pitchFamily="34" charset="0"/>
+              </a:rPr>
+              <a:t>getMaxReservationsProcent</a:t>
+            </a:r>
+            <a:endParaRPr lang="en-US" sz="1000" b="1" dirty="0">
+              <a:solidFill>
+                <a:schemeClr val="tx1"/>
+              </a:solidFill>
+              <a:latin typeface="Arial" panose="020B0604020202020204" pitchFamily="34" charset="0"/>
+              <a:cs typeface="Arial" panose="020B0604020202020204" pitchFamily="34" charset="0"/>
+            </a:endParaRPr>
+          </a:p>
+          <a:p>
+            <a:r>
+              <a:rPr lang="en-US" sz="1000" b="1" dirty="0" err="1">
+                <a:solidFill>
+                  <a:schemeClr val="tx1"/>
+                </a:solidFill>
+                <a:latin typeface="Arial" panose="020B0604020202020204" pitchFamily="34" charset="0"/>
+                <a:cs typeface="Arial" panose="020B0604020202020204" pitchFamily="34" charset="0"/>
+              </a:rPr>
+              <a:t>getLayoutFile</a:t>
+            </a:r>
+            <a:endParaRPr lang="en-US" sz="1000" b="1" dirty="0">
+              <a:solidFill>
+                <a:schemeClr val="tx1"/>
+              </a:solidFill>
+              <a:latin typeface="Arial" panose="020B0604020202020204" pitchFamily="34" charset="0"/>
+              <a:cs typeface="Arial" panose="020B0604020202020204" pitchFamily="34" charset="0"/>
+            </a:endParaRPr>
+          </a:p>
+          <a:p>
+            <a:r>
+              <a:rPr lang="en-US" sz="1000" b="1" dirty="0" err="1">
+                <a:solidFill>
+                  <a:schemeClr val="tx1"/>
+                </a:solidFill>
+                <a:latin typeface="Arial" panose="020B0604020202020204" pitchFamily="34" charset="0"/>
+                <a:cs typeface="Arial" panose="020B0604020202020204" pitchFamily="34" charset="0"/>
+              </a:rPr>
+              <a:t>getLayoutFileCase</a:t>
+            </a:r>
+            <a:endParaRPr lang="en-US" sz="1000" b="1" dirty="0">
+              <a:solidFill>
+                <a:schemeClr val="tx1"/>
+              </a:solidFill>
+              <a:latin typeface="Arial" panose="020B0604020202020204" pitchFamily="34" charset="0"/>
+              <a:cs typeface="Arial" panose="020B0604020202020204" pitchFamily="34" charset="0"/>
+            </a:endParaRPr>
+          </a:p>
+          <a:p>
+            <a:r>
+              <a:rPr lang="en-US" sz="1000" b="1" dirty="0" err="1">
+                <a:solidFill>
+                  <a:schemeClr val="tx1"/>
+                </a:solidFill>
+                <a:latin typeface="Arial" panose="020B0604020202020204" pitchFamily="34" charset="0"/>
+                <a:cs typeface="Arial" panose="020B0604020202020204" pitchFamily="34" charset="0"/>
+              </a:rPr>
+              <a:t>getLayoutFileHtmlName</a:t>
+            </a:r>
+            <a:endParaRPr lang="en-US" sz="1000" b="1" dirty="0">
+              <a:solidFill>
+                <a:schemeClr val="tx1"/>
+              </a:solidFill>
+              <a:latin typeface="Arial" panose="020B0604020202020204" pitchFamily="34" charset="0"/>
+              <a:cs typeface="Arial" panose="020B0604020202020204" pitchFamily="34" charset="0"/>
+            </a:endParaRPr>
+          </a:p>
+          <a:p>
+            <a:r>
+              <a:rPr lang="en-US" sz="1000" b="1" dirty="0" err="1">
+                <a:solidFill>
+                  <a:schemeClr val="tx1"/>
+                </a:solidFill>
+                <a:latin typeface="Arial" panose="020B0604020202020204" pitchFamily="34" charset="0"/>
+                <a:cs typeface="Arial" panose="020B0604020202020204" pitchFamily="34" charset="0"/>
+              </a:rPr>
+              <a:t>getLayoutFileDescription</a:t>
+            </a:r>
+            <a:endParaRPr lang="en-US" sz="1000" b="1" dirty="0">
+              <a:solidFill>
+                <a:schemeClr val="tx1"/>
+              </a:solidFill>
+              <a:latin typeface="Arial" panose="020B0604020202020204" pitchFamily="34" charset="0"/>
+              <a:cs typeface="Arial" panose="020B0604020202020204" pitchFamily="34" charset="0"/>
+            </a:endParaRPr>
+          </a:p>
+          <a:p>
+            <a:r>
+              <a:rPr lang="en-US" sz="1000" b="1" dirty="0" err="1">
+                <a:solidFill>
+                  <a:schemeClr val="tx1"/>
+                </a:solidFill>
+                <a:latin typeface="Arial" panose="020B0604020202020204" pitchFamily="34" charset="0"/>
+                <a:cs typeface="Arial" panose="020B0604020202020204" pitchFamily="34" charset="0"/>
+              </a:rPr>
+              <a:t>getLayoutFileButtonId</a:t>
+            </a:r>
+            <a:endParaRPr lang="en-US" sz="1000" b="1" dirty="0">
+              <a:solidFill>
+                <a:schemeClr val="tx1"/>
+              </a:solidFill>
+              <a:latin typeface="Arial" panose="020B0604020202020204" pitchFamily="34" charset="0"/>
+              <a:cs typeface="Arial" panose="020B0604020202020204" pitchFamily="34" charset="0"/>
+            </a:endParaRPr>
+          </a:p>
+          <a:p>
+            <a:r>
+              <a:rPr lang="en-US" sz="1000" b="1" dirty="0" err="1">
+                <a:solidFill>
+                  <a:schemeClr val="tx1"/>
+                </a:solidFill>
+                <a:latin typeface="Arial" panose="020B0604020202020204" pitchFamily="34" charset="0"/>
+                <a:cs typeface="Arial" panose="020B0604020202020204" pitchFamily="34" charset="0"/>
+              </a:rPr>
+              <a:t>getTableNumber</a:t>
+            </a:r>
+            <a:endParaRPr lang="en-US" sz="1000" b="1" dirty="0">
+              <a:solidFill>
+                <a:schemeClr val="tx1"/>
+              </a:solidFill>
+              <a:latin typeface="Arial" panose="020B0604020202020204" pitchFamily="34" charset="0"/>
+              <a:cs typeface="Arial" panose="020B0604020202020204" pitchFamily="34" charset="0"/>
+            </a:endParaRPr>
+          </a:p>
+          <a:p>
+            <a:r>
+              <a:rPr lang="en-US" sz="1000" b="1" dirty="0" err="1">
+                <a:solidFill>
+                  <a:schemeClr val="tx1"/>
+                </a:solidFill>
+                <a:latin typeface="Arial" panose="020B0604020202020204" pitchFamily="34" charset="0"/>
+                <a:cs typeface="Arial" panose="020B0604020202020204" pitchFamily="34" charset="0"/>
+              </a:rPr>
+              <a:t>getTableUpperLeftX</a:t>
+            </a:r>
+            <a:endParaRPr lang="en-US" sz="1000" b="1" dirty="0">
+              <a:solidFill>
+                <a:schemeClr val="tx1"/>
+              </a:solidFill>
+              <a:latin typeface="Arial" panose="020B0604020202020204" pitchFamily="34" charset="0"/>
+              <a:cs typeface="Arial" panose="020B0604020202020204" pitchFamily="34" charset="0"/>
+            </a:endParaRPr>
+          </a:p>
+          <a:p>
+            <a:r>
+              <a:rPr lang="en-US" sz="1000" b="1" dirty="0" err="1">
+                <a:solidFill>
+                  <a:schemeClr val="tx1"/>
+                </a:solidFill>
+                <a:latin typeface="Arial" panose="020B0604020202020204" pitchFamily="34" charset="0"/>
+                <a:cs typeface="Arial" panose="020B0604020202020204" pitchFamily="34" charset="0"/>
+              </a:rPr>
+              <a:t>getTableUpperLeftY</a:t>
+            </a:r>
+            <a:endParaRPr lang="en-US" sz="1000" b="1" dirty="0">
+              <a:solidFill>
+                <a:schemeClr val="tx1"/>
+              </a:solidFill>
+              <a:latin typeface="Arial" panose="020B0604020202020204" pitchFamily="34" charset="0"/>
+              <a:cs typeface="Arial" panose="020B0604020202020204" pitchFamily="34" charset="0"/>
+            </a:endParaRPr>
+          </a:p>
+          <a:p>
+            <a:r>
+              <a:rPr lang="en-US" sz="1000" b="1" dirty="0" err="1">
+                <a:solidFill>
+                  <a:schemeClr val="tx1"/>
+                </a:solidFill>
+                <a:latin typeface="Arial" panose="020B0604020202020204" pitchFamily="34" charset="0"/>
+                <a:cs typeface="Arial" panose="020B0604020202020204" pitchFamily="34" charset="0"/>
+              </a:rPr>
+              <a:t>getTableWidth</a:t>
+            </a:r>
+            <a:endParaRPr lang="en-US" sz="1000" b="1" dirty="0">
+              <a:solidFill>
+                <a:schemeClr val="tx1"/>
+              </a:solidFill>
+              <a:latin typeface="Arial" panose="020B0604020202020204" pitchFamily="34" charset="0"/>
+              <a:cs typeface="Arial" panose="020B0604020202020204" pitchFamily="34" charset="0"/>
+            </a:endParaRPr>
+          </a:p>
+          <a:p>
+            <a:r>
+              <a:rPr lang="en-US" sz="1000" b="1" dirty="0" err="1">
+                <a:solidFill>
+                  <a:schemeClr val="tx1"/>
+                </a:solidFill>
+                <a:latin typeface="Arial" panose="020B0604020202020204" pitchFamily="34" charset="0"/>
+                <a:cs typeface="Arial" panose="020B0604020202020204" pitchFamily="34" charset="0"/>
+              </a:rPr>
+              <a:t>getTableHeight</a:t>
+            </a:r>
+            <a:endParaRPr lang="en-US" sz="1000" b="1" dirty="0">
+              <a:solidFill>
+                <a:schemeClr val="tx1"/>
+              </a:solidFill>
+              <a:latin typeface="Arial" panose="020B0604020202020204" pitchFamily="34" charset="0"/>
+              <a:cs typeface="Arial" panose="020B0604020202020204" pitchFamily="34" charset="0"/>
+            </a:endParaRPr>
+          </a:p>
+          <a:p>
+            <a:r>
+              <a:rPr lang="en-US" sz="1600" b="1" dirty="0">
+                <a:solidFill>
+                  <a:schemeClr val="tx1"/>
+                </a:solidFill>
+                <a:latin typeface="Arial" panose="020B0604020202020204" pitchFamily="34" charset="0"/>
+                <a:cs typeface="Arial" panose="020B0604020202020204" pitchFamily="34" charset="0"/>
+              </a:rPr>
+              <a:t>.</a:t>
+            </a:r>
+          </a:p>
+          <a:p>
+            <a:r>
+              <a:rPr lang="en-US" sz="1600" b="1" dirty="0">
+                <a:solidFill>
+                  <a:schemeClr val="tx1"/>
+                </a:solidFill>
+                <a:latin typeface="Arial" panose="020B0604020202020204" pitchFamily="34" charset="0"/>
+                <a:cs typeface="Arial" panose="020B0604020202020204" pitchFamily="34" charset="0"/>
+              </a:rPr>
+              <a:t>.</a:t>
+            </a:r>
+          </a:p>
+          <a:p>
+            <a:r>
+              <a:rPr lang="en-US" sz="1600" b="1" dirty="0">
+                <a:solidFill>
+                  <a:schemeClr val="tx1"/>
+                </a:solidFill>
+                <a:latin typeface="Arial" panose="020B0604020202020204" pitchFamily="34" charset="0"/>
+                <a:cs typeface="Arial" panose="020B0604020202020204" pitchFamily="34" charset="0"/>
+              </a:rPr>
+              <a:t>.</a:t>
+            </a:r>
+          </a:p>
+          <a:p>
+            <a:r>
+              <a:rPr lang="de-CH" sz="1000" b="1" dirty="0">
+                <a:solidFill>
+                  <a:schemeClr val="tx1"/>
+                </a:solidFill>
+                <a:latin typeface="Arial" panose="020B0604020202020204" pitchFamily="34" charset="0"/>
+                <a:cs typeface="Arial" panose="020B0604020202020204" pitchFamily="34" charset="0"/>
+              </a:rPr>
+              <a:t> </a:t>
+            </a:r>
+          </a:p>
+        </p:txBody>
+      </p:sp>
+      <p:pic>
+        <p:nvPicPr>
+          <p:cNvPr id="20" name="Grafik 19">
+            <a:extLst>
+              <a:ext uri="{FF2B5EF4-FFF2-40B4-BE49-F238E27FC236}">
+                <a16:creationId xmlns:a16="http://schemas.microsoft.com/office/drawing/2014/main" id="{658AC03D-92BF-0064-9E2F-ECAA8D38D8FB}"/>
+              </a:ext>
+            </a:extLst>
+          </p:cNvPr>
+          <p:cNvPicPr>
+            <a:picLocks noChangeAspect="1"/>
+          </p:cNvPicPr>
+          <p:nvPr/>
+        </p:nvPicPr>
+        <p:blipFill>
+          <a:blip r:embed="rId2"/>
+          <a:stretch>
+            <a:fillRect/>
+          </a:stretch>
+        </p:blipFill>
+        <p:spPr>
+          <a:xfrm>
+            <a:off x="7955905" y="1735363"/>
+            <a:ext cx="3916428" cy="3584649"/>
+          </a:xfrm>
+          <a:prstGeom prst="rect">
+            <a:avLst/>
+          </a:prstGeom>
+        </p:spPr>
+      </p:pic>
+      <p:sp>
+        <p:nvSpPr>
+          <p:cNvPr id="21" name="Rechteck 20">
+            <a:extLst>
+              <a:ext uri="{FF2B5EF4-FFF2-40B4-BE49-F238E27FC236}">
+                <a16:creationId xmlns:a16="http://schemas.microsoft.com/office/drawing/2014/main" id="{31B051E8-7A61-0E61-A0BE-55451B8C2231}"/>
+              </a:ext>
+            </a:extLst>
+          </p:cNvPr>
+          <p:cNvSpPr/>
+          <p:nvPr/>
+        </p:nvSpPr>
+        <p:spPr>
+          <a:xfrm>
+            <a:off x="8142298" y="1109647"/>
+            <a:ext cx="3467701" cy="570469"/>
+          </a:xfrm>
+          <a:prstGeom prst="rect">
+            <a:avLst/>
+          </a:prstGeom>
+          <a:noFill/>
+          <a:ln w="19050">
+            <a:solidFill>
+              <a:schemeClr val="tx1"/>
+            </a:solidFill>
+          </a:ln>
+        </p:spPr>
+        <p:style>
+          <a:lnRef idx="2">
+            <a:schemeClr val="accent1">
+              <a:shade val="50000"/>
+            </a:schemeClr>
+          </a:lnRef>
+          <a:fillRef idx="1">
+            <a:schemeClr val="accent1"/>
+          </a:fillRef>
+          <a:effectRef idx="0">
+            <a:schemeClr val="accent1"/>
+          </a:effectRef>
+          <a:fontRef idx="minor">
+            <a:schemeClr val="lt1"/>
+          </a:fontRef>
+        </p:style>
+        <p:txBody>
+          <a:bodyPr rtlCol="0" anchor="ctr"/>
+          <a:lstStyle/>
+          <a:p>
+            <a:pPr algn="ctr"/>
+            <a:r>
+              <a:rPr lang="de-CH" dirty="0">
+                <a:solidFill>
+                  <a:schemeClr val="tx1"/>
+                </a:solidFill>
+                <a:latin typeface="Arial" panose="020B0604020202020204" pitchFamily="34" charset="0"/>
+                <a:cs typeface="Arial" panose="020B0604020202020204" pitchFamily="34" charset="0"/>
+              </a:rPr>
+              <a:t>Spagi_76_Chairs_V_1.xml</a:t>
+            </a:r>
+          </a:p>
+        </p:txBody>
+      </p:sp>
+      <p:sp>
+        <p:nvSpPr>
+          <p:cNvPr id="23" name="Textfeld 22">
+            <a:extLst>
+              <a:ext uri="{FF2B5EF4-FFF2-40B4-BE49-F238E27FC236}">
+                <a16:creationId xmlns:a16="http://schemas.microsoft.com/office/drawing/2014/main" id="{8A9CC578-FF69-F36D-7C74-DC65F2D0ECFA}"/>
+              </a:ext>
+            </a:extLst>
+          </p:cNvPr>
+          <p:cNvSpPr txBox="1"/>
+          <p:nvPr/>
+        </p:nvSpPr>
+        <p:spPr>
+          <a:xfrm>
+            <a:off x="0" y="270415"/>
+            <a:ext cx="12192000" cy="369332"/>
+          </a:xfrm>
+          <a:prstGeom prst="rect">
+            <a:avLst/>
+          </a:prstGeom>
+          <a:noFill/>
+        </p:spPr>
+        <p:txBody>
+          <a:bodyPr wrap="square">
+            <a:spAutoFit/>
+          </a:bodyPr>
+          <a:lstStyle/>
+          <a:p>
+            <a:pPr algn="ctr"/>
+            <a:r>
+              <a:rPr lang="de-CH" b="1" dirty="0">
+                <a:latin typeface="Arial" panose="020B0604020202020204" pitchFamily="34" charset="0"/>
+                <a:cs typeface="Arial" panose="020B0604020202020204" pitchFamily="34" charset="0"/>
+              </a:rPr>
+              <a:t>ReservationLayoutXml.js</a:t>
+            </a:r>
+          </a:p>
+        </p:txBody>
+      </p:sp>
+    </p:spTree>
+    <p:extLst>
+      <p:ext uri="{BB962C8B-B14F-4D97-AF65-F5344CB8AC3E}">
+        <p14:creationId xmlns:p14="http://schemas.microsoft.com/office/powerpoint/2010/main" val="2987062777"/>
+      </p:ext>
+    </p:extLst>
+  </p:cSld>
+  <p:clrMapOvr>
+    <a:masterClrMapping/>
+  </p:clrMapOvr>
+</p:sld>
+</file>
+
+<file path=ppt/slides/slide5.xml><?xml version="1.0" encoding="utf-8"?>
+<p:sld xmlns:a="http://schemas.openxmlformats.org/drawingml/2006/main" xmlns:r="http://schemas.openxmlformats.org/officeDocument/2006/relationships" xmlns:p="http://schemas.openxmlformats.org/presentationml/2006/main">
+  <p:cSld>
+    <p:spTree>
+      <p:nvGrpSpPr>
+        <p:cNvPr id="1" name=""/>
+        <p:cNvGrpSpPr/>
+        <p:nvPr/>
+      </p:nvGrpSpPr>
+      <p:grpSpPr>
+        <a:xfrm>
+          <a:off x="0" y="0"/>
+          <a:ext cx="0" cy="0"/>
+          <a:chOff x="0" y="0"/>
+          <a:chExt cx="0" cy="0"/>
+        </a:xfrm>
+      </p:grpSpPr>
+      <p:sp>
+        <p:nvSpPr>
+          <p:cNvPr id="3" name="Rechteck 2">
+            <a:extLst>
+              <a:ext uri="{FF2B5EF4-FFF2-40B4-BE49-F238E27FC236}">
+                <a16:creationId xmlns:a16="http://schemas.microsoft.com/office/drawing/2014/main" id="{B05A1FD6-C18D-2758-2796-BD7FE3AFCB74}"/>
+              </a:ext>
+            </a:extLst>
+          </p:cNvPr>
+          <p:cNvSpPr/>
+          <p:nvPr/>
+        </p:nvSpPr>
+        <p:spPr>
+          <a:xfrm>
+            <a:off x="8285985" y="5443761"/>
+            <a:ext cx="2860861" cy="533299"/>
+          </a:xfrm>
+          <a:prstGeom prst="rect">
+            <a:avLst/>
+          </a:prstGeom>
+          <a:noFill/>
+          <a:ln w="19050">
+            <a:solidFill>
+              <a:schemeClr val="tx1"/>
+            </a:solidFill>
+          </a:ln>
+        </p:spPr>
+        <p:style>
+          <a:lnRef idx="2">
+            <a:schemeClr val="accent1">
+              <a:shade val="50000"/>
+            </a:schemeClr>
+          </a:lnRef>
+          <a:fillRef idx="1">
+            <a:schemeClr val="accent1"/>
+          </a:fillRef>
+          <a:effectRef idx="0">
+            <a:schemeClr val="accent1"/>
+          </a:effectRef>
+          <a:fontRef idx="minor">
+            <a:schemeClr val="lt1"/>
+          </a:fontRef>
+        </p:style>
+        <p:txBody>
+          <a:bodyPr rtlCol="0" anchor="ctr"/>
+          <a:lstStyle/>
+          <a:p>
+            <a:pPr algn="ctr"/>
+            <a:r>
+              <a:rPr lang="de-CH" dirty="0" err="1">
+                <a:solidFill>
+                  <a:schemeClr val="tx1"/>
+                </a:solidFill>
+                <a:latin typeface="Arial" panose="020B0604020202020204" pitchFamily="34" charset="0"/>
+                <a:cs typeface="Arial" panose="020B0604020202020204" pitchFamily="34" charset="0"/>
+              </a:rPr>
+              <a:t>PremisesData</a:t>
+            </a:r>
+            <a:endParaRPr lang="de-CH" dirty="0">
+              <a:solidFill>
+                <a:schemeClr val="tx1"/>
+              </a:solidFill>
+              <a:latin typeface="Arial" panose="020B0604020202020204" pitchFamily="34" charset="0"/>
+              <a:cs typeface="Arial" panose="020B0604020202020204" pitchFamily="34" charset="0"/>
+            </a:endParaRPr>
+          </a:p>
+          <a:p>
+            <a:pPr algn="ctr"/>
+            <a:r>
+              <a:rPr lang="de-CH" sz="1200" dirty="0" err="1">
+                <a:solidFill>
+                  <a:schemeClr val="tx1"/>
+                </a:solidFill>
+                <a:latin typeface="Arial" panose="020B0604020202020204" pitchFamily="34" charset="0"/>
+                <a:cs typeface="Arial" panose="020B0604020202020204" pitchFamily="34" charset="0"/>
+              </a:rPr>
+              <a:t>Premises</a:t>
+            </a:r>
+            <a:r>
+              <a:rPr lang="de-CH" sz="1200" dirty="0">
+                <a:solidFill>
+                  <a:schemeClr val="tx1"/>
+                </a:solidFill>
+                <a:latin typeface="Arial" panose="020B0604020202020204" pitchFamily="34" charset="0"/>
+                <a:cs typeface="Arial" panose="020B0604020202020204" pitchFamily="34" charset="0"/>
+              </a:rPr>
+              <a:t> and </a:t>
+            </a:r>
+            <a:r>
+              <a:rPr lang="de-CH" sz="1200" dirty="0" err="1">
+                <a:solidFill>
+                  <a:schemeClr val="tx1"/>
+                </a:solidFill>
+                <a:latin typeface="Arial" panose="020B0604020202020204" pitchFamily="34" charset="0"/>
+                <a:cs typeface="Arial" panose="020B0604020202020204" pitchFamily="34" charset="0"/>
+              </a:rPr>
+              <a:t>organization</a:t>
+            </a:r>
+            <a:r>
+              <a:rPr lang="de-CH" sz="1200" dirty="0">
+                <a:solidFill>
+                  <a:schemeClr val="tx1"/>
+                </a:solidFill>
+                <a:latin typeface="Arial" panose="020B0604020202020204" pitchFamily="34" charset="0"/>
+                <a:cs typeface="Arial" panose="020B0604020202020204" pitchFamily="34" charset="0"/>
+              </a:rPr>
+              <a:t> </a:t>
+            </a:r>
+            <a:r>
+              <a:rPr lang="de-CH" sz="1200" dirty="0" err="1">
+                <a:solidFill>
+                  <a:schemeClr val="tx1"/>
+                </a:solidFill>
+                <a:latin typeface="Arial" panose="020B0604020202020204" pitchFamily="34" charset="0"/>
+                <a:cs typeface="Arial" panose="020B0604020202020204" pitchFamily="34" charset="0"/>
+              </a:rPr>
+              <a:t>data</a:t>
+            </a:r>
+            <a:endParaRPr lang="de-CH" sz="1200" dirty="0">
+              <a:solidFill>
+                <a:schemeClr val="tx1"/>
+              </a:solidFill>
+              <a:latin typeface="Arial" panose="020B0604020202020204" pitchFamily="34" charset="0"/>
+              <a:cs typeface="Arial" panose="020B0604020202020204" pitchFamily="34" charset="0"/>
+            </a:endParaRPr>
+          </a:p>
+        </p:txBody>
+      </p:sp>
+      <p:sp>
+        <p:nvSpPr>
+          <p:cNvPr id="4" name="Rechteck 3">
+            <a:extLst>
+              <a:ext uri="{FF2B5EF4-FFF2-40B4-BE49-F238E27FC236}">
+                <a16:creationId xmlns:a16="http://schemas.microsoft.com/office/drawing/2014/main" id="{E355C1CA-2974-1CCB-37CE-B57EF754CC91}"/>
+              </a:ext>
+            </a:extLst>
+          </p:cNvPr>
+          <p:cNvSpPr/>
+          <p:nvPr/>
+        </p:nvSpPr>
+        <p:spPr>
+          <a:xfrm>
+            <a:off x="197650" y="675991"/>
+            <a:ext cx="2860861" cy="570469"/>
+          </a:xfrm>
+          <a:prstGeom prst="rect">
+            <a:avLst/>
+          </a:prstGeom>
+          <a:noFill/>
+          <a:ln w="19050">
+            <a:solidFill>
+              <a:schemeClr val="tx1"/>
+            </a:solidFill>
+          </a:ln>
+        </p:spPr>
+        <p:style>
+          <a:lnRef idx="2">
+            <a:schemeClr val="accent1">
+              <a:shade val="50000"/>
+            </a:schemeClr>
+          </a:lnRef>
+          <a:fillRef idx="1">
+            <a:schemeClr val="accent1"/>
+          </a:fillRef>
+          <a:effectRef idx="0">
+            <a:schemeClr val="accent1"/>
+          </a:effectRef>
+          <a:fontRef idx="minor">
+            <a:schemeClr val="lt1"/>
+          </a:fontRef>
+        </p:style>
+        <p:txBody>
+          <a:bodyPr rtlCol="0" anchor="ctr"/>
+          <a:lstStyle/>
+          <a:p>
+            <a:pPr algn="ctr"/>
+            <a:r>
+              <a:rPr lang="de-CH" dirty="0" err="1">
+                <a:solidFill>
+                  <a:schemeClr val="tx1"/>
+                </a:solidFill>
+                <a:latin typeface="Arial" panose="020B0604020202020204" pitchFamily="34" charset="0"/>
+                <a:cs typeface="Arial" panose="020B0604020202020204" pitchFamily="34" charset="0"/>
+              </a:rPr>
+              <a:t>LayoutFileData</a:t>
+            </a:r>
+            <a:endParaRPr lang="de-CH" dirty="0">
+              <a:solidFill>
+                <a:schemeClr val="tx1"/>
+              </a:solidFill>
+              <a:latin typeface="Arial" panose="020B0604020202020204" pitchFamily="34" charset="0"/>
+              <a:cs typeface="Arial" panose="020B0604020202020204" pitchFamily="34" charset="0"/>
+            </a:endParaRPr>
+          </a:p>
+          <a:p>
+            <a:pPr algn="ctr"/>
+            <a:r>
+              <a:rPr lang="de-CH" sz="1200" dirty="0">
+                <a:solidFill>
+                  <a:schemeClr val="tx1"/>
+                </a:solidFill>
+                <a:latin typeface="Arial" panose="020B0604020202020204" pitchFamily="34" charset="0"/>
+                <a:cs typeface="Arial" panose="020B0604020202020204" pitchFamily="34" charset="0"/>
+              </a:rPr>
+              <a:t>Data </a:t>
+            </a:r>
+            <a:r>
+              <a:rPr lang="de-CH" sz="1200" dirty="0" err="1">
+                <a:solidFill>
+                  <a:schemeClr val="tx1"/>
+                </a:solidFill>
+                <a:latin typeface="Arial" panose="020B0604020202020204" pitchFamily="34" charset="0"/>
+                <a:cs typeface="Arial" panose="020B0604020202020204" pitchFamily="34" charset="0"/>
+              </a:rPr>
+              <a:t>for</a:t>
+            </a:r>
+            <a:r>
+              <a:rPr lang="de-CH" sz="1200" dirty="0">
+                <a:solidFill>
+                  <a:schemeClr val="tx1"/>
+                </a:solidFill>
+                <a:latin typeface="Arial" panose="020B0604020202020204" pitchFamily="34" charset="0"/>
+                <a:cs typeface="Arial" panose="020B0604020202020204" pitchFamily="34" charset="0"/>
+              </a:rPr>
+              <a:t> </a:t>
+            </a:r>
+            <a:r>
+              <a:rPr lang="de-CH" sz="1200" dirty="0" err="1">
+                <a:solidFill>
+                  <a:schemeClr val="tx1"/>
+                </a:solidFill>
+                <a:latin typeface="Arial" panose="020B0604020202020204" pitchFamily="34" charset="0"/>
+                <a:cs typeface="Arial" panose="020B0604020202020204" pitchFamily="34" charset="0"/>
+              </a:rPr>
+              <a:t>the</a:t>
+            </a:r>
+            <a:r>
+              <a:rPr lang="de-CH" sz="1200" dirty="0">
+                <a:solidFill>
+                  <a:schemeClr val="tx1"/>
+                </a:solidFill>
+                <a:latin typeface="Arial" panose="020B0604020202020204" pitchFamily="34" charset="0"/>
+                <a:cs typeface="Arial" panose="020B0604020202020204" pitchFamily="34" charset="0"/>
+              </a:rPr>
+              <a:t> </a:t>
+            </a:r>
+            <a:r>
+              <a:rPr lang="de-CH" sz="1200" dirty="0" err="1">
+                <a:solidFill>
+                  <a:schemeClr val="tx1"/>
+                </a:solidFill>
+                <a:latin typeface="Arial" panose="020B0604020202020204" pitchFamily="34" charset="0"/>
+                <a:cs typeface="Arial" panose="020B0604020202020204" pitchFamily="34" charset="0"/>
+              </a:rPr>
+              <a:t>creation</a:t>
+            </a:r>
+            <a:r>
+              <a:rPr lang="de-CH" sz="1200" dirty="0">
+                <a:solidFill>
+                  <a:schemeClr val="tx1"/>
+                </a:solidFill>
+                <a:latin typeface="Arial" panose="020B0604020202020204" pitchFamily="34" charset="0"/>
+                <a:cs typeface="Arial" panose="020B0604020202020204" pitchFamily="34" charset="0"/>
+              </a:rPr>
+              <a:t> </a:t>
+            </a:r>
+            <a:r>
+              <a:rPr lang="de-CH" sz="1200" dirty="0" err="1">
+                <a:solidFill>
+                  <a:schemeClr val="tx1"/>
+                </a:solidFill>
+                <a:latin typeface="Arial" panose="020B0604020202020204" pitchFamily="34" charset="0"/>
+                <a:cs typeface="Arial" panose="020B0604020202020204" pitchFamily="34" charset="0"/>
+              </a:rPr>
+              <a:t>of</a:t>
+            </a:r>
+            <a:r>
+              <a:rPr lang="de-CH" sz="1200" dirty="0">
+                <a:solidFill>
+                  <a:schemeClr val="tx1"/>
+                </a:solidFill>
+                <a:latin typeface="Arial" panose="020B0604020202020204" pitchFamily="34" charset="0"/>
+                <a:cs typeface="Arial" panose="020B0604020202020204" pitchFamily="34" charset="0"/>
+              </a:rPr>
+              <a:t> </a:t>
+            </a:r>
+            <a:r>
+              <a:rPr lang="de-CH" sz="1200" dirty="0" err="1">
+                <a:solidFill>
+                  <a:schemeClr val="tx1"/>
+                </a:solidFill>
+                <a:latin typeface="Arial" panose="020B0604020202020204" pitchFamily="34" charset="0"/>
+                <a:cs typeface="Arial" panose="020B0604020202020204" pitchFamily="34" charset="0"/>
+              </a:rPr>
+              <a:t>the</a:t>
+            </a:r>
+            <a:r>
+              <a:rPr lang="de-CH" sz="1200" dirty="0">
+                <a:solidFill>
+                  <a:schemeClr val="tx1"/>
+                </a:solidFill>
+                <a:latin typeface="Arial" panose="020B0604020202020204" pitchFamily="34" charset="0"/>
+                <a:cs typeface="Arial" panose="020B0604020202020204" pitchFamily="34" charset="0"/>
+              </a:rPr>
+              <a:t> HTML </a:t>
+            </a:r>
+            <a:r>
+              <a:rPr lang="de-CH" sz="1200" dirty="0" err="1">
+                <a:solidFill>
+                  <a:schemeClr val="tx1"/>
+                </a:solidFill>
+                <a:latin typeface="Arial" panose="020B0604020202020204" pitchFamily="34" charset="0"/>
+                <a:cs typeface="Arial" panose="020B0604020202020204" pitchFamily="34" charset="0"/>
+              </a:rPr>
+              <a:t>files</a:t>
+            </a:r>
+            <a:endParaRPr lang="de-CH" sz="1200" dirty="0">
+              <a:solidFill>
+                <a:schemeClr val="tx1"/>
+              </a:solidFill>
+              <a:latin typeface="Arial" panose="020B0604020202020204" pitchFamily="34" charset="0"/>
+              <a:cs typeface="Arial" panose="020B0604020202020204" pitchFamily="34" charset="0"/>
+            </a:endParaRPr>
+          </a:p>
+        </p:txBody>
+      </p:sp>
+      <p:sp>
+        <p:nvSpPr>
+          <p:cNvPr id="7" name="Rechteck 6">
+            <a:extLst>
+              <a:ext uri="{FF2B5EF4-FFF2-40B4-BE49-F238E27FC236}">
+                <a16:creationId xmlns:a16="http://schemas.microsoft.com/office/drawing/2014/main" id="{178008E3-9A1E-CBD9-E2C0-A5FC89B22327}"/>
+              </a:ext>
+            </a:extLst>
+          </p:cNvPr>
+          <p:cNvSpPr/>
+          <p:nvPr/>
+        </p:nvSpPr>
+        <p:spPr>
+          <a:xfrm>
+            <a:off x="197648" y="3835566"/>
+            <a:ext cx="2860861" cy="533299"/>
+          </a:xfrm>
+          <a:prstGeom prst="rect">
+            <a:avLst/>
+          </a:prstGeom>
+          <a:noFill/>
+          <a:ln w="19050">
+            <a:solidFill>
+              <a:schemeClr val="tx1"/>
+            </a:solidFill>
+          </a:ln>
+        </p:spPr>
+        <p:style>
+          <a:lnRef idx="2">
+            <a:schemeClr val="accent1">
+              <a:shade val="50000"/>
+            </a:schemeClr>
+          </a:lnRef>
+          <a:fillRef idx="1">
+            <a:schemeClr val="accent1"/>
+          </a:fillRef>
+          <a:effectRef idx="0">
+            <a:schemeClr val="accent1"/>
+          </a:effectRef>
+          <a:fontRef idx="minor">
+            <a:schemeClr val="lt1"/>
+          </a:fontRef>
+        </p:style>
+        <p:txBody>
+          <a:bodyPr rtlCol="0" anchor="ctr"/>
+          <a:lstStyle/>
+          <a:p>
+            <a:pPr algn="ctr"/>
+            <a:r>
+              <a:rPr lang="de-CH" dirty="0" err="1">
+                <a:solidFill>
+                  <a:schemeClr val="tx1"/>
+                </a:solidFill>
+                <a:latin typeface="Arial" panose="020B0604020202020204" pitchFamily="34" charset="0"/>
+                <a:cs typeface="Arial" panose="020B0604020202020204" pitchFamily="34" charset="0"/>
+              </a:rPr>
+              <a:t>GeneralTableData</a:t>
+            </a:r>
+            <a:endParaRPr lang="de-CH" dirty="0">
+              <a:solidFill>
+                <a:schemeClr val="tx1"/>
+              </a:solidFill>
+              <a:latin typeface="Arial" panose="020B0604020202020204" pitchFamily="34" charset="0"/>
+              <a:cs typeface="Arial" panose="020B0604020202020204" pitchFamily="34" charset="0"/>
+            </a:endParaRPr>
+          </a:p>
+          <a:p>
+            <a:pPr algn="ctr"/>
+            <a:r>
+              <a:rPr lang="de-CH" sz="1200" dirty="0">
+                <a:solidFill>
+                  <a:schemeClr val="tx1"/>
+                </a:solidFill>
+                <a:latin typeface="Arial" panose="020B0604020202020204" pitchFamily="34" charset="0"/>
+                <a:cs typeface="Arial" panose="020B0604020202020204" pitchFamily="34" charset="0"/>
+              </a:rPr>
+              <a:t>General </a:t>
+            </a:r>
+            <a:r>
+              <a:rPr lang="de-CH" sz="1200" dirty="0" err="1">
+                <a:solidFill>
+                  <a:schemeClr val="tx1"/>
+                </a:solidFill>
+                <a:latin typeface="Arial" panose="020B0604020202020204" pitchFamily="34" charset="0"/>
+                <a:cs typeface="Arial" panose="020B0604020202020204" pitchFamily="34" charset="0"/>
+              </a:rPr>
+              <a:t>table</a:t>
+            </a:r>
+            <a:r>
+              <a:rPr lang="de-CH" sz="1200" dirty="0">
+                <a:solidFill>
+                  <a:schemeClr val="tx1"/>
+                </a:solidFill>
+                <a:latin typeface="Arial" panose="020B0604020202020204" pitchFamily="34" charset="0"/>
+                <a:cs typeface="Arial" panose="020B0604020202020204" pitchFamily="34" charset="0"/>
+              </a:rPr>
+              <a:t> </a:t>
+            </a:r>
+            <a:r>
+              <a:rPr lang="de-CH" sz="1200" dirty="0" err="1">
+                <a:solidFill>
+                  <a:schemeClr val="tx1"/>
+                </a:solidFill>
+                <a:latin typeface="Arial" panose="020B0604020202020204" pitchFamily="34" charset="0"/>
+                <a:cs typeface="Arial" panose="020B0604020202020204" pitchFamily="34" charset="0"/>
+              </a:rPr>
+              <a:t>data</a:t>
+            </a:r>
+            <a:r>
+              <a:rPr lang="de-CH" sz="1200" dirty="0">
+                <a:solidFill>
+                  <a:schemeClr val="tx1"/>
+                </a:solidFill>
+                <a:latin typeface="Arial" panose="020B0604020202020204" pitchFamily="34" charset="0"/>
+                <a:cs typeface="Arial" panose="020B0604020202020204" pitchFamily="34" charset="0"/>
+              </a:rPr>
+              <a:t> like </a:t>
+            </a:r>
+            <a:r>
+              <a:rPr lang="de-CH" sz="1200" dirty="0" err="1">
+                <a:solidFill>
+                  <a:schemeClr val="tx1"/>
+                </a:solidFill>
+                <a:latin typeface="Arial" panose="020B0604020202020204" pitchFamily="34" charset="0"/>
+                <a:cs typeface="Arial" panose="020B0604020202020204" pitchFamily="34" charset="0"/>
+              </a:rPr>
+              <a:t>colors</a:t>
+            </a:r>
+            <a:endParaRPr lang="de-CH" sz="1200" dirty="0">
+              <a:solidFill>
+                <a:schemeClr val="tx1"/>
+              </a:solidFill>
+              <a:latin typeface="Arial" panose="020B0604020202020204" pitchFamily="34" charset="0"/>
+              <a:cs typeface="Arial" panose="020B0604020202020204" pitchFamily="34" charset="0"/>
+            </a:endParaRPr>
+          </a:p>
+        </p:txBody>
+      </p:sp>
+      <p:sp>
+        <p:nvSpPr>
+          <p:cNvPr id="8" name="Rechteck 7">
+            <a:extLst>
+              <a:ext uri="{FF2B5EF4-FFF2-40B4-BE49-F238E27FC236}">
+                <a16:creationId xmlns:a16="http://schemas.microsoft.com/office/drawing/2014/main" id="{F234E0EB-1D5B-3EC7-F3BB-C433D4F1746F}"/>
+              </a:ext>
+            </a:extLst>
+          </p:cNvPr>
+          <p:cNvSpPr/>
+          <p:nvPr/>
+        </p:nvSpPr>
+        <p:spPr>
+          <a:xfrm>
+            <a:off x="8285986" y="2150434"/>
+            <a:ext cx="2860861" cy="533299"/>
+          </a:xfrm>
+          <a:prstGeom prst="rect">
+            <a:avLst/>
+          </a:prstGeom>
+          <a:noFill/>
+          <a:ln w="19050">
+            <a:solidFill>
+              <a:schemeClr val="tx1"/>
+            </a:solidFill>
+          </a:ln>
+        </p:spPr>
+        <p:style>
+          <a:lnRef idx="2">
+            <a:schemeClr val="accent1">
+              <a:shade val="50000"/>
+            </a:schemeClr>
+          </a:lnRef>
+          <a:fillRef idx="1">
+            <a:schemeClr val="accent1"/>
+          </a:fillRef>
+          <a:effectRef idx="0">
+            <a:schemeClr val="accent1"/>
+          </a:effectRef>
+          <a:fontRef idx="minor">
+            <a:schemeClr val="lt1"/>
+          </a:fontRef>
+        </p:style>
+        <p:txBody>
+          <a:bodyPr rtlCol="0" anchor="ctr"/>
+          <a:lstStyle/>
+          <a:p>
+            <a:pPr algn="ctr"/>
+            <a:r>
+              <a:rPr lang="de-CH" dirty="0" err="1">
+                <a:solidFill>
+                  <a:schemeClr val="tx1"/>
+                </a:solidFill>
+                <a:latin typeface="Arial" panose="020B0604020202020204" pitchFamily="34" charset="0"/>
+                <a:cs typeface="Arial" panose="020B0604020202020204" pitchFamily="34" charset="0"/>
+              </a:rPr>
+              <a:t>StageData</a:t>
+            </a:r>
+            <a:endParaRPr lang="de-CH" dirty="0">
+              <a:solidFill>
+                <a:schemeClr val="tx1"/>
+              </a:solidFill>
+              <a:latin typeface="Arial" panose="020B0604020202020204" pitchFamily="34" charset="0"/>
+              <a:cs typeface="Arial" panose="020B0604020202020204" pitchFamily="34" charset="0"/>
+            </a:endParaRPr>
+          </a:p>
+          <a:p>
+            <a:pPr algn="ctr"/>
+            <a:r>
+              <a:rPr lang="de-CH" sz="1200" dirty="0">
+                <a:solidFill>
+                  <a:schemeClr val="tx1"/>
+                </a:solidFill>
+                <a:latin typeface="Arial" panose="020B0604020202020204" pitchFamily="34" charset="0"/>
+                <a:cs typeface="Arial" panose="020B0604020202020204" pitchFamily="34" charset="0"/>
+              </a:rPr>
+              <a:t>Stage </a:t>
+            </a:r>
+            <a:r>
+              <a:rPr lang="de-CH" sz="1200" dirty="0" err="1">
+                <a:solidFill>
+                  <a:schemeClr val="tx1"/>
+                </a:solidFill>
+                <a:latin typeface="Arial" panose="020B0604020202020204" pitchFamily="34" charset="0"/>
+                <a:cs typeface="Arial" panose="020B0604020202020204" pitchFamily="34" charset="0"/>
+              </a:rPr>
+              <a:t>data</a:t>
+            </a:r>
+            <a:endParaRPr lang="de-CH" sz="1200" dirty="0">
+              <a:solidFill>
+                <a:schemeClr val="tx1"/>
+              </a:solidFill>
+              <a:latin typeface="Arial" panose="020B0604020202020204" pitchFamily="34" charset="0"/>
+              <a:cs typeface="Arial" panose="020B0604020202020204" pitchFamily="34" charset="0"/>
+            </a:endParaRPr>
+          </a:p>
+        </p:txBody>
+      </p:sp>
+      <p:sp>
+        <p:nvSpPr>
+          <p:cNvPr id="9" name="Rechteck 8">
+            <a:extLst>
+              <a:ext uri="{FF2B5EF4-FFF2-40B4-BE49-F238E27FC236}">
+                <a16:creationId xmlns:a16="http://schemas.microsoft.com/office/drawing/2014/main" id="{642A4A2B-BCF8-FA21-4EE5-A3674E7C6FB2}"/>
+              </a:ext>
+            </a:extLst>
+          </p:cNvPr>
+          <p:cNvSpPr/>
+          <p:nvPr/>
+        </p:nvSpPr>
+        <p:spPr>
+          <a:xfrm>
+            <a:off x="8285985" y="2812073"/>
+            <a:ext cx="2860861" cy="533299"/>
+          </a:xfrm>
+          <a:prstGeom prst="rect">
+            <a:avLst/>
+          </a:prstGeom>
+          <a:noFill/>
+          <a:ln w="19050">
+            <a:solidFill>
+              <a:schemeClr val="tx1"/>
+            </a:solidFill>
+          </a:ln>
+        </p:spPr>
+        <p:style>
+          <a:lnRef idx="2">
+            <a:schemeClr val="accent1">
+              <a:shade val="50000"/>
+            </a:schemeClr>
+          </a:lnRef>
+          <a:fillRef idx="1">
+            <a:schemeClr val="accent1"/>
+          </a:fillRef>
+          <a:effectRef idx="0">
+            <a:schemeClr val="accent1"/>
+          </a:effectRef>
+          <a:fontRef idx="minor">
+            <a:schemeClr val="lt1"/>
+          </a:fontRef>
+        </p:style>
+        <p:txBody>
+          <a:bodyPr rtlCol="0" anchor="ctr"/>
+          <a:lstStyle/>
+          <a:p>
+            <a:pPr algn="ctr"/>
+            <a:r>
+              <a:rPr lang="de-CH" dirty="0" err="1">
+                <a:solidFill>
+                  <a:schemeClr val="tx1"/>
+                </a:solidFill>
+                <a:latin typeface="Arial" panose="020B0604020202020204" pitchFamily="34" charset="0"/>
+                <a:cs typeface="Arial" panose="020B0604020202020204" pitchFamily="34" charset="0"/>
+              </a:rPr>
+              <a:t>CashierData</a:t>
+            </a:r>
+            <a:endParaRPr lang="de-CH" dirty="0">
+              <a:solidFill>
+                <a:schemeClr val="tx1"/>
+              </a:solidFill>
+              <a:latin typeface="Arial" panose="020B0604020202020204" pitchFamily="34" charset="0"/>
+              <a:cs typeface="Arial" panose="020B0604020202020204" pitchFamily="34" charset="0"/>
+            </a:endParaRPr>
+          </a:p>
+          <a:p>
+            <a:pPr algn="ctr"/>
+            <a:r>
+              <a:rPr lang="de-CH" sz="1200" dirty="0" err="1">
+                <a:solidFill>
+                  <a:schemeClr val="tx1"/>
+                </a:solidFill>
+                <a:latin typeface="Arial" panose="020B0604020202020204" pitchFamily="34" charset="0"/>
+                <a:cs typeface="Arial" panose="020B0604020202020204" pitchFamily="34" charset="0"/>
+              </a:rPr>
+              <a:t>Cashier</a:t>
+            </a:r>
+            <a:r>
+              <a:rPr lang="de-CH" sz="1200" dirty="0">
+                <a:solidFill>
+                  <a:schemeClr val="tx1"/>
+                </a:solidFill>
+                <a:latin typeface="Arial" panose="020B0604020202020204" pitchFamily="34" charset="0"/>
+                <a:cs typeface="Arial" panose="020B0604020202020204" pitchFamily="34" charset="0"/>
+              </a:rPr>
+              <a:t> </a:t>
+            </a:r>
+            <a:r>
+              <a:rPr lang="de-CH" sz="1200" dirty="0" err="1">
+                <a:solidFill>
+                  <a:schemeClr val="tx1"/>
+                </a:solidFill>
+                <a:latin typeface="Arial" panose="020B0604020202020204" pitchFamily="34" charset="0"/>
+                <a:cs typeface="Arial" panose="020B0604020202020204" pitchFamily="34" charset="0"/>
+              </a:rPr>
+              <a:t>data</a:t>
+            </a:r>
+            <a:endParaRPr lang="de-CH" sz="1200" dirty="0">
+              <a:solidFill>
+                <a:schemeClr val="tx1"/>
+              </a:solidFill>
+              <a:latin typeface="Arial" panose="020B0604020202020204" pitchFamily="34" charset="0"/>
+              <a:cs typeface="Arial" panose="020B0604020202020204" pitchFamily="34" charset="0"/>
+            </a:endParaRPr>
+          </a:p>
+        </p:txBody>
+      </p:sp>
+      <p:sp>
+        <p:nvSpPr>
+          <p:cNvPr id="10" name="Rechteck 9">
+            <a:extLst>
+              <a:ext uri="{FF2B5EF4-FFF2-40B4-BE49-F238E27FC236}">
+                <a16:creationId xmlns:a16="http://schemas.microsoft.com/office/drawing/2014/main" id="{545E4A86-D2E7-A8EA-5D7A-E803474CD0E3}"/>
+              </a:ext>
+            </a:extLst>
+          </p:cNvPr>
+          <p:cNvSpPr/>
+          <p:nvPr/>
+        </p:nvSpPr>
+        <p:spPr>
+          <a:xfrm>
+            <a:off x="8285985" y="3466278"/>
+            <a:ext cx="2860861" cy="533299"/>
+          </a:xfrm>
+          <a:prstGeom prst="rect">
+            <a:avLst/>
+          </a:prstGeom>
+          <a:noFill/>
+          <a:ln w="19050">
+            <a:solidFill>
+              <a:schemeClr val="tx1"/>
+            </a:solidFill>
+          </a:ln>
+        </p:spPr>
+        <p:style>
+          <a:lnRef idx="2">
+            <a:schemeClr val="accent1">
+              <a:shade val="50000"/>
+            </a:schemeClr>
+          </a:lnRef>
+          <a:fillRef idx="1">
+            <a:schemeClr val="accent1"/>
+          </a:fillRef>
+          <a:effectRef idx="0">
+            <a:schemeClr val="accent1"/>
+          </a:effectRef>
+          <a:fontRef idx="minor">
+            <a:schemeClr val="lt1"/>
+          </a:fontRef>
+        </p:style>
+        <p:txBody>
+          <a:bodyPr rtlCol="0" anchor="ctr"/>
+          <a:lstStyle/>
+          <a:p>
+            <a:pPr algn="ctr"/>
+            <a:r>
+              <a:rPr lang="de-CH" dirty="0" err="1">
+                <a:solidFill>
+                  <a:schemeClr val="tx1"/>
+                </a:solidFill>
+                <a:latin typeface="Arial" panose="020B0604020202020204" pitchFamily="34" charset="0"/>
+                <a:cs typeface="Arial" panose="020B0604020202020204" pitchFamily="34" charset="0"/>
+              </a:rPr>
+              <a:t>TextImageCaptions</a:t>
+            </a:r>
+            <a:endParaRPr lang="de-CH" dirty="0">
+              <a:solidFill>
+                <a:schemeClr val="tx1"/>
+              </a:solidFill>
+              <a:latin typeface="Arial" panose="020B0604020202020204" pitchFamily="34" charset="0"/>
+              <a:cs typeface="Arial" panose="020B0604020202020204" pitchFamily="34" charset="0"/>
+            </a:endParaRPr>
+          </a:p>
+          <a:p>
+            <a:pPr algn="ctr"/>
+            <a:r>
+              <a:rPr lang="de-CH" sz="1200" dirty="0">
+                <a:solidFill>
+                  <a:schemeClr val="tx1"/>
+                </a:solidFill>
+                <a:latin typeface="Arial" panose="020B0604020202020204" pitchFamily="34" charset="0"/>
+                <a:cs typeface="Arial" panose="020B0604020202020204" pitchFamily="34" charset="0"/>
+              </a:rPr>
+              <a:t>T</a:t>
+            </a:r>
+            <a:r>
+              <a:rPr lang="en-US" sz="1200" dirty="0" err="1">
+                <a:solidFill>
+                  <a:schemeClr val="tx1"/>
+                </a:solidFill>
+                <a:latin typeface="Arial" panose="020B0604020202020204" pitchFamily="34" charset="0"/>
+                <a:cs typeface="Arial" panose="020B0604020202020204" pitchFamily="34" charset="0"/>
+              </a:rPr>
+              <a:t>ext</a:t>
+            </a:r>
+            <a:r>
+              <a:rPr lang="en-US" sz="1200" dirty="0">
+                <a:solidFill>
+                  <a:schemeClr val="tx1"/>
+                </a:solidFill>
+                <a:latin typeface="Arial" panose="020B0604020202020204" pitchFamily="34" charset="0"/>
+                <a:cs typeface="Arial" panose="020B0604020202020204" pitchFamily="34" charset="0"/>
+              </a:rPr>
+              <a:t> image captions for buttons</a:t>
+            </a:r>
+            <a:endParaRPr lang="de-CH" sz="1200" dirty="0">
+              <a:solidFill>
+                <a:schemeClr val="tx1"/>
+              </a:solidFill>
+              <a:latin typeface="Arial" panose="020B0604020202020204" pitchFamily="34" charset="0"/>
+              <a:cs typeface="Arial" panose="020B0604020202020204" pitchFamily="34" charset="0"/>
+            </a:endParaRPr>
+          </a:p>
+        </p:txBody>
+      </p:sp>
+      <p:sp>
+        <p:nvSpPr>
+          <p:cNvPr id="11" name="Rechteck 10">
+            <a:extLst>
+              <a:ext uri="{FF2B5EF4-FFF2-40B4-BE49-F238E27FC236}">
+                <a16:creationId xmlns:a16="http://schemas.microsoft.com/office/drawing/2014/main" id="{A37BC87B-1617-CF66-BE19-C98971AA94A0}"/>
+              </a:ext>
+            </a:extLst>
+          </p:cNvPr>
+          <p:cNvSpPr/>
+          <p:nvPr/>
+        </p:nvSpPr>
+        <p:spPr>
+          <a:xfrm>
+            <a:off x="8285985" y="4120483"/>
+            <a:ext cx="2860861" cy="533299"/>
+          </a:xfrm>
+          <a:prstGeom prst="rect">
+            <a:avLst/>
+          </a:prstGeom>
+          <a:noFill/>
+          <a:ln w="19050">
+            <a:solidFill>
+              <a:schemeClr val="tx1"/>
+            </a:solidFill>
+          </a:ln>
+        </p:spPr>
+        <p:style>
+          <a:lnRef idx="2">
+            <a:schemeClr val="accent1">
+              <a:shade val="50000"/>
+            </a:schemeClr>
+          </a:lnRef>
+          <a:fillRef idx="1">
+            <a:schemeClr val="accent1"/>
+          </a:fillRef>
+          <a:effectRef idx="0">
+            <a:schemeClr val="accent1"/>
+          </a:effectRef>
+          <a:fontRef idx="minor">
+            <a:schemeClr val="lt1"/>
+          </a:fontRef>
+        </p:style>
+        <p:txBody>
+          <a:bodyPr rtlCol="0" anchor="ctr"/>
+          <a:lstStyle/>
+          <a:p>
+            <a:pPr algn="ctr"/>
+            <a:r>
+              <a:rPr lang="de-CH" dirty="0" err="1">
+                <a:solidFill>
+                  <a:schemeClr val="tx1"/>
+                </a:solidFill>
+                <a:latin typeface="Arial" panose="020B0604020202020204" pitchFamily="34" charset="0"/>
+                <a:cs typeface="Arial" panose="020B0604020202020204" pitchFamily="34" charset="0"/>
+              </a:rPr>
+              <a:t>ButtonData</a:t>
+            </a:r>
+            <a:endParaRPr lang="de-CH" dirty="0">
+              <a:solidFill>
+                <a:schemeClr val="tx1"/>
+              </a:solidFill>
+              <a:latin typeface="Arial" panose="020B0604020202020204" pitchFamily="34" charset="0"/>
+              <a:cs typeface="Arial" panose="020B0604020202020204" pitchFamily="34" charset="0"/>
+            </a:endParaRPr>
+          </a:p>
+          <a:p>
+            <a:pPr algn="ctr"/>
+            <a:r>
+              <a:rPr lang="de-CH" sz="1200" dirty="0">
+                <a:solidFill>
+                  <a:schemeClr val="tx1"/>
+                </a:solidFill>
+                <a:latin typeface="Arial" panose="020B0604020202020204" pitchFamily="34" charset="0"/>
+                <a:cs typeface="Arial" panose="020B0604020202020204" pitchFamily="34" charset="0"/>
+              </a:rPr>
+              <a:t>Button </a:t>
+            </a:r>
+            <a:r>
+              <a:rPr lang="de-CH" sz="1200" dirty="0" err="1">
+                <a:solidFill>
+                  <a:schemeClr val="tx1"/>
+                </a:solidFill>
+                <a:latin typeface="Arial" panose="020B0604020202020204" pitchFamily="34" charset="0"/>
+                <a:cs typeface="Arial" panose="020B0604020202020204" pitchFamily="34" charset="0"/>
+              </a:rPr>
+              <a:t>data</a:t>
+            </a:r>
+            <a:endParaRPr lang="de-CH" sz="1200" dirty="0">
+              <a:solidFill>
+                <a:schemeClr val="tx1"/>
+              </a:solidFill>
+              <a:latin typeface="Arial" panose="020B0604020202020204" pitchFamily="34" charset="0"/>
+              <a:cs typeface="Arial" panose="020B0604020202020204" pitchFamily="34" charset="0"/>
+            </a:endParaRPr>
+          </a:p>
+        </p:txBody>
+      </p:sp>
+      <p:sp>
+        <p:nvSpPr>
+          <p:cNvPr id="12" name="Rechteck 11">
+            <a:extLst>
+              <a:ext uri="{FF2B5EF4-FFF2-40B4-BE49-F238E27FC236}">
+                <a16:creationId xmlns:a16="http://schemas.microsoft.com/office/drawing/2014/main" id="{0F30A51A-13E9-F446-F91B-44C183704E03}"/>
+              </a:ext>
+            </a:extLst>
+          </p:cNvPr>
+          <p:cNvSpPr/>
+          <p:nvPr/>
+        </p:nvSpPr>
+        <p:spPr>
+          <a:xfrm>
+            <a:off x="8285985" y="4782122"/>
+            <a:ext cx="2860861" cy="533299"/>
+          </a:xfrm>
+          <a:prstGeom prst="rect">
+            <a:avLst/>
+          </a:prstGeom>
+          <a:noFill/>
+          <a:ln w="19050">
+            <a:solidFill>
+              <a:schemeClr val="tx1"/>
+            </a:solidFill>
+          </a:ln>
+        </p:spPr>
+        <p:style>
+          <a:lnRef idx="2">
+            <a:schemeClr val="accent1">
+              <a:shade val="50000"/>
+            </a:schemeClr>
+          </a:lnRef>
+          <a:fillRef idx="1">
+            <a:schemeClr val="accent1"/>
+          </a:fillRef>
+          <a:effectRef idx="0">
+            <a:schemeClr val="accent1"/>
+          </a:effectRef>
+          <a:fontRef idx="minor">
+            <a:schemeClr val="lt1"/>
+          </a:fontRef>
+        </p:style>
+        <p:txBody>
+          <a:bodyPr rtlCol="0" anchor="ctr"/>
+          <a:lstStyle/>
+          <a:p>
+            <a:pPr algn="ctr"/>
+            <a:r>
+              <a:rPr lang="de-CH" dirty="0" err="1">
+                <a:solidFill>
+                  <a:schemeClr val="tx1"/>
+                </a:solidFill>
+                <a:latin typeface="Arial" panose="020B0604020202020204" pitchFamily="34" charset="0"/>
+                <a:cs typeface="Arial" panose="020B0604020202020204" pitchFamily="34" charset="0"/>
+              </a:rPr>
+              <a:t>DoorData</a:t>
+            </a:r>
+            <a:endParaRPr lang="de-CH" dirty="0">
+              <a:solidFill>
+                <a:schemeClr val="tx1"/>
+              </a:solidFill>
+              <a:latin typeface="Arial" panose="020B0604020202020204" pitchFamily="34" charset="0"/>
+              <a:cs typeface="Arial" panose="020B0604020202020204" pitchFamily="34" charset="0"/>
+            </a:endParaRPr>
+          </a:p>
+          <a:p>
+            <a:pPr algn="ctr"/>
+            <a:r>
+              <a:rPr lang="de-CH" sz="1200" dirty="0">
+                <a:solidFill>
+                  <a:schemeClr val="tx1"/>
+                </a:solidFill>
+                <a:latin typeface="Arial" panose="020B0604020202020204" pitchFamily="34" charset="0"/>
+                <a:cs typeface="Arial" panose="020B0604020202020204" pitchFamily="34" charset="0"/>
+              </a:rPr>
+              <a:t>Door </a:t>
+            </a:r>
+            <a:r>
+              <a:rPr lang="de-CH" sz="1200" dirty="0" err="1">
+                <a:solidFill>
+                  <a:schemeClr val="tx1"/>
+                </a:solidFill>
+                <a:latin typeface="Arial" panose="020B0604020202020204" pitchFamily="34" charset="0"/>
+                <a:cs typeface="Arial" panose="020B0604020202020204" pitchFamily="34" charset="0"/>
+              </a:rPr>
+              <a:t>data</a:t>
+            </a:r>
+            <a:endParaRPr lang="de-CH" sz="1200" dirty="0">
+              <a:solidFill>
+                <a:schemeClr val="tx1"/>
+              </a:solidFill>
+              <a:latin typeface="Arial" panose="020B0604020202020204" pitchFamily="34" charset="0"/>
+              <a:cs typeface="Arial" panose="020B0604020202020204" pitchFamily="34" charset="0"/>
+            </a:endParaRPr>
+          </a:p>
+        </p:txBody>
+      </p:sp>
+      <p:sp>
+        <p:nvSpPr>
+          <p:cNvPr id="13" name="Rechteck 12">
+            <a:extLst>
+              <a:ext uri="{FF2B5EF4-FFF2-40B4-BE49-F238E27FC236}">
+                <a16:creationId xmlns:a16="http://schemas.microsoft.com/office/drawing/2014/main" id="{D9BADC70-C098-035C-E3F6-ED4A3601919C}"/>
+              </a:ext>
+            </a:extLst>
+          </p:cNvPr>
+          <p:cNvSpPr/>
+          <p:nvPr/>
+        </p:nvSpPr>
+        <p:spPr>
+          <a:xfrm>
+            <a:off x="3668772" y="712196"/>
+            <a:ext cx="2860861" cy="533299"/>
+          </a:xfrm>
+          <a:prstGeom prst="rect">
+            <a:avLst/>
+          </a:prstGeom>
+          <a:noFill/>
+          <a:ln w="19050">
+            <a:solidFill>
+              <a:schemeClr val="tx1"/>
+            </a:solidFill>
+          </a:ln>
+        </p:spPr>
+        <p:style>
+          <a:lnRef idx="2">
+            <a:schemeClr val="accent1">
+              <a:shade val="50000"/>
+            </a:schemeClr>
+          </a:lnRef>
+          <a:fillRef idx="1">
+            <a:schemeClr val="accent1"/>
+          </a:fillRef>
+          <a:effectRef idx="0">
+            <a:schemeClr val="accent1"/>
+          </a:effectRef>
+          <a:fontRef idx="minor">
+            <a:schemeClr val="lt1"/>
+          </a:fontRef>
+        </p:style>
+        <p:txBody>
+          <a:bodyPr rtlCol="0" anchor="ctr"/>
+          <a:lstStyle/>
+          <a:p>
+            <a:pPr algn="ctr"/>
+            <a:r>
+              <a:rPr lang="de-CH" dirty="0" err="1">
+                <a:solidFill>
+                  <a:schemeClr val="tx1"/>
+                </a:solidFill>
+                <a:latin typeface="Arial" panose="020B0604020202020204" pitchFamily="34" charset="0"/>
+                <a:cs typeface="Arial" panose="020B0604020202020204" pitchFamily="34" charset="0"/>
+              </a:rPr>
+              <a:t>TableData</a:t>
+            </a:r>
+            <a:endParaRPr lang="de-CH" dirty="0">
+              <a:solidFill>
+                <a:schemeClr val="tx1"/>
+              </a:solidFill>
+              <a:latin typeface="Arial" panose="020B0604020202020204" pitchFamily="34" charset="0"/>
+              <a:cs typeface="Arial" panose="020B0604020202020204" pitchFamily="34" charset="0"/>
+            </a:endParaRPr>
+          </a:p>
+          <a:p>
+            <a:pPr algn="ctr"/>
+            <a:r>
+              <a:rPr lang="de-CH" sz="1200" dirty="0">
+                <a:solidFill>
+                  <a:schemeClr val="tx1"/>
+                </a:solidFill>
+                <a:latin typeface="Arial" panose="020B0604020202020204" pitchFamily="34" charset="0"/>
+                <a:cs typeface="Arial" panose="020B0604020202020204" pitchFamily="34" charset="0"/>
+              </a:rPr>
+              <a:t>Table </a:t>
+            </a:r>
+            <a:r>
+              <a:rPr lang="de-CH" sz="1200" dirty="0" err="1">
+                <a:solidFill>
+                  <a:schemeClr val="tx1"/>
+                </a:solidFill>
+                <a:latin typeface="Arial" panose="020B0604020202020204" pitchFamily="34" charset="0"/>
+                <a:cs typeface="Arial" panose="020B0604020202020204" pitchFamily="34" charset="0"/>
+              </a:rPr>
+              <a:t>data</a:t>
+            </a:r>
+            <a:endParaRPr lang="de-CH" sz="1200" dirty="0">
+              <a:solidFill>
+                <a:schemeClr val="tx1"/>
+              </a:solidFill>
+              <a:latin typeface="Arial" panose="020B0604020202020204" pitchFamily="34" charset="0"/>
+              <a:cs typeface="Arial" panose="020B0604020202020204" pitchFamily="34" charset="0"/>
+            </a:endParaRPr>
+          </a:p>
+        </p:txBody>
+      </p:sp>
+      <p:sp>
+        <p:nvSpPr>
+          <p:cNvPr id="14" name="Rechteck 13">
+            <a:extLst>
+              <a:ext uri="{FF2B5EF4-FFF2-40B4-BE49-F238E27FC236}">
+                <a16:creationId xmlns:a16="http://schemas.microsoft.com/office/drawing/2014/main" id="{41521CB6-3439-4F6E-05ED-ECA5CE77D4B2}"/>
+              </a:ext>
+            </a:extLst>
+          </p:cNvPr>
+          <p:cNvSpPr/>
+          <p:nvPr/>
+        </p:nvSpPr>
+        <p:spPr>
+          <a:xfrm>
+            <a:off x="8248982" y="864015"/>
+            <a:ext cx="2860861" cy="533299"/>
+          </a:xfrm>
+          <a:prstGeom prst="rect">
+            <a:avLst/>
+          </a:prstGeom>
+          <a:noFill/>
+          <a:ln w="19050">
+            <a:solidFill>
+              <a:schemeClr val="tx1"/>
+            </a:solidFill>
+          </a:ln>
+        </p:spPr>
+        <p:style>
+          <a:lnRef idx="2">
+            <a:schemeClr val="accent1">
+              <a:shade val="50000"/>
+            </a:schemeClr>
+          </a:lnRef>
+          <a:fillRef idx="1">
+            <a:schemeClr val="accent1"/>
+          </a:fillRef>
+          <a:effectRef idx="0">
+            <a:schemeClr val="accent1"/>
+          </a:effectRef>
+          <a:fontRef idx="minor">
+            <a:schemeClr val="lt1"/>
+          </a:fontRef>
+        </p:style>
+        <p:txBody>
+          <a:bodyPr rtlCol="0" anchor="ctr"/>
+          <a:lstStyle/>
+          <a:p>
+            <a:pPr algn="ctr"/>
+            <a:r>
+              <a:rPr lang="de-CH" dirty="0" err="1">
+                <a:solidFill>
+                  <a:schemeClr val="tx1"/>
+                </a:solidFill>
+                <a:latin typeface="Arial" panose="020B0604020202020204" pitchFamily="34" charset="0"/>
+                <a:cs typeface="Arial" panose="020B0604020202020204" pitchFamily="34" charset="0"/>
+              </a:rPr>
+              <a:t>GroupData</a:t>
+            </a:r>
+            <a:endParaRPr lang="de-CH" dirty="0">
+              <a:solidFill>
+                <a:schemeClr val="tx1"/>
+              </a:solidFill>
+              <a:latin typeface="Arial" panose="020B0604020202020204" pitchFamily="34" charset="0"/>
+              <a:cs typeface="Arial" panose="020B0604020202020204" pitchFamily="34" charset="0"/>
+            </a:endParaRPr>
+          </a:p>
+          <a:p>
+            <a:pPr algn="ctr"/>
+            <a:r>
+              <a:rPr lang="de-CH" sz="1200" dirty="0">
+                <a:solidFill>
+                  <a:schemeClr val="tx1"/>
+                </a:solidFill>
+                <a:latin typeface="Arial" panose="020B0604020202020204" pitchFamily="34" charset="0"/>
+                <a:cs typeface="Arial" panose="020B0604020202020204" pitchFamily="34" charset="0"/>
+              </a:rPr>
+              <a:t>Table </a:t>
+            </a:r>
+            <a:r>
+              <a:rPr lang="de-CH" sz="1200" dirty="0" err="1">
+                <a:solidFill>
+                  <a:schemeClr val="tx1"/>
+                </a:solidFill>
+                <a:latin typeface="Arial" panose="020B0604020202020204" pitchFamily="34" charset="0"/>
+                <a:cs typeface="Arial" panose="020B0604020202020204" pitchFamily="34" charset="0"/>
+              </a:rPr>
+              <a:t>data</a:t>
+            </a:r>
+            <a:endParaRPr lang="de-CH" sz="1200" dirty="0">
+              <a:solidFill>
+                <a:schemeClr val="tx1"/>
+              </a:solidFill>
+              <a:latin typeface="Arial" panose="020B0604020202020204" pitchFamily="34" charset="0"/>
+              <a:cs typeface="Arial" panose="020B0604020202020204" pitchFamily="34" charset="0"/>
+            </a:endParaRPr>
+          </a:p>
+        </p:txBody>
+      </p:sp>
+      <p:sp>
+        <p:nvSpPr>
+          <p:cNvPr id="15" name="Rechteck 14">
+            <a:extLst>
+              <a:ext uri="{FF2B5EF4-FFF2-40B4-BE49-F238E27FC236}">
+                <a16:creationId xmlns:a16="http://schemas.microsoft.com/office/drawing/2014/main" id="{EFD8B9C7-B269-0AF2-6974-2851DFC686DC}"/>
+              </a:ext>
+            </a:extLst>
+          </p:cNvPr>
+          <p:cNvSpPr/>
+          <p:nvPr/>
+        </p:nvSpPr>
+        <p:spPr>
+          <a:xfrm>
+            <a:off x="8248982" y="1473620"/>
+            <a:ext cx="2860861" cy="533299"/>
+          </a:xfrm>
+          <a:prstGeom prst="rect">
+            <a:avLst/>
+          </a:prstGeom>
+          <a:noFill/>
+          <a:ln w="19050">
+            <a:solidFill>
+              <a:schemeClr val="tx1"/>
+            </a:solidFill>
+          </a:ln>
+        </p:spPr>
+        <p:style>
+          <a:lnRef idx="2">
+            <a:schemeClr val="accent1">
+              <a:shade val="50000"/>
+            </a:schemeClr>
+          </a:lnRef>
+          <a:fillRef idx="1">
+            <a:schemeClr val="accent1"/>
+          </a:fillRef>
+          <a:effectRef idx="0">
+            <a:schemeClr val="accent1"/>
+          </a:effectRef>
+          <a:fontRef idx="minor">
+            <a:schemeClr val="lt1"/>
+          </a:fontRef>
+        </p:style>
+        <p:txBody>
+          <a:bodyPr rtlCol="0" anchor="ctr"/>
+          <a:lstStyle/>
+          <a:p>
+            <a:pPr algn="ctr"/>
+            <a:r>
+              <a:rPr lang="de-CH" dirty="0" err="1">
+                <a:solidFill>
+                  <a:schemeClr val="tx1"/>
+                </a:solidFill>
+                <a:latin typeface="Arial" panose="020B0604020202020204" pitchFamily="34" charset="0"/>
+                <a:cs typeface="Arial" panose="020B0604020202020204" pitchFamily="34" charset="0"/>
+              </a:rPr>
+              <a:t>LayoutDataInput</a:t>
+            </a:r>
+            <a:endParaRPr lang="de-CH" dirty="0">
+              <a:solidFill>
+                <a:schemeClr val="tx1"/>
+              </a:solidFill>
+              <a:latin typeface="Arial" panose="020B0604020202020204" pitchFamily="34" charset="0"/>
+              <a:cs typeface="Arial" panose="020B0604020202020204" pitchFamily="34" charset="0"/>
+            </a:endParaRPr>
+          </a:p>
+          <a:p>
+            <a:pPr algn="ctr"/>
+            <a:r>
+              <a:rPr lang="de-CH" sz="1200" dirty="0">
+                <a:solidFill>
+                  <a:schemeClr val="tx1"/>
+                </a:solidFill>
+                <a:latin typeface="Arial" panose="020B0604020202020204" pitchFamily="34" charset="0"/>
+                <a:cs typeface="Arial" panose="020B0604020202020204" pitchFamily="34" charset="0"/>
+              </a:rPr>
+              <a:t>Checks </a:t>
+            </a:r>
+            <a:r>
+              <a:rPr lang="de-CH" sz="1200" dirty="0" err="1">
+                <a:solidFill>
+                  <a:schemeClr val="tx1"/>
+                </a:solidFill>
+                <a:latin typeface="Arial" panose="020B0604020202020204" pitchFamily="34" charset="0"/>
+                <a:cs typeface="Arial" panose="020B0604020202020204" pitchFamily="34" charset="0"/>
+              </a:rPr>
+              <a:t>layout</a:t>
+            </a:r>
+            <a:r>
+              <a:rPr lang="de-CH" sz="1200" dirty="0">
+                <a:solidFill>
+                  <a:schemeClr val="tx1"/>
+                </a:solidFill>
+                <a:latin typeface="Arial" panose="020B0604020202020204" pitchFamily="34" charset="0"/>
+                <a:cs typeface="Arial" panose="020B0604020202020204" pitchFamily="34" charset="0"/>
+              </a:rPr>
+              <a:t> </a:t>
+            </a:r>
+            <a:r>
+              <a:rPr lang="de-CH" sz="1200" dirty="0" err="1">
+                <a:solidFill>
+                  <a:schemeClr val="tx1"/>
+                </a:solidFill>
+                <a:latin typeface="Arial" panose="020B0604020202020204" pitchFamily="34" charset="0"/>
+                <a:cs typeface="Arial" panose="020B0604020202020204" pitchFamily="34" charset="0"/>
+              </a:rPr>
+              <a:t>input</a:t>
+            </a:r>
+            <a:r>
+              <a:rPr lang="de-CH" sz="1200" dirty="0">
+                <a:solidFill>
+                  <a:schemeClr val="tx1"/>
+                </a:solidFill>
+                <a:latin typeface="Arial" panose="020B0604020202020204" pitchFamily="34" charset="0"/>
+                <a:cs typeface="Arial" panose="020B0604020202020204" pitchFamily="34" charset="0"/>
+              </a:rPr>
+              <a:t> </a:t>
+            </a:r>
+            <a:r>
+              <a:rPr lang="de-CH" sz="1200" dirty="0" err="1">
+                <a:solidFill>
+                  <a:schemeClr val="tx1"/>
+                </a:solidFill>
+                <a:latin typeface="Arial" panose="020B0604020202020204" pitchFamily="34" charset="0"/>
+                <a:cs typeface="Arial" panose="020B0604020202020204" pitchFamily="34" charset="0"/>
+              </a:rPr>
+              <a:t>data</a:t>
+            </a:r>
+            <a:endParaRPr lang="de-CH" sz="1200" dirty="0">
+              <a:solidFill>
+                <a:schemeClr val="tx1"/>
+              </a:solidFill>
+              <a:latin typeface="Arial" panose="020B0604020202020204" pitchFamily="34" charset="0"/>
+              <a:cs typeface="Arial" panose="020B0604020202020204" pitchFamily="34" charset="0"/>
+            </a:endParaRPr>
+          </a:p>
+        </p:txBody>
+      </p:sp>
+      <p:sp>
+        <p:nvSpPr>
+          <p:cNvPr id="5" name="Rechteck 4">
+            <a:extLst>
+              <a:ext uri="{FF2B5EF4-FFF2-40B4-BE49-F238E27FC236}">
+                <a16:creationId xmlns:a16="http://schemas.microsoft.com/office/drawing/2014/main" id="{B5B2C002-96D3-16AF-B614-7AE6C90F6880}"/>
+              </a:ext>
+            </a:extLst>
+          </p:cNvPr>
+          <p:cNvSpPr/>
+          <p:nvPr/>
+        </p:nvSpPr>
+        <p:spPr>
+          <a:xfrm>
+            <a:off x="197647" y="1237062"/>
+            <a:ext cx="2860861" cy="1730192"/>
+          </a:xfrm>
+          <a:prstGeom prst="rect">
+            <a:avLst/>
+          </a:prstGeom>
+          <a:noFill/>
+          <a:ln w="19050">
+            <a:solidFill>
+              <a:schemeClr val="tx1"/>
+            </a:solidFill>
+          </a:ln>
+        </p:spPr>
+        <p:style>
+          <a:lnRef idx="2">
+            <a:schemeClr val="accent1">
+              <a:shade val="50000"/>
+            </a:schemeClr>
+          </a:lnRef>
+          <a:fillRef idx="1">
+            <a:schemeClr val="accent1"/>
+          </a:fillRef>
+          <a:effectRef idx="0">
+            <a:schemeClr val="accent1"/>
+          </a:effectRef>
+          <a:fontRef idx="minor">
+            <a:schemeClr val="lt1"/>
+          </a:fontRef>
+        </p:style>
+        <p:txBody>
+          <a:bodyPr rtlCol="0" anchor="ctr"/>
+          <a:lstStyle/>
+          <a:p>
+            <a:r>
+              <a:rPr lang="en-US" sz="1200" dirty="0">
+                <a:solidFill>
+                  <a:schemeClr val="tx1"/>
+                </a:solidFill>
+                <a:latin typeface="Arial" panose="020B0604020202020204" pitchFamily="34" charset="0"/>
+                <a:cs typeface="Arial" panose="020B0604020202020204" pitchFamily="34" charset="0"/>
+              </a:rPr>
+              <a:t>Member variables</a:t>
+            </a:r>
+          </a:p>
+          <a:p>
+            <a:r>
+              <a:rPr lang="en-US" sz="1000" b="1" dirty="0" err="1">
+                <a:solidFill>
+                  <a:schemeClr val="tx1"/>
+                </a:solidFill>
+                <a:latin typeface="Arial" panose="020B0604020202020204" pitchFamily="34" charset="0"/>
+                <a:cs typeface="Arial" panose="020B0604020202020204" pitchFamily="34" charset="0"/>
+              </a:rPr>
+              <a:t>m_layout_xml</a:t>
+            </a:r>
+            <a:r>
+              <a:rPr lang="en-US" sz="1000" b="1" dirty="0">
+                <a:solidFill>
+                  <a:schemeClr val="tx1"/>
+                </a:solidFill>
+                <a:latin typeface="Arial" panose="020B0604020202020204" pitchFamily="34" charset="0"/>
+                <a:cs typeface="Arial" panose="020B0604020202020204" pitchFamily="34" charset="0"/>
+              </a:rPr>
+              <a:t>, </a:t>
+            </a:r>
+            <a:r>
+              <a:rPr lang="en-US" sz="1000" b="1" dirty="0" err="1">
+                <a:solidFill>
+                  <a:schemeClr val="tx1"/>
+                </a:solidFill>
+                <a:latin typeface="Arial" panose="020B0604020202020204" pitchFamily="34" charset="0"/>
+                <a:cs typeface="Arial" panose="020B0604020202020204" pitchFamily="34" charset="0"/>
+              </a:rPr>
+              <a:t>m_case</a:t>
+            </a:r>
+            <a:r>
+              <a:rPr lang="en-US" sz="1000" b="1" dirty="0">
+                <a:solidFill>
+                  <a:schemeClr val="tx1"/>
+                </a:solidFill>
+                <a:latin typeface="Arial" panose="020B0604020202020204" pitchFamily="34" charset="0"/>
+                <a:cs typeface="Arial" panose="020B0604020202020204" pitchFamily="34" charset="0"/>
+              </a:rPr>
+              <a:t>, </a:t>
+            </a:r>
+            <a:r>
+              <a:rPr lang="en-US" sz="1000" b="1" dirty="0" err="1">
+                <a:solidFill>
+                  <a:schemeClr val="tx1"/>
+                </a:solidFill>
+                <a:latin typeface="Arial" panose="020B0604020202020204" pitchFamily="34" charset="0"/>
+                <a:cs typeface="Arial" panose="020B0604020202020204" pitchFamily="34" charset="0"/>
+              </a:rPr>
+              <a:t>m_html_name</a:t>
+            </a:r>
+            <a:r>
+              <a:rPr lang="en-US" sz="1000" b="1" dirty="0">
+                <a:solidFill>
+                  <a:schemeClr val="tx1"/>
+                </a:solidFill>
+                <a:latin typeface="Arial" panose="020B0604020202020204" pitchFamily="34" charset="0"/>
+                <a:cs typeface="Arial" panose="020B0604020202020204" pitchFamily="34" charset="0"/>
+              </a:rPr>
+              <a:t>, …</a:t>
+            </a:r>
+          </a:p>
+          <a:p>
+            <a:endParaRPr lang="en-US" sz="1000" b="1" dirty="0">
+              <a:solidFill>
+                <a:schemeClr val="tx1"/>
+              </a:solidFill>
+              <a:latin typeface="Arial" panose="020B0604020202020204" pitchFamily="34" charset="0"/>
+              <a:cs typeface="Arial" panose="020B0604020202020204" pitchFamily="34" charset="0"/>
+            </a:endParaRPr>
+          </a:p>
+          <a:p>
+            <a:r>
+              <a:rPr lang="en-US" sz="1200" dirty="0">
+                <a:solidFill>
+                  <a:schemeClr val="tx1"/>
+                </a:solidFill>
+                <a:latin typeface="Arial" panose="020B0604020202020204" pitchFamily="34" charset="0"/>
+                <a:cs typeface="Arial" panose="020B0604020202020204" pitchFamily="34" charset="0"/>
+              </a:rPr>
+              <a:t>Member functions</a:t>
+            </a:r>
+          </a:p>
+          <a:p>
+            <a:r>
+              <a:rPr lang="de-CH" sz="1000" b="1" dirty="0" err="1">
+                <a:solidFill>
+                  <a:schemeClr val="tx1"/>
+                </a:solidFill>
+                <a:latin typeface="Arial" panose="020B0604020202020204" pitchFamily="34" charset="0"/>
+                <a:cs typeface="Arial" panose="020B0604020202020204" pitchFamily="34" charset="0"/>
+              </a:rPr>
+              <a:t>execute</a:t>
+            </a:r>
+            <a:r>
+              <a:rPr lang="de-CH" sz="1000" b="1" dirty="0">
+                <a:solidFill>
+                  <a:schemeClr val="tx1"/>
+                </a:solidFill>
+                <a:latin typeface="Arial" panose="020B0604020202020204" pitchFamily="34" charset="0"/>
+                <a:cs typeface="Arial" panose="020B0604020202020204" pitchFamily="34" charset="0"/>
+              </a:rPr>
+              <a:t> </a:t>
+            </a:r>
+            <a:r>
+              <a:rPr lang="de-CH" sz="1000" b="1" dirty="0" err="1">
+                <a:solidFill>
+                  <a:schemeClr val="tx1"/>
+                </a:solidFill>
+                <a:latin typeface="Arial" panose="020B0604020202020204" pitchFamily="34" charset="0"/>
+                <a:cs typeface="Arial" panose="020B0604020202020204" pitchFamily="34" charset="0"/>
+              </a:rPr>
+              <a:t>setDataFromXml</a:t>
+            </a:r>
+            <a:r>
+              <a:rPr lang="de-CH" sz="1000" b="1" dirty="0">
+                <a:solidFill>
+                  <a:schemeClr val="tx1"/>
+                </a:solidFill>
+                <a:latin typeface="Arial" panose="020B0604020202020204" pitchFamily="34" charset="0"/>
+                <a:cs typeface="Arial" panose="020B0604020202020204" pitchFamily="34" charset="0"/>
+              </a:rPr>
+              <a:t> </a:t>
+            </a:r>
+            <a:r>
+              <a:rPr lang="de-CH" sz="1000" b="1" dirty="0" err="1">
+                <a:solidFill>
+                  <a:schemeClr val="tx1"/>
+                </a:solidFill>
+                <a:latin typeface="Arial" panose="020B0604020202020204" pitchFamily="34" charset="0"/>
+                <a:cs typeface="Arial" panose="020B0604020202020204" pitchFamily="34" charset="0"/>
+              </a:rPr>
+              <a:t>checkData</a:t>
+            </a:r>
+            <a:endParaRPr lang="de-CH" sz="1000" b="1" dirty="0">
+              <a:solidFill>
+                <a:schemeClr val="tx1"/>
+              </a:solidFill>
+              <a:latin typeface="Arial" panose="020B0604020202020204" pitchFamily="34" charset="0"/>
+              <a:cs typeface="Arial" panose="020B0604020202020204" pitchFamily="34" charset="0"/>
+            </a:endParaRPr>
+          </a:p>
+          <a:p>
+            <a:r>
+              <a:rPr lang="de-CH" sz="1000" b="1" dirty="0" err="1">
+                <a:solidFill>
+                  <a:schemeClr val="tx1"/>
+                </a:solidFill>
+                <a:latin typeface="Arial" panose="020B0604020202020204" pitchFamily="34" charset="0"/>
+                <a:cs typeface="Arial" panose="020B0604020202020204" pitchFamily="34" charset="0"/>
+              </a:rPr>
+              <a:t>getFileCase</a:t>
+            </a:r>
+            <a:r>
+              <a:rPr lang="de-CH" sz="1000" b="1" dirty="0">
+                <a:solidFill>
+                  <a:schemeClr val="tx1"/>
+                </a:solidFill>
+                <a:latin typeface="Arial" panose="020B0604020202020204" pitchFamily="34" charset="0"/>
+                <a:cs typeface="Arial" panose="020B0604020202020204" pitchFamily="34" charset="0"/>
+              </a:rPr>
+              <a:t>  	          </a:t>
+            </a:r>
+            <a:r>
+              <a:rPr lang="de-CH" sz="1000" b="1" dirty="0" err="1">
+                <a:solidFill>
+                  <a:schemeClr val="tx1"/>
+                </a:solidFill>
+                <a:latin typeface="Arial" panose="020B0604020202020204" pitchFamily="34" charset="0"/>
+                <a:cs typeface="Arial" panose="020B0604020202020204" pitchFamily="34" charset="0"/>
+              </a:rPr>
+              <a:t>setFileCase</a:t>
+            </a:r>
+            <a:endParaRPr lang="de-CH" sz="1000" b="1" dirty="0">
+              <a:solidFill>
+                <a:schemeClr val="tx1"/>
+              </a:solidFill>
+              <a:latin typeface="Arial" panose="020B0604020202020204" pitchFamily="34" charset="0"/>
+              <a:cs typeface="Arial" panose="020B0604020202020204" pitchFamily="34" charset="0"/>
+            </a:endParaRPr>
+          </a:p>
+          <a:p>
+            <a:r>
+              <a:rPr lang="de-CH" sz="1000" b="1" dirty="0" err="1">
+                <a:solidFill>
+                  <a:schemeClr val="tx1"/>
+                </a:solidFill>
+                <a:latin typeface="Arial" panose="020B0604020202020204" pitchFamily="34" charset="0"/>
+                <a:cs typeface="Arial" panose="020B0604020202020204" pitchFamily="34" charset="0"/>
+              </a:rPr>
+              <a:t>getHtmlName</a:t>
+            </a:r>
+            <a:r>
+              <a:rPr lang="de-CH" sz="1000" b="1" dirty="0">
+                <a:solidFill>
+                  <a:schemeClr val="tx1"/>
+                </a:solidFill>
+                <a:latin typeface="Arial" panose="020B0604020202020204" pitchFamily="34" charset="0"/>
+                <a:cs typeface="Arial" panose="020B0604020202020204" pitchFamily="34" charset="0"/>
+              </a:rPr>
+              <a:t> 	          </a:t>
+            </a:r>
+            <a:r>
+              <a:rPr lang="de-CH" sz="1000" b="1" dirty="0" err="1">
+                <a:solidFill>
+                  <a:schemeClr val="tx1"/>
+                </a:solidFill>
+                <a:latin typeface="Arial" panose="020B0604020202020204" pitchFamily="34" charset="0"/>
+                <a:cs typeface="Arial" panose="020B0604020202020204" pitchFamily="34" charset="0"/>
+              </a:rPr>
+              <a:t>setHtmlName</a:t>
+            </a:r>
+            <a:endParaRPr lang="de-CH" sz="1000" b="1" dirty="0">
+              <a:solidFill>
+                <a:schemeClr val="tx1"/>
+              </a:solidFill>
+              <a:latin typeface="Arial" panose="020B0604020202020204" pitchFamily="34" charset="0"/>
+              <a:cs typeface="Arial" panose="020B0604020202020204" pitchFamily="34" charset="0"/>
+            </a:endParaRPr>
+          </a:p>
+          <a:p>
+            <a:r>
+              <a:rPr lang="de-CH" sz="1000" b="1" dirty="0" err="1">
+                <a:solidFill>
+                  <a:schemeClr val="tx1"/>
+                </a:solidFill>
+                <a:latin typeface="Arial" panose="020B0604020202020204" pitchFamily="34" charset="0"/>
+                <a:cs typeface="Arial" panose="020B0604020202020204" pitchFamily="34" charset="0"/>
+              </a:rPr>
+              <a:t>getDescription</a:t>
+            </a:r>
+            <a:r>
+              <a:rPr lang="de-CH" sz="1000" b="1" dirty="0">
+                <a:solidFill>
+                  <a:schemeClr val="tx1"/>
+                </a:solidFill>
+                <a:latin typeface="Arial" panose="020B0604020202020204" pitchFamily="34" charset="0"/>
+                <a:cs typeface="Arial" panose="020B0604020202020204" pitchFamily="34" charset="0"/>
+              </a:rPr>
+              <a:t>           </a:t>
+            </a:r>
+            <a:r>
+              <a:rPr lang="de-CH" sz="1000" b="1" dirty="0" err="1">
+                <a:solidFill>
+                  <a:schemeClr val="tx1"/>
+                </a:solidFill>
+                <a:latin typeface="Arial" panose="020B0604020202020204" pitchFamily="34" charset="0"/>
+                <a:cs typeface="Arial" panose="020B0604020202020204" pitchFamily="34" charset="0"/>
+              </a:rPr>
+              <a:t>setDescription</a:t>
+            </a:r>
+            <a:endParaRPr lang="de-CH" sz="1000" b="1" dirty="0">
+              <a:solidFill>
+                <a:schemeClr val="tx1"/>
+              </a:solidFill>
+              <a:latin typeface="Arial" panose="020B0604020202020204" pitchFamily="34" charset="0"/>
+              <a:cs typeface="Arial" panose="020B0604020202020204" pitchFamily="34" charset="0"/>
+            </a:endParaRPr>
+          </a:p>
+          <a:p>
+            <a:r>
+              <a:rPr lang="de-CH" sz="1000" b="1" dirty="0" err="1">
+                <a:solidFill>
+                  <a:schemeClr val="tx1"/>
+                </a:solidFill>
+                <a:latin typeface="Arial" panose="020B0604020202020204" pitchFamily="34" charset="0"/>
+                <a:cs typeface="Arial" panose="020B0604020202020204" pitchFamily="34" charset="0"/>
+              </a:rPr>
+              <a:t>getNumberButtonId</a:t>
+            </a:r>
+            <a:r>
+              <a:rPr lang="de-CH" sz="1000" b="1" dirty="0">
+                <a:solidFill>
+                  <a:schemeClr val="tx1"/>
+                </a:solidFill>
+                <a:latin typeface="Arial" panose="020B0604020202020204" pitchFamily="34" charset="0"/>
+                <a:cs typeface="Arial" panose="020B0604020202020204" pitchFamily="34" charset="0"/>
+              </a:rPr>
+              <a:t>  </a:t>
+            </a:r>
+            <a:r>
+              <a:rPr lang="de-CH" sz="1000" b="1" dirty="0" err="1">
+                <a:solidFill>
+                  <a:schemeClr val="tx1"/>
+                </a:solidFill>
+                <a:latin typeface="Arial" panose="020B0604020202020204" pitchFamily="34" charset="0"/>
+                <a:cs typeface="Arial" panose="020B0604020202020204" pitchFamily="34" charset="0"/>
+              </a:rPr>
+              <a:t>setButtonIdArray</a:t>
+            </a:r>
+            <a:endParaRPr lang="de-CH" sz="1000" b="1" dirty="0">
+              <a:solidFill>
+                <a:schemeClr val="tx1"/>
+              </a:solidFill>
+              <a:latin typeface="Arial" panose="020B0604020202020204" pitchFamily="34" charset="0"/>
+              <a:cs typeface="Arial" panose="020B0604020202020204" pitchFamily="34" charset="0"/>
+            </a:endParaRPr>
+          </a:p>
+          <a:p>
+            <a:r>
+              <a:rPr lang="de-CH" sz="1000" b="1" dirty="0" err="1">
+                <a:solidFill>
+                  <a:schemeClr val="tx1"/>
+                </a:solidFill>
+                <a:latin typeface="Arial" panose="020B0604020202020204" pitchFamily="34" charset="0"/>
+                <a:cs typeface="Arial" panose="020B0604020202020204" pitchFamily="34" charset="0"/>
+              </a:rPr>
+              <a:t>getButtonId</a:t>
+            </a:r>
+            <a:r>
+              <a:rPr lang="de-CH" sz="1000" b="1" dirty="0">
+                <a:solidFill>
+                  <a:schemeClr val="tx1"/>
+                </a:solidFill>
+                <a:latin typeface="Arial" panose="020B0604020202020204" pitchFamily="34" charset="0"/>
+                <a:cs typeface="Arial" panose="020B0604020202020204" pitchFamily="34" charset="0"/>
+              </a:rPr>
+              <a:t>                </a:t>
+            </a:r>
+            <a:r>
+              <a:rPr lang="de-CH" sz="1000" b="1" dirty="0" err="1">
+                <a:solidFill>
+                  <a:schemeClr val="tx1"/>
+                </a:solidFill>
+                <a:latin typeface="Arial" panose="020B0604020202020204" pitchFamily="34" charset="0"/>
+                <a:cs typeface="Arial" panose="020B0604020202020204" pitchFamily="34" charset="0"/>
+              </a:rPr>
+              <a:t>setButtonId</a:t>
+            </a:r>
+            <a:endParaRPr lang="de-CH" sz="1000" b="1" dirty="0">
+              <a:solidFill>
+                <a:schemeClr val="tx1"/>
+              </a:solidFill>
+              <a:latin typeface="Arial" panose="020B0604020202020204" pitchFamily="34" charset="0"/>
+              <a:cs typeface="Arial" panose="020B0604020202020204" pitchFamily="34" charset="0"/>
+            </a:endParaRPr>
+          </a:p>
+        </p:txBody>
+      </p:sp>
+      <p:sp>
+        <p:nvSpPr>
+          <p:cNvPr id="20" name="Rechteck 19">
+            <a:extLst>
+              <a:ext uri="{FF2B5EF4-FFF2-40B4-BE49-F238E27FC236}">
+                <a16:creationId xmlns:a16="http://schemas.microsoft.com/office/drawing/2014/main" id="{87DF764A-A282-71EF-4006-005EB28541D1}"/>
+              </a:ext>
+            </a:extLst>
+          </p:cNvPr>
+          <p:cNvSpPr/>
+          <p:nvPr/>
+        </p:nvSpPr>
+        <p:spPr>
+          <a:xfrm>
+            <a:off x="197645" y="3083553"/>
+            <a:ext cx="2860861" cy="600424"/>
+          </a:xfrm>
+          <a:prstGeom prst="rect">
+            <a:avLst/>
+          </a:prstGeom>
+          <a:noFill/>
+          <a:ln w="19050">
+            <a:solidFill>
+              <a:schemeClr val="tx1"/>
+            </a:solidFill>
+          </a:ln>
+        </p:spPr>
+        <p:style>
+          <a:lnRef idx="2">
+            <a:schemeClr val="accent1">
+              <a:shade val="50000"/>
+            </a:schemeClr>
+          </a:lnRef>
+          <a:fillRef idx="1">
+            <a:schemeClr val="accent1"/>
+          </a:fillRef>
+          <a:effectRef idx="0">
+            <a:schemeClr val="accent1"/>
+          </a:effectRef>
+          <a:fontRef idx="minor">
+            <a:schemeClr val="lt1"/>
+          </a:fontRef>
+        </p:style>
+        <p:txBody>
+          <a:bodyPr rtlCol="0" anchor="ctr"/>
+          <a:lstStyle/>
+          <a:p>
+            <a:r>
+              <a:rPr lang="en-US" sz="1200" dirty="0">
+                <a:solidFill>
+                  <a:schemeClr val="tx1"/>
+                </a:solidFill>
+                <a:latin typeface="Arial" panose="020B0604020202020204" pitchFamily="34" charset="0"/>
+                <a:cs typeface="Arial" panose="020B0604020202020204" pitchFamily="34" charset="0"/>
+              </a:rPr>
+              <a:t>Global functions </a:t>
+            </a:r>
+          </a:p>
+          <a:p>
+            <a:r>
+              <a:rPr lang="en-US" sz="800" b="1" dirty="0" err="1">
+                <a:solidFill>
+                  <a:schemeClr val="tx1"/>
+                </a:solidFill>
+                <a:latin typeface="Arial" panose="020B0604020202020204" pitchFamily="34" charset="0"/>
+                <a:cs typeface="Arial" panose="020B0604020202020204" pitchFamily="34" charset="0"/>
+              </a:rPr>
+              <a:t>getLayoutFileDataArrayFromXml</a:t>
+            </a:r>
+            <a:r>
+              <a:rPr lang="en-US" sz="800" b="1" dirty="0">
+                <a:solidFill>
+                  <a:schemeClr val="tx1"/>
+                </a:solidFill>
+                <a:latin typeface="Arial" panose="020B0604020202020204" pitchFamily="34" charset="0"/>
+                <a:cs typeface="Arial" panose="020B0604020202020204" pitchFamily="34" charset="0"/>
+              </a:rPr>
+              <a:t>(</a:t>
+            </a:r>
+            <a:r>
+              <a:rPr lang="en-US" sz="800" b="1" dirty="0" err="1">
+                <a:solidFill>
+                  <a:schemeClr val="tx1"/>
+                </a:solidFill>
+                <a:latin typeface="Arial" panose="020B0604020202020204" pitchFamily="34" charset="0"/>
+                <a:cs typeface="Arial" panose="020B0604020202020204" pitchFamily="34" charset="0"/>
+              </a:rPr>
+              <a:t>layout_xml</a:t>
+            </a:r>
+            <a:r>
+              <a:rPr lang="en-US" sz="800" b="1" dirty="0">
+                <a:solidFill>
+                  <a:schemeClr val="tx1"/>
+                </a:solidFill>
+                <a:latin typeface="Arial" panose="020B0604020202020204" pitchFamily="34" charset="0"/>
+                <a:cs typeface="Arial" panose="020B0604020202020204" pitchFamily="34" charset="0"/>
+              </a:rPr>
+              <a:t>)</a:t>
+            </a:r>
+          </a:p>
+          <a:p>
+            <a:r>
+              <a:rPr lang="en-US" sz="800" b="1" dirty="0" err="1">
+                <a:solidFill>
+                  <a:schemeClr val="tx1"/>
+                </a:solidFill>
+                <a:latin typeface="Arial" panose="020B0604020202020204" pitchFamily="34" charset="0"/>
+                <a:cs typeface="Arial" panose="020B0604020202020204" pitchFamily="34" charset="0"/>
+              </a:rPr>
+              <a:t>getLayoutFileDataFromXml</a:t>
+            </a:r>
+            <a:r>
+              <a:rPr lang="en-US" sz="800" b="1" dirty="0">
+                <a:solidFill>
+                  <a:schemeClr val="tx1"/>
+                </a:solidFill>
+                <a:latin typeface="Arial" panose="020B0604020202020204" pitchFamily="34" charset="0"/>
+                <a:cs typeface="Arial" panose="020B0604020202020204" pitchFamily="34" charset="0"/>
+              </a:rPr>
+              <a:t>(</a:t>
+            </a:r>
+            <a:r>
+              <a:rPr lang="en-US" sz="800" b="1" dirty="0" err="1">
+                <a:solidFill>
+                  <a:schemeClr val="tx1"/>
+                </a:solidFill>
+                <a:latin typeface="Arial" panose="020B0604020202020204" pitchFamily="34" charset="0"/>
+                <a:cs typeface="Arial" panose="020B0604020202020204" pitchFamily="34" charset="0"/>
+              </a:rPr>
+              <a:t>layout_xml</a:t>
+            </a:r>
+            <a:r>
+              <a:rPr lang="en-US" sz="800" b="1" dirty="0">
+                <a:solidFill>
+                  <a:schemeClr val="tx1"/>
+                </a:solidFill>
+                <a:latin typeface="Arial" panose="020B0604020202020204" pitchFamily="34" charset="0"/>
+                <a:cs typeface="Arial" panose="020B0604020202020204" pitchFamily="34" charset="0"/>
+              </a:rPr>
+              <a:t>, </a:t>
+            </a:r>
+            <a:r>
+              <a:rPr lang="en-US" sz="800" b="1" dirty="0" err="1">
+                <a:solidFill>
+                  <a:schemeClr val="tx1"/>
+                </a:solidFill>
+                <a:latin typeface="Arial" panose="020B0604020202020204" pitchFamily="34" charset="0"/>
+                <a:cs typeface="Arial" panose="020B0604020202020204" pitchFamily="34" charset="0"/>
+              </a:rPr>
+              <a:t>file_number</a:t>
+            </a:r>
+            <a:r>
+              <a:rPr lang="en-US" sz="800" b="1" dirty="0">
+                <a:solidFill>
+                  <a:schemeClr val="tx1"/>
+                </a:solidFill>
+                <a:latin typeface="Arial" panose="020B0604020202020204" pitchFamily="34" charset="0"/>
+                <a:cs typeface="Arial" panose="020B0604020202020204" pitchFamily="34" charset="0"/>
+              </a:rPr>
+              <a:t>)</a:t>
+            </a:r>
+            <a:endParaRPr lang="de-CH" sz="800" b="1" dirty="0">
+              <a:solidFill>
+                <a:schemeClr val="tx1"/>
+              </a:solidFill>
+              <a:latin typeface="Arial" panose="020B0604020202020204" pitchFamily="34" charset="0"/>
+              <a:cs typeface="Arial" panose="020B0604020202020204" pitchFamily="34" charset="0"/>
+            </a:endParaRPr>
+          </a:p>
+        </p:txBody>
+      </p:sp>
+      <p:sp>
+        <p:nvSpPr>
+          <p:cNvPr id="26" name="Rechteck 25">
+            <a:extLst>
+              <a:ext uri="{FF2B5EF4-FFF2-40B4-BE49-F238E27FC236}">
+                <a16:creationId xmlns:a16="http://schemas.microsoft.com/office/drawing/2014/main" id="{70337D86-4AF3-FC82-B64B-185E0E72261A}"/>
+              </a:ext>
+            </a:extLst>
+          </p:cNvPr>
+          <p:cNvSpPr/>
+          <p:nvPr/>
+        </p:nvSpPr>
+        <p:spPr>
+          <a:xfrm>
+            <a:off x="197647" y="4368865"/>
+            <a:ext cx="2860861" cy="1730192"/>
+          </a:xfrm>
+          <a:prstGeom prst="rect">
+            <a:avLst/>
+          </a:prstGeom>
+          <a:noFill/>
+          <a:ln w="19050">
+            <a:solidFill>
+              <a:schemeClr val="tx1"/>
+            </a:solidFill>
+          </a:ln>
+        </p:spPr>
+        <p:style>
+          <a:lnRef idx="2">
+            <a:schemeClr val="accent1">
+              <a:shade val="50000"/>
+            </a:schemeClr>
+          </a:lnRef>
+          <a:fillRef idx="1">
+            <a:schemeClr val="accent1"/>
+          </a:fillRef>
+          <a:effectRef idx="0">
+            <a:schemeClr val="accent1"/>
+          </a:effectRef>
+          <a:fontRef idx="minor">
+            <a:schemeClr val="lt1"/>
+          </a:fontRef>
+        </p:style>
+        <p:txBody>
+          <a:bodyPr rtlCol="0" anchor="ctr"/>
+          <a:lstStyle/>
+          <a:p>
+            <a:r>
+              <a:rPr lang="en-US" sz="1200" dirty="0">
+                <a:solidFill>
+                  <a:schemeClr val="tx1"/>
+                </a:solidFill>
+                <a:latin typeface="Arial" panose="020B0604020202020204" pitchFamily="34" charset="0"/>
+                <a:cs typeface="Arial" panose="020B0604020202020204" pitchFamily="34" charset="0"/>
+              </a:rPr>
+              <a:t>Member variables</a:t>
+            </a:r>
+          </a:p>
+          <a:p>
+            <a:r>
+              <a:rPr lang="en-US" sz="1000" b="1" dirty="0" err="1">
+                <a:solidFill>
+                  <a:schemeClr val="tx1"/>
+                </a:solidFill>
+                <a:latin typeface="Arial" panose="020B0604020202020204" pitchFamily="34" charset="0"/>
+                <a:cs typeface="Arial" panose="020B0604020202020204" pitchFamily="34" charset="0"/>
+              </a:rPr>
+              <a:t>m_layout_xml</a:t>
+            </a:r>
+            <a:r>
+              <a:rPr lang="en-US" sz="1000" b="1" dirty="0">
+                <a:solidFill>
+                  <a:schemeClr val="tx1"/>
+                </a:solidFill>
+                <a:latin typeface="Arial" panose="020B0604020202020204" pitchFamily="34" charset="0"/>
+                <a:cs typeface="Arial" panose="020B0604020202020204" pitchFamily="34" charset="0"/>
+              </a:rPr>
+              <a:t>, </a:t>
+            </a:r>
+            <a:r>
+              <a:rPr lang="en-US" sz="1000" b="1" dirty="0" err="1">
+                <a:solidFill>
+                  <a:schemeClr val="tx1"/>
+                </a:solidFill>
+                <a:latin typeface="Arial" panose="020B0604020202020204" pitchFamily="34" charset="0"/>
+                <a:cs typeface="Arial" panose="020B0604020202020204" pitchFamily="34" charset="0"/>
+              </a:rPr>
+              <a:t>m_case</a:t>
+            </a:r>
+            <a:r>
+              <a:rPr lang="en-US" sz="1000" b="1" dirty="0">
+                <a:solidFill>
+                  <a:schemeClr val="tx1"/>
+                </a:solidFill>
+                <a:latin typeface="Arial" panose="020B0604020202020204" pitchFamily="34" charset="0"/>
+                <a:cs typeface="Arial" panose="020B0604020202020204" pitchFamily="34" charset="0"/>
+              </a:rPr>
+              <a:t>, </a:t>
+            </a:r>
+            <a:r>
+              <a:rPr lang="en-US" sz="1000" b="1" dirty="0" err="1">
+                <a:solidFill>
+                  <a:schemeClr val="tx1"/>
+                </a:solidFill>
+                <a:latin typeface="Arial" panose="020B0604020202020204" pitchFamily="34" charset="0"/>
+                <a:cs typeface="Arial" panose="020B0604020202020204" pitchFamily="34" charset="0"/>
+              </a:rPr>
+              <a:t>m_color</a:t>
+            </a:r>
+            <a:r>
+              <a:rPr lang="en-US" sz="1000" b="1" dirty="0">
+                <a:solidFill>
+                  <a:schemeClr val="tx1"/>
+                </a:solidFill>
+                <a:latin typeface="Arial" panose="020B0604020202020204" pitchFamily="34" charset="0"/>
+                <a:cs typeface="Arial" panose="020B0604020202020204" pitchFamily="34" charset="0"/>
+              </a:rPr>
+              <a:t>, …</a:t>
+            </a:r>
+          </a:p>
+          <a:p>
+            <a:endParaRPr lang="en-US" sz="1000" b="1" dirty="0">
+              <a:solidFill>
+                <a:schemeClr val="tx1"/>
+              </a:solidFill>
+              <a:latin typeface="Arial" panose="020B0604020202020204" pitchFamily="34" charset="0"/>
+              <a:cs typeface="Arial" panose="020B0604020202020204" pitchFamily="34" charset="0"/>
+            </a:endParaRPr>
+          </a:p>
+          <a:p>
+            <a:r>
+              <a:rPr lang="en-US" sz="1200" dirty="0">
+                <a:solidFill>
+                  <a:schemeClr val="tx1"/>
+                </a:solidFill>
+                <a:latin typeface="Arial" panose="020B0604020202020204" pitchFamily="34" charset="0"/>
+                <a:cs typeface="Arial" panose="020B0604020202020204" pitchFamily="34" charset="0"/>
+              </a:rPr>
+              <a:t>Member functions</a:t>
+            </a:r>
+          </a:p>
+          <a:p>
+            <a:r>
+              <a:rPr lang="de-CH" sz="1000" b="1" dirty="0" err="1">
+                <a:solidFill>
+                  <a:schemeClr val="tx1"/>
+                </a:solidFill>
+                <a:latin typeface="Arial" panose="020B0604020202020204" pitchFamily="34" charset="0"/>
+                <a:cs typeface="Arial" panose="020B0604020202020204" pitchFamily="34" charset="0"/>
+              </a:rPr>
+              <a:t>execute</a:t>
+            </a:r>
+            <a:r>
+              <a:rPr lang="de-CH" sz="1000" b="1" dirty="0">
+                <a:solidFill>
+                  <a:schemeClr val="tx1"/>
+                </a:solidFill>
+                <a:latin typeface="Arial" panose="020B0604020202020204" pitchFamily="34" charset="0"/>
+                <a:cs typeface="Arial" panose="020B0604020202020204" pitchFamily="34" charset="0"/>
+              </a:rPr>
+              <a:t> </a:t>
+            </a:r>
+            <a:r>
+              <a:rPr lang="de-CH" sz="1000" b="1" dirty="0" err="1">
+                <a:solidFill>
+                  <a:schemeClr val="tx1"/>
+                </a:solidFill>
+                <a:latin typeface="Arial" panose="020B0604020202020204" pitchFamily="34" charset="0"/>
+                <a:cs typeface="Arial" panose="020B0604020202020204" pitchFamily="34" charset="0"/>
+              </a:rPr>
+              <a:t>setDataFromXml</a:t>
+            </a:r>
+            <a:r>
+              <a:rPr lang="de-CH" sz="1000" b="1" dirty="0">
+                <a:solidFill>
+                  <a:schemeClr val="tx1"/>
+                </a:solidFill>
+                <a:latin typeface="Arial" panose="020B0604020202020204" pitchFamily="34" charset="0"/>
+                <a:cs typeface="Arial" panose="020B0604020202020204" pitchFamily="34" charset="0"/>
+              </a:rPr>
+              <a:t> </a:t>
+            </a:r>
+            <a:r>
+              <a:rPr lang="de-CH" sz="1000" b="1" dirty="0" err="1">
+                <a:solidFill>
+                  <a:schemeClr val="tx1"/>
+                </a:solidFill>
+                <a:latin typeface="Arial" panose="020B0604020202020204" pitchFamily="34" charset="0"/>
+                <a:cs typeface="Arial" panose="020B0604020202020204" pitchFamily="34" charset="0"/>
+              </a:rPr>
+              <a:t>checkData</a:t>
+            </a:r>
+            <a:endParaRPr lang="de-CH" sz="1000" b="1" dirty="0">
+              <a:solidFill>
+                <a:schemeClr val="tx1"/>
+              </a:solidFill>
+              <a:latin typeface="Arial" panose="020B0604020202020204" pitchFamily="34" charset="0"/>
+              <a:cs typeface="Arial" panose="020B0604020202020204" pitchFamily="34" charset="0"/>
+            </a:endParaRPr>
+          </a:p>
+          <a:p>
+            <a:r>
+              <a:rPr lang="de-CH" sz="1000" b="1" dirty="0" err="1">
+                <a:solidFill>
+                  <a:schemeClr val="tx1"/>
+                </a:solidFill>
+                <a:latin typeface="Arial" panose="020B0604020202020204" pitchFamily="34" charset="0"/>
+                <a:cs typeface="Arial" panose="020B0604020202020204" pitchFamily="34" charset="0"/>
+              </a:rPr>
+              <a:t>getColor</a:t>
+            </a:r>
+            <a:r>
+              <a:rPr lang="de-CH" sz="1000" b="1" dirty="0">
+                <a:solidFill>
+                  <a:schemeClr val="tx1"/>
+                </a:solidFill>
+                <a:latin typeface="Arial" panose="020B0604020202020204" pitchFamily="34" charset="0"/>
+                <a:cs typeface="Arial" panose="020B0604020202020204" pitchFamily="34" charset="0"/>
+              </a:rPr>
+              <a:t>  	          </a:t>
+            </a:r>
+            <a:r>
+              <a:rPr lang="de-CH" sz="1000" b="1" dirty="0" err="1">
+                <a:solidFill>
+                  <a:schemeClr val="tx1"/>
+                </a:solidFill>
+                <a:latin typeface="Arial" panose="020B0604020202020204" pitchFamily="34" charset="0"/>
+                <a:cs typeface="Arial" panose="020B0604020202020204" pitchFamily="34" charset="0"/>
+              </a:rPr>
+              <a:t>setColor</a:t>
+            </a:r>
+            <a:endParaRPr lang="de-CH" sz="1000" b="1" dirty="0">
+              <a:solidFill>
+                <a:schemeClr val="tx1"/>
+              </a:solidFill>
+              <a:latin typeface="Arial" panose="020B0604020202020204" pitchFamily="34" charset="0"/>
+              <a:cs typeface="Arial" panose="020B0604020202020204" pitchFamily="34" charset="0"/>
+            </a:endParaRPr>
+          </a:p>
+          <a:p>
+            <a:r>
+              <a:rPr lang="de-CH" sz="1000" b="1" dirty="0" err="1">
+                <a:solidFill>
+                  <a:schemeClr val="tx1"/>
+                </a:solidFill>
+                <a:latin typeface="Arial" panose="020B0604020202020204" pitchFamily="34" charset="0"/>
+                <a:cs typeface="Arial" panose="020B0604020202020204" pitchFamily="34" charset="0"/>
+              </a:rPr>
+              <a:t>getStrokeColor</a:t>
+            </a:r>
+            <a:r>
+              <a:rPr lang="de-CH" sz="1000" b="1" dirty="0">
+                <a:solidFill>
+                  <a:schemeClr val="tx1"/>
+                </a:solidFill>
+                <a:latin typeface="Arial" panose="020B0604020202020204" pitchFamily="34" charset="0"/>
+                <a:cs typeface="Arial" panose="020B0604020202020204" pitchFamily="34" charset="0"/>
+              </a:rPr>
+              <a:t>          </a:t>
+            </a:r>
+            <a:r>
+              <a:rPr lang="de-CH" sz="1000" b="1" dirty="0" err="1">
+                <a:solidFill>
+                  <a:schemeClr val="tx1"/>
+                </a:solidFill>
+                <a:latin typeface="Arial" panose="020B0604020202020204" pitchFamily="34" charset="0"/>
+                <a:cs typeface="Arial" panose="020B0604020202020204" pitchFamily="34" charset="0"/>
+              </a:rPr>
+              <a:t>setStrokeColor</a:t>
+            </a:r>
+            <a:endParaRPr lang="de-CH" sz="1000" b="1" dirty="0">
+              <a:solidFill>
+                <a:schemeClr val="tx1"/>
+              </a:solidFill>
+              <a:latin typeface="Arial" panose="020B0604020202020204" pitchFamily="34" charset="0"/>
+              <a:cs typeface="Arial" panose="020B0604020202020204" pitchFamily="34" charset="0"/>
+            </a:endParaRPr>
+          </a:p>
+          <a:p>
+            <a:r>
+              <a:rPr lang="de-CH" sz="1000" b="1" dirty="0" err="1">
+                <a:solidFill>
+                  <a:schemeClr val="tx1"/>
+                </a:solidFill>
+                <a:latin typeface="Arial" panose="020B0604020202020204" pitchFamily="34" charset="0"/>
+                <a:cs typeface="Arial" panose="020B0604020202020204" pitchFamily="34" charset="0"/>
+              </a:rPr>
+              <a:t>getStrokeWidth</a:t>
+            </a:r>
+            <a:r>
+              <a:rPr lang="de-CH" sz="1000" b="1" dirty="0">
+                <a:solidFill>
+                  <a:schemeClr val="tx1"/>
+                </a:solidFill>
+                <a:latin typeface="Arial" panose="020B0604020202020204" pitchFamily="34" charset="0"/>
+                <a:cs typeface="Arial" panose="020B0604020202020204" pitchFamily="34" charset="0"/>
+              </a:rPr>
+              <a:t>          </a:t>
+            </a:r>
+            <a:r>
+              <a:rPr lang="de-CH" sz="1000" b="1" dirty="0" err="1">
+                <a:solidFill>
+                  <a:schemeClr val="tx1"/>
+                </a:solidFill>
+                <a:latin typeface="Arial" panose="020B0604020202020204" pitchFamily="34" charset="0"/>
+                <a:cs typeface="Arial" panose="020B0604020202020204" pitchFamily="34" charset="0"/>
+              </a:rPr>
+              <a:t>setStrokeWidth</a:t>
+            </a:r>
+            <a:endParaRPr lang="de-CH" sz="1000" b="1" dirty="0">
+              <a:solidFill>
+                <a:schemeClr val="tx1"/>
+              </a:solidFill>
+              <a:latin typeface="Arial" panose="020B0604020202020204" pitchFamily="34" charset="0"/>
+              <a:cs typeface="Arial" panose="020B0604020202020204" pitchFamily="34" charset="0"/>
+            </a:endParaRPr>
+          </a:p>
+          <a:p>
+            <a:r>
+              <a:rPr lang="de-CH" sz="1000" b="1" dirty="0" err="1">
+                <a:solidFill>
+                  <a:schemeClr val="tx1"/>
+                </a:solidFill>
+                <a:latin typeface="Arial" panose="020B0604020202020204" pitchFamily="34" charset="0"/>
+                <a:cs typeface="Arial" panose="020B0604020202020204" pitchFamily="34" charset="0"/>
+              </a:rPr>
+              <a:t>getTextRelProcen</a:t>
+            </a:r>
+            <a:r>
+              <a:rPr lang="de-CH" sz="1000" b="1" dirty="0">
+                <a:solidFill>
+                  <a:schemeClr val="tx1"/>
+                </a:solidFill>
+                <a:latin typeface="Arial" panose="020B0604020202020204" pitchFamily="34" charset="0"/>
+                <a:cs typeface="Arial" panose="020B0604020202020204" pitchFamily="34" charset="0"/>
+              </a:rPr>
+              <a:t>..   </a:t>
+            </a:r>
+            <a:r>
+              <a:rPr lang="de-CH" sz="1000" b="1" dirty="0" err="1">
+                <a:solidFill>
+                  <a:schemeClr val="tx1"/>
+                </a:solidFill>
+                <a:latin typeface="Arial" panose="020B0604020202020204" pitchFamily="34" charset="0"/>
+                <a:cs typeface="Arial" panose="020B0604020202020204" pitchFamily="34" charset="0"/>
+              </a:rPr>
+              <a:t>setTextRelProc</a:t>
+            </a:r>
+            <a:r>
+              <a:rPr lang="de-CH" sz="1000" b="1" dirty="0">
+                <a:solidFill>
+                  <a:schemeClr val="tx1"/>
+                </a:solidFill>
+                <a:latin typeface="Arial" panose="020B0604020202020204" pitchFamily="34" charset="0"/>
+                <a:cs typeface="Arial" panose="020B0604020202020204" pitchFamily="34" charset="0"/>
+              </a:rPr>
+              <a:t>…</a:t>
+            </a:r>
+          </a:p>
+          <a:p>
+            <a:r>
+              <a:rPr lang="de-CH" sz="1000" b="1" dirty="0" err="1">
+                <a:solidFill>
+                  <a:schemeClr val="tx1"/>
+                </a:solidFill>
+                <a:latin typeface="Arial" panose="020B0604020202020204" pitchFamily="34" charset="0"/>
+                <a:cs typeface="Arial" panose="020B0604020202020204" pitchFamily="34" charset="0"/>
+              </a:rPr>
+              <a:t>getTextColor</a:t>
+            </a:r>
+            <a:r>
+              <a:rPr lang="de-CH" sz="1000" b="1" dirty="0">
+                <a:solidFill>
+                  <a:schemeClr val="tx1"/>
+                </a:solidFill>
+                <a:latin typeface="Arial" panose="020B0604020202020204" pitchFamily="34" charset="0"/>
+                <a:cs typeface="Arial" panose="020B0604020202020204" pitchFamily="34" charset="0"/>
+              </a:rPr>
+              <a:t>              </a:t>
+            </a:r>
+            <a:r>
+              <a:rPr lang="de-CH" sz="1000" b="1" dirty="0" err="1">
+                <a:solidFill>
+                  <a:schemeClr val="tx1"/>
+                </a:solidFill>
+                <a:latin typeface="Arial" panose="020B0604020202020204" pitchFamily="34" charset="0"/>
+                <a:cs typeface="Arial" panose="020B0604020202020204" pitchFamily="34" charset="0"/>
+              </a:rPr>
+              <a:t>setTextColor</a:t>
+            </a:r>
+            <a:endParaRPr lang="de-CH" sz="1000" b="1" dirty="0">
+              <a:solidFill>
+                <a:schemeClr val="tx1"/>
+              </a:solidFill>
+              <a:latin typeface="Arial" panose="020B0604020202020204" pitchFamily="34" charset="0"/>
+              <a:cs typeface="Arial" panose="020B0604020202020204" pitchFamily="34" charset="0"/>
+            </a:endParaRPr>
+          </a:p>
+        </p:txBody>
+      </p:sp>
+      <p:sp>
+        <p:nvSpPr>
+          <p:cNvPr id="27" name="Rechteck 26">
+            <a:extLst>
+              <a:ext uri="{FF2B5EF4-FFF2-40B4-BE49-F238E27FC236}">
+                <a16:creationId xmlns:a16="http://schemas.microsoft.com/office/drawing/2014/main" id="{20D30B7E-5F60-3EB7-E90A-94B360922B3D}"/>
+              </a:ext>
+            </a:extLst>
+          </p:cNvPr>
+          <p:cNvSpPr/>
+          <p:nvPr/>
+        </p:nvSpPr>
+        <p:spPr>
+          <a:xfrm>
+            <a:off x="197646" y="6205958"/>
+            <a:ext cx="2860861" cy="426398"/>
+          </a:xfrm>
+          <a:prstGeom prst="rect">
+            <a:avLst/>
+          </a:prstGeom>
+          <a:noFill/>
+          <a:ln w="19050">
+            <a:solidFill>
+              <a:schemeClr val="tx1"/>
+            </a:solidFill>
+          </a:ln>
+        </p:spPr>
+        <p:style>
+          <a:lnRef idx="2">
+            <a:schemeClr val="accent1">
+              <a:shade val="50000"/>
+            </a:schemeClr>
+          </a:lnRef>
+          <a:fillRef idx="1">
+            <a:schemeClr val="accent1"/>
+          </a:fillRef>
+          <a:effectRef idx="0">
+            <a:schemeClr val="accent1"/>
+          </a:effectRef>
+          <a:fontRef idx="minor">
+            <a:schemeClr val="lt1"/>
+          </a:fontRef>
+        </p:style>
+        <p:txBody>
+          <a:bodyPr rtlCol="0" anchor="ctr"/>
+          <a:lstStyle/>
+          <a:p>
+            <a:r>
+              <a:rPr lang="en-US" sz="1200" dirty="0">
+                <a:solidFill>
+                  <a:schemeClr val="tx1"/>
+                </a:solidFill>
+                <a:latin typeface="Arial" panose="020B0604020202020204" pitchFamily="34" charset="0"/>
+                <a:cs typeface="Arial" panose="020B0604020202020204" pitchFamily="34" charset="0"/>
+              </a:rPr>
+              <a:t>Global function </a:t>
+            </a:r>
+          </a:p>
+          <a:p>
+            <a:r>
+              <a:rPr lang="en-US" sz="800" b="1" dirty="0" err="1">
+                <a:solidFill>
+                  <a:schemeClr val="tx1"/>
+                </a:solidFill>
+                <a:latin typeface="Arial" panose="020B0604020202020204" pitchFamily="34" charset="0"/>
+                <a:cs typeface="Arial" panose="020B0604020202020204" pitchFamily="34" charset="0"/>
+              </a:rPr>
+              <a:t>getGeneralTableDataFromXml</a:t>
+            </a:r>
+            <a:r>
+              <a:rPr lang="en-US" sz="800" b="1" dirty="0">
+                <a:solidFill>
+                  <a:schemeClr val="tx1"/>
+                </a:solidFill>
+                <a:latin typeface="Arial" panose="020B0604020202020204" pitchFamily="34" charset="0"/>
+                <a:cs typeface="Arial" panose="020B0604020202020204" pitchFamily="34" charset="0"/>
+              </a:rPr>
+              <a:t>(</a:t>
+            </a:r>
+            <a:r>
+              <a:rPr lang="en-US" sz="800" b="1" dirty="0" err="1">
+                <a:solidFill>
+                  <a:schemeClr val="tx1"/>
+                </a:solidFill>
+                <a:latin typeface="Arial" panose="020B0604020202020204" pitchFamily="34" charset="0"/>
+                <a:cs typeface="Arial" panose="020B0604020202020204" pitchFamily="34" charset="0"/>
+              </a:rPr>
+              <a:t>layout_xml</a:t>
+            </a:r>
+            <a:r>
+              <a:rPr lang="en-US" sz="800" b="1" dirty="0">
+                <a:solidFill>
+                  <a:schemeClr val="tx1"/>
+                </a:solidFill>
+                <a:latin typeface="Arial" panose="020B0604020202020204" pitchFamily="34" charset="0"/>
+                <a:cs typeface="Arial" panose="020B0604020202020204" pitchFamily="34" charset="0"/>
+              </a:rPr>
+              <a:t>)</a:t>
+            </a:r>
+          </a:p>
+        </p:txBody>
+      </p:sp>
+      <p:sp>
+        <p:nvSpPr>
+          <p:cNvPr id="28" name="Rechteck 27">
+            <a:extLst>
+              <a:ext uri="{FF2B5EF4-FFF2-40B4-BE49-F238E27FC236}">
+                <a16:creationId xmlns:a16="http://schemas.microsoft.com/office/drawing/2014/main" id="{84CAE1A7-CCFB-3845-7E1E-306AFA85A916}"/>
+              </a:ext>
+            </a:extLst>
+          </p:cNvPr>
+          <p:cNvSpPr/>
+          <p:nvPr/>
+        </p:nvSpPr>
+        <p:spPr>
+          <a:xfrm>
+            <a:off x="3668771" y="1299744"/>
+            <a:ext cx="2860861" cy="2619450"/>
+          </a:xfrm>
+          <a:prstGeom prst="rect">
+            <a:avLst/>
+          </a:prstGeom>
+          <a:noFill/>
+          <a:ln w="19050">
+            <a:solidFill>
+              <a:schemeClr val="tx1"/>
+            </a:solidFill>
+          </a:ln>
+        </p:spPr>
+        <p:style>
+          <a:lnRef idx="2">
+            <a:schemeClr val="accent1">
+              <a:shade val="50000"/>
+            </a:schemeClr>
+          </a:lnRef>
+          <a:fillRef idx="1">
+            <a:schemeClr val="accent1"/>
+          </a:fillRef>
+          <a:effectRef idx="0">
+            <a:schemeClr val="accent1"/>
+          </a:effectRef>
+          <a:fontRef idx="minor">
+            <a:schemeClr val="lt1"/>
+          </a:fontRef>
+        </p:style>
+        <p:txBody>
+          <a:bodyPr rtlCol="0" anchor="ctr"/>
+          <a:lstStyle/>
+          <a:p>
+            <a:r>
+              <a:rPr lang="en-US" sz="1200" dirty="0">
+                <a:solidFill>
+                  <a:schemeClr val="tx1"/>
+                </a:solidFill>
+                <a:latin typeface="Arial" panose="020B0604020202020204" pitchFamily="34" charset="0"/>
+                <a:cs typeface="Arial" panose="020B0604020202020204" pitchFamily="34" charset="0"/>
+              </a:rPr>
+              <a:t>Member variables</a:t>
+            </a:r>
+          </a:p>
+          <a:p>
+            <a:r>
+              <a:rPr lang="en-US" sz="1000" b="1" dirty="0" err="1">
+                <a:solidFill>
+                  <a:schemeClr val="tx1"/>
+                </a:solidFill>
+                <a:latin typeface="Arial" panose="020B0604020202020204" pitchFamily="34" charset="0"/>
+                <a:cs typeface="Arial" panose="020B0604020202020204" pitchFamily="34" charset="0"/>
+              </a:rPr>
+              <a:t>m_layout_xml</a:t>
+            </a:r>
+            <a:r>
+              <a:rPr lang="en-US" sz="1000" b="1" dirty="0">
+                <a:solidFill>
+                  <a:schemeClr val="tx1"/>
+                </a:solidFill>
+                <a:latin typeface="Arial" panose="020B0604020202020204" pitchFamily="34" charset="0"/>
+                <a:cs typeface="Arial" panose="020B0604020202020204" pitchFamily="34" charset="0"/>
+              </a:rPr>
+              <a:t>, </a:t>
+            </a:r>
+            <a:r>
+              <a:rPr lang="en-US" sz="1000" b="1" dirty="0" err="1">
+                <a:solidFill>
+                  <a:schemeClr val="tx1"/>
+                </a:solidFill>
+                <a:latin typeface="Arial" panose="020B0604020202020204" pitchFamily="34" charset="0"/>
+                <a:cs typeface="Arial" panose="020B0604020202020204" pitchFamily="34" charset="0"/>
+              </a:rPr>
+              <a:t>m_case</a:t>
+            </a:r>
+            <a:r>
+              <a:rPr lang="en-US" sz="1000" b="1" dirty="0">
+                <a:solidFill>
+                  <a:schemeClr val="tx1"/>
+                </a:solidFill>
+                <a:latin typeface="Arial" panose="020B0604020202020204" pitchFamily="34" charset="0"/>
+                <a:cs typeface="Arial" panose="020B0604020202020204" pitchFamily="34" charset="0"/>
+              </a:rPr>
+              <a:t>, </a:t>
+            </a:r>
+            <a:r>
+              <a:rPr lang="en-US" sz="1000" b="1" dirty="0" err="1">
+                <a:solidFill>
+                  <a:schemeClr val="tx1"/>
+                </a:solidFill>
+                <a:latin typeface="Arial" panose="020B0604020202020204" pitchFamily="34" charset="0"/>
+                <a:cs typeface="Arial" panose="020B0604020202020204" pitchFamily="34" charset="0"/>
+              </a:rPr>
+              <a:t>m_html_name</a:t>
+            </a:r>
+            <a:r>
+              <a:rPr lang="en-US" sz="1000" b="1" dirty="0">
+                <a:solidFill>
+                  <a:schemeClr val="tx1"/>
+                </a:solidFill>
+                <a:latin typeface="Arial" panose="020B0604020202020204" pitchFamily="34" charset="0"/>
+                <a:cs typeface="Arial" panose="020B0604020202020204" pitchFamily="34" charset="0"/>
+              </a:rPr>
+              <a:t>, …</a:t>
+            </a:r>
+          </a:p>
+          <a:p>
+            <a:endParaRPr lang="en-US" sz="1000" b="1" dirty="0">
+              <a:solidFill>
+                <a:schemeClr val="tx1"/>
+              </a:solidFill>
+              <a:latin typeface="Arial" panose="020B0604020202020204" pitchFamily="34" charset="0"/>
+              <a:cs typeface="Arial" panose="020B0604020202020204" pitchFamily="34" charset="0"/>
+            </a:endParaRPr>
+          </a:p>
+          <a:p>
+            <a:r>
+              <a:rPr lang="en-US" sz="1200" dirty="0">
+                <a:solidFill>
+                  <a:schemeClr val="tx1"/>
+                </a:solidFill>
+                <a:latin typeface="Arial" panose="020B0604020202020204" pitchFamily="34" charset="0"/>
+                <a:cs typeface="Arial" panose="020B0604020202020204" pitchFamily="34" charset="0"/>
+              </a:rPr>
+              <a:t>Member functions</a:t>
+            </a:r>
+          </a:p>
+          <a:p>
+            <a:r>
+              <a:rPr lang="de-CH" sz="1000" b="1" dirty="0" err="1">
+                <a:solidFill>
+                  <a:schemeClr val="tx1"/>
+                </a:solidFill>
+                <a:latin typeface="Arial" panose="020B0604020202020204" pitchFamily="34" charset="0"/>
+                <a:cs typeface="Arial" panose="020B0604020202020204" pitchFamily="34" charset="0"/>
+              </a:rPr>
+              <a:t>execute</a:t>
+            </a:r>
+            <a:r>
+              <a:rPr lang="de-CH" sz="1000" b="1" dirty="0">
+                <a:solidFill>
+                  <a:schemeClr val="tx1"/>
+                </a:solidFill>
+                <a:latin typeface="Arial" panose="020B0604020202020204" pitchFamily="34" charset="0"/>
+                <a:cs typeface="Arial" panose="020B0604020202020204" pitchFamily="34" charset="0"/>
+              </a:rPr>
+              <a:t> </a:t>
+            </a:r>
+            <a:r>
+              <a:rPr lang="de-CH" sz="1000" b="1" dirty="0" err="1">
+                <a:solidFill>
+                  <a:schemeClr val="tx1"/>
+                </a:solidFill>
+                <a:latin typeface="Arial" panose="020B0604020202020204" pitchFamily="34" charset="0"/>
+                <a:cs typeface="Arial" panose="020B0604020202020204" pitchFamily="34" charset="0"/>
+              </a:rPr>
+              <a:t>setDataFromXml</a:t>
+            </a:r>
+            <a:r>
+              <a:rPr lang="de-CH" sz="1000" b="1" dirty="0">
+                <a:solidFill>
+                  <a:schemeClr val="tx1"/>
+                </a:solidFill>
+                <a:latin typeface="Arial" panose="020B0604020202020204" pitchFamily="34" charset="0"/>
+                <a:cs typeface="Arial" panose="020B0604020202020204" pitchFamily="34" charset="0"/>
+              </a:rPr>
+              <a:t> </a:t>
+            </a:r>
+            <a:r>
+              <a:rPr lang="de-CH" sz="1000" b="1" dirty="0" err="1">
+                <a:solidFill>
+                  <a:schemeClr val="tx1"/>
+                </a:solidFill>
+                <a:latin typeface="Arial" panose="020B0604020202020204" pitchFamily="34" charset="0"/>
+                <a:cs typeface="Arial" panose="020B0604020202020204" pitchFamily="34" charset="0"/>
+              </a:rPr>
+              <a:t>checkData</a:t>
+            </a:r>
+            <a:endParaRPr lang="de-CH" sz="1000" b="1" dirty="0">
+              <a:solidFill>
+                <a:schemeClr val="tx1"/>
+              </a:solidFill>
+              <a:latin typeface="Arial" panose="020B0604020202020204" pitchFamily="34" charset="0"/>
+              <a:cs typeface="Arial" panose="020B0604020202020204" pitchFamily="34" charset="0"/>
+            </a:endParaRPr>
+          </a:p>
+          <a:p>
+            <a:r>
+              <a:rPr lang="de-CH" sz="1000" b="1" dirty="0" err="1">
+                <a:solidFill>
+                  <a:schemeClr val="tx1"/>
+                </a:solidFill>
+                <a:latin typeface="Arial" panose="020B0604020202020204" pitchFamily="34" charset="0"/>
+                <a:cs typeface="Arial" panose="020B0604020202020204" pitchFamily="34" charset="0"/>
+              </a:rPr>
+              <a:t>getNumber</a:t>
+            </a:r>
+            <a:r>
+              <a:rPr lang="de-CH" sz="1000" b="1" dirty="0">
+                <a:solidFill>
+                  <a:schemeClr val="tx1"/>
+                </a:solidFill>
+                <a:latin typeface="Arial" panose="020B0604020202020204" pitchFamily="34" charset="0"/>
+                <a:cs typeface="Arial" panose="020B0604020202020204" pitchFamily="34" charset="0"/>
+              </a:rPr>
+              <a:t>  	          </a:t>
+            </a:r>
+            <a:r>
+              <a:rPr lang="de-CH" sz="1000" b="1" dirty="0" err="1">
+                <a:solidFill>
+                  <a:schemeClr val="tx1"/>
+                </a:solidFill>
+                <a:latin typeface="Arial" panose="020B0604020202020204" pitchFamily="34" charset="0"/>
+                <a:cs typeface="Arial" panose="020B0604020202020204" pitchFamily="34" charset="0"/>
+              </a:rPr>
+              <a:t>setNumber</a:t>
+            </a:r>
+            <a:endParaRPr lang="de-CH" sz="1000" b="1" dirty="0">
+              <a:solidFill>
+                <a:schemeClr val="tx1"/>
+              </a:solidFill>
+              <a:latin typeface="Arial" panose="020B0604020202020204" pitchFamily="34" charset="0"/>
+              <a:cs typeface="Arial" panose="020B0604020202020204" pitchFamily="34" charset="0"/>
+            </a:endParaRPr>
+          </a:p>
+          <a:p>
+            <a:r>
+              <a:rPr lang="de-CH" sz="1000" b="1" dirty="0" err="1">
+                <a:solidFill>
+                  <a:schemeClr val="tx1"/>
+                </a:solidFill>
+                <a:latin typeface="Arial" panose="020B0604020202020204" pitchFamily="34" charset="0"/>
+                <a:cs typeface="Arial" panose="020B0604020202020204" pitchFamily="34" charset="0"/>
+              </a:rPr>
+              <a:t>getUpperLeftX</a:t>
+            </a:r>
+            <a:r>
+              <a:rPr lang="de-CH" sz="1000" b="1" dirty="0">
+                <a:solidFill>
+                  <a:schemeClr val="tx1"/>
+                </a:solidFill>
+                <a:latin typeface="Arial" panose="020B0604020202020204" pitchFamily="34" charset="0"/>
+                <a:cs typeface="Arial" panose="020B0604020202020204" pitchFamily="34" charset="0"/>
+              </a:rPr>
+              <a:t> 	          </a:t>
+            </a:r>
+            <a:r>
+              <a:rPr lang="de-CH" sz="1000" b="1" dirty="0" err="1">
+                <a:solidFill>
+                  <a:schemeClr val="tx1"/>
+                </a:solidFill>
+                <a:latin typeface="Arial" panose="020B0604020202020204" pitchFamily="34" charset="0"/>
+                <a:cs typeface="Arial" panose="020B0604020202020204" pitchFamily="34" charset="0"/>
+              </a:rPr>
+              <a:t>setUpperLeftX</a:t>
+            </a:r>
+            <a:endParaRPr lang="de-CH" sz="1000" b="1" dirty="0">
+              <a:solidFill>
+                <a:schemeClr val="tx1"/>
+              </a:solidFill>
+              <a:latin typeface="Arial" panose="020B0604020202020204" pitchFamily="34" charset="0"/>
+              <a:cs typeface="Arial" panose="020B0604020202020204" pitchFamily="34" charset="0"/>
+            </a:endParaRPr>
+          </a:p>
+          <a:p>
+            <a:r>
+              <a:rPr lang="de-CH" sz="1000" b="1" dirty="0" err="1">
+                <a:solidFill>
+                  <a:schemeClr val="tx1"/>
+                </a:solidFill>
+                <a:latin typeface="Arial" panose="020B0604020202020204" pitchFamily="34" charset="0"/>
+                <a:cs typeface="Arial" panose="020B0604020202020204" pitchFamily="34" charset="0"/>
+              </a:rPr>
+              <a:t>getUpperLeftY</a:t>
+            </a:r>
+            <a:r>
+              <a:rPr lang="de-CH" sz="1000" b="1" dirty="0">
+                <a:solidFill>
+                  <a:schemeClr val="tx1"/>
+                </a:solidFill>
+                <a:latin typeface="Arial" panose="020B0604020202020204" pitchFamily="34" charset="0"/>
+                <a:cs typeface="Arial" panose="020B0604020202020204" pitchFamily="34" charset="0"/>
+              </a:rPr>
+              <a:t> 	          </a:t>
+            </a:r>
+            <a:r>
+              <a:rPr lang="de-CH" sz="1000" b="1" dirty="0" err="1">
+                <a:solidFill>
+                  <a:schemeClr val="tx1"/>
+                </a:solidFill>
+                <a:latin typeface="Arial" panose="020B0604020202020204" pitchFamily="34" charset="0"/>
+                <a:cs typeface="Arial" panose="020B0604020202020204" pitchFamily="34" charset="0"/>
+              </a:rPr>
+              <a:t>setUpperLeftY</a:t>
+            </a:r>
+            <a:endParaRPr lang="de-CH" sz="1000" b="1" dirty="0">
+              <a:solidFill>
+                <a:schemeClr val="tx1"/>
+              </a:solidFill>
+              <a:latin typeface="Arial" panose="020B0604020202020204" pitchFamily="34" charset="0"/>
+              <a:cs typeface="Arial" panose="020B0604020202020204" pitchFamily="34" charset="0"/>
+            </a:endParaRPr>
+          </a:p>
+          <a:p>
+            <a:r>
+              <a:rPr lang="de-CH" sz="1000" b="1" dirty="0" err="1">
+                <a:solidFill>
+                  <a:schemeClr val="tx1"/>
+                </a:solidFill>
+                <a:latin typeface="Arial" panose="020B0604020202020204" pitchFamily="34" charset="0"/>
+                <a:cs typeface="Arial" panose="020B0604020202020204" pitchFamily="34" charset="0"/>
+              </a:rPr>
+              <a:t>getWidth</a:t>
+            </a:r>
+            <a:r>
+              <a:rPr lang="de-CH" sz="1000" b="1" dirty="0">
+                <a:solidFill>
+                  <a:schemeClr val="tx1"/>
+                </a:solidFill>
+                <a:latin typeface="Arial" panose="020B0604020202020204" pitchFamily="34" charset="0"/>
+                <a:cs typeface="Arial" panose="020B0604020202020204" pitchFamily="34" charset="0"/>
+              </a:rPr>
+              <a:t>                     </a:t>
+            </a:r>
+            <a:r>
+              <a:rPr lang="de-CH" sz="1000" b="1" dirty="0" err="1">
+                <a:solidFill>
+                  <a:schemeClr val="tx1"/>
+                </a:solidFill>
+                <a:latin typeface="Arial" panose="020B0604020202020204" pitchFamily="34" charset="0"/>
+                <a:cs typeface="Arial" panose="020B0604020202020204" pitchFamily="34" charset="0"/>
+              </a:rPr>
+              <a:t>setWidth</a:t>
+            </a:r>
+            <a:endParaRPr lang="de-CH" sz="1000" b="1" dirty="0">
+              <a:solidFill>
+                <a:schemeClr val="tx1"/>
+              </a:solidFill>
+              <a:latin typeface="Arial" panose="020B0604020202020204" pitchFamily="34" charset="0"/>
+              <a:cs typeface="Arial" panose="020B0604020202020204" pitchFamily="34" charset="0"/>
+            </a:endParaRPr>
+          </a:p>
+          <a:p>
+            <a:r>
+              <a:rPr lang="de-CH" sz="1000" b="1" dirty="0" err="1">
+                <a:solidFill>
+                  <a:schemeClr val="tx1"/>
+                </a:solidFill>
+                <a:latin typeface="Arial" panose="020B0604020202020204" pitchFamily="34" charset="0"/>
+                <a:cs typeface="Arial" panose="020B0604020202020204" pitchFamily="34" charset="0"/>
+              </a:rPr>
+              <a:t>getHeight</a:t>
+            </a:r>
+            <a:r>
+              <a:rPr lang="de-CH" sz="1000" b="1" dirty="0">
+                <a:solidFill>
+                  <a:schemeClr val="tx1"/>
+                </a:solidFill>
+                <a:latin typeface="Arial" panose="020B0604020202020204" pitchFamily="34" charset="0"/>
+                <a:cs typeface="Arial" panose="020B0604020202020204" pitchFamily="34" charset="0"/>
+              </a:rPr>
+              <a:t>                   </a:t>
+            </a:r>
+            <a:r>
+              <a:rPr lang="de-CH" sz="1000" b="1" dirty="0" err="1">
+                <a:solidFill>
+                  <a:schemeClr val="tx1"/>
+                </a:solidFill>
+                <a:latin typeface="Arial" panose="020B0604020202020204" pitchFamily="34" charset="0"/>
+                <a:cs typeface="Arial" panose="020B0604020202020204" pitchFamily="34" charset="0"/>
+              </a:rPr>
+              <a:t>setHeight</a:t>
+            </a:r>
+            <a:endParaRPr lang="de-CH" sz="1000" b="1" dirty="0">
+              <a:solidFill>
+                <a:schemeClr val="tx1"/>
+              </a:solidFill>
+              <a:latin typeface="Arial" panose="020B0604020202020204" pitchFamily="34" charset="0"/>
+              <a:cs typeface="Arial" panose="020B0604020202020204" pitchFamily="34" charset="0"/>
+            </a:endParaRPr>
+          </a:p>
+          <a:p>
+            <a:r>
+              <a:rPr lang="de-CH" sz="1000" b="1" dirty="0" err="1">
+                <a:solidFill>
+                  <a:schemeClr val="tx1"/>
+                </a:solidFill>
+                <a:latin typeface="Arial" panose="020B0604020202020204" pitchFamily="34" charset="0"/>
+                <a:cs typeface="Arial" panose="020B0604020202020204" pitchFamily="34" charset="0"/>
+              </a:rPr>
+              <a:t>getNumberLeftRightSeats</a:t>
+            </a:r>
+            <a:endParaRPr lang="de-CH" sz="1000" b="1" dirty="0">
+              <a:solidFill>
+                <a:schemeClr val="tx1"/>
+              </a:solidFill>
+              <a:latin typeface="Arial" panose="020B0604020202020204" pitchFamily="34" charset="0"/>
+              <a:cs typeface="Arial" panose="020B0604020202020204" pitchFamily="34" charset="0"/>
+            </a:endParaRPr>
+          </a:p>
+          <a:p>
+            <a:r>
+              <a:rPr lang="de-CH" sz="1000" b="1" dirty="0" err="1">
+                <a:solidFill>
+                  <a:schemeClr val="tx1"/>
+                </a:solidFill>
+                <a:latin typeface="Arial" panose="020B0604020202020204" pitchFamily="34" charset="0"/>
+                <a:cs typeface="Arial" panose="020B0604020202020204" pitchFamily="34" charset="0"/>
+              </a:rPr>
+              <a:t>getSeatLeftArray</a:t>
+            </a:r>
+            <a:r>
+              <a:rPr lang="de-CH" sz="1000" b="1" dirty="0">
+                <a:solidFill>
+                  <a:schemeClr val="tx1"/>
+                </a:solidFill>
+                <a:latin typeface="Arial" panose="020B0604020202020204" pitchFamily="34" charset="0"/>
+                <a:cs typeface="Arial" panose="020B0604020202020204" pitchFamily="34" charset="0"/>
+              </a:rPr>
+              <a:t>       </a:t>
+            </a:r>
+            <a:r>
+              <a:rPr lang="de-CH" sz="1000" b="1" dirty="0" err="1">
+                <a:solidFill>
+                  <a:schemeClr val="tx1"/>
+                </a:solidFill>
+                <a:latin typeface="Arial" panose="020B0604020202020204" pitchFamily="34" charset="0"/>
+                <a:cs typeface="Arial" panose="020B0604020202020204" pitchFamily="34" charset="0"/>
+              </a:rPr>
+              <a:t>setSeatLeftArray</a:t>
+            </a:r>
+            <a:endParaRPr lang="de-CH" sz="1000" b="1" dirty="0">
+              <a:solidFill>
+                <a:schemeClr val="tx1"/>
+              </a:solidFill>
+              <a:latin typeface="Arial" panose="020B0604020202020204" pitchFamily="34" charset="0"/>
+              <a:cs typeface="Arial" panose="020B0604020202020204" pitchFamily="34" charset="0"/>
+            </a:endParaRPr>
+          </a:p>
+          <a:p>
+            <a:r>
+              <a:rPr lang="de-CH" sz="1000" b="1" dirty="0" err="1">
+                <a:solidFill>
+                  <a:schemeClr val="tx1"/>
+                </a:solidFill>
+                <a:latin typeface="Arial" panose="020B0604020202020204" pitchFamily="34" charset="0"/>
+                <a:cs typeface="Arial" panose="020B0604020202020204" pitchFamily="34" charset="0"/>
+              </a:rPr>
+              <a:t>getSeatRightArray</a:t>
+            </a:r>
+            <a:r>
+              <a:rPr lang="de-CH" sz="1000" b="1" dirty="0">
+                <a:solidFill>
+                  <a:schemeClr val="tx1"/>
+                </a:solidFill>
+                <a:latin typeface="Arial" panose="020B0604020202020204" pitchFamily="34" charset="0"/>
+                <a:cs typeface="Arial" panose="020B0604020202020204" pitchFamily="34" charset="0"/>
+              </a:rPr>
+              <a:t>     </a:t>
+            </a:r>
+            <a:r>
+              <a:rPr lang="de-CH" sz="1000" b="1" dirty="0" err="1">
+                <a:solidFill>
+                  <a:schemeClr val="tx1"/>
+                </a:solidFill>
+                <a:latin typeface="Arial" panose="020B0604020202020204" pitchFamily="34" charset="0"/>
+                <a:cs typeface="Arial" panose="020B0604020202020204" pitchFamily="34" charset="0"/>
+              </a:rPr>
+              <a:t>setSeatRightArray</a:t>
+            </a:r>
+            <a:endParaRPr lang="de-CH" sz="1000" b="1" dirty="0">
+              <a:solidFill>
+                <a:schemeClr val="tx1"/>
+              </a:solidFill>
+              <a:latin typeface="Arial" panose="020B0604020202020204" pitchFamily="34" charset="0"/>
+              <a:cs typeface="Arial" panose="020B0604020202020204" pitchFamily="34" charset="0"/>
+            </a:endParaRPr>
+          </a:p>
+          <a:p>
+            <a:r>
+              <a:rPr lang="de-CH" sz="1000" b="1" dirty="0" err="1">
+                <a:solidFill>
+                  <a:schemeClr val="tx1"/>
+                </a:solidFill>
+                <a:latin typeface="Arial" panose="020B0604020202020204" pitchFamily="34" charset="0"/>
+                <a:cs typeface="Arial" panose="020B0604020202020204" pitchFamily="34" charset="0"/>
+              </a:rPr>
+              <a:t>getSeatUpper</a:t>
+            </a:r>
+            <a:r>
+              <a:rPr lang="de-CH" sz="1000" b="1" dirty="0">
+                <a:solidFill>
+                  <a:schemeClr val="tx1"/>
+                </a:solidFill>
+                <a:latin typeface="Arial" panose="020B0604020202020204" pitchFamily="34" charset="0"/>
+                <a:cs typeface="Arial" panose="020B0604020202020204" pitchFamily="34" charset="0"/>
+              </a:rPr>
+              <a:t>             </a:t>
+            </a:r>
+            <a:r>
+              <a:rPr lang="de-CH" sz="1000" b="1" dirty="0" err="1">
+                <a:solidFill>
+                  <a:schemeClr val="tx1"/>
+                </a:solidFill>
+                <a:latin typeface="Arial" panose="020B0604020202020204" pitchFamily="34" charset="0"/>
+                <a:cs typeface="Arial" panose="020B0604020202020204" pitchFamily="34" charset="0"/>
+              </a:rPr>
+              <a:t>setSeatUpper</a:t>
+            </a:r>
+            <a:endParaRPr lang="de-CH" sz="1000" b="1" dirty="0">
+              <a:solidFill>
+                <a:schemeClr val="tx1"/>
+              </a:solidFill>
+              <a:latin typeface="Arial" panose="020B0604020202020204" pitchFamily="34" charset="0"/>
+              <a:cs typeface="Arial" panose="020B0604020202020204" pitchFamily="34" charset="0"/>
+            </a:endParaRPr>
+          </a:p>
+          <a:p>
+            <a:r>
+              <a:rPr lang="de-CH" sz="1000" b="1" dirty="0" err="1">
+                <a:solidFill>
+                  <a:schemeClr val="tx1"/>
+                </a:solidFill>
+                <a:latin typeface="Arial" panose="020B0604020202020204" pitchFamily="34" charset="0"/>
+                <a:cs typeface="Arial" panose="020B0604020202020204" pitchFamily="34" charset="0"/>
+              </a:rPr>
+              <a:t>getSeatLower</a:t>
+            </a:r>
+            <a:r>
+              <a:rPr lang="de-CH" sz="1000" b="1" dirty="0">
+                <a:solidFill>
+                  <a:schemeClr val="tx1"/>
+                </a:solidFill>
+                <a:latin typeface="Arial" panose="020B0604020202020204" pitchFamily="34" charset="0"/>
+                <a:cs typeface="Arial" panose="020B0604020202020204" pitchFamily="34" charset="0"/>
+              </a:rPr>
+              <a:t>             </a:t>
+            </a:r>
+            <a:r>
+              <a:rPr lang="de-CH" sz="1000" b="1" dirty="0" err="1">
+                <a:solidFill>
+                  <a:schemeClr val="tx1"/>
+                </a:solidFill>
+                <a:latin typeface="Arial" panose="020B0604020202020204" pitchFamily="34" charset="0"/>
+                <a:cs typeface="Arial" panose="020B0604020202020204" pitchFamily="34" charset="0"/>
+              </a:rPr>
+              <a:t>setSeatLower</a:t>
+            </a:r>
+            <a:endParaRPr lang="de-CH" sz="1000" b="1" dirty="0">
+              <a:solidFill>
+                <a:schemeClr val="tx1"/>
+              </a:solidFill>
+              <a:latin typeface="Arial" panose="020B0604020202020204" pitchFamily="34" charset="0"/>
+              <a:cs typeface="Arial" panose="020B0604020202020204" pitchFamily="34" charset="0"/>
+            </a:endParaRPr>
+          </a:p>
+          <a:p>
+            <a:r>
+              <a:rPr lang="de-CH" sz="1000" b="1" dirty="0" err="1">
+                <a:solidFill>
+                  <a:schemeClr val="tx1"/>
+                </a:solidFill>
+                <a:latin typeface="Arial" panose="020B0604020202020204" pitchFamily="34" charset="0"/>
+                <a:cs typeface="Arial" panose="020B0604020202020204" pitchFamily="34" charset="0"/>
+              </a:rPr>
+              <a:t>getText</a:t>
+            </a:r>
+            <a:r>
+              <a:rPr lang="de-CH" sz="1000" b="1" dirty="0">
+                <a:solidFill>
+                  <a:schemeClr val="tx1"/>
+                </a:solidFill>
+                <a:latin typeface="Arial" panose="020B0604020202020204" pitchFamily="34" charset="0"/>
+                <a:cs typeface="Arial" panose="020B0604020202020204" pitchFamily="34" charset="0"/>
+              </a:rPr>
+              <a:t>                        </a:t>
+            </a:r>
+            <a:r>
+              <a:rPr lang="de-CH" sz="1000" b="1" dirty="0" err="1">
+                <a:solidFill>
+                  <a:schemeClr val="tx1"/>
+                </a:solidFill>
+                <a:latin typeface="Arial" panose="020B0604020202020204" pitchFamily="34" charset="0"/>
+                <a:cs typeface="Arial" panose="020B0604020202020204" pitchFamily="34" charset="0"/>
+              </a:rPr>
+              <a:t>setText</a:t>
+            </a:r>
+            <a:endParaRPr lang="de-CH" sz="1000" b="1" dirty="0">
+              <a:solidFill>
+                <a:schemeClr val="tx1"/>
+              </a:solidFill>
+              <a:latin typeface="Arial" panose="020B0604020202020204" pitchFamily="34" charset="0"/>
+              <a:cs typeface="Arial" panose="020B0604020202020204" pitchFamily="34" charset="0"/>
+            </a:endParaRPr>
+          </a:p>
+        </p:txBody>
+      </p:sp>
+      <p:sp>
+        <p:nvSpPr>
+          <p:cNvPr id="29" name="Rechteck 28">
+            <a:extLst>
+              <a:ext uri="{FF2B5EF4-FFF2-40B4-BE49-F238E27FC236}">
+                <a16:creationId xmlns:a16="http://schemas.microsoft.com/office/drawing/2014/main" id="{9AFB147F-6041-B4DC-40EA-0C2AAB650799}"/>
+              </a:ext>
+            </a:extLst>
+          </p:cNvPr>
+          <p:cNvSpPr/>
+          <p:nvPr/>
+        </p:nvSpPr>
+        <p:spPr>
+          <a:xfrm>
+            <a:off x="3668771" y="4052629"/>
+            <a:ext cx="2860861" cy="806429"/>
+          </a:xfrm>
+          <a:prstGeom prst="rect">
+            <a:avLst/>
+          </a:prstGeom>
+          <a:noFill/>
+          <a:ln w="19050">
+            <a:solidFill>
+              <a:schemeClr val="tx1"/>
+            </a:solidFill>
+          </a:ln>
+        </p:spPr>
+        <p:style>
+          <a:lnRef idx="2">
+            <a:schemeClr val="accent1">
+              <a:shade val="50000"/>
+            </a:schemeClr>
+          </a:lnRef>
+          <a:fillRef idx="1">
+            <a:schemeClr val="accent1"/>
+          </a:fillRef>
+          <a:effectRef idx="0">
+            <a:schemeClr val="accent1"/>
+          </a:effectRef>
+          <a:fontRef idx="minor">
+            <a:schemeClr val="lt1"/>
+          </a:fontRef>
+        </p:style>
+        <p:txBody>
+          <a:bodyPr rtlCol="0" anchor="ctr"/>
+          <a:lstStyle/>
+          <a:p>
+            <a:r>
+              <a:rPr lang="en-US" sz="1200" dirty="0">
+                <a:solidFill>
+                  <a:schemeClr val="tx1"/>
+                </a:solidFill>
+                <a:latin typeface="Arial" panose="020B0604020202020204" pitchFamily="34" charset="0"/>
+                <a:cs typeface="Arial" panose="020B0604020202020204" pitchFamily="34" charset="0"/>
+              </a:rPr>
+              <a:t>Global functions </a:t>
+            </a:r>
+          </a:p>
+          <a:p>
+            <a:r>
+              <a:rPr lang="en-US" sz="800" b="1" dirty="0" err="1">
+                <a:solidFill>
+                  <a:schemeClr val="tx1"/>
+                </a:solidFill>
+                <a:latin typeface="Arial" panose="020B0604020202020204" pitchFamily="34" charset="0"/>
+                <a:cs typeface="Arial" panose="020B0604020202020204" pitchFamily="34" charset="0"/>
+              </a:rPr>
+              <a:t>getTableDataArrayFromXml</a:t>
+            </a:r>
+            <a:r>
+              <a:rPr lang="en-US" sz="800" b="1" dirty="0">
+                <a:solidFill>
+                  <a:schemeClr val="tx1"/>
+                </a:solidFill>
+                <a:latin typeface="Arial" panose="020B0604020202020204" pitchFamily="34" charset="0"/>
+                <a:cs typeface="Arial" panose="020B0604020202020204" pitchFamily="34" charset="0"/>
+              </a:rPr>
+              <a:t>(</a:t>
+            </a:r>
+            <a:r>
+              <a:rPr lang="en-US" sz="800" b="1" dirty="0" err="1">
+                <a:solidFill>
+                  <a:schemeClr val="tx1"/>
+                </a:solidFill>
+                <a:latin typeface="Arial" panose="020B0604020202020204" pitchFamily="34" charset="0"/>
+                <a:cs typeface="Arial" panose="020B0604020202020204" pitchFamily="34" charset="0"/>
+              </a:rPr>
+              <a:t>layout_xml</a:t>
+            </a:r>
+            <a:r>
+              <a:rPr lang="en-US" sz="800" b="1" dirty="0">
+                <a:solidFill>
+                  <a:schemeClr val="tx1"/>
+                </a:solidFill>
+                <a:latin typeface="Arial" panose="020B0604020202020204" pitchFamily="34" charset="0"/>
+                <a:cs typeface="Arial" panose="020B0604020202020204" pitchFamily="34" charset="0"/>
+              </a:rPr>
+              <a:t>)</a:t>
+            </a:r>
+          </a:p>
+          <a:p>
+            <a:r>
+              <a:rPr lang="en-US" sz="800" b="1" dirty="0" err="1">
+                <a:solidFill>
+                  <a:schemeClr val="tx1"/>
+                </a:solidFill>
+                <a:latin typeface="Arial" panose="020B0604020202020204" pitchFamily="34" charset="0"/>
+                <a:cs typeface="Arial" panose="020B0604020202020204" pitchFamily="34" charset="0"/>
+              </a:rPr>
+              <a:t>getTableDataFromXml</a:t>
+            </a:r>
+            <a:r>
+              <a:rPr lang="en-US" sz="800" b="1" dirty="0">
+                <a:solidFill>
+                  <a:schemeClr val="tx1"/>
+                </a:solidFill>
+                <a:latin typeface="Arial" panose="020B0604020202020204" pitchFamily="34" charset="0"/>
+                <a:cs typeface="Arial" panose="020B0604020202020204" pitchFamily="34" charset="0"/>
+              </a:rPr>
+              <a:t>(</a:t>
+            </a:r>
+            <a:r>
+              <a:rPr lang="en-US" sz="800" b="1" dirty="0" err="1">
+                <a:solidFill>
+                  <a:schemeClr val="tx1"/>
+                </a:solidFill>
+                <a:latin typeface="Arial" panose="020B0604020202020204" pitchFamily="34" charset="0"/>
+                <a:cs typeface="Arial" panose="020B0604020202020204" pitchFamily="34" charset="0"/>
+              </a:rPr>
+              <a:t>layout_xml</a:t>
+            </a:r>
+            <a:r>
+              <a:rPr lang="en-US" sz="800" b="1" dirty="0">
+                <a:solidFill>
+                  <a:schemeClr val="tx1"/>
+                </a:solidFill>
+                <a:latin typeface="Arial" panose="020B0604020202020204" pitchFamily="34" charset="0"/>
+                <a:cs typeface="Arial" panose="020B0604020202020204" pitchFamily="34" charset="0"/>
+              </a:rPr>
+              <a:t>, </a:t>
+            </a:r>
+            <a:r>
+              <a:rPr lang="en-US" sz="800" b="1" dirty="0" err="1">
+                <a:solidFill>
+                  <a:schemeClr val="tx1"/>
+                </a:solidFill>
+                <a:latin typeface="Arial" panose="020B0604020202020204" pitchFamily="34" charset="0"/>
+                <a:cs typeface="Arial" panose="020B0604020202020204" pitchFamily="34" charset="0"/>
+              </a:rPr>
+              <a:t>table_number</a:t>
+            </a:r>
+            <a:r>
+              <a:rPr lang="en-US" sz="800" b="1" dirty="0">
+                <a:solidFill>
+                  <a:schemeClr val="tx1"/>
+                </a:solidFill>
+                <a:latin typeface="Arial" panose="020B0604020202020204" pitchFamily="34" charset="0"/>
+                <a:cs typeface="Arial" panose="020B0604020202020204" pitchFamily="34" charset="0"/>
+              </a:rPr>
+              <a:t>)</a:t>
+            </a:r>
+            <a:endParaRPr lang="de-CH" sz="800" b="1" dirty="0">
+              <a:solidFill>
+                <a:schemeClr val="tx1"/>
+              </a:solidFill>
+              <a:latin typeface="Arial" panose="020B0604020202020204" pitchFamily="34" charset="0"/>
+              <a:cs typeface="Arial" panose="020B0604020202020204" pitchFamily="34" charset="0"/>
+            </a:endParaRPr>
+          </a:p>
+        </p:txBody>
+      </p:sp>
+      <p:sp>
+        <p:nvSpPr>
+          <p:cNvPr id="30" name="Textfeld 29">
+            <a:extLst>
+              <a:ext uri="{FF2B5EF4-FFF2-40B4-BE49-F238E27FC236}">
+                <a16:creationId xmlns:a16="http://schemas.microsoft.com/office/drawing/2014/main" id="{835A2220-808B-EF36-88C7-0857FAE5AF6D}"/>
+              </a:ext>
+            </a:extLst>
+          </p:cNvPr>
+          <p:cNvSpPr txBox="1"/>
+          <p:nvPr/>
+        </p:nvSpPr>
+        <p:spPr>
+          <a:xfrm>
+            <a:off x="0" y="173506"/>
+            <a:ext cx="12192000" cy="369332"/>
+          </a:xfrm>
+          <a:prstGeom prst="rect">
+            <a:avLst/>
+          </a:prstGeom>
+          <a:noFill/>
+        </p:spPr>
+        <p:txBody>
+          <a:bodyPr wrap="square">
+            <a:spAutoFit/>
+          </a:bodyPr>
+          <a:lstStyle/>
+          <a:p>
+            <a:pPr algn="ctr"/>
+            <a:r>
+              <a:rPr lang="de-CH" b="1" dirty="0">
+                <a:latin typeface="Arial" panose="020B0604020202020204" pitchFamily="34" charset="0"/>
+                <a:cs typeface="Arial" panose="020B0604020202020204" pitchFamily="34" charset="0"/>
+              </a:rPr>
+              <a:t>ReservationLayoutCommon.js</a:t>
+            </a:r>
+          </a:p>
+        </p:txBody>
+      </p:sp>
+    </p:spTree>
+    <p:extLst>
+      <p:ext uri="{BB962C8B-B14F-4D97-AF65-F5344CB8AC3E}">
+        <p14:creationId xmlns:p14="http://schemas.microsoft.com/office/powerpoint/2010/main" val="2922001025"/>
+      </p:ext>
+    </p:extLst>
+  </p:cSld>
+  <p:clrMapOvr>
+    <a:masterClrMapping/>
+  </p:clrMapOvr>
+</p:sld>
+</file>
+
+<file path=ppt/slides/slide6.xml><?xml version="1.0" encoding="utf-8"?>
+<p:sld xmlns:a="http://schemas.openxmlformats.org/drawingml/2006/main" xmlns:r="http://schemas.openxmlformats.org/officeDocument/2006/relationships" xmlns:p="http://schemas.openxmlformats.org/presentationml/2006/main">
+  <p:cSld>
+    <p:spTree>
+      <p:nvGrpSpPr>
+        <p:cNvPr id="1" name=""/>
+        <p:cNvGrpSpPr/>
+        <p:nvPr/>
+      </p:nvGrpSpPr>
+      <p:grpSpPr>
+        <a:xfrm>
+          <a:off x="0" y="0"/>
+          <a:ext cx="0" cy="0"/>
+          <a:chOff x="0" y="0"/>
+          <a:chExt cx="0" cy="0"/>
+        </a:xfrm>
+      </p:grpSpPr>
+      <p:sp>
+        <p:nvSpPr>
+          <p:cNvPr id="2" name="Rechteck 1">
+            <a:extLst>
+              <a:ext uri="{FF2B5EF4-FFF2-40B4-BE49-F238E27FC236}">
+                <a16:creationId xmlns:a16="http://schemas.microsoft.com/office/drawing/2014/main" id="{C206C256-1A99-6BCD-2ACD-609AD8F13C1A}"/>
+              </a:ext>
+            </a:extLst>
+          </p:cNvPr>
+          <p:cNvSpPr/>
+          <p:nvPr/>
+        </p:nvSpPr>
+        <p:spPr>
+          <a:xfrm>
+            <a:off x="889025" y="789188"/>
+            <a:ext cx="2410359" cy="570469"/>
+          </a:xfrm>
+          <a:prstGeom prst="rect">
+            <a:avLst/>
+          </a:prstGeom>
+          <a:noFill/>
+          <a:ln w="19050">
+            <a:solidFill>
+              <a:schemeClr val="tx1"/>
+            </a:solidFill>
+          </a:ln>
+        </p:spPr>
+        <p:style>
+          <a:lnRef idx="2">
+            <a:schemeClr val="accent1">
+              <a:shade val="50000"/>
+            </a:schemeClr>
+          </a:lnRef>
+          <a:fillRef idx="1">
+            <a:schemeClr val="accent1"/>
+          </a:fillRef>
+          <a:effectRef idx="0">
+            <a:schemeClr val="accent1"/>
+          </a:effectRef>
+          <a:fontRef idx="minor">
+            <a:schemeClr val="lt1"/>
+          </a:fontRef>
+        </p:style>
+        <p:txBody>
+          <a:bodyPr rtlCol="0" anchor="ctr"/>
+          <a:lstStyle/>
+          <a:p>
+            <a:pPr algn="ctr"/>
+            <a:r>
+              <a:rPr lang="de-CH" dirty="0" err="1">
+                <a:solidFill>
+                  <a:schemeClr val="tx1"/>
+                </a:solidFill>
+                <a:latin typeface="Arial" panose="020B0604020202020204" pitchFamily="34" charset="0"/>
+                <a:cs typeface="Arial" panose="020B0604020202020204" pitchFamily="34" charset="0"/>
+              </a:rPr>
+              <a:t>LayoutSvg</a:t>
+            </a:r>
+            <a:endParaRPr lang="de-CH" dirty="0">
+              <a:solidFill>
+                <a:schemeClr val="tx1"/>
+              </a:solidFill>
+              <a:latin typeface="Arial" panose="020B0604020202020204" pitchFamily="34" charset="0"/>
+              <a:cs typeface="Arial" panose="020B0604020202020204" pitchFamily="34" charset="0"/>
+            </a:endParaRPr>
+          </a:p>
+          <a:p>
+            <a:pPr algn="ctr"/>
+            <a:r>
+              <a:rPr lang="de-CH" sz="1200" dirty="0" err="1">
+                <a:solidFill>
+                  <a:schemeClr val="tx1"/>
+                </a:solidFill>
+                <a:latin typeface="Arial" panose="020B0604020202020204" pitchFamily="34" charset="0"/>
+                <a:cs typeface="Arial" panose="020B0604020202020204" pitchFamily="34" charset="0"/>
+              </a:rPr>
+              <a:t>Consructs</a:t>
+            </a:r>
+            <a:r>
+              <a:rPr lang="de-CH" sz="1200" dirty="0">
+                <a:solidFill>
+                  <a:schemeClr val="tx1"/>
+                </a:solidFill>
+                <a:latin typeface="Arial" panose="020B0604020202020204" pitchFamily="34" charset="0"/>
+                <a:cs typeface="Arial" panose="020B0604020202020204" pitchFamily="34" charset="0"/>
+              </a:rPr>
+              <a:t> all </a:t>
+            </a:r>
+            <a:r>
+              <a:rPr lang="de-CH" sz="1200" dirty="0" err="1">
+                <a:solidFill>
+                  <a:schemeClr val="tx1"/>
+                </a:solidFill>
+                <a:latin typeface="Arial" panose="020B0604020202020204" pitchFamily="34" charset="0"/>
+                <a:cs typeface="Arial" panose="020B0604020202020204" pitchFamily="34" charset="0"/>
+              </a:rPr>
+              <a:t>the</a:t>
+            </a:r>
+            <a:r>
+              <a:rPr lang="de-CH" sz="1200" dirty="0">
+                <a:solidFill>
+                  <a:schemeClr val="tx1"/>
+                </a:solidFill>
+                <a:latin typeface="Arial" panose="020B0604020202020204" pitchFamily="34" charset="0"/>
+                <a:cs typeface="Arial" panose="020B0604020202020204" pitchFamily="34" charset="0"/>
+              </a:rPr>
+              <a:t> SVG code</a:t>
+            </a:r>
+          </a:p>
+        </p:txBody>
+      </p:sp>
+      <p:sp>
+        <p:nvSpPr>
+          <p:cNvPr id="3" name="Rechteck 2">
+            <a:extLst>
+              <a:ext uri="{FF2B5EF4-FFF2-40B4-BE49-F238E27FC236}">
+                <a16:creationId xmlns:a16="http://schemas.microsoft.com/office/drawing/2014/main" id="{72E17D6F-1659-FD83-533F-BC7FCA20CEC4}"/>
+              </a:ext>
+            </a:extLst>
+          </p:cNvPr>
+          <p:cNvSpPr/>
+          <p:nvPr/>
+        </p:nvSpPr>
+        <p:spPr>
+          <a:xfrm>
+            <a:off x="889022" y="1350259"/>
+            <a:ext cx="2410359" cy="2276708"/>
+          </a:xfrm>
+          <a:prstGeom prst="rect">
+            <a:avLst/>
+          </a:prstGeom>
+          <a:noFill/>
+          <a:ln w="19050">
+            <a:solidFill>
+              <a:schemeClr val="tx1"/>
+            </a:solidFill>
+          </a:ln>
+        </p:spPr>
+        <p:style>
+          <a:lnRef idx="2">
+            <a:schemeClr val="accent1">
+              <a:shade val="50000"/>
+            </a:schemeClr>
+          </a:lnRef>
+          <a:fillRef idx="1">
+            <a:schemeClr val="accent1"/>
+          </a:fillRef>
+          <a:effectRef idx="0">
+            <a:schemeClr val="accent1"/>
+          </a:effectRef>
+          <a:fontRef idx="minor">
+            <a:schemeClr val="lt1"/>
+          </a:fontRef>
+        </p:style>
+        <p:txBody>
+          <a:bodyPr rtlCol="0" anchor="ctr"/>
+          <a:lstStyle/>
+          <a:p>
+            <a:r>
+              <a:rPr lang="en-US" sz="1200" dirty="0">
+                <a:solidFill>
+                  <a:schemeClr val="tx1"/>
+                </a:solidFill>
+                <a:latin typeface="Arial" panose="020B0604020202020204" pitchFamily="34" charset="0"/>
+                <a:cs typeface="Arial" panose="020B0604020202020204" pitchFamily="34" charset="0"/>
+              </a:rPr>
+              <a:t>Member variables</a:t>
+            </a:r>
+          </a:p>
+          <a:p>
+            <a:r>
+              <a:rPr lang="en-US" sz="1000" b="1" dirty="0" err="1">
+                <a:solidFill>
+                  <a:schemeClr val="tx1"/>
+                </a:solidFill>
+                <a:latin typeface="Arial" panose="020B0604020202020204" pitchFamily="34" charset="0"/>
+                <a:cs typeface="Arial" panose="020B0604020202020204" pitchFamily="34" charset="0"/>
+              </a:rPr>
+              <a:t>m_layout_xml</a:t>
+            </a:r>
+            <a:endParaRPr lang="en-US" sz="1000" b="1" dirty="0">
+              <a:solidFill>
+                <a:schemeClr val="tx1"/>
+              </a:solidFill>
+              <a:latin typeface="Arial" panose="020B0604020202020204" pitchFamily="34" charset="0"/>
+              <a:cs typeface="Arial" panose="020B0604020202020204" pitchFamily="34" charset="0"/>
+            </a:endParaRPr>
+          </a:p>
+          <a:p>
+            <a:r>
+              <a:rPr lang="en-US" sz="1000" b="1" dirty="0" err="1">
+                <a:solidFill>
+                  <a:schemeClr val="tx1"/>
+                </a:solidFill>
+                <a:latin typeface="Arial" panose="020B0604020202020204" pitchFamily="34" charset="0"/>
+                <a:cs typeface="Arial" panose="020B0604020202020204" pitchFamily="34" charset="0"/>
+              </a:rPr>
+              <a:t>m_button_id_array</a:t>
+            </a:r>
+            <a:endParaRPr lang="en-US" sz="1000" b="1" dirty="0">
+              <a:solidFill>
+                <a:schemeClr val="tx1"/>
+              </a:solidFill>
+              <a:latin typeface="Arial" panose="020B0604020202020204" pitchFamily="34" charset="0"/>
+              <a:cs typeface="Arial" panose="020B0604020202020204" pitchFamily="34" charset="0"/>
+            </a:endParaRPr>
+          </a:p>
+          <a:p>
+            <a:r>
+              <a:rPr lang="en-US" sz="1000" b="1" dirty="0" err="1">
+                <a:solidFill>
+                  <a:schemeClr val="tx1"/>
+                </a:solidFill>
+                <a:latin typeface="Arial" panose="020B0604020202020204" pitchFamily="34" charset="0"/>
+                <a:cs typeface="Arial" panose="020B0604020202020204" pitchFamily="34" charset="0"/>
+              </a:rPr>
+              <a:t>m_scale_dimension</a:t>
+            </a:r>
+            <a:endParaRPr lang="en-US" sz="1000" b="1" dirty="0">
+              <a:solidFill>
+                <a:schemeClr val="tx1"/>
+              </a:solidFill>
+              <a:latin typeface="Arial" panose="020B0604020202020204" pitchFamily="34" charset="0"/>
+              <a:cs typeface="Arial" panose="020B0604020202020204" pitchFamily="34" charset="0"/>
+            </a:endParaRPr>
+          </a:p>
+          <a:p>
+            <a:r>
+              <a:rPr lang="en-US" sz="1000" b="1" dirty="0" err="1">
+                <a:solidFill>
+                  <a:schemeClr val="tx1"/>
+                </a:solidFill>
+                <a:latin typeface="Arial" panose="020B0604020202020204" pitchFamily="34" charset="0"/>
+                <a:cs typeface="Arial" panose="020B0604020202020204" pitchFamily="34" charset="0"/>
+              </a:rPr>
+              <a:t>m_style_block_svg</a:t>
+            </a:r>
+            <a:endParaRPr lang="en-US" sz="1000" b="1" dirty="0">
+              <a:solidFill>
+                <a:schemeClr val="tx1"/>
+              </a:solidFill>
+              <a:latin typeface="Arial" panose="020B0604020202020204" pitchFamily="34" charset="0"/>
+              <a:cs typeface="Arial" panose="020B0604020202020204" pitchFamily="34" charset="0"/>
+            </a:endParaRPr>
+          </a:p>
+          <a:p>
+            <a:r>
+              <a:rPr lang="en-US" sz="1000" b="1" dirty="0" err="1">
+                <a:solidFill>
+                  <a:schemeClr val="tx1"/>
+                </a:solidFill>
+                <a:latin typeface="Arial" panose="020B0604020202020204" pitchFamily="34" charset="0"/>
+                <a:cs typeface="Arial" panose="020B0604020202020204" pitchFamily="34" charset="0"/>
+              </a:rPr>
+              <a:t>m_svg_code</a:t>
+            </a:r>
+            <a:endParaRPr lang="en-US" sz="1000" b="1" dirty="0">
+              <a:solidFill>
+                <a:schemeClr val="tx1"/>
+              </a:solidFill>
+              <a:latin typeface="Arial" panose="020B0604020202020204" pitchFamily="34" charset="0"/>
+              <a:cs typeface="Arial" panose="020B0604020202020204" pitchFamily="34" charset="0"/>
+            </a:endParaRPr>
+          </a:p>
+          <a:p>
+            <a:endParaRPr lang="en-US" sz="1000" b="1" dirty="0">
+              <a:solidFill>
+                <a:schemeClr val="tx1"/>
+              </a:solidFill>
+              <a:latin typeface="Arial" panose="020B0604020202020204" pitchFamily="34" charset="0"/>
+              <a:cs typeface="Arial" panose="020B0604020202020204" pitchFamily="34" charset="0"/>
+            </a:endParaRPr>
+          </a:p>
+          <a:p>
+            <a:r>
+              <a:rPr lang="en-US" sz="1200" dirty="0">
+                <a:solidFill>
+                  <a:schemeClr val="tx1"/>
+                </a:solidFill>
+                <a:latin typeface="Arial" panose="020B0604020202020204" pitchFamily="34" charset="0"/>
+                <a:cs typeface="Arial" panose="020B0604020202020204" pitchFamily="34" charset="0"/>
+              </a:rPr>
+              <a:t>Member functions</a:t>
+            </a:r>
+          </a:p>
+          <a:p>
+            <a:r>
+              <a:rPr lang="de-CH" sz="1000" b="1" dirty="0" err="1">
+                <a:solidFill>
+                  <a:schemeClr val="tx1"/>
+                </a:solidFill>
+                <a:latin typeface="Arial" panose="020B0604020202020204" pitchFamily="34" charset="0"/>
+                <a:cs typeface="Arial" panose="020B0604020202020204" pitchFamily="34" charset="0"/>
+              </a:rPr>
+              <a:t>execute</a:t>
+            </a:r>
+            <a:endParaRPr lang="de-CH" sz="1000" b="1" dirty="0">
+              <a:solidFill>
+                <a:schemeClr val="tx1"/>
+              </a:solidFill>
+              <a:latin typeface="Arial" panose="020B0604020202020204" pitchFamily="34" charset="0"/>
+              <a:cs typeface="Arial" panose="020B0604020202020204" pitchFamily="34" charset="0"/>
+            </a:endParaRPr>
+          </a:p>
+          <a:p>
+            <a:r>
+              <a:rPr lang="de-CH" sz="1000" b="1" dirty="0" err="1">
+                <a:solidFill>
+                  <a:schemeClr val="tx1"/>
+                </a:solidFill>
+                <a:latin typeface="Arial" panose="020B0604020202020204" pitchFamily="34" charset="0"/>
+                <a:cs typeface="Arial" panose="020B0604020202020204" pitchFamily="34" charset="0"/>
+              </a:rPr>
+              <a:t>get</a:t>
+            </a:r>
+            <a:endParaRPr lang="de-CH" sz="1000" b="1" dirty="0">
+              <a:solidFill>
+                <a:schemeClr val="tx1"/>
+              </a:solidFill>
+              <a:latin typeface="Arial" panose="020B0604020202020204" pitchFamily="34" charset="0"/>
+              <a:cs typeface="Arial" panose="020B0604020202020204" pitchFamily="34" charset="0"/>
+            </a:endParaRPr>
+          </a:p>
+          <a:p>
+            <a:endParaRPr lang="de-CH" sz="1000" b="1" dirty="0">
+              <a:solidFill>
+                <a:schemeClr val="tx1"/>
+              </a:solidFill>
+              <a:latin typeface="Arial" panose="020B0604020202020204" pitchFamily="34" charset="0"/>
+              <a:cs typeface="Arial" panose="020B0604020202020204" pitchFamily="34" charset="0"/>
+            </a:endParaRPr>
+          </a:p>
+          <a:p>
+            <a:r>
+              <a:rPr lang="de-CH" sz="1000" b="1" dirty="0" err="1">
+                <a:solidFill>
+                  <a:schemeClr val="tx1"/>
+                </a:solidFill>
+                <a:latin typeface="Arial" panose="020B0604020202020204" pitchFamily="34" charset="0"/>
+                <a:cs typeface="Arial" panose="020B0604020202020204" pitchFamily="34" charset="0"/>
+              </a:rPr>
+              <a:t>millimeterToPixel</a:t>
+            </a:r>
+            <a:endParaRPr lang="de-CH" sz="1000" b="1" dirty="0">
+              <a:solidFill>
+                <a:schemeClr val="tx1"/>
+              </a:solidFill>
+              <a:latin typeface="Arial" panose="020B0604020202020204" pitchFamily="34" charset="0"/>
+              <a:cs typeface="Arial" panose="020B0604020202020204" pitchFamily="34" charset="0"/>
+            </a:endParaRPr>
+          </a:p>
+          <a:p>
+            <a:endParaRPr lang="de-CH" sz="1000" b="1" dirty="0">
+              <a:solidFill>
+                <a:schemeClr val="tx1"/>
+              </a:solidFill>
+              <a:latin typeface="Arial" panose="020B0604020202020204" pitchFamily="34" charset="0"/>
+              <a:cs typeface="Arial" panose="020B0604020202020204" pitchFamily="34" charset="0"/>
+            </a:endParaRPr>
+          </a:p>
+        </p:txBody>
+      </p:sp>
+      <p:sp>
+        <p:nvSpPr>
+          <p:cNvPr id="5" name="Rechteck 4">
+            <a:extLst>
+              <a:ext uri="{FF2B5EF4-FFF2-40B4-BE49-F238E27FC236}">
+                <a16:creationId xmlns:a16="http://schemas.microsoft.com/office/drawing/2014/main" id="{D262A41B-7C35-0C42-A020-ABDC599B847B}"/>
+              </a:ext>
+            </a:extLst>
+          </p:cNvPr>
+          <p:cNvSpPr/>
+          <p:nvPr/>
+        </p:nvSpPr>
+        <p:spPr>
+          <a:xfrm>
+            <a:off x="3424833" y="789187"/>
+            <a:ext cx="2410359" cy="570469"/>
+          </a:xfrm>
+          <a:prstGeom prst="rect">
+            <a:avLst/>
+          </a:prstGeom>
+          <a:noFill/>
+          <a:ln w="19050">
+            <a:solidFill>
+              <a:schemeClr val="tx1"/>
+            </a:solidFill>
+          </a:ln>
+        </p:spPr>
+        <p:style>
+          <a:lnRef idx="2">
+            <a:schemeClr val="accent1">
+              <a:shade val="50000"/>
+            </a:schemeClr>
+          </a:lnRef>
+          <a:fillRef idx="1">
+            <a:schemeClr val="accent1"/>
+          </a:fillRef>
+          <a:effectRef idx="0">
+            <a:schemeClr val="accent1"/>
+          </a:effectRef>
+          <a:fontRef idx="minor">
+            <a:schemeClr val="lt1"/>
+          </a:fontRef>
+        </p:style>
+        <p:txBody>
+          <a:bodyPr rtlCol="0" anchor="ctr"/>
+          <a:lstStyle/>
+          <a:p>
+            <a:pPr algn="ctr"/>
+            <a:r>
+              <a:rPr lang="de-CH" dirty="0" err="1">
+                <a:solidFill>
+                  <a:schemeClr val="tx1"/>
+                </a:solidFill>
+                <a:latin typeface="Arial" panose="020B0604020202020204" pitchFamily="34" charset="0"/>
+                <a:cs typeface="Arial" panose="020B0604020202020204" pitchFamily="34" charset="0"/>
+              </a:rPr>
+              <a:t>PremisesSvg</a:t>
+            </a:r>
+            <a:endParaRPr lang="de-CH" dirty="0">
+              <a:solidFill>
+                <a:schemeClr val="tx1"/>
+              </a:solidFill>
+              <a:latin typeface="Arial" panose="020B0604020202020204" pitchFamily="34" charset="0"/>
+              <a:cs typeface="Arial" panose="020B0604020202020204" pitchFamily="34" charset="0"/>
+            </a:endParaRPr>
+          </a:p>
+          <a:p>
+            <a:pPr algn="ctr"/>
+            <a:r>
+              <a:rPr lang="de-CH" sz="1200" dirty="0" err="1">
+                <a:solidFill>
+                  <a:schemeClr val="tx1"/>
+                </a:solidFill>
+                <a:latin typeface="Arial" panose="020B0604020202020204" pitchFamily="34" charset="0"/>
+                <a:cs typeface="Arial" panose="020B0604020202020204" pitchFamily="34" charset="0"/>
+              </a:rPr>
+              <a:t>Constructs</a:t>
+            </a:r>
+            <a:r>
+              <a:rPr lang="de-CH" sz="1200" dirty="0">
+                <a:solidFill>
+                  <a:schemeClr val="tx1"/>
+                </a:solidFill>
+                <a:latin typeface="Arial" panose="020B0604020202020204" pitchFamily="34" charset="0"/>
+                <a:cs typeface="Arial" panose="020B0604020202020204" pitchFamily="34" charset="0"/>
+              </a:rPr>
+              <a:t> </a:t>
+            </a:r>
+            <a:r>
+              <a:rPr lang="de-CH" sz="1200" dirty="0" err="1">
+                <a:solidFill>
+                  <a:schemeClr val="tx1"/>
+                </a:solidFill>
+                <a:latin typeface="Arial" panose="020B0604020202020204" pitchFamily="34" charset="0"/>
+                <a:cs typeface="Arial" panose="020B0604020202020204" pitchFamily="34" charset="0"/>
+              </a:rPr>
+              <a:t>premises</a:t>
+            </a:r>
+            <a:r>
+              <a:rPr lang="de-CH" sz="1200" dirty="0">
+                <a:solidFill>
+                  <a:schemeClr val="tx1"/>
+                </a:solidFill>
+                <a:latin typeface="Arial" panose="020B0604020202020204" pitchFamily="34" charset="0"/>
+                <a:cs typeface="Arial" panose="020B0604020202020204" pitchFamily="34" charset="0"/>
+              </a:rPr>
+              <a:t> SVG code </a:t>
+            </a:r>
+          </a:p>
+        </p:txBody>
+      </p:sp>
+      <p:sp>
+        <p:nvSpPr>
+          <p:cNvPr id="6" name="Rechteck 5">
+            <a:extLst>
+              <a:ext uri="{FF2B5EF4-FFF2-40B4-BE49-F238E27FC236}">
+                <a16:creationId xmlns:a16="http://schemas.microsoft.com/office/drawing/2014/main" id="{58267995-B152-E00C-CD20-F01F53416134}"/>
+              </a:ext>
+            </a:extLst>
+          </p:cNvPr>
+          <p:cNvSpPr/>
+          <p:nvPr/>
+        </p:nvSpPr>
+        <p:spPr>
+          <a:xfrm>
+            <a:off x="3424830" y="1350258"/>
+            <a:ext cx="2410359" cy="2276708"/>
+          </a:xfrm>
+          <a:prstGeom prst="rect">
+            <a:avLst/>
+          </a:prstGeom>
+          <a:noFill/>
+          <a:ln w="19050">
+            <a:solidFill>
+              <a:schemeClr val="tx1"/>
+            </a:solidFill>
+          </a:ln>
+        </p:spPr>
+        <p:style>
+          <a:lnRef idx="2">
+            <a:schemeClr val="accent1">
+              <a:shade val="50000"/>
+            </a:schemeClr>
+          </a:lnRef>
+          <a:fillRef idx="1">
+            <a:schemeClr val="accent1"/>
+          </a:fillRef>
+          <a:effectRef idx="0">
+            <a:schemeClr val="accent1"/>
+          </a:effectRef>
+          <a:fontRef idx="minor">
+            <a:schemeClr val="lt1"/>
+          </a:fontRef>
+        </p:style>
+        <p:txBody>
+          <a:bodyPr rtlCol="0" anchor="ctr"/>
+          <a:lstStyle/>
+          <a:p>
+            <a:r>
+              <a:rPr lang="en-US" sz="1200" dirty="0">
+                <a:solidFill>
+                  <a:schemeClr val="tx1"/>
+                </a:solidFill>
+                <a:latin typeface="Arial" panose="020B0604020202020204" pitchFamily="34" charset="0"/>
+                <a:cs typeface="Arial" panose="020B0604020202020204" pitchFamily="34" charset="0"/>
+              </a:rPr>
+              <a:t>Member variables</a:t>
+            </a:r>
+          </a:p>
+          <a:p>
+            <a:r>
+              <a:rPr lang="en-US" sz="1000" b="1" dirty="0" err="1">
+                <a:solidFill>
+                  <a:schemeClr val="tx1"/>
+                </a:solidFill>
+                <a:latin typeface="Arial" panose="020B0604020202020204" pitchFamily="34" charset="0"/>
+                <a:cs typeface="Arial" panose="020B0604020202020204" pitchFamily="34" charset="0"/>
+              </a:rPr>
+              <a:t>m_layout_xml</a:t>
+            </a:r>
+            <a:endParaRPr lang="en-US" sz="1000" b="1" dirty="0">
+              <a:solidFill>
+                <a:schemeClr val="tx1"/>
+              </a:solidFill>
+              <a:latin typeface="Arial" panose="020B0604020202020204" pitchFamily="34" charset="0"/>
+              <a:cs typeface="Arial" panose="020B0604020202020204" pitchFamily="34" charset="0"/>
+            </a:endParaRPr>
+          </a:p>
+          <a:p>
+            <a:r>
+              <a:rPr lang="en-US" sz="1000" b="1" dirty="0" err="1">
+                <a:solidFill>
+                  <a:schemeClr val="tx1"/>
+                </a:solidFill>
+                <a:latin typeface="Arial" panose="020B0604020202020204" pitchFamily="34" charset="0"/>
+                <a:cs typeface="Arial" panose="020B0604020202020204" pitchFamily="34" charset="0"/>
+              </a:rPr>
+              <a:t>m_button_id_array</a:t>
+            </a:r>
+            <a:endParaRPr lang="en-US" sz="1000" b="1" dirty="0">
+              <a:solidFill>
+                <a:schemeClr val="tx1"/>
+              </a:solidFill>
+              <a:latin typeface="Arial" panose="020B0604020202020204" pitchFamily="34" charset="0"/>
+              <a:cs typeface="Arial" panose="020B0604020202020204" pitchFamily="34" charset="0"/>
+            </a:endParaRPr>
+          </a:p>
+          <a:p>
+            <a:r>
+              <a:rPr lang="en-US" sz="1000" b="1" dirty="0" err="1">
+                <a:solidFill>
+                  <a:schemeClr val="tx1"/>
+                </a:solidFill>
+                <a:latin typeface="Arial" panose="020B0604020202020204" pitchFamily="34" charset="0"/>
+                <a:cs typeface="Arial" panose="020B0604020202020204" pitchFamily="34" charset="0"/>
+              </a:rPr>
+              <a:t>m_scale_dimension</a:t>
+            </a:r>
+            <a:endParaRPr lang="en-US" sz="1000" b="1" dirty="0">
+              <a:solidFill>
+                <a:schemeClr val="tx1"/>
+              </a:solidFill>
+              <a:latin typeface="Arial" panose="020B0604020202020204" pitchFamily="34" charset="0"/>
+              <a:cs typeface="Arial" panose="020B0604020202020204" pitchFamily="34" charset="0"/>
+            </a:endParaRPr>
+          </a:p>
+          <a:p>
+            <a:r>
+              <a:rPr lang="en-US" sz="1000" b="1" dirty="0" err="1">
+                <a:solidFill>
+                  <a:schemeClr val="tx1"/>
+                </a:solidFill>
+                <a:latin typeface="Arial" panose="020B0604020202020204" pitchFamily="34" charset="0"/>
+                <a:cs typeface="Arial" panose="020B0604020202020204" pitchFamily="34" charset="0"/>
+              </a:rPr>
+              <a:t>m_style_wall</a:t>
+            </a:r>
+            <a:endParaRPr lang="en-US" sz="1000" b="1" dirty="0">
+              <a:solidFill>
+                <a:schemeClr val="tx1"/>
+              </a:solidFill>
+              <a:latin typeface="Arial" panose="020B0604020202020204" pitchFamily="34" charset="0"/>
+              <a:cs typeface="Arial" panose="020B0604020202020204" pitchFamily="34" charset="0"/>
+            </a:endParaRPr>
+          </a:p>
+          <a:p>
+            <a:r>
+              <a:rPr lang="en-US" sz="1000" b="1" dirty="0" err="1">
+                <a:solidFill>
+                  <a:schemeClr val="tx1"/>
+                </a:solidFill>
+                <a:latin typeface="Arial" panose="020B0604020202020204" pitchFamily="34" charset="0"/>
+                <a:cs typeface="Arial" panose="020B0604020202020204" pitchFamily="34" charset="0"/>
+              </a:rPr>
+              <a:t>m_svg_code</a:t>
+            </a:r>
+            <a:endParaRPr lang="en-US" sz="1000" b="1" dirty="0">
+              <a:solidFill>
+                <a:schemeClr val="tx1"/>
+              </a:solidFill>
+              <a:latin typeface="Arial" panose="020B0604020202020204" pitchFamily="34" charset="0"/>
+              <a:cs typeface="Arial" panose="020B0604020202020204" pitchFamily="34" charset="0"/>
+            </a:endParaRPr>
+          </a:p>
+          <a:p>
+            <a:endParaRPr lang="en-US" sz="1000" b="1" dirty="0">
+              <a:solidFill>
+                <a:schemeClr val="tx1"/>
+              </a:solidFill>
+              <a:latin typeface="Arial" panose="020B0604020202020204" pitchFamily="34" charset="0"/>
+              <a:cs typeface="Arial" panose="020B0604020202020204" pitchFamily="34" charset="0"/>
+            </a:endParaRPr>
+          </a:p>
+          <a:p>
+            <a:r>
+              <a:rPr lang="en-US" sz="1200" dirty="0">
+                <a:solidFill>
+                  <a:schemeClr val="tx1"/>
+                </a:solidFill>
+                <a:latin typeface="Arial" panose="020B0604020202020204" pitchFamily="34" charset="0"/>
+                <a:cs typeface="Arial" panose="020B0604020202020204" pitchFamily="34" charset="0"/>
+              </a:rPr>
+              <a:t>Member functions</a:t>
+            </a:r>
+          </a:p>
+          <a:p>
+            <a:r>
+              <a:rPr lang="de-CH" sz="1000" b="1" dirty="0" err="1">
+                <a:solidFill>
+                  <a:schemeClr val="tx1"/>
+                </a:solidFill>
+                <a:latin typeface="Arial" panose="020B0604020202020204" pitchFamily="34" charset="0"/>
+                <a:cs typeface="Arial" panose="020B0604020202020204" pitchFamily="34" charset="0"/>
+              </a:rPr>
+              <a:t>execute</a:t>
+            </a:r>
+            <a:endParaRPr lang="de-CH" sz="1000" b="1" dirty="0">
+              <a:solidFill>
+                <a:schemeClr val="tx1"/>
+              </a:solidFill>
+              <a:latin typeface="Arial" panose="020B0604020202020204" pitchFamily="34" charset="0"/>
+              <a:cs typeface="Arial" panose="020B0604020202020204" pitchFamily="34" charset="0"/>
+            </a:endParaRPr>
+          </a:p>
+          <a:p>
+            <a:r>
+              <a:rPr lang="de-CH" sz="1000" b="1" dirty="0" err="1">
+                <a:solidFill>
+                  <a:schemeClr val="tx1"/>
+                </a:solidFill>
+                <a:latin typeface="Arial" panose="020B0604020202020204" pitchFamily="34" charset="0"/>
+                <a:cs typeface="Arial" panose="020B0604020202020204" pitchFamily="34" charset="0"/>
+              </a:rPr>
+              <a:t>Get</a:t>
+            </a:r>
+            <a:endParaRPr lang="de-CH" sz="1000" b="1" dirty="0">
+              <a:solidFill>
+                <a:schemeClr val="tx1"/>
+              </a:solidFill>
+              <a:latin typeface="Arial" panose="020B0604020202020204" pitchFamily="34" charset="0"/>
+              <a:cs typeface="Arial" panose="020B0604020202020204" pitchFamily="34" charset="0"/>
+            </a:endParaRPr>
+          </a:p>
+          <a:p>
+            <a:endParaRPr lang="de-CH" sz="1000" b="1" dirty="0">
+              <a:solidFill>
+                <a:schemeClr val="tx1"/>
+              </a:solidFill>
+              <a:latin typeface="Arial" panose="020B0604020202020204" pitchFamily="34" charset="0"/>
+              <a:cs typeface="Arial" panose="020B0604020202020204" pitchFamily="34" charset="0"/>
+            </a:endParaRPr>
+          </a:p>
+          <a:p>
+            <a:endParaRPr lang="de-CH" sz="1000" b="1" dirty="0">
+              <a:solidFill>
+                <a:schemeClr val="tx1"/>
+              </a:solidFill>
+              <a:latin typeface="Arial" panose="020B0604020202020204" pitchFamily="34" charset="0"/>
+              <a:cs typeface="Arial" panose="020B0604020202020204" pitchFamily="34" charset="0"/>
+            </a:endParaRPr>
+          </a:p>
+          <a:p>
+            <a:endParaRPr lang="de-CH" sz="1000" b="1" dirty="0">
+              <a:solidFill>
+                <a:schemeClr val="tx1"/>
+              </a:solidFill>
+              <a:latin typeface="Arial" panose="020B0604020202020204" pitchFamily="34" charset="0"/>
+              <a:cs typeface="Arial" panose="020B0604020202020204" pitchFamily="34" charset="0"/>
+            </a:endParaRPr>
+          </a:p>
+        </p:txBody>
+      </p:sp>
+      <p:sp>
+        <p:nvSpPr>
+          <p:cNvPr id="7" name="Rechteck 6">
+            <a:extLst>
+              <a:ext uri="{FF2B5EF4-FFF2-40B4-BE49-F238E27FC236}">
+                <a16:creationId xmlns:a16="http://schemas.microsoft.com/office/drawing/2014/main" id="{C82002B4-EDFC-550C-20E8-78D2DB19060B}"/>
+              </a:ext>
+            </a:extLst>
+          </p:cNvPr>
+          <p:cNvSpPr/>
+          <p:nvPr/>
+        </p:nvSpPr>
+        <p:spPr>
+          <a:xfrm>
+            <a:off x="889022" y="3730350"/>
+            <a:ext cx="2410359" cy="570469"/>
+          </a:xfrm>
+          <a:prstGeom prst="rect">
+            <a:avLst/>
+          </a:prstGeom>
+          <a:noFill/>
+          <a:ln w="19050">
+            <a:solidFill>
+              <a:schemeClr val="tx1"/>
+            </a:solidFill>
+          </a:ln>
+        </p:spPr>
+        <p:style>
+          <a:lnRef idx="2">
+            <a:schemeClr val="accent1">
+              <a:shade val="50000"/>
+            </a:schemeClr>
+          </a:lnRef>
+          <a:fillRef idx="1">
+            <a:schemeClr val="accent1"/>
+          </a:fillRef>
+          <a:effectRef idx="0">
+            <a:schemeClr val="accent1"/>
+          </a:effectRef>
+          <a:fontRef idx="minor">
+            <a:schemeClr val="lt1"/>
+          </a:fontRef>
+        </p:style>
+        <p:txBody>
+          <a:bodyPr rtlCol="0" anchor="ctr"/>
+          <a:lstStyle/>
+          <a:p>
+            <a:pPr algn="ctr"/>
+            <a:r>
+              <a:rPr lang="de-CH" dirty="0" err="1">
+                <a:solidFill>
+                  <a:schemeClr val="tx1"/>
+                </a:solidFill>
+                <a:latin typeface="Arial" panose="020B0604020202020204" pitchFamily="34" charset="0"/>
+                <a:cs typeface="Arial" panose="020B0604020202020204" pitchFamily="34" charset="0"/>
+              </a:rPr>
+              <a:t>ButtonSvg</a:t>
+            </a:r>
+            <a:endParaRPr lang="de-CH" dirty="0">
+              <a:solidFill>
+                <a:schemeClr val="tx1"/>
+              </a:solidFill>
+              <a:latin typeface="Arial" panose="020B0604020202020204" pitchFamily="34" charset="0"/>
+              <a:cs typeface="Arial" panose="020B0604020202020204" pitchFamily="34" charset="0"/>
+            </a:endParaRPr>
+          </a:p>
+          <a:p>
+            <a:pPr algn="ctr"/>
+            <a:r>
+              <a:rPr lang="de-CH" sz="1200" dirty="0" err="1">
+                <a:solidFill>
+                  <a:schemeClr val="tx1"/>
+                </a:solidFill>
+                <a:latin typeface="Arial" panose="020B0604020202020204" pitchFamily="34" charset="0"/>
+                <a:cs typeface="Arial" panose="020B0604020202020204" pitchFamily="34" charset="0"/>
+              </a:rPr>
+              <a:t>Constructs</a:t>
+            </a:r>
+            <a:r>
+              <a:rPr lang="de-CH" sz="1200" dirty="0">
+                <a:solidFill>
+                  <a:schemeClr val="tx1"/>
+                </a:solidFill>
+                <a:latin typeface="Arial" panose="020B0604020202020204" pitchFamily="34" charset="0"/>
+                <a:cs typeface="Arial" panose="020B0604020202020204" pitchFamily="34" charset="0"/>
+              </a:rPr>
+              <a:t> </a:t>
+            </a:r>
+            <a:r>
+              <a:rPr lang="de-CH" sz="1200" dirty="0" err="1">
+                <a:solidFill>
+                  <a:schemeClr val="tx1"/>
+                </a:solidFill>
+                <a:latin typeface="Arial" panose="020B0604020202020204" pitchFamily="34" charset="0"/>
+                <a:cs typeface="Arial" panose="020B0604020202020204" pitchFamily="34" charset="0"/>
+              </a:rPr>
+              <a:t>buttons</a:t>
+            </a:r>
+            <a:r>
+              <a:rPr lang="de-CH" sz="1200" dirty="0">
+                <a:solidFill>
+                  <a:schemeClr val="tx1"/>
+                </a:solidFill>
+                <a:latin typeface="Arial" panose="020B0604020202020204" pitchFamily="34" charset="0"/>
+                <a:cs typeface="Arial" panose="020B0604020202020204" pitchFamily="34" charset="0"/>
+              </a:rPr>
+              <a:t> SVG code</a:t>
+            </a:r>
+          </a:p>
+        </p:txBody>
+      </p:sp>
+      <p:sp>
+        <p:nvSpPr>
+          <p:cNvPr id="8" name="Rechteck 7">
+            <a:extLst>
+              <a:ext uri="{FF2B5EF4-FFF2-40B4-BE49-F238E27FC236}">
+                <a16:creationId xmlns:a16="http://schemas.microsoft.com/office/drawing/2014/main" id="{111B2B2B-2BFB-B60F-E8D9-42B03ED1DF1F}"/>
+              </a:ext>
+            </a:extLst>
+          </p:cNvPr>
+          <p:cNvSpPr/>
+          <p:nvPr/>
+        </p:nvSpPr>
+        <p:spPr>
+          <a:xfrm>
+            <a:off x="889019" y="4291421"/>
+            <a:ext cx="2410359" cy="2276708"/>
+          </a:xfrm>
+          <a:prstGeom prst="rect">
+            <a:avLst/>
+          </a:prstGeom>
+          <a:noFill/>
+          <a:ln w="19050">
+            <a:solidFill>
+              <a:schemeClr val="tx1"/>
+            </a:solidFill>
+          </a:ln>
+        </p:spPr>
+        <p:style>
+          <a:lnRef idx="2">
+            <a:schemeClr val="accent1">
+              <a:shade val="50000"/>
+            </a:schemeClr>
+          </a:lnRef>
+          <a:fillRef idx="1">
+            <a:schemeClr val="accent1"/>
+          </a:fillRef>
+          <a:effectRef idx="0">
+            <a:schemeClr val="accent1"/>
+          </a:effectRef>
+          <a:fontRef idx="minor">
+            <a:schemeClr val="lt1"/>
+          </a:fontRef>
+        </p:style>
+        <p:txBody>
+          <a:bodyPr rtlCol="0" anchor="ctr"/>
+          <a:lstStyle/>
+          <a:p>
+            <a:r>
+              <a:rPr lang="en-US" sz="1200" dirty="0">
+                <a:solidFill>
+                  <a:schemeClr val="tx1"/>
+                </a:solidFill>
+                <a:latin typeface="Arial" panose="020B0604020202020204" pitchFamily="34" charset="0"/>
+                <a:cs typeface="Arial" panose="020B0604020202020204" pitchFamily="34" charset="0"/>
+              </a:rPr>
+              <a:t>Member variables</a:t>
+            </a:r>
+          </a:p>
+          <a:p>
+            <a:r>
+              <a:rPr lang="en-US" sz="1000" b="1" dirty="0" err="1">
+                <a:solidFill>
+                  <a:schemeClr val="tx1"/>
+                </a:solidFill>
+                <a:latin typeface="Arial" panose="020B0604020202020204" pitchFamily="34" charset="0"/>
+                <a:cs typeface="Arial" panose="020B0604020202020204" pitchFamily="34" charset="0"/>
+              </a:rPr>
+              <a:t>m_layout_xml</a:t>
+            </a:r>
+            <a:endParaRPr lang="en-US" sz="1000" b="1" dirty="0">
+              <a:solidFill>
+                <a:schemeClr val="tx1"/>
+              </a:solidFill>
+              <a:latin typeface="Arial" panose="020B0604020202020204" pitchFamily="34" charset="0"/>
+              <a:cs typeface="Arial" panose="020B0604020202020204" pitchFamily="34" charset="0"/>
+            </a:endParaRPr>
+          </a:p>
+          <a:p>
+            <a:r>
+              <a:rPr lang="en-US" sz="1000" b="1" dirty="0" err="1">
+                <a:solidFill>
+                  <a:schemeClr val="tx1"/>
+                </a:solidFill>
+                <a:latin typeface="Arial" panose="020B0604020202020204" pitchFamily="34" charset="0"/>
+                <a:cs typeface="Arial" panose="020B0604020202020204" pitchFamily="34" charset="0"/>
+              </a:rPr>
+              <a:t>m_button_id_array</a:t>
+            </a:r>
+            <a:endParaRPr lang="en-US" sz="1000" b="1" dirty="0">
+              <a:solidFill>
+                <a:schemeClr val="tx1"/>
+              </a:solidFill>
+              <a:latin typeface="Arial" panose="020B0604020202020204" pitchFamily="34" charset="0"/>
+              <a:cs typeface="Arial" panose="020B0604020202020204" pitchFamily="34" charset="0"/>
+            </a:endParaRPr>
+          </a:p>
+          <a:p>
+            <a:r>
+              <a:rPr lang="en-US" sz="1000" b="1" dirty="0" err="1">
+                <a:solidFill>
+                  <a:schemeClr val="tx1"/>
+                </a:solidFill>
+                <a:latin typeface="Arial" panose="020B0604020202020204" pitchFamily="34" charset="0"/>
+                <a:cs typeface="Arial" panose="020B0604020202020204" pitchFamily="34" charset="0"/>
+              </a:rPr>
+              <a:t>m_scale_dimension</a:t>
+            </a:r>
+            <a:endParaRPr lang="en-US" sz="1000" b="1" dirty="0">
+              <a:solidFill>
+                <a:schemeClr val="tx1"/>
+              </a:solidFill>
+              <a:latin typeface="Arial" panose="020B0604020202020204" pitchFamily="34" charset="0"/>
+              <a:cs typeface="Arial" panose="020B0604020202020204" pitchFamily="34" charset="0"/>
+            </a:endParaRPr>
+          </a:p>
+          <a:p>
+            <a:r>
+              <a:rPr lang="en-US" sz="1000" b="1" dirty="0" err="1">
+                <a:solidFill>
+                  <a:schemeClr val="tx1"/>
+                </a:solidFill>
+                <a:latin typeface="Arial" panose="020B0604020202020204" pitchFamily="34" charset="0"/>
+                <a:cs typeface="Arial" panose="020B0604020202020204" pitchFamily="34" charset="0"/>
+              </a:rPr>
+              <a:t>m_style_rect</a:t>
+            </a:r>
+            <a:endParaRPr lang="en-US" sz="1000" b="1" dirty="0">
+              <a:solidFill>
+                <a:schemeClr val="tx1"/>
+              </a:solidFill>
+              <a:latin typeface="Arial" panose="020B0604020202020204" pitchFamily="34" charset="0"/>
+              <a:cs typeface="Arial" panose="020B0604020202020204" pitchFamily="34" charset="0"/>
+            </a:endParaRPr>
+          </a:p>
+          <a:p>
+            <a:r>
+              <a:rPr lang="en-US" sz="1000" b="1" dirty="0" err="1">
+                <a:solidFill>
+                  <a:schemeClr val="tx1"/>
+                </a:solidFill>
+                <a:latin typeface="Arial" panose="020B0604020202020204" pitchFamily="34" charset="0"/>
+                <a:cs typeface="Arial" panose="020B0604020202020204" pitchFamily="34" charset="0"/>
+              </a:rPr>
+              <a:t>m_svg_code</a:t>
+            </a:r>
+            <a:endParaRPr lang="en-US" sz="1000" b="1" dirty="0">
+              <a:solidFill>
+                <a:schemeClr val="tx1"/>
+              </a:solidFill>
+              <a:latin typeface="Arial" panose="020B0604020202020204" pitchFamily="34" charset="0"/>
+              <a:cs typeface="Arial" panose="020B0604020202020204" pitchFamily="34" charset="0"/>
+            </a:endParaRPr>
+          </a:p>
+          <a:p>
+            <a:endParaRPr lang="en-US" sz="1000" b="1" dirty="0">
+              <a:solidFill>
+                <a:schemeClr val="tx1"/>
+              </a:solidFill>
+              <a:latin typeface="Arial" panose="020B0604020202020204" pitchFamily="34" charset="0"/>
+              <a:cs typeface="Arial" panose="020B0604020202020204" pitchFamily="34" charset="0"/>
+            </a:endParaRPr>
+          </a:p>
+          <a:p>
+            <a:r>
+              <a:rPr lang="en-US" sz="1200" dirty="0">
+                <a:solidFill>
+                  <a:schemeClr val="tx1"/>
+                </a:solidFill>
+                <a:latin typeface="Arial" panose="020B0604020202020204" pitchFamily="34" charset="0"/>
+                <a:cs typeface="Arial" panose="020B0604020202020204" pitchFamily="34" charset="0"/>
+              </a:rPr>
+              <a:t>Member functions</a:t>
+            </a:r>
+          </a:p>
+          <a:p>
+            <a:r>
+              <a:rPr lang="de-CH" sz="1000" b="1" dirty="0" err="1">
+                <a:solidFill>
+                  <a:schemeClr val="tx1"/>
+                </a:solidFill>
+                <a:latin typeface="Arial" panose="020B0604020202020204" pitchFamily="34" charset="0"/>
+                <a:cs typeface="Arial" panose="020B0604020202020204" pitchFamily="34" charset="0"/>
+              </a:rPr>
+              <a:t>execute</a:t>
+            </a:r>
+            <a:endParaRPr lang="de-CH" sz="1000" b="1" dirty="0">
+              <a:solidFill>
+                <a:schemeClr val="tx1"/>
+              </a:solidFill>
+              <a:latin typeface="Arial" panose="020B0604020202020204" pitchFamily="34" charset="0"/>
+              <a:cs typeface="Arial" panose="020B0604020202020204" pitchFamily="34" charset="0"/>
+            </a:endParaRPr>
+          </a:p>
+          <a:p>
+            <a:r>
+              <a:rPr lang="de-CH" sz="1000" b="1" dirty="0" err="1">
+                <a:solidFill>
+                  <a:schemeClr val="tx1"/>
+                </a:solidFill>
+                <a:latin typeface="Arial" panose="020B0604020202020204" pitchFamily="34" charset="0"/>
+                <a:cs typeface="Arial" panose="020B0604020202020204" pitchFamily="34" charset="0"/>
+              </a:rPr>
+              <a:t>Get</a:t>
+            </a:r>
+            <a:endParaRPr lang="de-CH" sz="1000" b="1" dirty="0">
+              <a:solidFill>
+                <a:schemeClr val="tx1"/>
+              </a:solidFill>
+              <a:latin typeface="Arial" panose="020B0604020202020204" pitchFamily="34" charset="0"/>
+              <a:cs typeface="Arial" panose="020B0604020202020204" pitchFamily="34" charset="0"/>
+            </a:endParaRPr>
+          </a:p>
+          <a:p>
+            <a:endParaRPr lang="de-CH" sz="1000" b="1" dirty="0">
+              <a:solidFill>
+                <a:schemeClr val="tx1"/>
+              </a:solidFill>
+              <a:latin typeface="Arial" panose="020B0604020202020204" pitchFamily="34" charset="0"/>
+              <a:cs typeface="Arial" panose="020B0604020202020204" pitchFamily="34" charset="0"/>
+            </a:endParaRPr>
+          </a:p>
+          <a:p>
+            <a:r>
+              <a:rPr lang="de-CH" sz="1000" b="1" dirty="0" err="1">
+                <a:solidFill>
+                  <a:schemeClr val="tx1"/>
+                </a:solidFill>
+                <a:latin typeface="Arial" panose="020B0604020202020204" pitchFamily="34" charset="0"/>
+                <a:cs typeface="Arial" panose="020B0604020202020204" pitchFamily="34" charset="0"/>
+              </a:rPr>
+              <a:t>getButtonDataArray</a:t>
+            </a:r>
+            <a:endParaRPr lang="de-CH" sz="1000" b="1" dirty="0">
+              <a:solidFill>
+                <a:schemeClr val="tx1"/>
+              </a:solidFill>
+              <a:latin typeface="Arial" panose="020B0604020202020204" pitchFamily="34" charset="0"/>
+              <a:cs typeface="Arial" panose="020B0604020202020204" pitchFamily="34" charset="0"/>
+            </a:endParaRPr>
+          </a:p>
+          <a:p>
+            <a:r>
+              <a:rPr lang="de-CH" sz="1000" b="1" dirty="0" err="1">
+                <a:solidFill>
+                  <a:schemeClr val="tx1"/>
+                </a:solidFill>
+                <a:latin typeface="Arial" panose="020B0604020202020204" pitchFamily="34" charset="0"/>
+                <a:cs typeface="Arial" panose="020B0604020202020204" pitchFamily="34" charset="0"/>
+              </a:rPr>
+              <a:t>oneButton</a:t>
+            </a:r>
+            <a:endParaRPr lang="de-CH" sz="1000" b="1" dirty="0">
+              <a:solidFill>
+                <a:schemeClr val="tx1"/>
+              </a:solidFill>
+              <a:latin typeface="Arial" panose="020B0604020202020204" pitchFamily="34" charset="0"/>
+              <a:cs typeface="Arial" panose="020B0604020202020204" pitchFamily="34" charset="0"/>
+            </a:endParaRPr>
+          </a:p>
+        </p:txBody>
+      </p:sp>
+      <p:sp>
+        <p:nvSpPr>
+          <p:cNvPr id="9" name="Rechteck 8">
+            <a:extLst>
+              <a:ext uri="{FF2B5EF4-FFF2-40B4-BE49-F238E27FC236}">
+                <a16:creationId xmlns:a16="http://schemas.microsoft.com/office/drawing/2014/main" id="{1FF817FF-A18D-92F6-083B-D049AC1DBFEE}"/>
+              </a:ext>
+            </a:extLst>
+          </p:cNvPr>
+          <p:cNvSpPr/>
+          <p:nvPr/>
+        </p:nvSpPr>
+        <p:spPr>
+          <a:xfrm>
+            <a:off x="3424833" y="3730350"/>
+            <a:ext cx="2410359" cy="570469"/>
+          </a:xfrm>
+          <a:prstGeom prst="rect">
+            <a:avLst/>
+          </a:prstGeom>
+          <a:noFill/>
+          <a:ln w="19050">
+            <a:solidFill>
+              <a:schemeClr val="tx1"/>
+            </a:solidFill>
+          </a:ln>
+        </p:spPr>
+        <p:style>
+          <a:lnRef idx="2">
+            <a:schemeClr val="accent1">
+              <a:shade val="50000"/>
+            </a:schemeClr>
+          </a:lnRef>
+          <a:fillRef idx="1">
+            <a:schemeClr val="accent1"/>
+          </a:fillRef>
+          <a:effectRef idx="0">
+            <a:schemeClr val="accent1"/>
+          </a:effectRef>
+          <a:fontRef idx="minor">
+            <a:schemeClr val="lt1"/>
+          </a:fontRef>
+        </p:style>
+        <p:txBody>
+          <a:bodyPr rtlCol="0" anchor="ctr"/>
+          <a:lstStyle/>
+          <a:p>
+            <a:pPr algn="ctr"/>
+            <a:r>
+              <a:rPr lang="de-CH" dirty="0" err="1">
+                <a:solidFill>
+                  <a:schemeClr val="tx1"/>
+                </a:solidFill>
+                <a:latin typeface="Arial" panose="020B0604020202020204" pitchFamily="34" charset="0"/>
+                <a:cs typeface="Arial" panose="020B0604020202020204" pitchFamily="34" charset="0"/>
+              </a:rPr>
+              <a:t>StageSvg</a:t>
+            </a:r>
+            <a:endParaRPr lang="de-CH" dirty="0">
+              <a:solidFill>
+                <a:schemeClr val="tx1"/>
+              </a:solidFill>
+              <a:latin typeface="Arial" panose="020B0604020202020204" pitchFamily="34" charset="0"/>
+              <a:cs typeface="Arial" panose="020B0604020202020204" pitchFamily="34" charset="0"/>
+            </a:endParaRPr>
+          </a:p>
+          <a:p>
+            <a:pPr algn="ctr"/>
+            <a:r>
+              <a:rPr lang="de-CH" sz="1200" dirty="0" err="1">
+                <a:solidFill>
+                  <a:schemeClr val="tx1"/>
+                </a:solidFill>
+                <a:latin typeface="Arial" panose="020B0604020202020204" pitchFamily="34" charset="0"/>
+                <a:cs typeface="Arial" panose="020B0604020202020204" pitchFamily="34" charset="0"/>
+              </a:rPr>
+              <a:t>Constructs</a:t>
+            </a:r>
+            <a:r>
+              <a:rPr lang="de-CH" sz="1200" dirty="0">
+                <a:solidFill>
+                  <a:schemeClr val="tx1"/>
+                </a:solidFill>
+                <a:latin typeface="Arial" panose="020B0604020202020204" pitchFamily="34" charset="0"/>
+                <a:cs typeface="Arial" panose="020B0604020202020204" pitchFamily="34" charset="0"/>
+              </a:rPr>
+              <a:t> </a:t>
+            </a:r>
+            <a:r>
+              <a:rPr lang="de-CH" sz="1200" dirty="0" err="1">
+                <a:solidFill>
+                  <a:schemeClr val="tx1"/>
+                </a:solidFill>
+                <a:latin typeface="Arial" panose="020B0604020202020204" pitchFamily="34" charset="0"/>
+                <a:cs typeface="Arial" panose="020B0604020202020204" pitchFamily="34" charset="0"/>
+              </a:rPr>
+              <a:t>stage</a:t>
+            </a:r>
+            <a:r>
+              <a:rPr lang="de-CH" sz="1200" dirty="0">
+                <a:solidFill>
+                  <a:schemeClr val="tx1"/>
+                </a:solidFill>
+                <a:latin typeface="Arial" panose="020B0604020202020204" pitchFamily="34" charset="0"/>
+                <a:cs typeface="Arial" panose="020B0604020202020204" pitchFamily="34" charset="0"/>
+              </a:rPr>
+              <a:t> SVG code </a:t>
+            </a:r>
+          </a:p>
+        </p:txBody>
+      </p:sp>
+      <p:sp>
+        <p:nvSpPr>
+          <p:cNvPr id="10" name="Rechteck 9">
+            <a:extLst>
+              <a:ext uri="{FF2B5EF4-FFF2-40B4-BE49-F238E27FC236}">
+                <a16:creationId xmlns:a16="http://schemas.microsoft.com/office/drawing/2014/main" id="{5243B339-B492-402A-2DDD-D188BA2AD1A2}"/>
+              </a:ext>
+            </a:extLst>
+          </p:cNvPr>
+          <p:cNvSpPr/>
+          <p:nvPr/>
+        </p:nvSpPr>
+        <p:spPr>
+          <a:xfrm>
+            <a:off x="3424830" y="4291421"/>
+            <a:ext cx="2410359" cy="2276708"/>
+          </a:xfrm>
+          <a:prstGeom prst="rect">
+            <a:avLst/>
+          </a:prstGeom>
+          <a:noFill/>
+          <a:ln w="19050">
+            <a:solidFill>
+              <a:schemeClr val="tx1"/>
+            </a:solidFill>
+          </a:ln>
+        </p:spPr>
+        <p:style>
+          <a:lnRef idx="2">
+            <a:schemeClr val="accent1">
+              <a:shade val="50000"/>
+            </a:schemeClr>
+          </a:lnRef>
+          <a:fillRef idx="1">
+            <a:schemeClr val="accent1"/>
+          </a:fillRef>
+          <a:effectRef idx="0">
+            <a:schemeClr val="accent1"/>
+          </a:effectRef>
+          <a:fontRef idx="minor">
+            <a:schemeClr val="lt1"/>
+          </a:fontRef>
+        </p:style>
+        <p:txBody>
+          <a:bodyPr rtlCol="0" anchor="ctr"/>
+          <a:lstStyle/>
+          <a:p>
+            <a:r>
+              <a:rPr lang="en-US" sz="1200" dirty="0">
+                <a:solidFill>
+                  <a:schemeClr val="tx1"/>
+                </a:solidFill>
+                <a:latin typeface="Arial" panose="020B0604020202020204" pitchFamily="34" charset="0"/>
+                <a:cs typeface="Arial" panose="020B0604020202020204" pitchFamily="34" charset="0"/>
+              </a:rPr>
+              <a:t>Member variables</a:t>
+            </a:r>
+          </a:p>
+          <a:p>
+            <a:r>
+              <a:rPr lang="en-US" sz="1000" b="1" dirty="0" err="1">
+                <a:solidFill>
+                  <a:schemeClr val="tx1"/>
+                </a:solidFill>
+                <a:latin typeface="Arial" panose="020B0604020202020204" pitchFamily="34" charset="0"/>
+                <a:cs typeface="Arial" panose="020B0604020202020204" pitchFamily="34" charset="0"/>
+              </a:rPr>
+              <a:t>m_layout_xml</a:t>
+            </a:r>
+            <a:endParaRPr lang="en-US" sz="1000" b="1" dirty="0">
+              <a:solidFill>
+                <a:schemeClr val="tx1"/>
+              </a:solidFill>
+              <a:latin typeface="Arial" panose="020B0604020202020204" pitchFamily="34" charset="0"/>
+              <a:cs typeface="Arial" panose="020B0604020202020204" pitchFamily="34" charset="0"/>
+            </a:endParaRPr>
+          </a:p>
+          <a:p>
+            <a:r>
+              <a:rPr lang="en-US" sz="1000" b="1" dirty="0" err="1">
+                <a:solidFill>
+                  <a:schemeClr val="tx1"/>
+                </a:solidFill>
+                <a:latin typeface="Arial" panose="020B0604020202020204" pitchFamily="34" charset="0"/>
+                <a:cs typeface="Arial" panose="020B0604020202020204" pitchFamily="34" charset="0"/>
+              </a:rPr>
+              <a:t>m_button_id_array</a:t>
+            </a:r>
+            <a:endParaRPr lang="en-US" sz="1000" b="1" dirty="0">
+              <a:solidFill>
+                <a:schemeClr val="tx1"/>
+              </a:solidFill>
+              <a:latin typeface="Arial" panose="020B0604020202020204" pitchFamily="34" charset="0"/>
+              <a:cs typeface="Arial" panose="020B0604020202020204" pitchFamily="34" charset="0"/>
+            </a:endParaRPr>
+          </a:p>
+          <a:p>
+            <a:r>
+              <a:rPr lang="en-US" sz="1000" b="1" dirty="0" err="1">
+                <a:solidFill>
+                  <a:schemeClr val="tx1"/>
+                </a:solidFill>
+                <a:latin typeface="Arial" panose="020B0604020202020204" pitchFamily="34" charset="0"/>
+                <a:cs typeface="Arial" panose="020B0604020202020204" pitchFamily="34" charset="0"/>
+              </a:rPr>
+              <a:t>m_scale_dimension</a:t>
+            </a:r>
+            <a:endParaRPr lang="en-US" sz="1000" b="1" dirty="0">
+              <a:solidFill>
+                <a:schemeClr val="tx1"/>
+              </a:solidFill>
+              <a:latin typeface="Arial" panose="020B0604020202020204" pitchFamily="34" charset="0"/>
+              <a:cs typeface="Arial" panose="020B0604020202020204" pitchFamily="34" charset="0"/>
+            </a:endParaRPr>
+          </a:p>
+          <a:p>
+            <a:r>
+              <a:rPr lang="en-US" sz="1000" b="1" dirty="0" err="1">
+                <a:solidFill>
+                  <a:schemeClr val="tx1"/>
+                </a:solidFill>
+                <a:latin typeface="Arial" panose="020B0604020202020204" pitchFamily="34" charset="0"/>
+                <a:cs typeface="Arial" panose="020B0604020202020204" pitchFamily="34" charset="0"/>
+              </a:rPr>
+              <a:t>m_svg_code</a:t>
+            </a:r>
+            <a:endParaRPr lang="en-US" sz="1000" b="1" dirty="0">
+              <a:solidFill>
+                <a:schemeClr val="tx1"/>
+              </a:solidFill>
+              <a:latin typeface="Arial" panose="020B0604020202020204" pitchFamily="34" charset="0"/>
+              <a:cs typeface="Arial" panose="020B0604020202020204" pitchFamily="34" charset="0"/>
+            </a:endParaRPr>
+          </a:p>
+          <a:p>
+            <a:endParaRPr lang="en-US" sz="1000" b="1" dirty="0">
+              <a:solidFill>
+                <a:schemeClr val="tx1"/>
+              </a:solidFill>
+              <a:latin typeface="Arial" panose="020B0604020202020204" pitchFamily="34" charset="0"/>
+              <a:cs typeface="Arial" panose="020B0604020202020204" pitchFamily="34" charset="0"/>
+            </a:endParaRPr>
+          </a:p>
+          <a:p>
+            <a:r>
+              <a:rPr lang="en-US" sz="1200" dirty="0">
+                <a:solidFill>
+                  <a:schemeClr val="tx1"/>
+                </a:solidFill>
+                <a:latin typeface="Arial" panose="020B0604020202020204" pitchFamily="34" charset="0"/>
+                <a:cs typeface="Arial" panose="020B0604020202020204" pitchFamily="34" charset="0"/>
+              </a:rPr>
+              <a:t>Member functions</a:t>
+            </a:r>
+          </a:p>
+          <a:p>
+            <a:r>
+              <a:rPr lang="de-CH" sz="1000" b="1" dirty="0" err="1">
+                <a:solidFill>
+                  <a:schemeClr val="tx1"/>
+                </a:solidFill>
+                <a:latin typeface="Arial" panose="020B0604020202020204" pitchFamily="34" charset="0"/>
+                <a:cs typeface="Arial" panose="020B0604020202020204" pitchFamily="34" charset="0"/>
+              </a:rPr>
+              <a:t>execute</a:t>
+            </a:r>
+            <a:endParaRPr lang="de-CH" sz="1000" b="1" dirty="0">
+              <a:solidFill>
+                <a:schemeClr val="tx1"/>
+              </a:solidFill>
+              <a:latin typeface="Arial" panose="020B0604020202020204" pitchFamily="34" charset="0"/>
+              <a:cs typeface="Arial" panose="020B0604020202020204" pitchFamily="34" charset="0"/>
+            </a:endParaRPr>
+          </a:p>
+          <a:p>
+            <a:r>
+              <a:rPr lang="de-CH" sz="1000" b="1" dirty="0" err="1">
+                <a:solidFill>
+                  <a:schemeClr val="tx1"/>
+                </a:solidFill>
+                <a:latin typeface="Arial" panose="020B0604020202020204" pitchFamily="34" charset="0"/>
+                <a:cs typeface="Arial" panose="020B0604020202020204" pitchFamily="34" charset="0"/>
+              </a:rPr>
+              <a:t>Get</a:t>
+            </a:r>
+            <a:endParaRPr lang="de-CH" sz="1000" b="1" dirty="0">
+              <a:solidFill>
+                <a:schemeClr val="tx1"/>
+              </a:solidFill>
+              <a:latin typeface="Arial" panose="020B0604020202020204" pitchFamily="34" charset="0"/>
+              <a:cs typeface="Arial" panose="020B0604020202020204" pitchFamily="34" charset="0"/>
+            </a:endParaRPr>
+          </a:p>
+          <a:p>
+            <a:endParaRPr lang="de-CH" sz="1000" b="1" dirty="0">
+              <a:solidFill>
+                <a:schemeClr val="tx1"/>
+              </a:solidFill>
+              <a:latin typeface="Arial" panose="020B0604020202020204" pitchFamily="34" charset="0"/>
+              <a:cs typeface="Arial" panose="020B0604020202020204" pitchFamily="34" charset="0"/>
+            </a:endParaRPr>
+          </a:p>
+          <a:p>
+            <a:endParaRPr lang="de-CH" sz="1000" b="1" dirty="0">
+              <a:solidFill>
+                <a:schemeClr val="tx1"/>
+              </a:solidFill>
+              <a:latin typeface="Arial" panose="020B0604020202020204" pitchFamily="34" charset="0"/>
+              <a:cs typeface="Arial" panose="020B0604020202020204" pitchFamily="34" charset="0"/>
+            </a:endParaRPr>
+          </a:p>
+          <a:p>
+            <a:endParaRPr lang="de-CH" sz="1000" b="1" dirty="0">
+              <a:solidFill>
+                <a:schemeClr val="tx1"/>
+              </a:solidFill>
+              <a:latin typeface="Arial" panose="020B0604020202020204" pitchFamily="34" charset="0"/>
+              <a:cs typeface="Arial" panose="020B0604020202020204" pitchFamily="34" charset="0"/>
+            </a:endParaRPr>
+          </a:p>
+          <a:p>
+            <a:endParaRPr lang="de-CH" sz="1000" b="1" dirty="0">
+              <a:solidFill>
+                <a:schemeClr val="tx1"/>
+              </a:solidFill>
+              <a:latin typeface="Arial" panose="020B0604020202020204" pitchFamily="34" charset="0"/>
+              <a:cs typeface="Arial" panose="020B0604020202020204" pitchFamily="34" charset="0"/>
+            </a:endParaRPr>
+          </a:p>
+        </p:txBody>
+      </p:sp>
+      <p:sp>
+        <p:nvSpPr>
+          <p:cNvPr id="11" name="Rechteck 10">
+            <a:extLst>
+              <a:ext uri="{FF2B5EF4-FFF2-40B4-BE49-F238E27FC236}">
+                <a16:creationId xmlns:a16="http://schemas.microsoft.com/office/drawing/2014/main" id="{DBB31766-542E-3E0A-D547-FFCC23AEBD36}"/>
+              </a:ext>
+            </a:extLst>
+          </p:cNvPr>
+          <p:cNvSpPr/>
+          <p:nvPr/>
+        </p:nvSpPr>
+        <p:spPr>
+          <a:xfrm>
+            <a:off x="5979492" y="789187"/>
+            <a:ext cx="2410359" cy="570469"/>
+          </a:xfrm>
+          <a:prstGeom prst="rect">
+            <a:avLst/>
+          </a:prstGeom>
+          <a:noFill/>
+          <a:ln w="19050">
+            <a:solidFill>
+              <a:schemeClr val="tx1"/>
+            </a:solidFill>
+          </a:ln>
+        </p:spPr>
+        <p:style>
+          <a:lnRef idx="2">
+            <a:schemeClr val="accent1">
+              <a:shade val="50000"/>
+            </a:schemeClr>
+          </a:lnRef>
+          <a:fillRef idx="1">
+            <a:schemeClr val="accent1"/>
+          </a:fillRef>
+          <a:effectRef idx="0">
+            <a:schemeClr val="accent1"/>
+          </a:effectRef>
+          <a:fontRef idx="minor">
+            <a:schemeClr val="lt1"/>
+          </a:fontRef>
+        </p:style>
+        <p:txBody>
+          <a:bodyPr rtlCol="0" anchor="ctr"/>
+          <a:lstStyle/>
+          <a:p>
+            <a:pPr algn="ctr"/>
+            <a:r>
+              <a:rPr lang="de-CH" dirty="0" err="1">
+                <a:solidFill>
+                  <a:schemeClr val="tx1"/>
+                </a:solidFill>
+                <a:latin typeface="Arial" panose="020B0604020202020204" pitchFamily="34" charset="0"/>
+                <a:cs typeface="Arial" panose="020B0604020202020204" pitchFamily="34" charset="0"/>
+              </a:rPr>
+              <a:t>CashierSvg</a:t>
+            </a:r>
+            <a:endParaRPr lang="de-CH" dirty="0">
+              <a:solidFill>
+                <a:schemeClr val="tx1"/>
+              </a:solidFill>
+              <a:latin typeface="Arial" panose="020B0604020202020204" pitchFamily="34" charset="0"/>
+              <a:cs typeface="Arial" panose="020B0604020202020204" pitchFamily="34" charset="0"/>
+            </a:endParaRPr>
+          </a:p>
+          <a:p>
+            <a:pPr algn="ctr"/>
+            <a:r>
+              <a:rPr lang="de-CH" sz="1200" dirty="0" err="1">
+                <a:solidFill>
+                  <a:schemeClr val="tx1"/>
+                </a:solidFill>
+                <a:latin typeface="Arial" panose="020B0604020202020204" pitchFamily="34" charset="0"/>
+                <a:cs typeface="Arial" panose="020B0604020202020204" pitchFamily="34" charset="0"/>
+              </a:rPr>
+              <a:t>Constructs</a:t>
+            </a:r>
+            <a:r>
+              <a:rPr lang="de-CH" sz="1200" dirty="0">
+                <a:solidFill>
+                  <a:schemeClr val="tx1"/>
+                </a:solidFill>
+                <a:latin typeface="Arial" panose="020B0604020202020204" pitchFamily="34" charset="0"/>
+                <a:cs typeface="Arial" panose="020B0604020202020204" pitchFamily="34" charset="0"/>
+              </a:rPr>
+              <a:t> </a:t>
+            </a:r>
+            <a:r>
+              <a:rPr lang="de-CH" sz="1200" dirty="0" err="1">
+                <a:solidFill>
+                  <a:schemeClr val="tx1"/>
+                </a:solidFill>
+                <a:latin typeface="Arial" panose="020B0604020202020204" pitchFamily="34" charset="0"/>
+                <a:cs typeface="Arial" panose="020B0604020202020204" pitchFamily="34" charset="0"/>
+              </a:rPr>
+              <a:t>cashier</a:t>
+            </a:r>
+            <a:r>
+              <a:rPr lang="de-CH" sz="1200" dirty="0">
+                <a:solidFill>
+                  <a:schemeClr val="tx1"/>
+                </a:solidFill>
+                <a:latin typeface="Arial" panose="020B0604020202020204" pitchFamily="34" charset="0"/>
+                <a:cs typeface="Arial" panose="020B0604020202020204" pitchFamily="34" charset="0"/>
+              </a:rPr>
+              <a:t> SVG code </a:t>
+            </a:r>
+          </a:p>
+        </p:txBody>
+      </p:sp>
+      <p:sp>
+        <p:nvSpPr>
+          <p:cNvPr id="12" name="Rechteck 11">
+            <a:extLst>
+              <a:ext uri="{FF2B5EF4-FFF2-40B4-BE49-F238E27FC236}">
+                <a16:creationId xmlns:a16="http://schemas.microsoft.com/office/drawing/2014/main" id="{8AF50C79-8B50-927D-C535-1170737E1279}"/>
+              </a:ext>
+            </a:extLst>
+          </p:cNvPr>
+          <p:cNvSpPr/>
+          <p:nvPr/>
+        </p:nvSpPr>
+        <p:spPr>
+          <a:xfrm>
+            <a:off x="5979489" y="1350258"/>
+            <a:ext cx="2410359" cy="2276708"/>
+          </a:xfrm>
+          <a:prstGeom prst="rect">
+            <a:avLst/>
+          </a:prstGeom>
+          <a:noFill/>
+          <a:ln w="19050">
+            <a:solidFill>
+              <a:schemeClr val="tx1"/>
+            </a:solidFill>
+          </a:ln>
+        </p:spPr>
+        <p:style>
+          <a:lnRef idx="2">
+            <a:schemeClr val="accent1">
+              <a:shade val="50000"/>
+            </a:schemeClr>
+          </a:lnRef>
+          <a:fillRef idx="1">
+            <a:schemeClr val="accent1"/>
+          </a:fillRef>
+          <a:effectRef idx="0">
+            <a:schemeClr val="accent1"/>
+          </a:effectRef>
+          <a:fontRef idx="minor">
+            <a:schemeClr val="lt1"/>
+          </a:fontRef>
+        </p:style>
+        <p:txBody>
+          <a:bodyPr rtlCol="0" anchor="ctr"/>
+          <a:lstStyle/>
+          <a:p>
+            <a:r>
+              <a:rPr lang="en-US" sz="1200" dirty="0">
+                <a:solidFill>
+                  <a:schemeClr val="tx1"/>
+                </a:solidFill>
+                <a:latin typeface="Arial" panose="020B0604020202020204" pitchFamily="34" charset="0"/>
+                <a:cs typeface="Arial" panose="020B0604020202020204" pitchFamily="34" charset="0"/>
+              </a:rPr>
+              <a:t>Member variables</a:t>
+            </a:r>
+          </a:p>
+          <a:p>
+            <a:r>
+              <a:rPr lang="en-US" sz="1000" b="1" dirty="0" err="1">
+                <a:solidFill>
+                  <a:schemeClr val="tx1"/>
+                </a:solidFill>
+                <a:latin typeface="Arial" panose="020B0604020202020204" pitchFamily="34" charset="0"/>
+                <a:cs typeface="Arial" panose="020B0604020202020204" pitchFamily="34" charset="0"/>
+              </a:rPr>
+              <a:t>m_layout_xml</a:t>
+            </a:r>
+            <a:endParaRPr lang="en-US" sz="1000" b="1" dirty="0">
+              <a:solidFill>
+                <a:schemeClr val="tx1"/>
+              </a:solidFill>
+              <a:latin typeface="Arial" panose="020B0604020202020204" pitchFamily="34" charset="0"/>
+              <a:cs typeface="Arial" panose="020B0604020202020204" pitchFamily="34" charset="0"/>
+            </a:endParaRPr>
+          </a:p>
+          <a:p>
+            <a:r>
+              <a:rPr lang="en-US" sz="1000" b="1" dirty="0" err="1">
+                <a:solidFill>
+                  <a:schemeClr val="tx1"/>
+                </a:solidFill>
+                <a:latin typeface="Arial" panose="020B0604020202020204" pitchFamily="34" charset="0"/>
+                <a:cs typeface="Arial" panose="020B0604020202020204" pitchFamily="34" charset="0"/>
+              </a:rPr>
+              <a:t>m_button_id_array</a:t>
+            </a:r>
+            <a:endParaRPr lang="en-US" sz="1000" b="1" dirty="0">
+              <a:solidFill>
+                <a:schemeClr val="tx1"/>
+              </a:solidFill>
+              <a:latin typeface="Arial" panose="020B0604020202020204" pitchFamily="34" charset="0"/>
+              <a:cs typeface="Arial" panose="020B0604020202020204" pitchFamily="34" charset="0"/>
+            </a:endParaRPr>
+          </a:p>
+          <a:p>
+            <a:r>
+              <a:rPr lang="en-US" sz="1000" b="1" dirty="0" err="1">
+                <a:solidFill>
+                  <a:schemeClr val="tx1"/>
+                </a:solidFill>
+                <a:latin typeface="Arial" panose="020B0604020202020204" pitchFamily="34" charset="0"/>
+                <a:cs typeface="Arial" panose="020B0604020202020204" pitchFamily="34" charset="0"/>
+              </a:rPr>
+              <a:t>m_scale_dimension</a:t>
+            </a:r>
+            <a:endParaRPr lang="en-US" sz="1000" b="1" dirty="0">
+              <a:solidFill>
+                <a:schemeClr val="tx1"/>
+              </a:solidFill>
+              <a:latin typeface="Arial" panose="020B0604020202020204" pitchFamily="34" charset="0"/>
+              <a:cs typeface="Arial" panose="020B0604020202020204" pitchFamily="34" charset="0"/>
+            </a:endParaRPr>
+          </a:p>
+          <a:p>
+            <a:r>
+              <a:rPr lang="en-US" sz="1000" b="1" dirty="0" err="1">
+                <a:solidFill>
+                  <a:schemeClr val="tx1"/>
+                </a:solidFill>
+                <a:latin typeface="Arial" panose="020B0604020202020204" pitchFamily="34" charset="0"/>
+                <a:cs typeface="Arial" panose="020B0604020202020204" pitchFamily="34" charset="0"/>
+              </a:rPr>
+              <a:t>m_svg_code</a:t>
+            </a:r>
+            <a:endParaRPr lang="en-US" sz="1000" b="1" dirty="0">
+              <a:solidFill>
+                <a:schemeClr val="tx1"/>
+              </a:solidFill>
+              <a:latin typeface="Arial" panose="020B0604020202020204" pitchFamily="34" charset="0"/>
+              <a:cs typeface="Arial" panose="020B0604020202020204" pitchFamily="34" charset="0"/>
+            </a:endParaRPr>
+          </a:p>
+          <a:p>
+            <a:endParaRPr lang="en-US" sz="1000" b="1" dirty="0">
+              <a:solidFill>
+                <a:schemeClr val="tx1"/>
+              </a:solidFill>
+              <a:latin typeface="Arial" panose="020B0604020202020204" pitchFamily="34" charset="0"/>
+              <a:cs typeface="Arial" panose="020B0604020202020204" pitchFamily="34" charset="0"/>
+            </a:endParaRPr>
+          </a:p>
+          <a:p>
+            <a:r>
+              <a:rPr lang="en-US" sz="1200" dirty="0">
+                <a:solidFill>
+                  <a:schemeClr val="tx1"/>
+                </a:solidFill>
+                <a:latin typeface="Arial" panose="020B0604020202020204" pitchFamily="34" charset="0"/>
+                <a:cs typeface="Arial" panose="020B0604020202020204" pitchFamily="34" charset="0"/>
+              </a:rPr>
+              <a:t>Member functions</a:t>
+            </a:r>
+          </a:p>
+          <a:p>
+            <a:r>
+              <a:rPr lang="de-CH" sz="1000" b="1" dirty="0" err="1">
+                <a:solidFill>
+                  <a:schemeClr val="tx1"/>
+                </a:solidFill>
+                <a:latin typeface="Arial" panose="020B0604020202020204" pitchFamily="34" charset="0"/>
+                <a:cs typeface="Arial" panose="020B0604020202020204" pitchFamily="34" charset="0"/>
+              </a:rPr>
+              <a:t>execute</a:t>
+            </a:r>
+            <a:endParaRPr lang="de-CH" sz="1000" b="1" dirty="0">
+              <a:solidFill>
+                <a:schemeClr val="tx1"/>
+              </a:solidFill>
+              <a:latin typeface="Arial" panose="020B0604020202020204" pitchFamily="34" charset="0"/>
+              <a:cs typeface="Arial" panose="020B0604020202020204" pitchFamily="34" charset="0"/>
+            </a:endParaRPr>
+          </a:p>
+          <a:p>
+            <a:r>
+              <a:rPr lang="de-CH" sz="1000" b="1" dirty="0" err="1">
+                <a:solidFill>
+                  <a:schemeClr val="tx1"/>
+                </a:solidFill>
+                <a:latin typeface="Arial" panose="020B0604020202020204" pitchFamily="34" charset="0"/>
+                <a:cs typeface="Arial" panose="020B0604020202020204" pitchFamily="34" charset="0"/>
+              </a:rPr>
+              <a:t>Get</a:t>
+            </a:r>
+            <a:endParaRPr lang="de-CH" sz="1000" b="1" dirty="0">
+              <a:solidFill>
+                <a:schemeClr val="tx1"/>
+              </a:solidFill>
+              <a:latin typeface="Arial" panose="020B0604020202020204" pitchFamily="34" charset="0"/>
+              <a:cs typeface="Arial" panose="020B0604020202020204" pitchFamily="34" charset="0"/>
+            </a:endParaRPr>
+          </a:p>
+          <a:p>
+            <a:endParaRPr lang="de-CH" sz="1000" b="1" dirty="0">
+              <a:solidFill>
+                <a:schemeClr val="tx1"/>
+              </a:solidFill>
+              <a:latin typeface="Arial" panose="020B0604020202020204" pitchFamily="34" charset="0"/>
+              <a:cs typeface="Arial" panose="020B0604020202020204" pitchFamily="34" charset="0"/>
+            </a:endParaRPr>
+          </a:p>
+          <a:p>
+            <a:endParaRPr lang="de-CH" sz="1000" b="1" dirty="0">
+              <a:solidFill>
+                <a:schemeClr val="tx1"/>
+              </a:solidFill>
+              <a:latin typeface="Arial" panose="020B0604020202020204" pitchFamily="34" charset="0"/>
+              <a:cs typeface="Arial" panose="020B0604020202020204" pitchFamily="34" charset="0"/>
+            </a:endParaRPr>
+          </a:p>
+          <a:p>
+            <a:endParaRPr lang="de-CH" sz="1000" b="1" dirty="0">
+              <a:solidFill>
+                <a:schemeClr val="tx1"/>
+              </a:solidFill>
+              <a:latin typeface="Arial" panose="020B0604020202020204" pitchFamily="34" charset="0"/>
+              <a:cs typeface="Arial" panose="020B0604020202020204" pitchFamily="34" charset="0"/>
+            </a:endParaRPr>
+          </a:p>
+          <a:p>
+            <a:endParaRPr lang="de-CH" sz="1000" b="1" dirty="0">
+              <a:solidFill>
+                <a:schemeClr val="tx1"/>
+              </a:solidFill>
+              <a:latin typeface="Arial" panose="020B0604020202020204" pitchFamily="34" charset="0"/>
+              <a:cs typeface="Arial" panose="020B0604020202020204" pitchFamily="34" charset="0"/>
+            </a:endParaRPr>
+          </a:p>
+        </p:txBody>
+      </p:sp>
+      <p:sp>
+        <p:nvSpPr>
+          <p:cNvPr id="14" name="Rechteck 13">
+            <a:extLst>
+              <a:ext uri="{FF2B5EF4-FFF2-40B4-BE49-F238E27FC236}">
+                <a16:creationId xmlns:a16="http://schemas.microsoft.com/office/drawing/2014/main" id="{6E83BF11-6215-B61C-B1FC-2216D3D65530}"/>
+              </a:ext>
+            </a:extLst>
+          </p:cNvPr>
+          <p:cNvSpPr/>
+          <p:nvPr/>
+        </p:nvSpPr>
+        <p:spPr>
+          <a:xfrm>
+            <a:off x="5960641" y="3739748"/>
+            <a:ext cx="2410359" cy="570469"/>
+          </a:xfrm>
+          <a:prstGeom prst="rect">
+            <a:avLst/>
+          </a:prstGeom>
+          <a:noFill/>
+          <a:ln w="19050">
+            <a:solidFill>
+              <a:schemeClr val="tx1"/>
+            </a:solidFill>
+          </a:ln>
+        </p:spPr>
+        <p:style>
+          <a:lnRef idx="2">
+            <a:schemeClr val="accent1">
+              <a:shade val="50000"/>
+            </a:schemeClr>
+          </a:lnRef>
+          <a:fillRef idx="1">
+            <a:schemeClr val="accent1"/>
+          </a:fillRef>
+          <a:effectRef idx="0">
+            <a:schemeClr val="accent1"/>
+          </a:effectRef>
+          <a:fontRef idx="minor">
+            <a:schemeClr val="lt1"/>
+          </a:fontRef>
+        </p:style>
+        <p:txBody>
+          <a:bodyPr rtlCol="0" anchor="ctr"/>
+          <a:lstStyle/>
+          <a:p>
+            <a:pPr algn="ctr"/>
+            <a:r>
+              <a:rPr lang="de-CH" dirty="0" err="1">
+                <a:solidFill>
+                  <a:schemeClr val="tx1"/>
+                </a:solidFill>
+                <a:latin typeface="Arial" panose="020B0604020202020204" pitchFamily="34" charset="0"/>
+                <a:cs typeface="Arial" panose="020B0604020202020204" pitchFamily="34" charset="0"/>
+              </a:rPr>
+              <a:t>DoorSvg</a:t>
+            </a:r>
+            <a:endParaRPr lang="de-CH" dirty="0">
+              <a:solidFill>
+                <a:schemeClr val="tx1"/>
+              </a:solidFill>
+              <a:latin typeface="Arial" panose="020B0604020202020204" pitchFamily="34" charset="0"/>
+              <a:cs typeface="Arial" panose="020B0604020202020204" pitchFamily="34" charset="0"/>
+            </a:endParaRPr>
+          </a:p>
+          <a:p>
+            <a:pPr algn="ctr"/>
+            <a:r>
+              <a:rPr lang="de-CH" sz="1200" dirty="0" err="1">
+                <a:solidFill>
+                  <a:schemeClr val="tx1"/>
+                </a:solidFill>
+                <a:latin typeface="Arial" panose="020B0604020202020204" pitchFamily="34" charset="0"/>
+                <a:cs typeface="Arial" panose="020B0604020202020204" pitchFamily="34" charset="0"/>
+              </a:rPr>
+              <a:t>Constructs</a:t>
+            </a:r>
+            <a:r>
+              <a:rPr lang="de-CH" sz="1200" dirty="0">
+                <a:solidFill>
+                  <a:schemeClr val="tx1"/>
+                </a:solidFill>
+                <a:latin typeface="Arial" panose="020B0604020202020204" pitchFamily="34" charset="0"/>
+                <a:cs typeface="Arial" panose="020B0604020202020204" pitchFamily="34" charset="0"/>
+              </a:rPr>
+              <a:t> </a:t>
+            </a:r>
+            <a:r>
+              <a:rPr lang="de-CH" sz="1200" dirty="0" err="1">
+                <a:solidFill>
+                  <a:schemeClr val="tx1"/>
+                </a:solidFill>
+                <a:latin typeface="Arial" panose="020B0604020202020204" pitchFamily="34" charset="0"/>
+                <a:cs typeface="Arial" panose="020B0604020202020204" pitchFamily="34" charset="0"/>
+              </a:rPr>
+              <a:t>doors</a:t>
+            </a:r>
+            <a:r>
+              <a:rPr lang="de-CH" sz="1200" dirty="0">
+                <a:solidFill>
+                  <a:schemeClr val="tx1"/>
+                </a:solidFill>
+                <a:latin typeface="Arial" panose="020B0604020202020204" pitchFamily="34" charset="0"/>
+                <a:cs typeface="Arial" panose="020B0604020202020204" pitchFamily="34" charset="0"/>
+              </a:rPr>
+              <a:t> SVG code </a:t>
+            </a:r>
+          </a:p>
+        </p:txBody>
+      </p:sp>
+      <p:sp>
+        <p:nvSpPr>
+          <p:cNvPr id="15" name="Rechteck 14">
+            <a:extLst>
+              <a:ext uri="{FF2B5EF4-FFF2-40B4-BE49-F238E27FC236}">
+                <a16:creationId xmlns:a16="http://schemas.microsoft.com/office/drawing/2014/main" id="{0752061C-512A-F2AA-22EF-BAACC55C3FE8}"/>
+              </a:ext>
+            </a:extLst>
+          </p:cNvPr>
+          <p:cNvSpPr/>
+          <p:nvPr/>
+        </p:nvSpPr>
+        <p:spPr>
+          <a:xfrm>
+            <a:off x="5960638" y="4300819"/>
+            <a:ext cx="2410359" cy="2276708"/>
+          </a:xfrm>
+          <a:prstGeom prst="rect">
+            <a:avLst/>
+          </a:prstGeom>
+          <a:noFill/>
+          <a:ln w="19050">
+            <a:solidFill>
+              <a:schemeClr val="tx1"/>
+            </a:solidFill>
+          </a:ln>
+        </p:spPr>
+        <p:style>
+          <a:lnRef idx="2">
+            <a:schemeClr val="accent1">
+              <a:shade val="50000"/>
+            </a:schemeClr>
+          </a:lnRef>
+          <a:fillRef idx="1">
+            <a:schemeClr val="accent1"/>
+          </a:fillRef>
+          <a:effectRef idx="0">
+            <a:schemeClr val="accent1"/>
+          </a:effectRef>
+          <a:fontRef idx="minor">
+            <a:schemeClr val="lt1"/>
+          </a:fontRef>
+        </p:style>
+        <p:txBody>
+          <a:bodyPr rtlCol="0" anchor="ctr"/>
+          <a:lstStyle/>
+          <a:p>
+            <a:r>
+              <a:rPr lang="en-US" sz="1200" dirty="0">
+                <a:solidFill>
+                  <a:schemeClr val="tx1"/>
+                </a:solidFill>
+                <a:latin typeface="Arial" panose="020B0604020202020204" pitchFamily="34" charset="0"/>
+                <a:cs typeface="Arial" panose="020B0604020202020204" pitchFamily="34" charset="0"/>
+              </a:rPr>
+              <a:t>Member variables</a:t>
+            </a:r>
+          </a:p>
+          <a:p>
+            <a:r>
+              <a:rPr lang="en-US" sz="1000" b="1" dirty="0" err="1">
+                <a:solidFill>
+                  <a:schemeClr val="tx1"/>
+                </a:solidFill>
+                <a:latin typeface="Arial" panose="020B0604020202020204" pitchFamily="34" charset="0"/>
+                <a:cs typeface="Arial" panose="020B0604020202020204" pitchFamily="34" charset="0"/>
+              </a:rPr>
+              <a:t>m_layout_xml</a:t>
+            </a:r>
+            <a:endParaRPr lang="en-US" sz="1000" b="1" dirty="0">
+              <a:solidFill>
+                <a:schemeClr val="tx1"/>
+              </a:solidFill>
+              <a:latin typeface="Arial" panose="020B0604020202020204" pitchFamily="34" charset="0"/>
+              <a:cs typeface="Arial" panose="020B0604020202020204" pitchFamily="34" charset="0"/>
+            </a:endParaRPr>
+          </a:p>
+          <a:p>
+            <a:r>
+              <a:rPr lang="en-US" sz="1000" b="1" dirty="0" err="1">
+                <a:solidFill>
+                  <a:schemeClr val="tx1"/>
+                </a:solidFill>
+                <a:latin typeface="Arial" panose="020B0604020202020204" pitchFamily="34" charset="0"/>
+                <a:cs typeface="Arial" panose="020B0604020202020204" pitchFamily="34" charset="0"/>
+              </a:rPr>
+              <a:t>m_button_id_array</a:t>
+            </a:r>
+            <a:endParaRPr lang="en-US" sz="1000" b="1" dirty="0">
+              <a:solidFill>
+                <a:schemeClr val="tx1"/>
+              </a:solidFill>
+              <a:latin typeface="Arial" panose="020B0604020202020204" pitchFamily="34" charset="0"/>
+              <a:cs typeface="Arial" panose="020B0604020202020204" pitchFamily="34" charset="0"/>
+            </a:endParaRPr>
+          </a:p>
+          <a:p>
+            <a:r>
+              <a:rPr lang="en-US" sz="1000" b="1" dirty="0" err="1">
+                <a:solidFill>
+                  <a:schemeClr val="tx1"/>
+                </a:solidFill>
+                <a:latin typeface="Arial" panose="020B0604020202020204" pitchFamily="34" charset="0"/>
+                <a:cs typeface="Arial" panose="020B0604020202020204" pitchFamily="34" charset="0"/>
+              </a:rPr>
+              <a:t>m_scale_dimension</a:t>
+            </a:r>
+            <a:endParaRPr lang="en-US" sz="1000" b="1" dirty="0">
+              <a:solidFill>
+                <a:schemeClr val="tx1"/>
+              </a:solidFill>
+              <a:latin typeface="Arial" panose="020B0604020202020204" pitchFamily="34" charset="0"/>
+              <a:cs typeface="Arial" panose="020B0604020202020204" pitchFamily="34" charset="0"/>
+            </a:endParaRPr>
+          </a:p>
+          <a:p>
+            <a:r>
+              <a:rPr lang="en-US" sz="1000" b="1" dirty="0" err="1">
+                <a:solidFill>
+                  <a:schemeClr val="tx1"/>
+                </a:solidFill>
+                <a:latin typeface="Arial" panose="020B0604020202020204" pitchFamily="34" charset="0"/>
+                <a:cs typeface="Arial" panose="020B0604020202020204" pitchFamily="34" charset="0"/>
+              </a:rPr>
+              <a:t>m_svg_code</a:t>
+            </a:r>
+            <a:endParaRPr lang="en-US" sz="1000" b="1" dirty="0">
+              <a:solidFill>
+                <a:schemeClr val="tx1"/>
+              </a:solidFill>
+              <a:latin typeface="Arial" panose="020B0604020202020204" pitchFamily="34" charset="0"/>
+              <a:cs typeface="Arial" panose="020B0604020202020204" pitchFamily="34" charset="0"/>
+            </a:endParaRPr>
+          </a:p>
+          <a:p>
+            <a:endParaRPr lang="en-US" sz="1000" b="1" dirty="0">
+              <a:solidFill>
+                <a:schemeClr val="tx1"/>
+              </a:solidFill>
+              <a:latin typeface="Arial" panose="020B0604020202020204" pitchFamily="34" charset="0"/>
+              <a:cs typeface="Arial" panose="020B0604020202020204" pitchFamily="34" charset="0"/>
+            </a:endParaRPr>
+          </a:p>
+          <a:p>
+            <a:r>
+              <a:rPr lang="en-US" sz="1200" dirty="0">
+                <a:solidFill>
+                  <a:schemeClr val="tx1"/>
+                </a:solidFill>
+                <a:latin typeface="Arial" panose="020B0604020202020204" pitchFamily="34" charset="0"/>
+                <a:cs typeface="Arial" panose="020B0604020202020204" pitchFamily="34" charset="0"/>
+              </a:rPr>
+              <a:t>Member functions</a:t>
+            </a:r>
+          </a:p>
+          <a:p>
+            <a:r>
+              <a:rPr lang="de-CH" sz="1000" b="1" dirty="0" err="1">
+                <a:solidFill>
+                  <a:schemeClr val="tx1"/>
+                </a:solidFill>
+                <a:latin typeface="Arial" panose="020B0604020202020204" pitchFamily="34" charset="0"/>
+                <a:cs typeface="Arial" panose="020B0604020202020204" pitchFamily="34" charset="0"/>
+              </a:rPr>
+              <a:t>execute</a:t>
+            </a:r>
+            <a:endParaRPr lang="de-CH" sz="1000" b="1" dirty="0">
+              <a:solidFill>
+                <a:schemeClr val="tx1"/>
+              </a:solidFill>
+              <a:latin typeface="Arial" panose="020B0604020202020204" pitchFamily="34" charset="0"/>
+              <a:cs typeface="Arial" panose="020B0604020202020204" pitchFamily="34" charset="0"/>
+            </a:endParaRPr>
+          </a:p>
+          <a:p>
+            <a:r>
+              <a:rPr lang="de-CH" sz="1000" b="1" dirty="0" err="1">
+                <a:solidFill>
+                  <a:schemeClr val="tx1"/>
+                </a:solidFill>
+                <a:latin typeface="Arial" panose="020B0604020202020204" pitchFamily="34" charset="0"/>
+                <a:cs typeface="Arial" panose="020B0604020202020204" pitchFamily="34" charset="0"/>
+              </a:rPr>
+              <a:t>get</a:t>
+            </a:r>
+            <a:endParaRPr lang="de-CH" sz="1000" b="1" dirty="0">
+              <a:solidFill>
+                <a:schemeClr val="tx1"/>
+              </a:solidFill>
+              <a:latin typeface="Arial" panose="020B0604020202020204" pitchFamily="34" charset="0"/>
+              <a:cs typeface="Arial" panose="020B0604020202020204" pitchFamily="34" charset="0"/>
+            </a:endParaRPr>
+          </a:p>
+          <a:p>
+            <a:endParaRPr lang="de-CH" sz="1000" b="1" dirty="0">
+              <a:solidFill>
+                <a:schemeClr val="tx1"/>
+              </a:solidFill>
+              <a:latin typeface="Arial" panose="020B0604020202020204" pitchFamily="34" charset="0"/>
+              <a:cs typeface="Arial" panose="020B0604020202020204" pitchFamily="34" charset="0"/>
+            </a:endParaRPr>
+          </a:p>
+          <a:p>
+            <a:r>
+              <a:rPr lang="de-CH" sz="1000" b="1" dirty="0" err="1">
+                <a:solidFill>
+                  <a:schemeClr val="tx1"/>
+                </a:solidFill>
+                <a:latin typeface="Arial" panose="020B0604020202020204" pitchFamily="34" charset="0"/>
+                <a:cs typeface="Arial" panose="020B0604020202020204" pitchFamily="34" charset="0"/>
+              </a:rPr>
+              <a:t>oneDoor</a:t>
+            </a:r>
+            <a:endParaRPr lang="de-CH" sz="1000" b="1" dirty="0">
+              <a:solidFill>
+                <a:schemeClr val="tx1"/>
+              </a:solidFill>
+              <a:latin typeface="Arial" panose="020B0604020202020204" pitchFamily="34" charset="0"/>
+              <a:cs typeface="Arial" panose="020B0604020202020204" pitchFamily="34" charset="0"/>
+            </a:endParaRPr>
+          </a:p>
+          <a:p>
+            <a:endParaRPr lang="de-CH" sz="1000" b="1" dirty="0">
+              <a:solidFill>
+                <a:schemeClr val="tx1"/>
+              </a:solidFill>
+              <a:latin typeface="Arial" panose="020B0604020202020204" pitchFamily="34" charset="0"/>
+              <a:cs typeface="Arial" panose="020B0604020202020204" pitchFamily="34" charset="0"/>
+            </a:endParaRPr>
+          </a:p>
+          <a:p>
+            <a:endParaRPr lang="de-CH" sz="1000" b="1" dirty="0">
+              <a:solidFill>
+                <a:schemeClr val="tx1"/>
+              </a:solidFill>
+              <a:latin typeface="Arial" panose="020B0604020202020204" pitchFamily="34" charset="0"/>
+              <a:cs typeface="Arial" panose="020B0604020202020204" pitchFamily="34" charset="0"/>
+            </a:endParaRPr>
+          </a:p>
+        </p:txBody>
+      </p:sp>
+      <p:sp>
+        <p:nvSpPr>
+          <p:cNvPr id="16" name="Rechteck 15">
+            <a:extLst>
+              <a:ext uri="{FF2B5EF4-FFF2-40B4-BE49-F238E27FC236}">
+                <a16:creationId xmlns:a16="http://schemas.microsoft.com/office/drawing/2014/main" id="{2433AB6F-8DD1-9D35-3B3A-7D79D033FDCD}"/>
+              </a:ext>
+            </a:extLst>
+          </p:cNvPr>
+          <p:cNvSpPr/>
+          <p:nvPr/>
+        </p:nvSpPr>
+        <p:spPr>
+          <a:xfrm>
+            <a:off x="8553010" y="789187"/>
+            <a:ext cx="2410359" cy="570469"/>
+          </a:xfrm>
+          <a:prstGeom prst="rect">
+            <a:avLst/>
+          </a:prstGeom>
+          <a:noFill/>
+          <a:ln w="19050">
+            <a:solidFill>
+              <a:schemeClr val="tx1"/>
+            </a:solidFill>
+          </a:ln>
+        </p:spPr>
+        <p:style>
+          <a:lnRef idx="2">
+            <a:schemeClr val="accent1">
+              <a:shade val="50000"/>
+            </a:schemeClr>
+          </a:lnRef>
+          <a:fillRef idx="1">
+            <a:schemeClr val="accent1"/>
+          </a:fillRef>
+          <a:effectRef idx="0">
+            <a:schemeClr val="accent1"/>
+          </a:effectRef>
+          <a:fontRef idx="minor">
+            <a:schemeClr val="lt1"/>
+          </a:fontRef>
+        </p:style>
+        <p:txBody>
+          <a:bodyPr rtlCol="0" anchor="ctr"/>
+          <a:lstStyle/>
+          <a:p>
+            <a:pPr algn="ctr"/>
+            <a:r>
+              <a:rPr lang="de-CH" dirty="0" err="1">
+                <a:solidFill>
+                  <a:schemeClr val="tx1"/>
+                </a:solidFill>
+                <a:latin typeface="Arial" panose="020B0604020202020204" pitchFamily="34" charset="0"/>
+                <a:cs typeface="Arial" panose="020B0604020202020204" pitchFamily="34" charset="0"/>
+              </a:rPr>
+              <a:t>TableSvg</a:t>
+            </a:r>
+            <a:endParaRPr lang="de-CH" dirty="0">
+              <a:solidFill>
+                <a:schemeClr val="tx1"/>
+              </a:solidFill>
+              <a:latin typeface="Arial" panose="020B0604020202020204" pitchFamily="34" charset="0"/>
+              <a:cs typeface="Arial" panose="020B0604020202020204" pitchFamily="34" charset="0"/>
+            </a:endParaRPr>
+          </a:p>
+          <a:p>
+            <a:pPr algn="ctr"/>
+            <a:r>
+              <a:rPr lang="de-CH" sz="1200" dirty="0" err="1">
+                <a:solidFill>
+                  <a:schemeClr val="tx1"/>
+                </a:solidFill>
+                <a:latin typeface="Arial" panose="020B0604020202020204" pitchFamily="34" charset="0"/>
+                <a:cs typeface="Arial" panose="020B0604020202020204" pitchFamily="34" charset="0"/>
+              </a:rPr>
+              <a:t>Constructs</a:t>
+            </a:r>
+            <a:r>
+              <a:rPr lang="de-CH" sz="1200" dirty="0">
+                <a:solidFill>
+                  <a:schemeClr val="tx1"/>
+                </a:solidFill>
+                <a:latin typeface="Arial" panose="020B0604020202020204" pitchFamily="34" charset="0"/>
+                <a:cs typeface="Arial" panose="020B0604020202020204" pitchFamily="34" charset="0"/>
+              </a:rPr>
+              <a:t> </a:t>
+            </a:r>
+            <a:r>
+              <a:rPr lang="de-CH" sz="1200" dirty="0" err="1">
+                <a:solidFill>
+                  <a:schemeClr val="tx1"/>
+                </a:solidFill>
+                <a:latin typeface="Arial" panose="020B0604020202020204" pitchFamily="34" charset="0"/>
+                <a:cs typeface="Arial" panose="020B0604020202020204" pitchFamily="34" charset="0"/>
+              </a:rPr>
+              <a:t>tables</a:t>
+            </a:r>
+            <a:r>
+              <a:rPr lang="de-CH" sz="1200" dirty="0">
+                <a:solidFill>
+                  <a:schemeClr val="tx1"/>
+                </a:solidFill>
+                <a:latin typeface="Arial" panose="020B0604020202020204" pitchFamily="34" charset="0"/>
+                <a:cs typeface="Arial" panose="020B0604020202020204" pitchFamily="34" charset="0"/>
+              </a:rPr>
+              <a:t> SVG code </a:t>
+            </a:r>
+          </a:p>
+        </p:txBody>
+      </p:sp>
+      <p:sp>
+        <p:nvSpPr>
+          <p:cNvPr id="17" name="Rechteck 16">
+            <a:extLst>
+              <a:ext uri="{FF2B5EF4-FFF2-40B4-BE49-F238E27FC236}">
+                <a16:creationId xmlns:a16="http://schemas.microsoft.com/office/drawing/2014/main" id="{7CBA60D5-8EC6-2B40-0BD9-38DA9FE5CB0C}"/>
+              </a:ext>
+            </a:extLst>
+          </p:cNvPr>
+          <p:cNvSpPr/>
+          <p:nvPr/>
+        </p:nvSpPr>
+        <p:spPr>
+          <a:xfrm>
+            <a:off x="8553007" y="1350257"/>
+            <a:ext cx="2410359" cy="5227269"/>
+          </a:xfrm>
+          <a:prstGeom prst="rect">
+            <a:avLst/>
+          </a:prstGeom>
+          <a:noFill/>
+          <a:ln w="19050">
+            <a:solidFill>
+              <a:schemeClr val="tx1"/>
+            </a:solidFill>
+          </a:ln>
+        </p:spPr>
+        <p:style>
+          <a:lnRef idx="2">
+            <a:schemeClr val="accent1">
+              <a:shade val="50000"/>
+            </a:schemeClr>
+          </a:lnRef>
+          <a:fillRef idx="1">
+            <a:schemeClr val="accent1"/>
+          </a:fillRef>
+          <a:effectRef idx="0">
+            <a:schemeClr val="accent1"/>
+          </a:effectRef>
+          <a:fontRef idx="minor">
+            <a:schemeClr val="lt1"/>
+          </a:fontRef>
+        </p:style>
+        <p:txBody>
+          <a:bodyPr rtlCol="0" anchor="ctr"/>
+          <a:lstStyle/>
+          <a:p>
+            <a:r>
+              <a:rPr lang="en-US" sz="1200" dirty="0">
+                <a:solidFill>
+                  <a:schemeClr val="tx1"/>
+                </a:solidFill>
+                <a:latin typeface="Arial" panose="020B0604020202020204" pitchFamily="34" charset="0"/>
+                <a:cs typeface="Arial" panose="020B0604020202020204" pitchFamily="34" charset="0"/>
+              </a:rPr>
+              <a:t>Member variables</a:t>
+            </a:r>
+          </a:p>
+          <a:p>
+            <a:r>
+              <a:rPr lang="en-US" sz="1000" b="1" dirty="0" err="1">
+                <a:solidFill>
+                  <a:schemeClr val="tx1"/>
+                </a:solidFill>
+                <a:latin typeface="Arial" panose="020B0604020202020204" pitchFamily="34" charset="0"/>
+                <a:cs typeface="Arial" panose="020B0604020202020204" pitchFamily="34" charset="0"/>
+              </a:rPr>
+              <a:t>m_layout_xml</a:t>
+            </a:r>
+            <a:endParaRPr lang="en-US" sz="1000" b="1" dirty="0">
+              <a:solidFill>
+                <a:schemeClr val="tx1"/>
+              </a:solidFill>
+              <a:latin typeface="Arial" panose="020B0604020202020204" pitchFamily="34" charset="0"/>
+              <a:cs typeface="Arial" panose="020B0604020202020204" pitchFamily="34" charset="0"/>
+            </a:endParaRPr>
+          </a:p>
+          <a:p>
+            <a:r>
+              <a:rPr lang="en-US" sz="1000" b="1" dirty="0" err="1">
+                <a:solidFill>
+                  <a:schemeClr val="tx1"/>
+                </a:solidFill>
+                <a:latin typeface="Arial" panose="020B0604020202020204" pitchFamily="34" charset="0"/>
+                <a:cs typeface="Arial" panose="020B0604020202020204" pitchFamily="34" charset="0"/>
+              </a:rPr>
+              <a:t>m_button_id_array</a:t>
+            </a:r>
+            <a:endParaRPr lang="en-US" sz="1000" b="1" dirty="0">
+              <a:solidFill>
+                <a:schemeClr val="tx1"/>
+              </a:solidFill>
+              <a:latin typeface="Arial" panose="020B0604020202020204" pitchFamily="34" charset="0"/>
+              <a:cs typeface="Arial" panose="020B0604020202020204" pitchFamily="34" charset="0"/>
+            </a:endParaRPr>
+          </a:p>
+          <a:p>
+            <a:r>
+              <a:rPr lang="en-US" sz="1000" b="1" dirty="0" err="1">
+                <a:solidFill>
+                  <a:schemeClr val="tx1"/>
+                </a:solidFill>
+                <a:latin typeface="Arial" panose="020B0604020202020204" pitchFamily="34" charset="0"/>
+                <a:cs typeface="Arial" panose="020B0604020202020204" pitchFamily="34" charset="0"/>
+              </a:rPr>
+              <a:t>m_scale_dimension</a:t>
+            </a:r>
+            <a:endParaRPr lang="en-US" sz="1000" b="1" dirty="0">
+              <a:solidFill>
+                <a:schemeClr val="tx1"/>
+              </a:solidFill>
+              <a:latin typeface="Arial" panose="020B0604020202020204" pitchFamily="34" charset="0"/>
+              <a:cs typeface="Arial" panose="020B0604020202020204" pitchFamily="34" charset="0"/>
+            </a:endParaRPr>
+          </a:p>
+          <a:p>
+            <a:r>
+              <a:rPr lang="en-US" sz="1000" b="1" dirty="0" err="1">
+                <a:solidFill>
+                  <a:schemeClr val="tx1"/>
+                </a:solidFill>
+                <a:latin typeface="Arial" panose="020B0604020202020204" pitchFamily="34" charset="0"/>
+                <a:cs typeface="Arial" panose="020B0604020202020204" pitchFamily="34" charset="0"/>
+              </a:rPr>
+              <a:t>m_color_seat_circle</a:t>
+            </a:r>
+            <a:endParaRPr lang="en-US" sz="1000" b="1" dirty="0">
+              <a:solidFill>
+                <a:schemeClr val="tx1"/>
+              </a:solidFill>
+              <a:latin typeface="Arial" panose="020B0604020202020204" pitchFamily="34" charset="0"/>
+              <a:cs typeface="Arial" panose="020B0604020202020204" pitchFamily="34" charset="0"/>
+            </a:endParaRPr>
+          </a:p>
+          <a:p>
+            <a:r>
+              <a:rPr lang="en-US" sz="1000" b="1" dirty="0" err="1">
+                <a:solidFill>
+                  <a:schemeClr val="tx1"/>
+                </a:solidFill>
+                <a:latin typeface="Arial" panose="020B0604020202020204" pitchFamily="34" charset="0"/>
+                <a:cs typeface="Arial" panose="020B0604020202020204" pitchFamily="34" charset="0"/>
+              </a:rPr>
+              <a:t>m_fill_color_circle</a:t>
+            </a:r>
+            <a:endParaRPr lang="en-US" sz="1000" b="1" dirty="0">
+              <a:solidFill>
+                <a:schemeClr val="tx1"/>
+              </a:solidFill>
+              <a:latin typeface="Arial" panose="020B0604020202020204" pitchFamily="34" charset="0"/>
+              <a:cs typeface="Arial" panose="020B0604020202020204" pitchFamily="34" charset="0"/>
+            </a:endParaRPr>
+          </a:p>
+          <a:p>
+            <a:r>
+              <a:rPr lang="en-US" sz="1000" b="1" dirty="0" err="1">
+                <a:solidFill>
+                  <a:schemeClr val="tx1"/>
+                </a:solidFill>
+                <a:latin typeface="Arial" panose="020B0604020202020204" pitchFamily="34" charset="0"/>
+                <a:cs typeface="Arial" panose="020B0604020202020204" pitchFamily="34" charset="0"/>
+              </a:rPr>
+              <a:t>m_color</a:t>
+            </a:r>
+            <a:endParaRPr lang="en-US" sz="1000" b="1" dirty="0">
+              <a:solidFill>
+                <a:schemeClr val="tx1"/>
+              </a:solidFill>
+              <a:latin typeface="Arial" panose="020B0604020202020204" pitchFamily="34" charset="0"/>
+              <a:cs typeface="Arial" panose="020B0604020202020204" pitchFamily="34" charset="0"/>
+            </a:endParaRPr>
+          </a:p>
+          <a:p>
+            <a:r>
+              <a:rPr lang="en-US" sz="1000" b="1" dirty="0" err="1">
+                <a:solidFill>
+                  <a:schemeClr val="tx1"/>
+                </a:solidFill>
+                <a:latin typeface="Arial" panose="020B0604020202020204" pitchFamily="34" charset="0"/>
+                <a:cs typeface="Arial" panose="020B0604020202020204" pitchFamily="34" charset="0"/>
+              </a:rPr>
+              <a:t>m_stroke_color</a:t>
+            </a:r>
+            <a:endParaRPr lang="en-US" sz="1000" b="1" dirty="0">
+              <a:solidFill>
+                <a:schemeClr val="tx1"/>
+              </a:solidFill>
+              <a:latin typeface="Arial" panose="020B0604020202020204" pitchFamily="34" charset="0"/>
+              <a:cs typeface="Arial" panose="020B0604020202020204" pitchFamily="34" charset="0"/>
+            </a:endParaRPr>
+          </a:p>
+          <a:p>
+            <a:r>
+              <a:rPr lang="en-US" sz="1000" b="1" dirty="0" err="1">
+                <a:solidFill>
+                  <a:schemeClr val="tx1"/>
+                </a:solidFill>
+                <a:latin typeface="Arial" panose="020B0604020202020204" pitchFamily="34" charset="0"/>
+                <a:cs typeface="Arial" panose="020B0604020202020204" pitchFamily="34" charset="0"/>
+              </a:rPr>
+              <a:t>m_stroke_width</a:t>
+            </a:r>
+            <a:endParaRPr lang="en-US" sz="1000" b="1" dirty="0">
+              <a:solidFill>
+                <a:schemeClr val="tx1"/>
+              </a:solidFill>
+              <a:latin typeface="Arial" panose="020B0604020202020204" pitchFamily="34" charset="0"/>
+              <a:cs typeface="Arial" panose="020B0604020202020204" pitchFamily="34" charset="0"/>
+            </a:endParaRPr>
+          </a:p>
+          <a:p>
+            <a:r>
+              <a:rPr lang="en-US" sz="1000" b="1" dirty="0" err="1">
+                <a:solidFill>
+                  <a:schemeClr val="tx1"/>
+                </a:solidFill>
+                <a:latin typeface="Arial" panose="020B0604020202020204" pitchFamily="34" charset="0"/>
+                <a:cs typeface="Arial" panose="020B0604020202020204" pitchFamily="34" charset="0"/>
+              </a:rPr>
+              <a:t>m_text_rel_x_procent</a:t>
+            </a:r>
+            <a:endParaRPr lang="en-US" sz="1000" b="1" dirty="0">
+              <a:solidFill>
+                <a:schemeClr val="tx1"/>
+              </a:solidFill>
+              <a:latin typeface="Arial" panose="020B0604020202020204" pitchFamily="34" charset="0"/>
+              <a:cs typeface="Arial" panose="020B0604020202020204" pitchFamily="34" charset="0"/>
+            </a:endParaRPr>
+          </a:p>
+          <a:p>
+            <a:r>
+              <a:rPr lang="en-US" sz="1000" b="1" dirty="0" err="1">
+                <a:solidFill>
+                  <a:schemeClr val="tx1"/>
+                </a:solidFill>
+                <a:latin typeface="Arial" panose="020B0604020202020204" pitchFamily="34" charset="0"/>
+                <a:cs typeface="Arial" panose="020B0604020202020204" pitchFamily="34" charset="0"/>
+              </a:rPr>
+              <a:t>m_text_rel_y_procent</a:t>
+            </a:r>
+            <a:endParaRPr lang="en-US" sz="1000" b="1" dirty="0">
+              <a:solidFill>
+                <a:schemeClr val="tx1"/>
+              </a:solidFill>
+              <a:latin typeface="Arial" panose="020B0604020202020204" pitchFamily="34" charset="0"/>
+              <a:cs typeface="Arial" panose="020B0604020202020204" pitchFamily="34" charset="0"/>
+            </a:endParaRPr>
+          </a:p>
+          <a:p>
+            <a:r>
+              <a:rPr lang="en-US" sz="1000" b="1" dirty="0" err="1">
+                <a:solidFill>
+                  <a:schemeClr val="tx1"/>
+                </a:solidFill>
+                <a:latin typeface="Arial" panose="020B0604020202020204" pitchFamily="34" charset="0"/>
+                <a:cs typeface="Arial" panose="020B0604020202020204" pitchFamily="34" charset="0"/>
+              </a:rPr>
+              <a:t>m_text_color</a:t>
+            </a:r>
+            <a:endParaRPr lang="en-US" sz="1000" b="1" dirty="0">
+              <a:solidFill>
+                <a:schemeClr val="tx1"/>
+              </a:solidFill>
+              <a:latin typeface="Arial" panose="020B0604020202020204" pitchFamily="34" charset="0"/>
+              <a:cs typeface="Arial" panose="020B0604020202020204" pitchFamily="34" charset="0"/>
+            </a:endParaRPr>
+          </a:p>
+          <a:p>
+            <a:r>
+              <a:rPr lang="en-US" sz="1000" b="1" dirty="0" err="1">
+                <a:solidFill>
+                  <a:schemeClr val="tx1"/>
+                </a:solidFill>
+                <a:latin typeface="Arial" panose="020B0604020202020204" pitchFamily="34" charset="0"/>
+                <a:cs typeface="Arial" panose="020B0604020202020204" pitchFamily="34" charset="0"/>
+              </a:rPr>
+              <a:t>m_svg_code</a:t>
+            </a:r>
+            <a:endParaRPr lang="en-US" sz="1000" b="1" dirty="0">
+              <a:solidFill>
+                <a:schemeClr val="tx1"/>
+              </a:solidFill>
+              <a:latin typeface="Arial" panose="020B0604020202020204" pitchFamily="34" charset="0"/>
+              <a:cs typeface="Arial" panose="020B0604020202020204" pitchFamily="34" charset="0"/>
+            </a:endParaRPr>
+          </a:p>
+          <a:p>
+            <a:endParaRPr lang="en-US" sz="1000" b="1" dirty="0">
+              <a:solidFill>
+                <a:schemeClr val="tx1"/>
+              </a:solidFill>
+              <a:latin typeface="Arial" panose="020B0604020202020204" pitchFamily="34" charset="0"/>
+              <a:cs typeface="Arial" panose="020B0604020202020204" pitchFamily="34" charset="0"/>
+            </a:endParaRPr>
+          </a:p>
+          <a:p>
+            <a:endParaRPr lang="en-US" sz="1000" b="1" dirty="0">
+              <a:solidFill>
+                <a:schemeClr val="tx1"/>
+              </a:solidFill>
+              <a:latin typeface="Arial" panose="020B0604020202020204" pitchFamily="34" charset="0"/>
+              <a:cs typeface="Arial" panose="020B0604020202020204" pitchFamily="34" charset="0"/>
+            </a:endParaRPr>
+          </a:p>
+          <a:p>
+            <a:r>
+              <a:rPr lang="en-US" sz="1200" dirty="0">
+                <a:solidFill>
+                  <a:schemeClr val="tx1"/>
+                </a:solidFill>
+                <a:latin typeface="Arial" panose="020B0604020202020204" pitchFamily="34" charset="0"/>
+                <a:cs typeface="Arial" panose="020B0604020202020204" pitchFamily="34" charset="0"/>
+              </a:rPr>
+              <a:t>Member functions</a:t>
+            </a:r>
+          </a:p>
+          <a:p>
+            <a:r>
+              <a:rPr lang="de-CH" sz="1000" b="1" dirty="0" err="1">
+                <a:solidFill>
+                  <a:schemeClr val="tx1"/>
+                </a:solidFill>
+                <a:latin typeface="Arial" panose="020B0604020202020204" pitchFamily="34" charset="0"/>
+                <a:cs typeface="Arial" panose="020B0604020202020204" pitchFamily="34" charset="0"/>
+              </a:rPr>
+              <a:t>execute</a:t>
+            </a:r>
+            <a:endParaRPr lang="de-CH" sz="1000" b="1" dirty="0">
+              <a:solidFill>
+                <a:schemeClr val="tx1"/>
+              </a:solidFill>
+              <a:latin typeface="Arial" panose="020B0604020202020204" pitchFamily="34" charset="0"/>
+              <a:cs typeface="Arial" panose="020B0604020202020204" pitchFamily="34" charset="0"/>
+            </a:endParaRPr>
+          </a:p>
+          <a:p>
+            <a:r>
+              <a:rPr lang="de-CH" sz="1000" b="1" dirty="0" err="1">
+                <a:solidFill>
+                  <a:schemeClr val="tx1"/>
+                </a:solidFill>
+                <a:latin typeface="Arial" panose="020B0604020202020204" pitchFamily="34" charset="0"/>
+                <a:cs typeface="Arial" panose="020B0604020202020204" pitchFamily="34" charset="0"/>
+              </a:rPr>
+              <a:t>get</a:t>
+            </a:r>
+            <a:endParaRPr lang="de-CH" sz="1000" b="1" dirty="0">
+              <a:solidFill>
+                <a:schemeClr val="tx1"/>
+              </a:solidFill>
+              <a:latin typeface="Arial" panose="020B0604020202020204" pitchFamily="34" charset="0"/>
+              <a:cs typeface="Arial" panose="020B0604020202020204" pitchFamily="34" charset="0"/>
+            </a:endParaRPr>
+          </a:p>
+          <a:p>
+            <a:endParaRPr lang="de-CH" sz="1000" b="1" dirty="0">
+              <a:solidFill>
+                <a:schemeClr val="tx1"/>
+              </a:solidFill>
+              <a:latin typeface="Arial" panose="020B0604020202020204" pitchFamily="34" charset="0"/>
+              <a:cs typeface="Arial" panose="020B0604020202020204" pitchFamily="34" charset="0"/>
+            </a:endParaRPr>
+          </a:p>
+          <a:p>
+            <a:r>
+              <a:rPr lang="de-CH" sz="1000" b="1" dirty="0" err="1">
+                <a:solidFill>
+                  <a:schemeClr val="tx1"/>
+                </a:solidFill>
+                <a:latin typeface="Arial" panose="020B0604020202020204" pitchFamily="34" charset="0"/>
+                <a:cs typeface="Arial" panose="020B0604020202020204" pitchFamily="34" charset="0"/>
+              </a:rPr>
+              <a:t>setGeneralData</a:t>
+            </a:r>
+            <a:endParaRPr lang="de-CH" sz="1000" b="1" dirty="0">
+              <a:solidFill>
+                <a:schemeClr val="tx1"/>
+              </a:solidFill>
+              <a:latin typeface="Arial" panose="020B0604020202020204" pitchFamily="34" charset="0"/>
+              <a:cs typeface="Arial" panose="020B0604020202020204" pitchFamily="34" charset="0"/>
+            </a:endParaRPr>
+          </a:p>
+          <a:p>
+            <a:r>
+              <a:rPr lang="de-CH" sz="1000" b="1" dirty="0" err="1">
+                <a:solidFill>
+                  <a:schemeClr val="tx1"/>
+                </a:solidFill>
+                <a:latin typeface="Arial" panose="020B0604020202020204" pitchFamily="34" charset="0"/>
+                <a:cs typeface="Arial" panose="020B0604020202020204" pitchFamily="34" charset="0"/>
+              </a:rPr>
+              <a:t>oneTable</a:t>
+            </a:r>
+            <a:endParaRPr lang="de-CH" sz="1000" b="1" dirty="0">
+              <a:solidFill>
+                <a:schemeClr val="tx1"/>
+              </a:solidFill>
+              <a:latin typeface="Arial" panose="020B0604020202020204" pitchFamily="34" charset="0"/>
+              <a:cs typeface="Arial" panose="020B0604020202020204" pitchFamily="34" charset="0"/>
+            </a:endParaRPr>
+          </a:p>
+          <a:p>
+            <a:r>
+              <a:rPr lang="de-CH" sz="1000" b="1" dirty="0" err="1">
+                <a:solidFill>
+                  <a:schemeClr val="tx1"/>
+                </a:solidFill>
+                <a:latin typeface="Arial" panose="020B0604020202020204" pitchFamily="34" charset="0"/>
+                <a:cs typeface="Arial" panose="020B0604020202020204" pitchFamily="34" charset="0"/>
+              </a:rPr>
+              <a:t>tableRectangle</a:t>
+            </a:r>
+            <a:endParaRPr lang="de-CH" sz="1000" b="1" dirty="0">
+              <a:solidFill>
+                <a:schemeClr val="tx1"/>
+              </a:solidFill>
+              <a:latin typeface="Arial" panose="020B0604020202020204" pitchFamily="34" charset="0"/>
+              <a:cs typeface="Arial" panose="020B0604020202020204" pitchFamily="34" charset="0"/>
+            </a:endParaRPr>
+          </a:p>
+          <a:p>
+            <a:r>
+              <a:rPr lang="de-CH" sz="1000" b="1" dirty="0" err="1">
+                <a:solidFill>
+                  <a:schemeClr val="tx1"/>
+                </a:solidFill>
+                <a:latin typeface="Arial" panose="020B0604020202020204" pitchFamily="34" charset="0"/>
+                <a:cs typeface="Arial" panose="020B0604020202020204" pitchFamily="34" charset="0"/>
+              </a:rPr>
+              <a:t>tableText</a:t>
+            </a:r>
+            <a:endParaRPr lang="de-CH" sz="1000" b="1" dirty="0">
+              <a:solidFill>
+                <a:schemeClr val="tx1"/>
+              </a:solidFill>
+              <a:latin typeface="Arial" panose="020B0604020202020204" pitchFamily="34" charset="0"/>
+              <a:cs typeface="Arial" panose="020B0604020202020204" pitchFamily="34" charset="0"/>
+            </a:endParaRPr>
+          </a:p>
+          <a:p>
+            <a:r>
+              <a:rPr lang="de-CH" sz="1000" b="1" dirty="0" err="1">
+                <a:solidFill>
+                  <a:schemeClr val="tx1"/>
+                </a:solidFill>
+                <a:latin typeface="Arial" panose="020B0604020202020204" pitchFamily="34" charset="0"/>
+                <a:cs typeface="Arial" panose="020B0604020202020204" pitchFamily="34" charset="0"/>
+              </a:rPr>
+              <a:t>allSeats</a:t>
+            </a:r>
+            <a:endParaRPr lang="de-CH" sz="1000" b="1" dirty="0">
+              <a:solidFill>
+                <a:schemeClr val="tx1"/>
+              </a:solidFill>
+              <a:latin typeface="Arial" panose="020B0604020202020204" pitchFamily="34" charset="0"/>
+              <a:cs typeface="Arial" panose="020B0604020202020204" pitchFamily="34" charset="0"/>
+            </a:endParaRPr>
+          </a:p>
+          <a:p>
+            <a:r>
+              <a:rPr lang="de-CH" sz="1000" b="1" dirty="0" err="1">
+                <a:solidFill>
+                  <a:schemeClr val="tx1"/>
+                </a:solidFill>
+                <a:latin typeface="Arial" panose="020B0604020202020204" pitchFamily="34" charset="0"/>
+                <a:cs typeface="Arial" panose="020B0604020202020204" pitchFamily="34" charset="0"/>
+              </a:rPr>
+              <a:t>twoSeats</a:t>
+            </a:r>
+            <a:endParaRPr lang="de-CH" sz="1000" b="1" dirty="0">
+              <a:solidFill>
+                <a:schemeClr val="tx1"/>
+              </a:solidFill>
+              <a:latin typeface="Arial" panose="020B0604020202020204" pitchFamily="34" charset="0"/>
+              <a:cs typeface="Arial" panose="020B0604020202020204" pitchFamily="34" charset="0"/>
+            </a:endParaRPr>
+          </a:p>
+          <a:p>
+            <a:r>
+              <a:rPr lang="de-CH" sz="1000" b="1" dirty="0" err="1">
+                <a:solidFill>
+                  <a:schemeClr val="tx1"/>
+                </a:solidFill>
+                <a:latin typeface="Arial" panose="020B0604020202020204" pitchFamily="34" charset="0"/>
+                <a:cs typeface="Arial" panose="020B0604020202020204" pitchFamily="34" charset="0"/>
+              </a:rPr>
+              <a:t>oneSeat</a:t>
+            </a:r>
+            <a:endParaRPr lang="de-CH" sz="1000" b="1" dirty="0">
+              <a:solidFill>
+                <a:schemeClr val="tx1"/>
+              </a:solidFill>
+              <a:latin typeface="Arial" panose="020B0604020202020204" pitchFamily="34" charset="0"/>
+              <a:cs typeface="Arial" panose="020B0604020202020204" pitchFamily="34" charset="0"/>
+            </a:endParaRPr>
+          </a:p>
+          <a:p>
+            <a:r>
+              <a:rPr lang="de-CH" sz="1000" b="1" dirty="0" err="1">
+                <a:solidFill>
+                  <a:schemeClr val="tx1"/>
+                </a:solidFill>
+                <a:latin typeface="Arial" panose="020B0604020202020204" pitchFamily="34" charset="0"/>
+                <a:cs typeface="Arial" panose="020B0604020202020204" pitchFamily="34" charset="0"/>
+              </a:rPr>
+              <a:t>circleEventFunction</a:t>
+            </a:r>
+            <a:endParaRPr lang="de-CH" sz="1000" b="1" dirty="0">
+              <a:solidFill>
+                <a:schemeClr val="tx1"/>
+              </a:solidFill>
+              <a:latin typeface="Arial" panose="020B0604020202020204" pitchFamily="34" charset="0"/>
+              <a:cs typeface="Arial" panose="020B0604020202020204" pitchFamily="34" charset="0"/>
+            </a:endParaRPr>
+          </a:p>
+          <a:p>
+            <a:r>
+              <a:rPr lang="de-CH" sz="1000" b="1" dirty="0" err="1">
+                <a:solidFill>
+                  <a:schemeClr val="tx1"/>
+                </a:solidFill>
+                <a:latin typeface="Arial" panose="020B0604020202020204" pitchFamily="34" charset="0"/>
+                <a:cs typeface="Arial" panose="020B0604020202020204" pitchFamily="34" charset="0"/>
+              </a:rPr>
+              <a:t>circleRadius</a:t>
+            </a:r>
+            <a:endParaRPr lang="de-CH" sz="1000" b="1" dirty="0">
+              <a:solidFill>
+                <a:schemeClr val="tx1"/>
+              </a:solidFill>
+              <a:latin typeface="Arial" panose="020B0604020202020204" pitchFamily="34" charset="0"/>
+              <a:cs typeface="Arial" panose="020B0604020202020204" pitchFamily="34" charset="0"/>
+            </a:endParaRPr>
+          </a:p>
+          <a:p>
+            <a:r>
+              <a:rPr lang="de-CH" sz="1000" b="1" dirty="0" err="1">
+                <a:solidFill>
+                  <a:schemeClr val="tx1"/>
+                </a:solidFill>
+                <a:latin typeface="Arial" panose="020B0604020202020204" pitchFamily="34" charset="0"/>
+                <a:cs typeface="Arial" panose="020B0604020202020204" pitchFamily="34" charset="0"/>
+              </a:rPr>
+              <a:t>getCirclePixelCoordinatesX</a:t>
+            </a:r>
+            <a:endParaRPr lang="de-CH" sz="1000" b="1" dirty="0">
+              <a:solidFill>
+                <a:schemeClr val="tx1"/>
+              </a:solidFill>
+              <a:latin typeface="Arial" panose="020B0604020202020204" pitchFamily="34" charset="0"/>
+              <a:cs typeface="Arial" panose="020B0604020202020204" pitchFamily="34" charset="0"/>
+            </a:endParaRPr>
+          </a:p>
+          <a:p>
+            <a:r>
+              <a:rPr lang="de-CH" sz="1000" b="1" dirty="0" err="1">
+                <a:solidFill>
+                  <a:schemeClr val="tx1"/>
+                </a:solidFill>
+                <a:latin typeface="Arial" panose="020B0604020202020204" pitchFamily="34" charset="0"/>
+                <a:cs typeface="Arial" panose="020B0604020202020204" pitchFamily="34" charset="0"/>
+              </a:rPr>
+              <a:t>getCirclePixelCoordinatesY</a:t>
+            </a:r>
+            <a:endParaRPr lang="de-CH" sz="1000" b="1" dirty="0">
+              <a:solidFill>
+                <a:schemeClr val="tx1"/>
+              </a:solidFill>
+              <a:latin typeface="Arial" panose="020B0604020202020204" pitchFamily="34" charset="0"/>
+              <a:cs typeface="Arial" panose="020B0604020202020204" pitchFamily="34" charset="0"/>
+            </a:endParaRPr>
+          </a:p>
+          <a:p>
+            <a:r>
+              <a:rPr lang="de-CH" sz="1000" b="1" dirty="0" err="1">
+                <a:solidFill>
+                  <a:schemeClr val="tx1"/>
+                </a:solidFill>
+                <a:latin typeface="Arial" panose="020B0604020202020204" pitchFamily="34" charset="0"/>
+                <a:cs typeface="Arial" panose="020B0604020202020204" pitchFamily="34" charset="0"/>
+              </a:rPr>
+              <a:t>getSeatCharacterLeft</a:t>
+            </a:r>
+            <a:endParaRPr lang="de-CH" sz="1000" b="1" dirty="0">
+              <a:solidFill>
+                <a:schemeClr val="tx1"/>
+              </a:solidFill>
+              <a:latin typeface="Arial" panose="020B0604020202020204" pitchFamily="34" charset="0"/>
+              <a:cs typeface="Arial" panose="020B0604020202020204" pitchFamily="34" charset="0"/>
+            </a:endParaRPr>
+          </a:p>
+          <a:p>
+            <a:r>
+              <a:rPr lang="de-CH" sz="1000" b="1" dirty="0" err="1">
+                <a:solidFill>
+                  <a:schemeClr val="tx1"/>
+                </a:solidFill>
+                <a:latin typeface="Arial" panose="020B0604020202020204" pitchFamily="34" charset="0"/>
+                <a:cs typeface="Arial" panose="020B0604020202020204" pitchFamily="34" charset="0"/>
+              </a:rPr>
+              <a:t>getSeatCharacterRight</a:t>
+            </a:r>
+            <a:endParaRPr lang="de-CH" sz="1000" b="1" dirty="0">
+              <a:solidFill>
+                <a:schemeClr val="tx1"/>
+              </a:solidFill>
+              <a:latin typeface="Arial" panose="020B0604020202020204" pitchFamily="34" charset="0"/>
+              <a:cs typeface="Arial" panose="020B0604020202020204" pitchFamily="34" charset="0"/>
+            </a:endParaRPr>
+          </a:p>
+          <a:p>
+            <a:endParaRPr lang="de-CH" sz="1000" b="1" dirty="0">
+              <a:solidFill>
+                <a:schemeClr val="tx1"/>
+              </a:solidFill>
+              <a:latin typeface="Arial" panose="020B0604020202020204" pitchFamily="34" charset="0"/>
+              <a:cs typeface="Arial" panose="020B0604020202020204" pitchFamily="34" charset="0"/>
+            </a:endParaRPr>
+          </a:p>
+        </p:txBody>
+      </p:sp>
+      <p:sp>
+        <p:nvSpPr>
+          <p:cNvPr id="18" name="Textfeld 17">
+            <a:extLst>
+              <a:ext uri="{FF2B5EF4-FFF2-40B4-BE49-F238E27FC236}">
+                <a16:creationId xmlns:a16="http://schemas.microsoft.com/office/drawing/2014/main" id="{83B0BB8F-8213-8CDA-01F8-7589C1969D26}"/>
+              </a:ext>
+            </a:extLst>
+          </p:cNvPr>
+          <p:cNvSpPr txBox="1"/>
+          <p:nvPr/>
+        </p:nvSpPr>
+        <p:spPr>
+          <a:xfrm>
+            <a:off x="0" y="173506"/>
+            <a:ext cx="12192000" cy="369332"/>
+          </a:xfrm>
+          <a:prstGeom prst="rect">
+            <a:avLst/>
+          </a:prstGeom>
+          <a:noFill/>
+        </p:spPr>
+        <p:txBody>
+          <a:bodyPr wrap="square">
+            <a:spAutoFit/>
+          </a:bodyPr>
+          <a:lstStyle/>
+          <a:p>
+            <a:pPr algn="ctr"/>
+            <a:r>
+              <a:rPr lang="de-CH" b="1" dirty="0">
+                <a:latin typeface="Arial" panose="020B0604020202020204" pitchFamily="34" charset="0"/>
+                <a:cs typeface="Arial" panose="020B0604020202020204" pitchFamily="34" charset="0"/>
+              </a:rPr>
+              <a:t>ReservationLayoutSvg.js</a:t>
+            </a:r>
+          </a:p>
+        </p:txBody>
+      </p:sp>
+    </p:spTree>
+    <p:extLst>
+      <p:ext uri="{BB962C8B-B14F-4D97-AF65-F5344CB8AC3E}">
+        <p14:creationId xmlns:p14="http://schemas.microsoft.com/office/powerpoint/2010/main" val="3405983762"/>
+      </p:ext>
+    </p:extLst>
+  </p:cSld>
+  <p:clrMapOvr>
+    <a:masterClrMapping/>
+  </p:clrMapOvr>
+</p:sld>
+</file>
+
+<file path=ppt/slides/slide7.xml><?xml version="1.0" encoding="utf-8"?>
+<p:sld xmlns:a="http://schemas.openxmlformats.org/drawingml/2006/main" xmlns:r="http://schemas.openxmlformats.org/officeDocument/2006/relationships" xmlns:p="http://schemas.openxmlformats.org/presentationml/2006/main">
+  <p:cSld>
+    <p:spTree>
+      <p:nvGrpSpPr>
+        <p:cNvPr id="1" name=""/>
+        <p:cNvGrpSpPr/>
+        <p:nvPr/>
+      </p:nvGrpSpPr>
+      <p:grpSpPr>
+        <a:xfrm>
+          <a:off x="0" y="0"/>
+          <a:ext cx="0" cy="0"/>
+          <a:chOff x="0" y="0"/>
+          <a:chExt cx="0" cy="0"/>
+        </a:xfrm>
+      </p:grpSpPr>
+      <p:sp>
+        <p:nvSpPr>
+          <p:cNvPr id="2" name="Rechteck 1">
+            <a:extLst>
+              <a:ext uri="{FF2B5EF4-FFF2-40B4-BE49-F238E27FC236}">
                 <a16:creationId xmlns:a16="http://schemas.microsoft.com/office/drawing/2014/main" id="{52595105-FEFA-4CD5-B185-8A4714FF18D1}"/>
               </a:ext>
             </a:extLst>
@@ -7932,7 +15646,7 @@
 </p:sld>
 </file>
 
-<file path=ppt/slides/slide5.xml><?xml version="1.0" encoding="utf-8"?>
+<file path=ppt/slides/slide8.xml><?xml version="1.0" encoding="utf-8"?>
 <p:sld xmlns:a="http://schemas.openxmlformats.org/drawingml/2006/main" xmlns:r="http://schemas.openxmlformats.org/officeDocument/2006/relationships" xmlns:p="http://schemas.openxmlformats.org/presentationml/2006/main">
   <p:cSld>
     <p:spTree>
@@ -7992,37 +15706,7 @@
 </p:sld>
 </file>
 
-<file path=ppt/slides/slide6.xml><?xml version="1.0" encoding="utf-8"?>
-<p:sld xmlns:a="http://schemas.openxmlformats.org/drawingml/2006/main" xmlns:r="http://schemas.openxmlformats.org/officeDocument/2006/relationships" xmlns:p="http://schemas.openxmlformats.org/presentationml/2006/main">
-  <p:cSld>
-    <p:spTree>
-      <p:nvGrpSpPr>
-        <p:cNvPr id="1" name=""/>
-        <p:cNvGrpSpPr/>
-        <p:nvPr/>
-      </p:nvGrpSpPr>
-      <p:grpSpPr>
-        <a:xfrm>
-          <a:off x="0" y="0"/>
-          <a:ext cx="0" cy="0"/>
-          <a:chOff x="0" y="0"/>
-          <a:chExt cx="0" cy="0"/>
-        </a:xfrm>
-      </p:grpSpPr>
-    </p:spTree>
-    <p:extLst>
-      <p:ext uri="{BB962C8B-B14F-4D97-AF65-F5344CB8AC3E}">
-        <p14:creationId xmlns:p14="http://schemas.microsoft.com/office/powerpoint/2010/main" val="2987062777"/>
-      </p:ext>
-    </p:extLst>
-  </p:cSld>
-  <p:clrMapOvr>
-    <a:masterClrMapping/>
-  </p:clrMapOvr>
-</p:sld>
-</file>
-
-<file path=ppt/slides/slide7.xml><?xml version="1.0" encoding="utf-8"?>
+<file path=ppt/slides/slide9.xml><?xml version="1.0" encoding="utf-8"?>
 <p:sld xmlns:a="http://schemas.openxmlformats.org/drawingml/2006/main" xmlns:r="http://schemas.openxmlformats.org/officeDocument/2006/relationships" xmlns:p="http://schemas.openxmlformats.org/presentationml/2006/main">
   <p:cSld>
     <p:spTree>

--- a/Description/ReservationLayout.pptx
+++ b/Description/ReservationLayout.pptx
@@ -11,9 +11,10 @@
     <p:sldId id="284" r:id="rId5"/>
     <p:sldId id="286" r:id="rId6"/>
     <p:sldId id="287" r:id="rId7"/>
-    <p:sldId id="265" r:id="rId8"/>
-    <p:sldId id="266" r:id="rId9"/>
-    <p:sldId id="285" r:id="rId10"/>
+    <p:sldId id="288" r:id="rId8"/>
+    <p:sldId id="265" r:id="rId9"/>
+    <p:sldId id="266" r:id="rId10"/>
+    <p:sldId id="285" r:id="rId11"/>
   </p:sldIdLst>
   <p:sldSz cx="12192000" cy="6858000"/>
   <p:notesSz cx="6661150" cy="9866313"/>
@@ -274,7 +275,7 @@
           <a:p>
             <a:fld id="{DDCE6D58-9B57-4731-A47B-3CD41B48F0A9}" type="datetimeFigureOut">
               <a:rPr lang="de-CH" smtClean="0"/>
-              <a:t>04.12.2024</a:t>
+              <a:t>05.12.2024</a:t>
             </a:fld>
             <a:endParaRPr lang="de-CH"/>
           </a:p>
@@ -444,7 +445,7 @@
           <a:p>
             <a:fld id="{DDCE6D58-9B57-4731-A47B-3CD41B48F0A9}" type="datetimeFigureOut">
               <a:rPr lang="de-CH" smtClean="0"/>
-              <a:t>04.12.2024</a:t>
+              <a:t>05.12.2024</a:t>
             </a:fld>
             <a:endParaRPr lang="de-CH"/>
           </a:p>
@@ -624,7 +625,7 @@
           <a:p>
             <a:fld id="{DDCE6D58-9B57-4731-A47B-3CD41B48F0A9}" type="datetimeFigureOut">
               <a:rPr lang="de-CH" smtClean="0"/>
-              <a:t>04.12.2024</a:t>
+              <a:t>05.12.2024</a:t>
             </a:fld>
             <a:endParaRPr lang="de-CH"/>
           </a:p>
@@ -794,7 +795,7 @@
           <a:p>
             <a:fld id="{DDCE6D58-9B57-4731-A47B-3CD41B48F0A9}" type="datetimeFigureOut">
               <a:rPr lang="de-CH" smtClean="0"/>
-              <a:t>04.12.2024</a:t>
+              <a:t>05.12.2024</a:t>
             </a:fld>
             <a:endParaRPr lang="de-CH"/>
           </a:p>
@@ -1040,7 +1041,7 @@
           <a:p>
             <a:fld id="{DDCE6D58-9B57-4731-A47B-3CD41B48F0A9}" type="datetimeFigureOut">
               <a:rPr lang="de-CH" smtClean="0"/>
-              <a:t>04.12.2024</a:t>
+              <a:t>05.12.2024</a:t>
             </a:fld>
             <a:endParaRPr lang="de-CH"/>
           </a:p>
@@ -1272,7 +1273,7 @@
           <a:p>
             <a:fld id="{DDCE6D58-9B57-4731-A47B-3CD41B48F0A9}" type="datetimeFigureOut">
               <a:rPr lang="de-CH" smtClean="0"/>
-              <a:t>04.12.2024</a:t>
+              <a:t>05.12.2024</a:t>
             </a:fld>
             <a:endParaRPr lang="de-CH"/>
           </a:p>
@@ -1639,7 +1640,7 @@
           <a:p>
             <a:fld id="{DDCE6D58-9B57-4731-A47B-3CD41B48F0A9}" type="datetimeFigureOut">
               <a:rPr lang="de-CH" smtClean="0"/>
-              <a:t>04.12.2024</a:t>
+              <a:t>05.12.2024</a:t>
             </a:fld>
             <a:endParaRPr lang="de-CH"/>
           </a:p>
@@ -1757,7 +1758,7 @@
           <a:p>
             <a:fld id="{DDCE6D58-9B57-4731-A47B-3CD41B48F0A9}" type="datetimeFigureOut">
               <a:rPr lang="de-CH" smtClean="0"/>
-              <a:t>04.12.2024</a:t>
+              <a:t>05.12.2024</a:t>
             </a:fld>
             <a:endParaRPr lang="de-CH"/>
           </a:p>
@@ -1852,7 +1853,7 @@
           <a:p>
             <a:fld id="{DDCE6D58-9B57-4731-A47B-3CD41B48F0A9}" type="datetimeFigureOut">
               <a:rPr lang="de-CH" smtClean="0"/>
-              <a:t>04.12.2024</a:t>
+              <a:t>05.12.2024</a:t>
             </a:fld>
             <a:endParaRPr lang="de-CH"/>
           </a:p>
@@ -2129,7 +2130,7 @@
           <a:p>
             <a:fld id="{DDCE6D58-9B57-4731-A47B-3CD41B48F0A9}" type="datetimeFigureOut">
               <a:rPr lang="de-CH" smtClean="0"/>
-              <a:t>04.12.2024</a:t>
+              <a:t>05.12.2024</a:t>
             </a:fld>
             <a:endParaRPr lang="de-CH"/>
           </a:p>
@@ -2382,7 +2383,7 @@
           <a:p>
             <a:fld id="{DDCE6D58-9B57-4731-A47B-3CD41B48F0A9}" type="datetimeFigureOut">
               <a:rPr lang="de-CH" smtClean="0"/>
-              <a:t>04.12.2024</a:t>
+              <a:t>05.12.2024</a:t>
             </a:fld>
             <a:endParaRPr lang="de-CH"/>
           </a:p>
@@ -2595,7 +2596,7 @@
           <a:p>
             <a:fld id="{DDCE6D58-9B57-4731-A47B-3CD41B48F0A9}" type="datetimeFigureOut">
               <a:rPr lang="de-CH" smtClean="0"/>
-              <a:t>04.12.2024</a:t>
+              <a:t>05.12.2024</a:t>
             </a:fld>
             <a:endParaRPr lang="de-CH"/>
           </a:p>
@@ -4040,6 +4041,36 @@
 </p:sld>
 </file>
 
+<file path=ppt/slides/slide10.xml><?xml version="1.0" encoding="utf-8"?>
+<p:sld xmlns:a="http://schemas.openxmlformats.org/drawingml/2006/main" xmlns:r="http://schemas.openxmlformats.org/officeDocument/2006/relationships" xmlns:p="http://schemas.openxmlformats.org/presentationml/2006/main">
+  <p:cSld>
+    <p:spTree>
+      <p:nvGrpSpPr>
+        <p:cNvPr id="1" name=""/>
+        <p:cNvGrpSpPr/>
+        <p:nvPr/>
+      </p:nvGrpSpPr>
+      <p:grpSpPr>
+        <a:xfrm>
+          <a:off x="0" y="0"/>
+          <a:ext cx="0" cy="0"/>
+          <a:chOff x="0" y="0"/>
+          <a:chExt cx="0" cy="0"/>
+        </a:xfrm>
+      </p:grpSpPr>
+    </p:spTree>
+    <p:extLst>
+      <p:ext uri="{BB962C8B-B14F-4D97-AF65-F5344CB8AC3E}">
+        <p14:creationId xmlns:p14="http://schemas.microsoft.com/office/powerpoint/2010/main" val="2699061922"/>
+      </p:ext>
+    </p:extLst>
+  </p:cSld>
+  <p:clrMapOvr>
+    <a:masterClrMapping/>
+  </p:clrMapOvr>
+</p:sld>
+</file>
+
 <file path=ppt/slides/slide2.xml><?xml version="1.0" encoding="utf-8"?>
 <p:sld xmlns:a="http://schemas.openxmlformats.org/drawingml/2006/main" xmlns:r="http://schemas.openxmlformats.org/officeDocument/2006/relationships" xmlns:p="http://schemas.openxmlformats.org/presentationml/2006/main">
   <p:cSld>
@@ -15414,6 +15445,36 @@
           <a:chExt cx="0" cy="0"/>
         </a:xfrm>
       </p:grpSpPr>
+    </p:spTree>
+    <p:extLst>
+      <p:ext uri="{BB962C8B-B14F-4D97-AF65-F5344CB8AC3E}">
+        <p14:creationId xmlns:p14="http://schemas.microsoft.com/office/powerpoint/2010/main" val="1389259899"/>
+      </p:ext>
+    </p:extLst>
+  </p:cSld>
+  <p:clrMapOvr>
+    <a:masterClrMapping/>
+  </p:clrMapOvr>
+</p:sld>
+</file>
+
+<file path=ppt/slides/slide8.xml><?xml version="1.0" encoding="utf-8"?>
+<p:sld xmlns:a="http://schemas.openxmlformats.org/drawingml/2006/main" xmlns:r="http://schemas.openxmlformats.org/officeDocument/2006/relationships" xmlns:p="http://schemas.openxmlformats.org/presentationml/2006/main">
+  <p:cSld>
+    <p:spTree>
+      <p:nvGrpSpPr>
+        <p:cNvPr id="1" name=""/>
+        <p:cNvGrpSpPr/>
+        <p:nvPr/>
+      </p:nvGrpSpPr>
+      <p:grpSpPr>
+        <a:xfrm>
+          <a:off x="0" y="0"/>
+          <a:ext cx="0" cy="0"/>
+          <a:chOff x="0" y="0"/>
+          <a:chExt cx="0" cy="0"/>
+        </a:xfrm>
+      </p:grpSpPr>
       <p:sp>
         <p:nvSpPr>
           <p:cNvPr id="2" name="Rechteck 1">
@@ -15646,7 +15707,7 @@
 </p:sld>
 </file>
 
-<file path=ppt/slides/slide8.xml><?xml version="1.0" encoding="utf-8"?>
+<file path=ppt/slides/slide9.xml><?xml version="1.0" encoding="utf-8"?>
 <p:sld xmlns:a="http://schemas.openxmlformats.org/drawingml/2006/main" xmlns:r="http://schemas.openxmlformats.org/officeDocument/2006/relationships" xmlns:p="http://schemas.openxmlformats.org/presentationml/2006/main">
   <p:cSld>
     <p:spTree>
@@ -15697,36 +15758,6 @@
     <p:extLst>
       <p:ext uri="{BB962C8B-B14F-4D97-AF65-F5344CB8AC3E}">
         <p14:creationId xmlns:p14="http://schemas.microsoft.com/office/powerpoint/2010/main" val="2444453286"/>
-      </p:ext>
-    </p:extLst>
-  </p:cSld>
-  <p:clrMapOvr>
-    <a:masterClrMapping/>
-  </p:clrMapOvr>
-</p:sld>
-</file>
-
-<file path=ppt/slides/slide9.xml><?xml version="1.0" encoding="utf-8"?>
-<p:sld xmlns:a="http://schemas.openxmlformats.org/drawingml/2006/main" xmlns:r="http://schemas.openxmlformats.org/officeDocument/2006/relationships" xmlns:p="http://schemas.openxmlformats.org/presentationml/2006/main">
-  <p:cSld>
-    <p:spTree>
-      <p:nvGrpSpPr>
-        <p:cNvPr id="1" name=""/>
-        <p:cNvGrpSpPr/>
-        <p:nvPr/>
-      </p:nvGrpSpPr>
-      <p:grpSpPr>
-        <a:xfrm>
-          <a:off x="0" y="0"/>
-          <a:ext cx="0" cy="0"/>
-          <a:chOff x="0" y="0"/>
-          <a:chExt cx="0" cy="0"/>
-        </a:xfrm>
-      </p:grpSpPr>
-    </p:spTree>
-    <p:extLst>
-      <p:ext uri="{BB962C8B-B14F-4D97-AF65-F5344CB8AC3E}">
-        <p14:creationId xmlns:p14="http://schemas.microsoft.com/office/powerpoint/2010/main" val="2699061922"/>
       </p:ext>
     </p:extLst>
   </p:cSld>

--- a/Description/ReservationLayout.pptx
+++ b/Description/ReservationLayout.pptx
@@ -276,7 +276,7 @@
           <a:p>
             <a:fld id="{DDCE6D58-9B57-4731-A47B-3CD41B48F0A9}" type="datetimeFigureOut">
               <a:rPr lang="de-CH" smtClean="0"/>
-              <a:t>06.12.2024</a:t>
+              <a:t>08.12.2024</a:t>
             </a:fld>
             <a:endParaRPr lang="de-CH"/>
           </a:p>
@@ -446,7 +446,7 @@
           <a:p>
             <a:fld id="{DDCE6D58-9B57-4731-A47B-3CD41B48F0A9}" type="datetimeFigureOut">
               <a:rPr lang="de-CH" smtClean="0"/>
-              <a:t>06.12.2024</a:t>
+              <a:t>08.12.2024</a:t>
             </a:fld>
             <a:endParaRPr lang="de-CH"/>
           </a:p>
@@ -626,7 +626,7 @@
           <a:p>
             <a:fld id="{DDCE6D58-9B57-4731-A47B-3CD41B48F0A9}" type="datetimeFigureOut">
               <a:rPr lang="de-CH" smtClean="0"/>
-              <a:t>06.12.2024</a:t>
+              <a:t>08.12.2024</a:t>
             </a:fld>
             <a:endParaRPr lang="de-CH"/>
           </a:p>
@@ -796,7 +796,7 @@
           <a:p>
             <a:fld id="{DDCE6D58-9B57-4731-A47B-3CD41B48F0A9}" type="datetimeFigureOut">
               <a:rPr lang="de-CH" smtClean="0"/>
-              <a:t>06.12.2024</a:t>
+              <a:t>08.12.2024</a:t>
             </a:fld>
             <a:endParaRPr lang="de-CH"/>
           </a:p>
@@ -1042,7 +1042,7 @@
           <a:p>
             <a:fld id="{DDCE6D58-9B57-4731-A47B-3CD41B48F0A9}" type="datetimeFigureOut">
               <a:rPr lang="de-CH" smtClean="0"/>
-              <a:t>06.12.2024</a:t>
+              <a:t>08.12.2024</a:t>
             </a:fld>
             <a:endParaRPr lang="de-CH"/>
           </a:p>
@@ -1274,7 +1274,7 @@
           <a:p>
             <a:fld id="{DDCE6D58-9B57-4731-A47B-3CD41B48F0A9}" type="datetimeFigureOut">
               <a:rPr lang="de-CH" smtClean="0"/>
-              <a:t>06.12.2024</a:t>
+              <a:t>08.12.2024</a:t>
             </a:fld>
             <a:endParaRPr lang="de-CH"/>
           </a:p>
@@ -1641,7 +1641,7 @@
           <a:p>
             <a:fld id="{DDCE6D58-9B57-4731-A47B-3CD41B48F0A9}" type="datetimeFigureOut">
               <a:rPr lang="de-CH" smtClean="0"/>
-              <a:t>06.12.2024</a:t>
+              <a:t>08.12.2024</a:t>
             </a:fld>
             <a:endParaRPr lang="de-CH"/>
           </a:p>
@@ -1759,7 +1759,7 @@
           <a:p>
             <a:fld id="{DDCE6D58-9B57-4731-A47B-3CD41B48F0A9}" type="datetimeFigureOut">
               <a:rPr lang="de-CH" smtClean="0"/>
-              <a:t>06.12.2024</a:t>
+              <a:t>08.12.2024</a:t>
             </a:fld>
             <a:endParaRPr lang="de-CH"/>
           </a:p>
@@ -1854,7 +1854,7 @@
           <a:p>
             <a:fld id="{DDCE6D58-9B57-4731-A47B-3CD41B48F0A9}" type="datetimeFigureOut">
               <a:rPr lang="de-CH" smtClean="0"/>
-              <a:t>06.12.2024</a:t>
+              <a:t>08.12.2024</a:t>
             </a:fld>
             <a:endParaRPr lang="de-CH"/>
           </a:p>
@@ -2131,7 +2131,7 @@
           <a:p>
             <a:fld id="{DDCE6D58-9B57-4731-A47B-3CD41B48F0A9}" type="datetimeFigureOut">
               <a:rPr lang="de-CH" smtClean="0"/>
-              <a:t>06.12.2024</a:t>
+              <a:t>08.12.2024</a:t>
             </a:fld>
             <a:endParaRPr lang="de-CH"/>
           </a:p>
@@ -2384,7 +2384,7 @@
           <a:p>
             <a:fld id="{DDCE6D58-9B57-4731-A47B-3CD41B48F0A9}" type="datetimeFigureOut">
               <a:rPr lang="de-CH" smtClean="0"/>
-              <a:t>06.12.2024</a:t>
+              <a:t>08.12.2024</a:t>
             </a:fld>
             <a:endParaRPr lang="de-CH"/>
           </a:p>
@@ -2597,7 +2597,7 @@
           <a:p>
             <a:fld id="{DDCE6D58-9B57-4731-A47B-3CD41B48F0A9}" type="datetimeFigureOut">
               <a:rPr lang="de-CH" smtClean="0"/>
-              <a:t>06.12.2024</a:t>
+              <a:t>08.12.2024</a:t>
             </a:fld>
             <a:endParaRPr lang="de-CH"/>
           </a:p>
@@ -4029,6 +4029,66 @@
           </a:p>
         </p:txBody>
       </p:sp>
+      <p:sp>
+        <p:nvSpPr>
+          <p:cNvPr id="3" name="Rechteck 2">
+            <a:extLst>
+              <a:ext uri="{FF2B5EF4-FFF2-40B4-BE49-F238E27FC236}">
+                <a16:creationId xmlns:a16="http://schemas.microsoft.com/office/drawing/2014/main" id="{015C8146-9AF8-AA1D-33F2-A86F90B0D083}"/>
+              </a:ext>
+            </a:extLst>
+          </p:cNvPr>
+          <p:cNvSpPr/>
+          <p:nvPr/>
+        </p:nvSpPr>
+        <p:spPr>
+          <a:xfrm>
+            <a:off x="2767553" y="5784836"/>
+            <a:ext cx="1631962" cy="247619"/>
+          </a:xfrm>
+          <a:prstGeom prst="rect">
+            <a:avLst/>
+          </a:prstGeom>
+          <a:noFill/>
+          <a:ln>
+            <a:solidFill>
+              <a:schemeClr val="tx1"/>
+            </a:solidFill>
+          </a:ln>
+        </p:spPr>
+        <p:style>
+          <a:lnRef idx="2">
+            <a:schemeClr val="accent1">
+              <a:shade val="50000"/>
+            </a:schemeClr>
+          </a:lnRef>
+          <a:fillRef idx="1">
+            <a:schemeClr val="accent1"/>
+          </a:fillRef>
+          <a:effectRef idx="0">
+            <a:schemeClr val="accent1"/>
+          </a:effectRef>
+          <a:fontRef idx="minor">
+            <a:schemeClr val="lt1"/>
+          </a:fontRef>
+        </p:style>
+        <p:txBody>
+          <a:bodyPr rtlCol="0" anchor="ctr"/>
+          <a:lstStyle/>
+          <a:p>
+            <a:r>
+              <a:rPr lang="de-CH" sz="1200" dirty="0">
+                <a:solidFill>
+                  <a:schemeClr val="tx1"/>
+                </a:solidFill>
+                <a:latin typeface="Arial" panose="020B0604020202020204" pitchFamily="34" charset="0"/>
+                <a:cs typeface="Arial" panose="020B0604020202020204" pitchFamily="34" charset="0"/>
+              </a:rPr>
+              <a:t>Neue XML Dateien </a:t>
+            </a:r>
+          </a:p>
+        </p:txBody>
+      </p:sp>
     </p:spTree>
     <p:extLst>
       <p:ext uri="{BB962C8B-B14F-4D97-AF65-F5344CB8AC3E}">
@@ -5352,7 +5412,7 @@
         <p:spPr>
           <a:xfrm>
             <a:off x="3428528" y="6337143"/>
-            <a:ext cx="1248534" cy="237807"/>
+            <a:ext cx="1569852" cy="237807"/>
           </a:xfrm>
           <a:prstGeom prst="rect">
             <a:avLst/>
@@ -6276,6 +6336,42 @@
             <a:r>
               <a:rPr lang="de-CH" sz="1100" b="1" dirty="0" err="1"/>
               <a:t>id_div_layout_upload</a:t>
+            </a:r>
+            <a:endParaRPr lang="de-CH" b="1" dirty="0"/>
+          </a:p>
+        </p:txBody>
+      </p:sp>
+      <p:sp>
+        <p:nvSpPr>
+          <p:cNvPr id="8" name="Textfeld 7">
+            <a:extLst>
+              <a:ext uri="{FF2B5EF4-FFF2-40B4-BE49-F238E27FC236}">
+                <a16:creationId xmlns:a16="http://schemas.microsoft.com/office/drawing/2014/main" id="{F8528DB4-7688-3896-9314-FABD5071F60F}"/>
+              </a:ext>
+            </a:extLst>
+          </p:cNvPr>
+          <p:cNvSpPr txBox="1"/>
+          <p:nvPr/>
+        </p:nvSpPr>
+        <p:spPr>
+          <a:xfrm>
+            <a:off x="3411781" y="6321991"/>
+            <a:ext cx="1710626" cy="261610"/>
+          </a:xfrm>
+          <a:prstGeom prst="rect">
+            <a:avLst/>
+          </a:prstGeom>
+          <a:noFill/>
+        </p:spPr>
+        <p:txBody>
+          <a:bodyPr wrap="square" rtlCol="0">
+            <a:spAutoFit/>
+          </a:bodyPr>
+          <a:lstStyle/>
+          <a:p>
+            <a:r>
+              <a:rPr lang="de-CH" sz="1100" b="1" dirty="0" err="1"/>
+              <a:t>id_div_layout_xml_new</a:t>
             </a:r>
             <a:endParaRPr lang="de-CH" b="1" dirty="0"/>
           </a:p>

--- a/Description/ReservationLayout.pptx
+++ b/Description/ReservationLayout.pptx
@@ -15838,7 +15838,7 @@
                 <a:latin typeface="Arial" panose="020B0604020202020204" pitchFamily="34" charset="0"/>
                 <a:cs typeface="Arial" panose="020B0604020202020204" pitchFamily="34" charset="0"/>
               </a:rPr>
-              <a:t>Consructs</a:t>
+              <a:t>Constructs</a:t>
             </a:r>
             <a:r>
               <a:rPr lang="de-CH" sz="1200" dirty="0">

--- a/Description/ReservationLayout.pptx
+++ b/Description/ReservationLayout.pptx
@@ -13,9 +13,12 @@
     <p:sldId id="288" r:id="rId7"/>
     <p:sldId id="286" r:id="rId8"/>
     <p:sldId id="287" r:id="rId9"/>
-    <p:sldId id="265" r:id="rId10"/>
-    <p:sldId id="266" r:id="rId11"/>
-    <p:sldId id="285" r:id="rId12"/>
+    <p:sldId id="290" r:id="rId10"/>
+    <p:sldId id="292" r:id="rId11"/>
+    <p:sldId id="291" r:id="rId12"/>
+    <p:sldId id="265" r:id="rId13"/>
+    <p:sldId id="266" r:id="rId14"/>
+    <p:sldId id="285" r:id="rId15"/>
   </p:sldIdLst>
   <p:sldSz cx="12192000" cy="6858000"/>
   <p:notesSz cx="6661150" cy="9866313"/>
@@ -276,7 +279,7 @@
           <a:p>
             <a:fld id="{DDCE6D58-9B57-4731-A47B-3CD41B48F0A9}" type="datetimeFigureOut">
               <a:rPr lang="de-CH" smtClean="0"/>
-              <a:t>08.12.2024</a:t>
+              <a:t>20.12.2024</a:t>
             </a:fld>
             <a:endParaRPr lang="de-CH"/>
           </a:p>
@@ -446,7 +449,7 @@
           <a:p>
             <a:fld id="{DDCE6D58-9B57-4731-A47B-3CD41B48F0A9}" type="datetimeFigureOut">
               <a:rPr lang="de-CH" smtClean="0"/>
-              <a:t>08.12.2024</a:t>
+              <a:t>20.12.2024</a:t>
             </a:fld>
             <a:endParaRPr lang="de-CH"/>
           </a:p>
@@ -626,7 +629,7 @@
           <a:p>
             <a:fld id="{DDCE6D58-9B57-4731-A47B-3CD41B48F0A9}" type="datetimeFigureOut">
               <a:rPr lang="de-CH" smtClean="0"/>
-              <a:t>08.12.2024</a:t>
+              <a:t>20.12.2024</a:t>
             </a:fld>
             <a:endParaRPr lang="de-CH"/>
           </a:p>
@@ -796,7 +799,7 @@
           <a:p>
             <a:fld id="{DDCE6D58-9B57-4731-A47B-3CD41B48F0A9}" type="datetimeFigureOut">
               <a:rPr lang="de-CH" smtClean="0"/>
-              <a:t>08.12.2024</a:t>
+              <a:t>20.12.2024</a:t>
             </a:fld>
             <a:endParaRPr lang="de-CH"/>
           </a:p>
@@ -1042,7 +1045,7 @@
           <a:p>
             <a:fld id="{DDCE6D58-9B57-4731-A47B-3CD41B48F0A9}" type="datetimeFigureOut">
               <a:rPr lang="de-CH" smtClean="0"/>
-              <a:t>08.12.2024</a:t>
+              <a:t>20.12.2024</a:t>
             </a:fld>
             <a:endParaRPr lang="de-CH"/>
           </a:p>
@@ -1274,7 +1277,7 @@
           <a:p>
             <a:fld id="{DDCE6D58-9B57-4731-A47B-3CD41B48F0A9}" type="datetimeFigureOut">
               <a:rPr lang="de-CH" smtClean="0"/>
-              <a:t>08.12.2024</a:t>
+              <a:t>20.12.2024</a:t>
             </a:fld>
             <a:endParaRPr lang="de-CH"/>
           </a:p>
@@ -1641,7 +1644,7 @@
           <a:p>
             <a:fld id="{DDCE6D58-9B57-4731-A47B-3CD41B48F0A9}" type="datetimeFigureOut">
               <a:rPr lang="de-CH" smtClean="0"/>
-              <a:t>08.12.2024</a:t>
+              <a:t>20.12.2024</a:t>
             </a:fld>
             <a:endParaRPr lang="de-CH"/>
           </a:p>
@@ -1759,7 +1762,7 @@
           <a:p>
             <a:fld id="{DDCE6D58-9B57-4731-A47B-3CD41B48F0A9}" type="datetimeFigureOut">
               <a:rPr lang="de-CH" smtClean="0"/>
-              <a:t>08.12.2024</a:t>
+              <a:t>20.12.2024</a:t>
             </a:fld>
             <a:endParaRPr lang="de-CH"/>
           </a:p>
@@ -1854,7 +1857,7 @@
           <a:p>
             <a:fld id="{DDCE6D58-9B57-4731-A47B-3CD41B48F0A9}" type="datetimeFigureOut">
               <a:rPr lang="de-CH" smtClean="0"/>
-              <a:t>08.12.2024</a:t>
+              <a:t>20.12.2024</a:t>
             </a:fld>
             <a:endParaRPr lang="de-CH"/>
           </a:p>
@@ -2131,7 +2134,7 @@
           <a:p>
             <a:fld id="{DDCE6D58-9B57-4731-A47B-3CD41B48F0A9}" type="datetimeFigureOut">
               <a:rPr lang="de-CH" smtClean="0"/>
-              <a:t>08.12.2024</a:t>
+              <a:t>20.12.2024</a:t>
             </a:fld>
             <a:endParaRPr lang="de-CH"/>
           </a:p>
@@ -2384,7 +2387,7 @@
           <a:p>
             <a:fld id="{DDCE6D58-9B57-4731-A47B-3CD41B48F0A9}" type="datetimeFigureOut">
               <a:rPr lang="de-CH" smtClean="0"/>
-              <a:t>08.12.2024</a:t>
+              <a:t>20.12.2024</a:t>
             </a:fld>
             <a:endParaRPr lang="de-CH"/>
           </a:p>
@@ -2597,7 +2600,7 @@
           <a:p>
             <a:fld id="{DDCE6D58-9B57-4731-A47B-3CD41B48F0A9}" type="datetimeFigureOut">
               <a:rPr lang="de-CH" smtClean="0"/>
-              <a:t>08.12.2024</a:t>
+              <a:t>20.12.2024</a:t>
             </a:fld>
             <a:endParaRPr lang="de-CH"/>
           </a:p>
@@ -4119,6 +4122,917 @@
           <a:chExt cx="0" cy="0"/>
         </a:xfrm>
       </p:grpSpPr>
+      <p:sp>
+        <p:nvSpPr>
+          <p:cNvPr id="2" name="Textfeld 1">
+            <a:extLst>
+              <a:ext uri="{FF2B5EF4-FFF2-40B4-BE49-F238E27FC236}">
+                <a16:creationId xmlns:a16="http://schemas.microsoft.com/office/drawing/2014/main" id="{E37C5640-4119-299C-C5A9-B3E4BF88F9C8}"/>
+              </a:ext>
+            </a:extLst>
+          </p:cNvPr>
+          <p:cNvSpPr txBox="1"/>
+          <p:nvPr/>
+        </p:nvSpPr>
+        <p:spPr>
+          <a:xfrm>
+            <a:off x="0" y="270415"/>
+            <a:ext cx="12192000" cy="369332"/>
+          </a:xfrm>
+          <a:prstGeom prst="rect">
+            <a:avLst/>
+          </a:prstGeom>
+          <a:noFill/>
+        </p:spPr>
+        <p:txBody>
+          <a:bodyPr wrap="square">
+            <a:spAutoFit/>
+          </a:bodyPr>
+          <a:lstStyle/>
+          <a:p>
+            <a:pPr algn="ctr"/>
+            <a:r>
+              <a:rPr lang="de-CH" b="1" dirty="0">
+                <a:latin typeface="Arial" panose="020B0604020202020204" pitchFamily="34" charset="0"/>
+                <a:cs typeface="Arial" panose="020B0604020202020204" pitchFamily="34" charset="0"/>
+              </a:rPr>
+              <a:t>ReservationLayout.htm</a:t>
+            </a:r>
+          </a:p>
+        </p:txBody>
+      </p:sp>
+      <p:sp>
+        <p:nvSpPr>
+          <p:cNvPr id="3" name="Rechteck 2">
+            <a:extLst>
+              <a:ext uri="{FF2B5EF4-FFF2-40B4-BE49-F238E27FC236}">
+                <a16:creationId xmlns:a16="http://schemas.microsoft.com/office/drawing/2014/main" id="{5589BFB1-0E5A-52EF-A6E6-82CED99E30C2}"/>
+              </a:ext>
+            </a:extLst>
+          </p:cNvPr>
+          <p:cNvSpPr/>
+          <p:nvPr/>
+        </p:nvSpPr>
+        <p:spPr>
+          <a:xfrm>
+            <a:off x="301998" y="1337581"/>
+            <a:ext cx="4552806" cy="570469"/>
+          </a:xfrm>
+          <a:prstGeom prst="rect">
+            <a:avLst/>
+          </a:prstGeom>
+          <a:noFill/>
+          <a:ln w="19050">
+            <a:solidFill>
+              <a:schemeClr val="tx1"/>
+            </a:solidFill>
+          </a:ln>
+        </p:spPr>
+        <p:style>
+          <a:lnRef idx="2">
+            <a:schemeClr val="accent1">
+              <a:shade val="50000"/>
+            </a:schemeClr>
+          </a:lnRef>
+          <a:fillRef idx="1">
+            <a:schemeClr val="accent1"/>
+          </a:fillRef>
+          <a:effectRef idx="0">
+            <a:schemeClr val="accent1"/>
+          </a:effectRef>
+          <a:fontRef idx="minor">
+            <a:schemeClr val="lt1"/>
+          </a:fontRef>
+        </p:style>
+        <p:txBody>
+          <a:bodyPr rtlCol="0" anchor="ctr"/>
+          <a:lstStyle/>
+          <a:p>
+            <a:pPr algn="ctr"/>
+            <a:r>
+              <a:rPr lang="de-CH" dirty="0" err="1">
+                <a:solidFill>
+                  <a:schemeClr val="tx1"/>
+                </a:solidFill>
+                <a:latin typeface="Arial" panose="020B0604020202020204" pitchFamily="34" charset="0"/>
+                <a:cs typeface="Arial" panose="020B0604020202020204" pitchFamily="34" charset="0"/>
+              </a:rPr>
+              <a:t>ReservationLayout</a:t>
+            </a:r>
+            <a:endParaRPr lang="de-CH" dirty="0">
+              <a:solidFill>
+                <a:schemeClr val="tx1"/>
+              </a:solidFill>
+              <a:latin typeface="Arial" panose="020B0604020202020204" pitchFamily="34" charset="0"/>
+              <a:cs typeface="Arial" panose="020B0604020202020204" pitchFamily="34" charset="0"/>
+            </a:endParaRPr>
+          </a:p>
+          <a:p>
+            <a:pPr algn="ctr"/>
+            <a:r>
+              <a:rPr lang="de-CH" sz="1200" dirty="0">
+                <a:solidFill>
+                  <a:schemeClr val="tx1"/>
+                </a:solidFill>
+                <a:latin typeface="Arial" panose="020B0604020202020204" pitchFamily="34" charset="0"/>
+                <a:cs typeface="Arial" panose="020B0604020202020204" pitchFamily="34" charset="0"/>
+              </a:rPr>
+              <a:t>Web </a:t>
+            </a:r>
+            <a:r>
+              <a:rPr lang="de-CH" sz="1200" dirty="0" err="1">
+                <a:solidFill>
+                  <a:schemeClr val="tx1"/>
+                </a:solidFill>
+                <a:latin typeface="Arial" panose="020B0604020202020204" pitchFamily="34" charset="0"/>
+                <a:cs typeface="Arial" panose="020B0604020202020204" pitchFamily="34" charset="0"/>
+              </a:rPr>
+              <a:t>application</a:t>
+            </a:r>
+            <a:r>
+              <a:rPr lang="de-CH" sz="1200" dirty="0">
+                <a:solidFill>
+                  <a:schemeClr val="tx1"/>
+                </a:solidFill>
+                <a:latin typeface="Arial" panose="020B0604020202020204" pitchFamily="34" charset="0"/>
+                <a:cs typeface="Arial" panose="020B0604020202020204" pitchFamily="34" charset="0"/>
+              </a:rPr>
+              <a:t>: Create </a:t>
+            </a:r>
+            <a:r>
+              <a:rPr lang="de-CH" sz="1200" dirty="0" err="1">
+                <a:solidFill>
+                  <a:schemeClr val="tx1"/>
+                </a:solidFill>
+                <a:latin typeface="Arial" panose="020B0604020202020204" pitchFamily="34" charset="0"/>
+                <a:cs typeface="Arial" panose="020B0604020202020204" pitchFamily="34" charset="0"/>
+              </a:rPr>
+              <a:t>layout</a:t>
+            </a:r>
+            <a:r>
+              <a:rPr lang="de-CH" sz="1200" dirty="0">
+                <a:solidFill>
+                  <a:schemeClr val="tx1"/>
+                </a:solidFill>
+                <a:latin typeface="Arial" panose="020B0604020202020204" pitchFamily="34" charset="0"/>
+                <a:cs typeface="Arial" panose="020B0604020202020204" pitchFamily="34" charset="0"/>
+              </a:rPr>
+              <a:t> </a:t>
+            </a:r>
+            <a:r>
+              <a:rPr lang="de-CH" sz="1200" dirty="0" err="1">
+                <a:solidFill>
+                  <a:schemeClr val="tx1"/>
+                </a:solidFill>
+                <a:latin typeface="Arial" panose="020B0604020202020204" pitchFamily="34" charset="0"/>
+                <a:cs typeface="Arial" panose="020B0604020202020204" pitchFamily="34" charset="0"/>
+              </a:rPr>
+              <a:t>for</a:t>
+            </a:r>
+            <a:r>
+              <a:rPr lang="de-CH" sz="1200" dirty="0">
+                <a:solidFill>
+                  <a:schemeClr val="tx1"/>
+                </a:solidFill>
+                <a:latin typeface="Arial" panose="020B0604020202020204" pitchFamily="34" charset="0"/>
+                <a:cs typeface="Arial" panose="020B0604020202020204" pitchFamily="34" charset="0"/>
+              </a:rPr>
+              <a:t> </a:t>
+            </a:r>
+            <a:r>
+              <a:rPr lang="de-CH" sz="1200" dirty="0" err="1">
+                <a:solidFill>
+                  <a:schemeClr val="tx1"/>
+                </a:solidFill>
+                <a:latin typeface="Arial" panose="020B0604020202020204" pitchFamily="34" charset="0"/>
+                <a:cs typeface="Arial" panose="020B0604020202020204" pitchFamily="34" charset="0"/>
+              </a:rPr>
+              <a:t>event</a:t>
+            </a:r>
+            <a:r>
+              <a:rPr lang="de-CH" sz="1200" dirty="0">
+                <a:solidFill>
+                  <a:schemeClr val="tx1"/>
+                </a:solidFill>
+                <a:latin typeface="Arial" panose="020B0604020202020204" pitchFamily="34" charset="0"/>
+                <a:cs typeface="Arial" panose="020B0604020202020204" pitchFamily="34" charset="0"/>
+              </a:rPr>
+              <a:t> </a:t>
+            </a:r>
+            <a:r>
+              <a:rPr lang="de-CH" sz="1200" dirty="0" err="1">
+                <a:solidFill>
+                  <a:schemeClr val="tx1"/>
+                </a:solidFill>
+                <a:latin typeface="Arial" panose="020B0604020202020204" pitchFamily="34" charset="0"/>
+                <a:cs typeface="Arial" panose="020B0604020202020204" pitchFamily="34" charset="0"/>
+              </a:rPr>
+              <a:t>premises</a:t>
+            </a:r>
+            <a:endParaRPr lang="de-CH" sz="1200" dirty="0">
+              <a:solidFill>
+                <a:schemeClr val="tx1"/>
+              </a:solidFill>
+              <a:latin typeface="Arial" panose="020B0604020202020204" pitchFamily="34" charset="0"/>
+              <a:cs typeface="Arial" panose="020B0604020202020204" pitchFamily="34" charset="0"/>
+            </a:endParaRPr>
+          </a:p>
+        </p:txBody>
+      </p:sp>
+      <p:sp>
+        <p:nvSpPr>
+          <p:cNvPr id="4" name="Rechteck 3">
+            <a:extLst>
+              <a:ext uri="{FF2B5EF4-FFF2-40B4-BE49-F238E27FC236}">
+                <a16:creationId xmlns:a16="http://schemas.microsoft.com/office/drawing/2014/main" id="{504FA9B9-1F5F-57BA-5E4E-AD0FA3306E44}"/>
+              </a:ext>
+            </a:extLst>
+          </p:cNvPr>
+          <p:cNvSpPr/>
+          <p:nvPr/>
+        </p:nvSpPr>
+        <p:spPr>
+          <a:xfrm>
+            <a:off x="301998" y="1908050"/>
+            <a:ext cx="4552806" cy="2505381"/>
+          </a:xfrm>
+          <a:prstGeom prst="rect">
+            <a:avLst/>
+          </a:prstGeom>
+          <a:noFill/>
+          <a:ln w="19050">
+            <a:solidFill>
+              <a:schemeClr val="tx1"/>
+            </a:solidFill>
+          </a:ln>
+        </p:spPr>
+        <p:style>
+          <a:lnRef idx="2">
+            <a:schemeClr val="accent1">
+              <a:shade val="50000"/>
+            </a:schemeClr>
+          </a:lnRef>
+          <a:fillRef idx="1">
+            <a:schemeClr val="accent1"/>
+          </a:fillRef>
+          <a:effectRef idx="0">
+            <a:schemeClr val="accent1"/>
+          </a:effectRef>
+          <a:fontRef idx="minor">
+            <a:schemeClr val="lt1"/>
+          </a:fontRef>
+        </p:style>
+        <p:txBody>
+          <a:bodyPr rtlCol="0" anchor="ctr"/>
+          <a:lstStyle/>
+          <a:p>
+            <a:r>
+              <a:rPr lang="en-US" sz="1200" b="1" dirty="0">
+                <a:solidFill>
+                  <a:schemeClr val="tx1"/>
+                </a:solidFill>
+                <a:latin typeface="Arial" panose="020B0604020202020204" pitchFamily="34" charset="0"/>
+                <a:cs typeface="Arial" panose="020B0604020202020204" pitchFamily="34" charset="0"/>
+              </a:rPr>
+              <a:t>&lt;html&gt;</a:t>
+            </a:r>
+          </a:p>
+          <a:p>
+            <a:endParaRPr lang="en-US" sz="1200" dirty="0">
+              <a:solidFill>
+                <a:schemeClr val="tx1"/>
+              </a:solidFill>
+              <a:latin typeface="Arial" panose="020B0604020202020204" pitchFamily="34" charset="0"/>
+              <a:cs typeface="Arial" panose="020B0604020202020204" pitchFamily="34" charset="0"/>
+            </a:endParaRPr>
+          </a:p>
+          <a:p>
+            <a:endParaRPr lang="en-US" sz="1200" dirty="0">
+              <a:solidFill>
+                <a:schemeClr val="tx1"/>
+              </a:solidFill>
+              <a:latin typeface="Arial" panose="020B0604020202020204" pitchFamily="34" charset="0"/>
+              <a:cs typeface="Arial" panose="020B0604020202020204" pitchFamily="34" charset="0"/>
+            </a:endParaRPr>
+          </a:p>
+          <a:p>
+            <a:endParaRPr lang="en-US" sz="1200" dirty="0">
+              <a:solidFill>
+                <a:schemeClr val="tx1"/>
+              </a:solidFill>
+              <a:latin typeface="Arial" panose="020B0604020202020204" pitchFamily="34" charset="0"/>
+              <a:cs typeface="Arial" panose="020B0604020202020204" pitchFamily="34" charset="0"/>
+            </a:endParaRPr>
+          </a:p>
+          <a:p>
+            <a:endParaRPr lang="en-US" sz="1200" dirty="0">
+              <a:solidFill>
+                <a:schemeClr val="tx1"/>
+              </a:solidFill>
+              <a:latin typeface="Arial" panose="020B0604020202020204" pitchFamily="34" charset="0"/>
+              <a:cs typeface="Arial" panose="020B0604020202020204" pitchFamily="34" charset="0"/>
+            </a:endParaRPr>
+          </a:p>
+          <a:p>
+            <a:endParaRPr lang="en-US" sz="1200" dirty="0">
+              <a:solidFill>
+                <a:schemeClr val="tx1"/>
+              </a:solidFill>
+              <a:latin typeface="Arial" panose="020B0604020202020204" pitchFamily="34" charset="0"/>
+              <a:cs typeface="Arial" panose="020B0604020202020204" pitchFamily="34" charset="0"/>
+            </a:endParaRPr>
+          </a:p>
+          <a:p>
+            <a:endParaRPr lang="en-US" sz="1200" dirty="0">
+              <a:solidFill>
+                <a:schemeClr val="tx1"/>
+              </a:solidFill>
+              <a:latin typeface="Arial" panose="020B0604020202020204" pitchFamily="34" charset="0"/>
+              <a:cs typeface="Arial" panose="020B0604020202020204" pitchFamily="34" charset="0"/>
+            </a:endParaRPr>
+          </a:p>
+          <a:p>
+            <a:endParaRPr lang="en-US" sz="1200" dirty="0">
+              <a:solidFill>
+                <a:schemeClr val="tx1"/>
+              </a:solidFill>
+              <a:latin typeface="Arial" panose="020B0604020202020204" pitchFamily="34" charset="0"/>
+              <a:cs typeface="Arial" panose="020B0604020202020204" pitchFamily="34" charset="0"/>
+            </a:endParaRPr>
+          </a:p>
+          <a:p>
+            <a:endParaRPr lang="en-US" sz="1200" dirty="0">
+              <a:solidFill>
+                <a:schemeClr val="tx1"/>
+              </a:solidFill>
+              <a:latin typeface="Arial" panose="020B0604020202020204" pitchFamily="34" charset="0"/>
+              <a:cs typeface="Arial" panose="020B0604020202020204" pitchFamily="34" charset="0"/>
+            </a:endParaRPr>
+          </a:p>
+          <a:p>
+            <a:endParaRPr lang="en-US" sz="1200" dirty="0">
+              <a:solidFill>
+                <a:schemeClr val="tx1"/>
+              </a:solidFill>
+              <a:latin typeface="Arial" panose="020B0604020202020204" pitchFamily="34" charset="0"/>
+              <a:cs typeface="Arial" panose="020B0604020202020204" pitchFamily="34" charset="0"/>
+            </a:endParaRPr>
+          </a:p>
+          <a:p>
+            <a:endParaRPr lang="en-US" sz="1200" dirty="0">
+              <a:solidFill>
+                <a:schemeClr val="tx1"/>
+              </a:solidFill>
+              <a:latin typeface="Arial" panose="020B0604020202020204" pitchFamily="34" charset="0"/>
+              <a:cs typeface="Arial" panose="020B0604020202020204" pitchFamily="34" charset="0"/>
+            </a:endParaRPr>
+          </a:p>
+          <a:p>
+            <a:endParaRPr lang="en-US" sz="1200" dirty="0">
+              <a:solidFill>
+                <a:schemeClr val="tx1"/>
+              </a:solidFill>
+              <a:latin typeface="Arial" panose="020B0604020202020204" pitchFamily="34" charset="0"/>
+              <a:cs typeface="Arial" panose="020B0604020202020204" pitchFamily="34" charset="0"/>
+            </a:endParaRPr>
+          </a:p>
+          <a:p>
+            <a:endParaRPr lang="en-US" sz="1000" b="1" dirty="0">
+              <a:solidFill>
+                <a:schemeClr val="tx1"/>
+              </a:solidFill>
+              <a:latin typeface="Arial" panose="020B0604020202020204" pitchFamily="34" charset="0"/>
+              <a:cs typeface="Arial" panose="020B0604020202020204" pitchFamily="34" charset="0"/>
+            </a:endParaRPr>
+          </a:p>
+        </p:txBody>
+      </p:sp>
+      <p:sp>
+        <p:nvSpPr>
+          <p:cNvPr id="5" name="Rechteck 4">
+            <a:extLst>
+              <a:ext uri="{FF2B5EF4-FFF2-40B4-BE49-F238E27FC236}">
+                <a16:creationId xmlns:a16="http://schemas.microsoft.com/office/drawing/2014/main" id="{538D4641-1529-4778-F19B-788A21D229DE}"/>
+              </a:ext>
+            </a:extLst>
+          </p:cNvPr>
+          <p:cNvSpPr/>
+          <p:nvPr/>
+        </p:nvSpPr>
+        <p:spPr>
+          <a:xfrm>
+            <a:off x="410405" y="2289117"/>
+            <a:ext cx="4302998" cy="811780"/>
+          </a:xfrm>
+          <a:prstGeom prst="rect">
+            <a:avLst/>
+          </a:prstGeom>
+          <a:noFill/>
+          <a:ln w="19050">
+            <a:solidFill>
+              <a:schemeClr val="tx1"/>
+            </a:solidFill>
+          </a:ln>
+        </p:spPr>
+        <p:style>
+          <a:lnRef idx="2">
+            <a:schemeClr val="accent1">
+              <a:shade val="50000"/>
+            </a:schemeClr>
+          </a:lnRef>
+          <a:fillRef idx="1">
+            <a:schemeClr val="accent1"/>
+          </a:fillRef>
+          <a:effectRef idx="0">
+            <a:schemeClr val="accent1"/>
+          </a:effectRef>
+          <a:fontRef idx="minor">
+            <a:schemeClr val="lt1"/>
+          </a:fontRef>
+        </p:style>
+        <p:txBody>
+          <a:bodyPr rtlCol="0" anchor="ctr"/>
+          <a:lstStyle/>
+          <a:p>
+            <a:r>
+              <a:rPr lang="en-US" sz="1200" b="1" dirty="0">
+                <a:solidFill>
+                  <a:schemeClr val="tx1"/>
+                </a:solidFill>
+                <a:latin typeface="Arial" panose="020B0604020202020204" pitchFamily="34" charset="0"/>
+                <a:cs typeface="Arial" panose="020B0604020202020204" pitchFamily="34" charset="0"/>
+              </a:rPr>
+              <a:t>&lt;header&gt;</a:t>
+            </a:r>
+          </a:p>
+          <a:p>
+            <a:r>
+              <a:rPr lang="en-US" sz="1200" b="1" dirty="0">
+                <a:solidFill>
+                  <a:schemeClr val="tx1"/>
+                </a:solidFill>
+                <a:latin typeface="Arial" panose="020B0604020202020204" pitchFamily="34" charset="0"/>
+                <a:cs typeface="Arial" panose="020B0604020202020204" pitchFamily="34" charset="0"/>
+              </a:rPr>
+              <a:t>Included external </a:t>
+            </a:r>
+            <a:r>
+              <a:rPr lang="en-US" sz="1200" b="1" dirty="0" err="1">
+                <a:solidFill>
+                  <a:schemeClr val="tx1"/>
+                </a:solidFill>
+                <a:latin typeface="Arial" panose="020B0604020202020204" pitchFamily="34" charset="0"/>
+                <a:cs typeface="Arial" panose="020B0604020202020204" pitchFamily="34" charset="0"/>
+              </a:rPr>
+              <a:t>Javascripts</a:t>
+            </a:r>
+            <a:r>
+              <a:rPr lang="en-US" sz="1200" b="1" dirty="0">
+                <a:solidFill>
+                  <a:schemeClr val="tx1"/>
+                </a:solidFill>
+                <a:latin typeface="Arial" panose="020B0604020202020204" pitchFamily="34" charset="0"/>
+                <a:cs typeface="Arial" panose="020B0604020202020204" pitchFamily="34" charset="0"/>
+              </a:rPr>
+              <a:t>:</a:t>
+            </a:r>
+          </a:p>
+          <a:p>
+            <a:r>
+              <a:rPr lang="en-US" sz="1200" b="1" i="1" dirty="0">
+                <a:solidFill>
+                  <a:schemeClr val="tx1"/>
+                </a:solidFill>
+                <a:latin typeface="Arial" panose="020B0604020202020204" pitchFamily="34" charset="0"/>
+                <a:cs typeface="Arial" panose="020B0604020202020204" pitchFamily="34" charset="0"/>
+              </a:rPr>
+              <a:t>Utils_20241111.js, TODO</a:t>
+            </a:r>
+          </a:p>
+        </p:txBody>
+      </p:sp>
+      <p:sp>
+        <p:nvSpPr>
+          <p:cNvPr id="6" name="Rechteck 5">
+            <a:extLst>
+              <a:ext uri="{FF2B5EF4-FFF2-40B4-BE49-F238E27FC236}">
+                <a16:creationId xmlns:a16="http://schemas.microsoft.com/office/drawing/2014/main" id="{485299A7-903D-691C-A721-D27847BFD0F4}"/>
+              </a:ext>
+            </a:extLst>
+          </p:cNvPr>
+          <p:cNvSpPr/>
+          <p:nvPr/>
+        </p:nvSpPr>
+        <p:spPr>
+          <a:xfrm>
+            <a:off x="410404" y="3170910"/>
+            <a:ext cx="4302998" cy="811780"/>
+          </a:xfrm>
+          <a:prstGeom prst="rect">
+            <a:avLst/>
+          </a:prstGeom>
+          <a:noFill/>
+          <a:ln w="19050">
+            <a:solidFill>
+              <a:schemeClr val="tx1"/>
+            </a:solidFill>
+          </a:ln>
+        </p:spPr>
+        <p:style>
+          <a:lnRef idx="2">
+            <a:schemeClr val="accent1">
+              <a:shade val="50000"/>
+            </a:schemeClr>
+          </a:lnRef>
+          <a:fillRef idx="1">
+            <a:schemeClr val="accent1"/>
+          </a:fillRef>
+          <a:effectRef idx="0">
+            <a:schemeClr val="accent1"/>
+          </a:effectRef>
+          <a:fontRef idx="minor">
+            <a:schemeClr val="lt1"/>
+          </a:fontRef>
+        </p:style>
+        <p:txBody>
+          <a:bodyPr rtlCol="0" anchor="ctr"/>
+          <a:lstStyle/>
+          <a:p>
+            <a:r>
+              <a:rPr lang="en-US" sz="1200" b="1" dirty="0">
+                <a:solidFill>
+                  <a:schemeClr val="tx1"/>
+                </a:solidFill>
+                <a:latin typeface="Arial" panose="020B0604020202020204" pitchFamily="34" charset="0"/>
+                <a:cs typeface="Arial" panose="020B0604020202020204" pitchFamily="34" charset="0"/>
+              </a:rPr>
+              <a:t>&lt;body&gt;</a:t>
+            </a:r>
+          </a:p>
+          <a:p>
+            <a:r>
+              <a:rPr lang="en-US" sz="1200" b="1" dirty="0">
+                <a:solidFill>
+                  <a:schemeClr val="tx1"/>
+                </a:solidFill>
+                <a:latin typeface="Arial" panose="020B0604020202020204" pitchFamily="34" charset="0"/>
+                <a:cs typeface="Arial" panose="020B0604020202020204" pitchFamily="34" charset="0"/>
+              </a:rPr>
+              <a:t>Onload function: </a:t>
+            </a:r>
+            <a:r>
+              <a:rPr lang="en-US" sz="1200" b="1" dirty="0" err="1">
+                <a:solidFill>
+                  <a:schemeClr val="tx1"/>
+                </a:solidFill>
+                <a:latin typeface="Arial" panose="020B0604020202020204" pitchFamily="34" charset="0"/>
+                <a:cs typeface="Arial" panose="020B0604020202020204" pitchFamily="34" charset="0"/>
+              </a:rPr>
+              <a:t>initReservationLayout</a:t>
+            </a:r>
+            <a:endParaRPr lang="en-US" sz="1200" b="1" dirty="0">
+              <a:solidFill>
+                <a:schemeClr val="tx1"/>
+              </a:solidFill>
+              <a:latin typeface="Arial" panose="020B0604020202020204" pitchFamily="34" charset="0"/>
+              <a:cs typeface="Arial" panose="020B0604020202020204" pitchFamily="34" charset="0"/>
+            </a:endParaRPr>
+          </a:p>
+          <a:p>
+            <a:r>
+              <a:rPr lang="en-US" sz="1200" b="1" dirty="0">
+                <a:solidFill>
+                  <a:schemeClr val="tx1"/>
+                </a:solidFill>
+                <a:latin typeface="Arial" panose="020B0604020202020204" pitchFamily="34" charset="0"/>
+                <a:cs typeface="Arial" panose="020B0604020202020204" pitchFamily="34" charset="0"/>
+              </a:rPr>
+              <a:t>The &lt;div&gt; elements as defined on another picture</a:t>
+            </a:r>
+          </a:p>
+          <a:p>
+            <a:r>
+              <a:rPr lang="en-US" sz="1200" b="1" dirty="0">
+                <a:solidFill>
+                  <a:schemeClr val="tx1"/>
+                </a:solidFill>
+                <a:latin typeface="Arial" panose="020B0604020202020204" pitchFamily="34" charset="0"/>
+                <a:cs typeface="Arial" panose="020B0604020202020204" pitchFamily="34" charset="0"/>
+              </a:rPr>
+              <a:t> </a:t>
+            </a:r>
+          </a:p>
+        </p:txBody>
+      </p:sp>
+    </p:spTree>
+    <p:extLst>
+      <p:ext uri="{BB962C8B-B14F-4D97-AF65-F5344CB8AC3E}">
+        <p14:creationId xmlns:p14="http://schemas.microsoft.com/office/powerpoint/2010/main" val="3297217409"/>
+      </p:ext>
+    </p:extLst>
+  </p:cSld>
+  <p:clrMapOvr>
+    <a:masterClrMapping/>
+  </p:clrMapOvr>
+</p:sld>
+</file>
+
+<file path=ppt/slides/slide11.xml><?xml version="1.0" encoding="utf-8"?>
+<p:sld xmlns:a="http://schemas.openxmlformats.org/drawingml/2006/main" xmlns:r="http://schemas.openxmlformats.org/officeDocument/2006/relationships" xmlns:p="http://schemas.openxmlformats.org/presentationml/2006/main">
+  <p:cSld>
+    <p:spTree>
+      <p:nvGrpSpPr>
+        <p:cNvPr id="1" name=""/>
+        <p:cNvGrpSpPr/>
+        <p:nvPr/>
+      </p:nvGrpSpPr>
+      <p:grpSpPr>
+        <a:xfrm>
+          <a:off x="0" y="0"/>
+          <a:ext cx="0" cy="0"/>
+          <a:chOff x="0" y="0"/>
+          <a:chExt cx="0" cy="0"/>
+        </a:xfrm>
+      </p:grpSpPr>
+    </p:spTree>
+    <p:extLst>
+      <p:ext uri="{BB962C8B-B14F-4D97-AF65-F5344CB8AC3E}">
+        <p14:creationId xmlns:p14="http://schemas.microsoft.com/office/powerpoint/2010/main" val="833590008"/>
+      </p:ext>
+    </p:extLst>
+  </p:cSld>
+  <p:clrMapOvr>
+    <a:masterClrMapping/>
+  </p:clrMapOvr>
+</p:sld>
+</file>
+
+<file path=ppt/slides/slide12.xml><?xml version="1.0" encoding="utf-8"?>
+<p:sld xmlns:a="http://schemas.openxmlformats.org/drawingml/2006/main" xmlns:r="http://schemas.openxmlformats.org/officeDocument/2006/relationships" xmlns:p="http://schemas.openxmlformats.org/presentationml/2006/main">
+  <p:cSld>
+    <p:spTree>
+      <p:nvGrpSpPr>
+        <p:cNvPr id="1" name=""/>
+        <p:cNvGrpSpPr/>
+        <p:nvPr/>
+      </p:nvGrpSpPr>
+      <p:grpSpPr>
+        <a:xfrm>
+          <a:off x="0" y="0"/>
+          <a:ext cx="0" cy="0"/>
+          <a:chOff x="0" y="0"/>
+          <a:chExt cx="0" cy="0"/>
+        </a:xfrm>
+      </p:grpSpPr>
+      <p:sp>
+        <p:nvSpPr>
+          <p:cNvPr id="2" name="Rechteck 1">
+            <a:extLst>
+              <a:ext uri="{FF2B5EF4-FFF2-40B4-BE49-F238E27FC236}">
+                <a16:creationId xmlns:a16="http://schemas.microsoft.com/office/drawing/2014/main" id="{52595105-FEFA-4CD5-B185-8A4714FF18D1}"/>
+              </a:ext>
+            </a:extLst>
+          </p:cNvPr>
+          <p:cNvSpPr/>
+          <p:nvPr/>
+        </p:nvSpPr>
+        <p:spPr>
+          <a:xfrm>
+            <a:off x="9863400" y="2269796"/>
+            <a:ext cx="860597" cy="202374"/>
+          </a:xfrm>
+          <a:prstGeom prst="rect">
+            <a:avLst/>
+          </a:prstGeom>
+          <a:noFill/>
+          <a:ln>
+            <a:solidFill>
+              <a:schemeClr val="tx1"/>
+            </a:solidFill>
+          </a:ln>
+        </p:spPr>
+        <p:style>
+          <a:lnRef idx="2">
+            <a:schemeClr val="accent1">
+              <a:shade val="50000"/>
+            </a:schemeClr>
+          </a:lnRef>
+          <a:fillRef idx="1">
+            <a:schemeClr val="accent1"/>
+          </a:fillRef>
+          <a:effectRef idx="0">
+            <a:schemeClr val="accent1"/>
+          </a:effectRef>
+          <a:fontRef idx="minor">
+            <a:schemeClr val="lt1"/>
+          </a:fontRef>
+        </p:style>
+        <p:txBody>
+          <a:bodyPr rtlCol="0" anchor="ctr"/>
+          <a:lstStyle/>
+          <a:p>
+            <a:pPr algn="ctr"/>
+            <a:r>
+              <a:rPr lang="de-CH" sz="1200" dirty="0">
+                <a:solidFill>
+                  <a:schemeClr val="tx1"/>
+                </a:solidFill>
+                <a:latin typeface="Arial" panose="020B0604020202020204" pitchFamily="34" charset="0"/>
+                <a:cs typeface="Arial" panose="020B0604020202020204" pitchFamily="34" charset="0"/>
+              </a:rPr>
+              <a:t>Upload</a:t>
+            </a:r>
+          </a:p>
+        </p:txBody>
+      </p:sp>
+      <p:sp>
+        <p:nvSpPr>
+          <p:cNvPr id="3" name="Rechteck 2">
+            <a:extLst>
+              <a:ext uri="{FF2B5EF4-FFF2-40B4-BE49-F238E27FC236}">
+                <a16:creationId xmlns:a16="http://schemas.microsoft.com/office/drawing/2014/main" id="{DF884E46-6D7C-E024-E50C-4BA43D097645}"/>
+              </a:ext>
+            </a:extLst>
+          </p:cNvPr>
+          <p:cNvSpPr/>
+          <p:nvPr/>
+        </p:nvSpPr>
+        <p:spPr>
+          <a:xfrm>
+            <a:off x="10875886" y="2264999"/>
+            <a:ext cx="860597" cy="202375"/>
+          </a:xfrm>
+          <a:prstGeom prst="rect">
+            <a:avLst/>
+          </a:prstGeom>
+          <a:noFill/>
+          <a:ln>
+            <a:solidFill>
+              <a:schemeClr val="tx1"/>
+            </a:solidFill>
+          </a:ln>
+        </p:spPr>
+        <p:style>
+          <a:lnRef idx="2">
+            <a:schemeClr val="accent1">
+              <a:shade val="50000"/>
+            </a:schemeClr>
+          </a:lnRef>
+          <a:fillRef idx="1">
+            <a:schemeClr val="accent1"/>
+          </a:fillRef>
+          <a:effectRef idx="0">
+            <a:schemeClr val="accent1"/>
+          </a:effectRef>
+          <a:fontRef idx="minor">
+            <a:schemeClr val="lt1"/>
+          </a:fontRef>
+        </p:style>
+        <p:txBody>
+          <a:bodyPr rtlCol="0" anchor="ctr"/>
+          <a:lstStyle/>
+          <a:p>
+            <a:pPr algn="ctr"/>
+            <a:r>
+              <a:rPr lang="de-CH" sz="1200" dirty="0">
+                <a:solidFill>
+                  <a:schemeClr val="tx1"/>
+                </a:solidFill>
+                <a:latin typeface="Arial" panose="020B0604020202020204" pitchFamily="34" charset="0"/>
+                <a:cs typeface="Arial" panose="020B0604020202020204" pitchFamily="34" charset="0"/>
+              </a:rPr>
+              <a:t>Download</a:t>
+            </a:r>
+          </a:p>
+        </p:txBody>
+      </p:sp>
+      <p:sp>
+        <p:nvSpPr>
+          <p:cNvPr id="37" name="Textfeld 36">
+            <a:extLst>
+              <a:ext uri="{FF2B5EF4-FFF2-40B4-BE49-F238E27FC236}">
+                <a16:creationId xmlns:a16="http://schemas.microsoft.com/office/drawing/2014/main" id="{2ED15C12-AFDD-8F28-0B61-4636D8A38D8B}"/>
+              </a:ext>
+            </a:extLst>
+          </p:cNvPr>
+          <p:cNvSpPr txBox="1"/>
+          <p:nvPr/>
+        </p:nvSpPr>
+        <p:spPr>
+          <a:xfrm>
+            <a:off x="4482334" y="1174367"/>
+            <a:ext cx="1362165" cy="430887"/>
+          </a:xfrm>
+          <a:prstGeom prst="rect">
+            <a:avLst/>
+          </a:prstGeom>
+          <a:noFill/>
+        </p:spPr>
+        <p:txBody>
+          <a:bodyPr wrap="square" rtlCol="0">
+            <a:spAutoFit/>
+          </a:bodyPr>
+          <a:lstStyle/>
+          <a:p>
+            <a:r>
+              <a:rPr lang="de-CH" sz="1200" dirty="0">
+                <a:latin typeface="Arial" panose="020B0604020202020204" pitchFamily="34" charset="0"/>
+                <a:cs typeface="Arial" panose="020B0604020202020204" pitchFamily="34" charset="0"/>
+              </a:rPr>
+              <a:t>Nummer</a:t>
+            </a:r>
+          </a:p>
+          <a:p>
+            <a:endParaRPr lang="de-CH" sz="200" dirty="0">
+              <a:latin typeface="Arial" panose="020B0604020202020204" pitchFamily="34" charset="0"/>
+              <a:cs typeface="Arial" panose="020B0604020202020204" pitchFamily="34" charset="0"/>
+            </a:endParaRPr>
+          </a:p>
+          <a:p>
+            <a:r>
+              <a:rPr lang="de-CH" sz="800" dirty="0">
+                <a:latin typeface="Arial" panose="020B0604020202020204" pitchFamily="34" charset="0"/>
+                <a:cs typeface="Arial" panose="020B0604020202020204" pitchFamily="34" charset="0"/>
+              </a:rPr>
+              <a:t>&lt;</a:t>
+            </a:r>
+            <a:r>
+              <a:rPr lang="de-CH" sz="800" dirty="0" err="1">
+                <a:latin typeface="Arial" panose="020B0604020202020204" pitchFamily="34" charset="0"/>
+                <a:cs typeface="Arial" panose="020B0604020202020204" pitchFamily="34" charset="0"/>
+              </a:rPr>
+              <a:t>JazzGuestRegNumber</a:t>
+            </a:r>
+            <a:r>
+              <a:rPr lang="de-CH" sz="800" dirty="0">
+                <a:latin typeface="Arial" panose="020B0604020202020204" pitchFamily="34" charset="0"/>
+                <a:cs typeface="Arial" panose="020B0604020202020204" pitchFamily="34" charset="0"/>
+              </a:rPr>
+              <a:t>&gt;</a:t>
+            </a:r>
+          </a:p>
+        </p:txBody>
+      </p:sp>
+      <p:pic>
+        <p:nvPicPr>
+          <p:cNvPr id="57" name="Grafik 56">
+            <a:extLst>
+              <a:ext uri="{FF2B5EF4-FFF2-40B4-BE49-F238E27FC236}">
+                <a16:creationId xmlns:a16="http://schemas.microsoft.com/office/drawing/2014/main" id="{DD4C6D50-48D3-1ABC-0597-4B799DEFC3DA}"/>
+              </a:ext>
+            </a:extLst>
+          </p:cNvPr>
+          <p:cNvPicPr>
+            <a:picLocks noChangeAspect="1"/>
+          </p:cNvPicPr>
+          <p:nvPr/>
+        </p:nvPicPr>
+        <p:blipFill>
+          <a:blip r:embed="rId2"/>
+          <a:stretch>
+            <a:fillRect/>
+          </a:stretch>
+        </p:blipFill>
+        <p:spPr>
+          <a:xfrm>
+            <a:off x="2242388" y="713056"/>
+            <a:ext cx="4733333" cy="247619"/>
+          </a:xfrm>
+          <a:prstGeom prst="rect">
+            <a:avLst/>
+          </a:prstGeom>
+        </p:spPr>
+      </p:pic>
+    </p:spTree>
+    <p:extLst>
+      <p:ext uri="{BB962C8B-B14F-4D97-AF65-F5344CB8AC3E}">
+        <p14:creationId xmlns:p14="http://schemas.microsoft.com/office/powerpoint/2010/main" val="2402299156"/>
+      </p:ext>
+    </p:extLst>
+  </p:cSld>
+  <p:clrMapOvr>
+    <a:masterClrMapping/>
+  </p:clrMapOvr>
+</p:sld>
+</file>
+
+<file path=ppt/slides/slide13.xml><?xml version="1.0" encoding="utf-8"?>
+<p:sld xmlns:a="http://schemas.openxmlformats.org/drawingml/2006/main" xmlns:r="http://schemas.openxmlformats.org/officeDocument/2006/relationships" xmlns:p="http://schemas.openxmlformats.org/presentationml/2006/main">
+  <p:cSld>
+    <p:spTree>
+      <p:nvGrpSpPr>
+        <p:cNvPr id="1" name=""/>
+        <p:cNvGrpSpPr/>
+        <p:nvPr/>
+      </p:nvGrpSpPr>
+      <p:grpSpPr>
+        <a:xfrm>
+          <a:off x="0" y="0"/>
+          <a:ext cx="0" cy="0"/>
+          <a:chOff x="0" y="0"/>
+          <a:chExt cx="0" cy="0"/>
+        </a:xfrm>
+      </p:grpSpPr>
       <p:pic>
         <p:nvPicPr>
           <p:cNvPr id="3" name="Grafik 2">
@@ -4162,7 +5076,7 @@
 </p:sld>
 </file>
 
-<file path=ppt/slides/slide11.xml><?xml version="1.0" encoding="utf-8"?>
+<file path=ppt/slides/slide14.xml><?xml version="1.0" encoding="utf-8"?>
 <p:sld xmlns:a="http://schemas.openxmlformats.org/drawingml/2006/main" xmlns:r="http://schemas.openxmlformats.org/officeDocument/2006/relationships" xmlns:p="http://schemas.openxmlformats.org/presentationml/2006/main">
   <p:cSld>
     <p:spTree>
@@ -18690,7 +19604,7 @@
           <p:cNvPr id="2" name="Rechteck 1">
             <a:extLst>
               <a:ext uri="{FF2B5EF4-FFF2-40B4-BE49-F238E27FC236}">
-                <a16:creationId xmlns:a16="http://schemas.microsoft.com/office/drawing/2014/main" id="{52595105-FEFA-4CD5-B185-8A4714FF18D1}"/>
+                <a16:creationId xmlns:a16="http://schemas.microsoft.com/office/drawing/2014/main" id="{B858DDCA-486F-DFCB-C4F4-02C8B9509B97}"/>
               </a:ext>
             </a:extLst>
           </p:cNvPr>
@@ -18699,14 +19613,14 @@
         </p:nvSpPr>
         <p:spPr>
           <a:xfrm>
-            <a:off x="9863400" y="2269796"/>
-            <a:ext cx="860597" cy="202374"/>
+            <a:off x="412314" y="317792"/>
+            <a:ext cx="3245285" cy="1379031"/>
           </a:xfrm>
           <a:prstGeom prst="rect">
             <a:avLst/>
           </a:prstGeom>
           <a:noFill/>
-          <a:ln>
+          <a:ln w="19050">
             <a:solidFill>
               <a:schemeClr val="tx1"/>
             </a:solidFill>
@@ -18734,6 +19648,46 @@
           <a:p>
             <a:pPr algn="ctr"/>
             <a:r>
+              <a:rPr lang="de-CH" dirty="0" err="1">
+                <a:solidFill>
+                  <a:schemeClr val="tx1"/>
+                </a:solidFill>
+                <a:latin typeface="Arial" panose="020B0604020202020204" pitchFamily="34" charset="0"/>
+                <a:cs typeface="Arial" panose="020B0604020202020204" pitchFamily="34" charset="0"/>
+              </a:rPr>
+              <a:t>ReservationLayoutHtml</a:t>
+            </a:r>
+            <a:endParaRPr lang="de-CH" dirty="0">
+              <a:solidFill>
+                <a:schemeClr val="tx1"/>
+              </a:solidFill>
+              <a:latin typeface="Arial" panose="020B0604020202020204" pitchFamily="34" charset="0"/>
+              <a:cs typeface="Arial" panose="020B0604020202020204" pitchFamily="34" charset="0"/>
+            </a:endParaRPr>
+          </a:p>
+          <a:p>
+            <a:pPr algn="ctr"/>
+            <a:endParaRPr lang="de-CH" sz="800" dirty="0">
+              <a:solidFill>
+                <a:schemeClr val="tx1"/>
+              </a:solidFill>
+              <a:latin typeface="Arial" panose="020B0604020202020204" pitchFamily="34" charset="0"/>
+              <a:cs typeface="Arial" panose="020B0604020202020204" pitchFamily="34" charset="0"/>
+            </a:endParaRPr>
+          </a:p>
+          <a:p>
+            <a:pPr algn="ctr"/>
+            <a:r>
+              <a:rPr lang="de-CH" sz="1200" dirty="0" err="1">
+                <a:solidFill>
+                  <a:schemeClr val="tx1"/>
+                </a:solidFill>
+                <a:latin typeface="Arial" panose="020B0604020202020204" pitchFamily="34" charset="0"/>
+                <a:cs typeface="Arial" panose="020B0604020202020204" pitchFamily="34" charset="0"/>
+              </a:rPr>
+              <a:t>Creates</a:t>
+            </a:r>
+            <a:r>
               <a:rPr lang="de-CH" sz="1200" dirty="0">
                 <a:solidFill>
                   <a:schemeClr val="tx1"/>
@@ -18741,7 +19695,90 @@
                 <a:latin typeface="Arial" panose="020B0604020202020204" pitchFamily="34" charset="0"/>
                 <a:cs typeface="Arial" panose="020B0604020202020204" pitchFamily="34" charset="0"/>
               </a:rPr>
-              <a:t>Upload</a:t>
+              <a:t> code </a:t>
+            </a:r>
+            <a:r>
+              <a:rPr lang="de-CH" sz="1200" dirty="0" err="1">
+                <a:solidFill>
+                  <a:schemeClr val="tx1"/>
+                </a:solidFill>
+                <a:latin typeface="Arial" panose="020B0604020202020204" pitchFamily="34" charset="0"/>
+                <a:cs typeface="Arial" panose="020B0604020202020204" pitchFamily="34" charset="0"/>
+              </a:rPr>
+              <a:t>for</a:t>
+            </a:r>
+            <a:r>
+              <a:rPr lang="de-CH" sz="1200" dirty="0">
+                <a:solidFill>
+                  <a:schemeClr val="tx1"/>
+                </a:solidFill>
+                <a:latin typeface="Arial" panose="020B0604020202020204" pitchFamily="34" charset="0"/>
+                <a:cs typeface="Arial" panose="020B0604020202020204" pitchFamily="34" charset="0"/>
+              </a:rPr>
+              <a:t> </a:t>
+            </a:r>
+            <a:r>
+              <a:rPr lang="de-CH" sz="1200" dirty="0" err="1">
+                <a:solidFill>
+                  <a:schemeClr val="tx1"/>
+                </a:solidFill>
+                <a:latin typeface="Arial" panose="020B0604020202020204" pitchFamily="34" charset="0"/>
+                <a:cs typeface="Arial" panose="020B0604020202020204" pitchFamily="34" charset="0"/>
+              </a:rPr>
+              <a:t>the</a:t>
+            </a:r>
+            <a:r>
+              <a:rPr lang="de-CH" sz="1200" dirty="0">
+                <a:solidFill>
+                  <a:schemeClr val="tx1"/>
+                </a:solidFill>
+                <a:latin typeface="Arial" panose="020B0604020202020204" pitchFamily="34" charset="0"/>
+                <a:cs typeface="Arial" panose="020B0604020202020204" pitchFamily="34" charset="0"/>
+              </a:rPr>
+              <a:t> HTML </a:t>
+            </a:r>
+            <a:r>
+              <a:rPr lang="de-CH" sz="1200" dirty="0" err="1">
+                <a:solidFill>
+                  <a:schemeClr val="tx1"/>
+                </a:solidFill>
+                <a:latin typeface="Arial" panose="020B0604020202020204" pitchFamily="34" charset="0"/>
+                <a:cs typeface="Arial" panose="020B0604020202020204" pitchFamily="34" charset="0"/>
+              </a:rPr>
+              <a:t>files</a:t>
+            </a:r>
+            <a:r>
+              <a:rPr lang="de-CH" sz="1200" dirty="0">
+                <a:solidFill>
+                  <a:schemeClr val="tx1"/>
+                </a:solidFill>
+                <a:latin typeface="Arial" panose="020B0604020202020204" pitchFamily="34" charset="0"/>
+                <a:cs typeface="Arial" panose="020B0604020202020204" pitchFamily="34" charset="0"/>
+              </a:rPr>
+              <a:t>:</a:t>
+            </a:r>
+          </a:p>
+          <a:p>
+            <a:pPr algn="ctr"/>
+            <a:endParaRPr lang="de-CH" sz="800" dirty="0">
+              <a:solidFill>
+                <a:schemeClr val="tx1"/>
+              </a:solidFill>
+              <a:latin typeface="Arial" panose="020B0604020202020204" pitchFamily="34" charset="0"/>
+              <a:cs typeface="Arial" panose="020B0604020202020204" pitchFamily="34" charset="0"/>
+            </a:endParaRPr>
+          </a:p>
+          <a:p>
+            <a:pPr algn="ctr"/>
+            <a:r>
+              <a:rPr lang="de-CH" sz="800" b="1" i="1" dirty="0">
+                <a:solidFill>
+                  <a:schemeClr val="tx1"/>
+                </a:solidFill>
+                <a:latin typeface="Arial" panose="020B0604020202020204" pitchFamily="34" charset="0"/>
+                <a:cs typeface="Arial" panose="020B0604020202020204" pitchFamily="34" charset="0"/>
+              </a:rPr>
+              <a:t>AddReservation.htm, MakeReservation.htm, SearchReservation.htm, ShowLayout.htm, EventReservation.htm, ReservationList.htm, ReservationPrint.htm</a:t>
             </a:r>
           </a:p>
         </p:txBody>
@@ -18751,7 +19788,7 @@
           <p:cNvPr id="3" name="Rechteck 2">
             <a:extLst>
               <a:ext uri="{FF2B5EF4-FFF2-40B4-BE49-F238E27FC236}">
-                <a16:creationId xmlns:a16="http://schemas.microsoft.com/office/drawing/2014/main" id="{DF884E46-6D7C-E024-E50C-4BA43D097645}"/>
+                <a16:creationId xmlns:a16="http://schemas.microsoft.com/office/drawing/2014/main" id="{FF5C768D-5460-3046-F1D8-B092BA2F0E0A}"/>
               </a:ext>
             </a:extLst>
           </p:cNvPr>
@@ -18760,14 +19797,14 @@
         </p:nvSpPr>
         <p:spPr>
           <a:xfrm>
-            <a:off x="10875886" y="2264999"/>
-            <a:ext cx="860597" cy="202375"/>
+            <a:off x="412313" y="1696823"/>
+            <a:ext cx="3245286" cy="2045616"/>
           </a:xfrm>
           <a:prstGeom prst="rect">
             <a:avLst/>
           </a:prstGeom>
           <a:noFill/>
-          <a:ln>
+          <a:ln w="19050">
             <a:solidFill>
               <a:schemeClr val="tx1"/>
             </a:solidFill>
@@ -18793,26 +19830,324 @@
           <a:bodyPr rtlCol="0" anchor="ctr"/>
           <a:lstStyle/>
           <a:p>
-            <a:pPr algn="ctr"/>
-            <a:r>
-              <a:rPr lang="de-CH" sz="1200" dirty="0">
-                <a:solidFill>
-                  <a:schemeClr val="tx1"/>
-                </a:solidFill>
-                <a:latin typeface="Arial" panose="020B0604020202020204" pitchFamily="34" charset="0"/>
-                <a:cs typeface="Arial" panose="020B0604020202020204" pitchFamily="34" charset="0"/>
-              </a:rPr>
-              <a:t>Download</a:t>
+            <a:r>
+              <a:rPr lang="en-US" sz="1200" dirty="0">
+                <a:solidFill>
+                  <a:schemeClr val="tx1"/>
+                </a:solidFill>
+                <a:latin typeface="Arial" panose="020B0604020202020204" pitchFamily="34" charset="0"/>
+                <a:cs typeface="Arial" panose="020B0604020202020204" pitchFamily="34" charset="0"/>
+              </a:rPr>
+              <a:t>Member variables</a:t>
+            </a:r>
+          </a:p>
+          <a:p>
+            <a:r>
+              <a:rPr lang="en-US" sz="1000" b="1" dirty="0" err="1">
+                <a:solidFill>
+                  <a:schemeClr val="tx1"/>
+                </a:solidFill>
+                <a:latin typeface="Arial" panose="020B0604020202020204" pitchFamily="34" charset="0"/>
+                <a:cs typeface="Arial" panose="020B0604020202020204" pitchFamily="34" charset="0"/>
+              </a:rPr>
+              <a:t>m_layout_xml</a:t>
+            </a:r>
+            <a:endParaRPr lang="en-US" sz="1000" b="1" dirty="0">
+              <a:solidFill>
+                <a:schemeClr val="tx1"/>
+              </a:solidFill>
+              <a:latin typeface="Arial" panose="020B0604020202020204" pitchFamily="34" charset="0"/>
+              <a:cs typeface="Arial" panose="020B0604020202020204" pitchFamily="34" charset="0"/>
+            </a:endParaRPr>
+          </a:p>
+          <a:p>
+            <a:r>
+              <a:rPr lang="en-US" sz="1000" b="1" dirty="0" err="1">
+                <a:solidFill>
+                  <a:schemeClr val="tx1"/>
+                </a:solidFill>
+                <a:latin typeface="Arial" panose="020B0604020202020204" pitchFamily="34" charset="0"/>
+                <a:cs typeface="Arial" panose="020B0604020202020204" pitchFamily="34" charset="0"/>
+              </a:rPr>
+              <a:t>m_output_dir</a:t>
+            </a:r>
+            <a:endParaRPr lang="en-US" sz="1000" b="1" dirty="0">
+              <a:solidFill>
+                <a:schemeClr val="tx1"/>
+              </a:solidFill>
+              <a:latin typeface="Arial" panose="020B0604020202020204" pitchFamily="34" charset="0"/>
+              <a:cs typeface="Arial" panose="020B0604020202020204" pitchFamily="34" charset="0"/>
+            </a:endParaRPr>
+          </a:p>
+          <a:p>
+            <a:r>
+              <a:rPr lang="en-US" sz="1000" b="1" dirty="0" err="1">
+                <a:solidFill>
+                  <a:schemeClr val="tx1"/>
+                </a:solidFill>
+                <a:latin typeface="Arial" panose="020B0604020202020204" pitchFamily="34" charset="0"/>
+                <a:cs typeface="Arial" panose="020B0604020202020204" pitchFamily="34" charset="0"/>
+              </a:rPr>
+              <a:t>m_layout_file_case</a:t>
+            </a:r>
+            <a:endParaRPr lang="en-US" sz="1000" b="1" dirty="0">
+              <a:solidFill>
+                <a:schemeClr val="tx1"/>
+              </a:solidFill>
+              <a:latin typeface="Arial" panose="020B0604020202020204" pitchFamily="34" charset="0"/>
+              <a:cs typeface="Arial" panose="020B0604020202020204" pitchFamily="34" charset="0"/>
+            </a:endParaRPr>
+          </a:p>
+          <a:p>
+            <a:r>
+              <a:rPr lang="en-US" sz="1000" b="1" dirty="0" err="1">
+                <a:solidFill>
+                  <a:schemeClr val="tx1"/>
+                </a:solidFill>
+                <a:latin typeface="Arial" panose="020B0604020202020204" pitchFamily="34" charset="0"/>
+                <a:cs typeface="Arial" panose="020B0604020202020204" pitchFamily="34" charset="0"/>
+              </a:rPr>
+              <a:t>m_button_id_array</a:t>
+            </a:r>
+            <a:endParaRPr lang="en-US" sz="1000" b="1" dirty="0">
+              <a:solidFill>
+                <a:schemeClr val="tx1"/>
+              </a:solidFill>
+              <a:latin typeface="Arial" panose="020B0604020202020204" pitchFamily="34" charset="0"/>
+              <a:cs typeface="Arial" panose="020B0604020202020204" pitchFamily="34" charset="0"/>
+            </a:endParaRPr>
+          </a:p>
+          <a:p>
+            <a:r>
+              <a:rPr lang="en-US" sz="1000" b="1" dirty="0" err="1">
+                <a:solidFill>
+                  <a:schemeClr val="tx1"/>
+                </a:solidFill>
+                <a:latin typeface="Arial" panose="020B0604020202020204" pitchFamily="34" charset="0"/>
+                <a:cs typeface="Arial" panose="020B0604020202020204" pitchFamily="34" charset="0"/>
+              </a:rPr>
+              <a:t>m_layout_file_description</a:t>
+            </a:r>
+            <a:endParaRPr lang="en-US" sz="1000" b="1" dirty="0">
+              <a:solidFill>
+                <a:schemeClr val="tx1"/>
+              </a:solidFill>
+              <a:latin typeface="Arial" panose="020B0604020202020204" pitchFamily="34" charset="0"/>
+              <a:cs typeface="Arial" panose="020B0604020202020204" pitchFamily="34" charset="0"/>
+            </a:endParaRPr>
+          </a:p>
+          <a:p>
+            <a:r>
+              <a:rPr lang="en-US" sz="1000" b="1" dirty="0" err="1">
+                <a:solidFill>
+                  <a:schemeClr val="tx1"/>
+                </a:solidFill>
+                <a:latin typeface="Arial" panose="020B0604020202020204" pitchFamily="34" charset="0"/>
+                <a:cs typeface="Arial" panose="020B0604020202020204" pitchFamily="34" charset="0"/>
+              </a:rPr>
+              <a:t>m_html_code</a:t>
+            </a:r>
+            <a:endParaRPr lang="en-US" sz="1000" b="1" dirty="0">
+              <a:solidFill>
+                <a:schemeClr val="tx1"/>
+              </a:solidFill>
+              <a:latin typeface="Arial" panose="020B0604020202020204" pitchFamily="34" charset="0"/>
+              <a:cs typeface="Arial" panose="020B0604020202020204" pitchFamily="34" charset="0"/>
+            </a:endParaRPr>
+          </a:p>
+          <a:p>
+            <a:endParaRPr lang="en-US" sz="1000" b="1" dirty="0">
+              <a:solidFill>
+                <a:schemeClr val="tx1"/>
+              </a:solidFill>
+              <a:latin typeface="Arial" panose="020B0604020202020204" pitchFamily="34" charset="0"/>
+              <a:cs typeface="Arial" panose="020B0604020202020204" pitchFamily="34" charset="0"/>
+            </a:endParaRPr>
+          </a:p>
+          <a:p>
+            <a:r>
+              <a:rPr lang="en-US" sz="1200" dirty="0">
+                <a:solidFill>
+                  <a:schemeClr val="tx1"/>
+                </a:solidFill>
+                <a:latin typeface="Arial" panose="020B0604020202020204" pitchFamily="34" charset="0"/>
+                <a:cs typeface="Arial" panose="020B0604020202020204" pitchFamily="34" charset="0"/>
+              </a:rPr>
+              <a:t>Member functions</a:t>
+            </a:r>
+          </a:p>
+          <a:p>
+            <a:r>
+              <a:rPr lang="de-CH" sz="1000" b="1" dirty="0" err="1">
+                <a:solidFill>
+                  <a:schemeClr val="tx1"/>
+                </a:solidFill>
+                <a:latin typeface="Arial" panose="020B0604020202020204" pitchFamily="34" charset="0"/>
+                <a:cs typeface="Arial" panose="020B0604020202020204" pitchFamily="34" charset="0"/>
+              </a:rPr>
+              <a:t>execute</a:t>
+            </a:r>
+            <a:r>
+              <a:rPr lang="de-CH" sz="1000" b="1" dirty="0">
+                <a:solidFill>
+                  <a:schemeClr val="tx1"/>
+                </a:solidFill>
+                <a:latin typeface="Arial" panose="020B0604020202020204" pitchFamily="34" charset="0"/>
+                <a:cs typeface="Arial" panose="020B0604020202020204" pitchFamily="34" charset="0"/>
+              </a:rPr>
+              <a:t>: </a:t>
+            </a:r>
+            <a:r>
+              <a:rPr lang="de-CH" sz="1000" b="1" dirty="0" err="1">
+                <a:solidFill>
+                  <a:schemeClr val="tx1"/>
+                </a:solidFill>
+                <a:latin typeface="Arial" panose="020B0604020202020204" pitchFamily="34" charset="0"/>
+                <a:cs typeface="Arial" panose="020B0604020202020204" pitchFamily="34" charset="0"/>
+              </a:rPr>
+              <a:t>Creates</a:t>
+            </a:r>
+            <a:r>
+              <a:rPr lang="de-CH" sz="1000" b="1" dirty="0">
+                <a:solidFill>
+                  <a:schemeClr val="tx1"/>
+                </a:solidFill>
+                <a:latin typeface="Arial" panose="020B0604020202020204" pitchFamily="34" charset="0"/>
+                <a:cs typeface="Arial" panose="020B0604020202020204" pitchFamily="34" charset="0"/>
+              </a:rPr>
+              <a:t> </a:t>
+            </a:r>
+            <a:r>
+              <a:rPr lang="de-CH" sz="1000" b="1" dirty="0" err="1">
+                <a:solidFill>
+                  <a:schemeClr val="tx1"/>
+                </a:solidFill>
+                <a:latin typeface="Arial" panose="020B0604020202020204" pitchFamily="34" charset="0"/>
+                <a:cs typeface="Arial" panose="020B0604020202020204" pitchFamily="34" charset="0"/>
+              </a:rPr>
+              <a:t>the</a:t>
+            </a:r>
+            <a:r>
+              <a:rPr lang="de-CH" sz="1000" b="1" dirty="0">
+                <a:solidFill>
+                  <a:schemeClr val="tx1"/>
+                </a:solidFill>
+                <a:latin typeface="Arial" panose="020B0604020202020204" pitchFamily="34" charset="0"/>
+                <a:cs typeface="Arial" panose="020B0604020202020204" pitchFamily="34" charset="0"/>
+              </a:rPr>
+              <a:t> code </a:t>
+            </a:r>
+            <a:r>
+              <a:rPr lang="de-CH" sz="1000" b="1" dirty="0" err="1">
+                <a:solidFill>
+                  <a:schemeClr val="tx1"/>
+                </a:solidFill>
+                <a:latin typeface="Arial" panose="020B0604020202020204" pitchFamily="34" charset="0"/>
+                <a:cs typeface="Arial" panose="020B0604020202020204" pitchFamily="34" charset="0"/>
+              </a:rPr>
+              <a:t>for</a:t>
+            </a:r>
+            <a:r>
+              <a:rPr lang="de-CH" sz="1000" b="1" dirty="0">
+                <a:solidFill>
+                  <a:schemeClr val="tx1"/>
+                </a:solidFill>
+                <a:latin typeface="Arial" panose="020B0604020202020204" pitchFamily="34" charset="0"/>
+                <a:cs typeface="Arial" panose="020B0604020202020204" pitchFamily="34" charset="0"/>
+              </a:rPr>
+              <a:t> </a:t>
+            </a:r>
+            <a:r>
+              <a:rPr lang="de-CH" sz="1000" b="1" dirty="0" err="1">
+                <a:solidFill>
+                  <a:schemeClr val="tx1"/>
+                </a:solidFill>
+                <a:latin typeface="Arial" panose="020B0604020202020204" pitchFamily="34" charset="0"/>
+                <a:cs typeface="Arial" panose="020B0604020202020204" pitchFamily="34" charset="0"/>
+              </a:rPr>
+              <a:t>the</a:t>
+            </a:r>
+            <a:r>
+              <a:rPr lang="de-CH" sz="1000" b="1" dirty="0">
+                <a:solidFill>
+                  <a:schemeClr val="tx1"/>
+                </a:solidFill>
+                <a:latin typeface="Arial" panose="020B0604020202020204" pitchFamily="34" charset="0"/>
+                <a:cs typeface="Arial" panose="020B0604020202020204" pitchFamily="34" charset="0"/>
+              </a:rPr>
+              <a:t> HTML </a:t>
+            </a:r>
+            <a:r>
+              <a:rPr lang="de-CH" sz="1000" b="1" dirty="0" err="1">
+                <a:solidFill>
+                  <a:schemeClr val="tx1"/>
+                </a:solidFill>
+                <a:latin typeface="Arial" panose="020B0604020202020204" pitchFamily="34" charset="0"/>
+                <a:cs typeface="Arial" panose="020B0604020202020204" pitchFamily="34" charset="0"/>
+              </a:rPr>
+              <a:t>file</a:t>
+            </a:r>
+            <a:r>
+              <a:rPr lang="de-CH" sz="1000" b="1" dirty="0">
+                <a:solidFill>
+                  <a:schemeClr val="tx1"/>
+                </a:solidFill>
+                <a:latin typeface="Arial" panose="020B0604020202020204" pitchFamily="34" charset="0"/>
+                <a:cs typeface="Arial" panose="020B0604020202020204" pitchFamily="34" charset="0"/>
+              </a:rPr>
+              <a:t> </a:t>
+            </a:r>
+          </a:p>
+          <a:p>
+            <a:r>
+              <a:rPr lang="de-CH" sz="1000" b="1" dirty="0" err="1">
+                <a:solidFill>
+                  <a:schemeClr val="tx1"/>
+                </a:solidFill>
+                <a:latin typeface="Arial" panose="020B0604020202020204" pitchFamily="34" charset="0"/>
+                <a:cs typeface="Arial" panose="020B0604020202020204" pitchFamily="34" charset="0"/>
+              </a:rPr>
+              <a:t>get</a:t>
+            </a:r>
+            <a:r>
+              <a:rPr lang="de-CH" sz="1000" b="1" dirty="0">
+                <a:solidFill>
+                  <a:schemeClr val="tx1"/>
+                </a:solidFill>
+                <a:latin typeface="Arial" panose="020B0604020202020204" pitchFamily="34" charset="0"/>
+                <a:cs typeface="Arial" panose="020B0604020202020204" pitchFamily="34" charset="0"/>
+              </a:rPr>
+              <a:t>:         Returns </a:t>
+            </a:r>
+            <a:r>
+              <a:rPr lang="de-CH" sz="1000" b="1" dirty="0" err="1">
+                <a:solidFill>
+                  <a:schemeClr val="tx1"/>
+                </a:solidFill>
+                <a:latin typeface="Arial" panose="020B0604020202020204" pitchFamily="34" charset="0"/>
+                <a:cs typeface="Arial" panose="020B0604020202020204" pitchFamily="34" charset="0"/>
+              </a:rPr>
+              <a:t>the</a:t>
+            </a:r>
+            <a:r>
+              <a:rPr lang="de-CH" sz="1000" b="1" dirty="0">
+                <a:solidFill>
+                  <a:schemeClr val="tx1"/>
+                </a:solidFill>
+                <a:latin typeface="Arial" panose="020B0604020202020204" pitchFamily="34" charset="0"/>
+                <a:cs typeface="Arial" panose="020B0604020202020204" pitchFamily="34" charset="0"/>
+              </a:rPr>
+              <a:t> HTML code</a:t>
             </a:r>
           </a:p>
         </p:txBody>
       </p:sp>
       <p:sp>
         <p:nvSpPr>
-          <p:cNvPr id="37" name="Textfeld 36">
+          <p:cNvPr id="4" name="Textfeld 3">
             <a:extLst>
               <a:ext uri="{FF2B5EF4-FFF2-40B4-BE49-F238E27FC236}">
-                <a16:creationId xmlns:a16="http://schemas.microsoft.com/office/drawing/2014/main" id="{2ED15C12-AFDD-8F28-0B61-4636D8A38D8B}"/>
+                <a16:creationId xmlns:a16="http://schemas.microsoft.com/office/drawing/2014/main" id="{CB863C8A-449C-1A13-1CA0-46C134E3C471}"/>
               </a:ext>
             </a:extLst>
           </p:cNvPr>
@@ -18821,8 +20156,8 @@
         </p:nvSpPr>
         <p:spPr>
           <a:xfrm>
-            <a:off x="4482334" y="1174367"/>
-            <a:ext cx="1362165" cy="430887"/>
+            <a:off x="0" y="173506"/>
+            <a:ext cx="12192000" cy="369332"/>
           </a:xfrm>
           <a:prstGeom prst="rect">
             <a:avLst/>
@@ -18830,84 +20165,2537 @@
           <a:noFill/>
         </p:spPr>
         <p:txBody>
-          <a:bodyPr wrap="square" rtlCol="0">
+          <a:bodyPr wrap="square">
             <a:spAutoFit/>
           </a:bodyPr>
           <a:lstStyle/>
           <a:p>
-            <a:r>
-              <a:rPr lang="de-CH" sz="1200" dirty="0">
-                <a:latin typeface="Arial" panose="020B0604020202020204" pitchFamily="34" charset="0"/>
-                <a:cs typeface="Arial" panose="020B0604020202020204" pitchFamily="34" charset="0"/>
-              </a:rPr>
-              <a:t>Nummer</a:t>
-            </a:r>
-          </a:p>
-          <a:p>
-            <a:endParaRPr lang="de-CH" sz="200" dirty="0">
-              <a:latin typeface="Arial" panose="020B0604020202020204" pitchFamily="34" charset="0"/>
-              <a:cs typeface="Arial" panose="020B0604020202020204" pitchFamily="34" charset="0"/>
-            </a:endParaRPr>
-          </a:p>
-          <a:p>
-            <a:r>
-              <a:rPr lang="de-CH" sz="800" dirty="0">
-                <a:latin typeface="Arial" panose="020B0604020202020204" pitchFamily="34" charset="0"/>
-                <a:cs typeface="Arial" panose="020B0604020202020204" pitchFamily="34" charset="0"/>
-              </a:rPr>
-              <a:t>&lt;</a:t>
-            </a:r>
-            <a:r>
-              <a:rPr lang="de-CH" sz="800" dirty="0" err="1">
-                <a:latin typeface="Arial" panose="020B0604020202020204" pitchFamily="34" charset="0"/>
-                <a:cs typeface="Arial" panose="020B0604020202020204" pitchFamily="34" charset="0"/>
-              </a:rPr>
-              <a:t>JazzGuestRegNumber</a:t>
-            </a:r>
-            <a:r>
-              <a:rPr lang="de-CH" sz="800" dirty="0">
-                <a:latin typeface="Arial" panose="020B0604020202020204" pitchFamily="34" charset="0"/>
-                <a:cs typeface="Arial" panose="020B0604020202020204" pitchFamily="34" charset="0"/>
-              </a:rPr>
-              <a:t>&gt;</a:t>
+            <a:pPr algn="ctr"/>
+            <a:r>
+              <a:rPr lang="de-CH" b="1" dirty="0">
+                <a:latin typeface="Arial" panose="020B0604020202020204" pitchFamily="34" charset="0"/>
+                <a:cs typeface="Arial" panose="020B0604020202020204" pitchFamily="34" charset="0"/>
+              </a:rPr>
+              <a:t>ReservationLayoutHtml.js</a:t>
             </a:r>
           </a:p>
         </p:txBody>
       </p:sp>
-      <p:pic>
-        <p:nvPicPr>
-          <p:cNvPr id="57" name="Grafik 56">
+      <p:sp>
+        <p:nvSpPr>
+          <p:cNvPr id="9" name="Rechteck 8">
             <a:extLst>
               <a:ext uri="{FF2B5EF4-FFF2-40B4-BE49-F238E27FC236}">
-                <a16:creationId xmlns:a16="http://schemas.microsoft.com/office/drawing/2014/main" id="{DD4C6D50-48D3-1ABC-0597-4B799DEFC3DA}"/>
+                <a16:creationId xmlns:a16="http://schemas.microsoft.com/office/drawing/2014/main" id="{2617247C-D33A-45E3-0863-8591D391B66D}"/>
               </a:ext>
             </a:extLst>
           </p:cNvPr>
-          <p:cNvPicPr>
-            <a:picLocks noChangeAspect="1"/>
-          </p:cNvPicPr>
+          <p:cNvSpPr/>
           <p:nvPr/>
-        </p:nvPicPr>
-        <p:blipFill>
-          <a:blip r:embed="rId2"/>
-          <a:stretch>
-            <a:fillRect/>
-          </a:stretch>
-        </p:blipFill>
+        </p:nvSpPr>
         <p:spPr>
           <a:xfrm>
-            <a:off x="2242388" y="713056"/>
-            <a:ext cx="4733333" cy="247619"/>
+            <a:off x="412313" y="3711802"/>
+            <a:ext cx="3245285" cy="756861"/>
           </a:xfrm>
           <a:prstGeom prst="rect">
             <a:avLst/>
           </a:prstGeom>
-        </p:spPr>
-      </p:pic>
+          <a:noFill/>
+          <a:ln w="19050">
+            <a:solidFill>
+              <a:schemeClr val="tx1"/>
+            </a:solidFill>
+          </a:ln>
+        </p:spPr>
+        <p:style>
+          <a:lnRef idx="2">
+            <a:schemeClr val="accent1">
+              <a:shade val="50000"/>
+            </a:schemeClr>
+          </a:lnRef>
+          <a:fillRef idx="1">
+            <a:schemeClr val="accent1"/>
+          </a:fillRef>
+          <a:effectRef idx="0">
+            <a:schemeClr val="accent1"/>
+          </a:effectRef>
+          <a:fontRef idx="minor">
+            <a:schemeClr val="lt1"/>
+          </a:fontRef>
+        </p:style>
+        <p:txBody>
+          <a:bodyPr rtlCol="0" anchor="ctr"/>
+          <a:lstStyle/>
+          <a:p>
+            <a:pPr algn="ctr"/>
+            <a:r>
+              <a:rPr lang="de-CH" dirty="0" err="1">
+                <a:solidFill>
+                  <a:schemeClr val="tx1"/>
+                </a:solidFill>
+                <a:latin typeface="Arial" panose="020B0604020202020204" pitchFamily="34" charset="0"/>
+                <a:cs typeface="Arial" panose="020B0604020202020204" pitchFamily="34" charset="0"/>
+              </a:rPr>
+              <a:t>LayoutStyle</a:t>
+            </a:r>
+            <a:endParaRPr lang="de-CH" dirty="0">
+              <a:solidFill>
+                <a:schemeClr val="tx1"/>
+              </a:solidFill>
+              <a:latin typeface="Arial" panose="020B0604020202020204" pitchFamily="34" charset="0"/>
+              <a:cs typeface="Arial" panose="020B0604020202020204" pitchFamily="34" charset="0"/>
+            </a:endParaRPr>
+          </a:p>
+          <a:p>
+            <a:pPr algn="ctr"/>
+            <a:endParaRPr lang="de-CH" sz="800" dirty="0">
+              <a:solidFill>
+                <a:schemeClr val="tx1"/>
+              </a:solidFill>
+              <a:latin typeface="Arial" panose="020B0604020202020204" pitchFamily="34" charset="0"/>
+              <a:cs typeface="Arial" panose="020B0604020202020204" pitchFamily="34" charset="0"/>
+            </a:endParaRPr>
+          </a:p>
+          <a:p>
+            <a:pPr algn="ctr"/>
+            <a:r>
+              <a:rPr lang="de-CH" sz="1200" dirty="0" err="1">
+                <a:solidFill>
+                  <a:schemeClr val="tx1"/>
+                </a:solidFill>
+                <a:latin typeface="Arial" panose="020B0604020202020204" pitchFamily="34" charset="0"/>
+                <a:cs typeface="Arial" panose="020B0604020202020204" pitchFamily="34" charset="0"/>
+              </a:rPr>
+              <a:t>Creates</a:t>
+            </a:r>
+            <a:r>
+              <a:rPr lang="de-CH" sz="1200" dirty="0">
+                <a:solidFill>
+                  <a:schemeClr val="tx1"/>
+                </a:solidFill>
+                <a:latin typeface="Arial" panose="020B0604020202020204" pitchFamily="34" charset="0"/>
+                <a:cs typeface="Arial" panose="020B0604020202020204" pitchFamily="34" charset="0"/>
+              </a:rPr>
+              <a:t> </a:t>
+            </a:r>
+            <a:r>
+              <a:rPr lang="de-CH" sz="1200" dirty="0" err="1">
+                <a:solidFill>
+                  <a:schemeClr val="tx1"/>
+                </a:solidFill>
+                <a:latin typeface="Arial" panose="020B0604020202020204" pitchFamily="34" charset="0"/>
+                <a:cs typeface="Arial" panose="020B0604020202020204" pitchFamily="34" charset="0"/>
+              </a:rPr>
+              <a:t>the</a:t>
+            </a:r>
+            <a:r>
+              <a:rPr lang="de-CH" sz="1200" dirty="0">
+                <a:solidFill>
+                  <a:schemeClr val="tx1"/>
+                </a:solidFill>
+                <a:latin typeface="Arial" panose="020B0604020202020204" pitchFamily="34" charset="0"/>
+                <a:cs typeface="Arial" panose="020B0604020202020204" pitchFamily="34" charset="0"/>
+              </a:rPr>
+              <a:t> &lt;</a:t>
+            </a:r>
+            <a:r>
+              <a:rPr lang="de-CH" sz="1200" dirty="0" err="1">
+                <a:solidFill>
+                  <a:schemeClr val="tx1"/>
+                </a:solidFill>
+                <a:latin typeface="Arial" panose="020B0604020202020204" pitchFamily="34" charset="0"/>
+                <a:cs typeface="Arial" panose="020B0604020202020204" pitchFamily="34" charset="0"/>
+              </a:rPr>
+              <a:t>header</a:t>
+            </a:r>
+            <a:r>
+              <a:rPr lang="de-CH" sz="1200" dirty="0">
+                <a:solidFill>
+                  <a:schemeClr val="tx1"/>
+                </a:solidFill>
+                <a:latin typeface="Arial" panose="020B0604020202020204" pitchFamily="34" charset="0"/>
+                <a:cs typeface="Arial" panose="020B0604020202020204" pitchFamily="34" charset="0"/>
+              </a:rPr>
+              <a:t>&gt; &lt;style&gt;  code</a:t>
+            </a:r>
+          </a:p>
+        </p:txBody>
+      </p:sp>
+      <p:sp>
+        <p:nvSpPr>
+          <p:cNvPr id="10" name="Rechteck 9">
+            <a:extLst>
+              <a:ext uri="{FF2B5EF4-FFF2-40B4-BE49-F238E27FC236}">
+                <a16:creationId xmlns:a16="http://schemas.microsoft.com/office/drawing/2014/main" id="{22025F71-46C4-EFEC-DE3F-A5637F4ABD54}"/>
+              </a:ext>
+            </a:extLst>
+          </p:cNvPr>
+          <p:cNvSpPr/>
+          <p:nvPr/>
+        </p:nvSpPr>
+        <p:spPr>
+          <a:xfrm>
+            <a:off x="412312" y="4468663"/>
+            <a:ext cx="3245286" cy="1939565"/>
+          </a:xfrm>
+          <a:prstGeom prst="rect">
+            <a:avLst/>
+          </a:prstGeom>
+          <a:noFill/>
+          <a:ln w="19050">
+            <a:solidFill>
+              <a:schemeClr val="tx1"/>
+            </a:solidFill>
+          </a:ln>
+        </p:spPr>
+        <p:style>
+          <a:lnRef idx="2">
+            <a:schemeClr val="accent1">
+              <a:shade val="50000"/>
+            </a:schemeClr>
+          </a:lnRef>
+          <a:fillRef idx="1">
+            <a:schemeClr val="accent1"/>
+          </a:fillRef>
+          <a:effectRef idx="0">
+            <a:schemeClr val="accent1"/>
+          </a:effectRef>
+          <a:fontRef idx="minor">
+            <a:schemeClr val="lt1"/>
+          </a:fontRef>
+        </p:style>
+        <p:txBody>
+          <a:bodyPr rtlCol="0" anchor="ctr"/>
+          <a:lstStyle/>
+          <a:p>
+            <a:r>
+              <a:rPr lang="en-US" sz="1200" dirty="0">
+                <a:solidFill>
+                  <a:schemeClr val="tx1"/>
+                </a:solidFill>
+                <a:latin typeface="Arial" panose="020B0604020202020204" pitchFamily="34" charset="0"/>
+                <a:cs typeface="Arial" panose="020B0604020202020204" pitchFamily="34" charset="0"/>
+              </a:rPr>
+              <a:t>Member variables</a:t>
+            </a:r>
+          </a:p>
+          <a:p>
+            <a:r>
+              <a:rPr lang="en-US" sz="1000" b="1" dirty="0" err="1">
+                <a:solidFill>
+                  <a:schemeClr val="tx1"/>
+                </a:solidFill>
+                <a:latin typeface="Arial" panose="020B0604020202020204" pitchFamily="34" charset="0"/>
+                <a:cs typeface="Arial" panose="020B0604020202020204" pitchFamily="34" charset="0"/>
+              </a:rPr>
+              <a:t>m_layout_xml</a:t>
+            </a:r>
+            <a:endParaRPr lang="en-US" sz="1000" b="1" dirty="0">
+              <a:solidFill>
+                <a:schemeClr val="tx1"/>
+              </a:solidFill>
+              <a:latin typeface="Arial" panose="020B0604020202020204" pitchFamily="34" charset="0"/>
+              <a:cs typeface="Arial" panose="020B0604020202020204" pitchFamily="34" charset="0"/>
+            </a:endParaRPr>
+          </a:p>
+          <a:p>
+            <a:r>
+              <a:rPr lang="en-US" sz="1000" b="1" dirty="0" err="1">
+                <a:solidFill>
+                  <a:schemeClr val="tx1"/>
+                </a:solidFill>
+                <a:latin typeface="Arial" panose="020B0604020202020204" pitchFamily="34" charset="0"/>
+                <a:cs typeface="Arial" panose="020B0604020202020204" pitchFamily="34" charset="0"/>
+              </a:rPr>
+              <a:t>m_output_dir</a:t>
+            </a:r>
+            <a:endParaRPr lang="en-US" sz="1000" b="1" dirty="0">
+              <a:solidFill>
+                <a:schemeClr val="tx1"/>
+              </a:solidFill>
+              <a:latin typeface="Arial" panose="020B0604020202020204" pitchFamily="34" charset="0"/>
+              <a:cs typeface="Arial" panose="020B0604020202020204" pitchFamily="34" charset="0"/>
+            </a:endParaRPr>
+          </a:p>
+          <a:p>
+            <a:r>
+              <a:rPr lang="en-US" sz="1000" b="1" dirty="0" err="1">
+                <a:solidFill>
+                  <a:schemeClr val="tx1"/>
+                </a:solidFill>
+                <a:latin typeface="Arial" panose="020B0604020202020204" pitchFamily="34" charset="0"/>
+                <a:cs typeface="Arial" panose="020B0604020202020204" pitchFamily="34" charset="0"/>
+              </a:rPr>
+              <a:t>m_layout_file_case</a:t>
+            </a:r>
+            <a:endParaRPr lang="en-US" sz="1000" b="1" dirty="0">
+              <a:solidFill>
+                <a:schemeClr val="tx1"/>
+              </a:solidFill>
+              <a:latin typeface="Arial" panose="020B0604020202020204" pitchFamily="34" charset="0"/>
+              <a:cs typeface="Arial" panose="020B0604020202020204" pitchFamily="34" charset="0"/>
+            </a:endParaRPr>
+          </a:p>
+          <a:p>
+            <a:r>
+              <a:rPr lang="en-US" sz="1000" b="1" dirty="0" err="1">
+                <a:solidFill>
+                  <a:schemeClr val="tx1"/>
+                </a:solidFill>
+                <a:latin typeface="Arial" panose="020B0604020202020204" pitchFamily="34" charset="0"/>
+                <a:cs typeface="Arial" panose="020B0604020202020204" pitchFamily="34" charset="0"/>
+              </a:rPr>
+              <a:t>m_html_style_code</a:t>
+            </a:r>
+            <a:endParaRPr lang="en-US" sz="1000" b="1" dirty="0">
+              <a:solidFill>
+                <a:schemeClr val="tx1"/>
+              </a:solidFill>
+              <a:latin typeface="Arial" panose="020B0604020202020204" pitchFamily="34" charset="0"/>
+              <a:cs typeface="Arial" panose="020B0604020202020204" pitchFamily="34" charset="0"/>
+            </a:endParaRPr>
+          </a:p>
+          <a:p>
+            <a:endParaRPr lang="en-US" sz="1000" b="1" dirty="0">
+              <a:solidFill>
+                <a:schemeClr val="tx1"/>
+              </a:solidFill>
+              <a:latin typeface="Arial" panose="020B0604020202020204" pitchFamily="34" charset="0"/>
+              <a:cs typeface="Arial" panose="020B0604020202020204" pitchFamily="34" charset="0"/>
+            </a:endParaRPr>
+          </a:p>
+          <a:p>
+            <a:r>
+              <a:rPr lang="en-US" sz="1200" dirty="0">
+                <a:solidFill>
+                  <a:schemeClr val="tx1"/>
+                </a:solidFill>
+                <a:latin typeface="Arial" panose="020B0604020202020204" pitchFamily="34" charset="0"/>
+                <a:cs typeface="Arial" panose="020B0604020202020204" pitchFamily="34" charset="0"/>
+              </a:rPr>
+              <a:t>Member functions</a:t>
+            </a:r>
+          </a:p>
+          <a:p>
+            <a:r>
+              <a:rPr lang="de-CH" sz="1000" b="1" dirty="0" err="1">
+                <a:solidFill>
+                  <a:schemeClr val="tx1"/>
+                </a:solidFill>
+                <a:latin typeface="Arial" panose="020B0604020202020204" pitchFamily="34" charset="0"/>
+                <a:cs typeface="Arial" panose="020B0604020202020204" pitchFamily="34" charset="0"/>
+              </a:rPr>
+              <a:t>execute</a:t>
+            </a:r>
+            <a:r>
+              <a:rPr lang="de-CH" sz="1000" b="1" dirty="0">
+                <a:solidFill>
+                  <a:schemeClr val="tx1"/>
+                </a:solidFill>
+                <a:latin typeface="Arial" panose="020B0604020202020204" pitchFamily="34" charset="0"/>
+                <a:cs typeface="Arial" panose="020B0604020202020204" pitchFamily="34" charset="0"/>
+              </a:rPr>
+              <a:t>: </a:t>
+            </a:r>
+            <a:r>
+              <a:rPr lang="de-CH" sz="1000" b="1" dirty="0" err="1">
+                <a:solidFill>
+                  <a:schemeClr val="tx1"/>
+                </a:solidFill>
+                <a:latin typeface="Arial" panose="020B0604020202020204" pitchFamily="34" charset="0"/>
+                <a:cs typeface="Arial" panose="020B0604020202020204" pitchFamily="34" charset="0"/>
+              </a:rPr>
+              <a:t>Creates</a:t>
+            </a:r>
+            <a:r>
+              <a:rPr lang="de-CH" sz="1000" b="1" dirty="0">
+                <a:solidFill>
+                  <a:schemeClr val="tx1"/>
+                </a:solidFill>
+                <a:latin typeface="Arial" panose="020B0604020202020204" pitchFamily="34" charset="0"/>
+                <a:cs typeface="Arial" panose="020B0604020202020204" pitchFamily="34" charset="0"/>
+              </a:rPr>
+              <a:t> </a:t>
+            </a:r>
+            <a:r>
+              <a:rPr lang="de-CH" sz="1000" b="1" dirty="0" err="1">
+                <a:solidFill>
+                  <a:schemeClr val="tx1"/>
+                </a:solidFill>
+                <a:latin typeface="Arial" panose="020B0604020202020204" pitchFamily="34" charset="0"/>
+                <a:cs typeface="Arial" panose="020B0604020202020204" pitchFamily="34" charset="0"/>
+              </a:rPr>
+              <a:t>the</a:t>
+            </a:r>
+            <a:r>
+              <a:rPr lang="de-CH" sz="1000" b="1" dirty="0">
+                <a:solidFill>
+                  <a:schemeClr val="tx1"/>
+                </a:solidFill>
+                <a:latin typeface="Arial" panose="020B0604020202020204" pitchFamily="34" charset="0"/>
+                <a:cs typeface="Arial" panose="020B0604020202020204" pitchFamily="34" charset="0"/>
+              </a:rPr>
+              <a:t> JavaScript code </a:t>
+            </a:r>
+          </a:p>
+          <a:p>
+            <a:r>
+              <a:rPr lang="de-CH" sz="1000" b="1" dirty="0" err="1">
+                <a:solidFill>
+                  <a:schemeClr val="tx1"/>
+                </a:solidFill>
+                <a:latin typeface="Arial" panose="020B0604020202020204" pitchFamily="34" charset="0"/>
+                <a:cs typeface="Arial" panose="020B0604020202020204" pitchFamily="34" charset="0"/>
+              </a:rPr>
+              <a:t>get</a:t>
+            </a:r>
+            <a:r>
+              <a:rPr lang="de-CH" sz="1000" b="1" dirty="0">
+                <a:solidFill>
+                  <a:schemeClr val="tx1"/>
+                </a:solidFill>
+                <a:latin typeface="Arial" panose="020B0604020202020204" pitchFamily="34" charset="0"/>
+                <a:cs typeface="Arial" panose="020B0604020202020204" pitchFamily="34" charset="0"/>
+              </a:rPr>
+              <a:t>:         Returns </a:t>
+            </a:r>
+            <a:r>
+              <a:rPr lang="de-CH" sz="1000" b="1" dirty="0" err="1">
+                <a:solidFill>
+                  <a:schemeClr val="tx1"/>
+                </a:solidFill>
+                <a:latin typeface="Arial" panose="020B0604020202020204" pitchFamily="34" charset="0"/>
+                <a:cs typeface="Arial" panose="020B0604020202020204" pitchFamily="34" charset="0"/>
+              </a:rPr>
+              <a:t>the</a:t>
+            </a:r>
+            <a:r>
+              <a:rPr lang="de-CH" sz="1000" b="1" dirty="0">
+                <a:solidFill>
+                  <a:schemeClr val="tx1"/>
+                </a:solidFill>
+                <a:latin typeface="Arial" panose="020B0604020202020204" pitchFamily="34" charset="0"/>
+                <a:cs typeface="Arial" panose="020B0604020202020204" pitchFamily="34" charset="0"/>
+              </a:rPr>
+              <a:t> JavaScript code</a:t>
+            </a:r>
+          </a:p>
+          <a:p>
+            <a:r>
+              <a:rPr lang="de-CH" sz="1000" b="1" dirty="0" err="1">
+                <a:solidFill>
+                  <a:schemeClr val="tx1"/>
+                </a:solidFill>
+                <a:latin typeface="Arial" panose="020B0604020202020204" pitchFamily="34" charset="0"/>
+                <a:cs typeface="Arial" panose="020B0604020202020204" pitchFamily="34" charset="0"/>
+              </a:rPr>
+              <a:t>print</a:t>
+            </a:r>
+            <a:r>
+              <a:rPr lang="de-CH" sz="1000" b="1" dirty="0">
+                <a:solidFill>
+                  <a:schemeClr val="tx1"/>
+                </a:solidFill>
+                <a:latin typeface="Arial" panose="020B0604020202020204" pitchFamily="34" charset="0"/>
+                <a:cs typeface="Arial" panose="020B0604020202020204" pitchFamily="34" charset="0"/>
+              </a:rPr>
+              <a:t>:  @media </a:t>
+            </a:r>
+            <a:r>
+              <a:rPr lang="de-CH" sz="1000" b="1" dirty="0" err="1">
+                <a:solidFill>
+                  <a:schemeClr val="tx1"/>
+                </a:solidFill>
+                <a:latin typeface="Arial" panose="020B0604020202020204" pitchFamily="34" charset="0"/>
+                <a:cs typeface="Arial" panose="020B0604020202020204" pitchFamily="34" charset="0"/>
+              </a:rPr>
+              <a:t>print</a:t>
+            </a:r>
+            <a:r>
+              <a:rPr lang="de-CH" sz="1000" b="1" dirty="0">
+                <a:solidFill>
+                  <a:schemeClr val="tx1"/>
+                </a:solidFill>
+                <a:latin typeface="Arial" panose="020B0604020202020204" pitchFamily="34" charset="0"/>
+                <a:cs typeface="Arial" panose="020B0604020202020204" pitchFamily="34" charset="0"/>
+              </a:rPr>
+              <a:t>, @page </a:t>
+            </a:r>
+            <a:r>
+              <a:rPr lang="de-CH" sz="1000" b="1" dirty="0" err="1">
+                <a:solidFill>
+                  <a:schemeClr val="tx1"/>
+                </a:solidFill>
+                <a:latin typeface="Arial" panose="020B0604020202020204" pitchFamily="34" charset="0"/>
+                <a:cs typeface="Arial" panose="020B0604020202020204" pitchFamily="34" charset="0"/>
+              </a:rPr>
+              <a:t>statements</a:t>
+            </a:r>
+            <a:endParaRPr lang="de-CH" sz="1000" b="1" dirty="0">
+              <a:solidFill>
+                <a:schemeClr val="tx1"/>
+              </a:solidFill>
+              <a:latin typeface="Arial" panose="020B0604020202020204" pitchFamily="34" charset="0"/>
+              <a:cs typeface="Arial" panose="020B0604020202020204" pitchFamily="34" charset="0"/>
+            </a:endParaRPr>
+          </a:p>
+        </p:txBody>
+      </p:sp>
+      <p:sp>
+        <p:nvSpPr>
+          <p:cNvPr id="11" name="Rechteck 10">
+            <a:extLst>
+              <a:ext uri="{FF2B5EF4-FFF2-40B4-BE49-F238E27FC236}">
+                <a16:creationId xmlns:a16="http://schemas.microsoft.com/office/drawing/2014/main" id="{C03532F4-A8C5-5EF5-1450-E4EA4C883F08}"/>
+              </a:ext>
+            </a:extLst>
+          </p:cNvPr>
+          <p:cNvSpPr/>
+          <p:nvPr/>
+        </p:nvSpPr>
+        <p:spPr>
+          <a:xfrm>
+            <a:off x="4296157" y="817415"/>
+            <a:ext cx="3245285" cy="756861"/>
+          </a:xfrm>
+          <a:prstGeom prst="rect">
+            <a:avLst/>
+          </a:prstGeom>
+          <a:noFill/>
+          <a:ln w="19050">
+            <a:solidFill>
+              <a:schemeClr val="tx1"/>
+            </a:solidFill>
+          </a:ln>
+        </p:spPr>
+        <p:style>
+          <a:lnRef idx="2">
+            <a:schemeClr val="accent1">
+              <a:shade val="50000"/>
+            </a:schemeClr>
+          </a:lnRef>
+          <a:fillRef idx="1">
+            <a:schemeClr val="accent1"/>
+          </a:fillRef>
+          <a:effectRef idx="0">
+            <a:schemeClr val="accent1"/>
+          </a:effectRef>
+          <a:fontRef idx="minor">
+            <a:schemeClr val="lt1"/>
+          </a:fontRef>
+        </p:style>
+        <p:txBody>
+          <a:bodyPr rtlCol="0" anchor="ctr"/>
+          <a:lstStyle/>
+          <a:p>
+            <a:pPr algn="ctr"/>
+            <a:r>
+              <a:rPr lang="de-CH" dirty="0" err="1">
+                <a:solidFill>
+                  <a:schemeClr val="tx1"/>
+                </a:solidFill>
+                <a:latin typeface="Arial" panose="020B0604020202020204" pitchFamily="34" charset="0"/>
+                <a:cs typeface="Arial" panose="020B0604020202020204" pitchFamily="34" charset="0"/>
+              </a:rPr>
+              <a:t>LayoutBody</a:t>
+            </a:r>
+            <a:endParaRPr lang="de-CH" dirty="0">
+              <a:solidFill>
+                <a:schemeClr val="tx1"/>
+              </a:solidFill>
+              <a:latin typeface="Arial" panose="020B0604020202020204" pitchFamily="34" charset="0"/>
+              <a:cs typeface="Arial" panose="020B0604020202020204" pitchFamily="34" charset="0"/>
+            </a:endParaRPr>
+          </a:p>
+          <a:p>
+            <a:pPr algn="ctr"/>
+            <a:endParaRPr lang="de-CH" sz="800" dirty="0">
+              <a:solidFill>
+                <a:schemeClr val="tx1"/>
+              </a:solidFill>
+              <a:latin typeface="Arial" panose="020B0604020202020204" pitchFamily="34" charset="0"/>
+              <a:cs typeface="Arial" panose="020B0604020202020204" pitchFamily="34" charset="0"/>
+            </a:endParaRPr>
+          </a:p>
+          <a:p>
+            <a:pPr algn="ctr"/>
+            <a:r>
+              <a:rPr lang="de-CH" sz="1200" dirty="0" err="1">
+                <a:solidFill>
+                  <a:schemeClr val="tx1"/>
+                </a:solidFill>
+                <a:latin typeface="Arial" panose="020B0604020202020204" pitchFamily="34" charset="0"/>
+                <a:cs typeface="Arial" panose="020B0604020202020204" pitchFamily="34" charset="0"/>
+              </a:rPr>
+              <a:t>Creates</a:t>
+            </a:r>
+            <a:r>
+              <a:rPr lang="de-CH" sz="1200" dirty="0">
+                <a:solidFill>
+                  <a:schemeClr val="tx1"/>
+                </a:solidFill>
+                <a:latin typeface="Arial" panose="020B0604020202020204" pitchFamily="34" charset="0"/>
+                <a:cs typeface="Arial" panose="020B0604020202020204" pitchFamily="34" charset="0"/>
+              </a:rPr>
+              <a:t> </a:t>
+            </a:r>
+            <a:r>
+              <a:rPr lang="de-CH" sz="1200" dirty="0" err="1">
+                <a:solidFill>
+                  <a:schemeClr val="tx1"/>
+                </a:solidFill>
+                <a:latin typeface="Arial" panose="020B0604020202020204" pitchFamily="34" charset="0"/>
+                <a:cs typeface="Arial" panose="020B0604020202020204" pitchFamily="34" charset="0"/>
+              </a:rPr>
+              <a:t>the</a:t>
+            </a:r>
+            <a:r>
+              <a:rPr lang="de-CH" sz="1200" dirty="0">
+                <a:solidFill>
+                  <a:schemeClr val="tx1"/>
+                </a:solidFill>
+                <a:latin typeface="Arial" panose="020B0604020202020204" pitchFamily="34" charset="0"/>
+                <a:cs typeface="Arial" panose="020B0604020202020204" pitchFamily="34" charset="0"/>
+              </a:rPr>
+              <a:t> &lt;</a:t>
+            </a:r>
+            <a:r>
+              <a:rPr lang="de-CH" sz="1200" dirty="0" err="1">
+                <a:solidFill>
+                  <a:schemeClr val="tx1"/>
+                </a:solidFill>
+                <a:latin typeface="Arial" panose="020B0604020202020204" pitchFamily="34" charset="0"/>
+                <a:cs typeface="Arial" panose="020B0604020202020204" pitchFamily="34" charset="0"/>
+              </a:rPr>
+              <a:t>body</a:t>
+            </a:r>
+            <a:r>
+              <a:rPr lang="de-CH" sz="1200" dirty="0">
+                <a:solidFill>
+                  <a:schemeClr val="tx1"/>
+                </a:solidFill>
+                <a:latin typeface="Arial" panose="020B0604020202020204" pitchFamily="34" charset="0"/>
+                <a:cs typeface="Arial" panose="020B0604020202020204" pitchFamily="34" charset="0"/>
+              </a:rPr>
+              <a:t>&gt; HTML code</a:t>
+            </a:r>
+          </a:p>
+        </p:txBody>
+      </p:sp>
+      <p:sp>
+        <p:nvSpPr>
+          <p:cNvPr id="12" name="Rechteck 11">
+            <a:extLst>
+              <a:ext uri="{FF2B5EF4-FFF2-40B4-BE49-F238E27FC236}">
+                <a16:creationId xmlns:a16="http://schemas.microsoft.com/office/drawing/2014/main" id="{F6F67D9E-121F-B623-50AD-F7D386DC1D2C}"/>
+              </a:ext>
+            </a:extLst>
+          </p:cNvPr>
+          <p:cNvSpPr/>
+          <p:nvPr/>
+        </p:nvSpPr>
+        <p:spPr>
+          <a:xfrm>
+            <a:off x="4296156" y="1574276"/>
+            <a:ext cx="3245286" cy="3289956"/>
+          </a:xfrm>
+          <a:prstGeom prst="rect">
+            <a:avLst/>
+          </a:prstGeom>
+          <a:noFill/>
+          <a:ln w="19050">
+            <a:solidFill>
+              <a:schemeClr val="tx1"/>
+            </a:solidFill>
+          </a:ln>
+        </p:spPr>
+        <p:style>
+          <a:lnRef idx="2">
+            <a:schemeClr val="accent1">
+              <a:shade val="50000"/>
+            </a:schemeClr>
+          </a:lnRef>
+          <a:fillRef idx="1">
+            <a:schemeClr val="accent1"/>
+          </a:fillRef>
+          <a:effectRef idx="0">
+            <a:schemeClr val="accent1"/>
+          </a:effectRef>
+          <a:fontRef idx="minor">
+            <a:schemeClr val="lt1"/>
+          </a:fontRef>
+        </p:style>
+        <p:txBody>
+          <a:bodyPr rtlCol="0" anchor="ctr"/>
+          <a:lstStyle/>
+          <a:p>
+            <a:r>
+              <a:rPr lang="en-US" sz="1200" dirty="0">
+                <a:solidFill>
+                  <a:schemeClr val="tx1"/>
+                </a:solidFill>
+                <a:latin typeface="Arial" panose="020B0604020202020204" pitchFamily="34" charset="0"/>
+                <a:cs typeface="Arial" panose="020B0604020202020204" pitchFamily="34" charset="0"/>
+              </a:rPr>
+              <a:t>Member variables</a:t>
+            </a:r>
+          </a:p>
+          <a:p>
+            <a:r>
+              <a:rPr lang="en-US" sz="1000" b="1" dirty="0" err="1">
+                <a:solidFill>
+                  <a:schemeClr val="tx1"/>
+                </a:solidFill>
+                <a:latin typeface="Arial" panose="020B0604020202020204" pitchFamily="34" charset="0"/>
+                <a:cs typeface="Arial" panose="020B0604020202020204" pitchFamily="34" charset="0"/>
+              </a:rPr>
+              <a:t>m_layout_xml</a:t>
+            </a:r>
+            <a:endParaRPr lang="en-US" sz="1000" b="1" dirty="0">
+              <a:solidFill>
+                <a:schemeClr val="tx1"/>
+              </a:solidFill>
+              <a:latin typeface="Arial" panose="020B0604020202020204" pitchFamily="34" charset="0"/>
+              <a:cs typeface="Arial" panose="020B0604020202020204" pitchFamily="34" charset="0"/>
+            </a:endParaRPr>
+          </a:p>
+          <a:p>
+            <a:r>
+              <a:rPr lang="en-US" sz="1000" b="1" dirty="0" err="1">
+                <a:solidFill>
+                  <a:schemeClr val="tx1"/>
+                </a:solidFill>
+                <a:latin typeface="Arial" panose="020B0604020202020204" pitchFamily="34" charset="0"/>
+                <a:cs typeface="Arial" panose="020B0604020202020204" pitchFamily="34" charset="0"/>
+              </a:rPr>
+              <a:t>m_output_dir</a:t>
+            </a:r>
+            <a:endParaRPr lang="en-US" sz="1000" b="1" dirty="0">
+              <a:solidFill>
+                <a:schemeClr val="tx1"/>
+              </a:solidFill>
+              <a:latin typeface="Arial" panose="020B0604020202020204" pitchFamily="34" charset="0"/>
+              <a:cs typeface="Arial" panose="020B0604020202020204" pitchFamily="34" charset="0"/>
+            </a:endParaRPr>
+          </a:p>
+          <a:p>
+            <a:r>
+              <a:rPr lang="en-US" sz="1000" b="1" dirty="0" err="1">
+                <a:solidFill>
+                  <a:schemeClr val="tx1"/>
+                </a:solidFill>
+                <a:latin typeface="Arial" panose="020B0604020202020204" pitchFamily="34" charset="0"/>
+                <a:cs typeface="Arial" panose="020B0604020202020204" pitchFamily="34" charset="0"/>
+              </a:rPr>
+              <a:t>m_layout_file_case</a:t>
+            </a:r>
+            <a:endParaRPr lang="en-US" sz="1000" b="1" dirty="0">
+              <a:solidFill>
+                <a:schemeClr val="tx1"/>
+              </a:solidFill>
+              <a:latin typeface="Arial" panose="020B0604020202020204" pitchFamily="34" charset="0"/>
+              <a:cs typeface="Arial" panose="020B0604020202020204" pitchFamily="34" charset="0"/>
+            </a:endParaRPr>
+          </a:p>
+          <a:p>
+            <a:r>
+              <a:rPr lang="en-US" sz="1000" b="1" dirty="0" err="1">
+                <a:solidFill>
+                  <a:schemeClr val="tx1"/>
+                </a:solidFill>
+                <a:latin typeface="Arial" panose="020B0604020202020204" pitchFamily="34" charset="0"/>
+                <a:cs typeface="Arial" panose="020B0604020202020204" pitchFamily="34" charset="0"/>
+              </a:rPr>
+              <a:t>m_button_id_array</a:t>
+            </a:r>
+            <a:endParaRPr lang="en-US" sz="1000" b="1" dirty="0">
+              <a:solidFill>
+                <a:schemeClr val="tx1"/>
+              </a:solidFill>
+              <a:latin typeface="Arial" panose="020B0604020202020204" pitchFamily="34" charset="0"/>
+              <a:cs typeface="Arial" panose="020B0604020202020204" pitchFamily="34" charset="0"/>
+            </a:endParaRPr>
+          </a:p>
+          <a:p>
+            <a:r>
+              <a:rPr lang="en-US" sz="1000" b="1" dirty="0" err="1">
+                <a:solidFill>
+                  <a:schemeClr val="tx1"/>
+                </a:solidFill>
+                <a:latin typeface="Arial" panose="020B0604020202020204" pitchFamily="34" charset="0"/>
+                <a:cs typeface="Arial" panose="020B0604020202020204" pitchFamily="34" charset="0"/>
+              </a:rPr>
+              <a:t>m_html_body_code</a:t>
+            </a:r>
+            <a:endParaRPr lang="en-US" sz="1000" b="1" dirty="0">
+              <a:solidFill>
+                <a:schemeClr val="tx1"/>
+              </a:solidFill>
+              <a:latin typeface="Arial" panose="020B0604020202020204" pitchFamily="34" charset="0"/>
+              <a:cs typeface="Arial" panose="020B0604020202020204" pitchFamily="34" charset="0"/>
+            </a:endParaRPr>
+          </a:p>
+          <a:p>
+            <a:endParaRPr lang="en-US" sz="1000" b="1" dirty="0">
+              <a:solidFill>
+                <a:schemeClr val="tx1"/>
+              </a:solidFill>
+              <a:latin typeface="Arial" panose="020B0604020202020204" pitchFamily="34" charset="0"/>
+              <a:cs typeface="Arial" panose="020B0604020202020204" pitchFamily="34" charset="0"/>
+            </a:endParaRPr>
+          </a:p>
+          <a:p>
+            <a:r>
+              <a:rPr lang="en-US" sz="1200" dirty="0">
+                <a:solidFill>
+                  <a:schemeClr val="tx1"/>
+                </a:solidFill>
+                <a:latin typeface="Arial" panose="020B0604020202020204" pitchFamily="34" charset="0"/>
+                <a:cs typeface="Arial" panose="020B0604020202020204" pitchFamily="34" charset="0"/>
+              </a:rPr>
+              <a:t>Member functions</a:t>
+            </a:r>
+          </a:p>
+          <a:p>
+            <a:r>
+              <a:rPr lang="de-CH" sz="1000" b="1" dirty="0" err="1">
+                <a:solidFill>
+                  <a:schemeClr val="tx1"/>
+                </a:solidFill>
+                <a:latin typeface="Arial" panose="020B0604020202020204" pitchFamily="34" charset="0"/>
+                <a:cs typeface="Arial" panose="020B0604020202020204" pitchFamily="34" charset="0"/>
+              </a:rPr>
+              <a:t>execute</a:t>
+            </a:r>
+            <a:r>
+              <a:rPr lang="de-CH" sz="1000" b="1" dirty="0">
+                <a:solidFill>
+                  <a:schemeClr val="tx1"/>
+                </a:solidFill>
+                <a:latin typeface="Arial" panose="020B0604020202020204" pitchFamily="34" charset="0"/>
+                <a:cs typeface="Arial" panose="020B0604020202020204" pitchFamily="34" charset="0"/>
+              </a:rPr>
+              <a:t>: </a:t>
+            </a:r>
+            <a:r>
+              <a:rPr lang="de-CH" sz="1000" b="1" dirty="0" err="1">
+                <a:solidFill>
+                  <a:schemeClr val="tx1"/>
+                </a:solidFill>
+                <a:latin typeface="Arial" panose="020B0604020202020204" pitchFamily="34" charset="0"/>
+                <a:cs typeface="Arial" panose="020B0604020202020204" pitchFamily="34" charset="0"/>
+              </a:rPr>
+              <a:t>Creates</a:t>
+            </a:r>
+            <a:r>
+              <a:rPr lang="de-CH" sz="1000" b="1" dirty="0">
+                <a:solidFill>
+                  <a:schemeClr val="tx1"/>
+                </a:solidFill>
+                <a:latin typeface="Arial" panose="020B0604020202020204" pitchFamily="34" charset="0"/>
+                <a:cs typeface="Arial" panose="020B0604020202020204" pitchFamily="34" charset="0"/>
+              </a:rPr>
+              <a:t> </a:t>
+            </a:r>
+            <a:r>
+              <a:rPr lang="de-CH" sz="1000" b="1" dirty="0" err="1">
+                <a:solidFill>
+                  <a:schemeClr val="tx1"/>
+                </a:solidFill>
+                <a:latin typeface="Arial" panose="020B0604020202020204" pitchFamily="34" charset="0"/>
+                <a:cs typeface="Arial" panose="020B0604020202020204" pitchFamily="34" charset="0"/>
+              </a:rPr>
+              <a:t>the</a:t>
+            </a:r>
+            <a:r>
+              <a:rPr lang="de-CH" sz="1000" b="1" dirty="0">
+                <a:solidFill>
+                  <a:schemeClr val="tx1"/>
+                </a:solidFill>
+                <a:latin typeface="Arial" panose="020B0604020202020204" pitchFamily="34" charset="0"/>
+                <a:cs typeface="Arial" panose="020B0604020202020204" pitchFamily="34" charset="0"/>
+              </a:rPr>
+              <a:t> </a:t>
+            </a:r>
+            <a:r>
+              <a:rPr lang="de-CH" sz="1000" b="1" dirty="0" err="1">
+                <a:solidFill>
+                  <a:schemeClr val="tx1"/>
+                </a:solidFill>
+                <a:latin typeface="Arial" panose="020B0604020202020204" pitchFamily="34" charset="0"/>
+                <a:cs typeface="Arial" panose="020B0604020202020204" pitchFamily="34" charset="0"/>
+              </a:rPr>
+              <a:t>body</a:t>
+            </a:r>
+            <a:r>
+              <a:rPr lang="de-CH" sz="1000" b="1" dirty="0">
+                <a:solidFill>
+                  <a:schemeClr val="tx1"/>
+                </a:solidFill>
+                <a:latin typeface="Arial" panose="020B0604020202020204" pitchFamily="34" charset="0"/>
+                <a:cs typeface="Arial" panose="020B0604020202020204" pitchFamily="34" charset="0"/>
+              </a:rPr>
+              <a:t> HTML code </a:t>
+            </a:r>
+          </a:p>
+          <a:p>
+            <a:r>
+              <a:rPr lang="de-CH" sz="1000" b="1" dirty="0" err="1">
+                <a:solidFill>
+                  <a:schemeClr val="tx1"/>
+                </a:solidFill>
+                <a:latin typeface="Arial" panose="020B0604020202020204" pitchFamily="34" charset="0"/>
+                <a:cs typeface="Arial" panose="020B0604020202020204" pitchFamily="34" charset="0"/>
+              </a:rPr>
+              <a:t>get</a:t>
+            </a:r>
+            <a:r>
+              <a:rPr lang="de-CH" sz="1000" b="1" dirty="0">
+                <a:solidFill>
+                  <a:schemeClr val="tx1"/>
+                </a:solidFill>
+                <a:latin typeface="Arial" panose="020B0604020202020204" pitchFamily="34" charset="0"/>
+                <a:cs typeface="Arial" panose="020B0604020202020204" pitchFamily="34" charset="0"/>
+              </a:rPr>
+              <a:t>:         Returns </a:t>
+            </a:r>
+            <a:r>
+              <a:rPr lang="de-CH" sz="1000" b="1" dirty="0" err="1">
+                <a:solidFill>
+                  <a:schemeClr val="tx1"/>
+                </a:solidFill>
+                <a:latin typeface="Arial" panose="020B0604020202020204" pitchFamily="34" charset="0"/>
+                <a:cs typeface="Arial" panose="020B0604020202020204" pitchFamily="34" charset="0"/>
+              </a:rPr>
+              <a:t>the</a:t>
+            </a:r>
+            <a:r>
+              <a:rPr lang="de-CH" sz="1000" b="1" dirty="0">
+                <a:solidFill>
+                  <a:schemeClr val="tx1"/>
+                </a:solidFill>
+                <a:latin typeface="Arial" panose="020B0604020202020204" pitchFamily="34" charset="0"/>
+                <a:cs typeface="Arial" panose="020B0604020202020204" pitchFamily="34" charset="0"/>
+              </a:rPr>
+              <a:t> </a:t>
+            </a:r>
+            <a:r>
+              <a:rPr lang="de-CH" sz="1000" b="1" dirty="0" err="1">
+                <a:solidFill>
+                  <a:schemeClr val="tx1"/>
+                </a:solidFill>
+                <a:latin typeface="Arial" panose="020B0604020202020204" pitchFamily="34" charset="0"/>
+                <a:cs typeface="Arial" panose="020B0604020202020204" pitchFamily="34" charset="0"/>
+              </a:rPr>
+              <a:t>body</a:t>
+            </a:r>
+            <a:r>
+              <a:rPr lang="de-CH" sz="1000" b="1" dirty="0">
+                <a:solidFill>
+                  <a:schemeClr val="tx1"/>
+                </a:solidFill>
+                <a:latin typeface="Arial" panose="020B0604020202020204" pitchFamily="34" charset="0"/>
+                <a:cs typeface="Arial" panose="020B0604020202020204" pitchFamily="34" charset="0"/>
+              </a:rPr>
+              <a:t> HTML code</a:t>
+            </a:r>
+          </a:p>
+          <a:p>
+            <a:r>
+              <a:rPr lang="de-CH" sz="1000" b="1" dirty="0" err="1">
+                <a:solidFill>
+                  <a:schemeClr val="tx1"/>
+                </a:solidFill>
+                <a:latin typeface="Arial" panose="020B0604020202020204" pitchFamily="34" charset="0"/>
+                <a:cs typeface="Arial" panose="020B0604020202020204" pitchFamily="34" charset="0"/>
+              </a:rPr>
+              <a:t>setXml</a:t>
+            </a:r>
+            <a:r>
+              <a:rPr lang="de-CH" sz="1000" b="1" dirty="0">
+                <a:solidFill>
+                  <a:schemeClr val="tx1"/>
+                </a:solidFill>
+                <a:latin typeface="Arial" panose="020B0604020202020204" pitchFamily="34" charset="0"/>
+                <a:cs typeface="Arial" panose="020B0604020202020204" pitchFamily="34" charset="0"/>
+              </a:rPr>
+              <a:t>:  Global </a:t>
+            </a:r>
+            <a:r>
+              <a:rPr lang="de-CH" sz="1000" b="1" dirty="0" err="1">
+                <a:solidFill>
+                  <a:schemeClr val="tx1"/>
+                </a:solidFill>
+                <a:latin typeface="Arial" panose="020B0604020202020204" pitchFamily="34" charset="0"/>
+                <a:cs typeface="Arial" panose="020B0604020202020204" pitchFamily="34" charset="0"/>
+              </a:rPr>
+              <a:t>parameter</a:t>
+            </a:r>
+            <a:r>
+              <a:rPr lang="de-CH" sz="1000" b="1" dirty="0">
+                <a:solidFill>
+                  <a:schemeClr val="tx1"/>
+                </a:solidFill>
+                <a:latin typeface="Arial" panose="020B0604020202020204" pitchFamily="34" charset="0"/>
+                <a:cs typeface="Arial" panose="020B0604020202020204" pitchFamily="34" charset="0"/>
+              </a:rPr>
+              <a:t> </a:t>
+            </a:r>
+            <a:r>
+              <a:rPr lang="de-CH" sz="1000" b="1" dirty="0" err="1">
+                <a:solidFill>
+                  <a:schemeClr val="tx1"/>
+                </a:solidFill>
+                <a:latin typeface="Arial" panose="020B0604020202020204" pitchFamily="34" charset="0"/>
+                <a:cs typeface="Arial" panose="020B0604020202020204" pitchFamily="34" charset="0"/>
+              </a:rPr>
+              <a:t>name</a:t>
+            </a:r>
+            <a:r>
+              <a:rPr lang="de-CH" sz="1000" b="1" dirty="0">
+                <a:solidFill>
+                  <a:schemeClr val="tx1"/>
+                </a:solidFill>
+                <a:latin typeface="Arial" panose="020B0604020202020204" pitchFamily="34" charset="0"/>
+                <a:cs typeface="Arial" panose="020B0604020202020204" pitchFamily="34" charset="0"/>
+              </a:rPr>
+              <a:t> </a:t>
+            </a:r>
+            <a:r>
+              <a:rPr lang="de-CH" sz="1000" b="1" dirty="0" err="1">
+                <a:solidFill>
+                  <a:schemeClr val="tx1"/>
+                </a:solidFill>
+                <a:latin typeface="Arial" panose="020B0604020202020204" pitchFamily="34" charset="0"/>
+                <a:cs typeface="Arial" panose="020B0604020202020204" pitchFamily="34" charset="0"/>
+              </a:rPr>
+              <a:t>of</a:t>
+            </a:r>
+            <a:r>
+              <a:rPr lang="de-CH" sz="1000" b="1" dirty="0">
+                <a:solidFill>
+                  <a:schemeClr val="tx1"/>
+                </a:solidFill>
+                <a:latin typeface="Arial" panose="020B0604020202020204" pitchFamily="34" charset="0"/>
+                <a:cs typeface="Arial" panose="020B0604020202020204" pitchFamily="34" charset="0"/>
+              </a:rPr>
+              <a:t> </a:t>
+            </a:r>
+            <a:r>
+              <a:rPr lang="de-CH" sz="1000" b="1" dirty="0" err="1">
+                <a:solidFill>
+                  <a:schemeClr val="tx1"/>
+                </a:solidFill>
+                <a:latin typeface="Arial" panose="020B0604020202020204" pitchFamily="34" charset="0"/>
+                <a:cs typeface="Arial" panose="020B0604020202020204" pitchFamily="34" charset="0"/>
+              </a:rPr>
+              <a:t>layout</a:t>
+            </a:r>
+            <a:r>
+              <a:rPr lang="de-CH" sz="1000" b="1" dirty="0">
+                <a:solidFill>
+                  <a:schemeClr val="tx1"/>
+                </a:solidFill>
+                <a:latin typeface="Arial" panose="020B0604020202020204" pitchFamily="34" charset="0"/>
+                <a:cs typeface="Arial" panose="020B0604020202020204" pitchFamily="34" charset="0"/>
+              </a:rPr>
+              <a:t> XML </a:t>
+            </a:r>
+            <a:r>
+              <a:rPr lang="de-CH" sz="1000" b="1" dirty="0" err="1">
+                <a:solidFill>
+                  <a:schemeClr val="tx1"/>
+                </a:solidFill>
+                <a:latin typeface="Arial" panose="020B0604020202020204" pitchFamily="34" charset="0"/>
+                <a:cs typeface="Arial" panose="020B0604020202020204" pitchFamily="34" charset="0"/>
+              </a:rPr>
+              <a:t>file</a:t>
+            </a:r>
+            <a:endParaRPr lang="de-CH" sz="1000" b="1" dirty="0">
+              <a:solidFill>
+                <a:schemeClr val="tx1"/>
+              </a:solidFill>
+              <a:latin typeface="Arial" panose="020B0604020202020204" pitchFamily="34" charset="0"/>
+              <a:cs typeface="Arial" panose="020B0604020202020204" pitchFamily="34" charset="0"/>
+            </a:endParaRPr>
+          </a:p>
+          <a:p>
+            <a:r>
+              <a:rPr lang="de-CH" sz="1000" b="1" dirty="0" err="1">
+                <a:solidFill>
+                  <a:schemeClr val="tx1"/>
+                </a:solidFill>
+                <a:latin typeface="Arial" panose="020B0604020202020204" pitchFamily="34" charset="0"/>
+                <a:cs typeface="Arial" panose="020B0604020202020204" pitchFamily="34" charset="0"/>
+              </a:rPr>
+              <a:t>divSearch</a:t>
+            </a:r>
+            <a:r>
+              <a:rPr lang="de-CH" sz="1000" b="1" dirty="0">
+                <a:solidFill>
+                  <a:schemeClr val="tx1"/>
+                </a:solidFill>
+                <a:latin typeface="Arial" panose="020B0604020202020204" pitchFamily="34" charset="0"/>
+                <a:cs typeface="Arial" panose="020B0604020202020204" pitchFamily="34" charset="0"/>
+              </a:rPr>
+              <a:t>: &lt;div&gt; </a:t>
+            </a:r>
+            <a:r>
+              <a:rPr lang="de-CH" sz="1000" b="1" dirty="0" err="1">
+                <a:solidFill>
+                  <a:schemeClr val="tx1"/>
+                </a:solidFill>
+                <a:latin typeface="Arial" panose="020B0604020202020204" pitchFamily="34" charset="0"/>
+                <a:cs typeface="Arial" panose="020B0604020202020204" pitchFamily="34" charset="0"/>
+              </a:rPr>
+              <a:t>for</a:t>
+            </a:r>
+            <a:r>
+              <a:rPr lang="de-CH" sz="1000" b="1" dirty="0">
+                <a:solidFill>
+                  <a:schemeClr val="tx1"/>
+                </a:solidFill>
+                <a:latin typeface="Arial" panose="020B0604020202020204" pitchFamily="34" charset="0"/>
+                <a:cs typeface="Arial" panose="020B0604020202020204" pitchFamily="34" charset="0"/>
+              </a:rPr>
+              <a:t> </a:t>
+            </a:r>
+            <a:r>
+              <a:rPr lang="de-CH" sz="1000" b="1" dirty="0" err="1">
+                <a:solidFill>
+                  <a:schemeClr val="tx1"/>
+                </a:solidFill>
+                <a:latin typeface="Arial" panose="020B0604020202020204" pitchFamily="34" charset="0"/>
+                <a:cs typeface="Arial" panose="020B0604020202020204" pitchFamily="34" charset="0"/>
+              </a:rPr>
+              <a:t>search</a:t>
+            </a:r>
+            <a:r>
+              <a:rPr lang="de-CH" sz="1000" b="1" dirty="0">
+                <a:solidFill>
+                  <a:schemeClr val="tx1"/>
+                </a:solidFill>
+                <a:latin typeface="Arial" panose="020B0604020202020204" pitchFamily="34" charset="0"/>
+                <a:cs typeface="Arial" panose="020B0604020202020204" pitchFamily="34" charset="0"/>
+              </a:rPr>
+              <a:t> </a:t>
+            </a:r>
+            <a:r>
+              <a:rPr lang="de-CH" sz="1000" b="1" dirty="0" err="1">
+                <a:solidFill>
+                  <a:schemeClr val="tx1"/>
+                </a:solidFill>
+                <a:latin typeface="Arial" panose="020B0604020202020204" pitchFamily="34" charset="0"/>
+                <a:cs typeface="Arial" panose="020B0604020202020204" pitchFamily="34" charset="0"/>
+              </a:rPr>
+              <a:t>of</a:t>
+            </a:r>
+            <a:r>
+              <a:rPr lang="de-CH" sz="1000" b="1" dirty="0">
+                <a:solidFill>
+                  <a:schemeClr val="tx1"/>
+                </a:solidFill>
+                <a:latin typeface="Arial" panose="020B0604020202020204" pitchFamily="34" charset="0"/>
+                <a:cs typeface="Arial" panose="020B0604020202020204" pitchFamily="34" charset="0"/>
+              </a:rPr>
+              <a:t> </a:t>
+            </a:r>
+            <a:r>
+              <a:rPr lang="de-CH" sz="1000" b="1" dirty="0" err="1">
+                <a:solidFill>
+                  <a:schemeClr val="tx1"/>
+                </a:solidFill>
+                <a:latin typeface="Arial" panose="020B0604020202020204" pitchFamily="34" charset="0"/>
+                <a:cs typeface="Arial" panose="020B0604020202020204" pitchFamily="34" charset="0"/>
+              </a:rPr>
+              <a:t>seats</a:t>
+            </a:r>
+            <a:endParaRPr lang="de-CH" sz="1000" b="1" dirty="0">
+              <a:solidFill>
+                <a:schemeClr val="tx1"/>
+              </a:solidFill>
+              <a:latin typeface="Arial" panose="020B0604020202020204" pitchFamily="34" charset="0"/>
+              <a:cs typeface="Arial" panose="020B0604020202020204" pitchFamily="34" charset="0"/>
+            </a:endParaRPr>
+          </a:p>
+          <a:p>
+            <a:r>
+              <a:rPr lang="de-CH" sz="1000" b="1" dirty="0" err="1">
+                <a:solidFill>
+                  <a:schemeClr val="tx1"/>
+                </a:solidFill>
+                <a:latin typeface="Arial" panose="020B0604020202020204" pitchFamily="34" charset="0"/>
+                <a:cs typeface="Arial" panose="020B0604020202020204" pitchFamily="34" charset="0"/>
+              </a:rPr>
+              <a:t>divSelectEvent</a:t>
+            </a:r>
+            <a:r>
+              <a:rPr lang="de-CH" sz="1000" b="1" dirty="0">
+                <a:solidFill>
+                  <a:schemeClr val="tx1"/>
+                </a:solidFill>
+                <a:latin typeface="Arial" panose="020B0604020202020204" pitchFamily="34" charset="0"/>
+                <a:cs typeface="Arial" panose="020B0604020202020204" pitchFamily="34" charset="0"/>
+              </a:rPr>
+              <a:t>: &lt;div&gt;  </a:t>
+            </a:r>
+            <a:r>
+              <a:rPr lang="de-CH" sz="1000" b="1" dirty="0" err="1">
+                <a:solidFill>
+                  <a:schemeClr val="tx1"/>
+                </a:solidFill>
+                <a:latin typeface="Arial" panose="020B0604020202020204" pitchFamily="34" charset="0"/>
+                <a:cs typeface="Arial" panose="020B0604020202020204" pitchFamily="34" charset="0"/>
+              </a:rPr>
+              <a:t>select</a:t>
+            </a:r>
+            <a:r>
+              <a:rPr lang="de-CH" sz="1000" b="1" dirty="0">
+                <a:solidFill>
+                  <a:schemeClr val="tx1"/>
+                </a:solidFill>
+                <a:latin typeface="Arial" panose="020B0604020202020204" pitchFamily="34" charset="0"/>
+                <a:cs typeface="Arial" panose="020B0604020202020204" pitchFamily="34" charset="0"/>
+              </a:rPr>
+              <a:t> </a:t>
+            </a:r>
+            <a:r>
+              <a:rPr lang="de-CH" sz="1000" b="1" dirty="0" err="1">
+                <a:solidFill>
+                  <a:schemeClr val="tx1"/>
+                </a:solidFill>
+                <a:latin typeface="Arial" panose="020B0604020202020204" pitchFamily="34" charset="0"/>
+                <a:cs typeface="Arial" panose="020B0604020202020204" pitchFamily="34" charset="0"/>
+              </a:rPr>
+              <a:t>event</a:t>
+            </a:r>
+            <a:endParaRPr lang="de-CH" sz="1000" b="1" dirty="0">
+              <a:solidFill>
+                <a:schemeClr val="tx1"/>
+              </a:solidFill>
+              <a:latin typeface="Arial" panose="020B0604020202020204" pitchFamily="34" charset="0"/>
+              <a:cs typeface="Arial" panose="020B0604020202020204" pitchFamily="34" charset="0"/>
+            </a:endParaRPr>
+          </a:p>
+          <a:p>
+            <a:r>
+              <a:rPr lang="de-CH" sz="1000" b="1" dirty="0" err="1">
+                <a:solidFill>
+                  <a:schemeClr val="tx1"/>
+                </a:solidFill>
+                <a:latin typeface="Arial" panose="020B0604020202020204" pitchFamily="34" charset="0"/>
+                <a:cs typeface="Arial" panose="020B0604020202020204" pitchFamily="34" charset="0"/>
+              </a:rPr>
+              <a:t>paragraphDisplayEvent</a:t>
+            </a:r>
+            <a:r>
+              <a:rPr lang="de-CH" sz="1000" b="1" dirty="0">
+                <a:solidFill>
+                  <a:schemeClr val="tx1"/>
+                </a:solidFill>
+                <a:latin typeface="Arial" panose="020B0604020202020204" pitchFamily="34" charset="0"/>
+                <a:cs typeface="Arial" panose="020B0604020202020204" pitchFamily="34" charset="0"/>
+              </a:rPr>
+              <a:t>: &lt;div&gt; </a:t>
+            </a:r>
+            <a:r>
+              <a:rPr lang="de-CH" sz="1000" b="1" dirty="0" err="1">
+                <a:solidFill>
+                  <a:schemeClr val="tx1"/>
+                </a:solidFill>
+                <a:latin typeface="Arial" panose="020B0604020202020204" pitchFamily="34" charset="0"/>
+                <a:cs typeface="Arial" panose="020B0604020202020204" pitchFamily="34" charset="0"/>
+              </a:rPr>
+              <a:t>show</a:t>
+            </a:r>
+            <a:r>
+              <a:rPr lang="de-CH" sz="1000" b="1" dirty="0">
+                <a:solidFill>
+                  <a:schemeClr val="tx1"/>
+                </a:solidFill>
+                <a:latin typeface="Arial" panose="020B0604020202020204" pitchFamily="34" charset="0"/>
+                <a:cs typeface="Arial" panose="020B0604020202020204" pitchFamily="34" charset="0"/>
+              </a:rPr>
+              <a:t> </a:t>
+            </a:r>
+            <a:r>
+              <a:rPr lang="de-CH" sz="1000" b="1" dirty="0" err="1">
+                <a:solidFill>
+                  <a:schemeClr val="tx1"/>
+                </a:solidFill>
+                <a:latin typeface="Arial" panose="020B0604020202020204" pitchFamily="34" charset="0"/>
+                <a:cs typeface="Arial" panose="020B0604020202020204" pitchFamily="34" charset="0"/>
+              </a:rPr>
+              <a:t>event</a:t>
+            </a:r>
+            <a:r>
+              <a:rPr lang="de-CH" sz="1000" b="1" dirty="0">
+                <a:solidFill>
+                  <a:schemeClr val="tx1"/>
+                </a:solidFill>
+                <a:latin typeface="Arial" panose="020B0604020202020204" pitchFamily="34" charset="0"/>
+                <a:cs typeface="Arial" panose="020B0604020202020204" pitchFamily="34" charset="0"/>
+              </a:rPr>
+              <a:t> </a:t>
+            </a:r>
+            <a:r>
+              <a:rPr lang="de-CH" sz="1000" b="1" dirty="0" err="1">
+                <a:solidFill>
+                  <a:schemeClr val="tx1"/>
+                </a:solidFill>
+                <a:latin typeface="Arial" panose="020B0604020202020204" pitchFamily="34" charset="0"/>
+                <a:cs typeface="Arial" panose="020B0604020202020204" pitchFamily="34" charset="0"/>
+              </a:rPr>
+              <a:t>name</a:t>
+            </a:r>
+            <a:endParaRPr lang="de-CH" sz="1000" b="1" dirty="0">
+              <a:solidFill>
+                <a:schemeClr val="tx1"/>
+              </a:solidFill>
+              <a:latin typeface="Arial" panose="020B0604020202020204" pitchFamily="34" charset="0"/>
+              <a:cs typeface="Arial" panose="020B0604020202020204" pitchFamily="34" charset="0"/>
+            </a:endParaRPr>
+          </a:p>
+          <a:p>
+            <a:r>
+              <a:rPr lang="de-CH" sz="1000" b="1" dirty="0" err="1">
+                <a:solidFill>
+                  <a:schemeClr val="tx1"/>
+                </a:solidFill>
+                <a:latin typeface="Arial" panose="020B0604020202020204" pitchFamily="34" charset="0"/>
+                <a:cs typeface="Arial" panose="020B0604020202020204" pitchFamily="34" charset="0"/>
+              </a:rPr>
+              <a:t>layoutSvgTrTd</a:t>
+            </a:r>
+            <a:r>
+              <a:rPr lang="de-CH" sz="1000" b="1" dirty="0">
+                <a:solidFill>
+                  <a:schemeClr val="tx1"/>
+                </a:solidFill>
+                <a:latin typeface="Arial" panose="020B0604020202020204" pitchFamily="34" charset="0"/>
+                <a:cs typeface="Arial" panose="020B0604020202020204" pitchFamily="34" charset="0"/>
+              </a:rPr>
+              <a:t>: All &lt;</a:t>
+            </a:r>
+            <a:r>
+              <a:rPr lang="de-CH" sz="1000" b="1" dirty="0" err="1">
+                <a:solidFill>
+                  <a:schemeClr val="tx1"/>
+                </a:solidFill>
+                <a:latin typeface="Arial" panose="020B0604020202020204" pitchFamily="34" charset="0"/>
+                <a:cs typeface="Arial" panose="020B0604020202020204" pitchFamily="34" charset="0"/>
+              </a:rPr>
+              <a:t>svg</a:t>
+            </a:r>
+            <a:r>
+              <a:rPr lang="de-CH" sz="1000" b="1" dirty="0">
+                <a:solidFill>
+                  <a:schemeClr val="tx1"/>
+                </a:solidFill>
+                <a:latin typeface="Arial" panose="020B0604020202020204" pitchFamily="34" charset="0"/>
+                <a:cs typeface="Arial" panose="020B0604020202020204" pitchFamily="34" charset="0"/>
+              </a:rPr>
+              <a:t>&gt; code</a:t>
+            </a:r>
+          </a:p>
+          <a:p>
+            <a:r>
+              <a:rPr lang="de-CH" sz="1000" b="1" dirty="0" err="1">
+                <a:solidFill>
+                  <a:schemeClr val="tx1"/>
+                </a:solidFill>
+                <a:latin typeface="Arial" panose="020B0604020202020204" pitchFamily="34" charset="0"/>
+                <a:cs typeface="Arial" panose="020B0604020202020204" pitchFamily="34" charset="0"/>
+              </a:rPr>
+              <a:t>imageSponsors</a:t>
+            </a:r>
+            <a:r>
+              <a:rPr lang="de-CH" sz="1000" b="1" dirty="0">
+                <a:solidFill>
+                  <a:schemeClr val="tx1"/>
+                </a:solidFill>
+                <a:latin typeface="Arial" panose="020B0604020202020204" pitchFamily="34" charset="0"/>
+                <a:cs typeface="Arial" panose="020B0604020202020204" pitchFamily="34" charset="0"/>
+              </a:rPr>
+              <a:t>: Sponsor </a:t>
+            </a:r>
+            <a:r>
+              <a:rPr lang="de-CH" sz="1000" b="1" dirty="0" err="1">
+                <a:solidFill>
+                  <a:schemeClr val="tx1"/>
+                </a:solidFill>
+                <a:latin typeface="Arial" panose="020B0604020202020204" pitchFamily="34" charset="0"/>
+                <a:cs typeface="Arial" panose="020B0604020202020204" pitchFamily="34" charset="0"/>
+              </a:rPr>
+              <a:t>image</a:t>
+            </a:r>
+            <a:endParaRPr lang="de-CH" sz="1000" b="1" dirty="0">
+              <a:solidFill>
+                <a:schemeClr val="tx1"/>
+              </a:solidFill>
+              <a:latin typeface="Arial" panose="020B0604020202020204" pitchFamily="34" charset="0"/>
+              <a:cs typeface="Arial" panose="020B0604020202020204" pitchFamily="34" charset="0"/>
+            </a:endParaRPr>
+          </a:p>
+          <a:p>
+            <a:r>
+              <a:rPr lang="de-CH" sz="1000" b="1" dirty="0" err="1">
+                <a:solidFill>
+                  <a:schemeClr val="tx1"/>
+                </a:solidFill>
+                <a:latin typeface="Arial" panose="020B0604020202020204" pitchFamily="34" charset="0"/>
+                <a:cs typeface="Arial" panose="020B0604020202020204" pitchFamily="34" charset="0"/>
+              </a:rPr>
+              <a:t>bodyReservationPrint</a:t>
+            </a:r>
+            <a:r>
+              <a:rPr lang="de-CH" sz="1000" b="1" dirty="0">
+                <a:solidFill>
+                  <a:schemeClr val="tx1"/>
+                </a:solidFill>
+                <a:latin typeface="Arial" panose="020B0604020202020204" pitchFamily="34" charset="0"/>
+                <a:cs typeface="Arial" panose="020B0604020202020204" pitchFamily="34" charset="0"/>
+              </a:rPr>
+              <a:t>: Print code (</a:t>
+            </a:r>
+            <a:r>
+              <a:rPr lang="de-CH" sz="1000" b="1" dirty="0" err="1">
+                <a:solidFill>
+                  <a:schemeClr val="tx1"/>
+                </a:solidFill>
+                <a:latin typeface="Arial" panose="020B0604020202020204" pitchFamily="34" charset="0"/>
+                <a:cs typeface="Arial" panose="020B0604020202020204" pitchFamily="34" charset="0"/>
+              </a:rPr>
+              <a:t>windows.write</a:t>
+            </a:r>
+            <a:r>
+              <a:rPr lang="de-CH" sz="1000" b="1" dirty="0">
+                <a:solidFill>
+                  <a:schemeClr val="tx1"/>
+                </a:solidFill>
+                <a:latin typeface="Arial" panose="020B0604020202020204" pitchFamily="34" charset="0"/>
+                <a:cs typeface="Arial" panose="020B0604020202020204" pitchFamily="34" charset="0"/>
+              </a:rPr>
+              <a:t>)</a:t>
+            </a:r>
+          </a:p>
+          <a:p>
+            <a:r>
+              <a:rPr lang="de-CH" sz="1000" b="1" dirty="0" err="1">
+                <a:solidFill>
+                  <a:schemeClr val="tx1"/>
+                </a:solidFill>
+                <a:latin typeface="Arial" panose="020B0604020202020204" pitchFamily="34" charset="0"/>
+                <a:cs typeface="Arial" panose="020B0604020202020204" pitchFamily="34" charset="0"/>
+              </a:rPr>
+              <a:t>bodyReservationList</a:t>
+            </a:r>
+            <a:r>
+              <a:rPr lang="de-CH" sz="1000" b="1" dirty="0">
+                <a:solidFill>
+                  <a:schemeClr val="tx1"/>
+                </a:solidFill>
+                <a:latin typeface="Arial" panose="020B0604020202020204" pitchFamily="34" charset="0"/>
+                <a:cs typeface="Arial" panose="020B0604020202020204" pitchFamily="34" charset="0"/>
+              </a:rPr>
+              <a:t>: List code (</a:t>
+            </a:r>
+            <a:r>
+              <a:rPr lang="de-CH" sz="1000" b="1" dirty="0" err="1">
+                <a:solidFill>
+                  <a:schemeClr val="tx1"/>
+                </a:solidFill>
+                <a:latin typeface="Arial" panose="020B0604020202020204" pitchFamily="34" charset="0"/>
+                <a:cs typeface="Arial" panose="020B0604020202020204" pitchFamily="34" charset="0"/>
+              </a:rPr>
+              <a:t>windows.write</a:t>
+            </a:r>
+            <a:r>
+              <a:rPr lang="de-CH" sz="1000" b="1" dirty="0">
+                <a:solidFill>
+                  <a:schemeClr val="tx1"/>
+                </a:solidFill>
+                <a:latin typeface="Arial" panose="020B0604020202020204" pitchFamily="34" charset="0"/>
+                <a:cs typeface="Arial" panose="020B0604020202020204" pitchFamily="34" charset="0"/>
+              </a:rPr>
+              <a:t>)</a:t>
+            </a:r>
+          </a:p>
+          <a:p>
+            <a:r>
+              <a:rPr lang="de-CH" sz="1000" b="1" dirty="0" err="1">
+                <a:solidFill>
+                  <a:schemeClr val="tx1"/>
+                </a:solidFill>
+                <a:latin typeface="Arial" panose="020B0604020202020204" pitchFamily="34" charset="0"/>
+                <a:cs typeface="Arial" panose="020B0604020202020204" pitchFamily="34" charset="0"/>
+              </a:rPr>
+              <a:t>startString</a:t>
+            </a:r>
+            <a:r>
+              <a:rPr lang="de-CH" sz="1000" b="1" dirty="0">
+                <a:solidFill>
+                  <a:schemeClr val="tx1"/>
+                </a:solidFill>
+                <a:latin typeface="Arial" panose="020B0604020202020204" pitchFamily="34" charset="0"/>
+                <a:cs typeface="Arial" panose="020B0604020202020204" pitchFamily="34" charset="0"/>
+              </a:rPr>
+              <a:t>: &lt;</a:t>
+            </a:r>
+            <a:r>
+              <a:rPr lang="de-CH" sz="1000" b="1" dirty="0" err="1">
+                <a:solidFill>
+                  <a:schemeClr val="tx1"/>
+                </a:solidFill>
+                <a:latin typeface="Arial" panose="020B0604020202020204" pitchFamily="34" charset="0"/>
+                <a:cs typeface="Arial" panose="020B0604020202020204" pitchFamily="34" charset="0"/>
+              </a:rPr>
+              <a:t>body</a:t>
+            </a:r>
+            <a:r>
+              <a:rPr lang="de-CH" sz="1000" b="1" dirty="0">
+                <a:solidFill>
+                  <a:schemeClr val="tx1"/>
+                </a:solidFill>
+                <a:latin typeface="Arial" panose="020B0604020202020204" pitchFamily="34" charset="0"/>
+                <a:cs typeface="Arial" panose="020B0604020202020204" pitchFamily="34" charset="0"/>
+              </a:rPr>
+              <a:t>&gt; </a:t>
+            </a:r>
+            <a:r>
+              <a:rPr lang="de-CH" sz="1000" b="1" dirty="0" err="1">
+                <a:solidFill>
+                  <a:schemeClr val="tx1"/>
+                </a:solidFill>
+                <a:latin typeface="Arial" panose="020B0604020202020204" pitchFamily="34" charset="0"/>
+                <a:cs typeface="Arial" panose="020B0604020202020204" pitchFamily="34" charset="0"/>
+              </a:rPr>
+              <a:t>with</a:t>
+            </a:r>
+            <a:r>
+              <a:rPr lang="de-CH" sz="1000" b="1" dirty="0">
+                <a:solidFill>
+                  <a:schemeClr val="tx1"/>
+                </a:solidFill>
+                <a:latin typeface="Arial" panose="020B0604020202020204" pitchFamily="34" charset="0"/>
+                <a:cs typeface="Arial" panose="020B0604020202020204" pitchFamily="34" charset="0"/>
+              </a:rPr>
+              <a:t> </a:t>
+            </a:r>
+            <a:r>
+              <a:rPr lang="de-CH" sz="1000" b="1" dirty="0" err="1">
+                <a:solidFill>
+                  <a:schemeClr val="tx1"/>
+                </a:solidFill>
+                <a:latin typeface="Arial" panose="020B0604020202020204" pitchFamily="34" charset="0"/>
+                <a:cs typeface="Arial" panose="020B0604020202020204" pitchFamily="34" charset="0"/>
+              </a:rPr>
+              <a:t>onload</a:t>
+            </a:r>
+            <a:r>
+              <a:rPr lang="de-CH" sz="1000" b="1" dirty="0">
+                <a:solidFill>
+                  <a:schemeClr val="tx1"/>
+                </a:solidFill>
+                <a:latin typeface="Arial" panose="020B0604020202020204" pitchFamily="34" charset="0"/>
+                <a:cs typeface="Arial" panose="020B0604020202020204" pitchFamily="34" charset="0"/>
+              </a:rPr>
+              <a:t> </a:t>
+            </a:r>
+            <a:r>
+              <a:rPr lang="de-CH" sz="1000" b="1" dirty="0" err="1">
+                <a:solidFill>
+                  <a:schemeClr val="tx1"/>
+                </a:solidFill>
+                <a:latin typeface="Arial" panose="020B0604020202020204" pitchFamily="34" charset="0"/>
+                <a:cs typeface="Arial" panose="020B0604020202020204" pitchFamily="34" charset="0"/>
+              </a:rPr>
+              <a:t>function</a:t>
+            </a:r>
+            <a:r>
+              <a:rPr lang="de-CH" sz="1000" b="1" dirty="0">
+                <a:solidFill>
+                  <a:schemeClr val="tx1"/>
+                </a:solidFill>
+                <a:latin typeface="Arial" panose="020B0604020202020204" pitchFamily="34" charset="0"/>
+                <a:cs typeface="Arial" panose="020B0604020202020204" pitchFamily="34" charset="0"/>
+              </a:rPr>
+              <a:t> </a:t>
+            </a:r>
+            <a:r>
+              <a:rPr lang="de-CH" sz="1000" b="1" dirty="0" err="1">
+                <a:solidFill>
+                  <a:schemeClr val="tx1"/>
+                </a:solidFill>
+                <a:latin typeface="Arial" panose="020B0604020202020204" pitchFamily="34" charset="0"/>
+                <a:cs typeface="Arial" panose="020B0604020202020204" pitchFamily="34" charset="0"/>
+              </a:rPr>
+              <a:t>name</a:t>
+            </a:r>
+            <a:endParaRPr lang="de-CH" sz="1000" b="1" dirty="0">
+              <a:solidFill>
+                <a:schemeClr val="tx1"/>
+              </a:solidFill>
+              <a:latin typeface="Arial" panose="020B0604020202020204" pitchFamily="34" charset="0"/>
+              <a:cs typeface="Arial" panose="020B0604020202020204" pitchFamily="34" charset="0"/>
+            </a:endParaRPr>
+          </a:p>
+          <a:p>
+            <a:endParaRPr lang="de-CH" sz="1000" b="1" dirty="0">
+              <a:solidFill>
+                <a:schemeClr val="tx1"/>
+              </a:solidFill>
+              <a:latin typeface="Arial" panose="020B0604020202020204" pitchFamily="34" charset="0"/>
+              <a:cs typeface="Arial" panose="020B0604020202020204" pitchFamily="34" charset="0"/>
+            </a:endParaRPr>
+          </a:p>
+        </p:txBody>
+      </p:sp>
+      <p:sp>
+        <p:nvSpPr>
+          <p:cNvPr id="13" name="Rechteck 12">
+            <a:extLst>
+              <a:ext uri="{FF2B5EF4-FFF2-40B4-BE49-F238E27FC236}">
+                <a16:creationId xmlns:a16="http://schemas.microsoft.com/office/drawing/2014/main" id="{BB1EDC33-C4F2-D61D-4B4D-12E93C994F16}"/>
+              </a:ext>
+            </a:extLst>
+          </p:cNvPr>
+          <p:cNvSpPr/>
+          <p:nvPr/>
+        </p:nvSpPr>
+        <p:spPr>
+          <a:xfrm>
+            <a:off x="7652099" y="817415"/>
+            <a:ext cx="3245285" cy="756861"/>
+          </a:xfrm>
+          <a:prstGeom prst="rect">
+            <a:avLst/>
+          </a:prstGeom>
+          <a:noFill/>
+          <a:ln w="19050">
+            <a:solidFill>
+              <a:schemeClr val="tx1"/>
+            </a:solidFill>
+          </a:ln>
+        </p:spPr>
+        <p:style>
+          <a:lnRef idx="2">
+            <a:schemeClr val="accent1">
+              <a:shade val="50000"/>
+            </a:schemeClr>
+          </a:lnRef>
+          <a:fillRef idx="1">
+            <a:schemeClr val="accent1"/>
+          </a:fillRef>
+          <a:effectRef idx="0">
+            <a:schemeClr val="accent1"/>
+          </a:effectRef>
+          <a:fontRef idx="minor">
+            <a:schemeClr val="lt1"/>
+          </a:fontRef>
+        </p:style>
+        <p:txBody>
+          <a:bodyPr rtlCol="0" anchor="ctr"/>
+          <a:lstStyle/>
+          <a:p>
+            <a:pPr algn="ctr"/>
+            <a:r>
+              <a:rPr lang="de-CH" dirty="0" err="1">
+                <a:solidFill>
+                  <a:schemeClr val="tx1"/>
+                </a:solidFill>
+                <a:latin typeface="Arial" panose="020B0604020202020204" pitchFamily="34" charset="0"/>
+                <a:cs typeface="Arial" panose="020B0604020202020204" pitchFamily="34" charset="0"/>
+              </a:rPr>
+              <a:t>LayoutScript</a:t>
+            </a:r>
+            <a:endParaRPr lang="de-CH" dirty="0">
+              <a:solidFill>
+                <a:schemeClr val="tx1"/>
+              </a:solidFill>
+              <a:latin typeface="Arial" panose="020B0604020202020204" pitchFamily="34" charset="0"/>
+              <a:cs typeface="Arial" panose="020B0604020202020204" pitchFamily="34" charset="0"/>
+            </a:endParaRPr>
+          </a:p>
+          <a:p>
+            <a:pPr algn="ctr"/>
+            <a:endParaRPr lang="de-CH" sz="800" dirty="0">
+              <a:solidFill>
+                <a:schemeClr val="tx1"/>
+              </a:solidFill>
+              <a:latin typeface="Arial" panose="020B0604020202020204" pitchFamily="34" charset="0"/>
+              <a:cs typeface="Arial" panose="020B0604020202020204" pitchFamily="34" charset="0"/>
+            </a:endParaRPr>
+          </a:p>
+          <a:p>
+            <a:pPr algn="ctr"/>
+            <a:r>
+              <a:rPr lang="de-CH" sz="1200" dirty="0" err="1">
+                <a:solidFill>
+                  <a:schemeClr val="tx1"/>
+                </a:solidFill>
+                <a:latin typeface="Arial" panose="020B0604020202020204" pitchFamily="34" charset="0"/>
+                <a:cs typeface="Arial" panose="020B0604020202020204" pitchFamily="34" charset="0"/>
+              </a:rPr>
+              <a:t>Creates</a:t>
+            </a:r>
+            <a:r>
+              <a:rPr lang="de-CH" sz="1200" dirty="0">
+                <a:solidFill>
+                  <a:schemeClr val="tx1"/>
+                </a:solidFill>
+                <a:latin typeface="Arial" panose="020B0604020202020204" pitchFamily="34" charset="0"/>
+                <a:cs typeface="Arial" panose="020B0604020202020204" pitchFamily="34" charset="0"/>
+              </a:rPr>
+              <a:t> </a:t>
+            </a:r>
+            <a:r>
+              <a:rPr lang="de-CH" sz="1200" dirty="0" err="1">
+                <a:solidFill>
+                  <a:schemeClr val="tx1"/>
+                </a:solidFill>
+                <a:latin typeface="Arial" panose="020B0604020202020204" pitchFamily="34" charset="0"/>
+                <a:cs typeface="Arial" panose="020B0604020202020204" pitchFamily="34" charset="0"/>
+              </a:rPr>
+              <a:t>the</a:t>
+            </a:r>
+            <a:r>
+              <a:rPr lang="de-CH" sz="1200" dirty="0">
+                <a:solidFill>
+                  <a:schemeClr val="tx1"/>
+                </a:solidFill>
+                <a:latin typeface="Arial" panose="020B0604020202020204" pitchFamily="34" charset="0"/>
+                <a:cs typeface="Arial" panose="020B0604020202020204" pitchFamily="34" charset="0"/>
+              </a:rPr>
+              <a:t> &lt;</a:t>
+            </a:r>
+            <a:r>
+              <a:rPr lang="de-CH" sz="1200" dirty="0" err="1">
+                <a:solidFill>
+                  <a:schemeClr val="tx1"/>
+                </a:solidFill>
+                <a:latin typeface="Arial" panose="020B0604020202020204" pitchFamily="34" charset="0"/>
+                <a:cs typeface="Arial" panose="020B0604020202020204" pitchFamily="34" charset="0"/>
+              </a:rPr>
+              <a:t>header</a:t>
+            </a:r>
+            <a:r>
+              <a:rPr lang="de-CH" sz="1200" dirty="0">
+                <a:solidFill>
+                  <a:schemeClr val="tx1"/>
+                </a:solidFill>
+                <a:latin typeface="Arial" panose="020B0604020202020204" pitchFamily="34" charset="0"/>
+                <a:cs typeface="Arial" panose="020B0604020202020204" pitchFamily="34" charset="0"/>
+              </a:rPr>
+              <a:t>&gt; &lt;</a:t>
+            </a:r>
+            <a:r>
+              <a:rPr lang="de-CH" sz="1200" dirty="0" err="1">
+                <a:solidFill>
+                  <a:schemeClr val="tx1"/>
+                </a:solidFill>
+                <a:latin typeface="Arial" panose="020B0604020202020204" pitchFamily="34" charset="0"/>
+                <a:cs typeface="Arial" panose="020B0604020202020204" pitchFamily="34" charset="0"/>
+              </a:rPr>
+              <a:t>script</a:t>
+            </a:r>
+            <a:r>
+              <a:rPr lang="de-CH" sz="1200" dirty="0">
+                <a:solidFill>
+                  <a:schemeClr val="tx1"/>
+                </a:solidFill>
+                <a:latin typeface="Arial" panose="020B0604020202020204" pitchFamily="34" charset="0"/>
+                <a:cs typeface="Arial" panose="020B0604020202020204" pitchFamily="34" charset="0"/>
+              </a:rPr>
+              <a:t>&gt;  code</a:t>
+            </a:r>
+          </a:p>
+        </p:txBody>
+      </p:sp>
+      <p:sp>
+        <p:nvSpPr>
+          <p:cNvPr id="14" name="Rechteck 13">
+            <a:extLst>
+              <a:ext uri="{FF2B5EF4-FFF2-40B4-BE49-F238E27FC236}">
+                <a16:creationId xmlns:a16="http://schemas.microsoft.com/office/drawing/2014/main" id="{E1214645-7643-34D7-A504-BDD07B87DA0F}"/>
+              </a:ext>
+            </a:extLst>
+          </p:cNvPr>
+          <p:cNvSpPr/>
+          <p:nvPr/>
+        </p:nvSpPr>
+        <p:spPr>
+          <a:xfrm>
+            <a:off x="7652098" y="1574276"/>
+            <a:ext cx="3245286" cy="2988297"/>
+          </a:xfrm>
+          <a:prstGeom prst="rect">
+            <a:avLst/>
+          </a:prstGeom>
+          <a:noFill/>
+          <a:ln w="19050">
+            <a:solidFill>
+              <a:schemeClr val="tx1"/>
+            </a:solidFill>
+          </a:ln>
+        </p:spPr>
+        <p:style>
+          <a:lnRef idx="2">
+            <a:schemeClr val="accent1">
+              <a:shade val="50000"/>
+            </a:schemeClr>
+          </a:lnRef>
+          <a:fillRef idx="1">
+            <a:schemeClr val="accent1"/>
+          </a:fillRef>
+          <a:effectRef idx="0">
+            <a:schemeClr val="accent1"/>
+          </a:effectRef>
+          <a:fontRef idx="minor">
+            <a:schemeClr val="lt1"/>
+          </a:fontRef>
+        </p:style>
+        <p:txBody>
+          <a:bodyPr rtlCol="0" anchor="ctr"/>
+          <a:lstStyle/>
+          <a:p>
+            <a:r>
+              <a:rPr lang="en-US" sz="1200" dirty="0">
+                <a:solidFill>
+                  <a:schemeClr val="tx1"/>
+                </a:solidFill>
+                <a:latin typeface="Arial" panose="020B0604020202020204" pitchFamily="34" charset="0"/>
+                <a:cs typeface="Arial" panose="020B0604020202020204" pitchFamily="34" charset="0"/>
+              </a:rPr>
+              <a:t>Member variables</a:t>
+            </a:r>
+          </a:p>
+          <a:p>
+            <a:r>
+              <a:rPr lang="en-US" sz="1000" b="1" dirty="0" err="1">
+                <a:solidFill>
+                  <a:schemeClr val="tx1"/>
+                </a:solidFill>
+                <a:latin typeface="Arial" panose="020B0604020202020204" pitchFamily="34" charset="0"/>
+                <a:cs typeface="Arial" panose="020B0604020202020204" pitchFamily="34" charset="0"/>
+              </a:rPr>
+              <a:t>m_layout_xml</a:t>
+            </a:r>
+            <a:endParaRPr lang="en-US" sz="1000" b="1" dirty="0">
+              <a:solidFill>
+                <a:schemeClr val="tx1"/>
+              </a:solidFill>
+              <a:latin typeface="Arial" panose="020B0604020202020204" pitchFamily="34" charset="0"/>
+              <a:cs typeface="Arial" panose="020B0604020202020204" pitchFamily="34" charset="0"/>
+            </a:endParaRPr>
+          </a:p>
+          <a:p>
+            <a:r>
+              <a:rPr lang="en-US" sz="1000" b="1" dirty="0" err="1">
+                <a:solidFill>
+                  <a:schemeClr val="tx1"/>
+                </a:solidFill>
+                <a:latin typeface="Arial" panose="020B0604020202020204" pitchFamily="34" charset="0"/>
+                <a:cs typeface="Arial" panose="020B0604020202020204" pitchFamily="34" charset="0"/>
+              </a:rPr>
+              <a:t>m_output_dir</a:t>
+            </a:r>
+            <a:endParaRPr lang="en-US" sz="1000" b="1" dirty="0">
+              <a:solidFill>
+                <a:schemeClr val="tx1"/>
+              </a:solidFill>
+              <a:latin typeface="Arial" panose="020B0604020202020204" pitchFamily="34" charset="0"/>
+              <a:cs typeface="Arial" panose="020B0604020202020204" pitchFamily="34" charset="0"/>
+            </a:endParaRPr>
+          </a:p>
+          <a:p>
+            <a:r>
+              <a:rPr lang="en-US" sz="1000" b="1" dirty="0" err="1">
+                <a:solidFill>
+                  <a:schemeClr val="tx1"/>
+                </a:solidFill>
+                <a:latin typeface="Arial" panose="020B0604020202020204" pitchFamily="34" charset="0"/>
+                <a:cs typeface="Arial" panose="020B0604020202020204" pitchFamily="34" charset="0"/>
+              </a:rPr>
+              <a:t>m_layout_file_case</a:t>
+            </a:r>
+            <a:endParaRPr lang="en-US" sz="1000" b="1" dirty="0">
+              <a:solidFill>
+                <a:schemeClr val="tx1"/>
+              </a:solidFill>
+              <a:latin typeface="Arial" panose="020B0604020202020204" pitchFamily="34" charset="0"/>
+              <a:cs typeface="Arial" panose="020B0604020202020204" pitchFamily="34" charset="0"/>
+            </a:endParaRPr>
+          </a:p>
+          <a:p>
+            <a:r>
+              <a:rPr lang="en-US" sz="1000" b="1" dirty="0" err="1">
+                <a:solidFill>
+                  <a:schemeClr val="tx1"/>
+                </a:solidFill>
+                <a:latin typeface="Arial" panose="020B0604020202020204" pitchFamily="34" charset="0"/>
+                <a:cs typeface="Arial" panose="020B0604020202020204" pitchFamily="34" charset="0"/>
+              </a:rPr>
+              <a:t>m_html_script_code</a:t>
+            </a:r>
+            <a:endParaRPr lang="en-US" sz="1000" b="1" dirty="0">
+              <a:solidFill>
+                <a:schemeClr val="tx1"/>
+              </a:solidFill>
+              <a:latin typeface="Arial" panose="020B0604020202020204" pitchFamily="34" charset="0"/>
+              <a:cs typeface="Arial" panose="020B0604020202020204" pitchFamily="34" charset="0"/>
+            </a:endParaRPr>
+          </a:p>
+          <a:p>
+            <a:endParaRPr lang="en-US" sz="1000" b="1" dirty="0">
+              <a:solidFill>
+                <a:schemeClr val="tx1"/>
+              </a:solidFill>
+              <a:latin typeface="Arial" panose="020B0604020202020204" pitchFamily="34" charset="0"/>
+              <a:cs typeface="Arial" panose="020B0604020202020204" pitchFamily="34" charset="0"/>
+            </a:endParaRPr>
+          </a:p>
+          <a:p>
+            <a:r>
+              <a:rPr lang="en-US" sz="1200" dirty="0">
+                <a:solidFill>
+                  <a:schemeClr val="tx1"/>
+                </a:solidFill>
+                <a:latin typeface="Arial" panose="020B0604020202020204" pitchFamily="34" charset="0"/>
+                <a:cs typeface="Arial" panose="020B0604020202020204" pitchFamily="34" charset="0"/>
+              </a:rPr>
+              <a:t>Member functions</a:t>
+            </a:r>
+          </a:p>
+          <a:p>
+            <a:r>
+              <a:rPr lang="de-CH" sz="1000" b="1" dirty="0" err="1">
+                <a:solidFill>
+                  <a:schemeClr val="tx1"/>
+                </a:solidFill>
+                <a:latin typeface="Arial" panose="020B0604020202020204" pitchFamily="34" charset="0"/>
+                <a:cs typeface="Arial" panose="020B0604020202020204" pitchFamily="34" charset="0"/>
+              </a:rPr>
+              <a:t>execute</a:t>
+            </a:r>
+            <a:r>
+              <a:rPr lang="de-CH" sz="1000" b="1" dirty="0">
+                <a:solidFill>
+                  <a:schemeClr val="tx1"/>
+                </a:solidFill>
+                <a:latin typeface="Arial" panose="020B0604020202020204" pitchFamily="34" charset="0"/>
+                <a:cs typeface="Arial" panose="020B0604020202020204" pitchFamily="34" charset="0"/>
+              </a:rPr>
+              <a:t>: </a:t>
+            </a:r>
+            <a:r>
+              <a:rPr lang="de-CH" sz="1000" b="1" dirty="0" err="1">
+                <a:solidFill>
+                  <a:schemeClr val="tx1"/>
+                </a:solidFill>
+                <a:latin typeface="Arial" panose="020B0604020202020204" pitchFamily="34" charset="0"/>
+                <a:cs typeface="Arial" panose="020B0604020202020204" pitchFamily="34" charset="0"/>
+              </a:rPr>
+              <a:t>Creates</a:t>
+            </a:r>
+            <a:r>
+              <a:rPr lang="de-CH" sz="1000" b="1" dirty="0">
+                <a:solidFill>
+                  <a:schemeClr val="tx1"/>
+                </a:solidFill>
+                <a:latin typeface="Arial" panose="020B0604020202020204" pitchFamily="34" charset="0"/>
+                <a:cs typeface="Arial" panose="020B0604020202020204" pitchFamily="34" charset="0"/>
+              </a:rPr>
+              <a:t> </a:t>
+            </a:r>
+            <a:r>
+              <a:rPr lang="de-CH" sz="1000" b="1" dirty="0" err="1">
+                <a:solidFill>
+                  <a:schemeClr val="tx1"/>
+                </a:solidFill>
+                <a:latin typeface="Arial" panose="020B0604020202020204" pitchFamily="34" charset="0"/>
+                <a:cs typeface="Arial" panose="020B0604020202020204" pitchFamily="34" charset="0"/>
+              </a:rPr>
+              <a:t>the</a:t>
+            </a:r>
+            <a:r>
+              <a:rPr lang="de-CH" sz="1000" b="1" dirty="0">
+                <a:solidFill>
+                  <a:schemeClr val="tx1"/>
+                </a:solidFill>
+                <a:latin typeface="Arial" panose="020B0604020202020204" pitchFamily="34" charset="0"/>
+                <a:cs typeface="Arial" panose="020B0604020202020204" pitchFamily="34" charset="0"/>
+              </a:rPr>
+              <a:t> JavaScript code </a:t>
+            </a:r>
+          </a:p>
+          <a:p>
+            <a:r>
+              <a:rPr lang="de-CH" sz="1000" b="1" dirty="0" err="1">
+                <a:solidFill>
+                  <a:schemeClr val="tx1"/>
+                </a:solidFill>
+                <a:latin typeface="Arial" panose="020B0604020202020204" pitchFamily="34" charset="0"/>
+                <a:cs typeface="Arial" panose="020B0604020202020204" pitchFamily="34" charset="0"/>
+              </a:rPr>
+              <a:t>get</a:t>
+            </a:r>
+            <a:r>
+              <a:rPr lang="de-CH" sz="1000" b="1" dirty="0">
+                <a:solidFill>
+                  <a:schemeClr val="tx1"/>
+                </a:solidFill>
+                <a:latin typeface="Arial" panose="020B0604020202020204" pitchFamily="34" charset="0"/>
+                <a:cs typeface="Arial" panose="020B0604020202020204" pitchFamily="34" charset="0"/>
+              </a:rPr>
+              <a:t>:         Returns </a:t>
+            </a:r>
+            <a:r>
+              <a:rPr lang="de-CH" sz="1000" b="1" dirty="0" err="1">
+                <a:solidFill>
+                  <a:schemeClr val="tx1"/>
+                </a:solidFill>
+                <a:latin typeface="Arial" panose="020B0604020202020204" pitchFamily="34" charset="0"/>
+                <a:cs typeface="Arial" panose="020B0604020202020204" pitchFamily="34" charset="0"/>
+              </a:rPr>
+              <a:t>the</a:t>
+            </a:r>
+            <a:r>
+              <a:rPr lang="de-CH" sz="1000" b="1" dirty="0">
+                <a:solidFill>
+                  <a:schemeClr val="tx1"/>
+                </a:solidFill>
+                <a:latin typeface="Arial" panose="020B0604020202020204" pitchFamily="34" charset="0"/>
+                <a:cs typeface="Arial" panose="020B0604020202020204" pitchFamily="34" charset="0"/>
+              </a:rPr>
+              <a:t> JavaScript code</a:t>
+            </a:r>
+          </a:p>
+          <a:p>
+            <a:r>
+              <a:rPr lang="de-CH" sz="1000" b="1" dirty="0" err="1">
+                <a:solidFill>
+                  <a:schemeClr val="tx1"/>
+                </a:solidFill>
+                <a:latin typeface="Arial" panose="020B0604020202020204" pitchFamily="34" charset="0"/>
+                <a:cs typeface="Arial" panose="020B0604020202020204" pitchFamily="34" charset="0"/>
+              </a:rPr>
+              <a:t>addIncludeJavaScripts</a:t>
+            </a:r>
+            <a:r>
+              <a:rPr lang="de-CH" sz="1000" b="1" dirty="0">
+                <a:solidFill>
+                  <a:schemeClr val="tx1"/>
+                </a:solidFill>
+                <a:latin typeface="Arial" panose="020B0604020202020204" pitchFamily="34" charset="0"/>
+                <a:cs typeface="Arial" panose="020B0604020202020204" pitchFamily="34" charset="0"/>
+              </a:rPr>
+              <a:t>: </a:t>
+            </a:r>
+            <a:r>
+              <a:rPr lang="de-CH" sz="1000" b="1" dirty="0" err="1">
+                <a:solidFill>
+                  <a:schemeClr val="tx1"/>
+                </a:solidFill>
+                <a:latin typeface="Arial" panose="020B0604020202020204" pitchFamily="34" charset="0"/>
+                <a:cs typeface="Arial" panose="020B0604020202020204" pitchFamily="34" charset="0"/>
+              </a:rPr>
+              <a:t>Adds</a:t>
+            </a:r>
+            <a:r>
+              <a:rPr lang="de-CH" sz="1000" b="1" dirty="0">
+                <a:solidFill>
+                  <a:schemeClr val="tx1"/>
+                </a:solidFill>
+                <a:latin typeface="Arial" panose="020B0604020202020204" pitchFamily="34" charset="0"/>
+                <a:cs typeface="Arial" panose="020B0604020202020204" pitchFamily="34" charset="0"/>
+              </a:rPr>
+              <a:t> </a:t>
+            </a:r>
+            <a:r>
+              <a:rPr lang="de-CH" sz="1000" b="1" dirty="0" err="1">
+                <a:solidFill>
+                  <a:schemeClr val="tx1"/>
+                </a:solidFill>
+                <a:latin typeface="Arial" panose="020B0604020202020204" pitchFamily="34" charset="0"/>
+                <a:cs typeface="Arial" panose="020B0604020202020204" pitchFamily="34" charset="0"/>
+              </a:rPr>
+              <a:t>include</a:t>
+            </a:r>
+            <a:r>
+              <a:rPr lang="de-CH" sz="1000" b="1" dirty="0">
+                <a:solidFill>
+                  <a:schemeClr val="tx1"/>
+                </a:solidFill>
+                <a:latin typeface="Arial" panose="020B0604020202020204" pitchFamily="34" charset="0"/>
+                <a:cs typeface="Arial" panose="020B0604020202020204" pitchFamily="34" charset="0"/>
+              </a:rPr>
+              <a:t> </a:t>
+            </a:r>
+            <a:r>
+              <a:rPr lang="de-CH" sz="1000" b="1" dirty="0" err="1">
+                <a:solidFill>
+                  <a:schemeClr val="tx1"/>
+                </a:solidFill>
+                <a:latin typeface="Arial" panose="020B0604020202020204" pitchFamily="34" charset="0"/>
+                <a:cs typeface="Arial" panose="020B0604020202020204" pitchFamily="34" charset="0"/>
+              </a:rPr>
+              <a:t>files</a:t>
+            </a:r>
+            <a:endParaRPr lang="de-CH" sz="1000" b="1" dirty="0">
+              <a:solidFill>
+                <a:schemeClr val="tx1"/>
+              </a:solidFill>
+              <a:latin typeface="Arial" panose="020B0604020202020204" pitchFamily="34" charset="0"/>
+              <a:cs typeface="Arial" panose="020B0604020202020204" pitchFamily="34" charset="0"/>
+            </a:endParaRPr>
+          </a:p>
+          <a:p>
+            <a:r>
+              <a:rPr lang="de-CH" sz="1000" b="1" dirty="0" err="1">
+                <a:solidFill>
+                  <a:schemeClr val="tx1"/>
+                </a:solidFill>
+                <a:latin typeface="Arial" panose="020B0604020202020204" pitchFamily="34" charset="0"/>
+                <a:cs typeface="Arial" panose="020B0604020202020204" pitchFamily="34" charset="0"/>
+              </a:rPr>
+              <a:t>setEventFunctions</a:t>
+            </a:r>
+            <a:r>
+              <a:rPr lang="de-CH" sz="1000" b="1" dirty="0">
+                <a:solidFill>
+                  <a:schemeClr val="tx1"/>
+                </a:solidFill>
+                <a:latin typeface="Arial" panose="020B0604020202020204" pitchFamily="34" charset="0"/>
+                <a:cs typeface="Arial" panose="020B0604020202020204" pitchFamily="34" charset="0"/>
+              </a:rPr>
+              <a:t>: Seat </a:t>
+            </a:r>
+            <a:r>
+              <a:rPr lang="de-CH" sz="1000" b="1" dirty="0" err="1">
+                <a:solidFill>
+                  <a:schemeClr val="tx1"/>
+                </a:solidFill>
+                <a:latin typeface="Arial" panose="020B0604020202020204" pitchFamily="34" charset="0"/>
+                <a:cs typeface="Arial" panose="020B0604020202020204" pitchFamily="34" charset="0"/>
+              </a:rPr>
+              <a:t>event</a:t>
+            </a:r>
+            <a:r>
+              <a:rPr lang="de-CH" sz="1000" b="1" dirty="0">
+                <a:solidFill>
+                  <a:schemeClr val="tx1"/>
+                </a:solidFill>
+                <a:latin typeface="Arial" panose="020B0604020202020204" pitchFamily="34" charset="0"/>
+                <a:cs typeface="Arial" panose="020B0604020202020204" pitchFamily="34" charset="0"/>
+              </a:rPr>
+              <a:t> </a:t>
+            </a:r>
+            <a:r>
+              <a:rPr lang="de-CH" sz="1000" b="1" dirty="0" err="1">
+                <a:solidFill>
+                  <a:schemeClr val="tx1"/>
+                </a:solidFill>
+                <a:latin typeface="Arial" panose="020B0604020202020204" pitchFamily="34" charset="0"/>
+                <a:cs typeface="Arial" panose="020B0604020202020204" pitchFamily="34" charset="0"/>
+              </a:rPr>
+              <a:t>functions</a:t>
+            </a:r>
+            <a:r>
+              <a:rPr lang="de-CH" sz="1000" b="1" dirty="0">
+                <a:solidFill>
+                  <a:schemeClr val="tx1"/>
+                </a:solidFill>
+                <a:latin typeface="Arial" panose="020B0604020202020204" pitchFamily="34" charset="0"/>
+                <a:cs typeface="Arial" panose="020B0604020202020204" pitchFamily="34" charset="0"/>
+              </a:rPr>
+              <a:t> code</a:t>
+            </a:r>
+          </a:p>
+          <a:p>
+            <a:r>
+              <a:rPr lang="de-CH" sz="1000" b="1" dirty="0" err="1">
+                <a:solidFill>
+                  <a:schemeClr val="tx1"/>
+                </a:solidFill>
+                <a:latin typeface="Arial" panose="020B0604020202020204" pitchFamily="34" charset="0"/>
+                <a:cs typeface="Arial" panose="020B0604020202020204" pitchFamily="34" charset="0"/>
+              </a:rPr>
+              <a:t>setMouseDownMouseOver</a:t>
+            </a:r>
+            <a:r>
+              <a:rPr lang="de-CH" sz="1000" b="1" dirty="0">
+                <a:solidFill>
+                  <a:schemeClr val="tx1"/>
+                </a:solidFill>
+                <a:latin typeface="Arial" panose="020B0604020202020204" pitchFamily="34" charset="0"/>
+                <a:cs typeface="Arial" panose="020B0604020202020204" pitchFamily="34" charset="0"/>
+              </a:rPr>
+              <a:t>: Mouse </a:t>
+            </a:r>
+            <a:r>
+              <a:rPr lang="de-CH" sz="1000" b="1" dirty="0" err="1">
+                <a:solidFill>
+                  <a:schemeClr val="tx1"/>
+                </a:solidFill>
+                <a:latin typeface="Arial" panose="020B0604020202020204" pitchFamily="34" charset="0"/>
+                <a:cs typeface="Arial" panose="020B0604020202020204" pitchFamily="34" charset="0"/>
+              </a:rPr>
+              <a:t>events</a:t>
+            </a:r>
+            <a:endParaRPr lang="de-CH" sz="1000" b="1" dirty="0">
+              <a:solidFill>
+                <a:schemeClr val="tx1"/>
+              </a:solidFill>
+              <a:latin typeface="Arial" panose="020B0604020202020204" pitchFamily="34" charset="0"/>
+              <a:cs typeface="Arial" panose="020B0604020202020204" pitchFamily="34" charset="0"/>
+            </a:endParaRPr>
+          </a:p>
+          <a:p>
+            <a:r>
+              <a:rPr lang="de-CH" sz="1000" b="1" dirty="0" err="1">
+                <a:solidFill>
+                  <a:schemeClr val="tx1"/>
+                </a:solidFill>
+                <a:latin typeface="Arial" panose="020B0604020202020204" pitchFamily="34" charset="0"/>
+                <a:cs typeface="Arial" panose="020B0604020202020204" pitchFamily="34" charset="0"/>
+              </a:rPr>
+              <a:t>getSeatEventFunctions</a:t>
+            </a:r>
+            <a:r>
+              <a:rPr lang="de-CH" sz="1000" b="1" dirty="0">
+                <a:solidFill>
+                  <a:schemeClr val="tx1"/>
+                </a:solidFill>
+                <a:latin typeface="Arial" panose="020B0604020202020204" pitchFamily="34" charset="0"/>
+                <a:cs typeface="Arial" panose="020B0604020202020204" pitchFamily="34" charset="0"/>
+              </a:rPr>
+              <a:t>: </a:t>
+            </a:r>
+            <a:r>
+              <a:rPr lang="de-CH" sz="1000" b="1" dirty="0" err="1">
+                <a:solidFill>
+                  <a:schemeClr val="tx1"/>
+                </a:solidFill>
+                <a:latin typeface="Arial" panose="020B0604020202020204" pitchFamily="34" charset="0"/>
+                <a:cs typeface="Arial" panose="020B0604020202020204" pitchFamily="34" charset="0"/>
+              </a:rPr>
+              <a:t>Get</a:t>
+            </a:r>
+            <a:r>
+              <a:rPr lang="de-CH" sz="1000" b="1" dirty="0">
+                <a:solidFill>
+                  <a:schemeClr val="tx1"/>
+                </a:solidFill>
+                <a:latin typeface="Arial" panose="020B0604020202020204" pitchFamily="34" charset="0"/>
+                <a:cs typeface="Arial" panose="020B0604020202020204" pitchFamily="34" charset="0"/>
+              </a:rPr>
+              <a:t> </a:t>
+            </a:r>
+            <a:r>
+              <a:rPr lang="de-CH" sz="1000" b="1" dirty="0" err="1">
+                <a:solidFill>
+                  <a:schemeClr val="tx1"/>
+                </a:solidFill>
+                <a:latin typeface="Arial" panose="020B0604020202020204" pitchFamily="34" charset="0"/>
+                <a:cs typeface="Arial" panose="020B0604020202020204" pitchFamily="34" charset="0"/>
+              </a:rPr>
+              <a:t>seat</a:t>
+            </a:r>
+            <a:r>
+              <a:rPr lang="de-CH" sz="1000" b="1" dirty="0">
+                <a:solidFill>
+                  <a:schemeClr val="tx1"/>
+                </a:solidFill>
+                <a:latin typeface="Arial" panose="020B0604020202020204" pitchFamily="34" charset="0"/>
+                <a:cs typeface="Arial" panose="020B0604020202020204" pitchFamily="34" charset="0"/>
+              </a:rPr>
+              <a:t> </a:t>
+            </a:r>
+            <a:r>
+              <a:rPr lang="de-CH" sz="1000" b="1" dirty="0" err="1">
+                <a:solidFill>
+                  <a:schemeClr val="tx1"/>
+                </a:solidFill>
+                <a:latin typeface="Arial" panose="020B0604020202020204" pitchFamily="34" charset="0"/>
+                <a:cs typeface="Arial" panose="020B0604020202020204" pitchFamily="34" charset="0"/>
+              </a:rPr>
+              <a:t>mouse</a:t>
+            </a:r>
+            <a:r>
+              <a:rPr lang="de-CH" sz="1000" b="1" dirty="0">
+                <a:solidFill>
+                  <a:schemeClr val="tx1"/>
+                </a:solidFill>
+                <a:latin typeface="Arial" panose="020B0604020202020204" pitchFamily="34" charset="0"/>
+                <a:cs typeface="Arial" panose="020B0604020202020204" pitchFamily="34" charset="0"/>
+              </a:rPr>
+              <a:t> </a:t>
+            </a:r>
+            <a:r>
+              <a:rPr lang="de-CH" sz="1000" b="1" dirty="0" err="1">
+                <a:solidFill>
+                  <a:schemeClr val="tx1"/>
+                </a:solidFill>
+                <a:latin typeface="Arial" panose="020B0604020202020204" pitchFamily="34" charset="0"/>
+                <a:cs typeface="Arial" panose="020B0604020202020204" pitchFamily="34" charset="0"/>
+              </a:rPr>
+              <a:t>functions</a:t>
+            </a:r>
+            <a:endParaRPr lang="de-CH" sz="1000" b="1" dirty="0">
+              <a:solidFill>
+                <a:schemeClr val="tx1"/>
+              </a:solidFill>
+              <a:latin typeface="Arial" panose="020B0604020202020204" pitchFamily="34" charset="0"/>
+              <a:cs typeface="Arial" panose="020B0604020202020204" pitchFamily="34" charset="0"/>
+            </a:endParaRPr>
+          </a:p>
+          <a:p>
+            <a:r>
+              <a:rPr lang="de-CH" sz="1000" b="1" dirty="0" err="1">
+                <a:solidFill>
+                  <a:schemeClr val="tx1"/>
+                </a:solidFill>
+                <a:latin typeface="Arial" panose="020B0604020202020204" pitchFamily="34" charset="0"/>
+                <a:cs typeface="Arial" panose="020B0604020202020204" pitchFamily="34" charset="0"/>
+              </a:rPr>
+              <a:t>mainFunction</a:t>
+            </a:r>
+            <a:r>
+              <a:rPr lang="de-CH" sz="1000" b="1" dirty="0">
+                <a:solidFill>
+                  <a:schemeClr val="tx1"/>
+                </a:solidFill>
+                <a:latin typeface="Arial" panose="020B0604020202020204" pitchFamily="34" charset="0"/>
+                <a:cs typeface="Arial" panose="020B0604020202020204" pitchFamily="34" charset="0"/>
+              </a:rPr>
+              <a:t>: Main (</a:t>
+            </a:r>
+            <a:r>
+              <a:rPr lang="de-CH" sz="1000" b="1" dirty="0" err="1">
+                <a:solidFill>
+                  <a:schemeClr val="tx1"/>
+                </a:solidFill>
+                <a:latin typeface="Arial" panose="020B0604020202020204" pitchFamily="34" charset="0"/>
+                <a:cs typeface="Arial" panose="020B0604020202020204" pitchFamily="34" charset="0"/>
+              </a:rPr>
+              <a:t>onload</a:t>
+            </a:r>
+            <a:r>
+              <a:rPr lang="de-CH" sz="1000" b="1" dirty="0">
+                <a:solidFill>
+                  <a:schemeClr val="tx1"/>
+                </a:solidFill>
+                <a:latin typeface="Arial" panose="020B0604020202020204" pitchFamily="34" charset="0"/>
+                <a:cs typeface="Arial" panose="020B0604020202020204" pitchFamily="34" charset="0"/>
+              </a:rPr>
+              <a:t>) </a:t>
+            </a:r>
+            <a:r>
+              <a:rPr lang="de-CH" sz="1000" b="1" dirty="0" err="1">
+                <a:solidFill>
+                  <a:schemeClr val="tx1"/>
+                </a:solidFill>
+                <a:latin typeface="Arial" panose="020B0604020202020204" pitchFamily="34" charset="0"/>
+                <a:cs typeface="Arial" panose="020B0604020202020204" pitchFamily="34" charset="0"/>
+              </a:rPr>
+              <a:t>function</a:t>
+            </a:r>
+            <a:r>
+              <a:rPr lang="de-CH" sz="1000" b="1" dirty="0">
+                <a:solidFill>
+                  <a:schemeClr val="tx1"/>
+                </a:solidFill>
+                <a:latin typeface="Arial" panose="020B0604020202020204" pitchFamily="34" charset="0"/>
+                <a:cs typeface="Arial" panose="020B0604020202020204" pitchFamily="34" charset="0"/>
+              </a:rPr>
+              <a:t> code</a:t>
+            </a:r>
+          </a:p>
+          <a:p>
+            <a:r>
+              <a:rPr lang="de-CH" sz="1000" b="1" dirty="0" err="1">
+                <a:solidFill>
+                  <a:schemeClr val="tx1"/>
+                </a:solidFill>
+                <a:latin typeface="Arial" panose="020B0604020202020204" pitchFamily="34" charset="0"/>
+                <a:cs typeface="Arial" panose="020B0604020202020204" pitchFamily="34" charset="0"/>
+              </a:rPr>
+              <a:t>noScript</a:t>
+            </a:r>
+            <a:r>
+              <a:rPr lang="de-CH" sz="1000" b="1" dirty="0">
+                <a:solidFill>
+                  <a:schemeClr val="tx1"/>
+                </a:solidFill>
+                <a:latin typeface="Arial" panose="020B0604020202020204" pitchFamily="34" charset="0"/>
+                <a:cs typeface="Arial" panose="020B0604020202020204" pitchFamily="34" charset="0"/>
+              </a:rPr>
+              <a:t>: </a:t>
+            </a:r>
+            <a:r>
+              <a:rPr lang="de-CH" sz="1000" b="1" dirty="0" err="1">
+                <a:solidFill>
+                  <a:schemeClr val="tx1"/>
+                </a:solidFill>
+                <a:latin typeface="Arial" panose="020B0604020202020204" pitchFamily="34" charset="0"/>
+                <a:cs typeface="Arial" panose="020B0604020202020204" pitchFamily="34" charset="0"/>
+              </a:rPr>
+              <a:t>Instructions</a:t>
+            </a:r>
+            <a:r>
+              <a:rPr lang="de-CH" sz="1000" b="1" dirty="0">
+                <a:solidFill>
+                  <a:schemeClr val="tx1"/>
+                </a:solidFill>
+                <a:latin typeface="Arial" panose="020B0604020202020204" pitchFamily="34" charset="0"/>
+                <a:cs typeface="Arial" panose="020B0604020202020204" pitchFamily="34" charset="0"/>
+              </a:rPr>
+              <a:t> JavaScript not </a:t>
+            </a:r>
+            <a:r>
+              <a:rPr lang="de-CH" sz="1000" b="1" dirty="0" err="1">
+                <a:solidFill>
+                  <a:schemeClr val="tx1"/>
+                </a:solidFill>
+                <a:latin typeface="Arial" panose="020B0604020202020204" pitchFamily="34" charset="0"/>
+                <a:cs typeface="Arial" panose="020B0604020202020204" pitchFamily="34" charset="0"/>
+              </a:rPr>
+              <a:t>allowed</a:t>
+            </a:r>
+            <a:endParaRPr lang="de-CH" sz="1000" b="1" dirty="0">
+              <a:solidFill>
+                <a:schemeClr val="tx1"/>
+              </a:solidFill>
+              <a:latin typeface="Arial" panose="020B0604020202020204" pitchFamily="34" charset="0"/>
+              <a:cs typeface="Arial" panose="020B0604020202020204" pitchFamily="34" charset="0"/>
+            </a:endParaRPr>
+          </a:p>
+          <a:p>
+            <a:r>
+              <a:rPr lang="de-CH" sz="1000" b="1" dirty="0" err="1">
+                <a:solidFill>
+                  <a:schemeClr val="tx1"/>
+                </a:solidFill>
+                <a:latin typeface="Arial" panose="020B0604020202020204" pitchFamily="34" charset="0"/>
+                <a:cs typeface="Arial" panose="020B0604020202020204" pitchFamily="34" charset="0"/>
+              </a:rPr>
+              <a:t>tempMainComments</a:t>
+            </a:r>
+            <a:r>
+              <a:rPr lang="de-CH" sz="1000" b="1" dirty="0">
+                <a:solidFill>
+                  <a:schemeClr val="tx1"/>
+                </a:solidFill>
+                <a:latin typeface="Arial" panose="020B0604020202020204" pitchFamily="34" charset="0"/>
+                <a:cs typeface="Arial" panose="020B0604020202020204" pitchFamily="34" charset="0"/>
+              </a:rPr>
+              <a:t>: </a:t>
+            </a:r>
+            <a:r>
+              <a:rPr lang="de-CH" sz="1000" b="1" dirty="0" err="1">
+                <a:solidFill>
+                  <a:schemeClr val="tx1"/>
+                </a:solidFill>
+                <a:latin typeface="Arial" panose="020B0604020202020204" pitchFamily="34" charset="0"/>
+                <a:cs typeface="Arial" panose="020B0604020202020204" pitchFamily="34" charset="0"/>
+              </a:rPr>
+              <a:t>For</a:t>
+            </a:r>
+            <a:r>
+              <a:rPr lang="de-CH" sz="1000" b="1" dirty="0">
+                <a:solidFill>
+                  <a:schemeClr val="tx1"/>
+                </a:solidFill>
+                <a:latin typeface="Arial" panose="020B0604020202020204" pitchFamily="34" charset="0"/>
+                <a:cs typeface="Arial" panose="020B0604020202020204" pitchFamily="34" charset="0"/>
+              </a:rPr>
+              <a:t> </a:t>
+            </a:r>
+            <a:r>
+              <a:rPr lang="de-CH" sz="1000" b="1" dirty="0" err="1">
+                <a:solidFill>
+                  <a:schemeClr val="tx1"/>
+                </a:solidFill>
+                <a:latin typeface="Arial" panose="020B0604020202020204" pitchFamily="34" charset="0"/>
+                <a:cs typeface="Arial" panose="020B0604020202020204" pitchFamily="34" charset="0"/>
+              </a:rPr>
+              <a:t>testing</a:t>
+            </a:r>
+            <a:endParaRPr lang="de-CH" sz="1000" b="1" dirty="0">
+              <a:solidFill>
+                <a:schemeClr val="tx1"/>
+              </a:solidFill>
+              <a:latin typeface="Arial" panose="020B0604020202020204" pitchFamily="34" charset="0"/>
+              <a:cs typeface="Arial" panose="020B0604020202020204" pitchFamily="34" charset="0"/>
+            </a:endParaRPr>
+          </a:p>
+          <a:p>
+            <a:r>
+              <a:rPr lang="de-CH" sz="1000" b="1" dirty="0" err="1">
+                <a:solidFill>
+                  <a:schemeClr val="tx1"/>
+                </a:solidFill>
+                <a:latin typeface="Arial" panose="020B0604020202020204" pitchFamily="34" charset="0"/>
+                <a:cs typeface="Arial" panose="020B0604020202020204" pitchFamily="34" charset="0"/>
+              </a:rPr>
+              <a:t>tempMainFunction</a:t>
+            </a:r>
+            <a:r>
+              <a:rPr lang="de-CH" sz="1000" b="1" dirty="0">
+                <a:solidFill>
+                  <a:schemeClr val="tx1"/>
+                </a:solidFill>
+                <a:latin typeface="Arial" panose="020B0604020202020204" pitchFamily="34" charset="0"/>
+                <a:cs typeface="Arial" panose="020B0604020202020204" pitchFamily="34" charset="0"/>
+              </a:rPr>
+              <a:t>: </a:t>
+            </a:r>
+            <a:r>
+              <a:rPr lang="de-CH" sz="1000" b="1" dirty="0" err="1">
+                <a:solidFill>
+                  <a:schemeClr val="tx1"/>
+                </a:solidFill>
+                <a:latin typeface="Arial" panose="020B0604020202020204" pitchFamily="34" charset="0"/>
+                <a:cs typeface="Arial" panose="020B0604020202020204" pitchFamily="34" charset="0"/>
+              </a:rPr>
+              <a:t>For</a:t>
+            </a:r>
+            <a:r>
+              <a:rPr lang="de-CH" sz="1000" b="1" dirty="0">
+                <a:solidFill>
+                  <a:schemeClr val="tx1"/>
+                </a:solidFill>
+                <a:latin typeface="Arial" panose="020B0604020202020204" pitchFamily="34" charset="0"/>
+                <a:cs typeface="Arial" panose="020B0604020202020204" pitchFamily="34" charset="0"/>
+              </a:rPr>
+              <a:t> </a:t>
+            </a:r>
+            <a:r>
+              <a:rPr lang="de-CH" sz="1000" b="1" dirty="0" err="1">
+                <a:solidFill>
+                  <a:schemeClr val="tx1"/>
+                </a:solidFill>
+                <a:latin typeface="Arial" panose="020B0604020202020204" pitchFamily="34" charset="0"/>
+                <a:cs typeface="Arial" panose="020B0604020202020204" pitchFamily="34" charset="0"/>
+              </a:rPr>
+              <a:t>testing</a:t>
+            </a:r>
+            <a:endParaRPr lang="de-CH" sz="1000" b="1" dirty="0">
+              <a:solidFill>
+                <a:schemeClr val="tx1"/>
+              </a:solidFill>
+              <a:latin typeface="Arial" panose="020B0604020202020204" pitchFamily="34" charset="0"/>
+              <a:cs typeface="Arial" panose="020B0604020202020204" pitchFamily="34" charset="0"/>
+            </a:endParaRPr>
+          </a:p>
+        </p:txBody>
+      </p:sp>
     </p:spTree>
     <p:extLst>
       <p:ext uri="{BB962C8B-B14F-4D97-AF65-F5344CB8AC3E}">
-        <p14:creationId xmlns:p14="http://schemas.microsoft.com/office/powerpoint/2010/main" val="2402299156"/>
+        <p14:creationId xmlns:p14="http://schemas.microsoft.com/office/powerpoint/2010/main" val="359369775"/>
       </p:ext>
     </p:extLst>
   </p:cSld>

--- a/Description/ReservationLayout.pptx
+++ b/Description/ReservationLayout.pptx
@@ -279,7 +279,7 @@
           <a:p>
             <a:fld id="{DDCE6D58-9B57-4731-A47B-3CD41B48F0A9}" type="datetimeFigureOut">
               <a:rPr lang="de-CH" smtClean="0"/>
-              <a:t>20.12.2024</a:t>
+              <a:t>21.12.2024</a:t>
             </a:fld>
             <a:endParaRPr lang="de-CH"/>
           </a:p>
@@ -449,7 +449,7 @@
           <a:p>
             <a:fld id="{DDCE6D58-9B57-4731-A47B-3CD41B48F0A9}" type="datetimeFigureOut">
               <a:rPr lang="de-CH" smtClean="0"/>
-              <a:t>20.12.2024</a:t>
+              <a:t>21.12.2024</a:t>
             </a:fld>
             <a:endParaRPr lang="de-CH"/>
           </a:p>
@@ -629,7 +629,7 @@
           <a:p>
             <a:fld id="{DDCE6D58-9B57-4731-A47B-3CD41B48F0A9}" type="datetimeFigureOut">
               <a:rPr lang="de-CH" smtClean="0"/>
-              <a:t>20.12.2024</a:t>
+              <a:t>21.12.2024</a:t>
             </a:fld>
             <a:endParaRPr lang="de-CH"/>
           </a:p>
@@ -799,7 +799,7 @@
           <a:p>
             <a:fld id="{DDCE6D58-9B57-4731-A47B-3CD41B48F0A9}" type="datetimeFigureOut">
               <a:rPr lang="de-CH" smtClean="0"/>
-              <a:t>20.12.2024</a:t>
+              <a:t>21.12.2024</a:t>
             </a:fld>
             <a:endParaRPr lang="de-CH"/>
           </a:p>
@@ -1045,7 +1045,7 @@
           <a:p>
             <a:fld id="{DDCE6D58-9B57-4731-A47B-3CD41B48F0A9}" type="datetimeFigureOut">
               <a:rPr lang="de-CH" smtClean="0"/>
-              <a:t>20.12.2024</a:t>
+              <a:t>21.12.2024</a:t>
             </a:fld>
             <a:endParaRPr lang="de-CH"/>
           </a:p>
@@ -1277,7 +1277,7 @@
           <a:p>
             <a:fld id="{DDCE6D58-9B57-4731-A47B-3CD41B48F0A9}" type="datetimeFigureOut">
               <a:rPr lang="de-CH" smtClean="0"/>
-              <a:t>20.12.2024</a:t>
+              <a:t>21.12.2024</a:t>
             </a:fld>
             <a:endParaRPr lang="de-CH"/>
           </a:p>
@@ -1644,7 +1644,7 @@
           <a:p>
             <a:fld id="{DDCE6D58-9B57-4731-A47B-3CD41B48F0A9}" type="datetimeFigureOut">
               <a:rPr lang="de-CH" smtClean="0"/>
-              <a:t>20.12.2024</a:t>
+              <a:t>21.12.2024</a:t>
             </a:fld>
             <a:endParaRPr lang="de-CH"/>
           </a:p>
@@ -1762,7 +1762,7 @@
           <a:p>
             <a:fld id="{DDCE6D58-9B57-4731-A47B-3CD41B48F0A9}" type="datetimeFigureOut">
               <a:rPr lang="de-CH" smtClean="0"/>
-              <a:t>20.12.2024</a:t>
+              <a:t>21.12.2024</a:t>
             </a:fld>
             <a:endParaRPr lang="de-CH"/>
           </a:p>
@@ -1857,7 +1857,7 @@
           <a:p>
             <a:fld id="{DDCE6D58-9B57-4731-A47B-3CD41B48F0A9}" type="datetimeFigureOut">
               <a:rPr lang="de-CH" smtClean="0"/>
-              <a:t>20.12.2024</a:t>
+              <a:t>21.12.2024</a:t>
             </a:fld>
             <a:endParaRPr lang="de-CH"/>
           </a:p>
@@ -2134,7 +2134,7 @@
           <a:p>
             <a:fld id="{DDCE6D58-9B57-4731-A47B-3CD41B48F0A9}" type="datetimeFigureOut">
               <a:rPr lang="de-CH" smtClean="0"/>
-              <a:t>20.12.2024</a:t>
+              <a:t>21.12.2024</a:t>
             </a:fld>
             <a:endParaRPr lang="de-CH"/>
           </a:p>
@@ -2387,7 +2387,7 @@
           <a:p>
             <a:fld id="{DDCE6D58-9B57-4731-A47B-3CD41B48F0A9}" type="datetimeFigureOut">
               <a:rPr lang="de-CH" smtClean="0"/>
-              <a:t>20.12.2024</a:t>
+              <a:t>21.12.2024</a:t>
             </a:fld>
             <a:endParaRPr lang="de-CH"/>
           </a:p>
@@ -2600,7 +2600,7 @@
           <a:p>
             <a:fld id="{DDCE6D58-9B57-4731-A47B-3CD41B48F0A9}" type="datetimeFigureOut">
               <a:rPr lang="de-CH" smtClean="0"/>
-              <a:t>20.12.2024</a:t>
+              <a:t>21.12.2024</a:t>
             </a:fld>
             <a:endParaRPr lang="de-CH"/>
           </a:p>

--- a/Description/ReservationLayout.pptx
+++ b/Description/ReservationLayout.pptx
@@ -285,7 +285,7 @@
           <a:p>
             <a:fld id="{DDCE6D58-9B57-4731-A47B-3CD41B48F0A9}" type="datetimeFigureOut">
               <a:rPr lang="de-CH" smtClean="0"/>
-              <a:t>05.01.2025</a:t>
+              <a:t>06.01.2025</a:t>
             </a:fld>
             <a:endParaRPr lang="de-CH"/>
           </a:p>
@@ -455,7 +455,7 @@
           <a:p>
             <a:fld id="{DDCE6D58-9B57-4731-A47B-3CD41B48F0A9}" type="datetimeFigureOut">
               <a:rPr lang="de-CH" smtClean="0"/>
-              <a:t>05.01.2025</a:t>
+              <a:t>06.01.2025</a:t>
             </a:fld>
             <a:endParaRPr lang="de-CH"/>
           </a:p>
@@ -635,7 +635,7 @@
           <a:p>
             <a:fld id="{DDCE6D58-9B57-4731-A47B-3CD41B48F0A9}" type="datetimeFigureOut">
               <a:rPr lang="de-CH" smtClean="0"/>
-              <a:t>05.01.2025</a:t>
+              <a:t>06.01.2025</a:t>
             </a:fld>
             <a:endParaRPr lang="de-CH"/>
           </a:p>
@@ -805,7 +805,7 @@
           <a:p>
             <a:fld id="{DDCE6D58-9B57-4731-A47B-3CD41B48F0A9}" type="datetimeFigureOut">
               <a:rPr lang="de-CH" smtClean="0"/>
-              <a:t>05.01.2025</a:t>
+              <a:t>06.01.2025</a:t>
             </a:fld>
             <a:endParaRPr lang="de-CH"/>
           </a:p>
@@ -1051,7 +1051,7 @@
           <a:p>
             <a:fld id="{DDCE6D58-9B57-4731-A47B-3CD41B48F0A9}" type="datetimeFigureOut">
               <a:rPr lang="de-CH" smtClean="0"/>
-              <a:t>05.01.2025</a:t>
+              <a:t>06.01.2025</a:t>
             </a:fld>
             <a:endParaRPr lang="de-CH"/>
           </a:p>
@@ -1283,7 +1283,7 @@
           <a:p>
             <a:fld id="{DDCE6D58-9B57-4731-A47B-3CD41B48F0A9}" type="datetimeFigureOut">
               <a:rPr lang="de-CH" smtClean="0"/>
-              <a:t>05.01.2025</a:t>
+              <a:t>06.01.2025</a:t>
             </a:fld>
             <a:endParaRPr lang="de-CH"/>
           </a:p>
@@ -1650,7 +1650,7 @@
           <a:p>
             <a:fld id="{DDCE6D58-9B57-4731-A47B-3CD41B48F0A9}" type="datetimeFigureOut">
               <a:rPr lang="de-CH" smtClean="0"/>
-              <a:t>05.01.2025</a:t>
+              <a:t>06.01.2025</a:t>
             </a:fld>
             <a:endParaRPr lang="de-CH"/>
           </a:p>
@@ -1768,7 +1768,7 @@
           <a:p>
             <a:fld id="{DDCE6D58-9B57-4731-A47B-3CD41B48F0A9}" type="datetimeFigureOut">
               <a:rPr lang="de-CH" smtClean="0"/>
-              <a:t>05.01.2025</a:t>
+              <a:t>06.01.2025</a:t>
             </a:fld>
             <a:endParaRPr lang="de-CH"/>
           </a:p>
@@ -1863,7 +1863,7 @@
           <a:p>
             <a:fld id="{DDCE6D58-9B57-4731-A47B-3CD41B48F0A9}" type="datetimeFigureOut">
               <a:rPr lang="de-CH" smtClean="0"/>
-              <a:t>05.01.2025</a:t>
+              <a:t>06.01.2025</a:t>
             </a:fld>
             <a:endParaRPr lang="de-CH"/>
           </a:p>
@@ -2140,7 +2140,7 @@
           <a:p>
             <a:fld id="{DDCE6D58-9B57-4731-A47B-3CD41B48F0A9}" type="datetimeFigureOut">
               <a:rPr lang="de-CH" smtClean="0"/>
-              <a:t>05.01.2025</a:t>
+              <a:t>06.01.2025</a:t>
             </a:fld>
             <a:endParaRPr lang="de-CH"/>
           </a:p>
@@ -2393,7 +2393,7 @@
           <a:p>
             <a:fld id="{DDCE6D58-9B57-4731-A47B-3CD41B48F0A9}" type="datetimeFigureOut">
               <a:rPr lang="de-CH" smtClean="0"/>
-              <a:t>05.01.2025</a:t>
+              <a:t>06.01.2025</a:t>
             </a:fld>
             <a:endParaRPr lang="de-CH"/>
           </a:p>
@@ -2606,7 +2606,7 @@
           <a:p>
             <a:fld id="{DDCE6D58-9B57-4731-A47B-3CD41B48F0A9}" type="datetimeFigureOut">
               <a:rPr lang="de-CH" smtClean="0"/>
-              <a:t>05.01.2025</a:t>
+              <a:t>06.01.2025</a:t>
             </a:fld>
             <a:endParaRPr lang="de-CH"/>
           </a:p>
@@ -3853,69 +3853,6 @@
           </a:p>
         </p:txBody>
       </p:sp>
-      <p:sp>
-        <p:nvSpPr>
-          <p:cNvPr id="39" name="Rechteck 38">
-            <a:extLst>
-              <a:ext uri="{FF2B5EF4-FFF2-40B4-BE49-F238E27FC236}">
-                <a16:creationId xmlns:a16="http://schemas.microsoft.com/office/drawing/2014/main" id="{36B0ECF1-304E-6207-17BD-0CD69CE22F8F}"/>
-              </a:ext>
-            </a:extLst>
-          </p:cNvPr>
-          <p:cNvSpPr/>
-          <p:nvPr/>
-        </p:nvSpPr>
-        <p:spPr>
-          <a:xfrm>
-            <a:off x="4858739" y="1587047"/>
-            <a:ext cx="639615" cy="273141"/>
-          </a:xfrm>
-          <a:prstGeom prst="rect">
-            <a:avLst/>
-          </a:prstGeom>
-          <a:solidFill>
-            <a:srgbClr val="FFFF00"/>
-          </a:solidFill>
-          <a:ln>
-            <a:solidFill>
-              <a:schemeClr val="tx1"/>
-            </a:solidFill>
-          </a:ln>
-        </p:spPr>
-        <p:style>
-          <a:lnRef idx="2">
-            <a:schemeClr val="accent1">
-              <a:shade val="50000"/>
-            </a:schemeClr>
-          </a:lnRef>
-          <a:fillRef idx="1">
-            <a:schemeClr val="accent1"/>
-          </a:fillRef>
-          <a:effectRef idx="0">
-            <a:schemeClr val="accent1"/>
-          </a:effectRef>
-          <a:fontRef idx="minor">
-            <a:schemeClr val="lt1"/>
-          </a:fontRef>
-        </p:style>
-        <p:txBody>
-          <a:bodyPr rtlCol="0" anchor="ctr"/>
-          <a:lstStyle/>
-          <a:p>
-            <a:pPr algn="ctr"/>
-            <a:r>
-              <a:rPr lang="de-CH" sz="1000" b="1" dirty="0">
-                <a:solidFill>
-                  <a:schemeClr val="tx1"/>
-                </a:solidFill>
-                <a:latin typeface="Arial" panose="020B0604020202020204" pitchFamily="34" charset="0"/>
-                <a:cs typeface="Arial" panose="020B0604020202020204" pitchFamily="34" charset="0"/>
-              </a:rPr>
-              <a:t>Scripts</a:t>
-            </a:r>
-          </a:p>
-        </p:txBody>
-      </p:sp>
       <p:cxnSp>
         <p:nvCxnSpPr>
           <p:cNvPr id="41" name="Gerader Verbinder 40">
@@ -3970,8 +3907,8 @@
         </p:nvCxnSpPr>
         <p:spPr>
           <a:xfrm flipV="1">
-            <a:off x="5198011" y="1403787"/>
-            <a:ext cx="0" cy="166815"/>
+            <a:off x="4368445" y="1403787"/>
+            <a:ext cx="0" cy="563113"/>
           </a:xfrm>
           <a:prstGeom prst="line">
             <a:avLst/>
@@ -4066,13 +4003,14 @@
           </p:cNvPr>
           <p:cNvCxnSpPr>
             <a:cxnSpLocks/>
+            <a:stCxn id="8" idx="0"/>
           </p:cNvCxnSpPr>
           <p:nvPr/>
         </p:nvCxnSpPr>
         <p:spPr>
-          <a:xfrm flipV="1">
-            <a:off x="5912714" y="1414093"/>
-            <a:ext cx="0" cy="166815"/>
+          <a:xfrm flipH="1" flipV="1">
+            <a:off x="5912714" y="1396649"/>
+            <a:ext cx="21114" cy="1060122"/>
           </a:xfrm>
           <a:prstGeom prst="line">
             <a:avLst/>
@@ -4107,7 +4045,7 @@
         </p:nvSpPr>
         <p:spPr>
           <a:xfrm>
-            <a:off x="5565874" y="1589505"/>
+            <a:off x="5462177" y="2456771"/>
             <a:ext cx="943302" cy="273141"/>
           </a:xfrm>
           <a:prstGeom prst="rect">
@@ -4663,8 +4601,8 @@
         </p:nvSpPr>
         <p:spPr>
           <a:xfrm>
-            <a:off x="3981086" y="1590391"/>
-            <a:ext cx="798492" cy="273141"/>
+            <a:off x="3972255" y="1590391"/>
+            <a:ext cx="585933" cy="273141"/>
           </a:xfrm>
           <a:prstGeom prst="rect">
             <a:avLst/>
@@ -4735,7 +4673,7 @@
         </p:nvCxnSpPr>
         <p:spPr>
           <a:xfrm flipV="1">
-            <a:off x="4388002" y="1406132"/>
+            <a:off x="4274878" y="1406132"/>
             <a:ext cx="0" cy="166815"/>
           </a:xfrm>
           <a:prstGeom prst="line">
@@ -6054,6 +5992,285 @@
               </a:rPr>
               <a:t>ReservationPrint.htm</a:t>
             </a:r>
+          </a:p>
+        </p:txBody>
+      </p:sp>
+      <p:sp>
+        <p:nvSpPr>
+          <p:cNvPr id="6" name="Rechteck 5">
+            <a:extLst>
+              <a:ext uri="{FF2B5EF4-FFF2-40B4-BE49-F238E27FC236}">
+                <a16:creationId xmlns:a16="http://schemas.microsoft.com/office/drawing/2014/main" id="{00E168F6-6E1F-5062-CEA5-1A5517F97641}"/>
+              </a:ext>
+            </a:extLst>
+          </p:cNvPr>
+          <p:cNvSpPr/>
+          <p:nvPr/>
+        </p:nvSpPr>
+        <p:spPr>
+          <a:xfrm>
+            <a:off x="4039212" y="1953842"/>
+            <a:ext cx="639615" cy="273141"/>
+          </a:xfrm>
+          <a:prstGeom prst="rect">
+            <a:avLst/>
+          </a:prstGeom>
+          <a:solidFill>
+            <a:srgbClr val="FFFF00"/>
+          </a:solidFill>
+          <a:ln>
+            <a:solidFill>
+              <a:schemeClr val="tx1"/>
+            </a:solidFill>
+          </a:ln>
+        </p:spPr>
+        <p:style>
+          <a:lnRef idx="2">
+            <a:schemeClr val="accent1">
+              <a:shade val="50000"/>
+            </a:schemeClr>
+          </a:lnRef>
+          <a:fillRef idx="1">
+            <a:schemeClr val="accent1"/>
+          </a:fillRef>
+          <a:effectRef idx="0">
+            <a:schemeClr val="accent1"/>
+          </a:effectRef>
+          <a:fontRef idx="minor">
+            <a:schemeClr val="lt1"/>
+          </a:fontRef>
+        </p:style>
+        <p:txBody>
+          <a:bodyPr rtlCol="0" anchor="ctr"/>
+          <a:lstStyle/>
+          <a:p>
+            <a:pPr algn="ctr"/>
+            <a:r>
+              <a:rPr lang="de-CH" sz="1000" b="1" dirty="0">
+                <a:solidFill>
+                  <a:schemeClr val="tx1"/>
+                </a:solidFill>
+                <a:latin typeface="Arial" panose="020B0604020202020204" pitchFamily="34" charset="0"/>
+                <a:cs typeface="Arial" panose="020B0604020202020204" pitchFamily="34" charset="0"/>
+              </a:rPr>
+              <a:t>Scripts</a:t>
+            </a:r>
+          </a:p>
+        </p:txBody>
+      </p:sp>
+      <p:cxnSp>
+        <p:nvCxnSpPr>
+          <p:cNvPr id="14" name="Gerader Verbinder 13">
+            <a:extLst>
+              <a:ext uri="{FF2B5EF4-FFF2-40B4-BE49-F238E27FC236}">
+                <a16:creationId xmlns:a16="http://schemas.microsoft.com/office/drawing/2014/main" id="{ECBA657A-4886-EED3-9F19-A0B2B9B69D0B}"/>
+              </a:ext>
+            </a:extLst>
+          </p:cNvPr>
+          <p:cNvCxnSpPr>
+            <a:cxnSpLocks/>
+          </p:cNvCxnSpPr>
+          <p:nvPr/>
+        </p:nvCxnSpPr>
+        <p:spPr>
+          <a:xfrm flipV="1">
+            <a:off x="5612110" y="1414093"/>
+            <a:ext cx="0" cy="562889"/>
+          </a:xfrm>
+          <a:prstGeom prst="line">
+            <a:avLst/>
+          </a:prstGeom>
+        </p:spPr>
+        <p:style>
+          <a:lnRef idx="1">
+            <a:schemeClr val="accent1"/>
+          </a:lnRef>
+          <a:fillRef idx="0">
+            <a:schemeClr val="accent1"/>
+          </a:fillRef>
+          <a:effectRef idx="0">
+            <a:schemeClr val="accent1"/>
+          </a:effectRef>
+          <a:fontRef idx="minor">
+            <a:schemeClr val="tx1"/>
+          </a:fontRef>
+        </p:style>
+      </p:cxnSp>
+      <p:sp>
+        <p:nvSpPr>
+          <p:cNvPr id="17" name="Rechteck 16">
+            <a:extLst>
+              <a:ext uri="{FF2B5EF4-FFF2-40B4-BE49-F238E27FC236}">
+                <a16:creationId xmlns:a16="http://schemas.microsoft.com/office/drawing/2014/main" id="{BA1D9B67-B764-5E91-33EE-662143FE2537}"/>
+              </a:ext>
+            </a:extLst>
+          </p:cNvPr>
+          <p:cNvSpPr/>
+          <p:nvPr/>
+        </p:nvSpPr>
+        <p:spPr>
+          <a:xfrm>
+            <a:off x="5367721" y="1963924"/>
+            <a:ext cx="464944" cy="273141"/>
+          </a:xfrm>
+          <a:prstGeom prst="rect">
+            <a:avLst/>
+          </a:prstGeom>
+          <a:solidFill>
+            <a:srgbClr val="FFFF00"/>
+          </a:solidFill>
+          <a:ln>
+            <a:solidFill>
+              <a:schemeClr val="tx1"/>
+            </a:solidFill>
+          </a:ln>
+        </p:spPr>
+        <p:style>
+          <a:lnRef idx="2">
+            <a:schemeClr val="accent1">
+              <a:shade val="50000"/>
+            </a:schemeClr>
+          </a:lnRef>
+          <a:fillRef idx="1">
+            <a:schemeClr val="accent1"/>
+          </a:fillRef>
+          <a:effectRef idx="0">
+            <a:schemeClr val="accent1"/>
+          </a:effectRef>
+          <a:fontRef idx="minor">
+            <a:schemeClr val="lt1"/>
+          </a:fontRef>
+        </p:style>
+        <p:txBody>
+          <a:bodyPr rtlCol="0" anchor="ctr"/>
+          <a:lstStyle/>
+          <a:p>
+            <a:pPr algn="ctr"/>
+            <a:r>
+              <a:rPr lang="de-CH" sz="1000" b="1" dirty="0" err="1">
+                <a:solidFill>
+                  <a:schemeClr val="tx1"/>
+                </a:solidFill>
+                <a:latin typeface="Arial" panose="020B0604020202020204" pitchFamily="34" charset="0"/>
+                <a:cs typeface="Arial" panose="020B0604020202020204" pitchFamily="34" charset="0"/>
+              </a:rPr>
+              <a:t>Php</a:t>
+            </a:r>
+            <a:endParaRPr lang="de-CH" sz="1000" b="1" dirty="0">
+              <a:solidFill>
+                <a:schemeClr val="tx1"/>
+              </a:solidFill>
+              <a:latin typeface="Arial" panose="020B0604020202020204" pitchFamily="34" charset="0"/>
+              <a:cs typeface="Arial" panose="020B0604020202020204" pitchFamily="34" charset="0"/>
+            </a:endParaRPr>
+          </a:p>
+        </p:txBody>
+      </p:sp>
+      <p:cxnSp>
+        <p:nvCxnSpPr>
+          <p:cNvPr id="33" name="Gerader Verbinder 32">
+            <a:extLst>
+              <a:ext uri="{FF2B5EF4-FFF2-40B4-BE49-F238E27FC236}">
+                <a16:creationId xmlns:a16="http://schemas.microsoft.com/office/drawing/2014/main" id="{1EDEA4E5-F0C5-A027-DE74-E3AF869FE6A0}"/>
+              </a:ext>
+            </a:extLst>
+          </p:cNvPr>
+          <p:cNvCxnSpPr>
+            <a:cxnSpLocks/>
+          </p:cNvCxnSpPr>
+          <p:nvPr/>
+        </p:nvCxnSpPr>
+        <p:spPr>
+          <a:xfrm flipV="1">
+            <a:off x="5022757" y="1404011"/>
+            <a:ext cx="0" cy="562889"/>
+          </a:xfrm>
+          <a:prstGeom prst="line">
+            <a:avLst/>
+          </a:prstGeom>
+        </p:spPr>
+        <p:style>
+          <a:lnRef idx="1">
+            <a:schemeClr val="accent1"/>
+          </a:lnRef>
+          <a:fillRef idx="0">
+            <a:schemeClr val="accent1"/>
+          </a:fillRef>
+          <a:effectRef idx="0">
+            <a:schemeClr val="accent1"/>
+          </a:effectRef>
+          <a:fontRef idx="minor">
+            <a:schemeClr val="tx1"/>
+          </a:fontRef>
+        </p:style>
+      </p:cxnSp>
+      <p:sp>
+        <p:nvSpPr>
+          <p:cNvPr id="40" name="Rechteck 39">
+            <a:extLst>
+              <a:ext uri="{FF2B5EF4-FFF2-40B4-BE49-F238E27FC236}">
+                <a16:creationId xmlns:a16="http://schemas.microsoft.com/office/drawing/2014/main" id="{E03B6958-DDCD-BBBD-7281-8DE597E239E0}"/>
+              </a:ext>
+            </a:extLst>
+          </p:cNvPr>
+          <p:cNvSpPr/>
+          <p:nvPr/>
+        </p:nvSpPr>
+        <p:spPr>
+          <a:xfrm>
+            <a:off x="4778368" y="1953842"/>
+            <a:ext cx="464944" cy="273141"/>
+          </a:xfrm>
+          <a:prstGeom prst="rect">
+            <a:avLst/>
+          </a:prstGeom>
+          <a:solidFill>
+            <a:srgbClr val="FFFF00"/>
+          </a:solidFill>
+          <a:ln>
+            <a:solidFill>
+              <a:schemeClr val="tx1"/>
+            </a:solidFill>
+          </a:ln>
+        </p:spPr>
+        <p:style>
+          <a:lnRef idx="2">
+            <a:schemeClr val="accent1">
+              <a:shade val="50000"/>
+            </a:schemeClr>
+          </a:lnRef>
+          <a:fillRef idx="1">
+            <a:schemeClr val="accent1"/>
+          </a:fillRef>
+          <a:effectRef idx="0">
+            <a:schemeClr val="accent1"/>
+          </a:effectRef>
+          <a:fontRef idx="minor">
+            <a:schemeClr val="lt1"/>
+          </a:fontRef>
+        </p:style>
+        <p:txBody>
+          <a:bodyPr rtlCol="0" anchor="ctr"/>
+          <a:lstStyle/>
+          <a:p>
+            <a:pPr algn="ctr"/>
+            <a:r>
+              <a:rPr lang="de-CH" sz="1000" b="1" dirty="0" err="1">
+                <a:solidFill>
+                  <a:schemeClr val="tx1"/>
+                </a:solidFill>
+                <a:latin typeface="Arial" panose="020B0604020202020204" pitchFamily="34" charset="0"/>
+                <a:cs typeface="Arial" panose="020B0604020202020204" pitchFamily="34" charset="0"/>
+              </a:rPr>
+              <a:t>Libs</a:t>
+            </a:r>
+            <a:endParaRPr lang="de-CH" sz="1000" b="1" dirty="0">
+              <a:solidFill>
+                <a:schemeClr val="tx1"/>
+              </a:solidFill>
+              <a:latin typeface="Arial" panose="020B0604020202020204" pitchFamily="34" charset="0"/>
+              <a:cs typeface="Arial" panose="020B0604020202020204" pitchFamily="34" charset="0"/>
+            </a:endParaRPr>
           </a:p>
         </p:txBody>
       </p:sp>

--- a/Description/ReservationLayout.pptx
+++ b/Description/ReservationLayout.pptx
@@ -23,8 +23,10 @@
     <p:sldId id="290" r:id="rId17"/>
     <p:sldId id="292" r:id="rId18"/>
     <p:sldId id="265" r:id="rId19"/>
-    <p:sldId id="291" r:id="rId20"/>
-    <p:sldId id="266" r:id="rId21"/>
+    <p:sldId id="299" r:id="rId20"/>
+    <p:sldId id="300" r:id="rId21"/>
+    <p:sldId id="291" r:id="rId22"/>
+    <p:sldId id="266" r:id="rId23"/>
   </p:sldIdLst>
   <p:sldSz cx="12192000" cy="6858000"/>
   <p:notesSz cx="6721475" cy="9866313"/>
@@ -285,7 +287,7 @@
           <a:p>
             <a:fld id="{DDCE6D58-9B57-4731-A47B-3CD41B48F0A9}" type="datetimeFigureOut">
               <a:rPr lang="de-CH" smtClean="0"/>
-              <a:t>06.01.2025</a:t>
+              <a:t>07.01.2025</a:t>
             </a:fld>
             <a:endParaRPr lang="de-CH"/>
           </a:p>
@@ -455,7 +457,7 @@
           <a:p>
             <a:fld id="{DDCE6D58-9B57-4731-A47B-3CD41B48F0A9}" type="datetimeFigureOut">
               <a:rPr lang="de-CH" smtClean="0"/>
-              <a:t>06.01.2025</a:t>
+              <a:t>07.01.2025</a:t>
             </a:fld>
             <a:endParaRPr lang="de-CH"/>
           </a:p>
@@ -635,7 +637,7 @@
           <a:p>
             <a:fld id="{DDCE6D58-9B57-4731-A47B-3CD41B48F0A9}" type="datetimeFigureOut">
               <a:rPr lang="de-CH" smtClean="0"/>
-              <a:t>06.01.2025</a:t>
+              <a:t>07.01.2025</a:t>
             </a:fld>
             <a:endParaRPr lang="de-CH"/>
           </a:p>
@@ -805,7 +807,7 @@
           <a:p>
             <a:fld id="{DDCE6D58-9B57-4731-A47B-3CD41B48F0A9}" type="datetimeFigureOut">
               <a:rPr lang="de-CH" smtClean="0"/>
-              <a:t>06.01.2025</a:t>
+              <a:t>07.01.2025</a:t>
             </a:fld>
             <a:endParaRPr lang="de-CH"/>
           </a:p>
@@ -1051,7 +1053,7 @@
           <a:p>
             <a:fld id="{DDCE6D58-9B57-4731-A47B-3CD41B48F0A9}" type="datetimeFigureOut">
               <a:rPr lang="de-CH" smtClean="0"/>
-              <a:t>06.01.2025</a:t>
+              <a:t>07.01.2025</a:t>
             </a:fld>
             <a:endParaRPr lang="de-CH"/>
           </a:p>
@@ -1283,7 +1285,7 @@
           <a:p>
             <a:fld id="{DDCE6D58-9B57-4731-A47B-3CD41B48F0A9}" type="datetimeFigureOut">
               <a:rPr lang="de-CH" smtClean="0"/>
-              <a:t>06.01.2025</a:t>
+              <a:t>07.01.2025</a:t>
             </a:fld>
             <a:endParaRPr lang="de-CH"/>
           </a:p>
@@ -1650,7 +1652,7 @@
           <a:p>
             <a:fld id="{DDCE6D58-9B57-4731-A47B-3CD41B48F0A9}" type="datetimeFigureOut">
               <a:rPr lang="de-CH" smtClean="0"/>
-              <a:t>06.01.2025</a:t>
+              <a:t>07.01.2025</a:t>
             </a:fld>
             <a:endParaRPr lang="de-CH"/>
           </a:p>
@@ -1768,7 +1770,7 @@
           <a:p>
             <a:fld id="{DDCE6D58-9B57-4731-A47B-3CD41B48F0A9}" type="datetimeFigureOut">
               <a:rPr lang="de-CH" smtClean="0"/>
-              <a:t>06.01.2025</a:t>
+              <a:t>07.01.2025</a:t>
             </a:fld>
             <a:endParaRPr lang="de-CH"/>
           </a:p>
@@ -1863,7 +1865,7 @@
           <a:p>
             <a:fld id="{DDCE6D58-9B57-4731-A47B-3CD41B48F0A9}" type="datetimeFigureOut">
               <a:rPr lang="de-CH" smtClean="0"/>
-              <a:t>06.01.2025</a:t>
+              <a:t>07.01.2025</a:t>
             </a:fld>
             <a:endParaRPr lang="de-CH"/>
           </a:p>
@@ -2140,7 +2142,7 @@
           <a:p>
             <a:fld id="{DDCE6D58-9B57-4731-A47B-3CD41B48F0A9}" type="datetimeFigureOut">
               <a:rPr lang="de-CH" smtClean="0"/>
-              <a:t>06.01.2025</a:t>
+              <a:t>07.01.2025</a:t>
             </a:fld>
             <a:endParaRPr lang="de-CH"/>
           </a:p>
@@ -2393,7 +2395,7 @@
           <a:p>
             <a:fld id="{DDCE6D58-9B57-4731-A47B-3CD41B48F0A9}" type="datetimeFigureOut">
               <a:rPr lang="de-CH" smtClean="0"/>
-              <a:t>06.01.2025</a:t>
+              <a:t>07.01.2025</a:t>
             </a:fld>
             <a:endParaRPr lang="de-CH"/>
           </a:p>
@@ -2606,7 +2608,7 @@
           <a:p>
             <a:fld id="{DDCE6D58-9B57-4731-A47B-3CD41B48F0A9}" type="datetimeFigureOut">
               <a:rPr lang="de-CH" smtClean="0"/>
-              <a:t>06.01.2025</a:t>
+              <a:t>07.01.2025</a:t>
             </a:fld>
             <a:endParaRPr lang="de-CH"/>
           </a:p>
@@ -21240,6 +21242,265 @@
           </a:fontRef>
         </p:style>
       </p:cxnSp>
+      <p:sp>
+        <p:nvSpPr>
+          <p:cNvPr id="2" name="Rechteck 1">
+            <a:extLst>
+              <a:ext uri="{FF2B5EF4-FFF2-40B4-BE49-F238E27FC236}">
+                <a16:creationId xmlns:a16="http://schemas.microsoft.com/office/drawing/2014/main" id="{948304D1-9B2A-8074-6A67-06B3E462998E}"/>
+              </a:ext>
+            </a:extLst>
+          </p:cNvPr>
+          <p:cNvSpPr/>
+          <p:nvPr/>
+        </p:nvSpPr>
+        <p:spPr>
+          <a:xfrm>
+            <a:off x="1104027" y="2281979"/>
+            <a:ext cx="2144754" cy="3351126"/>
+          </a:xfrm>
+          <a:prstGeom prst="rect">
+            <a:avLst/>
+          </a:prstGeom>
+          <a:noFill/>
+          <a:ln w="19050">
+            <a:solidFill>
+              <a:schemeClr val="tx1"/>
+            </a:solidFill>
+            <a:prstDash val="dash"/>
+          </a:ln>
+        </p:spPr>
+        <p:style>
+          <a:lnRef idx="2">
+            <a:schemeClr val="accent1">
+              <a:shade val="50000"/>
+            </a:schemeClr>
+          </a:lnRef>
+          <a:fillRef idx="1">
+            <a:schemeClr val="accent1"/>
+          </a:fillRef>
+          <a:effectRef idx="0">
+            <a:schemeClr val="accent1"/>
+          </a:effectRef>
+          <a:fontRef idx="minor">
+            <a:schemeClr val="lt1"/>
+          </a:fontRef>
+        </p:style>
+        <p:txBody>
+          <a:bodyPr rtlCol="0" anchor="ctr"/>
+          <a:lstStyle/>
+          <a:p>
+            <a:r>
+              <a:rPr lang="de-CH" sz="1200" b="1" dirty="0" err="1">
+                <a:solidFill>
+                  <a:schemeClr val="tx1"/>
+                </a:solidFill>
+                <a:latin typeface="Arial" panose="020B0604020202020204" pitchFamily="34" charset="0"/>
+                <a:cs typeface="Arial" panose="020B0604020202020204" pitchFamily="34" charset="0"/>
+              </a:rPr>
+              <a:t>Function</a:t>
+            </a:r>
+            <a:r>
+              <a:rPr lang="de-CH" sz="1200" b="1" dirty="0">
+                <a:solidFill>
+                  <a:schemeClr val="tx1"/>
+                </a:solidFill>
+                <a:latin typeface="Arial" panose="020B0604020202020204" pitchFamily="34" charset="0"/>
+                <a:cs typeface="Arial" panose="020B0604020202020204" pitchFamily="34" charset="0"/>
+              </a:rPr>
+              <a:t> </a:t>
+            </a:r>
+            <a:r>
+              <a:rPr lang="de-CH" sz="1200" b="1" dirty="0" err="1">
+                <a:solidFill>
+                  <a:schemeClr val="tx1"/>
+                </a:solidFill>
+                <a:latin typeface="Arial" panose="020B0604020202020204" pitchFamily="34" charset="0"/>
+                <a:cs typeface="Arial" panose="020B0604020202020204" pitchFamily="34" charset="0"/>
+              </a:rPr>
+              <a:t>dirFileAnyCase</a:t>
+            </a:r>
+            <a:endParaRPr lang="de-CH" sz="1200" b="1" dirty="0">
+              <a:solidFill>
+                <a:schemeClr val="tx1"/>
+              </a:solidFill>
+              <a:latin typeface="Arial" panose="020B0604020202020204" pitchFamily="34" charset="0"/>
+              <a:cs typeface="Arial" panose="020B0604020202020204" pitchFamily="34" charset="0"/>
+            </a:endParaRPr>
+          </a:p>
+          <a:p>
+            <a:endParaRPr lang="de-CH" sz="1200" b="1" dirty="0">
+              <a:solidFill>
+                <a:schemeClr val="tx1"/>
+              </a:solidFill>
+              <a:latin typeface="Arial" panose="020B0604020202020204" pitchFamily="34" charset="0"/>
+              <a:cs typeface="Arial" panose="020B0604020202020204" pitchFamily="34" charset="0"/>
+            </a:endParaRPr>
+          </a:p>
+          <a:p>
+            <a:endParaRPr lang="de-CH" sz="1200" b="1" dirty="0">
+              <a:solidFill>
+                <a:schemeClr val="tx1"/>
+              </a:solidFill>
+              <a:latin typeface="Arial" panose="020B0604020202020204" pitchFamily="34" charset="0"/>
+              <a:cs typeface="Arial" panose="020B0604020202020204" pitchFamily="34" charset="0"/>
+            </a:endParaRPr>
+          </a:p>
+          <a:p>
+            <a:endParaRPr lang="de-CH" sz="1200" b="1" dirty="0">
+              <a:solidFill>
+                <a:schemeClr val="tx1"/>
+              </a:solidFill>
+              <a:latin typeface="Arial" panose="020B0604020202020204" pitchFamily="34" charset="0"/>
+              <a:cs typeface="Arial" panose="020B0604020202020204" pitchFamily="34" charset="0"/>
+            </a:endParaRPr>
+          </a:p>
+          <a:p>
+            <a:endParaRPr lang="de-CH" sz="1200" b="1" dirty="0">
+              <a:solidFill>
+                <a:schemeClr val="tx1"/>
+              </a:solidFill>
+              <a:latin typeface="Arial" panose="020B0604020202020204" pitchFamily="34" charset="0"/>
+              <a:cs typeface="Arial" panose="020B0604020202020204" pitchFamily="34" charset="0"/>
+            </a:endParaRPr>
+          </a:p>
+          <a:p>
+            <a:endParaRPr lang="de-CH" sz="1000" b="1" dirty="0">
+              <a:solidFill>
+                <a:schemeClr val="tx1"/>
+              </a:solidFill>
+              <a:latin typeface="Arial" panose="020B0604020202020204" pitchFamily="34" charset="0"/>
+              <a:cs typeface="Arial" panose="020B0604020202020204" pitchFamily="34" charset="0"/>
+            </a:endParaRPr>
+          </a:p>
+          <a:p>
+            <a:endParaRPr lang="de-CH" sz="1000" b="1" dirty="0">
+              <a:solidFill>
+                <a:schemeClr val="tx1"/>
+              </a:solidFill>
+              <a:latin typeface="Arial" panose="020B0604020202020204" pitchFamily="34" charset="0"/>
+              <a:cs typeface="Arial" panose="020B0604020202020204" pitchFamily="34" charset="0"/>
+            </a:endParaRPr>
+          </a:p>
+          <a:p>
+            <a:endParaRPr lang="de-CH" sz="1000" b="1" dirty="0">
+              <a:solidFill>
+                <a:schemeClr val="tx1"/>
+              </a:solidFill>
+              <a:latin typeface="Arial" panose="020B0604020202020204" pitchFamily="34" charset="0"/>
+              <a:cs typeface="Arial" panose="020B0604020202020204" pitchFamily="34" charset="0"/>
+            </a:endParaRPr>
+          </a:p>
+          <a:p>
+            <a:endParaRPr lang="de-CH" sz="1000" b="1" dirty="0">
+              <a:solidFill>
+                <a:schemeClr val="tx1"/>
+              </a:solidFill>
+              <a:latin typeface="Arial" panose="020B0604020202020204" pitchFamily="34" charset="0"/>
+              <a:cs typeface="Arial" panose="020B0604020202020204" pitchFamily="34" charset="0"/>
+            </a:endParaRPr>
+          </a:p>
+          <a:p>
+            <a:endParaRPr lang="de-CH" sz="1000" b="1" dirty="0">
+              <a:solidFill>
+                <a:schemeClr val="tx1"/>
+              </a:solidFill>
+              <a:latin typeface="Arial" panose="020B0604020202020204" pitchFamily="34" charset="0"/>
+              <a:cs typeface="Arial" panose="020B0604020202020204" pitchFamily="34" charset="0"/>
+            </a:endParaRPr>
+          </a:p>
+          <a:p>
+            <a:endParaRPr lang="de-CH" sz="1000" b="1" dirty="0">
+              <a:solidFill>
+                <a:schemeClr val="tx1"/>
+              </a:solidFill>
+              <a:latin typeface="Arial" panose="020B0604020202020204" pitchFamily="34" charset="0"/>
+              <a:cs typeface="Arial" panose="020B0604020202020204" pitchFamily="34" charset="0"/>
+            </a:endParaRPr>
+          </a:p>
+          <a:p>
+            <a:endParaRPr lang="de-CH" sz="1000" b="1" dirty="0">
+              <a:solidFill>
+                <a:schemeClr val="tx1"/>
+              </a:solidFill>
+              <a:latin typeface="Arial" panose="020B0604020202020204" pitchFamily="34" charset="0"/>
+              <a:cs typeface="Arial" panose="020B0604020202020204" pitchFamily="34" charset="0"/>
+            </a:endParaRPr>
+          </a:p>
+          <a:p>
+            <a:endParaRPr lang="de-CH" sz="1000" b="1" dirty="0">
+              <a:solidFill>
+                <a:schemeClr val="tx1"/>
+              </a:solidFill>
+              <a:latin typeface="Arial" panose="020B0604020202020204" pitchFamily="34" charset="0"/>
+              <a:cs typeface="Arial" panose="020B0604020202020204" pitchFamily="34" charset="0"/>
+            </a:endParaRPr>
+          </a:p>
+          <a:p>
+            <a:endParaRPr lang="de-CH" sz="1000" b="1" dirty="0">
+              <a:solidFill>
+                <a:schemeClr val="tx1"/>
+              </a:solidFill>
+              <a:latin typeface="Arial" panose="020B0604020202020204" pitchFamily="34" charset="0"/>
+              <a:cs typeface="Arial" panose="020B0604020202020204" pitchFamily="34" charset="0"/>
+            </a:endParaRPr>
+          </a:p>
+          <a:p>
+            <a:endParaRPr lang="de-CH" sz="1000" b="1" dirty="0">
+              <a:solidFill>
+                <a:schemeClr val="tx1"/>
+              </a:solidFill>
+              <a:latin typeface="Arial" panose="020B0604020202020204" pitchFamily="34" charset="0"/>
+              <a:cs typeface="Arial" panose="020B0604020202020204" pitchFamily="34" charset="0"/>
+            </a:endParaRPr>
+          </a:p>
+          <a:p>
+            <a:endParaRPr lang="de-CH" sz="1000" b="1" dirty="0">
+              <a:solidFill>
+                <a:schemeClr val="tx1"/>
+              </a:solidFill>
+              <a:latin typeface="Arial" panose="020B0604020202020204" pitchFamily="34" charset="0"/>
+              <a:cs typeface="Arial" panose="020B0604020202020204" pitchFamily="34" charset="0"/>
+            </a:endParaRPr>
+          </a:p>
+          <a:p>
+            <a:endParaRPr lang="de-CH" sz="1000" b="1" dirty="0">
+              <a:solidFill>
+                <a:schemeClr val="tx1"/>
+              </a:solidFill>
+              <a:latin typeface="Arial" panose="020B0604020202020204" pitchFamily="34" charset="0"/>
+              <a:cs typeface="Arial" panose="020B0604020202020204" pitchFamily="34" charset="0"/>
+            </a:endParaRPr>
+          </a:p>
+          <a:p>
+            <a:endParaRPr lang="de-CH" sz="1000" b="1" dirty="0">
+              <a:solidFill>
+                <a:schemeClr val="tx1"/>
+              </a:solidFill>
+              <a:latin typeface="Arial" panose="020B0604020202020204" pitchFamily="34" charset="0"/>
+              <a:cs typeface="Arial" panose="020B0604020202020204" pitchFamily="34" charset="0"/>
+            </a:endParaRPr>
+          </a:p>
+          <a:p>
+            <a:endParaRPr lang="de-CH" sz="1000" b="1" dirty="0">
+              <a:solidFill>
+                <a:schemeClr val="tx1"/>
+              </a:solidFill>
+              <a:latin typeface="Arial" panose="020B0604020202020204" pitchFamily="34" charset="0"/>
+              <a:cs typeface="Arial" panose="020B0604020202020204" pitchFamily="34" charset="0"/>
+            </a:endParaRPr>
+          </a:p>
+          <a:p>
+            <a:endParaRPr lang="de-CH" sz="1000" b="1" dirty="0">
+              <a:solidFill>
+                <a:schemeClr val="tx1"/>
+              </a:solidFill>
+              <a:latin typeface="Arial" panose="020B0604020202020204" pitchFamily="34" charset="0"/>
+              <a:cs typeface="Arial" panose="020B0604020202020204" pitchFamily="34" charset="0"/>
+            </a:endParaRPr>
+          </a:p>
+        </p:txBody>
+      </p:sp>
     </p:spTree>
     <p:extLst>
       <p:ext uri="{BB962C8B-B14F-4D97-AF65-F5344CB8AC3E}">
@@ -21270,10 +21531,1579 @@
           <a:chExt cx="0" cy="0"/>
         </a:xfrm>
       </p:grpSpPr>
+      <p:sp>
+        <p:nvSpPr>
+          <p:cNvPr id="3" name="Rechteck 2">
+            <a:extLst>
+              <a:ext uri="{FF2B5EF4-FFF2-40B4-BE49-F238E27FC236}">
+                <a16:creationId xmlns:a16="http://schemas.microsoft.com/office/drawing/2014/main" id="{F9A99B62-5B6F-EE42-A100-7C420F7BD4A6}"/>
+              </a:ext>
+            </a:extLst>
+          </p:cNvPr>
+          <p:cNvSpPr/>
+          <p:nvPr/>
+        </p:nvSpPr>
+        <p:spPr>
+          <a:xfrm>
+            <a:off x="1074960" y="724176"/>
+            <a:ext cx="2950505" cy="570469"/>
+          </a:xfrm>
+          <a:prstGeom prst="rect">
+            <a:avLst/>
+          </a:prstGeom>
+          <a:noFill/>
+          <a:ln w="19050">
+            <a:solidFill>
+              <a:schemeClr val="tx1"/>
+            </a:solidFill>
+          </a:ln>
+        </p:spPr>
+        <p:style>
+          <a:lnRef idx="2">
+            <a:schemeClr val="accent1">
+              <a:shade val="50000"/>
+            </a:schemeClr>
+          </a:lnRef>
+          <a:fillRef idx="1">
+            <a:schemeClr val="accent1"/>
+          </a:fillRef>
+          <a:effectRef idx="0">
+            <a:schemeClr val="accent1"/>
+          </a:effectRef>
+          <a:fontRef idx="minor">
+            <a:schemeClr val="lt1"/>
+          </a:fontRef>
+        </p:style>
+        <p:txBody>
+          <a:bodyPr rtlCol="0" anchor="ctr"/>
+          <a:lstStyle/>
+          <a:p>
+            <a:pPr algn="ctr"/>
+            <a:r>
+              <a:rPr lang="de-CH" dirty="0" err="1">
+                <a:solidFill>
+                  <a:schemeClr val="tx1"/>
+                </a:solidFill>
+                <a:latin typeface="Arial" panose="020B0604020202020204" pitchFamily="34" charset="0"/>
+                <a:cs typeface="Arial" panose="020B0604020202020204" pitchFamily="34" charset="0"/>
+              </a:rPr>
+              <a:t>CheckInputCreateDirs</a:t>
+            </a:r>
+            <a:endParaRPr lang="de-CH" dirty="0">
+              <a:solidFill>
+                <a:schemeClr val="tx1"/>
+              </a:solidFill>
+              <a:latin typeface="Arial" panose="020B0604020202020204" pitchFamily="34" charset="0"/>
+              <a:cs typeface="Arial" panose="020B0604020202020204" pitchFamily="34" charset="0"/>
+            </a:endParaRPr>
+          </a:p>
+          <a:p>
+            <a:pPr algn="ctr"/>
+            <a:r>
+              <a:rPr lang="de-CH" sz="1200" dirty="0">
+                <a:solidFill>
+                  <a:schemeClr val="tx1"/>
+                </a:solidFill>
+                <a:latin typeface="Arial" panose="020B0604020202020204" pitchFamily="34" charset="0"/>
+                <a:cs typeface="Arial" panose="020B0604020202020204" pitchFamily="34" charset="0"/>
+              </a:rPr>
+              <a:t>Check/</a:t>
+            </a:r>
+            <a:r>
+              <a:rPr lang="de-CH" sz="1200" dirty="0" err="1">
+                <a:solidFill>
+                  <a:schemeClr val="tx1"/>
+                </a:solidFill>
+                <a:latin typeface="Arial" panose="020B0604020202020204" pitchFamily="34" charset="0"/>
+                <a:cs typeface="Arial" panose="020B0604020202020204" pitchFamily="34" charset="0"/>
+              </a:rPr>
+              <a:t>create</a:t>
+            </a:r>
+            <a:r>
+              <a:rPr lang="de-CH" sz="1200" dirty="0">
+                <a:solidFill>
+                  <a:schemeClr val="tx1"/>
+                </a:solidFill>
+                <a:latin typeface="Arial" panose="020B0604020202020204" pitchFamily="34" charset="0"/>
+                <a:cs typeface="Arial" panose="020B0604020202020204" pitchFamily="34" charset="0"/>
+              </a:rPr>
+              <a:t> </a:t>
+            </a:r>
+            <a:r>
+              <a:rPr lang="de-CH" sz="1200" dirty="0" err="1">
+                <a:solidFill>
+                  <a:schemeClr val="tx1"/>
+                </a:solidFill>
+                <a:latin typeface="Arial" panose="020B0604020202020204" pitchFamily="34" charset="0"/>
+                <a:cs typeface="Arial" panose="020B0604020202020204" pitchFamily="34" charset="0"/>
+              </a:rPr>
+              <a:t>directories</a:t>
+            </a:r>
+            <a:endParaRPr lang="de-CH" sz="1200" dirty="0">
+              <a:solidFill>
+                <a:schemeClr val="tx1"/>
+              </a:solidFill>
+              <a:latin typeface="Arial" panose="020B0604020202020204" pitchFamily="34" charset="0"/>
+              <a:cs typeface="Arial" panose="020B0604020202020204" pitchFamily="34" charset="0"/>
+            </a:endParaRPr>
+          </a:p>
+        </p:txBody>
+      </p:sp>
+      <p:sp>
+        <p:nvSpPr>
+          <p:cNvPr id="4" name="Rechteck 3">
+            <a:extLst>
+              <a:ext uri="{FF2B5EF4-FFF2-40B4-BE49-F238E27FC236}">
+                <a16:creationId xmlns:a16="http://schemas.microsoft.com/office/drawing/2014/main" id="{16AC4DAA-B896-A3BB-6301-9ED0C4061DC1}"/>
+              </a:ext>
+            </a:extLst>
+          </p:cNvPr>
+          <p:cNvSpPr/>
+          <p:nvPr/>
+        </p:nvSpPr>
+        <p:spPr>
+          <a:xfrm>
+            <a:off x="1074957" y="1285247"/>
+            <a:ext cx="2950505" cy="2646706"/>
+          </a:xfrm>
+          <a:prstGeom prst="rect">
+            <a:avLst/>
+          </a:prstGeom>
+          <a:noFill/>
+          <a:ln w="19050">
+            <a:solidFill>
+              <a:schemeClr val="tx1"/>
+            </a:solidFill>
+          </a:ln>
+        </p:spPr>
+        <p:style>
+          <a:lnRef idx="2">
+            <a:schemeClr val="accent1">
+              <a:shade val="50000"/>
+            </a:schemeClr>
+          </a:lnRef>
+          <a:fillRef idx="1">
+            <a:schemeClr val="accent1"/>
+          </a:fillRef>
+          <a:effectRef idx="0">
+            <a:schemeClr val="accent1"/>
+          </a:effectRef>
+          <a:fontRef idx="minor">
+            <a:schemeClr val="lt1"/>
+          </a:fontRef>
+        </p:style>
+        <p:txBody>
+          <a:bodyPr rtlCol="0" anchor="ctr"/>
+          <a:lstStyle/>
+          <a:p>
+            <a:r>
+              <a:rPr lang="en-US" sz="1200" dirty="0">
+                <a:solidFill>
+                  <a:schemeClr val="tx1"/>
+                </a:solidFill>
+                <a:latin typeface="Arial" panose="020B0604020202020204" pitchFamily="34" charset="0"/>
+                <a:cs typeface="Arial" panose="020B0604020202020204" pitchFamily="34" charset="0"/>
+              </a:rPr>
+              <a:t>Member variables</a:t>
+            </a:r>
+          </a:p>
+          <a:p>
+            <a:r>
+              <a:rPr lang="en-US" sz="1000" b="1" dirty="0" err="1">
+                <a:solidFill>
+                  <a:schemeClr val="tx1"/>
+                </a:solidFill>
+                <a:latin typeface="Arial" panose="020B0604020202020204" pitchFamily="34" charset="0"/>
+                <a:cs typeface="Arial" panose="020B0604020202020204" pitchFamily="34" charset="0"/>
+              </a:rPr>
+              <a:t>m_global_variable</a:t>
+            </a:r>
+            <a:endParaRPr lang="en-US" sz="1000" b="1" dirty="0">
+              <a:solidFill>
+                <a:schemeClr val="tx1"/>
+              </a:solidFill>
+              <a:latin typeface="Arial" panose="020B0604020202020204" pitchFamily="34" charset="0"/>
+              <a:cs typeface="Arial" panose="020B0604020202020204" pitchFamily="34" charset="0"/>
+            </a:endParaRPr>
+          </a:p>
+          <a:p>
+            <a:r>
+              <a:rPr lang="en-US" sz="1000" b="1" dirty="0" err="1">
+                <a:solidFill>
+                  <a:schemeClr val="tx1"/>
+                </a:solidFill>
+                <a:latin typeface="Arial" panose="020B0604020202020204" pitchFamily="34" charset="0"/>
+                <a:cs typeface="Arial" panose="020B0604020202020204" pitchFamily="34" charset="0"/>
+              </a:rPr>
+              <a:t>m_layout_files_data</a:t>
+            </a:r>
+            <a:r>
+              <a:rPr lang="en-US" sz="1000" b="1" dirty="0">
+                <a:solidFill>
+                  <a:schemeClr val="tx1"/>
+                </a:solidFill>
+                <a:latin typeface="Arial" panose="020B0604020202020204" pitchFamily="34" charset="0"/>
+                <a:cs typeface="Arial" panose="020B0604020202020204" pitchFamily="34" charset="0"/>
+              </a:rPr>
+              <a:t> </a:t>
+            </a:r>
+            <a:r>
+              <a:rPr lang="en-US" sz="1000" b="1" dirty="0" err="1">
+                <a:solidFill>
+                  <a:schemeClr val="tx1"/>
+                </a:solidFill>
+                <a:latin typeface="Arial" panose="020B0604020202020204" pitchFamily="34" charset="0"/>
+                <a:cs typeface="Arial" panose="020B0604020202020204" pitchFamily="34" charset="0"/>
+              </a:rPr>
+              <a:t>LayoutFilesData</a:t>
+            </a:r>
+            <a:endParaRPr lang="en-US" sz="1000" b="1" dirty="0">
+              <a:solidFill>
+                <a:schemeClr val="tx1"/>
+              </a:solidFill>
+              <a:latin typeface="Arial" panose="020B0604020202020204" pitchFamily="34" charset="0"/>
+              <a:cs typeface="Arial" panose="020B0604020202020204" pitchFamily="34" charset="0"/>
+            </a:endParaRPr>
+          </a:p>
+          <a:p>
+            <a:r>
+              <a:rPr lang="en-US" sz="1000" b="1" dirty="0" err="1">
+                <a:solidFill>
+                  <a:schemeClr val="tx1"/>
+                </a:solidFill>
+                <a:latin typeface="Arial" panose="020B0604020202020204" pitchFamily="34" charset="0"/>
+                <a:cs typeface="Arial" panose="020B0604020202020204" pitchFamily="34" charset="0"/>
+              </a:rPr>
+              <a:t>m_callback_success</a:t>
+            </a:r>
+            <a:endParaRPr lang="en-US" sz="1000" b="1" dirty="0">
+              <a:solidFill>
+                <a:schemeClr val="tx1"/>
+              </a:solidFill>
+              <a:latin typeface="Arial" panose="020B0604020202020204" pitchFamily="34" charset="0"/>
+              <a:cs typeface="Arial" panose="020B0604020202020204" pitchFamily="34" charset="0"/>
+            </a:endParaRPr>
+          </a:p>
+          <a:p>
+            <a:r>
+              <a:rPr lang="en-US" sz="1000" b="1" dirty="0" err="1">
+                <a:solidFill>
+                  <a:schemeClr val="tx1"/>
+                </a:solidFill>
+                <a:latin typeface="Arial" panose="020B0604020202020204" pitchFamily="34" charset="0"/>
+                <a:cs typeface="Arial" panose="020B0604020202020204" pitchFamily="34" charset="0"/>
+              </a:rPr>
+              <a:t>m_callback_failure</a:t>
+            </a:r>
+            <a:endParaRPr lang="en-US" sz="1000" b="1" dirty="0">
+              <a:solidFill>
+                <a:schemeClr val="tx1"/>
+              </a:solidFill>
+              <a:latin typeface="Arial" panose="020B0604020202020204" pitchFamily="34" charset="0"/>
+              <a:cs typeface="Arial" panose="020B0604020202020204" pitchFamily="34" charset="0"/>
+            </a:endParaRPr>
+          </a:p>
+          <a:p>
+            <a:r>
+              <a:rPr lang="en-US" sz="1000" b="1" dirty="0" err="1">
+                <a:solidFill>
+                  <a:schemeClr val="tx1"/>
+                </a:solidFill>
+                <a:latin typeface="Arial" panose="020B0604020202020204" pitchFamily="34" charset="0"/>
+                <a:cs typeface="Arial" panose="020B0604020202020204" pitchFamily="34" charset="0"/>
+              </a:rPr>
+              <a:t>m_relative_path_php_dir</a:t>
+            </a:r>
+            <a:endParaRPr lang="en-US" sz="1000" b="1" dirty="0">
+              <a:solidFill>
+                <a:schemeClr val="tx1"/>
+              </a:solidFill>
+              <a:latin typeface="Arial" panose="020B0604020202020204" pitchFamily="34" charset="0"/>
+              <a:cs typeface="Arial" panose="020B0604020202020204" pitchFamily="34" charset="0"/>
+            </a:endParaRPr>
+          </a:p>
+          <a:p>
+            <a:endParaRPr lang="en-US" sz="1000" b="1" dirty="0">
+              <a:solidFill>
+                <a:schemeClr val="tx1"/>
+              </a:solidFill>
+              <a:latin typeface="Arial" panose="020B0604020202020204" pitchFamily="34" charset="0"/>
+              <a:cs typeface="Arial" panose="020B0604020202020204" pitchFamily="34" charset="0"/>
+            </a:endParaRPr>
+          </a:p>
+          <a:p>
+            <a:r>
+              <a:rPr lang="en-US" sz="1200" dirty="0">
+                <a:solidFill>
+                  <a:schemeClr val="tx1"/>
+                </a:solidFill>
+                <a:latin typeface="Arial" panose="020B0604020202020204" pitchFamily="34" charset="0"/>
+                <a:cs typeface="Arial" panose="020B0604020202020204" pitchFamily="34" charset="0"/>
+              </a:rPr>
+              <a:t>Member functions</a:t>
+            </a:r>
+          </a:p>
+          <a:p>
+            <a:r>
+              <a:rPr lang="de-CH" sz="1000" b="1" dirty="0" err="1">
+                <a:solidFill>
+                  <a:schemeClr val="tx1"/>
+                </a:solidFill>
+                <a:latin typeface="Arial" panose="020B0604020202020204" pitchFamily="34" charset="0"/>
+                <a:cs typeface="Arial" panose="020B0604020202020204" pitchFamily="34" charset="0"/>
+              </a:rPr>
+              <a:t>set</a:t>
+            </a:r>
+            <a:endParaRPr lang="de-CH" sz="1000" b="1" dirty="0">
+              <a:solidFill>
+                <a:schemeClr val="tx1"/>
+              </a:solidFill>
+              <a:latin typeface="Arial" panose="020B0604020202020204" pitchFamily="34" charset="0"/>
+              <a:cs typeface="Arial" panose="020B0604020202020204" pitchFamily="34" charset="0"/>
+            </a:endParaRPr>
+          </a:p>
+          <a:p>
+            <a:r>
+              <a:rPr lang="de-CH" sz="1000" b="1" dirty="0" err="1">
+                <a:solidFill>
+                  <a:schemeClr val="tx1"/>
+                </a:solidFill>
+                <a:latin typeface="Arial" panose="020B0604020202020204" pitchFamily="34" charset="0"/>
+                <a:cs typeface="Arial" panose="020B0604020202020204" pitchFamily="34" charset="0"/>
+              </a:rPr>
+              <a:t>checkCreate</a:t>
+            </a:r>
+            <a:endParaRPr lang="de-CH" sz="1000" b="1" dirty="0">
+              <a:solidFill>
+                <a:schemeClr val="tx1"/>
+              </a:solidFill>
+              <a:latin typeface="Arial" panose="020B0604020202020204" pitchFamily="34" charset="0"/>
+              <a:cs typeface="Arial" panose="020B0604020202020204" pitchFamily="34" charset="0"/>
+            </a:endParaRPr>
+          </a:p>
+          <a:p>
+            <a:r>
+              <a:rPr lang="de-CH" sz="1000" b="1" dirty="0" err="1">
+                <a:solidFill>
+                  <a:schemeClr val="tx1"/>
+                </a:solidFill>
+                <a:latin typeface="Arial" panose="020B0604020202020204" pitchFamily="34" charset="0"/>
+                <a:cs typeface="Arial" panose="020B0604020202020204" pitchFamily="34" charset="0"/>
+              </a:rPr>
+              <a:t>checkCreateOrganisationDir</a:t>
+            </a:r>
+            <a:endParaRPr lang="de-CH" sz="1000" b="1" dirty="0">
+              <a:solidFill>
+                <a:schemeClr val="tx1"/>
+              </a:solidFill>
+              <a:latin typeface="Arial" panose="020B0604020202020204" pitchFamily="34" charset="0"/>
+              <a:cs typeface="Arial" panose="020B0604020202020204" pitchFamily="34" charset="0"/>
+            </a:endParaRPr>
+          </a:p>
+          <a:p>
+            <a:r>
+              <a:rPr lang="de-CH" sz="1000" b="1" dirty="0" err="1">
+                <a:solidFill>
+                  <a:schemeClr val="tx1"/>
+                </a:solidFill>
+                <a:latin typeface="Arial" panose="020B0604020202020204" pitchFamily="34" charset="0"/>
+                <a:cs typeface="Arial" panose="020B0604020202020204" pitchFamily="34" charset="0"/>
+              </a:rPr>
+              <a:t>createOrganisationDir</a:t>
+            </a:r>
+            <a:endParaRPr lang="de-CH" sz="1000" b="1" dirty="0">
+              <a:solidFill>
+                <a:schemeClr val="tx1"/>
+              </a:solidFill>
+              <a:latin typeface="Arial" panose="020B0604020202020204" pitchFamily="34" charset="0"/>
+              <a:cs typeface="Arial" panose="020B0604020202020204" pitchFamily="34" charset="0"/>
+            </a:endParaRPr>
+          </a:p>
+          <a:p>
+            <a:r>
+              <a:rPr lang="de-CH" sz="1000" b="1" dirty="0" err="1">
+                <a:solidFill>
+                  <a:schemeClr val="tx1"/>
+                </a:solidFill>
+                <a:latin typeface="Arial" panose="020B0604020202020204" pitchFamily="34" charset="0"/>
+                <a:cs typeface="Arial" panose="020B0604020202020204" pitchFamily="34" charset="0"/>
+              </a:rPr>
+              <a:t>checkCreateResultDir</a:t>
+            </a:r>
+            <a:endParaRPr lang="de-CH" sz="1000" b="1" dirty="0">
+              <a:solidFill>
+                <a:schemeClr val="tx1"/>
+              </a:solidFill>
+              <a:latin typeface="Arial" panose="020B0604020202020204" pitchFamily="34" charset="0"/>
+              <a:cs typeface="Arial" panose="020B0604020202020204" pitchFamily="34" charset="0"/>
+            </a:endParaRPr>
+          </a:p>
+          <a:p>
+            <a:endParaRPr lang="de-CH" sz="1000" b="1" dirty="0">
+              <a:solidFill>
+                <a:schemeClr val="tx1"/>
+              </a:solidFill>
+              <a:latin typeface="Arial" panose="020B0604020202020204" pitchFamily="34" charset="0"/>
+              <a:cs typeface="Arial" panose="020B0604020202020204" pitchFamily="34" charset="0"/>
+            </a:endParaRPr>
+          </a:p>
+        </p:txBody>
+      </p:sp>
+      <p:sp>
+        <p:nvSpPr>
+          <p:cNvPr id="5" name="Rechteck 4">
+            <a:extLst>
+              <a:ext uri="{FF2B5EF4-FFF2-40B4-BE49-F238E27FC236}">
+                <a16:creationId xmlns:a16="http://schemas.microsoft.com/office/drawing/2014/main" id="{069D57C4-953A-203B-29D6-C3AD3096CD95}"/>
+              </a:ext>
+            </a:extLst>
+          </p:cNvPr>
+          <p:cNvSpPr/>
+          <p:nvPr/>
+        </p:nvSpPr>
+        <p:spPr>
+          <a:xfrm>
+            <a:off x="1008993" y="4126337"/>
+            <a:ext cx="2950505" cy="570469"/>
+          </a:xfrm>
+          <a:prstGeom prst="rect">
+            <a:avLst/>
+          </a:prstGeom>
+          <a:noFill/>
+          <a:ln w="19050">
+            <a:solidFill>
+              <a:schemeClr val="tx1"/>
+            </a:solidFill>
+          </a:ln>
+        </p:spPr>
+        <p:style>
+          <a:lnRef idx="2">
+            <a:schemeClr val="accent1">
+              <a:shade val="50000"/>
+            </a:schemeClr>
+          </a:lnRef>
+          <a:fillRef idx="1">
+            <a:schemeClr val="accent1"/>
+          </a:fillRef>
+          <a:effectRef idx="0">
+            <a:schemeClr val="accent1"/>
+          </a:effectRef>
+          <a:fontRef idx="minor">
+            <a:schemeClr val="lt1"/>
+          </a:fontRef>
+        </p:style>
+        <p:txBody>
+          <a:bodyPr rtlCol="0" anchor="ctr"/>
+          <a:lstStyle/>
+          <a:p>
+            <a:pPr algn="ctr"/>
+            <a:r>
+              <a:rPr lang="de-CH" dirty="0" err="1">
+                <a:solidFill>
+                  <a:schemeClr val="tx1"/>
+                </a:solidFill>
+                <a:latin typeface="Arial" panose="020B0604020202020204" pitchFamily="34" charset="0"/>
+                <a:cs typeface="Arial" panose="020B0604020202020204" pitchFamily="34" charset="0"/>
+              </a:rPr>
+              <a:t>LayoutFilesData</a:t>
+            </a:r>
+            <a:endParaRPr lang="de-CH" dirty="0">
+              <a:solidFill>
+                <a:schemeClr val="tx1"/>
+              </a:solidFill>
+              <a:latin typeface="Arial" panose="020B0604020202020204" pitchFamily="34" charset="0"/>
+              <a:cs typeface="Arial" panose="020B0604020202020204" pitchFamily="34" charset="0"/>
+            </a:endParaRPr>
+          </a:p>
+          <a:p>
+            <a:pPr algn="ctr"/>
+            <a:r>
+              <a:rPr lang="de-CH" sz="1200" dirty="0">
+                <a:solidFill>
+                  <a:schemeClr val="tx1"/>
+                </a:solidFill>
+                <a:latin typeface="Arial" panose="020B0604020202020204" pitchFamily="34" charset="0"/>
+                <a:cs typeface="Arial" panose="020B0604020202020204" pitchFamily="34" charset="0"/>
+              </a:rPr>
+              <a:t>D</a:t>
+            </a:r>
+            <a:r>
+              <a:rPr lang="en-US" sz="1200" dirty="0" err="1">
+                <a:solidFill>
+                  <a:schemeClr val="tx1"/>
+                </a:solidFill>
+                <a:latin typeface="Arial" panose="020B0604020202020204" pitchFamily="34" charset="0"/>
+                <a:cs typeface="Arial" panose="020B0604020202020204" pitchFamily="34" charset="0"/>
+              </a:rPr>
+              <a:t>ata</a:t>
+            </a:r>
+            <a:r>
+              <a:rPr lang="en-US" sz="1200" dirty="0">
+                <a:solidFill>
+                  <a:schemeClr val="tx1"/>
+                </a:solidFill>
+                <a:latin typeface="Arial" panose="020B0604020202020204" pitchFamily="34" charset="0"/>
+                <a:cs typeface="Arial" panose="020B0604020202020204" pitchFamily="34" charset="0"/>
+              </a:rPr>
+              <a:t> for the creation of layout files</a:t>
+            </a:r>
+            <a:r>
+              <a:rPr lang="de-CH" sz="1200" dirty="0">
+                <a:solidFill>
+                  <a:schemeClr val="tx1"/>
+                </a:solidFill>
+                <a:latin typeface="Arial" panose="020B0604020202020204" pitchFamily="34" charset="0"/>
+                <a:cs typeface="Arial" panose="020B0604020202020204" pitchFamily="34" charset="0"/>
+              </a:rPr>
+              <a:t> </a:t>
+            </a:r>
+          </a:p>
+        </p:txBody>
+      </p:sp>
+      <p:sp>
+        <p:nvSpPr>
+          <p:cNvPr id="6" name="Rechteck 5">
+            <a:extLst>
+              <a:ext uri="{FF2B5EF4-FFF2-40B4-BE49-F238E27FC236}">
+                <a16:creationId xmlns:a16="http://schemas.microsoft.com/office/drawing/2014/main" id="{7E508982-0135-FE45-30DD-30C9CFA79A7C}"/>
+              </a:ext>
+            </a:extLst>
+          </p:cNvPr>
+          <p:cNvSpPr/>
+          <p:nvPr/>
+        </p:nvSpPr>
+        <p:spPr>
+          <a:xfrm>
+            <a:off x="1008990" y="4687408"/>
+            <a:ext cx="2950505" cy="1773264"/>
+          </a:xfrm>
+          <a:prstGeom prst="rect">
+            <a:avLst/>
+          </a:prstGeom>
+          <a:noFill/>
+          <a:ln w="19050">
+            <a:solidFill>
+              <a:schemeClr val="tx1"/>
+            </a:solidFill>
+          </a:ln>
+        </p:spPr>
+        <p:style>
+          <a:lnRef idx="2">
+            <a:schemeClr val="accent1">
+              <a:shade val="50000"/>
+            </a:schemeClr>
+          </a:lnRef>
+          <a:fillRef idx="1">
+            <a:schemeClr val="accent1"/>
+          </a:fillRef>
+          <a:effectRef idx="0">
+            <a:schemeClr val="accent1"/>
+          </a:effectRef>
+          <a:fontRef idx="minor">
+            <a:schemeClr val="lt1"/>
+          </a:fontRef>
+        </p:style>
+        <p:txBody>
+          <a:bodyPr rtlCol="0" anchor="ctr"/>
+          <a:lstStyle/>
+          <a:p>
+            <a:r>
+              <a:rPr lang="en-US" sz="1200" dirty="0">
+                <a:solidFill>
+                  <a:schemeClr val="tx1"/>
+                </a:solidFill>
+                <a:latin typeface="Arial" panose="020B0604020202020204" pitchFamily="34" charset="0"/>
+                <a:cs typeface="Arial" panose="020B0604020202020204" pitchFamily="34" charset="0"/>
+              </a:rPr>
+              <a:t>Member variables</a:t>
+            </a:r>
+          </a:p>
+          <a:p>
+            <a:r>
+              <a:rPr lang="en-US" sz="1000" b="1" dirty="0" err="1">
+                <a:solidFill>
+                  <a:schemeClr val="tx1"/>
+                </a:solidFill>
+                <a:latin typeface="Arial" panose="020B0604020202020204" pitchFamily="34" charset="0"/>
+                <a:cs typeface="Arial" panose="020B0604020202020204" pitchFamily="34" charset="0"/>
+              </a:rPr>
+              <a:t>m_organisation_dir_name</a:t>
+            </a:r>
+            <a:endParaRPr lang="en-US" sz="1000" b="1" dirty="0">
+              <a:solidFill>
+                <a:schemeClr val="tx1"/>
+              </a:solidFill>
+              <a:latin typeface="Arial" panose="020B0604020202020204" pitchFamily="34" charset="0"/>
+              <a:cs typeface="Arial" panose="020B0604020202020204" pitchFamily="34" charset="0"/>
+            </a:endParaRPr>
+          </a:p>
+          <a:p>
+            <a:r>
+              <a:rPr lang="en-US" sz="1000" b="1" dirty="0" err="1">
+                <a:solidFill>
+                  <a:schemeClr val="tx1"/>
+                </a:solidFill>
+                <a:latin typeface="Arial" panose="020B0604020202020204" pitchFamily="34" charset="0"/>
+                <a:cs typeface="Arial" panose="020B0604020202020204" pitchFamily="34" charset="0"/>
+              </a:rPr>
+              <a:t>m_result_directory_name</a:t>
+            </a:r>
+            <a:endParaRPr lang="en-US" sz="1000" b="1" dirty="0">
+              <a:solidFill>
+                <a:schemeClr val="tx1"/>
+              </a:solidFill>
+              <a:latin typeface="Arial" panose="020B0604020202020204" pitchFamily="34" charset="0"/>
+              <a:cs typeface="Arial" panose="020B0604020202020204" pitchFamily="34" charset="0"/>
+            </a:endParaRPr>
+          </a:p>
+          <a:p>
+            <a:endParaRPr lang="en-US" sz="1000" b="1" dirty="0">
+              <a:solidFill>
+                <a:schemeClr val="tx1"/>
+              </a:solidFill>
+              <a:latin typeface="Arial" panose="020B0604020202020204" pitchFamily="34" charset="0"/>
+              <a:cs typeface="Arial" panose="020B0604020202020204" pitchFamily="34" charset="0"/>
+            </a:endParaRPr>
+          </a:p>
+          <a:p>
+            <a:r>
+              <a:rPr lang="en-US" sz="1200" dirty="0">
+                <a:solidFill>
+                  <a:schemeClr val="tx1"/>
+                </a:solidFill>
+                <a:latin typeface="Arial" panose="020B0604020202020204" pitchFamily="34" charset="0"/>
+                <a:cs typeface="Arial" panose="020B0604020202020204" pitchFamily="34" charset="0"/>
+              </a:rPr>
+              <a:t>Member functions</a:t>
+            </a:r>
+          </a:p>
+          <a:p>
+            <a:r>
+              <a:rPr lang="de-CH" sz="1000" b="1" dirty="0" err="1">
+                <a:solidFill>
+                  <a:schemeClr val="tx1"/>
+                </a:solidFill>
+                <a:latin typeface="Arial" panose="020B0604020202020204" pitchFamily="34" charset="0"/>
+                <a:cs typeface="Arial" panose="020B0604020202020204" pitchFamily="34" charset="0"/>
+              </a:rPr>
+              <a:t>getOrganisationDir</a:t>
+            </a:r>
+            <a:endParaRPr lang="de-CH" sz="1000" b="1" dirty="0">
+              <a:solidFill>
+                <a:schemeClr val="tx1"/>
+              </a:solidFill>
+              <a:latin typeface="Arial" panose="020B0604020202020204" pitchFamily="34" charset="0"/>
+              <a:cs typeface="Arial" panose="020B0604020202020204" pitchFamily="34" charset="0"/>
+            </a:endParaRPr>
+          </a:p>
+          <a:p>
+            <a:r>
+              <a:rPr lang="de-CH" sz="1000" b="1" dirty="0" err="1">
+                <a:solidFill>
+                  <a:schemeClr val="tx1"/>
+                </a:solidFill>
+                <a:latin typeface="Arial" panose="020B0604020202020204" pitchFamily="34" charset="0"/>
+                <a:cs typeface="Arial" panose="020B0604020202020204" pitchFamily="34" charset="0"/>
+              </a:rPr>
+              <a:t>setOrganisationDir</a:t>
+            </a:r>
+            <a:endParaRPr lang="de-CH" sz="1000" b="1" dirty="0">
+              <a:solidFill>
+                <a:schemeClr val="tx1"/>
+              </a:solidFill>
+              <a:latin typeface="Arial" panose="020B0604020202020204" pitchFamily="34" charset="0"/>
+              <a:cs typeface="Arial" panose="020B0604020202020204" pitchFamily="34" charset="0"/>
+            </a:endParaRPr>
+          </a:p>
+          <a:p>
+            <a:r>
+              <a:rPr lang="de-CH" sz="1000" b="1" dirty="0" err="1">
+                <a:solidFill>
+                  <a:schemeClr val="tx1"/>
+                </a:solidFill>
+                <a:latin typeface="Arial" panose="020B0604020202020204" pitchFamily="34" charset="0"/>
+                <a:cs typeface="Arial" panose="020B0604020202020204" pitchFamily="34" charset="0"/>
+              </a:rPr>
+              <a:t>getResultDir</a:t>
+            </a:r>
+            <a:endParaRPr lang="de-CH" sz="1000" b="1" dirty="0">
+              <a:solidFill>
+                <a:schemeClr val="tx1"/>
+              </a:solidFill>
+              <a:latin typeface="Arial" panose="020B0604020202020204" pitchFamily="34" charset="0"/>
+              <a:cs typeface="Arial" panose="020B0604020202020204" pitchFamily="34" charset="0"/>
+            </a:endParaRPr>
+          </a:p>
+          <a:p>
+            <a:r>
+              <a:rPr lang="de-CH" sz="1000" b="1" dirty="0" err="1">
+                <a:solidFill>
+                  <a:schemeClr val="tx1"/>
+                </a:solidFill>
+                <a:latin typeface="Arial" panose="020B0604020202020204" pitchFamily="34" charset="0"/>
+                <a:cs typeface="Arial" panose="020B0604020202020204" pitchFamily="34" charset="0"/>
+              </a:rPr>
+              <a:t>setResultDir</a:t>
+            </a:r>
+            <a:endParaRPr lang="de-CH" sz="1000" b="1" dirty="0">
+              <a:solidFill>
+                <a:schemeClr val="tx1"/>
+              </a:solidFill>
+              <a:latin typeface="Arial" panose="020B0604020202020204" pitchFamily="34" charset="0"/>
+              <a:cs typeface="Arial" panose="020B0604020202020204" pitchFamily="34" charset="0"/>
+            </a:endParaRPr>
+          </a:p>
+        </p:txBody>
+      </p:sp>
+      <p:sp>
+        <p:nvSpPr>
+          <p:cNvPr id="7" name="Rechteck 6">
+            <a:extLst>
+              <a:ext uri="{FF2B5EF4-FFF2-40B4-BE49-F238E27FC236}">
+                <a16:creationId xmlns:a16="http://schemas.microsoft.com/office/drawing/2014/main" id="{B64684E0-5BC8-FD4D-7A6F-E1FAC0318CDB}"/>
+              </a:ext>
+            </a:extLst>
+          </p:cNvPr>
+          <p:cNvSpPr/>
+          <p:nvPr/>
+        </p:nvSpPr>
+        <p:spPr>
+          <a:xfrm>
+            <a:off x="4501917" y="734481"/>
+            <a:ext cx="2724345" cy="322107"/>
+          </a:xfrm>
+          <a:prstGeom prst="rect">
+            <a:avLst/>
+          </a:prstGeom>
+          <a:noFill/>
+          <a:ln w="19050">
+            <a:solidFill>
+              <a:schemeClr val="tx1"/>
+            </a:solidFill>
+          </a:ln>
+        </p:spPr>
+        <p:style>
+          <a:lnRef idx="2">
+            <a:schemeClr val="accent1">
+              <a:shade val="50000"/>
+            </a:schemeClr>
+          </a:lnRef>
+          <a:fillRef idx="1">
+            <a:schemeClr val="accent1"/>
+          </a:fillRef>
+          <a:effectRef idx="0">
+            <a:schemeClr val="accent1"/>
+          </a:effectRef>
+          <a:fontRef idx="minor">
+            <a:schemeClr val="lt1"/>
+          </a:fontRef>
+        </p:style>
+        <p:txBody>
+          <a:bodyPr rtlCol="0" anchor="ctr"/>
+          <a:lstStyle/>
+          <a:p>
+            <a:pPr algn="ctr"/>
+            <a:r>
+              <a:rPr lang="en-US" sz="900" b="1" dirty="0">
+                <a:solidFill>
+                  <a:schemeClr val="tx1"/>
+                </a:solidFill>
+                <a:latin typeface="Arial" panose="020B0604020202020204" pitchFamily="34" charset="0"/>
+                <a:cs typeface="Arial" panose="020B0604020202020204" pitchFamily="34" charset="0"/>
+              </a:rPr>
+              <a:t>set : All member variables are set </a:t>
+            </a:r>
+          </a:p>
+        </p:txBody>
+      </p:sp>
+      <p:sp>
+        <p:nvSpPr>
+          <p:cNvPr id="8" name="Rechteck 7">
+            <a:extLst>
+              <a:ext uri="{FF2B5EF4-FFF2-40B4-BE49-F238E27FC236}">
+                <a16:creationId xmlns:a16="http://schemas.microsoft.com/office/drawing/2014/main" id="{837097B6-3451-8D9F-46CA-36B31BDE7186}"/>
+              </a:ext>
+            </a:extLst>
+          </p:cNvPr>
+          <p:cNvSpPr/>
+          <p:nvPr/>
+        </p:nvSpPr>
+        <p:spPr>
+          <a:xfrm>
+            <a:off x="4521858" y="1330328"/>
+            <a:ext cx="2712430" cy="409784"/>
+          </a:xfrm>
+          <a:prstGeom prst="rect">
+            <a:avLst/>
+          </a:prstGeom>
+          <a:noFill/>
+          <a:ln w="19050">
+            <a:solidFill>
+              <a:schemeClr val="tx1"/>
+            </a:solidFill>
+          </a:ln>
+        </p:spPr>
+        <p:style>
+          <a:lnRef idx="2">
+            <a:schemeClr val="accent1">
+              <a:shade val="50000"/>
+            </a:schemeClr>
+          </a:lnRef>
+          <a:fillRef idx="1">
+            <a:schemeClr val="accent1"/>
+          </a:fillRef>
+          <a:effectRef idx="0">
+            <a:schemeClr val="accent1"/>
+          </a:effectRef>
+          <a:fontRef idx="minor">
+            <a:schemeClr val="lt1"/>
+          </a:fontRef>
+        </p:style>
+        <p:txBody>
+          <a:bodyPr rtlCol="0" anchor="ctr"/>
+          <a:lstStyle/>
+          <a:p>
+            <a:pPr algn="ctr"/>
+            <a:r>
+              <a:rPr lang="en-US" sz="900" b="1" dirty="0" err="1">
+                <a:solidFill>
+                  <a:schemeClr val="tx1"/>
+                </a:solidFill>
+                <a:latin typeface="Arial" panose="020B0604020202020204" pitchFamily="34" charset="0"/>
+                <a:cs typeface="Arial" panose="020B0604020202020204" pitchFamily="34" charset="0"/>
+              </a:rPr>
+              <a:t>checkCreate</a:t>
+            </a:r>
+            <a:r>
+              <a:rPr lang="en-US" sz="900" b="1" dirty="0">
+                <a:solidFill>
+                  <a:schemeClr val="tx1"/>
+                </a:solidFill>
+                <a:latin typeface="Arial" panose="020B0604020202020204" pitchFamily="34" charset="0"/>
+                <a:cs typeface="Arial" panose="020B0604020202020204" pitchFamily="34" charset="0"/>
+              </a:rPr>
+              <a:t> : Check data. </a:t>
+            </a:r>
+          </a:p>
+          <a:p>
+            <a:pPr algn="ctr"/>
+            <a:r>
+              <a:rPr lang="en-US" sz="900" b="1" dirty="0">
+                <a:solidFill>
+                  <a:schemeClr val="tx1"/>
+                </a:solidFill>
+                <a:latin typeface="Arial" panose="020B0604020202020204" pitchFamily="34" charset="0"/>
+                <a:cs typeface="Arial" panose="020B0604020202020204" pitchFamily="34" charset="0"/>
+              </a:rPr>
+              <a:t>For not valid data call </a:t>
+            </a:r>
+            <a:r>
+              <a:rPr lang="en-US" sz="900" b="1" dirty="0" err="1">
+                <a:solidFill>
+                  <a:schemeClr val="tx1"/>
+                </a:solidFill>
+                <a:latin typeface="Arial" panose="020B0604020202020204" pitchFamily="34" charset="0"/>
+                <a:cs typeface="Arial" panose="020B0604020202020204" pitchFamily="34" charset="0"/>
+              </a:rPr>
+              <a:t>m_callback_failure</a:t>
+            </a:r>
+            <a:r>
+              <a:rPr lang="en-US" sz="900" b="1" dirty="0">
+                <a:solidFill>
+                  <a:schemeClr val="tx1"/>
+                </a:solidFill>
+                <a:latin typeface="Arial" panose="020B0604020202020204" pitchFamily="34" charset="0"/>
+                <a:cs typeface="Arial" panose="020B0604020202020204" pitchFamily="34" charset="0"/>
+              </a:rPr>
+              <a:t> </a:t>
+            </a:r>
+          </a:p>
+        </p:txBody>
+      </p:sp>
+      <p:sp>
+        <p:nvSpPr>
+          <p:cNvPr id="9" name="Rechteck 8">
+            <a:extLst>
+              <a:ext uri="{FF2B5EF4-FFF2-40B4-BE49-F238E27FC236}">
+                <a16:creationId xmlns:a16="http://schemas.microsoft.com/office/drawing/2014/main" id="{6E678AE2-C14B-B222-2484-4ACDB032348D}"/>
+              </a:ext>
+            </a:extLst>
+          </p:cNvPr>
+          <p:cNvSpPr/>
+          <p:nvPr/>
+        </p:nvSpPr>
+        <p:spPr>
+          <a:xfrm>
+            <a:off x="4525201" y="2033851"/>
+            <a:ext cx="2724345" cy="499547"/>
+          </a:xfrm>
+          <a:prstGeom prst="rect">
+            <a:avLst/>
+          </a:prstGeom>
+          <a:noFill/>
+          <a:ln w="19050">
+            <a:solidFill>
+              <a:schemeClr val="tx1"/>
+            </a:solidFill>
+          </a:ln>
+        </p:spPr>
+        <p:style>
+          <a:lnRef idx="2">
+            <a:schemeClr val="accent1">
+              <a:shade val="50000"/>
+            </a:schemeClr>
+          </a:lnRef>
+          <a:fillRef idx="1">
+            <a:schemeClr val="accent1"/>
+          </a:fillRef>
+          <a:effectRef idx="0">
+            <a:schemeClr val="accent1"/>
+          </a:effectRef>
+          <a:fontRef idx="minor">
+            <a:schemeClr val="lt1"/>
+          </a:fontRef>
+        </p:style>
+        <p:txBody>
+          <a:bodyPr rtlCol="0" anchor="ctr"/>
+          <a:lstStyle/>
+          <a:p>
+            <a:pPr algn="ctr"/>
+            <a:r>
+              <a:rPr lang="en-US" sz="900" b="1" dirty="0" err="1">
+                <a:solidFill>
+                  <a:schemeClr val="tx1"/>
+                </a:solidFill>
+                <a:latin typeface="Arial" panose="020B0604020202020204" pitchFamily="34" charset="0"/>
+                <a:cs typeface="Arial" panose="020B0604020202020204" pitchFamily="34" charset="0"/>
+              </a:rPr>
+              <a:t>checkCreateOrganisationDir</a:t>
+            </a:r>
+            <a:r>
+              <a:rPr lang="en-US" sz="900" b="1" dirty="0">
+                <a:solidFill>
+                  <a:schemeClr val="tx1"/>
+                </a:solidFill>
+                <a:latin typeface="Arial" panose="020B0604020202020204" pitchFamily="34" charset="0"/>
+                <a:cs typeface="Arial" panose="020B0604020202020204" pitchFamily="34" charset="0"/>
+              </a:rPr>
+              <a:t> </a:t>
+            </a:r>
+          </a:p>
+          <a:p>
+            <a:pPr algn="ctr"/>
+            <a:r>
+              <a:rPr lang="en-US" sz="900" b="1" dirty="0">
+                <a:solidFill>
+                  <a:schemeClr val="tx1"/>
+                </a:solidFill>
+                <a:latin typeface="Arial" panose="020B0604020202020204" pitchFamily="34" charset="0"/>
+                <a:cs typeface="Arial" panose="020B0604020202020204" pitchFamily="34" charset="0"/>
+              </a:rPr>
+              <a:t>Create and set object </a:t>
+            </a:r>
+            <a:r>
+              <a:rPr lang="en-US" sz="900" b="1" dirty="0" err="1">
+                <a:solidFill>
+                  <a:schemeClr val="tx1"/>
+                </a:solidFill>
+                <a:latin typeface="Arial" panose="020B0604020202020204" pitchFamily="34" charset="0"/>
+                <a:cs typeface="Arial" panose="020B0604020202020204" pitchFamily="34" charset="0"/>
+              </a:rPr>
+              <a:t>UtilFilesData</a:t>
+            </a:r>
+            <a:endParaRPr lang="en-US" sz="900" b="1" dirty="0">
+              <a:solidFill>
+                <a:schemeClr val="tx1"/>
+              </a:solidFill>
+              <a:latin typeface="Arial" panose="020B0604020202020204" pitchFamily="34" charset="0"/>
+              <a:cs typeface="Arial" panose="020B0604020202020204" pitchFamily="34" charset="0"/>
+            </a:endParaRPr>
+          </a:p>
+        </p:txBody>
+      </p:sp>
+      <p:cxnSp>
+        <p:nvCxnSpPr>
+          <p:cNvPr id="10" name="Gerader Verbinder 9">
+            <a:extLst>
+              <a:ext uri="{FF2B5EF4-FFF2-40B4-BE49-F238E27FC236}">
+                <a16:creationId xmlns:a16="http://schemas.microsoft.com/office/drawing/2014/main" id="{EB084130-B61B-D3CE-199C-2330FECC8CAB}"/>
+              </a:ext>
+            </a:extLst>
+          </p:cNvPr>
+          <p:cNvCxnSpPr/>
+          <p:nvPr/>
+        </p:nvCxnSpPr>
+        <p:spPr>
+          <a:xfrm flipH="1">
+            <a:off x="5843063" y="1764027"/>
+            <a:ext cx="9427" cy="269824"/>
+          </a:xfrm>
+          <a:prstGeom prst="line">
+            <a:avLst/>
+          </a:prstGeom>
+          <a:ln w="19050">
+            <a:solidFill>
+              <a:schemeClr val="tx1"/>
+            </a:solidFill>
+          </a:ln>
+        </p:spPr>
+        <p:style>
+          <a:lnRef idx="1">
+            <a:schemeClr val="accent1"/>
+          </a:lnRef>
+          <a:fillRef idx="0">
+            <a:schemeClr val="accent1"/>
+          </a:fillRef>
+          <a:effectRef idx="0">
+            <a:schemeClr val="accent1"/>
+          </a:effectRef>
+          <a:fontRef idx="minor">
+            <a:schemeClr val="tx1"/>
+          </a:fontRef>
+        </p:style>
+      </p:cxnSp>
+      <p:cxnSp>
+        <p:nvCxnSpPr>
+          <p:cNvPr id="11" name="Gerader Verbinder 10">
+            <a:extLst>
+              <a:ext uri="{FF2B5EF4-FFF2-40B4-BE49-F238E27FC236}">
+                <a16:creationId xmlns:a16="http://schemas.microsoft.com/office/drawing/2014/main" id="{FDEBE546-3753-6AD6-CD2C-2774CA9D89A4}"/>
+              </a:ext>
+            </a:extLst>
+          </p:cNvPr>
+          <p:cNvCxnSpPr/>
+          <p:nvPr/>
+        </p:nvCxnSpPr>
+        <p:spPr>
+          <a:xfrm flipH="1">
+            <a:off x="5852801" y="1042341"/>
+            <a:ext cx="9427" cy="269824"/>
+          </a:xfrm>
+          <a:prstGeom prst="line">
+            <a:avLst/>
+          </a:prstGeom>
+          <a:ln w="19050">
+            <a:solidFill>
+              <a:schemeClr val="tx1"/>
+            </a:solidFill>
+          </a:ln>
+        </p:spPr>
+        <p:style>
+          <a:lnRef idx="1">
+            <a:schemeClr val="accent1"/>
+          </a:lnRef>
+          <a:fillRef idx="0">
+            <a:schemeClr val="accent1"/>
+          </a:fillRef>
+          <a:effectRef idx="0">
+            <a:schemeClr val="accent1"/>
+          </a:effectRef>
+          <a:fontRef idx="minor">
+            <a:schemeClr val="tx1"/>
+          </a:fontRef>
+        </p:style>
+      </p:cxnSp>
+      <p:sp>
+        <p:nvSpPr>
+          <p:cNvPr id="12" name="Rechteck 11">
+            <a:extLst>
+              <a:ext uri="{FF2B5EF4-FFF2-40B4-BE49-F238E27FC236}">
+                <a16:creationId xmlns:a16="http://schemas.microsoft.com/office/drawing/2014/main" id="{612EFCB4-6F18-E6B0-2944-6803A9CFB577}"/>
+              </a:ext>
+            </a:extLst>
+          </p:cNvPr>
+          <p:cNvSpPr/>
+          <p:nvPr/>
+        </p:nvSpPr>
+        <p:spPr>
+          <a:xfrm>
+            <a:off x="4557363" y="2803222"/>
+            <a:ext cx="2724345" cy="499547"/>
+          </a:xfrm>
+          <a:prstGeom prst="rect">
+            <a:avLst/>
+          </a:prstGeom>
+          <a:noFill/>
+          <a:ln w="19050">
+            <a:solidFill>
+              <a:schemeClr val="tx1"/>
+            </a:solidFill>
+          </a:ln>
+        </p:spPr>
+        <p:style>
+          <a:lnRef idx="2">
+            <a:schemeClr val="accent1">
+              <a:shade val="50000"/>
+            </a:schemeClr>
+          </a:lnRef>
+          <a:fillRef idx="1">
+            <a:schemeClr val="accent1"/>
+          </a:fillRef>
+          <a:effectRef idx="0">
+            <a:schemeClr val="accent1"/>
+          </a:effectRef>
+          <a:fontRef idx="minor">
+            <a:schemeClr val="lt1"/>
+          </a:fontRef>
+        </p:style>
+        <p:txBody>
+          <a:bodyPr rtlCol="0" anchor="ctr"/>
+          <a:lstStyle/>
+          <a:p>
+            <a:pPr algn="ctr"/>
+            <a:r>
+              <a:rPr lang="en-US" sz="900" b="1" dirty="0" err="1">
+                <a:solidFill>
+                  <a:schemeClr val="tx1"/>
+                </a:solidFill>
+                <a:latin typeface="Arial" panose="020B0604020202020204" pitchFamily="34" charset="0"/>
+                <a:cs typeface="Arial" panose="020B0604020202020204" pitchFamily="34" charset="0"/>
+              </a:rPr>
+              <a:t>UtilFiles.dirFileAnyCase</a:t>
+            </a:r>
+            <a:endParaRPr lang="en-US" sz="900" b="1" dirty="0">
+              <a:solidFill>
+                <a:schemeClr val="tx1"/>
+              </a:solidFill>
+              <a:latin typeface="Arial" panose="020B0604020202020204" pitchFamily="34" charset="0"/>
+              <a:cs typeface="Arial" panose="020B0604020202020204" pitchFamily="34" charset="0"/>
+            </a:endParaRPr>
+          </a:p>
+          <a:p>
+            <a:pPr algn="ctr"/>
+            <a:r>
+              <a:rPr lang="en-US" sz="900" b="1" dirty="0" err="1">
+                <a:solidFill>
+                  <a:schemeClr val="tx1"/>
+                </a:solidFill>
+                <a:latin typeface="Arial" panose="020B0604020202020204" pitchFamily="34" charset="0"/>
+                <a:cs typeface="Arial" panose="020B0604020202020204" pitchFamily="34" charset="0"/>
+              </a:rPr>
+              <a:t>Detemine</a:t>
+            </a:r>
+            <a:r>
+              <a:rPr lang="en-US" sz="900" b="1" dirty="0">
+                <a:solidFill>
+                  <a:schemeClr val="tx1"/>
+                </a:solidFill>
+                <a:latin typeface="Arial" panose="020B0604020202020204" pitchFamily="34" charset="0"/>
+                <a:cs typeface="Arial" panose="020B0604020202020204" pitchFamily="34" charset="0"/>
+              </a:rPr>
+              <a:t> if organization directory exists</a:t>
+            </a:r>
+          </a:p>
+        </p:txBody>
+      </p:sp>
+      <p:cxnSp>
+        <p:nvCxnSpPr>
+          <p:cNvPr id="13" name="Gerader Verbinder 12">
+            <a:extLst>
+              <a:ext uri="{FF2B5EF4-FFF2-40B4-BE49-F238E27FC236}">
+                <a16:creationId xmlns:a16="http://schemas.microsoft.com/office/drawing/2014/main" id="{31ECB8E7-D2F2-F8C4-68D3-FF8871BC1032}"/>
+              </a:ext>
+            </a:extLst>
+          </p:cNvPr>
+          <p:cNvCxnSpPr/>
+          <p:nvPr/>
+        </p:nvCxnSpPr>
+        <p:spPr>
+          <a:xfrm flipH="1">
+            <a:off x="5875225" y="2533398"/>
+            <a:ext cx="9427" cy="269824"/>
+          </a:xfrm>
+          <a:prstGeom prst="line">
+            <a:avLst/>
+          </a:prstGeom>
+          <a:ln w="19050">
+            <a:solidFill>
+              <a:schemeClr val="tx1"/>
+            </a:solidFill>
+          </a:ln>
+        </p:spPr>
+        <p:style>
+          <a:lnRef idx="1">
+            <a:schemeClr val="accent1"/>
+          </a:lnRef>
+          <a:fillRef idx="0">
+            <a:schemeClr val="accent1"/>
+          </a:fillRef>
+          <a:effectRef idx="0">
+            <a:schemeClr val="accent1"/>
+          </a:effectRef>
+          <a:fontRef idx="minor">
+            <a:schemeClr val="tx1"/>
+          </a:fontRef>
+        </p:style>
+      </p:cxnSp>
+      <p:sp>
+        <p:nvSpPr>
+          <p:cNvPr id="15" name="Rechteck 14">
+            <a:extLst>
+              <a:ext uri="{FF2B5EF4-FFF2-40B4-BE49-F238E27FC236}">
+                <a16:creationId xmlns:a16="http://schemas.microsoft.com/office/drawing/2014/main" id="{A57E7B24-F6E8-6A6E-8019-E20D03BFC1B7}"/>
+              </a:ext>
+            </a:extLst>
+          </p:cNvPr>
+          <p:cNvSpPr/>
+          <p:nvPr/>
+        </p:nvSpPr>
+        <p:spPr>
+          <a:xfrm>
+            <a:off x="7531790" y="2803222"/>
+            <a:ext cx="2724345" cy="499547"/>
+          </a:xfrm>
+          <a:prstGeom prst="rect">
+            <a:avLst/>
+          </a:prstGeom>
+          <a:noFill/>
+          <a:ln w="19050">
+            <a:solidFill>
+              <a:schemeClr val="tx1"/>
+            </a:solidFill>
+          </a:ln>
+        </p:spPr>
+        <p:style>
+          <a:lnRef idx="2">
+            <a:schemeClr val="accent1">
+              <a:shade val="50000"/>
+            </a:schemeClr>
+          </a:lnRef>
+          <a:fillRef idx="1">
+            <a:schemeClr val="accent1"/>
+          </a:fillRef>
+          <a:effectRef idx="0">
+            <a:schemeClr val="accent1"/>
+          </a:effectRef>
+          <a:fontRef idx="minor">
+            <a:schemeClr val="lt1"/>
+          </a:fontRef>
+        </p:style>
+        <p:txBody>
+          <a:bodyPr rtlCol="0" anchor="ctr"/>
+          <a:lstStyle/>
+          <a:p>
+            <a:pPr algn="ctr"/>
+            <a:r>
+              <a:rPr lang="en-US" sz="900" b="1" dirty="0" err="1">
+                <a:solidFill>
+                  <a:schemeClr val="tx1"/>
+                </a:solidFill>
+                <a:latin typeface="Arial" panose="020B0604020202020204" pitchFamily="34" charset="0"/>
+                <a:cs typeface="Arial" panose="020B0604020202020204" pitchFamily="34" charset="0"/>
+              </a:rPr>
+              <a:t>createOrganisationDir</a:t>
+            </a:r>
+            <a:r>
+              <a:rPr lang="en-US" sz="900" b="1" dirty="0">
+                <a:solidFill>
+                  <a:schemeClr val="tx1"/>
+                </a:solidFill>
+                <a:latin typeface="Arial" panose="020B0604020202020204" pitchFamily="34" charset="0"/>
+                <a:cs typeface="Arial" panose="020B0604020202020204" pitchFamily="34" charset="0"/>
+              </a:rPr>
+              <a:t> </a:t>
+            </a:r>
+          </a:p>
+          <a:p>
+            <a:pPr algn="ctr"/>
+            <a:r>
+              <a:rPr lang="en-US" sz="900" b="1" dirty="0" err="1">
+                <a:solidFill>
+                  <a:schemeClr val="tx1"/>
+                </a:solidFill>
+                <a:latin typeface="Arial" panose="020B0604020202020204" pitchFamily="34" charset="0"/>
+                <a:cs typeface="Arial" panose="020B0604020202020204" pitchFamily="34" charset="0"/>
+              </a:rPr>
+              <a:t>Detemine</a:t>
+            </a:r>
+            <a:r>
+              <a:rPr lang="en-US" sz="900" b="1" dirty="0">
+                <a:solidFill>
+                  <a:schemeClr val="tx1"/>
+                </a:solidFill>
+                <a:latin typeface="Arial" panose="020B0604020202020204" pitchFamily="34" charset="0"/>
+                <a:cs typeface="Arial" panose="020B0604020202020204" pitchFamily="34" charset="0"/>
+              </a:rPr>
+              <a:t> if organization directory exists</a:t>
+            </a:r>
+          </a:p>
+        </p:txBody>
+      </p:sp>
+      <p:cxnSp>
+        <p:nvCxnSpPr>
+          <p:cNvPr id="16" name="Gerader Verbinder 15">
+            <a:extLst>
+              <a:ext uri="{FF2B5EF4-FFF2-40B4-BE49-F238E27FC236}">
+                <a16:creationId xmlns:a16="http://schemas.microsoft.com/office/drawing/2014/main" id="{A5F20770-0808-82ED-3EAD-32E5901D7455}"/>
+              </a:ext>
+            </a:extLst>
+          </p:cNvPr>
+          <p:cNvCxnSpPr/>
+          <p:nvPr/>
+        </p:nvCxnSpPr>
+        <p:spPr>
+          <a:xfrm flipH="1">
+            <a:off x="8893962" y="3302769"/>
+            <a:ext cx="9427" cy="269824"/>
+          </a:xfrm>
+          <a:prstGeom prst="line">
+            <a:avLst/>
+          </a:prstGeom>
+          <a:ln w="19050">
+            <a:solidFill>
+              <a:schemeClr val="tx1"/>
+            </a:solidFill>
+          </a:ln>
+        </p:spPr>
+        <p:style>
+          <a:lnRef idx="1">
+            <a:schemeClr val="accent1"/>
+          </a:lnRef>
+          <a:fillRef idx="0">
+            <a:schemeClr val="accent1"/>
+          </a:fillRef>
+          <a:effectRef idx="0">
+            <a:schemeClr val="accent1"/>
+          </a:effectRef>
+          <a:fontRef idx="minor">
+            <a:schemeClr val="tx1"/>
+          </a:fontRef>
+        </p:style>
+      </p:cxnSp>
+      <p:cxnSp>
+        <p:nvCxnSpPr>
+          <p:cNvPr id="17" name="Gerader Verbinder 16">
+            <a:extLst>
+              <a:ext uri="{FF2B5EF4-FFF2-40B4-BE49-F238E27FC236}">
+                <a16:creationId xmlns:a16="http://schemas.microsoft.com/office/drawing/2014/main" id="{79A91108-E36F-AAB0-B0D6-79F7BA68E0B8}"/>
+              </a:ext>
+            </a:extLst>
+          </p:cNvPr>
+          <p:cNvCxnSpPr>
+            <a:cxnSpLocks/>
+          </p:cNvCxnSpPr>
+          <p:nvPr/>
+        </p:nvCxnSpPr>
+        <p:spPr>
+          <a:xfrm flipH="1">
+            <a:off x="5884652" y="3285408"/>
+            <a:ext cx="12148" cy="424744"/>
+          </a:xfrm>
+          <a:prstGeom prst="line">
+            <a:avLst/>
+          </a:prstGeom>
+          <a:ln w="19050">
+            <a:solidFill>
+              <a:schemeClr val="tx1"/>
+            </a:solidFill>
+          </a:ln>
+        </p:spPr>
+        <p:style>
+          <a:lnRef idx="1">
+            <a:schemeClr val="accent1"/>
+          </a:lnRef>
+          <a:fillRef idx="0">
+            <a:schemeClr val="accent1"/>
+          </a:fillRef>
+          <a:effectRef idx="0">
+            <a:schemeClr val="accent1"/>
+          </a:effectRef>
+          <a:fontRef idx="minor">
+            <a:schemeClr val="tx1"/>
+          </a:fontRef>
+        </p:style>
+      </p:cxnSp>
+      <p:cxnSp>
+        <p:nvCxnSpPr>
+          <p:cNvPr id="19" name="Gerader Verbinder 18">
+            <a:extLst>
+              <a:ext uri="{FF2B5EF4-FFF2-40B4-BE49-F238E27FC236}">
+                <a16:creationId xmlns:a16="http://schemas.microsoft.com/office/drawing/2014/main" id="{036E6625-3619-AB0D-8AF9-9E28E57939BF}"/>
+              </a:ext>
+            </a:extLst>
+          </p:cNvPr>
+          <p:cNvCxnSpPr>
+            <a:cxnSpLocks/>
+          </p:cNvCxnSpPr>
+          <p:nvPr/>
+        </p:nvCxnSpPr>
+        <p:spPr>
+          <a:xfrm flipH="1">
+            <a:off x="5862228" y="3555232"/>
+            <a:ext cx="3041161" cy="17361"/>
+          </a:xfrm>
+          <a:prstGeom prst="line">
+            <a:avLst/>
+          </a:prstGeom>
+          <a:ln w="19050">
+            <a:solidFill>
+              <a:schemeClr val="tx1"/>
+            </a:solidFill>
+          </a:ln>
+        </p:spPr>
+        <p:style>
+          <a:lnRef idx="1">
+            <a:schemeClr val="accent1"/>
+          </a:lnRef>
+          <a:fillRef idx="0">
+            <a:schemeClr val="accent1"/>
+          </a:fillRef>
+          <a:effectRef idx="0">
+            <a:schemeClr val="accent1"/>
+          </a:effectRef>
+          <a:fontRef idx="minor">
+            <a:schemeClr val="tx1"/>
+          </a:fontRef>
+        </p:style>
+      </p:cxnSp>
+      <p:cxnSp>
+        <p:nvCxnSpPr>
+          <p:cNvPr id="24" name="Gerader Verbinder 23">
+            <a:extLst>
+              <a:ext uri="{FF2B5EF4-FFF2-40B4-BE49-F238E27FC236}">
+                <a16:creationId xmlns:a16="http://schemas.microsoft.com/office/drawing/2014/main" id="{8EB2B9AD-C347-5F7B-0F7E-30D6D9F0487B}"/>
+              </a:ext>
+            </a:extLst>
+          </p:cNvPr>
+          <p:cNvCxnSpPr>
+            <a:cxnSpLocks/>
+          </p:cNvCxnSpPr>
+          <p:nvPr/>
+        </p:nvCxnSpPr>
+        <p:spPr>
+          <a:xfrm flipH="1">
+            <a:off x="7281708" y="3041864"/>
+            <a:ext cx="250082" cy="0"/>
+          </a:xfrm>
+          <a:prstGeom prst="line">
+            <a:avLst/>
+          </a:prstGeom>
+          <a:ln w="19050">
+            <a:solidFill>
+              <a:schemeClr val="tx1"/>
+            </a:solidFill>
+          </a:ln>
+        </p:spPr>
+        <p:style>
+          <a:lnRef idx="1">
+            <a:schemeClr val="accent1"/>
+          </a:lnRef>
+          <a:fillRef idx="0">
+            <a:schemeClr val="accent1"/>
+          </a:fillRef>
+          <a:effectRef idx="0">
+            <a:schemeClr val="accent1"/>
+          </a:effectRef>
+          <a:fontRef idx="minor">
+            <a:schemeClr val="tx1"/>
+          </a:fontRef>
+        </p:style>
+      </p:cxnSp>
+      <p:sp>
+        <p:nvSpPr>
+          <p:cNvPr id="27" name="Rechteck 26">
+            <a:extLst>
+              <a:ext uri="{FF2B5EF4-FFF2-40B4-BE49-F238E27FC236}">
+                <a16:creationId xmlns:a16="http://schemas.microsoft.com/office/drawing/2014/main" id="{E711E7AD-BB49-E195-DF2C-752368178906}"/>
+              </a:ext>
+            </a:extLst>
+          </p:cNvPr>
+          <p:cNvSpPr/>
+          <p:nvPr/>
+        </p:nvSpPr>
+        <p:spPr>
+          <a:xfrm>
+            <a:off x="4557362" y="3723972"/>
+            <a:ext cx="2724345" cy="499547"/>
+          </a:xfrm>
+          <a:prstGeom prst="rect">
+            <a:avLst/>
+          </a:prstGeom>
+          <a:noFill/>
+          <a:ln w="19050">
+            <a:solidFill>
+              <a:schemeClr val="tx1"/>
+            </a:solidFill>
+          </a:ln>
+        </p:spPr>
+        <p:style>
+          <a:lnRef idx="2">
+            <a:schemeClr val="accent1">
+              <a:shade val="50000"/>
+            </a:schemeClr>
+          </a:lnRef>
+          <a:fillRef idx="1">
+            <a:schemeClr val="accent1"/>
+          </a:fillRef>
+          <a:effectRef idx="0">
+            <a:schemeClr val="accent1"/>
+          </a:effectRef>
+          <a:fontRef idx="minor">
+            <a:schemeClr val="lt1"/>
+          </a:fontRef>
+        </p:style>
+        <p:txBody>
+          <a:bodyPr rtlCol="0" anchor="ctr"/>
+          <a:lstStyle/>
+          <a:p>
+            <a:pPr algn="ctr"/>
+            <a:r>
+              <a:rPr lang="en-US" sz="900" b="1" dirty="0" err="1">
+                <a:solidFill>
+                  <a:schemeClr val="tx1"/>
+                </a:solidFill>
+                <a:latin typeface="Arial" panose="020B0604020202020204" pitchFamily="34" charset="0"/>
+                <a:cs typeface="Arial" panose="020B0604020202020204" pitchFamily="34" charset="0"/>
+              </a:rPr>
+              <a:t>checkCreateResultDir</a:t>
+            </a:r>
+            <a:r>
+              <a:rPr lang="en-US" sz="900" b="1" dirty="0">
+                <a:solidFill>
+                  <a:schemeClr val="tx1"/>
+                </a:solidFill>
+                <a:latin typeface="Arial" panose="020B0604020202020204" pitchFamily="34" charset="0"/>
+                <a:cs typeface="Arial" panose="020B0604020202020204" pitchFamily="34" charset="0"/>
+              </a:rPr>
+              <a:t>   </a:t>
+            </a:r>
+          </a:p>
+          <a:p>
+            <a:pPr algn="ctr"/>
+            <a:r>
+              <a:rPr lang="en-US" sz="900" b="1" dirty="0">
+                <a:solidFill>
+                  <a:schemeClr val="tx1"/>
+                </a:solidFill>
+                <a:latin typeface="Arial" panose="020B0604020202020204" pitchFamily="34" charset="0"/>
+                <a:cs typeface="Arial" panose="020B0604020202020204" pitchFamily="34" charset="0"/>
+              </a:rPr>
+              <a:t>Create and set object </a:t>
+            </a:r>
+            <a:r>
+              <a:rPr lang="en-US" sz="900" b="1" dirty="0" err="1">
+                <a:solidFill>
+                  <a:schemeClr val="tx1"/>
+                </a:solidFill>
+                <a:latin typeface="Arial" panose="020B0604020202020204" pitchFamily="34" charset="0"/>
+                <a:cs typeface="Arial" panose="020B0604020202020204" pitchFamily="34" charset="0"/>
+              </a:rPr>
+              <a:t>UtilFilesData</a:t>
+            </a:r>
+            <a:endParaRPr lang="en-US" sz="900" b="1" dirty="0">
+              <a:solidFill>
+                <a:schemeClr val="tx1"/>
+              </a:solidFill>
+              <a:latin typeface="Arial" panose="020B0604020202020204" pitchFamily="34" charset="0"/>
+              <a:cs typeface="Arial" panose="020B0604020202020204" pitchFamily="34" charset="0"/>
+            </a:endParaRPr>
+          </a:p>
+        </p:txBody>
+      </p:sp>
     </p:spTree>
     <p:extLst>
       <p:ext uri="{BB962C8B-B14F-4D97-AF65-F5344CB8AC3E}">
-        <p14:creationId xmlns:p14="http://schemas.microsoft.com/office/powerpoint/2010/main" val="833590008"/>
+        <p14:creationId xmlns:p14="http://schemas.microsoft.com/office/powerpoint/2010/main" val="1784724995"/>
       </p:ext>
     </p:extLst>
   </p:cSld>
@@ -21645,6 +23475,2276 @@
 </file>
 
 <file path=ppt/slides/slide20.xml><?xml version="1.0" encoding="utf-8"?>
+<p:sld xmlns:a="http://schemas.openxmlformats.org/drawingml/2006/main" xmlns:r="http://schemas.openxmlformats.org/officeDocument/2006/relationships" xmlns:p="http://schemas.openxmlformats.org/presentationml/2006/main">
+  <p:cSld>
+    <p:spTree>
+      <p:nvGrpSpPr>
+        <p:cNvPr id="1" name=""/>
+        <p:cNvGrpSpPr/>
+        <p:nvPr/>
+      </p:nvGrpSpPr>
+      <p:grpSpPr>
+        <a:xfrm>
+          <a:off x="0" y="0"/>
+          <a:ext cx="0" cy="0"/>
+          <a:chOff x="0" y="0"/>
+          <a:chExt cx="0" cy="0"/>
+        </a:xfrm>
+      </p:grpSpPr>
+      <p:sp>
+        <p:nvSpPr>
+          <p:cNvPr id="2" name="Rechteck 1">
+            <a:extLst>
+              <a:ext uri="{FF2B5EF4-FFF2-40B4-BE49-F238E27FC236}">
+                <a16:creationId xmlns:a16="http://schemas.microsoft.com/office/drawing/2014/main" id="{D5B0F52D-826F-684A-ACD4-B60AB5AE2760}"/>
+              </a:ext>
+            </a:extLst>
+          </p:cNvPr>
+          <p:cNvSpPr/>
+          <p:nvPr/>
+        </p:nvSpPr>
+        <p:spPr>
+          <a:xfrm>
+            <a:off x="436538" y="581798"/>
+            <a:ext cx="2966541" cy="570469"/>
+          </a:xfrm>
+          <a:prstGeom prst="rect">
+            <a:avLst/>
+          </a:prstGeom>
+          <a:noFill/>
+          <a:ln w="19050">
+            <a:solidFill>
+              <a:schemeClr val="tx1"/>
+            </a:solidFill>
+          </a:ln>
+        </p:spPr>
+        <p:style>
+          <a:lnRef idx="2">
+            <a:schemeClr val="accent1">
+              <a:shade val="50000"/>
+            </a:schemeClr>
+          </a:lnRef>
+          <a:fillRef idx="1">
+            <a:schemeClr val="accent1"/>
+          </a:fillRef>
+          <a:effectRef idx="0">
+            <a:schemeClr val="accent1"/>
+          </a:effectRef>
+          <a:fontRef idx="minor">
+            <a:schemeClr val="lt1"/>
+          </a:fontRef>
+        </p:style>
+        <p:txBody>
+          <a:bodyPr rtlCol="0" anchor="ctr"/>
+          <a:lstStyle/>
+          <a:p>
+            <a:pPr algn="ctr"/>
+            <a:r>
+              <a:rPr lang="de-CH" dirty="0" err="1">
+                <a:solidFill>
+                  <a:schemeClr val="tx1"/>
+                </a:solidFill>
+                <a:latin typeface="Arial" panose="020B0604020202020204" pitchFamily="34" charset="0"/>
+                <a:cs typeface="Arial" panose="020B0604020202020204" pitchFamily="34" charset="0"/>
+              </a:rPr>
+              <a:t>UtilFilesData</a:t>
+            </a:r>
+            <a:r>
+              <a:rPr lang="de-CH" dirty="0">
+                <a:solidFill>
+                  <a:schemeClr val="tx1"/>
+                </a:solidFill>
+                <a:latin typeface="Arial" panose="020B0604020202020204" pitchFamily="34" charset="0"/>
+                <a:cs typeface="Arial" panose="020B0604020202020204" pitchFamily="34" charset="0"/>
+              </a:rPr>
+              <a:t> </a:t>
+            </a:r>
+          </a:p>
+          <a:p>
+            <a:pPr algn="ctr"/>
+            <a:r>
+              <a:rPr lang="de-CH" sz="1200" dirty="0">
+                <a:solidFill>
+                  <a:schemeClr val="tx1"/>
+                </a:solidFill>
+                <a:latin typeface="Arial" panose="020B0604020202020204" pitchFamily="34" charset="0"/>
+                <a:cs typeface="Arial" panose="020B0604020202020204" pitchFamily="34" charset="0"/>
+              </a:rPr>
+              <a:t>Holds </a:t>
+            </a:r>
+            <a:r>
+              <a:rPr lang="de-CH" sz="1200" dirty="0" err="1">
+                <a:solidFill>
+                  <a:schemeClr val="tx1"/>
+                </a:solidFill>
+                <a:latin typeface="Arial" panose="020B0604020202020204" pitchFamily="34" charset="0"/>
+                <a:cs typeface="Arial" panose="020B0604020202020204" pitchFamily="34" charset="0"/>
+              </a:rPr>
+              <a:t>data</a:t>
+            </a:r>
+            <a:r>
+              <a:rPr lang="de-CH" sz="1200" dirty="0">
+                <a:solidFill>
+                  <a:schemeClr val="tx1"/>
+                </a:solidFill>
+                <a:latin typeface="Arial" panose="020B0604020202020204" pitchFamily="34" charset="0"/>
+                <a:cs typeface="Arial" panose="020B0604020202020204" pitchFamily="34" charset="0"/>
+              </a:rPr>
+              <a:t> </a:t>
+            </a:r>
+            <a:r>
+              <a:rPr lang="de-CH" sz="1200" dirty="0" err="1">
+                <a:solidFill>
+                  <a:schemeClr val="tx1"/>
+                </a:solidFill>
+                <a:latin typeface="Arial" panose="020B0604020202020204" pitchFamily="34" charset="0"/>
+                <a:cs typeface="Arial" panose="020B0604020202020204" pitchFamily="34" charset="0"/>
+              </a:rPr>
+              <a:t>for</a:t>
+            </a:r>
+            <a:r>
+              <a:rPr lang="de-CH" sz="1200" dirty="0">
+                <a:solidFill>
+                  <a:schemeClr val="tx1"/>
+                </a:solidFill>
+                <a:latin typeface="Arial" panose="020B0604020202020204" pitchFamily="34" charset="0"/>
+                <a:cs typeface="Arial" panose="020B0604020202020204" pitchFamily="34" charset="0"/>
+              </a:rPr>
+              <a:t> </a:t>
+            </a:r>
+            <a:r>
+              <a:rPr lang="de-CH" sz="1200" dirty="0" err="1">
+                <a:solidFill>
+                  <a:schemeClr val="tx1"/>
+                </a:solidFill>
+                <a:latin typeface="Arial" panose="020B0604020202020204" pitchFamily="34" charset="0"/>
+                <a:cs typeface="Arial" panose="020B0604020202020204" pitchFamily="34" charset="0"/>
+              </a:rPr>
+              <a:t>UtilFiles</a:t>
+            </a:r>
+            <a:endParaRPr lang="de-CH" sz="1200" dirty="0">
+              <a:solidFill>
+                <a:schemeClr val="tx1"/>
+              </a:solidFill>
+              <a:latin typeface="Arial" panose="020B0604020202020204" pitchFamily="34" charset="0"/>
+              <a:cs typeface="Arial" panose="020B0604020202020204" pitchFamily="34" charset="0"/>
+            </a:endParaRPr>
+          </a:p>
+        </p:txBody>
+      </p:sp>
+      <p:sp>
+        <p:nvSpPr>
+          <p:cNvPr id="3" name="Rechteck 2">
+            <a:extLst>
+              <a:ext uri="{FF2B5EF4-FFF2-40B4-BE49-F238E27FC236}">
+                <a16:creationId xmlns:a16="http://schemas.microsoft.com/office/drawing/2014/main" id="{3493174E-2791-9A42-3CF9-2FBF07FA553E}"/>
+              </a:ext>
+            </a:extLst>
+          </p:cNvPr>
+          <p:cNvSpPr/>
+          <p:nvPr/>
+        </p:nvSpPr>
+        <p:spPr>
+          <a:xfrm>
+            <a:off x="436535" y="1142868"/>
+            <a:ext cx="2966541" cy="4942134"/>
+          </a:xfrm>
+          <a:prstGeom prst="rect">
+            <a:avLst/>
+          </a:prstGeom>
+          <a:noFill/>
+          <a:ln w="19050">
+            <a:solidFill>
+              <a:schemeClr val="tx1"/>
+            </a:solidFill>
+          </a:ln>
+        </p:spPr>
+        <p:style>
+          <a:lnRef idx="2">
+            <a:schemeClr val="accent1">
+              <a:shade val="50000"/>
+            </a:schemeClr>
+          </a:lnRef>
+          <a:fillRef idx="1">
+            <a:schemeClr val="accent1"/>
+          </a:fillRef>
+          <a:effectRef idx="0">
+            <a:schemeClr val="accent1"/>
+          </a:effectRef>
+          <a:fontRef idx="minor">
+            <a:schemeClr val="lt1"/>
+          </a:fontRef>
+        </p:style>
+        <p:txBody>
+          <a:bodyPr rtlCol="0" anchor="ctr"/>
+          <a:lstStyle/>
+          <a:p>
+            <a:r>
+              <a:rPr lang="en-US" sz="1200" dirty="0">
+                <a:solidFill>
+                  <a:schemeClr val="tx1"/>
+                </a:solidFill>
+                <a:latin typeface="Arial" panose="020B0604020202020204" pitchFamily="34" charset="0"/>
+                <a:cs typeface="Arial" panose="020B0604020202020204" pitchFamily="34" charset="0"/>
+              </a:rPr>
+              <a:t>Member variables</a:t>
+            </a:r>
+          </a:p>
+          <a:p>
+            <a:r>
+              <a:rPr lang="en-US" sz="1000" b="1" dirty="0" err="1">
+                <a:solidFill>
+                  <a:schemeClr val="tx1"/>
+                </a:solidFill>
+                <a:latin typeface="Arial" panose="020B0604020202020204" pitchFamily="34" charset="0"/>
+                <a:cs typeface="Arial" panose="020B0604020202020204" pitchFamily="34" charset="0"/>
+              </a:rPr>
+              <a:t>m_exec_case</a:t>
+            </a:r>
+            <a:endParaRPr lang="en-US" sz="1000" b="1" dirty="0">
+              <a:solidFill>
+                <a:schemeClr val="tx1"/>
+              </a:solidFill>
+              <a:latin typeface="Arial" panose="020B0604020202020204" pitchFamily="34" charset="0"/>
+              <a:cs typeface="Arial" panose="020B0604020202020204" pitchFamily="34" charset="0"/>
+            </a:endParaRPr>
+          </a:p>
+          <a:p>
+            <a:r>
+              <a:rPr lang="en-US" sz="1000" b="1" dirty="0" err="1">
+                <a:solidFill>
+                  <a:schemeClr val="tx1"/>
+                </a:solidFill>
+                <a:latin typeface="Arial" panose="020B0604020202020204" pitchFamily="34" charset="0"/>
+                <a:cs typeface="Arial" panose="020B0604020202020204" pitchFamily="34" charset="0"/>
+              </a:rPr>
+              <a:t>m_callback_function_name</a:t>
+            </a:r>
+            <a:endParaRPr lang="en-US" sz="1000" b="1" dirty="0">
+              <a:solidFill>
+                <a:schemeClr val="tx1"/>
+              </a:solidFill>
+              <a:latin typeface="Arial" panose="020B0604020202020204" pitchFamily="34" charset="0"/>
+              <a:cs typeface="Arial" panose="020B0604020202020204" pitchFamily="34" charset="0"/>
+            </a:endParaRPr>
+          </a:p>
+          <a:p>
+            <a:r>
+              <a:rPr lang="en-US" sz="1000" b="1" dirty="0" err="1">
+                <a:solidFill>
+                  <a:schemeClr val="tx1"/>
+                </a:solidFill>
+                <a:latin typeface="Arial" panose="020B0604020202020204" pitchFamily="34" charset="0"/>
+                <a:cs typeface="Arial" panose="020B0604020202020204" pitchFamily="34" charset="0"/>
+              </a:rPr>
+              <a:t>m_error_callback_function_name</a:t>
+            </a:r>
+            <a:endParaRPr lang="en-US" sz="1000" b="1" dirty="0">
+              <a:solidFill>
+                <a:schemeClr val="tx1"/>
+              </a:solidFill>
+              <a:latin typeface="Arial" panose="020B0604020202020204" pitchFamily="34" charset="0"/>
+              <a:cs typeface="Arial" panose="020B0604020202020204" pitchFamily="34" charset="0"/>
+            </a:endParaRPr>
+          </a:p>
+          <a:p>
+            <a:r>
+              <a:rPr lang="en-US" sz="1000" b="1" dirty="0" err="1">
+                <a:solidFill>
+                  <a:schemeClr val="tx1"/>
+                </a:solidFill>
+                <a:latin typeface="Arial" panose="020B0604020202020204" pitchFamily="34" charset="0"/>
+                <a:cs typeface="Arial" panose="020B0604020202020204" pitchFamily="34" charset="0"/>
+              </a:rPr>
+              <a:t>m_relative_path_php_dir</a:t>
+            </a:r>
+            <a:endParaRPr lang="en-US" sz="1000" b="1" dirty="0">
+              <a:solidFill>
+                <a:schemeClr val="tx1"/>
+              </a:solidFill>
+              <a:latin typeface="Arial" panose="020B0604020202020204" pitchFamily="34" charset="0"/>
+              <a:cs typeface="Arial" panose="020B0604020202020204" pitchFamily="34" charset="0"/>
+            </a:endParaRPr>
+          </a:p>
+          <a:p>
+            <a:r>
+              <a:rPr lang="en-US" sz="1000" b="1" dirty="0" err="1">
+                <a:solidFill>
+                  <a:schemeClr val="tx1"/>
+                </a:solidFill>
+                <a:latin typeface="Arial" panose="020B0604020202020204" pitchFamily="34" charset="0"/>
+                <a:cs typeface="Arial" panose="020B0604020202020204" pitchFamily="34" charset="0"/>
+              </a:rPr>
+              <a:t>m_input_dir_name</a:t>
+            </a:r>
+            <a:endParaRPr lang="en-US" sz="1000" b="1" dirty="0">
+              <a:solidFill>
+                <a:schemeClr val="tx1"/>
+              </a:solidFill>
+              <a:latin typeface="Arial" panose="020B0604020202020204" pitchFamily="34" charset="0"/>
+              <a:cs typeface="Arial" panose="020B0604020202020204" pitchFamily="34" charset="0"/>
+            </a:endParaRPr>
+          </a:p>
+          <a:p>
+            <a:r>
+              <a:rPr lang="en-US" sz="1000" b="1" dirty="0" err="1">
+                <a:solidFill>
+                  <a:schemeClr val="tx1"/>
+                </a:solidFill>
+                <a:latin typeface="Arial" panose="020B0604020202020204" pitchFamily="34" charset="0"/>
+                <a:cs typeface="Arial" panose="020B0604020202020204" pitchFamily="34" charset="0"/>
+              </a:rPr>
+              <a:t>m_input_file_name</a:t>
+            </a:r>
+            <a:endParaRPr lang="en-US" sz="1000" b="1" dirty="0">
+              <a:solidFill>
+                <a:schemeClr val="tx1"/>
+              </a:solidFill>
+              <a:latin typeface="Arial" panose="020B0604020202020204" pitchFamily="34" charset="0"/>
+              <a:cs typeface="Arial" panose="020B0604020202020204" pitchFamily="34" charset="0"/>
+            </a:endParaRPr>
+          </a:p>
+          <a:p>
+            <a:r>
+              <a:rPr lang="en-US" sz="1000" b="1" dirty="0" err="1">
+                <a:solidFill>
+                  <a:schemeClr val="tx1"/>
+                </a:solidFill>
+                <a:latin typeface="Arial" panose="020B0604020202020204" pitchFamily="34" charset="0"/>
+                <a:cs typeface="Arial" panose="020B0604020202020204" pitchFamily="34" charset="0"/>
+              </a:rPr>
+              <a:t>m_output_file_name</a:t>
+            </a:r>
+            <a:endParaRPr lang="en-US" sz="1000" b="1" dirty="0">
+              <a:solidFill>
+                <a:schemeClr val="tx1"/>
+              </a:solidFill>
+              <a:latin typeface="Arial" panose="020B0604020202020204" pitchFamily="34" charset="0"/>
+              <a:cs typeface="Arial" panose="020B0604020202020204" pitchFamily="34" charset="0"/>
+            </a:endParaRPr>
+          </a:p>
+          <a:p>
+            <a:r>
+              <a:rPr lang="en-US" sz="1000" b="1" dirty="0" err="1">
+                <a:solidFill>
+                  <a:schemeClr val="tx1"/>
+                </a:solidFill>
+                <a:latin typeface="Arial" panose="020B0604020202020204" pitchFamily="34" charset="0"/>
+                <a:cs typeface="Arial" panose="020B0604020202020204" pitchFamily="34" charset="0"/>
+              </a:rPr>
+              <a:t>m_file_content</a:t>
+            </a:r>
+            <a:endParaRPr lang="en-US" sz="1000" b="1" dirty="0">
+              <a:solidFill>
+                <a:schemeClr val="tx1"/>
+              </a:solidFill>
+              <a:latin typeface="Arial" panose="020B0604020202020204" pitchFamily="34" charset="0"/>
+              <a:cs typeface="Arial" panose="020B0604020202020204" pitchFamily="34" charset="0"/>
+            </a:endParaRPr>
+          </a:p>
+          <a:p>
+            <a:r>
+              <a:rPr lang="en-US" sz="1000" b="1" dirty="0" err="1">
+                <a:solidFill>
+                  <a:schemeClr val="tx1"/>
+                </a:solidFill>
+                <a:latin typeface="Arial" panose="020B0604020202020204" pitchFamily="34" charset="0"/>
+                <a:cs typeface="Arial" panose="020B0604020202020204" pitchFamily="34" charset="0"/>
+              </a:rPr>
+              <a:t>m_message_true</a:t>
+            </a:r>
+            <a:r>
+              <a:rPr lang="en-US" sz="1000" b="1" dirty="0">
+                <a:solidFill>
+                  <a:schemeClr val="tx1"/>
+                </a:solidFill>
+                <a:latin typeface="Arial" panose="020B0604020202020204" pitchFamily="34" charset="0"/>
+                <a:cs typeface="Arial" panose="020B0604020202020204" pitchFamily="34" charset="0"/>
+              </a:rPr>
+              <a:t> = TRUE</a:t>
+            </a:r>
+          </a:p>
+          <a:p>
+            <a:r>
+              <a:rPr lang="en-US" sz="1000" b="1" dirty="0" err="1">
+                <a:solidFill>
+                  <a:schemeClr val="tx1"/>
+                </a:solidFill>
+                <a:latin typeface="Arial" panose="020B0604020202020204" pitchFamily="34" charset="0"/>
+                <a:cs typeface="Arial" panose="020B0604020202020204" pitchFamily="34" charset="0"/>
+              </a:rPr>
+              <a:t>m_message_false</a:t>
+            </a:r>
+            <a:r>
+              <a:rPr lang="en-US" sz="1000" b="1" dirty="0">
+                <a:solidFill>
+                  <a:schemeClr val="tx1"/>
+                </a:solidFill>
+                <a:latin typeface="Arial" panose="020B0604020202020204" pitchFamily="34" charset="0"/>
+                <a:cs typeface="Arial" panose="020B0604020202020204" pitchFamily="34" charset="0"/>
+              </a:rPr>
+              <a:t> = FALSE</a:t>
+            </a:r>
+          </a:p>
+          <a:p>
+            <a:r>
+              <a:rPr lang="en-US" sz="1000" b="1" dirty="0" err="1">
+                <a:solidFill>
+                  <a:schemeClr val="tx1"/>
+                </a:solidFill>
+                <a:latin typeface="Arial" panose="020B0604020202020204" pitchFamily="34" charset="0"/>
+                <a:cs typeface="Arial" panose="020B0604020202020204" pitchFamily="34" charset="0"/>
+              </a:rPr>
+              <a:t>m_message_error</a:t>
+            </a:r>
+            <a:r>
+              <a:rPr lang="en-US" sz="1000" b="1" dirty="0">
+                <a:solidFill>
+                  <a:schemeClr val="tx1"/>
+                </a:solidFill>
+                <a:latin typeface="Arial" panose="020B0604020202020204" pitchFamily="34" charset="0"/>
+                <a:cs typeface="Arial" panose="020B0604020202020204" pitchFamily="34" charset="0"/>
+              </a:rPr>
+              <a:t> = FALSE + description</a:t>
+            </a:r>
+          </a:p>
+          <a:p>
+            <a:endParaRPr lang="en-US" sz="1000" b="1" dirty="0">
+              <a:solidFill>
+                <a:schemeClr val="tx1"/>
+              </a:solidFill>
+              <a:latin typeface="Arial" panose="020B0604020202020204" pitchFamily="34" charset="0"/>
+              <a:cs typeface="Arial" panose="020B0604020202020204" pitchFamily="34" charset="0"/>
+            </a:endParaRPr>
+          </a:p>
+          <a:p>
+            <a:r>
+              <a:rPr lang="en-US" sz="1200" dirty="0">
+                <a:solidFill>
+                  <a:schemeClr val="tx1"/>
+                </a:solidFill>
+                <a:latin typeface="Arial" panose="020B0604020202020204" pitchFamily="34" charset="0"/>
+                <a:cs typeface="Arial" panose="020B0604020202020204" pitchFamily="34" charset="0"/>
+              </a:rPr>
+              <a:t>Member functions</a:t>
+            </a:r>
+          </a:p>
+          <a:p>
+            <a:r>
+              <a:rPr lang="de-CH" sz="1000" b="1" dirty="0" err="1">
+                <a:solidFill>
+                  <a:schemeClr val="tx1"/>
+                </a:solidFill>
+                <a:latin typeface="Arial" panose="020B0604020202020204" pitchFamily="34" charset="0"/>
+                <a:cs typeface="Arial" panose="020B0604020202020204" pitchFamily="34" charset="0"/>
+              </a:rPr>
+              <a:t>setDataExecCaseDirExists</a:t>
+            </a:r>
+            <a:endParaRPr lang="de-CH" sz="1000" b="1" dirty="0">
+              <a:solidFill>
+                <a:schemeClr val="tx1"/>
+              </a:solidFill>
+              <a:latin typeface="Arial" panose="020B0604020202020204" pitchFamily="34" charset="0"/>
+              <a:cs typeface="Arial" panose="020B0604020202020204" pitchFamily="34" charset="0"/>
+            </a:endParaRPr>
+          </a:p>
+          <a:p>
+            <a:r>
+              <a:rPr lang="de-CH" sz="1000" b="1" dirty="0" err="1">
+                <a:solidFill>
+                  <a:schemeClr val="tx1"/>
+                </a:solidFill>
+                <a:latin typeface="Arial" panose="020B0604020202020204" pitchFamily="34" charset="0"/>
+                <a:cs typeface="Arial" panose="020B0604020202020204" pitchFamily="34" charset="0"/>
+              </a:rPr>
+              <a:t>setDataExecCaseFileExists</a:t>
+            </a:r>
+            <a:endParaRPr lang="de-CH" sz="1000" b="1" dirty="0">
+              <a:solidFill>
+                <a:schemeClr val="tx1"/>
+              </a:solidFill>
+              <a:latin typeface="Arial" panose="020B0604020202020204" pitchFamily="34" charset="0"/>
+              <a:cs typeface="Arial" panose="020B0604020202020204" pitchFamily="34" charset="0"/>
+            </a:endParaRPr>
+          </a:p>
+          <a:p>
+            <a:r>
+              <a:rPr lang="de-CH" sz="1000" b="1" dirty="0" err="1">
+                <a:solidFill>
+                  <a:schemeClr val="tx1"/>
+                </a:solidFill>
+                <a:latin typeface="Arial" panose="020B0604020202020204" pitchFamily="34" charset="0"/>
+                <a:cs typeface="Arial" panose="020B0604020202020204" pitchFamily="34" charset="0"/>
+              </a:rPr>
+              <a:t>setDataExecCaseCreateDir</a:t>
+            </a:r>
+            <a:endParaRPr lang="de-CH" sz="1000" b="1" dirty="0">
+              <a:solidFill>
+                <a:schemeClr val="tx1"/>
+              </a:solidFill>
+              <a:latin typeface="Arial" panose="020B0604020202020204" pitchFamily="34" charset="0"/>
+              <a:cs typeface="Arial" panose="020B0604020202020204" pitchFamily="34" charset="0"/>
+            </a:endParaRPr>
+          </a:p>
+          <a:p>
+            <a:r>
+              <a:rPr lang="de-CH" sz="1000" b="1" dirty="0" err="1">
+                <a:solidFill>
+                  <a:schemeClr val="tx1"/>
+                </a:solidFill>
+                <a:latin typeface="Arial" panose="020B0604020202020204" pitchFamily="34" charset="0"/>
+                <a:cs typeface="Arial" panose="020B0604020202020204" pitchFamily="34" charset="0"/>
+              </a:rPr>
+              <a:t>setDataExecCaseDeleteDir</a:t>
+            </a:r>
+            <a:endParaRPr lang="de-CH" sz="1000" b="1" dirty="0">
+              <a:solidFill>
+                <a:schemeClr val="tx1"/>
+              </a:solidFill>
+              <a:latin typeface="Arial" panose="020B0604020202020204" pitchFamily="34" charset="0"/>
+              <a:cs typeface="Arial" panose="020B0604020202020204" pitchFamily="34" charset="0"/>
+            </a:endParaRPr>
+          </a:p>
+          <a:p>
+            <a:r>
+              <a:rPr lang="de-CH" sz="1000" b="1" dirty="0" err="1">
+                <a:solidFill>
+                  <a:schemeClr val="tx1"/>
+                </a:solidFill>
+                <a:latin typeface="Arial" panose="020B0604020202020204" pitchFamily="34" charset="0"/>
+                <a:cs typeface="Arial" panose="020B0604020202020204" pitchFamily="34" charset="0"/>
+              </a:rPr>
+              <a:t>setDataExecCaseDeleteFile</a:t>
+            </a:r>
+            <a:endParaRPr lang="de-CH" sz="1000" b="1" dirty="0">
+              <a:solidFill>
+                <a:schemeClr val="tx1"/>
+              </a:solidFill>
+              <a:latin typeface="Arial" panose="020B0604020202020204" pitchFamily="34" charset="0"/>
+              <a:cs typeface="Arial" panose="020B0604020202020204" pitchFamily="34" charset="0"/>
+            </a:endParaRPr>
+          </a:p>
+          <a:p>
+            <a:r>
+              <a:rPr lang="de-CH" sz="1000" b="1" dirty="0" err="1">
+                <a:solidFill>
+                  <a:schemeClr val="tx1"/>
+                </a:solidFill>
+                <a:latin typeface="Arial" panose="020B0604020202020204" pitchFamily="34" charset="0"/>
+                <a:cs typeface="Arial" panose="020B0604020202020204" pitchFamily="34" charset="0"/>
+              </a:rPr>
+              <a:t>setDataExecCaseCreateFile</a:t>
+            </a:r>
+            <a:endParaRPr lang="de-CH" sz="1000" b="1" dirty="0">
+              <a:solidFill>
+                <a:schemeClr val="tx1"/>
+              </a:solidFill>
+              <a:latin typeface="Arial" panose="020B0604020202020204" pitchFamily="34" charset="0"/>
+              <a:cs typeface="Arial" panose="020B0604020202020204" pitchFamily="34" charset="0"/>
+            </a:endParaRPr>
+          </a:p>
+          <a:p>
+            <a:r>
+              <a:rPr lang="de-CH" sz="1000" b="1" dirty="0" err="1">
+                <a:solidFill>
+                  <a:schemeClr val="tx1"/>
+                </a:solidFill>
+                <a:latin typeface="Arial" panose="020B0604020202020204" pitchFamily="34" charset="0"/>
+                <a:cs typeface="Arial" panose="020B0604020202020204" pitchFamily="34" charset="0"/>
+              </a:rPr>
+              <a:t>handlePostResult</a:t>
+            </a:r>
+            <a:endParaRPr lang="de-CH" sz="1000" b="1" dirty="0">
+              <a:solidFill>
+                <a:schemeClr val="tx1"/>
+              </a:solidFill>
+              <a:latin typeface="Arial" panose="020B0604020202020204" pitchFamily="34" charset="0"/>
+              <a:cs typeface="Arial" panose="020B0604020202020204" pitchFamily="34" charset="0"/>
+            </a:endParaRPr>
+          </a:p>
+          <a:p>
+            <a:r>
+              <a:rPr lang="de-CH" sz="1000" b="1" dirty="0" err="1">
+                <a:solidFill>
+                  <a:schemeClr val="tx1"/>
+                </a:solidFill>
+                <a:latin typeface="Arial" panose="020B0604020202020204" pitchFamily="34" charset="0"/>
+                <a:cs typeface="Arial" panose="020B0604020202020204" pitchFamily="34" charset="0"/>
+              </a:rPr>
+              <a:t>handlePostErrorResult</a:t>
+            </a:r>
+            <a:endParaRPr lang="de-CH" sz="1000" b="1" dirty="0">
+              <a:solidFill>
+                <a:schemeClr val="tx1"/>
+              </a:solidFill>
+              <a:latin typeface="Arial" panose="020B0604020202020204" pitchFamily="34" charset="0"/>
+              <a:cs typeface="Arial" panose="020B0604020202020204" pitchFamily="34" charset="0"/>
+            </a:endParaRPr>
+          </a:p>
+          <a:p>
+            <a:endParaRPr lang="de-CH" sz="1000" b="1" dirty="0">
+              <a:solidFill>
+                <a:schemeClr val="tx1"/>
+              </a:solidFill>
+              <a:latin typeface="Arial" panose="020B0604020202020204" pitchFamily="34" charset="0"/>
+              <a:cs typeface="Arial" panose="020B0604020202020204" pitchFamily="34" charset="0"/>
+            </a:endParaRPr>
+          </a:p>
+          <a:p>
+            <a:r>
+              <a:rPr lang="de-CH" sz="1000" b="1" dirty="0" err="1">
+                <a:solidFill>
+                  <a:schemeClr val="tx1"/>
+                </a:solidFill>
+                <a:latin typeface="Arial" panose="020B0604020202020204" pitchFamily="34" charset="0"/>
+                <a:cs typeface="Arial" panose="020B0604020202020204" pitchFamily="34" charset="0"/>
+              </a:rPr>
+              <a:t>Init</a:t>
+            </a:r>
+            <a:endParaRPr lang="de-CH" sz="1000" b="1" dirty="0">
+              <a:solidFill>
+                <a:schemeClr val="tx1"/>
+              </a:solidFill>
+              <a:latin typeface="Arial" panose="020B0604020202020204" pitchFamily="34" charset="0"/>
+              <a:cs typeface="Arial" panose="020B0604020202020204" pitchFamily="34" charset="0"/>
+            </a:endParaRPr>
+          </a:p>
+          <a:p>
+            <a:r>
+              <a:rPr lang="de-CH" sz="1000" b="1" dirty="0" err="1">
+                <a:solidFill>
+                  <a:schemeClr val="tx1"/>
+                </a:solidFill>
+                <a:latin typeface="Arial" panose="020B0604020202020204" pitchFamily="34" charset="0"/>
+                <a:cs typeface="Arial" panose="020B0604020202020204" pitchFamily="34" charset="0"/>
+              </a:rPr>
+              <a:t>getCallbackFunctionName</a:t>
+            </a:r>
+            <a:endParaRPr lang="de-CH" sz="1000" b="1" dirty="0">
+              <a:solidFill>
+                <a:schemeClr val="tx1"/>
+              </a:solidFill>
+              <a:latin typeface="Arial" panose="020B0604020202020204" pitchFamily="34" charset="0"/>
+              <a:cs typeface="Arial" panose="020B0604020202020204" pitchFamily="34" charset="0"/>
+            </a:endParaRPr>
+          </a:p>
+          <a:p>
+            <a:r>
+              <a:rPr lang="de-CH" sz="1000" b="1" dirty="0" err="1">
+                <a:solidFill>
+                  <a:schemeClr val="tx1"/>
+                </a:solidFill>
+                <a:latin typeface="Arial" panose="020B0604020202020204" pitchFamily="34" charset="0"/>
+                <a:cs typeface="Arial" panose="020B0604020202020204" pitchFamily="34" charset="0"/>
+              </a:rPr>
+              <a:t>setCallbackFunctionName</a:t>
+            </a:r>
+            <a:endParaRPr lang="de-CH" sz="1000" b="1" dirty="0">
+              <a:solidFill>
+                <a:schemeClr val="tx1"/>
+              </a:solidFill>
+              <a:latin typeface="Arial" panose="020B0604020202020204" pitchFamily="34" charset="0"/>
+              <a:cs typeface="Arial" panose="020B0604020202020204" pitchFamily="34" charset="0"/>
+            </a:endParaRPr>
+          </a:p>
+          <a:p>
+            <a:r>
+              <a:rPr lang="de-CH" sz="1000" b="1" dirty="0" err="1">
+                <a:solidFill>
+                  <a:schemeClr val="tx1"/>
+                </a:solidFill>
+                <a:latin typeface="Arial" panose="020B0604020202020204" pitchFamily="34" charset="0"/>
+                <a:cs typeface="Arial" panose="020B0604020202020204" pitchFamily="34" charset="0"/>
+              </a:rPr>
+              <a:t>getErrorCallbackFunctionName</a:t>
+            </a:r>
+            <a:endParaRPr lang="de-CH" sz="1000" b="1" dirty="0">
+              <a:solidFill>
+                <a:schemeClr val="tx1"/>
+              </a:solidFill>
+              <a:latin typeface="Arial" panose="020B0604020202020204" pitchFamily="34" charset="0"/>
+              <a:cs typeface="Arial" panose="020B0604020202020204" pitchFamily="34" charset="0"/>
+            </a:endParaRPr>
+          </a:p>
+          <a:p>
+            <a:r>
+              <a:rPr lang="de-CH" sz="1000" b="1" dirty="0" err="1">
+                <a:solidFill>
+                  <a:schemeClr val="tx1"/>
+                </a:solidFill>
+                <a:latin typeface="Arial" panose="020B0604020202020204" pitchFamily="34" charset="0"/>
+                <a:cs typeface="Arial" panose="020B0604020202020204" pitchFamily="34" charset="0"/>
+              </a:rPr>
+              <a:t>setErrorCallbackFunctionName</a:t>
+            </a:r>
+            <a:endParaRPr lang="de-CH" sz="1000" b="1" dirty="0">
+              <a:solidFill>
+                <a:schemeClr val="tx1"/>
+              </a:solidFill>
+              <a:latin typeface="Arial" panose="020B0604020202020204" pitchFamily="34" charset="0"/>
+              <a:cs typeface="Arial" panose="020B0604020202020204" pitchFamily="34" charset="0"/>
+            </a:endParaRPr>
+          </a:p>
+          <a:p>
+            <a:r>
+              <a:rPr lang="de-CH" sz="1000" b="1" dirty="0">
+                <a:solidFill>
+                  <a:schemeClr val="tx1"/>
+                </a:solidFill>
+                <a:latin typeface="Arial" panose="020B0604020202020204" pitchFamily="34" charset="0"/>
+                <a:cs typeface="Arial" panose="020B0604020202020204" pitchFamily="34" charset="0"/>
+              </a:rPr>
+              <a:t>.</a:t>
+            </a:r>
+          </a:p>
+          <a:p>
+            <a:r>
+              <a:rPr lang="de-CH" sz="1000" b="1" dirty="0">
+                <a:solidFill>
+                  <a:schemeClr val="tx1"/>
+                </a:solidFill>
+                <a:latin typeface="Arial" panose="020B0604020202020204" pitchFamily="34" charset="0"/>
+                <a:cs typeface="Arial" panose="020B0604020202020204" pitchFamily="34" charset="0"/>
+              </a:rPr>
+              <a:t>.</a:t>
+            </a:r>
+          </a:p>
+          <a:p>
+            <a:r>
+              <a:rPr lang="de-CH" sz="1000" b="1" dirty="0">
+                <a:solidFill>
+                  <a:schemeClr val="tx1"/>
+                </a:solidFill>
+                <a:latin typeface="Arial" panose="020B0604020202020204" pitchFamily="34" charset="0"/>
+                <a:cs typeface="Arial" panose="020B0604020202020204" pitchFamily="34" charset="0"/>
+              </a:rPr>
+              <a:t>.</a:t>
+            </a:r>
+          </a:p>
+        </p:txBody>
+      </p:sp>
+      <p:sp>
+        <p:nvSpPr>
+          <p:cNvPr id="4" name="Rechteck 3">
+            <a:extLst>
+              <a:ext uri="{FF2B5EF4-FFF2-40B4-BE49-F238E27FC236}">
+                <a16:creationId xmlns:a16="http://schemas.microsoft.com/office/drawing/2014/main" id="{A03D09F9-06F3-3E24-D07E-1E6533A9FACE}"/>
+              </a:ext>
+            </a:extLst>
+          </p:cNvPr>
+          <p:cNvSpPr/>
+          <p:nvPr/>
+        </p:nvSpPr>
+        <p:spPr>
+          <a:xfrm>
+            <a:off x="3669932" y="591225"/>
+            <a:ext cx="2966541" cy="570469"/>
+          </a:xfrm>
+          <a:prstGeom prst="rect">
+            <a:avLst/>
+          </a:prstGeom>
+          <a:noFill/>
+          <a:ln w="19050">
+            <a:solidFill>
+              <a:schemeClr val="tx1"/>
+            </a:solidFill>
+          </a:ln>
+        </p:spPr>
+        <p:style>
+          <a:lnRef idx="2">
+            <a:schemeClr val="accent1">
+              <a:shade val="50000"/>
+            </a:schemeClr>
+          </a:lnRef>
+          <a:fillRef idx="1">
+            <a:schemeClr val="accent1"/>
+          </a:fillRef>
+          <a:effectRef idx="0">
+            <a:schemeClr val="accent1"/>
+          </a:effectRef>
+          <a:fontRef idx="minor">
+            <a:schemeClr val="lt1"/>
+          </a:fontRef>
+        </p:style>
+        <p:txBody>
+          <a:bodyPr rtlCol="0" anchor="ctr"/>
+          <a:lstStyle/>
+          <a:p>
+            <a:pPr algn="ctr"/>
+            <a:r>
+              <a:rPr lang="de-CH" dirty="0" err="1">
+                <a:solidFill>
+                  <a:schemeClr val="tx1"/>
+                </a:solidFill>
+                <a:latin typeface="Arial" panose="020B0604020202020204" pitchFamily="34" charset="0"/>
+                <a:cs typeface="Arial" panose="020B0604020202020204" pitchFamily="34" charset="0"/>
+              </a:rPr>
+              <a:t>UtilFiles</a:t>
+            </a:r>
+            <a:r>
+              <a:rPr lang="de-CH" dirty="0">
+                <a:solidFill>
+                  <a:schemeClr val="tx1"/>
+                </a:solidFill>
+                <a:latin typeface="Arial" panose="020B0604020202020204" pitchFamily="34" charset="0"/>
+                <a:cs typeface="Arial" panose="020B0604020202020204" pitchFamily="34" charset="0"/>
+              </a:rPr>
+              <a:t> </a:t>
+            </a:r>
+          </a:p>
+          <a:p>
+            <a:pPr algn="ctr"/>
+            <a:r>
+              <a:rPr lang="de-CH" sz="1200" dirty="0">
+                <a:solidFill>
+                  <a:schemeClr val="tx1"/>
+                </a:solidFill>
+                <a:latin typeface="Arial" panose="020B0604020202020204" pitchFamily="34" charset="0"/>
+                <a:cs typeface="Arial" panose="020B0604020202020204" pitchFamily="34" charset="0"/>
+              </a:rPr>
+              <a:t>File </a:t>
+            </a:r>
+            <a:r>
+              <a:rPr lang="de-CH" sz="1200" dirty="0" err="1">
+                <a:solidFill>
+                  <a:schemeClr val="tx1"/>
+                </a:solidFill>
+                <a:latin typeface="Arial" panose="020B0604020202020204" pitchFamily="34" charset="0"/>
+                <a:cs typeface="Arial" panose="020B0604020202020204" pitchFamily="34" charset="0"/>
+              </a:rPr>
+              <a:t>functions</a:t>
+            </a:r>
+            <a:r>
+              <a:rPr lang="de-CH" sz="1200" dirty="0">
+                <a:solidFill>
+                  <a:schemeClr val="tx1"/>
+                </a:solidFill>
+                <a:latin typeface="Arial" panose="020B0604020202020204" pitchFamily="34" charset="0"/>
+                <a:cs typeface="Arial" panose="020B0604020202020204" pitchFamily="34" charset="0"/>
+              </a:rPr>
+              <a:t> </a:t>
+            </a:r>
+            <a:r>
+              <a:rPr lang="de-CH" sz="1200" dirty="0" err="1">
+                <a:solidFill>
+                  <a:schemeClr val="tx1"/>
+                </a:solidFill>
+                <a:latin typeface="Arial" panose="020B0604020202020204" pitchFamily="34" charset="0"/>
+                <a:cs typeface="Arial" panose="020B0604020202020204" pitchFamily="34" charset="0"/>
+              </a:rPr>
+              <a:t>based</a:t>
+            </a:r>
+            <a:r>
+              <a:rPr lang="de-CH" sz="1200" dirty="0">
+                <a:solidFill>
+                  <a:schemeClr val="tx1"/>
+                </a:solidFill>
+                <a:latin typeface="Arial" panose="020B0604020202020204" pitchFamily="34" charset="0"/>
+                <a:cs typeface="Arial" panose="020B0604020202020204" pitchFamily="34" charset="0"/>
+              </a:rPr>
+              <a:t> on </a:t>
+            </a:r>
+            <a:r>
+              <a:rPr lang="de-CH" sz="1200" dirty="0" err="1">
+                <a:solidFill>
+                  <a:schemeClr val="tx1"/>
+                </a:solidFill>
+                <a:latin typeface="Arial" panose="020B0604020202020204" pitchFamily="34" charset="0"/>
+                <a:cs typeface="Arial" panose="020B0604020202020204" pitchFamily="34" charset="0"/>
+              </a:rPr>
+              <a:t>JQuery</a:t>
+            </a:r>
+            <a:r>
+              <a:rPr lang="de-CH" sz="1200" dirty="0">
+                <a:solidFill>
+                  <a:schemeClr val="tx1"/>
+                </a:solidFill>
+                <a:latin typeface="Arial" panose="020B0604020202020204" pitchFamily="34" charset="0"/>
+                <a:cs typeface="Arial" panose="020B0604020202020204" pitchFamily="34" charset="0"/>
+              </a:rPr>
+              <a:t>  $.</a:t>
+            </a:r>
+            <a:r>
+              <a:rPr lang="de-CH" sz="1200" dirty="0" err="1">
+                <a:solidFill>
+                  <a:schemeClr val="tx1"/>
+                </a:solidFill>
+                <a:latin typeface="Arial" panose="020B0604020202020204" pitchFamily="34" charset="0"/>
+                <a:cs typeface="Arial" panose="020B0604020202020204" pitchFamily="34" charset="0"/>
+              </a:rPr>
+              <a:t>post</a:t>
+            </a:r>
+            <a:r>
+              <a:rPr lang="de-CH" sz="1200" dirty="0">
+                <a:solidFill>
+                  <a:schemeClr val="tx1"/>
+                </a:solidFill>
+                <a:latin typeface="Arial" panose="020B0604020202020204" pitchFamily="34" charset="0"/>
+                <a:cs typeface="Arial" panose="020B0604020202020204" pitchFamily="34" charset="0"/>
+              </a:rPr>
+              <a:t>    </a:t>
+            </a:r>
+          </a:p>
+        </p:txBody>
+      </p:sp>
+      <p:sp>
+        <p:nvSpPr>
+          <p:cNvPr id="5" name="Rechteck 4">
+            <a:extLst>
+              <a:ext uri="{FF2B5EF4-FFF2-40B4-BE49-F238E27FC236}">
+                <a16:creationId xmlns:a16="http://schemas.microsoft.com/office/drawing/2014/main" id="{3BDCC460-4B85-EE8F-474A-DE43378E5403}"/>
+              </a:ext>
+            </a:extLst>
+          </p:cNvPr>
+          <p:cNvSpPr/>
+          <p:nvPr/>
+        </p:nvSpPr>
+        <p:spPr>
+          <a:xfrm>
+            <a:off x="3669929" y="1152295"/>
+            <a:ext cx="2966541" cy="883895"/>
+          </a:xfrm>
+          <a:prstGeom prst="rect">
+            <a:avLst/>
+          </a:prstGeom>
+          <a:noFill/>
+          <a:ln w="19050">
+            <a:solidFill>
+              <a:schemeClr val="tx1"/>
+            </a:solidFill>
+          </a:ln>
+        </p:spPr>
+        <p:style>
+          <a:lnRef idx="2">
+            <a:schemeClr val="accent1">
+              <a:shade val="50000"/>
+            </a:schemeClr>
+          </a:lnRef>
+          <a:fillRef idx="1">
+            <a:schemeClr val="accent1"/>
+          </a:fillRef>
+          <a:effectRef idx="0">
+            <a:schemeClr val="accent1"/>
+          </a:effectRef>
+          <a:fontRef idx="minor">
+            <a:schemeClr val="lt1"/>
+          </a:fontRef>
+        </p:style>
+        <p:txBody>
+          <a:bodyPr rtlCol="0" anchor="ctr"/>
+          <a:lstStyle/>
+          <a:p>
+            <a:endParaRPr lang="en-US" sz="1000" b="1" dirty="0">
+              <a:solidFill>
+                <a:schemeClr val="tx1"/>
+              </a:solidFill>
+              <a:latin typeface="Arial" panose="020B0604020202020204" pitchFamily="34" charset="0"/>
+              <a:cs typeface="Arial" panose="020B0604020202020204" pitchFamily="34" charset="0"/>
+            </a:endParaRPr>
+          </a:p>
+          <a:p>
+            <a:r>
+              <a:rPr lang="en-US" sz="1200" dirty="0">
+                <a:solidFill>
+                  <a:schemeClr val="tx1"/>
+                </a:solidFill>
+                <a:latin typeface="Arial" panose="020B0604020202020204" pitchFamily="34" charset="0"/>
+                <a:cs typeface="Arial" panose="020B0604020202020204" pitchFamily="34" charset="0"/>
+              </a:rPr>
+              <a:t>Member functions (static)</a:t>
+            </a:r>
+          </a:p>
+          <a:p>
+            <a:r>
+              <a:rPr lang="de-CH" sz="1000" b="1" dirty="0" err="1">
+                <a:solidFill>
+                  <a:schemeClr val="tx1"/>
+                </a:solidFill>
+                <a:latin typeface="Arial" panose="020B0604020202020204" pitchFamily="34" charset="0"/>
+                <a:cs typeface="Arial" panose="020B0604020202020204" pitchFamily="34" charset="0"/>
+              </a:rPr>
+              <a:t>dirFileAnyCase</a:t>
+            </a:r>
+            <a:r>
+              <a:rPr lang="de-CH" sz="1000" b="1" dirty="0">
+                <a:solidFill>
+                  <a:schemeClr val="tx1"/>
+                </a:solidFill>
+                <a:latin typeface="Arial" panose="020B0604020202020204" pitchFamily="34" charset="0"/>
+                <a:cs typeface="Arial" panose="020B0604020202020204" pitchFamily="34" charset="0"/>
+              </a:rPr>
+              <a:t>(</a:t>
+            </a:r>
+            <a:r>
+              <a:rPr lang="de-CH" sz="1000" b="1" dirty="0" err="1">
+                <a:solidFill>
+                  <a:schemeClr val="tx1"/>
+                </a:solidFill>
+                <a:latin typeface="Arial" panose="020B0604020202020204" pitchFamily="34" charset="0"/>
+                <a:cs typeface="Arial" panose="020B0604020202020204" pitchFamily="34" charset="0"/>
+              </a:rPr>
+              <a:t>object</a:t>
+            </a:r>
+            <a:r>
+              <a:rPr lang="de-CH" sz="1000" b="1" dirty="0">
+                <a:solidFill>
+                  <a:schemeClr val="tx1"/>
+                </a:solidFill>
+                <a:latin typeface="Arial" panose="020B0604020202020204" pitchFamily="34" charset="0"/>
+                <a:cs typeface="Arial" panose="020B0604020202020204" pitchFamily="34" charset="0"/>
+              </a:rPr>
+              <a:t> </a:t>
+            </a:r>
+            <a:r>
+              <a:rPr lang="de-CH" sz="1000" b="1" dirty="0" err="1">
+                <a:solidFill>
+                  <a:schemeClr val="tx1"/>
+                </a:solidFill>
+                <a:latin typeface="Arial" panose="020B0604020202020204" pitchFamily="34" charset="0"/>
+                <a:cs typeface="Arial" panose="020B0604020202020204" pitchFamily="34" charset="0"/>
+              </a:rPr>
+              <a:t>UtilFilesData</a:t>
+            </a:r>
+            <a:r>
+              <a:rPr lang="de-CH" sz="1000" b="1" dirty="0">
+                <a:solidFill>
+                  <a:schemeClr val="tx1"/>
+                </a:solidFill>
+                <a:latin typeface="Arial" panose="020B0604020202020204" pitchFamily="34" charset="0"/>
+                <a:cs typeface="Arial" panose="020B0604020202020204" pitchFamily="34" charset="0"/>
+              </a:rPr>
+              <a:t>)</a:t>
+            </a:r>
+          </a:p>
+          <a:p>
+            <a:endParaRPr lang="de-CH" sz="1000" b="1" dirty="0">
+              <a:solidFill>
+                <a:schemeClr val="tx1"/>
+              </a:solidFill>
+              <a:latin typeface="Arial" panose="020B0604020202020204" pitchFamily="34" charset="0"/>
+              <a:cs typeface="Arial" panose="020B0604020202020204" pitchFamily="34" charset="0"/>
+            </a:endParaRPr>
+          </a:p>
+        </p:txBody>
+      </p:sp>
+      <p:sp>
+        <p:nvSpPr>
+          <p:cNvPr id="12" name="Rechteck 11">
+            <a:extLst>
+              <a:ext uri="{FF2B5EF4-FFF2-40B4-BE49-F238E27FC236}">
+                <a16:creationId xmlns:a16="http://schemas.microsoft.com/office/drawing/2014/main" id="{C0928F50-9E43-22F6-160B-E9ED3C4A96F4}"/>
+              </a:ext>
+            </a:extLst>
+          </p:cNvPr>
+          <p:cNvSpPr/>
+          <p:nvPr/>
+        </p:nvSpPr>
+        <p:spPr>
+          <a:xfrm>
+            <a:off x="3769323" y="2718210"/>
+            <a:ext cx="2724345" cy="322107"/>
+          </a:xfrm>
+          <a:prstGeom prst="rect">
+            <a:avLst/>
+          </a:prstGeom>
+          <a:noFill/>
+          <a:ln w="19050">
+            <a:solidFill>
+              <a:schemeClr val="tx1"/>
+            </a:solidFill>
+          </a:ln>
+        </p:spPr>
+        <p:style>
+          <a:lnRef idx="2">
+            <a:schemeClr val="accent1">
+              <a:shade val="50000"/>
+            </a:schemeClr>
+          </a:lnRef>
+          <a:fillRef idx="1">
+            <a:schemeClr val="accent1"/>
+          </a:fillRef>
+          <a:effectRef idx="0">
+            <a:schemeClr val="accent1"/>
+          </a:effectRef>
+          <a:fontRef idx="minor">
+            <a:schemeClr val="lt1"/>
+          </a:fontRef>
+        </p:style>
+        <p:txBody>
+          <a:bodyPr rtlCol="0" anchor="ctr"/>
+          <a:lstStyle/>
+          <a:p>
+            <a:pPr algn="ctr"/>
+            <a:r>
+              <a:rPr lang="en-US" sz="900" b="1" dirty="0">
+                <a:solidFill>
+                  <a:schemeClr val="tx1"/>
+                </a:solidFill>
+                <a:latin typeface="Arial" panose="020B0604020202020204" pitchFamily="34" charset="0"/>
+                <a:cs typeface="Arial" panose="020B0604020202020204" pitchFamily="34" charset="0"/>
+              </a:rPr>
+              <a:t>Set PHP file name to </a:t>
+            </a:r>
+            <a:r>
+              <a:rPr lang="en-US" sz="900" b="1" dirty="0" err="1">
+                <a:solidFill>
+                  <a:schemeClr val="tx1"/>
+                </a:solidFill>
+                <a:latin typeface="Arial" panose="020B0604020202020204" pitchFamily="34" charset="0"/>
+                <a:cs typeface="Arial" panose="020B0604020202020204" pitchFamily="34" charset="0"/>
+              </a:rPr>
+              <a:t>UtilFiles.php</a:t>
+            </a:r>
+            <a:endParaRPr lang="en-US" sz="900" b="1" dirty="0">
+              <a:solidFill>
+                <a:schemeClr val="tx1"/>
+              </a:solidFill>
+              <a:latin typeface="Arial" panose="020B0604020202020204" pitchFamily="34" charset="0"/>
+              <a:cs typeface="Arial" panose="020B0604020202020204" pitchFamily="34" charset="0"/>
+            </a:endParaRPr>
+          </a:p>
+        </p:txBody>
+      </p:sp>
+      <p:sp>
+        <p:nvSpPr>
+          <p:cNvPr id="13" name="Rechteck 12">
+            <a:extLst>
+              <a:ext uri="{FF2B5EF4-FFF2-40B4-BE49-F238E27FC236}">
+                <a16:creationId xmlns:a16="http://schemas.microsoft.com/office/drawing/2014/main" id="{EEA65079-C7D1-2ECC-3E8A-1BF949DEBEDB}"/>
+              </a:ext>
+            </a:extLst>
+          </p:cNvPr>
+          <p:cNvSpPr/>
+          <p:nvPr/>
+        </p:nvSpPr>
+        <p:spPr>
+          <a:xfrm>
+            <a:off x="3789264" y="3314057"/>
+            <a:ext cx="2712430" cy="322107"/>
+          </a:xfrm>
+          <a:prstGeom prst="rect">
+            <a:avLst/>
+          </a:prstGeom>
+          <a:noFill/>
+          <a:ln w="19050">
+            <a:solidFill>
+              <a:schemeClr val="tx1"/>
+            </a:solidFill>
+          </a:ln>
+        </p:spPr>
+        <p:style>
+          <a:lnRef idx="2">
+            <a:schemeClr val="accent1">
+              <a:shade val="50000"/>
+            </a:schemeClr>
+          </a:lnRef>
+          <a:fillRef idx="1">
+            <a:schemeClr val="accent1"/>
+          </a:fillRef>
+          <a:effectRef idx="0">
+            <a:schemeClr val="accent1"/>
+          </a:effectRef>
+          <a:fontRef idx="minor">
+            <a:schemeClr val="lt1"/>
+          </a:fontRef>
+        </p:style>
+        <p:txBody>
+          <a:bodyPr rtlCol="0" anchor="ctr"/>
+          <a:lstStyle/>
+          <a:p>
+            <a:pPr algn="ctr"/>
+            <a:r>
+              <a:rPr lang="en-US" sz="900" b="1" dirty="0">
+                <a:solidFill>
+                  <a:schemeClr val="tx1"/>
+                </a:solidFill>
+                <a:latin typeface="Arial" panose="020B0604020202020204" pitchFamily="34" charset="0"/>
+                <a:cs typeface="Arial" panose="020B0604020202020204" pitchFamily="34" charset="0"/>
+              </a:rPr>
+              <a:t>Convert PHP directory to relative URL if needed </a:t>
+            </a:r>
+          </a:p>
+        </p:txBody>
+      </p:sp>
+      <p:sp>
+        <p:nvSpPr>
+          <p:cNvPr id="14" name="Rechteck 13">
+            <a:extLst>
+              <a:ext uri="{FF2B5EF4-FFF2-40B4-BE49-F238E27FC236}">
+                <a16:creationId xmlns:a16="http://schemas.microsoft.com/office/drawing/2014/main" id="{E9D37580-CDDE-0842-181F-22D5CE9E0594}"/>
+              </a:ext>
+            </a:extLst>
+          </p:cNvPr>
+          <p:cNvSpPr/>
+          <p:nvPr/>
+        </p:nvSpPr>
+        <p:spPr>
+          <a:xfrm>
+            <a:off x="3792918" y="3897569"/>
+            <a:ext cx="2724345" cy="499547"/>
+          </a:xfrm>
+          <a:prstGeom prst="rect">
+            <a:avLst/>
+          </a:prstGeom>
+          <a:noFill/>
+          <a:ln w="19050">
+            <a:solidFill>
+              <a:schemeClr val="tx1"/>
+            </a:solidFill>
+          </a:ln>
+        </p:spPr>
+        <p:style>
+          <a:lnRef idx="2">
+            <a:schemeClr val="accent1">
+              <a:shade val="50000"/>
+            </a:schemeClr>
+          </a:lnRef>
+          <a:fillRef idx="1">
+            <a:schemeClr val="accent1"/>
+          </a:fillRef>
+          <a:effectRef idx="0">
+            <a:schemeClr val="accent1"/>
+          </a:effectRef>
+          <a:fontRef idx="minor">
+            <a:schemeClr val="lt1"/>
+          </a:fontRef>
+        </p:style>
+        <p:txBody>
+          <a:bodyPr rtlCol="0" anchor="ctr"/>
+          <a:lstStyle/>
+          <a:p>
+            <a:pPr algn="ctr"/>
+            <a:r>
+              <a:rPr lang="en-US" sz="900" b="1" dirty="0">
+                <a:solidFill>
+                  <a:schemeClr val="tx1"/>
+                </a:solidFill>
+                <a:latin typeface="Arial" panose="020B0604020202020204" pitchFamily="34" charset="0"/>
+                <a:cs typeface="Arial" panose="020B0604020202020204" pitchFamily="34" charset="0"/>
+              </a:rPr>
+              <a:t>Call PHP function </a:t>
+            </a:r>
+            <a:r>
+              <a:rPr lang="en-US" sz="900" b="1" dirty="0" err="1">
+                <a:solidFill>
+                  <a:schemeClr val="tx1"/>
+                </a:solidFill>
+                <a:latin typeface="Arial" panose="020B0604020202020204" pitchFamily="34" charset="0"/>
+                <a:cs typeface="Arial" panose="020B0604020202020204" pitchFamily="34" charset="0"/>
+              </a:rPr>
+              <a:t>UtilFiles.php</a:t>
+            </a:r>
+            <a:r>
+              <a:rPr lang="en-US" sz="900" b="1" dirty="0">
+                <a:solidFill>
+                  <a:schemeClr val="tx1"/>
+                </a:solidFill>
+                <a:latin typeface="Arial" panose="020B0604020202020204" pitchFamily="34" charset="0"/>
+                <a:cs typeface="Arial" panose="020B0604020202020204" pitchFamily="34" charset="0"/>
+              </a:rPr>
+              <a:t> with all parameters defined in </a:t>
+            </a:r>
+            <a:r>
+              <a:rPr lang="en-US" sz="900" b="1" dirty="0" err="1">
+                <a:solidFill>
+                  <a:schemeClr val="tx1"/>
+                </a:solidFill>
+                <a:latin typeface="Arial" panose="020B0604020202020204" pitchFamily="34" charset="0"/>
+                <a:cs typeface="Arial" panose="020B0604020202020204" pitchFamily="34" charset="0"/>
+              </a:rPr>
+              <a:t>UtilFilesData</a:t>
+            </a:r>
+            <a:r>
+              <a:rPr lang="en-US" sz="900" b="1" dirty="0">
+                <a:solidFill>
+                  <a:schemeClr val="tx1"/>
+                </a:solidFill>
+                <a:latin typeface="Arial" panose="020B0604020202020204" pitchFamily="34" charset="0"/>
+                <a:cs typeface="Arial" panose="020B0604020202020204" pitchFamily="34" charset="0"/>
+              </a:rPr>
+              <a:t> </a:t>
+            </a:r>
+          </a:p>
+        </p:txBody>
+      </p:sp>
+      <p:cxnSp>
+        <p:nvCxnSpPr>
+          <p:cNvPr id="15" name="Gerader Verbinder 14">
+            <a:extLst>
+              <a:ext uri="{FF2B5EF4-FFF2-40B4-BE49-F238E27FC236}">
+                <a16:creationId xmlns:a16="http://schemas.microsoft.com/office/drawing/2014/main" id="{99D0AA3C-E75F-2FEC-E4A2-5BB13247D7B3}"/>
+              </a:ext>
+            </a:extLst>
+          </p:cNvPr>
+          <p:cNvCxnSpPr/>
+          <p:nvPr/>
+        </p:nvCxnSpPr>
+        <p:spPr>
+          <a:xfrm flipH="1">
+            <a:off x="5110780" y="3627745"/>
+            <a:ext cx="9427" cy="269824"/>
+          </a:xfrm>
+          <a:prstGeom prst="line">
+            <a:avLst/>
+          </a:prstGeom>
+          <a:ln w="19050">
+            <a:solidFill>
+              <a:schemeClr val="tx1"/>
+            </a:solidFill>
+          </a:ln>
+        </p:spPr>
+        <p:style>
+          <a:lnRef idx="1">
+            <a:schemeClr val="accent1"/>
+          </a:lnRef>
+          <a:fillRef idx="0">
+            <a:schemeClr val="accent1"/>
+          </a:fillRef>
+          <a:effectRef idx="0">
+            <a:schemeClr val="accent1"/>
+          </a:effectRef>
+          <a:fontRef idx="minor">
+            <a:schemeClr val="tx1"/>
+          </a:fontRef>
+        </p:style>
+      </p:cxnSp>
+      <p:cxnSp>
+        <p:nvCxnSpPr>
+          <p:cNvPr id="16" name="Gerader Verbinder 15">
+            <a:extLst>
+              <a:ext uri="{FF2B5EF4-FFF2-40B4-BE49-F238E27FC236}">
+                <a16:creationId xmlns:a16="http://schemas.microsoft.com/office/drawing/2014/main" id="{5CEE6908-4C76-713A-50B3-10BA8C8E76B9}"/>
+              </a:ext>
+            </a:extLst>
+          </p:cNvPr>
+          <p:cNvCxnSpPr/>
+          <p:nvPr/>
+        </p:nvCxnSpPr>
+        <p:spPr>
+          <a:xfrm flipH="1">
+            <a:off x="5120207" y="3026070"/>
+            <a:ext cx="9427" cy="269824"/>
+          </a:xfrm>
+          <a:prstGeom prst="line">
+            <a:avLst/>
+          </a:prstGeom>
+          <a:ln w="19050">
+            <a:solidFill>
+              <a:schemeClr val="tx1"/>
+            </a:solidFill>
+          </a:ln>
+        </p:spPr>
+        <p:style>
+          <a:lnRef idx="1">
+            <a:schemeClr val="accent1"/>
+          </a:lnRef>
+          <a:fillRef idx="0">
+            <a:schemeClr val="accent1"/>
+          </a:fillRef>
+          <a:effectRef idx="0">
+            <a:schemeClr val="accent1"/>
+          </a:effectRef>
+          <a:fontRef idx="minor">
+            <a:schemeClr val="tx1"/>
+          </a:fontRef>
+        </p:style>
+      </p:cxnSp>
+      <p:sp>
+        <p:nvSpPr>
+          <p:cNvPr id="19" name="Rechteck 18">
+            <a:extLst>
+              <a:ext uri="{FF2B5EF4-FFF2-40B4-BE49-F238E27FC236}">
+                <a16:creationId xmlns:a16="http://schemas.microsoft.com/office/drawing/2014/main" id="{FD928A78-B664-07FD-8995-07EE23372390}"/>
+              </a:ext>
+            </a:extLst>
+          </p:cNvPr>
+          <p:cNvSpPr/>
+          <p:nvPr/>
+        </p:nvSpPr>
+        <p:spPr>
+          <a:xfrm>
+            <a:off x="3789575" y="4637574"/>
+            <a:ext cx="2724345" cy="499547"/>
+          </a:xfrm>
+          <a:prstGeom prst="rect">
+            <a:avLst/>
+          </a:prstGeom>
+          <a:noFill/>
+          <a:ln w="19050">
+            <a:solidFill>
+              <a:schemeClr val="tx1"/>
+            </a:solidFill>
+          </a:ln>
+        </p:spPr>
+        <p:style>
+          <a:lnRef idx="2">
+            <a:schemeClr val="accent1">
+              <a:shade val="50000"/>
+            </a:schemeClr>
+          </a:lnRef>
+          <a:fillRef idx="1">
+            <a:schemeClr val="accent1"/>
+          </a:fillRef>
+          <a:effectRef idx="0">
+            <a:schemeClr val="accent1"/>
+          </a:effectRef>
+          <a:fontRef idx="minor">
+            <a:schemeClr val="lt1"/>
+          </a:fontRef>
+        </p:style>
+        <p:txBody>
+          <a:bodyPr rtlCol="0" anchor="ctr"/>
+          <a:lstStyle/>
+          <a:p>
+            <a:pPr algn="ctr"/>
+            <a:r>
+              <a:rPr lang="en-US" sz="900" b="1" dirty="0">
+                <a:solidFill>
+                  <a:schemeClr val="tx1"/>
+                </a:solidFill>
+                <a:latin typeface="Arial" panose="020B0604020202020204" pitchFamily="34" charset="0"/>
+                <a:cs typeface="Arial" panose="020B0604020202020204" pitchFamily="34" charset="0"/>
+              </a:rPr>
+              <a:t>Call </a:t>
+            </a:r>
+            <a:r>
+              <a:rPr lang="en-US" sz="900" b="1" dirty="0" err="1">
+                <a:solidFill>
+                  <a:schemeClr val="tx1"/>
+                </a:solidFill>
+                <a:latin typeface="Arial" panose="020B0604020202020204" pitchFamily="34" charset="0"/>
+                <a:cs typeface="Arial" panose="020B0604020202020204" pitchFamily="34" charset="0"/>
+              </a:rPr>
+              <a:t>UtilFilesData.handlePostResult</a:t>
+            </a:r>
+            <a:endParaRPr lang="en-US" sz="900" b="1" dirty="0">
+              <a:solidFill>
+                <a:schemeClr val="tx1"/>
+              </a:solidFill>
+              <a:latin typeface="Arial" panose="020B0604020202020204" pitchFamily="34" charset="0"/>
+              <a:cs typeface="Arial" panose="020B0604020202020204" pitchFamily="34" charset="0"/>
+            </a:endParaRPr>
+          </a:p>
+          <a:p>
+            <a:pPr algn="ctr"/>
+            <a:r>
+              <a:rPr lang="en-US" sz="900" b="1" dirty="0">
+                <a:solidFill>
+                  <a:schemeClr val="tx1"/>
+                </a:solidFill>
+                <a:latin typeface="Arial" panose="020B0604020202020204" pitchFamily="34" charset="0"/>
+                <a:cs typeface="Arial" panose="020B0604020202020204" pitchFamily="34" charset="0"/>
+              </a:rPr>
+              <a:t>This function determines which callback function to call</a:t>
+            </a:r>
+          </a:p>
+        </p:txBody>
+      </p:sp>
+      <p:cxnSp>
+        <p:nvCxnSpPr>
+          <p:cNvPr id="20" name="Gerader Verbinder 19">
+            <a:extLst>
+              <a:ext uri="{FF2B5EF4-FFF2-40B4-BE49-F238E27FC236}">
+                <a16:creationId xmlns:a16="http://schemas.microsoft.com/office/drawing/2014/main" id="{597E0880-C556-2C5C-FAE6-BD3096C561D1}"/>
+              </a:ext>
+            </a:extLst>
+          </p:cNvPr>
+          <p:cNvCxnSpPr/>
+          <p:nvPr/>
+        </p:nvCxnSpPr>
+        <p:spPr>
+          <a:xfrm flipH="1">
+            <a:off x="5107437" y="4367750"/>
+            <a:ext cx="9427" cy="269824"/>
+          </a:xfrm>
+          <a:prstGeom prst="line">
+            <a:avLst/>
+          </a:prstGeom>
+          <a:ln w="19050">
+            <a:solidFill>
+              <a:schemeClr val="tx1"/>
+            </a:solidFill>
+          </a:ln>
+        </p:spPr>
+        <p:style>
+          <a:lnRef idx="1">
+            <a:schemeClr val="accent1"/>
+          </a:lnRef>
+          <a:fillRef idx="0">
+            <a:schemeClr val="accent1"/>
+          </a:fillRef>
+          <a:effectRef idx="0">
+            <a:schemeClr val="accent1"/>
+          </a:effectRef>
+          <a:fontRef idx="minor">
+            <a:schemeClr val="tx1"/>
+          </a:fontRef>
+        </p:style>
+      </p:cxnSp>
+      <p:sp>
+        <p:nvSpPr>
+          <p:cNvPr id="21" name="Rechteck 20">
+            <a:extLst>
+              <a:ext uri="{FF2B5EF4-FFF2-40B4-BE49-F238E27FC236}">
+                <a16:creationId xmlns:a16="http://schemas.microsoft.com/office/drawing/2014/main" id="{B5CF12C9-EEFF-3698-21B7-3B690DF72EDE}"/>
+              </a:ext>
+            </a:extLst>
+          </p:cNvPr>
+          <p:cNvSpPr/>
+          <p:nvPr/>
+        </p:nvSpPr>
+        <p:spPr>
+          <a:xfrm>
+            <a:off x="3669928" y="2280746"/>
+            <a:ext cx="2966541" cy="3005957"/>
+          </a:xfrm>
+          <a:prstGeom prst="rect">
+            <a:avLst/>
+          </a:prstGeom>
+          <a:noFill/>
+          <a:ln w="19050">
+            <a:solidFill>
+              <a:schemeClr val="tx1"/>
+            </a:solidFill>
+            <a:prstDash val="dash"/>
+          </a:ln>
+        </p:spPr>
+        <p:style>
+          <a:lnRef idx="2">
+            <a:schemeClr val="accent1">
+              <a:shade val="50000"/>
+            </a:schemeClr>
+          </a:lnRef>
+          <a:fillRef idx="1">
+            <a:schemeClr val="accent1"/>
+          </a:fillRef>
+          <a:effectRef idx="0">
+            <a:schemeClr val="accent1"/>
+          </a:effectRef>
+          <a:fontRef idx="minor">
+            <a:schemeClr val="lt1"/>
+          </a:fontRef>
+        </p:style>
+        <p:txBody>
+          <a:bodyPr rtlCol="0" anchor="ctr"/>
+          <a:lstStyle/>
+          <a:p>
+            <a:r>
+              <a:rPr lang="de-CH" sz="1200" b="1" dirty="0" err="1">
+                <a:solidFill>
+                  <a:schemeClr val="tx1"/>
+                </a:solidFill>
+                <a:latin typeface="Arial" panose="020B0604020202020204" pitchFamily="34" charset="0"/>
+                <a:cs typeface="Arial" panose="020B0604020202020204" pitchFamily="34" charset="0"/>
+              </a:rPr>
+              <a:t>Function</a:t>
+            </a:r>
+            <a:r>
+              <a:rPr lang="de-CH" sz="1200" b="1" dirty="0">
+                <a:solidFill>
+                  <a:schemeClr val="tx1"/>
+                </a:solidFill>
+                <a:latin typeface="Arial" panose="020B0604020202020204" pitchFamily="34" charset="0"/>
+                <a:cs typeface="Arial" panose="020B0604020202020204" pitchFamily="34" charset="0"/>
+              </a:rPr>
+              <a:t> </a:t>
+            </a:r>
+            <a:r>
+              <a:rPr lang="de-CH" sz="1200" b="1" dirty="0" err="1">
+                <a:solidFill>
+                  <a:schemeClr val="tx1"/>
+                </a:solidFill>
+                <a:latin typeface="Arial" panose="020B0604020202020204" pitchFamily="34" charset="0"/>
+                <a:cs typeface="Arial" panose="020B0604020202020204" pitchFamily="34" charset="0"/>
+              </a:rPr>
+              <a:t>dirFileAnyCase</a:t>
+            </a:r>
+            <a:endParaRPr lang="de-CH" sz="1200" b="1" dirty="0">
+              <a:solidFill>
+                <a:schemeClr val="tx1"/>
+              </a:solidFill>
+              <a:latin typeface="Arial" panose="020B0604020202020204" pitchFamily="34" charset="0"/>
+              <a:cs typeface="Arial" panose="020B0604020202020204" pitchFamily="34" charset="0"/>
+            </a:endParaRPr>
+          </a:p>
+          <a:p>
+            <a:endParaRPr lang="de-CH" sz="1000" b="1" dirty="0">
+              <a:solidFill>
+                <a:schemeClr val="tx1"/>
+              </a:solidFill>
+              <a:latin typeface="Arial" panose="020B0604020202020204" pitchFamily="34" charset="0"/>
+              <a:cs typeface="Arial" panose="020B0604020202020204" pitchFamily="34" charset="0"/>
+            </a:endParaRPr>
+          </a:p>
+          <a:p>
+            <a:endParaRPr lang="de-CH" sz="1000" b="1" dirty="0">
+              <a:solidFill>
+                <a:schemeClr val="tx1"/>
+              </a:solidFill>
+              <a:latin typeface="Arial" panose="020B0604020202020204" pitchFamily="34" charset="0"/>
+              <a:cs typeface="Arial" panose="020B0604020202020204" pitchFamily="34" charset="0"/>
+            </a:endParaRPr>
+          </a:p>
+          <a:p>
+            <a:endParaRPr lang="de-CH" sz="1000" b="1" dirty="0">
+              <a:solidFill>
+                <a:schemeClr val="tx1"/>
+              </a:solidFill>
+              <a:latin typeface="Arial" panose="020B0604020202020204" pitchFamily="34" charset="0"/>
+              <a:cs typeface="Arial" panose="020B0604020202020204" pitchFamily="34" charset="0"/>
+            </a:endParaRPr>
+          </a:p>
+          <a:p>
+            <a:endParaRPr lang="de-CH" sz="1000" b="1" dirty="0">
+              <a:solidFill>
+                <a:schemeClr val="tx1"/>
+              </a:solidFill>
+              <a:latin typeface="Arial" panose="020B0604020202020204" pitchFamily="34" charset="0"/>
+              <a:cs typeface="Arial" panose="020B0604020202020204" pitchFamily="34" charset="0"/>
+            </a:endParaRPr>
+          </a:p>
+          <a:p>
+            <a:endParaRPr lang="de-CH" sz="1000" b="1" dirty="0">
+              <a:solidFill>
+                <a:schemeClr val="tx1"/>
+              </a:solidFill>
+              <a:latin typeface="Arial" panose="020B0604020202020204" pitchFamily="34" charset="0"/>
+              <a:cs typeface="Arial" panose="020B0604020202020204" pitchFamily="34" charset="0"/>
+            </a:endParaRPr>
+          </a:p>
+          <a:p>
+            <a:endParaRPr lang="de-CH" sz="1000" b="1" dirty="0">
+              <a:solidFill>
+                <a:schemeClr val="tx1"/>
+              </a:solidFill>
+              <a:latin typeface="Arial" panose="020B0604020202020204" pitchFamily="34" charset="0"/>
+              <a:cs typeface="Arial" panose="020B0604020202020204" pitchFamily="34" charset="0"/>
+            </a:endParaRPr>
+          </a:p>
+          <a:p>
+            <a:endParaRPr lang="de-CH" sz="1000" b="1" dirty="0">
+              <a:solidFill>
+                <a:schemeClr val="tx1"/>
+              </a:solidFill>
+              <a:latin typeface="Arial" panose="020B0604020202020204" pitchFamily="34" charset="0"/>
+              <a:cs typeface="Arial" panose="020B0604020202020204" pitchFamily="34" charset="0"/>
+            </a:endParaRPr>
+          </a:p>
+          <a:p>
+            <a:endParaRPr lang="de-CH" sz="1000" b="1" dirty="0">
+              <a:solidFill>
+                <a:schemeClr val="tx1"/>
+              </a:solidFill>
+              <a:latin typeface="Arial" panose="020B0604020202020204" pitchFamily="34" charset="0"/>
+              <a:cs typeface="Arial" panose="020B0604020202020204" pitchFamily="34" charset="0"/>
+            </a:endParaRPr>
+          </a:p>
+          <a:p>
+            <a:endParaRPr lang="de-CH" sz="1000" b="1" dirty="0">
+              <a:solidFill>
+                <a:schemeClr val="tx1"/>
+              </a:solidFill>
+              <a:latin typeface="Arial" panose="020B0604020202020204" pitchFamily="34" charset="0"/>
+              <a:cs typeface="Arial" panose="020B0604020202020204" pitchFamily="34" charset="0"/>
+            </a:endParaRPr>
+          </a:p>
+          <a:p>
+            <a:endParaRPr lang="de-CH" sz="1000" b="1" dirty="0">
+              <a:solidFill>
+                <a:schemeClr val="tx1"/>
+              </a:solidFill>
+              <a:latin typeface="Arial" panose="020B0604020202020204" pitchFamily="34" charset="0"/>
+              <a:cs typeface="Arial" panose="020B0604020202020204" pitchFamily="34" charset="0"/>
+            </a:endParaRPr>
+          </a:p>
+          <a:p>
+            <a:endParaRPr lang="de-CH" sz="1000" b="1" dirty="0">
+              <a:solidFill>
+                <a:schemeClr val="tx1"/>
+              </a:solidFill>
+              <a:latin typeface="Arial" panose="020B0604020202020204" pitchFamily="34" charset="0"/>
+              <a:cs typeface="Arial" panose="020B0604020202020204" pitchFamily="34" charset="0"/>
+            </a:endParaRPr>
+          </a:p>
+          <a:p>
+            <a:endParaRPr lang="de-CH" sz="1000" b="1" dirty="0">
+              <a:solidFill>
+                <a:schemeClr val="tx1"/>
+              </a:solidFill>
+              <a:latin typeface="Arial" panose="020B0604020202020204" pitchFamily="34" charset="0"/>
+              <a:cs typeface="Arial" panose="020B0604020202020204" pitchFamily="34" charset="0"/>
+            </a:endParaRPr>
+          </a:p>
+          <a:p>
+            <a:endParaRPr lang="de-CH" sz="1000" b="1" dirty="0">
+              <a:solidFill>
+                <a:schemeClr val="tx1"/>
+              </a:solidFill>
+              <a:latin typeface="Arial" panose="020B0604020202020204" pitchFamily="34" charset="0"/>
+              <a:cs typeface="Arial" panose="020B0604020202020204" pitchFamily="34" charset="0"/>
+            </a:endParaRPr>
+          </a:p>
+          <a:p>
+            <a:endParaRPr lang="de-CH" sz="1000" b="1" dirty="0">
+              <a:solidFill>
+                <a:schemeClr val="tx1"/>
+              </a:solidFill>
+              <a:latin typeface="Arial" panose="020B0604020202020204" pitchFamily="34" charset="0"/>
+              <a:cs typeface="Arial" panose="020B0604020202020204" pitchFamily="34" charset="0"/>
+            </a:endParaRPr>
+          </a:p>
+          <a:p>
+            <a:endParaRPr lang="de-CH" sz="1000" b="1" dirty="0">
+              <a:solidFill>
+                <a:schemeClr val="tx1"/>
+              </a:solidFill>
+              <a:latin typeface="Arial" panose="020B0604020202020204" pitchFamily="34" charset="0"/>
+              <a:cs typeface="Arial" panose="020B0604020202020204" pitchFamily="34" charset="0"/>
+            </a:endParaRPr>
+          </a:p>
+          <a:p>
+            <a:endParaRPr lang="de-CH" sz="1000" b="1" dirty="0">
+              <a:solidFill>
+                <a:schemeClr val="tx1"/>
+              </a:solidFill>
+              <a:latin typeface="Arial" panose="020B0604020202020204" pitchFamily="34" charset="0"/>
+              <a:cs typeface="Arial" panose="020B0604020202020204" pitchFamily="34" charset="0"/>
+            </a:endParaRPr>
+          </a:p>
+          <a:p>
+            <a:endParaRPr lang="de-CH" sz="1000" b="1" dirty="0">
+              <a:solidFill>
+                <a:schemeClr val="tx1"/>
+              </a:solidFill>
+              <a:latin typeface="Arial" panose="020B0604020202020204" pitchFamily="34" charset="0"/>
+              <a:cs typeface="Arial" panose="020B0604020202020204" pitchFamily="34" charset="0"/>
+            </a:endParaRPr>
+          </a:p>
+        </p:txBody>
+      </p:sp>
+      <p:sp>
+        <p:nvSpPr>
+          <p:cNvPr id="22" name="Rechteck 21">
+            <a:extLst>
+              <a:ext uri="{FF2B5EF4-FFF2-40B4-BE49-F238E27FC236}">
+                <a16:creationId xmlns:a16="http://schemas.microsoft.com/office/drawing/2014/main" id="{E4B8E656-F143-A868-A706-65B1BE8E2B2B}"/>
+              </a:ext>
+            </a:extLst>
+          </p:cNvPr>
+          <p:cNvSpPr/>
+          <p:nvPr/>
+        </p:nvSpPr>
+        <p:spPr>
+          <a:xfrm>
+            <a:off x="6881928" y="1707017"/>
+            <a:ext cx="2966541" cy="1672730"/>
+          </a:xfrm>
+          <a:prstGeom prst="rect">
+            <a:avLst/>
+          </a:prstGeom>
+          <a:noFill/>
+          <a:ln w="19050">
+            <a:solidFill>
+              <a:schemeClr val="tx1"/>
+            </a:solidFill>
+            <a:prstDash val="dash"/>
+          </a:ln>
+        </p:spPr>
+        <p:style>
+          <a:lnRef idx="2">
+            <a:schemeClr val="accent1">
+              <a:shade val="50000"/>
+            </a:schemeClr>
+          </a:lnRef>
+          <a:fillRef idx="1">
+            <a:schemeClr val="accent1"/>
+          </a:fillRef>
+          <a:effectRef idx="0">
+            <a:schemeClr val="accent1"/>
+          </a:effectRef>
+          <a:fontRef idx="minor">
+            <a:schemeClr val="lt1"/>
+          </a:fontRef>
+        </p:style>
+        <p:txBody>
+          <a:bodyPr rtlCol="0" anchor="ctr"/>
+          <a:lstStyle/>
+          <a:p>
+            <a:r>
+              <a:rPr lang="de-CH" sz="1200" b="1" dirty="0" err="1">
+                <a:solidFill>
+                  <a:schemeClr val="tx1"/>
+                </a:solidFill>
+                <a:latin typeface="Arial" panose="020B0604020202020204" pitchFamily="34" charset="0"/>
+                <a:cs typeface="Arial" panose="020B0604020202020204" pitchFamily="34" charset="0"/>
+              </a:rPr>
+              <a:t>Function</a:t>
+            </a:r>
+            <a:r>
+              <a:rPr lang="de-CH" sz="1200" b="1" dirty="0">
+                <a:solidFill>
+                  <a:schemeClr val="tx1"/>
+                </a:solidFill>
+                <a:latin typeface="Arial" panose="020B0604020202020204" pitchFamily="34" charset="0"/>
+                <a:cs typeface="Arial" panose="020B0604020202020204" pitchFamily="34" charset="0"/>
+              </a:rPr>
+              <a:t> </a:t>
+            </a:r>
+            <a:r>
+              <a:rPr lang="de-CH" sz="1200" b="1" dirty="0" err="1">
+                <a:solidFill>
+                  <a:schemeClr val="tx1"/>
+                </a:solidFill>
+                <a:latin typeface="Arial" panose="020B0604020202020204" pitchFamily="34" charset="0"/>
+                <a:cs typeface="Arial" panose="020B0604020202020204" pitchFamily="34" charset="0"/>
+              </a:rPr>
+              <a:t>UtilFiles.php</a:t>
+            </a:r>
+            <a:endParaRPr lang="de-CH" sz="1200" b="1" dirty="0">
+              <a:solidFill>
+                <a:schemeClr val="tx1"/>
+              </a:solidFill>
+              <a:latin typeface="Arial" panose="020B0604020202020204" pitchFamily="34" charset="0"/>
+              <a:cs typeface="Arial" panose="020B0604020202020204" pitchFamily="34" charset="0"/>
+            </a:endParaRPr>
+          </a:p>
+          <a:p>
+            <a:endParaRPr lang="de-CH" sz="1000" b="1" dirty="0">
+              <a:solidFill>
+                <a:schemeClr val="tx1"/>
+              </a:solidFill>
+              <a:latin typeface="Arial" panose="020B0604020202020204" pitchFamily="34" charset="0"/>
+              <a:cs typeface="Arial" panose="020B0604020202020204" pitchFamily="34" charset="0"/>
+            </a:endParaRPr>
+          </a:p>
+          <a:p>
+            <a:r>
+              <a:rPr lang="de-CH" sz="1000" b="1" dirty="0" err="1">
+                <a:solidFill>
+                  <a:schemeClr val="tx1"/>
+                </a:solidFill>
+                <a:latin typeface="Arial" panose="020B0604020202020204" pitchFamily="34" charset="0"/>
+                <a:cs typeface="Arial" panose="020B0604020202020204" pitchFamily="34" charset="0"/>
+              </a:rPr>
+              <a:t>dirExists</a:t>
+            </a:r>
+            <a:endParaRPr lang="de-CH" sz="1000" b="1" dirty="0">
+              <a:solidFill>
+                <a:schemeClr val="tx1"/>
+              </a:solidFill>
+              <a:latin typeface="Arial" panose="020B0604020202020204" pitchFamily="34" charset="0"/>
+              <a:cs typeface="Arial" panose="020B0604020202020204" pitchFamily="34" charset="0"/>
+            </a:endParaRPr>
+          </a:p>
+          <a:p>
+            <a:r>
+              <a:rPr lang="de-CH" sz="1000" b="1" dirty="0" err="1">
+                <a:solidFill>
+                  <a:schemeClr val="tx1"/>
+                </a:solidFill>
+                <a:latin typeface="Arial" panose="020B0604020202020204" pitchFamily="34" charset="0"/>
+                <a:cs typeface="Arial" panose="020B0604020202020204" pitchFamily="34" charset="0"/>
+              </a:rPr>
+              <a:t>fileExists</a:t>
+            </a:r>
+            <a:endParaRPr lang="de-CH" sz="1000" b="1" dirty="0">
+              <a:solidFill>
+                <a:schemeClr val="tx1"/>
+              </a:solidFill>
+              <a:latin typeface="Arial" panose="020B0604020202020204" pitchFamily="34" charset="0"/>
+              <a:cs typeface="Arial" panose="020B0604020202020204" pitchFamily="34" charset="0"/>
+            </a:endParaRPr>
+          </a:p>
+          <a:p>
+            <a:r>
+              <a:rPr lang="de-CH" sz="1000" b="1" dirty="0" err="1">
+                <a:solidFill>
+                  <a:schemeClr val="tx1"/>
+                </a:solidFill>
+                <a:latin typeface="Arial" panose="020B0604020202020204" pitchFamily="34" charset="0"/>
+                <a:cs typeface="Arial" panose="020B0604020202020204" pitchFamily="34" charset="0"/>
+              </a:rPr>
+              <a:t>createDir</a:t>
+            </a:r>
+            <a:endParaRPr lang="de-CH" sz="1000" b="1" dirty="0">
+              <a:solidFill>
+                <a:schemeClr val="tx1"/>
+              </a:solidFill>
+              <a:latin typeface="Arial" panose="020B0604020202020204" pitchFamily="34" charset="0"/>
+              <a:cs typeface="Arial" panose="020B0604020202020204" pitchFamily="34" charset="0"/>
+            </a:endParaRPr>
+          </a:p>
+          <a:p>
+            <a:r>
+              <a:rPr lang="de-CH" sz="1000" b="1" dirty="0" err="1">
+                <a:solidFill>
+                  <a:schemeClr val="tx1"/>
+                </a:solidFill>
+                <a:latin typeface="Arial" panose="020B0604020202020204" pitchFamily="34" charset="0"/>
+                <a:cs typeface="Arial" panose="020B0604020202020204" pitchFamily="34" charset="0"/>
+              </a:rPr>
+              <a:t>deleteDir</a:t>
+            </a:r>
+            <a:endParaRPr lang="de-CH" sz="1000" b="1" dirty="0">
+              <a:solidFill>
+                <a:schemeClr val="tx1"/>
+              </a:solidFill>
+              <a:latin typeface="Arial" panose="020B0604020202020204" pitchFamily="34" charset="0"/>
+              <a:cs typeface="Arial" panose="020B0604020202020204" pitchFamily="34" charset="0"/>
+            </a:endParaRPr>
+          </a:p>
+          <a:p>
+            <a:r>
+              <a:rPr lang="de-CH" sz="1000" b="1" dirty="0" err="1">
+                <a:solidFill>
+                  <a:schemeClr val="tx1"/>
+                </a:solidFill>
+                <a:latin typeface="Arial" panose="020B0604020202020204" pitchFamily="34" charset="0"/>
+                <a:cs typeface="Arial" panose="020B0604020202020204" pitchFamily="34" charset="0"/>
+              </a:rPr>
+              <a:t>deleteFile</a:t>
+            </a:r>
+            <a:endParaRPr lang="de-CH" sz="1000" b="1" dirty="0">
+              <a:solidFill>
+                <a:schemeClr val="tx1"/>
+              </a:solidFill>
+              <a:latin typeface="Arial" panose="020B0604020202020204" pitchFamily="34" charset="0"/>
+              <a:cs typeface="Arial" panose="020B0604020202020204" pitchFamily="34" charset="0"/>
+            </a:endParaRPr>
+          </a:p>
+          <a:p>
+            <a:r>
+              <a:rPr lang="de-CH" sz="1000" b="1" dirty="0" err="1">
+                <a:solidFill>
+                  <a:schemeClr val="tx1"/>
+                </a:solidFill>
+                <a:latin typeface="Arial" panose="020B0604020202020204" pitchFamily="34" charset="0"/>
+                <a:cs typeface="Arial" panose="020B0604020202020204" pitchFamily="34" charset="0"/>
+              </a:rPr>
+              <a:t>createFile</a:t>
+            </a:r>
+            <a:endParaRPr lang="de-CH" sz="1000" b="1" dirty="0">
+              <a:solidFill>
+                <a:schemeClr val="tx1"/>
+              </a:solidFill>
+              <a:latin typeface="Arial" panose="020B0604020202020204" pitchFamily="34" charset="0"/>
+              <a:cs typeface="Arial" panose="020B0604020202020204" pitchFamily="34" charset="0"/>
+            </a:endParaRPr>
+          </a:p>
+        </p:txBody>
+      </p:sp>
+      <p:sp>
+        <p:nvSpPr>
+          <p:cNvPr id="23" name="Rechteck 22">
+            <a:extLst>
+              <a:ext uri="{FF2B5EF4-FFF2-40B4-BE49-F238E27FC236}">
+                <a16:creationId xmlns:a16="http://schemas.microsoft.com/office/drawing/2014/main" id="{C0AECD91-CD20-3CC6-2099-FBF3F5CB13CA}"/>
+              </a:ext>
+            </a:extLst>
+          </p:cNvPr>
+          <p:cNvSpPr/>
+          <p:nvPr/>
+        </p:nvSpPr>
+        <p:spPr>
+          <a:xfrm>
+            <a:off x="6881931" y="575478"/>
+            <a:ext cx="2966541" cy="570469"/>
+          </a:xfrm>
+          <a:prstGeom prst="rect">
+            <a:avLst/>
+          </a:prstGeom>
+          <a:noFill/>
+          <a:ln w="19050">
+            <a:solidFill>
+              <a:schemeClr val="tx1"/>
+            </a:solidFill>
+          </a:ln>
+        </p:spPr>
+        <p:style>
+          <a:lnRef idx="2">
+            <a:schemeClr val="accent1">
+              <a:shade val="50000"/>
+            </a:schemeClr>
+          </a:lnRef>
+          <a:fillRef idx="1">
+            <a:schemeClr val="accent1"/>
+          </a:fillRef>
+          <a:effectRef idx="0">
+            <a:schemeClr val="accent1"/>
+          </a:effectRef>
+          <a:fontRef idx="minor">
+            <a:schemeClr val="lt1"/>
+          </a:fontRef>
+        </p:style>
+        <p:txBody>
+          <a:bodyPr rtlCol="0" anchor="ctr"/>
+          <a:lstStyle/>
+          <a:p>
+            <a:pPr algn="ctr"/>
+            <a:r>
+              <a:rPr lang="de-CH" dirty="0" err="1">
+                <a:solidFill>
+                  <a:schemeClr val="tx1"/>
+                </a:solidFill>
+                <a:latin typeface="Arial" panose="020B0604020202020204" pitchFamily="34" charset="0"/>
+                <a:cs typeface="Arial" panose="020B0604020202020204" pitchFamily="34" charset="0"/>
+              </a:rPr>
+              <a:t>UtilFiles.php</a:t>
+            </a:r>
+            <a:r>
+              <a:rPr lang="de-CH" dirty="0">
+                <a:solidFill>
+                  <a:schemeClr val="tx1"/>
+                </a:solidFill>
+                <a:latin typeface="Arial" panose="020B0604020202020204" pitchFamily="34" charset="0"/>
+                <a:cs typeface="Arial" panose="020B0604020202020204" pitchFamily="34" charset="0"/>
+              </a:rPr>
+              <a:t> </a:t>
+            </a:r>
+          </a:p>
+          <a:p>
+            <a:pPr algn="ctr"/>
+            <a:r>
+              <a:rPr lang="de-CH" sz="1200" dirty="0">
+                <a:solidFill>
+                  <a:schemeClr val="tx1"/>
+                </a:solidFill>
+                <a:latin typeface="Arial" panose="020B0604020202020204" pitchFamily="34" charset="0"/>
+                <a:cs typeface="Arial" panose="020B0604020202020204" pitchFamily="34" charset="0"/>
+              </a:rPr>
+              <a:t>File </a:t>
+            </a:r>
+            <a:r>
+              <a:rPr lang="de-CH" sz="1200" dirty="0" err="1">
+                <a:solidFill>
+                  <a:schemeClr val="tx1"/>
+                </a:solidFill>
+                <a:latin typeface="Arial" panose="020B0604020202020204" pitchFamily="34" charset="0"/>
+                <a:cs typeface="Arial" panose="020B0604020202020204" pitchFamily="34" charset="0"/>
+              </a:rPr>
+              <a:t>functions</a:t>
+            </a:r>
+            <a:endParaRPr lang="de-CH" sz="1200" dirty="0">
+              <a:solidFill>
+                <a:schemeClr val="tx1"/>
+              </a:solidFill>
+              <a:latin typeface="Arial" panose="020B0604020202020204" pitchFamily="34" charset="0"/>
+              <a:cs typeface="Arial" panose="020B0604020202020204" pitchFamily="34" charset="0"/>
+            </a:endParaRPr>
+          </a:p>
+        </p:txBody>
+      </p:sp>
+      <p:sp>
+        <p:nvSpPr>
+          <p:cNvPr id="24" name="Rechteck 23">
+            <a:extLst>
+              <a:ext uri="{FF2B5EF4-FFF2-40B4-BE49-F238E27FC236}">
+                <a16:creationId xmlns:a16="http://schemas.microsoft.com/office/drawing/2014/main" id="{B99C907A-8144-AA0B-5B80-16CB73DF9999}"/>
+              </a:ext>
+            </a:extLst>
+          </p:cNvPr>
+          <p:cNvSpPr/>
+          <p:nvPr/>
+        </p:nvSpPr>
+        <p:spPr>
+          <a:xfrm>
+            <a:off x="6881928" y="1136548"/>
+            <a:ext cx="2966541" cy="570469"/>
+          </a:xfrm>
+          <a:prstGeom prst="rect">
+            <a:avLst/>
+          </a:prstGeom>
+          <a:noFill/>
+          <a:ln w="19050">
+            <a:solidFill>
+              <a:schemeClr val="tx1"/>
+            </a:solidFill>
+            <a:prstDash val="dash"/>
+          </a:ln>
+        </p:spPr>
+        <p:style>
+          <a:lnRef idx="2">
+            <a:schemeClr val="accent1">
+              <a:shade val="50000"/>
+            </a:schemeClr>
+          </a:lnRef>
+          <a:fillRef idx="1">
+            <a:schemeClr val="accent1"/>
+          </a:fillRef>
+          <a:effectRef idx="0">
+            <a:schemeClr val="accent1"/>
+          </a:effectRef>
+          <a:fontRef idx="minor">
+            <a:schemeClr val="lt1"/>
+          </a:fontRef>
+        </p:style>
+        <p:txBody>
+          <a:bodyPr rtlCol="0" anchor="ctr"/>
+          <a:lstStyle/>
+          <a:p>
+            <a:endParaRPr lang="en-US" sz="1000" b="1" dirty="0">
+              <a:solidFill>
+                <a:schemeClr val="tx1"/>
+              </a:solidFill>
+              <a:latin typeface="Arial" panose="020B0604020202020204" pitchFamily="34" charset="0"/>
+              <a:cs typeface="Arial" panose="020B0604020202020204" pitchFamily="34" charset="0"/>
+            </a:endParaRPr>
+          </a:p>
+          <a:p>
+            <a:r>
+              <a:rPr lang="de-CH" sz="1000" b="1" dirty="0">
+                <a:solidFill>
+                  <a:schemeClr val="tx1"/>
+                </a:solidFill>
+                <a:latin typeface="Arial" panose="020B0604020202020204" pitchFamily="34" charset="0"/>
+                <a:cs typeface="Arial" panose="020B0604020202020204" pitchFamily="34" charset="0"/>
+              </a:rPr>
+              <a:t>Switch </a:t>
+            </a:r>
+            <a:r>
+              <a:rPr lang="de-CH" sz="1000" b="1" dirty="0" err="1">
+                <a:solidFill>
+                  <a:schemeClr val="tx1"/>
+                </a:solidFill>
+                <a:latin typeface="Arial" panose="020B0604020202020204" pitchFamily="34" charset="0"/>
+                <a:cs typeface="Arial" panose="020B0604020202020204" pitchFamily="34" charset="0"/>
+              </a:rPr>
+              <a:t>to</a:t>
+            </a:r>
+            <a:r>
+              <a:rPr lang="de-CH" sz="1000" b="1" dirty="0">
+                <a:solidFill>
+                  <a:schemeClr val="tx1"/>
+                </a:solidFill>
+                <a:latin typeface="Arial" panose="020B0604020202020204" pitchFamily="34" charset="0"/>
+                <a:cs typeface="Arial" panose="020B0604020202020204" pitchFamily="34" charset="0"/>
+              </a:rPr>
+              <a:t> </a:t>
+            </a:r>
+            <a:r>
+              <a:rPr lang="de-CH" sz="1000" b="1" dirty="0" err="1">
+                <a:solidFill>
+                  <a:schemeClr val="tx1"/>
+                </a:solidFill>
+                <a:latin typeface="Arial" panose="020B0604020202020204" pitchFamily="34" charset="0"/>
+                <a:cs typeface="Arial" panose="020B0604020202020204" pitchFamily="34" charset="0"/>
+              </a:rPr>
+              <a:t>the</a:t>
+            </a:r>
+            <a:r>
+              <a:rPr lang="de-CH" sz="1000" b="1" dirty="0">
+                <a:solidFill>
+                  <a:schemeClr val="tx1"/>
+                </a:solidFill>
+                <a:latin typeface="Arial" panose="020B0604020202020204" pitchFamily="34" charset="0"/>
+                <a:cs typeface="Arial" panose="020B0604020202020204" pitchFamily="34" charset="0"/>
+              </a:rPr>
+              <a:t> </a:t>
+            </a:r>
+            <a:r>
+              <a:rPr lang="de-CH" sz="1000" b="1" dirty="0" err="1">
+                <a:solidFill>
+                  <a:schemeClr val="tx1"/>
+                </a:solidFill>
+                <a:latin typeface="Arial" panose="020B0604020202020204" pitchFamily="34" charset="0"/>
+                <a:cs typeface="Arial" panose="020B0604020202020204" pitchFamily="34" charset="0"/>
+              </a:rPr>
+              <a:t>required</a:t>
+            </a:r>
+            <a:r>
+              <a:rPr lang="de-CH" sz="1000" b="1" dirty="0">
+                <a:solidFill>
+                  <a:schemeClr val="tx1"/>
+                </a:solidFill>
+                <a:latin typeface="Arial" panose="020B0604020202020204" pitchFamily="34" charset="0"/>
+                <a:cs typeface="Arial" panose="020B0604020202020204" pitchFamily="34" charset="0"/>
+              </a:rPr>
+              <a:t> </a:t>
+            </a:r>
+            <a:r>
+              <a:rPr lang="de-CH" sz="1000" b="1" dirty="0" err="1">
+                <a:solidFill>
+                  <a:schemeClr val="tx1"/>
+                </a:solidFill>
+                <a:latin typeface="Arial" panose="020B0604020202020204" pitchFamily="34" charset="0"/>
+                <a:cs typeface="Arial" panose="020B0604020202020204" pitchFamily="34" charset="0"/>
+              </a:rPr>
+              <a:t>execution</a:t>
+            </a:r>
+            <a:r>
+              <a:rPr lang="de-CH" sz="1000" b="1" dirty="0">
+                <a:solidFill>
+                  <a:schemeClr val="tx1"/>
+                </a:solidFill>
+                <a:latin typeface="Arial" panose="020B0604020202020204" pitchFamily="34" charset="0"/>
+                <a:cs typeface="Arial" panose="020B0604020202020204" pitchFamily="34" charset="0"/>
+              </a:rPr>
+              <a:t> </a:t>
+            </a:r>
+            <a:r>
+              <a:rPr lang="de-CH" sz="1000" b="1" dirty="0" err="1">
+                <a:solidFill>
+                  <a:schemeClr val="tx1"/>
+                </a:solidFill>
+                <a:latin typeface="Arial" panose="020B0604020202020204" pitchFamily="34" charset="0"/>
+                <a:cs typeface="Arial" panose="020B0604020202020204" pitchFamily="34" charset="0"/>
+              </a:rPr>
+              <a:t>function</a:t>
+            </a:r>
+            <a:endParaRPr lang="de-CH" sz="1000" b="1" dirty="0">
+              <a:solidFill>
+                <a:schemeClr val="tx1"/>
+              </a:solidFill>
+              <a:latin typeface="Arial" panose="020B0604020202020204" pitchFamily="34" charset="0"/>
+              <a:cs typeface="Arial" panose="020B0604020202020204" pitchFamily="34" charset="0"/>
+            </a:endParaRPr>
+          </a:p>
+        </p:txBody>
+      </p:sp>
+    </p:spTree>
+    <p:extLst>
+      <p:ext uri="{BB962C8B-B14F-4D97-AF65-F5344CB8AC3E}">
+        <p14:creationId xmlns:p14="http://schemas.microsoft.com/office/powerpoint/2010/main" val="2431712540"/>
+      </p:ext>
+    </p:extLst>
+  </p:cSld>
+  <p:clrMapOvr>
+    <a:masterClrMapping/>
+  </p:clrMapOvr>
+</p:sld>
+</file>
+
+<file path=ppt/slides/slide21.xml><?xml version="1.0" encoding="utf-8"?>
+<p:sld xmlns:a="http://schemas.openxmlformats.org/drawingml/2006/main" xmlns:r="http://schemas.openxmlformats.org/officeDocument/2006/relationships" xmlns:p="http://schemas.openxmlformats.org/presentationml/2006/main">
+  <p:cSld>
+    <p:spTree>
+      <p:nvGrpSpPr>
+        <p:cNvPr id="1" name=""/>
+        <p:cNvGrpSpPr/>
+        <p:nvPr/>
+      </p:nvGrpSpPr>
+      <p:grpSpPr>
+        <a:xfrm>
+          <a:off x="0" y="0"/>
+          <a:ext cx="0" cy="0"/>
+          <a:chOff x="0" y="0"/>
+          <a:chExt cx="0" cy="0"/>
+        </a:xfrm>
+      </p:grpSpPr>
+    </p:spTree>
+    <p:extLst>
+      <p:ext uri="{BB962C8B-B14F-4D97-AF65-F5344CB8AC3E}">
+        <p14:creationId xmlns:p14="http://schemas.microsoft.com/office/powerpoint/2010/main" val="833590008"/>
+      </p:ext>
+    </p:extLst>
+  </p:cSld>
+  <p:clrMapOvr>
+    <a:masterClrMapping/>
+  </p:clrMapOvr>
+</p:sld>
+</file>
+
+<file path=ppt/slides/slide22.xml><?xml version="1.0" encoding="utf-8"?>
 <p:sld xmlns:a="http://schemas.openxmlformats.org/drawingml/2006/main" xmlns:r="http://schemas.openxmlformats.org/officeDocument/2006/relationships" xmlns:p="http://schemas.openxmlformats.org/presentationml/2006/main">
   <p:cSld>
     <p:spTree>

--- a/Description/ReservationLayout.pptx
+++ b/Description/ReservationLayout.pptx
@@ -287,7 +287,7 @@
           <a:p>
             <a:fld id="{DDCE6D58-9B57-4731-A47B-3CD41B48F0A9}" type="datetimeFigureOut">
               <a:rPr lang="de-CH" smtClean="0"/>
-              <a:t>07.01.2025</a:t>
+              <a:t>10.01.2025</a:t>
             </a:fld>
             <a:endParaRPr lang="de-CH"/>
           </a:p>
@@ -457,7 +457,7 @@
           <a:p>
             <a:fld id="{DDCE6D58-9B57-4731-A47B-3CD41B48F0A9}" type="datetimeFigureOut">
               <a:rPr lang="de-CH" smtClean="0"/>
-              <a:t>07.01.2025</a:t>
+              <a:t>10.01.2025</a:t>
             </a:fld>
             <a:endParaRPr lang="de-CH"/>
           </a:p>
@@ -637,7 +637,7 @@
           <a:p>
             <a:fld id="{DDCE6D58-9B57-4731-A47B-3CD41B48F0A9}" type="datetimeFigureOut">
               <a:rPr lang="de-CH" smtClean="0"/>
-              <a:t>07.01.2025</a:t>
+              <a:t>10.01.2025</a:t>
             </a:fld>
             <a:endParaRPr lang="de-CH"/>
           </a:p>
@@ -807,7 +807,7 @@
           <a:p>
             <a:fld id="{DDCE6D58-9B57-4731-A47B-3CD41B48F0A9}" type="datetimeFigureOut">
               <a:rPr lang="de-CH" smtClean="0"/>
-              <a:t>07.01.2025</a:t>
+              <a:t>10.01.2025</a:t>
             </a:fld>
             <a:endParaRPr lang="de-CH"/>
           </a:p>
@@ -1053,7 +1053,7 @@
           <a:p>
             <a:fld id="{DDCE6D58-9B57-4731-A47B-3CD41B48F0A9}" type="datetimeFigureOut">
               <a:rPr lang="de-CH" smtClean="0"/>
-              <a:t>07.01.2025</a:t>
+              <a:t>10.01.2025</a:t>
             </a:fld>
             <a:endParaRPr lang="de-CH"/>
           </a:p>
@@ -1285,7 +1285,7 @@
           <a:p>
             <a:fld id="{DDCE6D58-9B57-4731-A47B-3CD41B48F0A9}" type="datetimeFigureOut">
               <a:rPr lang="de-CH" smtClean="0"/>
-              <a:t>07.01.2025</a:t>
+              <a:t>10.01.2025</a:t>
             </a:fld>
             <a:endParaRPr lang="de-CH"/>
           </a:p>
@@ -1652,7 +1652,7 @@
           <a:p>
             <a:fld id="{DDCE6D58-9B57-4731-A47B-3CD41B48F0A9}" type="datetimeFigureOut">
               <a:rPr lang="de-CH" smtClean="0"/>
-              <a:t>07.01.2025</a:t>
+              <a:t>10.01.2025</a:t>
             </a:fld>
             <a:endParaRPr lang="de-CH"/>
           </a:p>
@@ -1770,7 +1770,7 @@
           <a:p>
             <a:fld id="{DDCE6D58-9B57-4731-A47B-3CD41B48F0A9}" type="datetimeFigureOut">
               <a:rPr lang="de-CH" smtClean="0"/>
-              <a:t>07.01.2025</a:t>
+              <a:t>10.01.2025</a:t>
             </a:fld>
             <a:endParaRPr lang="de-CH"/>
           </a:p>
@@ -1865,7 +1865,7 @@
           <a:p>
             <a:fld id="{DDCE6D58-9B57-4731-A47B-3CD41B48F0A9}" type="datetimeFigureOut">
               <a:rPr lang="de-CH" smtClean="0"/>
-              <a:t>07.01.2025</a:t>
+              <a:t>10.01.2025</a:t>
             </a:fld>
             <a:endParaRPr lang="de-CH"/>
           </a:p>
@@ -2142,7 +2142,7 @@
           <a:p>
             <a:fld id="{DDCE6D58-9B57-4731-A47B-3CD41B48F0A9}" type="datetimeFigureOut">
               <a:rPr lang="de-CH" smtClean="0"/>
-              <a:t>07.01.2025</a:t>
+              <a:t>10.01.2025</a:t>
             </a:fld>
             <a:endParaRPr lang="de-CH"/>
           </a:p>
@@ -2395,7 +2395,7 @@
           <a:p>
             <a:fld id="{DDCE6D58-9B57-4731-A47B-3CD41B48F0A9}" type="datetimeFigureOut">
               <a:rPr lang="de-CH" smtClean="0"/>
-              <a:t>07.01.2025</a:t>
+              <a:t>10.01.2025</a:t>
             </a:fld>
             <a:endParaRPr lang="de-CH"/>
           </a:p>
@@ -2608,7 +2608,7 @@
           <a:p>
             <a:fld id="{DDCE6D58-9B57-4731-A47B-3CD41B48F0A9}" type="datetimeFigureOut">
               <a:rPr lang="de-CH" smtClean="0"/>
-              <a:t>07.01.2025</a:t>
+              <a:t>10.01.2025</a:t>
             </a:fld>
             <a:endParaRPr lang="de-CH"/>
           </a:p>
@@ -23647,7 +23647,7 @@
         <p:spPr>
           <a:xfrm>
             <a:off x="436535" y="1142868"/>
-            <a:ext cx="2966541" cy="4942134"/>
+            <a:ext cx="2966541" cy="5133334"/>
           </a:xfrm>
           <a:prstGeom prst="rect">
             <a:avLst/>
@@ -23737,6 +23737,47 @@
                 <a:latin typeface="Arial" panose="020B0604020202020204" pitchFamily="34" charset="0"/>
                 <a:cs typeface="Arial" panose="020B0604020202020204" pitchFamily="34" charset="0"/>
               </a:rPr>
+              <a:t>m_callback_function_array</a:t>
+            </a:r>
+            <a:r>
+              <a:rPr lang="en-US" sz="1000" b="1" dirty="0">
+                <a:solidFill>
+                  <a:schemeClr val="tx1"/>
+                </a:solidFill>
+                <a:latin typeface="Arial" panose="020B0604020202020204" pitchFamily="34" charset="0"/>
+                <a:cs typeface="Arial" panose="020B0604020202020204" pitchFamily="34" charset="0"/>
+              </a:rPr>
+              <a:t> </a:t>
+            </a:r>
+          </a:p>
+          <a:p>
+            <a:r>
+              <a:rPr lang="en-US" sz="1000" b="1" dirty="0" err="1">
+                <a:solidFill>
+                  <a:schemeClr val="tx1"/>
+                </a:solidFill>
+                <a:latin typeface="Arial" panose="020B0604020202020204" pitchFamily="34" charset="0"/>
+                <a:cs typeface="Arial" panose="020B0604020202020204" pitchFamily="34" charset="0"/>
+              </a:rPr>
+              <a:t>m_callback_function_array_index</a:t>
+            </a:r>
+            <a:endParaRPr lang="en-US" sz="1000" b="1" dirty="0">
+              <a:solidFill>
+                <a:schemeClr val="tx1"/>
+              </a:solidFill>
+              <a:latin typeface="Arial" panose="020B0604020202020204" pitchFamily="34" charset="0"/>
+              <a:cs typeface="Arial" panose="020B0604020202020204" pitchFamily="34" charset="0"/>
+            </a:endParaRPr>
+          </a:p>
+          <a:p>
+            <a:r>
+              <a:rPr lang="en-US" sz="1000" b="1" dirty="0" err="1">
+                <a:solidFill>
+                  <a:schemeClr val="tx1"/>
+                </a:solidFill>
+                <a:latin typeface="Arial" panose="020B0604020202020204" pitchFamily="34" charset="0"/>
+                <a:cs typeface="Arial" panose="020B0604020202020204" pitchFamily="34" charset="0"/>
+              </a:rPr>
               <a:t>m_error_callback_function_name</a:t>
             </a:r>
             <a:endParaRPr lang="en-US" sz="1000" b="1" dirty="0">
@@ -24184,18 +24225,6 @@
               <a:latin typeface="Arial" panose="020B0604020202020204" pitchFamily="34" charset="0"/>
               <a:cs typeface="Arial" panose="020B0604020202020204" pitchFamily="34" charset="0"/>
             </a:endParaRPr>
-          </a:p>
-          <a:p>
-            <a:r>
-              <a:rPr lang="de-CH" sz="1000" b="1" dirty="0">
-                <a:solidFill>
-                  <a:schemeClr val="tx1"/>
-                </a:solidFill>
-                <a:latin typeface="Arial" panose="020B0604020202020204" pitchFamily="34" charset="0"/>
-                <a:cs typeface="Arial" panose="020B0604020202020204" pitchFamily="34" charset="0"/>
-              </a:rPr>
-              <a:t>.</a:t>
-            </a:r>
           </a:p>
           <a:p>
             <a:r>

--- a/Description/ReservationLayout.pptx
+++ b/Description/ReservationLayout.pptx
@@ -24,9 +24,8 @@
     <p:sldId id="292" r:id="rId18"/>
     <p:sldId id="265" r:id="rId19"/>
     <p:sldId id="299" r:id="rId20"/>
-    <p:sldId id="300" r:id="rId21"/>
-    <p:sldId id="291" r:id="rId22"/>
-    <p:sldId id="266" r:id="rId23"/>
+    <p:sldId id="291" r:id="rId21"/>
+    <p:sldId id="266" r:id="rId22"/>
   </p:sldIdLst>
   <p:sldSz cx="12192000" cy="6858000"/>
   <p:notesSz cx="6721475" cy="9866313"/>
@@ -287,7 +286,7 @@
           <a:p>
             <a:fld id="{DDCE6D58-9B57-4731-A47B-3CD41B48F0A9}" type="datetimeFigureOut">
               <a:rPr lang="de-CH" smtClean="0"/>
-              <a:t>10.01.2025</a:t>
+              <a:t>14.01.2025</a:t>
             </a:fld>
             <a:endParaRPr lang="de-CH"/>
           </a:p>
@@ -457,7 +456,7 @@
           <a:p>
             <a:fld id="{DDCE6D58-9B57-4731-A47B-3CD41B48F0A9}" type="datetimeFigureOut">
               <a:rPr lang="de-CH" smtClean="0"/>
-              <a:t>10.01.2025</a:t>
+              <a:t>14.01.2025</a:t>
             </a:fld>
             <a:endParaRPr lang="de-CH"/>
           </a:p>
@@ -637,7 +636,7 @@
           <a:p>
             <a:fld id="{DDCE6D58-9B57-4731-A47B-3CD41B48F0A9}" type="datetimeFigureOut">
               <a:rPr lang="de-CH" smtClean="0"/>
-              <a:t>10.01.2025</a:t>
+              <a:t>14.01.2025</a:t>
             </a:fld>
             <a:endParaRPr lang="de-CH"/>
           </a:p>
@@ -807,7 +806,7 @@
           <a:p>
             <a:fld id="{DDCE6D58-9B57-4731-A47B-3CD41B48F0A9}" type="datetimeFigureOut">
               <a:rPr lang="de-CH" smtClean="0"/>
-              <a:t>10.01.2025</a:t>
+              <a:t>14.01.2025</a:t>
             </a:fld>
             <a:endParaRPr lang="de-CH"/>
           </a:p>
@@ -1053,7 +1052,7 @@
           <a:p>
             <a:fld id="{DDCE6D58-9B57-4731-A47B-3CD41B48F0A9}" type="datetimeFigureOut">
               <a:rPr lang="de-CH" smtClean="0"/>
-              <a:t>10.01.2025</a:t>
+              <a:t>14.01.2025</a:t>
             </a:fld>
             <a:endParaRPr lang="de-CH"/>
           </a:p>
@@ -1285,7 +1284,7 @@
           <a:p>
             <a:fld id="{DDCE6D58-9B57-4731-A47B-3CD41B48F0A9}" type="datetimeFigureOut">
               <a:rPr lang="de-CH" smtClean="0"/>
-              <a:t>10.01.2025</a:t>
+              <a:t>14.01.2025</a:t>
             </a:fld>
             <a:endParaRPr lang="de-CH"/>
           </a:p>
@@ -1652,7 +1651,7 @@
           <a:p>
             <a:fld id="{DDCE6D58-9B57-4731-A47B-3CD41B48F0A9}" type="datetimeFigureOut">
               <a:rPr lang="de-CH" smtClean="0"/>
-              <a:t>10.01.2025</a:t>
+              <a:t>14.01.2025</a:t>
             </a:fld>
             <a:endParaRPr lang="de-CH"/>
           </a:p>
@@ -1770,7 +1769,7 @@
           <a:p>
             <a:fld id="{DDCE6D58-9B57-4731-A47B-3CD41B48F0A9}" type="datetimeFigureOut">
               <a:rPr lang="de-CH" smtClean="0"/>
-              <a:t>10.01.2025</a:t>
+              <a:t>14.01.2025</a:t>
             </a:fld>
             <a:endParaRPr lang="de-CH"/>
           </a:p>
@@ -1865,7 +1864,7 @@
           <a:p>
             <a:fld id="{DDCE6D58-9B57-4731-A47B-3CD41B48F0A9}" type="datetimeFigureOut">
               <a:rPr lang="de-CH" smtClean="0"/>
-              <a:t>10.01.2025</a:t>
+              <a:t>14.01.2025</a:t>
             </a:fld>
             <a:endParaRPr lang="de-CH"/>
           </a:p>
@@ -2142,7 +2141,7 @@
           <a:p>
             <a:fld id="{DDCE6D58-9B57-4731-A47B-3CD41B48F0A9}" type="datetimeFigureOut">
               <a:rPr lang="de-CH" smtClean="0"/>
-              <a:t>10.01.2025</a:t>
+              <a:t>14.01.2025</a:t>
             </a:fld>
             <a:endParaRPr lang="de-CH"/>
           </a:p>
@@ -2395,7 +2394,7 @@
           <a:p>
             <a:fld id="{DDCE6D58-9B57-4731-A47B-3CD41B48F0A9}" type="datetimeFigureOut">
               <a:rPr lang="de-CH" smtClean="0"/>
-              <a:t>10.01.2025</a:t>
+              <a:t>14.01.2025</a:t>
             </a:fld>
             <a:endParaRPr lang="de-CH"/>
           </a:p>
@@ -2608,7 +2607,7 @@
           <a:p>
             <a:fld id="{DDCE6D58-9B57-4731-A47B-3CD41B48F0A9}" type="datetimeFigureOut">
               <a:rPr lang="de-CH" smtClean="0"/>
-              <a:t>10.01.2025</a:t>
+              <a:t>14.01.2025</a:t>
             </a:fld>
             <a:endParaRPr lang="de-CH"/>
           </a:p>
@@ -23491,2275 +23490,6 @@
           <a:chExt cx="0" cy="0"/>
         </a:xfrm>
       </p:grpSpPr>
-      <p:sp>
-        <p:nvSpPr>
-          <p:cNvPr id="2" name="Rechteck 1">
-            <a:extLst>
-              <a:ext uri="{FF2B5EF4-FFF2-40B4-BE49-F238E27FC236}">
-                <a16:creationId xmlns:a16="http://schemas.microsoft.com/office/drawing/2014/main" id="{D5B0F52D-826F-684A-ACD4-B60AB5AE2760}"/>
-              </a:ext>
-            </a:extLst>
-          </p:cNvPr>
-          <p:cNvSpPr/>
-          <p:nvPr/>
-        </p:nvSpPr>
-        <p:spPr>
-          <a:xfrm>
-            <a:off x="436538" y="581798"/>
-            <a:ext cx="2966541" cy="570469"/>
-          </a:xfrm>
-          <a:prstGeom prst="rect">
-            <a:avLst/>
-          </a:prstGeom>
-          <a:noFill/>
-          <a:ln w="19050">
-            <a:solidFill>
-              <a:schemeClr val="tx1"/>
-            </a:solidFill>
-          </a:ln>
-        </p:spPr>
-        <p:style>
-          <a:lnRef idx="2">
-            <a:schemeClr val="accent1">
-              <a:shade val="50000"/>
-            </a:schemeClr>
-          </a:lnRef>
-          <a:fillRef idx="1">
-            <a:schemeClr val="accent1"/>
-          </a:fillRef>
-          <a:effectRef idx="0">
-            <a:schemeClr val="accent1"/>
-          </a:effectRef>
-          <a:fontRef idx="minor">
-            <a:schemeClr val="lt1"/>
-          </a:fontRef>
-        </p:style>
-        <p:txBody>
-          <a:bodyPr rtlCol="0" anchor="ctr"/>
-          <a:lstStyle/>
-          <a:p>
-            <a:pPr algn="ctr"/>
-            <a:r>
-              <a:rPr lang="de-CH" dirty="0" err="1">
-                <a:solidFill>
-                  <a:schemeClr val="tx1"/>
-                </a:solidFill>
-                <a:latin typeface="Arial" panose="020B0604020202020204" pitchFamily="34" charset="0"/>
-                <a:cs typeface="Arial" panose="020B0604020202020204" pitchFamily="34" charset="0"/>
-              </a:rPr>
-              <a:t>UtilFilesData</a:t>
-            </a:r>
-            <a:r>
-              <a:rPr lang="de-CH" dirty="0">
-                <a:solidFill>
-                  <a:schemeClr val="tx1"/>
-                </a:solidFill>
-                <a:latin typeface="Arial" panose="020B0604020202020204" pitchFamily="34" charset="0"/>
-                <a:cs typeface="Arial" panose="020B0604020202020204" pitchFamily="34" charset="0"/>
-              </a:rPr>
-              <a:t> </a:t>
-            </a:r>
-          </a:p>
-          <a:p>
-            <a:pPr algn="ctr"/>
-            <a:r>
-              <a:rPr lang="de-CH" sz="1200" dirty="0">
-                <a:solidFill>
-                  <a:schemeClr val="tx1"/>
-                </a:solidFill>
-                <a:latin typeface="Arial" panose="020B0604020202020204" pitchFamily="34" charset="0"/>
-                <a:cs typeface="Arial" panose="020B0604020202020204" pitchFamily="34" charset="0"/>
-              </a:rPr>
-              <a:t>Holds </a:t>
-            </a:r>
-            <a:r>
-              <a:rPr lang="de-CH" sz="1200" dirty="0" err="1">
-                <a:solidFill>
-                  <a:schemeClr val="tx1"/>
-                </a:solidFill>
-                <a:latin typeface="Arial" panose="020B0604020202020204" pitchFamily="34" charset="0"/>
-                <a:cs typeface="Arial" panose="020B0604020202020204" pitchFamily="34" charset="0"/>
-              </a:rPr>
-              <a:t>data</a:t>
-            </a:r>
-            <a:r>
-              <a:rPr lang="de-CH" sz="1200" dirty="0">
-                <a:solidFill>
-                  <a:schemeClr val="tx1"/>
-                </a:solidFill>
-                <a:latin typeface="Arial" panose="020B0604020202020204" pitchFamily="34" charset="0"/>
-                <a:cs typeface="Arial" panose="020B0604020202020204" pitchFamily="34" charset="0"/>
-              </a:rPr>
-              <a:t> </a:t>
-            </a:r>
-            <a:r>
-              <a:rPr lang="de-CH" sz="1200" dirty="0" err="1">
-                <a:solidFill>
-                  <a:schemeClr val="tx1"/>
-                </a:solidFill>
-                <a:latin typeface="Arial" panose="020B0604020202020204" pitchFamily="34" charset="0"/>
-                <a:cs typeface="Arial" panose="020B0604020202020204" pitchFamily="34" charset="0"/>
-              </a:rPr>
-              <a:t>for</a:t>
-            </a:r>
-            <a:r>
-              <a:rPr lang="de-CH" sz="1200" dirty="0">
-                <a:solidFill>
-                  <a:schemeClr val="tx1"/>
-                </a:solidFill>
-                <a:latin typeface="Arial" panose="020B0604020202020204" pitchFamily="34" charset="0"/>
-                <a:cs typeface="Arial" panose="020B0604020202020204" pitchFamily="34" charset="0"/>
-              </a:rPr>
-              <a:t> </a:t>
-            </a:r>
-            <a:r>
-              <a:rPr lang="de-CH" sz="1200" dirty="0" err="1">
-                <a:solidFill>
-                  <a:schemeClr val="tx1"/>
-                </a:solidFill>
-                <a:latin typeface="Arial" panose="020B0604020202020204" pitchFamily="34" charset="0"/>
-                <a:cs typeface="Arial" panose="020B0604020202020204" pitchFamily="34" charset="0"/>
-              </a:rPr>
-              <a:t>UtilFiles</a:t>
-            </a:r>
-            <a:endParaRPr lang="de-CH" sz="1200" dirty="0">
-              <a:solidFill>
-                <a:schemeClr val="tx1"/>
-              </a:solidFill>
-              <a:latin typeface="Arial" panose="020B0604020202020204" pitchFamily="34" charset="0"/>
-              <a:cs typeface="Arial" panose="020B0604020202020204" pitchFamily="34" charset="0"/>
-            </a:endParaRPr>
-          </a:p>
-        </p:txBody>
-      </p:sp>
-      <p:sp>
-        <p:nvSpPr>
-          <p:cNvPr id="3" name="Rechteck 2">
-            <a:extLst>
-              <a:ext uri="{FF2B5EF4-FFF2-40B4-BE49-F238E27FC236}">
-                <a16:creationId xmlns:a16="http://schemas.microsoft.com/office/drawing/2014/main" id="{3493174E-2791-9A42-3CF9-2FBF07FA553E}"/>
-              </a:ext>
-            </a:extLst>
-          </p:cNvPr>
-          <p:cNvSpPr/>
-          <p:nvPr/>
-        </p:nvSpPr>
-        <p:spPr>
-          <a:xfrm>
-            <a:off x="436535" y="1142868"/>
-            <a:ext cx="2966541" cy="5133334"/>
-          </a:xfrm>
-          <a:prstGeom prst="rect">
-            <a:avLst/>
-          </a:prstGeom>
-          <a:noFill/>
-          <a:ln w="19050">
-            <a:solidFill>
-              <a:schemeClr val="tx1"/>
-            </a:solidFill>
-          </a:ln>
-        </p:spPr>
-        <p:style>
-          <a:lnRef idx="2">
-            <a:schemeClr val="accent1">
-              <a:shade val="50000"/>
-            </a:schemeClr>
-          </a:lnRef>
-          <a:fillRef idx="1">
-            <a:schemeClr val="accent1"/>
-          </a:fillRef>
-          <a:effectRef idx="0">
-            <a:schemeClr val="accent1"/>
-          </a:effectRef>
-          <a:fontRef idx="minor">
-            <a:schemeClr val="lt1"/>
-          </a:fontRef>
-        </p:style>
-        <p:txBody>
-          <a:bodyPr rtlCol="0" anchor="ctr"/>
-          <a:lstStyle/>
-          <a:p>
-            <a:r>
-              <a:rPr lang="en-US" sz="1200" dirty="0">
-                <a:solidFill>
-                  <a:schemeClr val="tx1"/>
-                </a:solidFill>
-                <a:latin typeface="Arial" panose="020B0604020202020204" pitchFamily="34" charset="0"/>
-                <a:cs typeface="Arial" panose="020B0604020202020204" pitchFamily="34" charset="0"/>
-              </a:rPr>
-              <a:t>Member variables</a:t>
-            </a:r>
-          </a:p>
-          <a:p>
-            <a:r>
-              <a:rPr lang="en-US" sz="1000" b="1" dirty="0" err="1">
-                <a:solidFill>
-                  <a:schemeClr val="tx1"/>
-                </a:solidFill>
-                <a:latin typeface="Arial" panose="020B0604020202020204" pitchFamily="34" charset="0"/>
-                <a:cs typeface="Arial" panose="020B0604020202020204" pitchFamily="34" charset="0"/>
-              </a:rPr>
-              <a:t>m_exec_case</a:t>
-            </a:r>
-            <a:endParaRPr lang="en-US" sz="1000" b="1" dirty="0">
-              <a:solidFill>
-                <a:schemeClr val="tx1"/>
-              </a:solidFill>
-              <a:latin typeface="Arial" panose="020B0604020202020204" pitchFamily="34" charset="0"/>
-              <a:cs typeface="Arial" panose="020B0604020202020204" pitchFamily="34" charset="0"/>
-            </a:endParaRPr>
-          </a:p>
-          <a:p>
-            <a:r>
-              <a:rPr lang="en-US" sz="1000" b="1" dirty="0" err="1">
-                <a:solidFill>
-                  <a:schemeClr val="tx1"/>
-                </a:solidFill>
-                <a:latin typeface="Arial" panose="020B0604020202020204" pitchFamily="34" charset="0"/>
-                <a:cs typeface="Arial" panose="020B0604020202020204" pitchFamily="34" charset="0"/>
-              </a:rPr>
-              <a:t>m_callback_function_name</a:t>
-            </a:r>
-            <a:endParaRPr lang="en-US" sz="1000" b="1" dirty="0">
-              <a:solidFill>
-                <a:schemeClr val="tx1"/>
-              </a:solidFill>
-              <a:latin typeface="Arial" panose="020B0604020202020204" pitchFamily="34" charset="0"/>
-              <a:cs typeface="Arial" panose="020B0604020202020204" pitchFamily="34" charset="0"/>
-            </a:endParaRPr>
-          </a:p>
-          <a:p>
-            <a:r>
-              <a:rPr lang="en-US" sz="1000" b="1" dirty="0" err="1">
-                <a:solidFill>
-                  <a:schemeClr val="tx1"/>
-                </a:solidFill>
-                <a:latin typeface="Arial" panose="020B0604020202020204" pitchFamily="34" charset="0"/>
-                <a:cs typeface="Arial" panose="020B0604020202020204" pitchFamily="34" charset="0"/>
-              </a:rPr>
-              <a:t>m_callback_function_array</a:t>
-            </a:r>
-            <a:r>
-              <a:rPr lang="en-US" sz="1000" b="1" dirty="0">
-                <a:solidFill>
-                  <a:schemeClr val="tx1"/>
-                </a:solidFill>
-                <a:latin typeface="Arial" panose="020B0604020202020204" pitchFamily="34" charset="0"/>
-                <a:cs typeface="Arial" panose="020B0604020202020204" pitchFamily="34" charset="0"/>
-              </a:rPr>
-              <a:t> </a:t>
-            </a:r>
-          </a:p>
-          <a:p>
-            <a:r>
-              <a:rPr lang="en-US" sz="1000" b="1" dirty="0" err="1">
-                <a:solidFill>
-                  <a:schemeClr val="tx1"/>
-                </a:solidFill>
-                <a:latin typeface="Arial" panose="020B0604020202020204" pitchFamily="34" charset="0"/>
-                <a:cs typeface="Arial" panose="020B0604020202020204" pitchFamily="34" charset="0"/>
-              </a:rPr>
-              <a:t>m_callback_function_array_index</a:t>
-            </a:r>
-            <a:endParaRPr lang="en-US" sz="1000" b="1" dirty="0">
-              <a:solidFill>
-                <a:schemeClr val="tx1"/>
-              </a:solidFill>
-              <a:latin typeface="Arial" panose="020B0604020202020204" pitchFamily="34" charset="0"/>
-              <a:cs typeface="Arial" panose="020B0604020202020204" pitchFamily="34" charset="0"/>
-            </a:endParaRPr>
-          </a:p>
-          <a:p>
-            <a:r>
-              <a:rPr lang="en-US" sz="1000" b="1" dirty="0" err="1">
-                <a:solidFill>
-                  <a:schemeClr val="tx1"/>
-                </a:solidFill>
-                <a:latin typeface="Arial" panose="020B0604020202020204" pitchFamily="34" charset="0"/>
-                <a:cs typeface="Arial" panose="020B0604020202020204" pitchFamily="34" charset="0"/>
-              </a:rPr>
-              <a:t>m_error_callback_function_name</a:t>
-            </a:r>
-            <a:endParaRPr lang="en-US" sz="1000" b="1" dirty="0">
-              <a:solidFill>
-                <a:schemeClr val="tx1"/>
-              </a:solidFill>
-              <a:latin typeface="Arial" panose="020B0604020202020204" pitchFamily="34" charset="0"/>
-              <a:cs typeface="Arial" panose="020B0604020202020204" pitchFamily="34" charset="0"/>
-            </a:endParaRPr>
-          </a:p>
-          <a:p>
-            <a:r>
-              <a:rPr lang="en-US" sz="1000" b="1" dirty="0" err="1">
-                <a:solidFill>
-                  <a:schemeClr val="tx1"/>
-                </a:solidFill>
-                <a:latin typeface="Arial" panose="020B0604020202020204" pitchFamily="34" charset="0"/>
-                <a:cs typeface="Arial" panose="020B0604020202020204" pitchFamily="34" charset="0"/>
-              </a:rPr>
-              <a:t>m_relative_path_php_dir</a:t>
-            </a:r>
-            <a:endParaRPr lang="en-US" sz="1000" b="1" dirty="0">
-              <a:solidFill>
-                <a:schemeClr val="tx1"/>
-              </a:solidFill>
-              <a:latin typeface="Arial" panose="020B0604020202020204" pitchFamily="34" charset="0"/>
-              <a:cs typeface="Arial" panose="020B0604020202020204" pitchFamily="34" charset="0"/>
-            </a:endParaRPr>
-          </a:p>
-          <a:p>
-            <a:r>
-              <a:rPr lang="en-US" sz="1000" b="1" dirty="0" err="1">
-                <a:solidFill>
-                  <a:schemeClr val="tx1"/>
-                </a:solidFill>
-                <a:latin typeface="Arial" panose="020B0604020202020204" pitchFamily="34" charset="0"/>
-                <a:cs typeface="Arial" panose="020B0604020202020204" pitchFamily="34" charset="0"/>
-              </a:rPr>
-              <a:t>m_input_dir_name</a:t>
-            </a:r>
-            <a:endParaRPr lang="en-US" sz="1000" b="1" dirty="0">
-              <a:solidFill>
-                <a:schemeClr val="tx1"/>
-              </a:solidFill>
-              <a:latin typeface="Arial" panose="020B0604020202020204" pitchFamily="34" charset="0"/>
-              <a:cs typeface="Arial" panose="020B0604020202020204" pitchFamily="34" charset="0"/>
-            </a:endParaRPr>
-          </a:p>
-          <a:p>
-            <a:r>
-              <a:rPr lang="en-US" sz="1000" b="1" dirty="0" err="1">
-                <a:solidFill>
-                  <a:schemeClr val="tx1"/>
-                </a:solidFill>
-                <a:latin typeface="Arial" panose="020B0604020202020204" pitchFamily="34" charset="0"/>
-                <a:cs typeface="Arial" panose="020B0604020202020204" pitchFamily="34" charset="0"/>
-              </a:rPr>
-              <a:t>m_input_file_name</a:t>
-            </a:r>
-            <a:endParaRPr lang="en-US" sz="1000" b="1" dirty="0">
-              <a:solidFill>
-                <a:schemeClr val="tx1"/>
-              </a:solidFill>
-              <a:latin typeface="Arial" panose="020B0604020202020204" pitchFamily="34" charset="0"/>
-              <a:cs typeface="Arial" panose="020B0604020202020204" pitchFamily="34" charset="0"/>
-            </a:endParaRPr>
-          </a:p>
-          <a:p>
-            <a:r>
-              <a:rPr lang="en-US" sz="1000" b="1" dirty="0" err="1">
-                <a:solidFill>
-                  <a:schemeClr val="tx1"/>
-                </a:solidFill>
-                <a:latin typeface="Arial" panose="020B0604020202020204" pitchFamily="34" charset="0"/>
-                <a:cs typeface="Arial" panose="020B0604020202020204" pitchFamily="34" charset="0"/>
-              </a:rPr>
-              <a:t>m_output_file_name</a:t>
-            </a:r>
-            <a:endParaRPr lang="en-US" sz="1000" b="1" dirty="0">
-              <a:solidFill>
-                <a:schemeClr val="tx1"/>
-              </a:solidFill>
-              <a:latin typeface="Arial" panose="020B0604020202020204" pitchFamily="34" charset="0"/>
-              <a:cs typeface="Arial" panose="020B0604020202020204" pitchFamily="34" charset="0"/>
-            </a:endParaRPr>
-          </a:p>
-          <a:p>
-            <a:r>
-              <a:rPr lang="en-US" sz="1000" b="1" dirty="0" err="1">
-                <a:solidFill>
-                  <a:schemeClr val="tx1"/>
-                </a:solidFill>
-                <a:latin typeface="Arial" panose="020B0604020202020204" pitchFamily="34" charset="0"/>
-                <a:cs typeface="Arial" panose="020B0604020202020204" pitchFamily="34" charset="0"/>
-              </a:rPr>
-              <a:t>m_file_content</a:t>
-            </a:r>
-            <a:endParaRPr lang="en-US" sz="1000" b="1" dirty="0">
-              <a:solidFill>
-                <a:schemeClr val="tx1"/>
-              </a:solidFill>
-              <a:latin typeface="Arial" panose="020B0604020202020204" pitchFamily="34" charset="0"/>
-              <a:cs typeface="Arial" panose="020B0604020202020204" pitchFamily="34" charset="0"/>
-            </a:endParaRPr>
-          </a:p>
-          <a:p>
-            <a:r>
-              <a:rPr lang="en-US" sz="1000" b="1" dirty="0" err="1">
-                <a:solidFill>
-                  <a:schemeClr val="tx1"/>
-                </a:solidFill>
-                <a:latin typeface="Arial" panose="020B0604020202020204" pitchFamily="34" charset="0"/>
-                <a:cs typeface="Arial" panose="020B0604020202020204" pitchFamily="34" charset="0"/>
-              </a:rPr>
-              <a:t>m_message_true</a:t>
-            </a:r>
-            <a:r>
-              <a:rPr lang="en-US" sz="1000" b="1" dirty="0">
-                <a:solidFill>
-                  <a:schemeClr val="tx1"/>
-                </a:solidFill>
-                <a:latin typeface="Arial" panose="020B0604020202020204" pitchFamily="34" charset="0"/>
-                <a:cs typeface="Arial" panose="020B0604020202020204" pitchFamily="34" charset="0"/>
-              </a:rPr>
-              <a:t> = TRUE</a:t>
-            </a:r>
-          </a:p>
-          <a:p>
-            <a:r>
-              <a:rPr lang="en-US" sz="1000" b="1" dirty="0" err="1">
-                <a:solidFill>
-                  <a:schemeClr val="tx1"/>
-                </a:solidFill>
-                <a:latin typeface="Arial" panose="020B0604020202020204" pitchFamily="34" charset="0"/>
-                <a:cs typeface="Arial" panose="020B0604020202020204" pitchFamily="34" charset="0"/>
-              </a:rPr>
-              <a:t>m_message_false</a:t>
-            </a:r>
-            <a:r>
-              <a:rPr lang="en-US" sz="1000" b="1" dirty="0">
-                <a:solidFill>
-                  <a:schemeClr val="tx1"/>
-                </a:solidFill>
-                <a:latin typeface="Arial" panose="020B0604020202020204" pitchFamily="34" charset="0"/>
-                <a:cs typeface="Arial" panose="020B0604020202020204" pitchFamily="34" charset="0"/>
-              </a:rPr>
-              <a:t> = FALSE</a:t>
-            </a:r>
-          </a:p>
-          <a:p>
-            <a:r>
-              <a:rPr lang="en-US" sz="1000" b="1" dirty="0" err="1">
-                <a:solidFill>
-                  <a:schemeClr val="tx1"/>
-                </a:solidFill>
-                <a:latin typeface="Arial" panose="020B0604020202020204" pitchFamily="34" charset="0"/>
-                <a:cs typeface="Arial" panose="020B0604020202020204" pitchFamily="34" charset="0"/>
-              </a:rPr>
-              <a:t>m_message_error</a:t>
-            </a:r>
-            <a:r>
-              <a:rPr lang="en-US" sz="1000" b="1" dirty="0">
-                <a:solidFill>
-                  <a:schemeClr val="tx1"/>
-                </a:solidFill>
-                <a:latin typeface="Arial" panose="020B0604020202020204" pitchFamily="34" charset="0"/>
-                <a:cs typeface="Arial" panose="020B0604020202020204" pitchFamily="34" charset="0"/>
-              </a:rPr>
-              <a:t> = FALSE + description</a:t>
-            </a:r>
-          </a:p>
-          <a:p>
-            <a:endParaRPr lang="en-US" sz="1000" b="1" dirty="0">
-              <a:solidFill>
-                <a:schemeClr val="tx1"/>
-              </a:solidFill>
-              <a:latin typeface="Arial" panose="020B0604020202020204" pitchFamily="34" charset="0"/>
-              <a:cs typeface="Arial" panose="020B0604020202020204" pitchFamily="34" charset="0"/>
-            </a:endParaRPr>
-          </a:p>
-          <a:p>
-            <a:r>
-              <a:rPr lang="en-US" sz="1200" dirty="0">
-                <a:solidFill>
-                  <a:schemeClr val="tx1"/>
-                </a:solidFill>
-                <a:latin typeface="Arial" panose="020B0604020202020204" pitchFamily="34" charset="0"/>
-                <a:cs typeface="Arial" panose="020B0604020202020204" pitchFamily="34" charset="0"/>
-              </a:rPr>
-              <a:t>Member functions</a:t>
-            </a:r>
-          </a:p>
-          <a:p>
-            <a:r>
-              <a:rPr lang="de-CH" sz="1000" b="1" dirty="0" err="1">
-                <a:solidFill>
-                  <a:schemeClr val="tx1"/>
-                </a:solidFill>
-                <a:latin typeface="Arial" panose="020B0604020202020204" pitchFamily="34" charset="0"/>
-                <a:cs typeface="Arial" panose="020B0604020202020204" pitchFamily="34" charset="0"/>
-              </a:rPr>
-              <a:t>setDataExecCaseDirExists</a:t>
-            </a:r>
-            <a:endParaRPr lang="de-CH" sz="1000" b="1" dirty="0">
-              <a:solidFill>
-                <a:schemeClr val="tx1"/>
-              </a:solidFill>
-              <a:latin typeface="Arial" panose="020B0604020202020204" pitchFamily="34" charset="0"/>
-              <a:cs typeface="Arial" panose="020B0604020202020204" pitchFamily="34" charset="0"/>
-            </a:endParaRPr>
-          </a:p>
-          <a:p>
-            <a:r>
-              <a:rPr lang="de-CH" sz="1000" b="1" dirty="0" err="1">
-                <a:solidFill>
-                  <a:schemeClr val="tx1"/>
-                </a:solidFill>
-                <a:latin typeface="Arial" panose="020B0604020202020204" pitchFamily="34" charset="0"/>
-                <a:cs typeface="Arial" panose="020B0604020202020204" pitchFamily="34" charset="0"/>
-              </a:rPr>
-              <a:t>setDataExecCaseFileExists</a:t>
-            </a:r>
-            <a:endParaRPr lang="de-CH" sz="1000" b="1" dirty="0">
-              <a:solidFill>
-                <a:schemeClr val="tx1"/>
-              </a:solidFill>
-              <a:latin typeface="Arial" panose="020B0604020202020204" pitchFamily="34" charset="0"/>
-              <a:cs typeface="Arial" panose="020B0604020202020204" pitchFamily="34" charset="0"/>
-            </a:endParaRPr>
-          </a:p>
-          <a:p>
-            <a:r>
-              <a:rPr lang="de-CH" sz="1000" b="1" dirty="0" err="1">
-                <a:solidFill>
-                  <a:schemeClr val="tx1"/>
-                </a:solidFill>
-                <a:latin typeface="Arial" panose="020B0604020202020204" pitchFamily="34" charset="0"/>
-                <a:cs typeface="Arial" panose="020B0604020202020204" pitchFamily="34" charset="0"/>
-              </a:rPr>
-              <a:t>setDataExecCaseCreateDir</a:t>
-            </a:r>
-            <a:endParaRPr lang="de-CH" sz="1000" b="1" dirty="0">
-              <a:solidFill>
-                <a:schemeClr val="tx1"/>
-              </a:solidFill>
-              <a:latin typeface="Arial" panose="020B0604020202020204" pitchFamily="34" charset="0"/>
-              <a:cs typeface="Arial" panose="020B0604020202020204" pitchFamily="34" charset="0"/>
-            </a:endParaRPr>
-          </a:p>
-          <a:p>
-            <a:r>
-              <a:rPr lang="de-CH" sz="1000" b="1" dirty="0" err="1">
-                <a:solidFill>
-                  <a:schemeClr val="tx1"/>
-                </a:solidFill>
-                <a:latin typeface="Arial" panose="020B0604020202020204" pitchFamily="34" charset="0"/>
-                <a:cs typeface="Arial" panose="020B0604020202020204" pitchFamily="34" charset="0"/>
-              </a:rPr>
-              <a:t>setDataExecCaseDeleteDir</a:t>
-            </a:r>
-            <a:endParaRPr lang="de-CH" sz="1000" b="1" dirty="0">
-              <a:solidFill>
-                <a:schemeClr val="tx1"/>
-              </a:solidFill>
-              <a:latin typeface="Arial" panose="020B0604020202020204" pitchFamily="34" charset="0"/>
-              <a:cs typeface="Arial" panose="020B0604020202020204" pitchFamily="34" charset="0"/>
-            </a:endParaRPr>
-          </a:p>
-          <a:p>
-            <a:r>
-              <a:rPr lang="de-CH" sz="1000" b="1" dirty="0" err="1">
-                <a:solidFill>
-                  <a:schemeClr val="tx1"/>
-                </a:solidFill>
-                <a:latin typeface="Arial" panose="020B0604020202020204" pitchFamily="34" charset="0"/>
-                <a:cs typeface="Arial" panose="020B0604020202020204" pitchFamily="34" charset="0"/>
-              </a:rPr>
-              <a:t>setDataExecCaseDeleteFile</a:t>
-            </a:r>
-            <a:endParaRPr lang="de-CH" sz="1000" b="1" dirty="0">
-              <a:solidFill>
-                <a:schemeClr val="tx1"/>
-              </a:solidFill>
-              <a:latin typeface="Arial" panose="020B0604020202020204" pitchFamily="34" charset="0"/>
-              <a:cs typeface="Arial" panose="020B0604020202020204" pitchFamily="34" charset="0"/>
-            </a:endParaRPr>
-          </a:p>
-          <a:p>
-            <a:r>
-              <a:rPr lang="de-CH" sz="1000" b="1" dirty="0" err="1">
-                <a:solidFill>
-                  <a:schemeClr val="tx1"/>
-                </a:solidFill>
-                <a:latin typeface="Arial" panose="020B0604020202020204" pitchFamily="34" charset="0"/>
-                <a:cs typeface="Arial" panose="020B0604020202020204" pitchFamily="34" charset="0"/>
-              </a:rPr>
-              <a:t>setDataExecCaseCreateFile</a:t>
-            </a:r>
-            <a:endParaRPr lang="de-CH" sz="1000" b="1" dirty="0">
-              <a:solidFill>
-                <a:schemeClr val="tx1"/>
-              </a:solidFill>
-              <a:latin typeface="Arial" panose="020B0604020202020204" pitchFamily="34" charset="0"/>
-              <a:cs typeface="Arial" panose="020B0604020202020204" pitchFamily="34" charset="0"/>
-            </a:endParaRPr>
-          </a:p>
-          <a:p>
-            <a:r>
-              <a:rPr lang="de-CH" sz="1000" b="1" dirty="0" err="1">
-                <a:solidFill>
-                  <a:schemeClr val="tx1"/>
-                </a:solidFill>
-                <a:latin typeface="Arial" panose="020B0604020202020204" pitchFamily="34" charset="0"/>
-                <a:cs typeface="Arial" panose="020B0604020202020204" pitchFamily="34" charset="0"/>
-              </a:rPr>
-              <a:t>handlePostResult</a:t>
-            </a:r>
-            <a:endParaRPr lang="de-CH" sz="1000" b="1" dirty="0">
-              <a:solidFill>
-                <a:schemeClr val="tx1"/>
-              </a:solidFill>
-              <a:latin typeface="Arial" panose="020B0604020202020204" pitchFamily="34" charset="0"/>
-              <a:cs typeface="Arial" panose="020B0604020202020204" pitchFamily="34" charset="0"/>
-            </a:endParaRPr>
-          </a:p>
-          <a:p>
-            <a:r>
-              <a:rPr lang="de-CH" sz="1000" b="1" dirty="0" err="1">
-                <a:solidFill>
-                  <a:schemeClr val="tx1"/>
-                </a:solidFill>
-                <a:latin typeface="Arial" panose="020B0604020202020204" pitchFamily="34" charset="0"/>
-                <a:cs typeface="Arial" panose="020B0604020202020204" pitchFamily="34" charset="0"/>
-              </a:rPr>
-              <a:t>handlePostErrorResult</a:t>
-            </a:r>
-            <a:endParaRPr lang="de-CH" sz="1000" b="1" dirty="0">
-              <a:solidFill>
-                <a:schemeClr val="tx1"/>
-              </a:solidFill>
-              <a:latin typeface="Arial" panose="020B0604020202020204" pitchFamily="34" charset="0"/>
-              <a:cs typeface="Arial" panose="020B0604020202020204" pitchFamily="34" charset="0"/>
-            </a:endParaRPr>
-          </a:p>
-          <a:p>
-            <a:endParaRPr lang="de-CH" sz="1000" b="1" dirty="0">
-              <a:solidFill>
-                <a:schemeClr val="tx1"/>
-              </a:solidFill>
-              <a:latin typeface="Arial" panose="020B0604020202020204" pitchFamily="34" charset="0"/>
-              <a:cs typeface="Arial" panose="020B0604020202020204" pitchFamily="34" charset="0"/>
-            </a:endParaRPr>
-          </a:p>
-          <a:p>
-            <a:r>
-              <a:rPr lang="de-CH" sz="1000" b="1" dirty="0" err="1">
-                <a:solidFill>
-                  <a:schemeClr val="tx1"/>
-                </a:solidFill>
-                <a:latin typeface="Arial" panose="020B0604020202020204" pitchFamily="34" charset="0"/>
-                <a:cs typeface="Arial" panose="020B0604020202020204" pitchFamily="34" charset="0"/>
-              </a:rPr>
-              <a:t>Init</a:t>
-            </a:r>
-            <a:endParaRPr lang="de-CH" sz="1000" b="1" dirty="0">
-              <a:solidFill>
-                <a:schemeClr val="tx1"/>
-              </a:solidFill>
-              <a:latin typeface="Arial" panose="020B0604020202020204" pitchFamily="34" charset="0"/>
-              <a:cs typeface="Arial" panose="020B0604020202020204" pitchFamily="34" charset="0"/>
-            </a:endParaRPr>
-          </a:p>
-          <a:p>
-            <a:r>
-              <a:rPr lang="de-CH" sz="1000" b="1" dirty="0" err="1">
-                <a:solidFill>
-                  <a:schemeClr val="tx1"/>
-                </a:solidFill>
-                <a:latin typeface="Arial" panose="020B0604020202020204" pitchFamily="34" charset="0"/>
-                <a:cs typeface="Arial" panose="020B0604020202020204" pitchFamily="34" charset="0"/>
-              </a:rPr>
-              <a:t>getCallbackFunctionName</a:t>
-            </a:r>
-            <a:endParaRPr lang="de-CH" sz="1000" b="1" dirty="0">
-              <a:solidFill>
-                <a:schemeClr val="tx1"/>
-              </a:solidFill>
-              <a:latin typeface="Arial" panose="020B0604020202020204" pitchFamily="34" charset="0"/>
-              <a:cs typeface="Arial" panose="020B0604020202020204" pitchFamily="34" charset="0"/>
-            </a:endParaRPr>
-          </a:p>
-          <a:p>
-            <a:r>
-              <a:rPr lang="de-CH" sz="1000" b="1" dirty="0" err="1">
-                <a:solidFill>
-                  <a:schemeClr val="tx1"/>
-                </a:solidFill>
-                <a:latin typeface="Arial" panose="020B0604020202020204" pitchFamily="34" charset="0"/>
-                <a:cs typeface="Arial" panose="020B0604020202020204" pitchFamily="34" charset="0"/>
-              </a:rPr>
-              <a:t>setCallbackFunctionName</a:t>
-            </a:r>
-            <a:endParaRPr lang="de-CH" sz="1000" b="1" dirty="0">
-              <a:solidFill>
-                <a:schemeClr val="tx1"/>
-              </a:solidFill>
-              <a:latin typeface="Arial" panose="020B0604020202020204" pitchFamily="34" charset="0"/>
-              <a:cs typeface="Arial" panose="020B0604020202020204" pitchFamily="34" charset="0"/>
-            </a:endParaRPr>
-          </a:p>
-          <a:p>
-            <a:r>
-              <a:rPr lang="de-CH" sz="1000" b="1" dirty="0" err="1">
-                <a:solidFill>
-                  <a:schemeClr val="tx1"/>
-                </a:solidFill>
-                <a:latin typeface="Arial" panose="020B0604020202020204" pitchFamily="34" charset="0"/>
-                <a:cs typeface="Arial" panose="020B0604020202020204" pitchFamily="34" charset="0"/>
-              </a:rPr>
-              <a:t>getErrorCallbackFunctionName</a:t>
-            </a:r>
-            <a:endParaRPr lang="de-CH" sz="1000" b="1" dirty="0">
-              <a:solidFill>
-                <a:schemeClr val="tx1"/>
-              </a:solidFill>
-              <a:latin typeface="Arial" panose="020B0604020202020204" pitchFamily="34" charset="0"/>
-              <a:cs typeface="Arial" panose="020B0604020202020204" pitchFamily="34" charset="0"/>
-            </a:endParaRPr>
-          </a:p>
-          <a:p>
-            <a:r>
-              <a:rPr lang="de-CH" sz="1000" b="1" dirty="0" err="1">
-                <a:solidFill>
-                  <a:schemeClr val="tx1"/>
-                </a:solidFill>
-                <a:latin typeface="Arial" panose="020B0604020202020204" pitchFamily="34" charset="0"/>
-                <a:cs typeface="Arial" panose="020B0604020202020204" pitchFamily="34" charset="0"/>
-              </a:rPr>
-              <a:t>setErrorCallbackFunctionName</a:t>
-            </a:r>
-            <a:endParaRPr lang="de-CH" sz="1000" b="1" dirty="0">
-              <a:solidFill>
-                <a:schemeClr val="tx1"/>
-              </a:solidFill>
-              <a:latin typeface="Arial" panose="020B0604020202020204" pitchFamily="34" charset="0"/>
-              <a:cs typeface="Arial" panose="020B0604020202020204" pitchFamily="34" charset="0"/>
-            </a:endParaRPr>
-          </a:p>
-          <a:p>
-            <a:r>
-              <a:rPr lang="de-CH" sz="1000" b="1" dirty="0">
-                <a:solidFill>
-                  <a:schemeClr val="tx1"/>
-                </a:solidFill>
-                <a:latin typeface="Arial" panose="020B0604020202020204" pitchFamily="34" charset="0"/>
-                <a:cs typeface="Arial" panose="020B0604020202020204" pitchFamily="34" charset="0"/>
-              </a:rPr>
-              <a:t>.</a:t>
-            </a:r>
-          </a:p>
-          <a:p>
-            <a:r>
-              <a:rPr lang="de-CH" sz="1000" b="1" dirty="0">
-                <a:solidFill>
-                  <a:schemeClr val="tx1"/>
-                </a:solidFill>
-                <a:latin typeface="Arial" panose="020B0604020202020204" pitchFamily="34" charset="0"/>
-                <a:cs typeface="Arial" panose="020B0604020202020204" pitchFamily="34" charset="0"/>
-              </a:rPr>
-              <a:t>.</a:t>
-            </a:r>
-          </a:p>
-        </p:txBody>
-      </p:sp>
-      <p:sp>
-        <p:nvSpPr>
-          <p:cNvPr id="4" name="Rechteck 3">
-            <a:extLst>
-              <a:ext uri="{FF2B5EF4-FFF2-40B4-BE49-F238E27FC236}">
-                <a16:creationId xmlns:a16="http://schemas.microsoft.com/office/drawing/2014/main" id="{A03D09F9-06F3-3E24-D07E-1E6533A9FACE}"/>
-              </a:ext>
-            </a:extLst>
-          </p:cNvPr>
-          <p:cNvSpPr/>
-          <p:nvPr/>
-        </p:nvSpPr>
-        <p:spPr>
-          <a:xfrm>
-            <a:off x="3669932" y="591225"/>
-            <a:ext cx="2966541" cy="570469"/>
-          </a:xfrm>
-          <a:prstGeom prst="rect">
-            <a:avLst/>
-          </a:prstGeom>
-          <a:noFill/>
-          <a:ln w="19050">
-            <a:solidFill>
-              <a:schemeClr val="tx1"/>
-            </a:solidFill>
-          </a:ln>
-        </p:spPr>
-        <p:style>
-          <a:lnRef idx="2">
-            <a:schemeClr val="accent1">
-              <a:shade val="50000"/>
-            </a:schemeClr>
-          </a:lnRef>
-          <a:fillRef idx="1">
-            <a:schemeClr val="accent1"/>
-          </a:fillRef>
-          <a:effectRef idx="0">
-            <a:schemeClr val="accent1"/>
-          </a:effectRef>
-          <a:fontRef idx="minor">
-            <a:schemeClr val="lt1"/>
-          </a:fontRef>
-        </p:style>
-        <p:txBody>
-          <a:bodyPr rtlCol="0" anchor="ctr"/>
-          <a:lstStyle/>
-          <a:p>
-            <a:pPr algn="ctr"/>
-            <a:r>
-              <a:rPr lang="de-CH" dirty="0" err="1">
-                <a:solidFill>
-                  <a:schemeClr val="tx1"/>
-                </a:solidFill>
-                <a:latin typeface="Arial" panose="020B0604020202020204" pitchFamily="34" charset="0"/>
-                <a:cs typeface="Arial" panose="020B0604020202020204" pitchFamily="34" charset="0"/>
-              </a:rPr>
-              <a:t>UtilFiles</a:t>
-            </a:r>
-            <a:r>
-              <a:rPr lang="de-CH" dirty="0">
-                <a:solidFill>
-                  <a:schemeClr val="tx1"/>
-                </a:solidFill>
-                <a:latin typeface="Arial" panose="020B0604020202020204" pitchFamily="34" charset="0"/>
-                <a:cs typeface="Arial" panose="020B0604020202020204" pitchFamily="34" charset="0"/>
-              </a:rPr>
-              <a:t> </a:t>
-            </a:r>
-          </a:p>
-          <a:p>
-            <a:pPr algn="ctr"/>
-            <a:r>
-              <a:rPr lang="de-CH" sz="1200" dirty="0">
-                <a:solidFill>
-                  <a:schemeClr val="tx1"/>
-                </a:solidFill>
-                <a:latin typeface="Arial" panose="020B0604020202020204" pitchFamily="34" charset="0"/>
-                <a:cs typeface="Arial" panose="020B0604020202020204" pitchFamily="34" charset="0"/>
-              </a:rPr>
-              <a:t>File </a:t>
-            </a:r>
-            <a:r>
-              <a:rPr lang="de-CH" sz="1200" dirty="0" err="1">
-                <a:solidFill>
-                  <a:schemeClr val="tx1"/>
-                </a:solidFill>
-                <a:latin typeface="Arial" panose="020B0604020202020204" pitchFamily="34" charset="0"/>
-                <a:cs typeface="Arial" panose="020B0604020202020204" pitchFamily="34" charset="0"/>
-              </a:rPr>
-              <a:t>functions</a:t>
-            </a:r>
-            <a:r>
-              <a:rPr lang="de-CH" sz="1200" dirty="0">
-                <a:solidFill>
-                  <a:schemeClr val="tx1"/>
-                </a:solidFill>
-                <a:latin typeface="Arial" panose="020B0604020202020204" pitchFamily="34" charset="0"/>
-                <a:cs typeface="Arial" panose="020B0604020202020204" pitchFamily="34" charset="0"/>
-              </a:rPr>
-              <a:t> </a:t>
-            </a:r>
-            <a:r>
-              <a:rPr lang="de-CH" sz="1200" dirty="0" err="1">
-                <a:solidFill>
-                  <a:schemeClr val="tx1"/>
-                </a:solidFill>
-                <a:latin typeface="Arial" panose="020B0604020202020204" pitchFamily="34" charset="0"/>
-                <a:cs typeface="Arial" panose="020B0604020202020204" pitchFamily="34" charset="0"/>
-              </a:rPr>
-              <a:t>based</a:t>
-            </a:r>
-            <a:r>
-              <a:rPr lang="de-CH" sz="1200" dirty="0">
-                <a:solidFill>
-                  <a:schemeClr val="tx1"/>
-                </a:solidFill>
-                <a:latin typeface="Arial" panose="020B0604020202020204" pitchFamily="34" charset="0"/>
-                <a:cs typeface="Arial" panose="020B0604020202020204" pitchFamily="34" charset="0"/>
-              </a:rPr>
-              <a:t> on </a:t>
-            </a:r>
-            <a:r>
-              <a:rPr lang="de-CH" sz="1200" dirty="0" err="1">
-                <a:solidFill>
-                  <a:schemeClr val="tx1"/>
-                </a:solidFill>
-                <a:latin typeface="Arial" panose="020B0604020202020204" pitchFamily="34" charset="0"/>
-                <a:cs typeface="Arial" panose="020B0604020202020204" pitchFamily="34" charset="0"/>
-              </a:rPr>
-              <a:t>JQuery</a:t>
-            </a:r>
-            <a:r>
-              <a:rPr lang="de-CH" sz="1200" dirty="0">
-                <a:solidFill>
-                  <a:schemeClr val="tx1"/>
-                </a:solidFill>
-                <a:latin typeface="Arial" panose="020B0604020202020204" pitchFamily="34" charset="0"/>
-                <a:cs typeface="Arial" panose="020B0604020202020204" pitchFamily="34" charset="0"/>
-              </a:rPr>
-              <a:t>  $.</a:t>
-            </a:r>
-            <a:r>
-              <a:rPr lang="de-CH" sz="1200" dirty="0" err="1">
-                <a:solidFill>
-                  <a:schemeClr val="tx1"/>
-                </a:solidFill>
-                <a:latin typeface="Arial" panose="020B0604020202020204" pitchFamily="34" charset="0"/>
-                <a:cs typeface="Arial" panose="020B0604020202020204" pitchFamily="34" charset="0"/>
-              </a:rPr>
-              <a:t>post</a:t>
-            </a:r>
-            <a:r>
-              <a:rPr lang="de-CH" sz="1200" dirty="0">
-                <a:solidFill>
-                  <a:schemeClr val="tx1"/>
-                </a:solidFill>
-                <a:latin typeface="Arial" panose="020B0604020202020204" pitchFamily="34" charset="0"/>
-                <a:cs typeface="Arial" panose="020B0604020202020204" pitchFamily="34" charset="0"/>
-              </a:rPr>
-              <a:t>    </a:t>
-            </a:r>
-          </a:p>
-        </p:txBody>
-      </p:sp>
-      <p:sp>
-        <p:nvSpPr>
-          <p:cNvPr id="5" name="Rechteck 4">
-            <a:extLst>
-              <a:ext uri="{FF2B5EF4-FFF2-40B4-BE49-F238E27FC236}">
-                <a16:creationId xmlns:a16="http://schemas.microsoft.com/office/drawing/2014/main" id="{3BDCC460-4B85-EE8F-474A-DE43378E5403}"/>
-              </a:ext>
-            </a:extLst>
-          </p:cNvPr>
-          <p:cNvSpPr/>
-          <p:nvPr/>
-        </p:nvSpPr>
-        <p:spPr>
-          <a:xfrm>
-            <a:off x="3669929" y="1152295"/>
-            <a:ext cx="2966541" cy="883895"/>
-          </a:xfrm>
-          <a:prstGeom prst="rect">
-            <a:avLst/>
-          </a:prstGeom>
-          <a:noFill/>
-          <a:ln w="19050">
-            <a:solidFill>
-              <a:schemeClr val="tx1"/>
-            </a:solidFill>
-          </a:ln>
-        </p:spPr>
-        <p:style>
-          <a:lnRef idx="2">
-            <a:schemeClr val="accent1">
-              <a:shade val="50000"/>
-            </a:schemeClr>
-          </a:lnRef>
-          <a:fillRef idx="1">
-            <a:schemeClr val="accent1"/>
-          </a:fillRef>
-          <a:effectRef idx="0">
-            <a:schemeClr val="accent1"/>
-          </a:effectRef>
-          <a:fontRef idx="minor">
-            <a:schemeClr val="lt1"/>
-          </a:fontRef>
-        </p:style>
-        <p:txBody>
-          <a:bodyPr rtlCol="0" anchor="ctr"/>
-          <a:lstStyle/>
-          <a:p>
-            <a:endParaRPr lang="en-US" sz="1000" b="1" dirty="0">
-              <a:solidFill>
-                <a:schemeClr val="tx1"/>
-              </a:solidFill>
-              <a:latin typeface="Arial" panose="020B0604020202020204" pitchFamily="34" charset="0"/>
-              <a:cs typeface="Arial" panose="020B0604020202020204" pitchFamily="34" charset="0"/>
-            </a:endParaRPr>
-          </a:p>
-          <a:p>
-            <a:r>
-              <a:rPr lang="en-US" sz="1200" dirty="0">
-                <a:solidFill>
-                  <a:schemeClr val="tx1"/>
-                </a:solidFill>
-                <a:latin typeface="Arial" panose="020B0604020202020204" pitchFamily="34" charset="0"/>
-                <a:cs typeface="Arial" panose="020B0604020202020204" pitchFamily="34" charset="0"/>
-              </a:rPr>
-              <a:t>Member functions (static)</a:t>
-            </a:r>
-          </a:p>
-          <a:p>
-            <a:r>
-              <a:rPr lang="de-CH" sz="1000" b="1" dirty="0" err="1">
-                <a:solidFill>
-                  <a:schemeClr val="tx1"/>
-                </a:solidFill>
-                <a:latin typeface="Arial" panose="020B0604020202020204" pitchFamily="34" charset="0"/>
-                <a:cs typeface="Arial" panose="020B0604020202020204" pitchFamily="34" charset="0"/>
-              </a:rPr>
-              <a:t>dirFileAnyCase</a:t>
-            </a:r>
-            <a:r>
-              <a:rPr lang="de-CH" sz="1000" b="1" dirty="0">
-                <a:solidFill>
-                  <a:schemeClr val="tx1"/>
-                </a:solidFill>
-                <a:latin typeface="Arial" panose="020B0604020202020204" pitchFamily="34" charset="0"/>
-                <a:cs typeface="Arial" panose="020B0604020202020204" pitchFamily="34" charset="0"/>
-              </a:rPr>
-              <a:t>(</a:t>
-            </a:r>
-            <a:r>
-              <a:rPr lang="de-CH" sz="1000" b="1" dirty="0" err="1">
-                <a:solidFill>
-                  <a:schemeClr val="tx1"/>
-                </a:solidFill>
-                <a:latin typeface="Arial" panose="020B0604020202020204" pitchFamily="34" charset="0"/>
-                <a:cs typeface="Arial" panose="020B0604020202020204" pitchFamily="34" charset="0"/>
-              </a:rPr>
-              <a:t>object</a:t>
-            </a:r>
-            <a:r>
-              <a:rPr lang="de-CH" sz="1000" b="1" dirty="0">
-                <a:solidFill>
-                  <a:schemeClr val="tx1"/>
-                </a:solidFill>
-                <a:latin typeface="Arial" panose="020B0604020202020204" pitchFamily="34" charset="0"/>
-                <a:cs typeface="Arial" panose="020B0604020202020204" pitchFamily="34" charset="0"/>
-              </a:rPr>
-              <a:t> </a:t>
-            </a:r>
-            <a:r>
-              <a:rPr lang="de-CH" sz="1000" b="1" dirty="0" err="1">
-                <a:solidFill>
-                  <a:schemeClr val="tx1"/>
-                </a:solidFill>
-                <a:latin typeface="Arial" panose="020B0604020202020204" pitchFamily="34" charset="0"/>
-                <a:cs typeface="Arial" panose="020B0604020202020204" pitchFamily="34" charset="0"/>
-              </a:rPr>
-              <a:t>UtilFilesData</a:t>
-            </a:r>
-            <a:r>
-              <a:rPr lang="de-CH" sz="1000" b="1" dirty="0">
-                <a:solidFill>
-                  <a:schemeClr val="tx1"/>
-                </a:solidFill>
-                <a:latin typeface="Arial" panose="020B0604020202020204" pitchFamily="34" charset="0"/>
-                <a:cs typeface="Arial" panose="020B0604020202020204" pitchFamily="34" charset="0"/>
-              </a:rPr>
-              <a:t>)</a:t>
-            </a:r>
-          </a:p>
-          <a:p>
-            <a:endParaRPr lang="de-CH" sz="1000" b="1" dirty="0">
-              <a:solidFill>
-                <a:schemeClr val="tx1"/>
-              </a:solidFill>
-              <a:latin typeface="Arial" panose="020B0604020202020204" pitchFamily="34" charset="0"/>
-              <a:cs typeface="Arial" panose="020B0604020202020204" pitchFamily="34" charset="0"/>
-            </a:endParaRPr>
-          </a:p>
-        </p:txBody>
-      </p:sp>
-      <p:sp>
-        <p:nvSpPr>
-          <p:cNvPr id="12" name="Rechteck 11">
-            <a:extLst>
-              <a:ext uri="{FF2B5EF4-FFF2-40B4-BE49-F238E27FC236}">
-                <a16:creationId xmlns:a16="http://schemas.microsoft.com/office/drawing/2014/main" id="{C0928F50-9E43-22F6-160B-E9ED3C4A96F4}"/>
-              </a:ext>
-            </a:extLst>
-          </p:cNvPr>
-          <p:cNvSpPr/>
-          <p:nvPr/>
-        </p:nvSpPr>
-        <p:spPr>
-          <a:xfrm>
-            <a:off x="3769323" y="2718210"/>
-            <a:ext cx="2724345" cy="322107"/>
-          </a:xfrm>
-          <a:prstGeom prst="rect">
-            <a:avLst/>
-          </a:prstGeom>
-          <a:noFill/>
-          <a:ln w="19050">
-            <a:solidFill>
-              <a:schemeClr val="tx1"/>
-            </a:solidFill>
-          </a:ln>
-        </p:spPr>
-        <p:style>
-          <a:lnRef idx="2">
-            <a:schemeClr val="accent1">
-              <a:shade val="50000"/>
-            </a:schemeClr>
-          </a:lnRef>
-          <a:fillRef idx="1">
-            <a:schemeClr val="accent1"/>
-          </a:fillRef>
-          <a:effectRef idx="0">
-            <a:schemeClr val="accent1"/>
-          </a:effectRef>
-          <a:fontRef idx="minor">
-            <a:schemeClr val="lt1"/>
-          </a:fontRef>
-        </p:style>
-        <p:txBody>
-          <a:bodyPr rtlCol="0" anchor="ctr"/>
-          <a:lstStyle/>
-          <a:p>
-            <a:pPr algn="ctr"/>
-            <a:r>
-              <a:rPr lang="en-US" sz="900" b="1" dirty="0">
-                <a:solidFill>
-                  <a:schemeClr val="tx1"/>
-                </a:solidFill>
-                <a:latin typeface="Arial" panose="020B0604020202020204" pitchFamily="34" charset="0"/>
-                <a:cs typeface="Arial" panose="020B0604020202020204" pitchFamily="34" charset="0"/>
-              </a:rPr>
-              <a:t>Set PHP file name to </a:t>
-            </a:r>
-            <a:r>
-              <a:rPr lang="en-US" sz="900" b="1" dirty="0" err="1">
-                <a:solidFill>
-                  <a:schemeClr val="tx1"/>
-                </a:solidFill>
-                <a:latin typeface="Arial" panose="020B0604020202020204" pitchFamily="34" charset="0"/>
-                <a:cs typeface="Arial" panose="020B0604020202020204" pitchFamily="34" charset="0"/>
-              </a:rPr>
-              <a:t>UtilFiles.php</a:t>
-            </a:r>
-            <a:endParaRPr lang="en-US" sz="900" b="1" dirty="0">
-              <a:solidFill>
-                <a:schemeClr val="tx1"/>
-              </a:solidFill>
-              <a:latin typeface="Arial" panose="020B0604020202020204" pitchFamily="34" charset="0"/>
-              <a:cs typeface="Arial" panose="020B0604020202020204" pitchFamily="34" charset="0"/>
-            </a:endParaRPr>
-          </a:p>
-        </p:txBody>
-      </p:sp>
-      <p:sp>
-        <p:nvSpPr>
-          <p:cNvPr id="13" name="Rechteck 12">
-            <a:extLst>
-              <a:ext uri="{FF2B5EF4-FFF2-40B4-BE49-F238E27FC236}">
-                <a16:creationId xmlns:a16="http://schemas.microsoft.com/office/drawing/2014/main" id="{EEA65079-C7D1-2ECC-3E8A-1BF949DEBEDB}"/>
-              </a:ext>
-            </a:extLst>
-          </p:cNvPr>
-          <p:cNvSpPr/>
-          <p:nvPr/>
-        </p:nvSpPr>
-        <p:spPr>
-          <a:xfrm>
-            <a:off x="3789264" y="3314057"/>
-            <a:ext cx="2712430" cy="322107"/>
-          </a:xfrm>
-          <a:prstGeom prst="rect">
-            <a:avLst/>
-          </a:prstGeom>
-          <a:noFill/>
-          <a:ln w="19050">
-            <a:solidFill>
-              <a:schemeClr val="tx1"/>
-            </a:solidFill>
-          </a:ln>
-        </p:spPr>
-        <p:style>
-          <a:lnRef idx="2">
-            <a:schemeClr val="accent1">
-              <a:shade val="50000"/>
-            </a:schemeClr>
-          </a:lnRef>
-          <a:fillRef idx="1">
-            <a:schemeClr val="accent1"/>
-          </a:fillRef>
-          <a:effectRef idx="0">
-            <a:schemeClr val="accent1"/>
-          </a:effectRef>
-          <a:fontRef idx="minor">
-            <a:schemeClr val="lt1"/>
-          </a:fontRef>
-        </p:style>
-        <p:txBody>
-          <a:bodyPr rtlCol="0" anchor="ctr"/>
-          <a:lstStyle/>
-          <a:p>
-            <a:pPr algn="ctr"/>
-            <a:r>
-              <a:rPr lang="en-US" sz="900" b="1" dirty="0">
-                <a:solidFill>
-                  <a:schemeClr val="tx1"/>
-                </a:solidFill>
-                <a:latin typeface="Arial" panose="020B0604020202020204" pitchFamily="34" charset="0"/>
-                <a:cs typeface="Arial" panose="020B0604020202020204" pitchFamily="34" charset="0"/>
-              </a:rPr>
-              <a:t>Convert PHP directory to relative URL if needed </a:t>
-            </a:r>
-          </a:p>
-        </p:txBody>
-      </p:sp>
-      <p:sp>
-        <p:nvSpPr>
-          <p:cNvPr id="14" name="Rechteck 13">
-            <a:extLst>
-              <a:ext uri="{FF2B5EF4-FFF2-40B4-BE49-F238E27FC236}">
-                <a16:creationId xmlns:a16="http://schemas.microsoft.com/office/drawing/2014/main" id="{E9D37580-CDDE-0842-181F-22D5CE9E0594}"/>
-              </a:ext>
-            </a:extLst>
-          </p:cNvPr>
-          <p:cNvSpPr/>
-          <p:nvPr/>
-        </p:nvSpPr>
-        <p:spPr>
-          <a:xfrm>
-            <a:off x="3792918" y="3897569"/>
-            <a:ext cx="2724345" cy="499547"/>
-          </a:xfrm>
-          <a:prstGeom prst="rect">
-            <a:avLst/>
-          </a:prstGeom>
-          <a:noFill/>
-          <a:ln w="19050">
-            <a:solidFill>
-              <a:schemeClr val="tx1"/>
-            </a:solidFill>
-          </a:ln>
-        </p:spPr>
-        <p:style>
-          <a:lnRef idx="2">
-            <a:schemeClr val="accent1">
-              <a:shade val="50000"/>
-            </a:schemeClr>
-          </a:lnRef>
-          <a:fillRef idx="1">
-            <a:schemeClr val="accent1"/>
-          </a:fillRef>
-          <a:effectRef idx="0">
-            <a:schemeClr val="accent1"/>
-          </a:effectRef>
-          <a:fontRef idx="minor">
-            <a:schemeClr val="lt1"/>
-          </a:fontRef>
-        </p:style>
-        <p:txBody>
-          <a:bodyPr rtlCol="0" anchor="ctr"/>
-          <a:lstStyle/>
-          <a:p>
-            <a:pPr algn="ctr"/>
-            <a:r>
-              <a:rPr lang="en-US" sz="900" b="1" dirty="0">
-                <a:solidFill>
-                  <a:schemeClr val="tx1"/>
-                </a:solidFill>
-                <a:latin typeface="Arial" panose="020B0604020202020204" pitchFamily="34" charset="0"/>
-                <a:cs typeface="Arial" panose="020B0604020202020204" pitchFamily="34" charset="0"/>
-              </a:rPr>
-              <a:t>Call PHP function </a:t>
-            </a:r>
-            <a:r>
-              <a:rPr lang="en-US" sz="900" b="1" dirty="0" err="1">
-                <a:solidFill>
-                  <a:schemeClr val="tx1"/>
-                </a:solidFill>
-                <a:latin typeface="Arial" panose="020B0604020202020204" pitchFamily="34" charset="0"/>
-                <a:cs typeface="Arial" panose="020B0604020202020204" pitchFamily="34" charset="0"/>
-              </a:rPr>
-              <a:t>UtilFiles.php</a:t>
-            </a:r>
-            <a:r>
-              <a:rPr lang="en-US" sz="900" b="1" dirty="0">
-                <a:solidFill>
-                  <a:schemeClr val="tx1"/>
-                </a:solidFill>
-                <a:latin typeface="Arial" panose="020B0604020202020204" pitchFamily="34" charset="0"/>
-                <a:cs typeface="Arial" panose="020B0604020202020204" pitchFamily="34" charset="0"/>
-              </a:rPr>
-              <a:t> with all parameters defined in </a:t>
-            </a:r>
-            <a:r>
-              <a:rPr lang="en-US" sz="900" b="1" dirty="0" err="1">
-                <a:solidFill>
-                  <a:schemeClr val="tx1"/>
-                </a:solidFill>
-                <a:latin typeface="Arial" panose="020B0604020202020204" pitchFamily="34" charset="0"/>
-                <a:cs typeface="Arial" panose="020B0604020202020204" pitchFamily="34" charset="0"/>
-              </a:rPr>
-              <a:t>UtilFilesData</a:t>
-            </a:r>
-            <a:r>
-              <a:rPr lang="en-US" sz="900" b="1" dirty="0">
-                <a:solidFill>
-                  <a:schemeClr val="tx1"/>
-                </a:solidFill>
-                <a:latin typeface="Arial" panose="020B0604020202020204" pitchFamily="34" charset="0"/>
-                <a:cs typeface="Arial" panose="020B0604020202020204" pitchFamily="34" charset="0"/>
-              </a:rPr>
-              <a:t> </a:t>
-            </a:r>
-          </a:p>
-        </p:txBody>
-      </p:sp>
-      <p:cxnSp>
-        <p:nvCxnSpPr>
-          <p:cNvPr id="15" name="Gerader Verbinder 14">
-            <a:extLst>
-              <a:ext uri="{FF2B5EF4-FFF2-40B4-BE49-F238E27FC236}">
-                <a16:creationId xmlns:a16="http://schemas.microsoft.com/office/drawing/2014/main" id="{99D0AA3C-E75F-2FEC-E4A2-5BB13247D7B3}"/>
-              </a:ext>
-            </a:extLst>
-          </p:cNvPr>
-          <p:cNvCxnSpPr/>
-          <p:nvPr/>
-        </p:nvCxnSpPr>
-        <p:spPr>
-          <a:xfrm flipH="1">
-            <a:off x="5110780" y="3627745"/>
-            <a:ext cx="9427" cy="269824"/>
-          </a:xfrm>
-          <a:prstGeom prst="line">
-            <a:avLst/>
-          </a:prstGeom>
-          <a:ln w="19050">
-            <a:solidFill>
-              <a:schemeClr val="tx1"/>
-            </a:solidFill>
-          </a:ln>
-        </p:spPr>
-        <p:style>
-          <a:lnRef idx="1">
-            <a:schemeClr val="accent1"/>
-          </a:lnRef>
-          <a:fillRef idx="0">
-            <a:schemeClr val="accent1"/>
-          </a:fillRef>
-          <a:effectRef idx="0">
-            <a:schemeClr val="accent1"/>
-          </a:effectRef>
-          <a:fontRef idx="minor">
-            <a:schemeClr val="tx1"/>
-          </a:fontRef>
-        </p:style>
-      </p:cxnSp>
-      <p:cxnSp>
-        <p:nvCxnSpPr>
-          <p:cNvPr id="16" name="Gerader Verbinder 15">
-            <a:extLst>
-              <a:ext uri="{FF2B5EF4-FFF2-40B4-BE49-F238E27FC236}">
-                <a16:creationId xmlns:a16="http://schemas.microsoft.com/office/drawing/2014/main" id="{5CEE6908-4C76-713A-50B3-10BA8C8E76B9}"/>
-              </a:ext>
-            </a:extLst>
-          </p:cNvPr>
-          <p:cNvCxnSpPr/>
-          <p:nvPr/>
-        </p:nvCxnSpPr>
-        <p:spPr>
-          <a:xfrm flipH="1">
-            <a:off x="5120207" y="3026070"/>
-            <a:ext cx="9427" cy="269824"/>
-          </a:xfrm>
-          <a:prstGeom prst="line">
-            <a:avLst/>
-          </a:prstGeom>
-          <a:ln w="19050">
-            <a:solidFill>
-              <a:schemeClr val="tx1"/>
-            </a:solidFill>
-          </a:ln>
-        </p:spPr>
-        <p:style>
-          <a:lnRef idx="1">
-            <a:schemeClr val="accent1"/>
-          </a:lnRef>
-          <a:fillRef idx="0">
-            <a:schemeClr val="accent1"/>
-          </a:fillRef>
-          <a:effectRef idx="0">
-            <a:schemeClr val="accent1"/>
-          </a:effectRef>
-          <a:fontRef idx="minor">
-            <a:schemeClr val="tx1"/>
-          </a:fontRef>
-        </p:style>
-      </p:cxnSp>
-      <p:sp>
-        <p:nvSpPr>
-          <p:cNvPr id="19" name="Rechteck 18">
-            <a:extLst>
-              <a:ext uri="{FF2B5EF4-FFF2-40B4-BE49-F238E27FC236}">
-                <a16:creationId xmlns:a16="http://schemas.microsoft.com/office/drawing/2014/main" id="{FD928A78-B664-07FD-8995-07EE23372390}"/>
-              </a:ext>
-            </a:extLst>
-          </p:cNvPr>
-          <p:cNvSpPr/>
-          <p:nvPr/>
-        </p:nvSpPr>
-        <p:spPr>
-          <a:xfrm>
-            <a:off x="3789575" y="4637574"/>
-            <a:ext cx="2724345" cy="499547"/>
-          </a:xfrm>
-          <a:prstGeom prst="rect">
-            <a:avLst/>
-          </a:prstGeom>
-          <a:noFill/>
-          <a:ln w="19050">
-            <a:solidFill>
-              <a:schemeClr val="tx1"/>
-            </a:solidFill>
-          </a:ln>
-        </p:spPr>
-        <p:style>
-          <a:lnRef idx="2">
-            <a:schemeClr val="accent1">
-              <a:shade val="50000"/>
-            </a:schemeClr>
-          </a:lnRef>
-          <a:fillRef idx="1">
-            <a:schemeClr val="accent1"/>
-          </a:fillRef>
-          <a:effectRef idx="0">
-            <a:schemeClr val="accent1"/>
-          </a:effectRef>
-          <a:fontRef idx="minor">
-            <a:schemeClr val="lt1"/>
-          </a:fontRef>
-        </p:style>
-        <p:txBody>
-          <a:bodyPr rtlCol="0" anchor="ctr"/>
-          <a:lstStyle/>
-          <a:p>
-            <a:pPr algn="ctr"/>
-            <a:r>
-              <a:rPr lang="en-US" sz="900" b="1" dirty="0">
-                <a:solidFill>
-                  <a:schemeClr val="tx1"/>
-                </a:solidFill>
-                <a:latin typeface="Arial" panose="020B0604020202020204" pitchFamily="34" charset="0"/>
-                <a:cs typeface="Arial" panose="020B0604020202020204" pitchFamily="34" charset="0"/>
-              </a:rPr>
-              <a:t>Call </a:t>
-            </a:r>
-            <a:r>
-              <a:rPr lang="en-US" sz="900" b="1" dirty="0" err="1">
-                <a:solidFill>
-                  <a:schemeClr val="tx1"/>
-                </a:solidFill>
-                <a:latin typeface="Arial" panose="020B0604020202020204" pitchFamily="34" charset="0"/>
-                <a:cs typeface="Arial" panose="020B0604020202020204" pitchFamily="34" charset="0"/>
-              </a:rPr>
-              <a:t>UtilFilesData.handlePostResult</a:t>
-            </a:r>
-            <a:endParaRPr lang="en-US" sz="900" b="1" dirty="0">
-              <a:solidFill>
-                <a:schemeClr val="tx1"/>
-              </a:solidFill>
-              <a:latin typeface="Arial" panose="020B0604020202020204" pitchFamily="34" charset="0"/>
-              <a:cs typeface="Arial" panose="020B0604020202020204" pitchFamily="34" charset="0"/>
-            </a:endParaRPr>
-          </a:p>
-          <a:p>
-            <a:pPr algn="ctr"/>
-            <a:r>
-              <a:rPr lang="en-US" sz="900" b="1" dirty="0">
-                <a:solidFill>
-                  <a:schemeClr val="tx1"/>
-                </a:solidFill>
-                <a:latin typeface="Arial" panose="020B0604020202020204" pitchFamily="34" charset="0"/>
-                <a:cs typeface="Arial" panose="020B0604020202020204" pitchFamily="34" charset="0"/>
-              </a:rPr>
-              <a:t>This function determines which callback function to call</a:t>
-            </a:r>
-          </a:p>
-        </p:txBody>
-      </p:sp>
-      <p:cxnSp>
-        <p:nvCxnSpPr>
-          <p:cNvPr id="20" name="Gerader Verbinder 19">
-            <a:extLst>
-              <a:ext uri="{FF2B5EF4-FFF2-40B4-BE49-F238E27FC236}">
-                <a16:creationId xmlns:a16="http://schemas.microsoft.com/office/drawing/2014/main" id="{597E0880-C556-2C5C-FAE6-BD3096C561D1}"/>
-              </a:ext>
-            </a:extLst>
-          </p:cNvPr>
-          <p:cNvCxnSpPr/>
-          <p:nvPr/>
-        </p:nvCxnSpPr>
-        <p:spPr>
-          <a:xfrm flipH="1">
-            <a:off x="5107437" y="4367750"/>
-            <a:ext cx="9427" cy="269824"/>
-          </a:xfrm>
-          <a:prstGeom prst="line">
-            <a:avLst/>
-          </a:prstGeom>
-          <a:ln w="19050">
-            <a:solidFill>
-              <a:schemeClr val="tx1"/>
-            </a:solidFill>
-          </a:ln>
-        </p:spPr>
-        <p:style>
-          <a:lnRef idx="1">
-            <a:schemeClr val="accent1"/>
-          </a:lnRef>
-          <a:fillRef idx="0">
-            <a:schemeClr val="accent1"/>
-          </a:fillRef>
-          <a:effectRef idx="0">
-            <a:schemeClr val="accent1"/>
-          </a:effectRef>
-          <a:fontRef idx="minor">
-            <a:schemeClr val="tx1"/>
-          </a:fontRef>
-        </p:style>
-      </p:cxnSp>
-      <p:sp>
-        <p:nvSpPr>
-          <p:cNvPr id="21" name="Rechteck 20">
-            <a:extLst>
-              <a:ext uri="{FF2B5EF4-FFF2-40B4-BE49-F238E27FC236}">
-                <a16:creationId xmlns:a16="http://schemas.microsoft.com/office/drawing/2014/main" id="{B5CF12C9-EEFF-3698-21B7-3B690DF72EDE}"/>
-              </a:ext>
-            </a:extLst>
-          </p:cNvPr>
-          <p:cNvSpPr/>
-          <p:nvPr/>
-        </p:nvSpPr>
-        <p:spPr>
-          <a:xfrm>
-            <a:off x="3669928" y="2280746"/>
-            <a:ext cx="2966541" cy="3005957"/>
-          </a:xfrm>
-          <a:prstGeom prst="rect">
-            <a:avLst/>
-          </a:prstGeom>
-          <a:noFill/>
-          <a:ln w="19050">
-            <a:solidFill>
-              <a:schemeClr val="tx1"/>
-            </a:solidFill>
-            <a:prstDash val="dash"/>
-          </a:ln>
-        </p:spPr>
-        <p:style>
-          <a:lnRef idx="2">
-            <a:schemeClr val="accent1">
-              <a:shade val="50000"/>
-            </a:schemeClr>
-          </a:lnRef>
-          <a:fillRef idx="1">
-            <a:schemeClr val="accent1"/>
-          </a:fillRef>
-          <a:effectRef idx="0">
-            <a:schemeClr val="accent1"/>
-          </a:effectRef>
-          <a:fontRef idx="minor">
-            <a:schemeClr val="lt1"/>
-          </a:fontRef>
-        </p:style>
-        <p:txBody>
-          <a:bodyPr rtlCol="0" anchor="ctr"/>
-          <a:lstStyle/>
-          <a:p>
-            <a:r>
-              <a:rPr lang="de-CH" sz="1200" b="1" dirty="0" err="1">
-                <a:solidFill>
-                  <a:schemeClr val="tx1"/>
-                </a:solidFill>
-                <a:latin typeface="Arial" panose="020B0604020202020204" pitchFamily="34" charset="0"/>
-                <a:cs typeface="Arial" panose="020B0604020202020204" pitchFamily="34" charset="0"/>
-              </a:rPr>
-              <a:t>Function</a:t>
-            </a:r>
-            <a:r>
-              <a:rPr lang="de-CH" sz="1200" b="1" dirty="0">
-                <a:solidFill>
-                  <a:schemeClr val="tx1"/>
-                </a:solidFill>
-                <a:latin typeface="Arial" panose="020B0604020202020204" pitchFamily="34" charset="0"/>
-                <a:cs typeface="Arial" panose="020B0604020202020204" pitchFamily="34" charset="0"/>
-              </a:rPr>
-              <a:t> </a:t>
-            </a:r>
-            <a:r>
-              <a:rPr lang="de-CH" sz="1200" b="1" dirty="0" err="1">
-                <a:solidFill>
-                  <a:schemeClr val="tx1"/>
-                </a:solidFill>
-                <a:latin typeface="Arial" panose="020B0604020202020204" pitchFamily="34" charset="0"/>
-                <a:cs typeface="Arial" panose="020B0604020202020204" pitchFamily="34" charset="0"/>
-              </a:rPr>
-              <a:t>dirFileAnyCase</a:t>
-            </a:r>
-            <a:endParaRPr lang="de-CH" sz="1200" b="1" dirty="0">
-              <a:solidFill>
-                <a:schemeClr val="tx1"/>
-              </a:solidFill>
-              <a:latin typeface="Arial" panose="020B0604020202020204" pitchFamily="34" charset="0"/>
-              <a:cs typeface="Arial" panose="020B0604020202020204" pitchFamily="34" charset="0"/>
-            </a:endParaRPr>
-          </a:p>
-          <a:p>
-            <a:endParaRPr lang="de-CH" sz="1000" b="1" dirty="0">
-              <a:solidFill>
-                <a:schemeClr val="tx1"/>
-              </a:solidFill>
-              <a:latin typeface="Arial" panose="020B0604020202020204" pitchFamily="34" charset="0"/>
-              <a:cs typeface="Arial" panose="020B0604020202020204" pitchFamily="34" charset="0"/>
-            </a:endParaRPr>
-          </a:p>
-          <a:p>
-            <a:endParaRPr lang="de-CH" sz="1000" b="1" dirty="0">
-              <a:solidFill>
-                <a:schemeClr val="tx1"/>
-              </a:solidFill>
-              <a:latin typeface="Arial" panose="020B0604020202020204" pitchFamily="34" charset="0"/>
-              <a:cs typeface="Arial" panose="020B0604020202020204" pitchFamily="34" charset="0"/>
-            </a:endParaRPr>
-          </a:p>
-          <a:p>
-            <a:endParaRPr lang="de-CH" sz="1000" b="1" dirty="0">
-              <a:solidFill>
-                <a:schemeClr val="tx1"/>
-              </a:solidFill>
-              <a:latin typeface="Arial" panose="020B0604020202020204" pitchFamily="34" charset="0"/>
-              <a:cs typeface="Arial" panose="020B0604020202020204" pitchFamily="34" charset="0"/>
-            </a:endParaRPr>
-          </a:p>
-          <a:p>
-            <a:endParaRPr lang="de-CH" sz="1000" b="1" dirty="0">
-              <a:solidFill>
-                <a:schemeClr val="tx1"/>
-              </a:solidFill>
-              <a:latin typeface="Arial" panose="020B0604020202020204" pitchFamily="34" charset="0"/>
-              <a:cs typeface="Arial" panose="020B0604020202020204" pitchFamily="34" charset="0"/>
-            </a:endParaRPr>
-          </a:p>
-          <a:p>
-            <a:endParaRPr lang="de-CH" sz="1000" b="1" dirty="0">
-              <a:solidFill>
-                <a:schemeClr val="tx1"/>
-              </a:solidFill>
-              <a:latin typeface="Arial" panose="020B0604020202020204" pitchFamily="34" charset="0"/>
-              <a:cs typeface="Arial" panose="020B0604020202020204" pitchFamily="34" charset="0"/>
-            </a:endParaRPr>
-          </a:p>
-          <a:p>
-            <a:endParaRPr lang="de-CH" sz="1000" b="1" dirty="0">
-              <a:solidFill>
-                <a:schemeClr val="tx1"/>
-              </a:solidFill>
-              <a:latin typeface="Arial" panose="020B0604020202020204" pitchFamily="34" charset="0"/>
-              <a:cs typeface="Arial" panose="020B0604020202020204" pitchFamily="34" charset="0"/>
-            </a:endParaRPr>
-          </a:p>
-          <a:p>
-            <a:endParaRPr lang="de-CH" sz="1000" b="1" dirty="0">
-              <a:solidFill>
-                <a:schemeClr val="tx1"/>
-              </a:solidFill>
-              <a:latin typeface="Arial" panose="020B0604020202020204" pitchFamily="34" charset="0"/>
-              <a:cs typeface="Arial" panose="020B0604020202020204" pitchFamily="34" charset="0"/>
-            </a:endParaRPr>
-          </a:p>
-          <a:p>
-            <a:endParaRPr lang="de-CH" sz="1000" b="1" dirty="0">
-              <a:solidFill>
-                <a:schemeClr val="tx1"/>
-              </a:solidFill>
-              <a:latin typeface="Arial" panose="020B0604020202020204" pitchFamily="34" charset="0"/>
-              <a:cs typeface="Arial" panose="020B0604020202020204" pitchFamily="34" charset="0"/>
-            </a:endParaRPr>
-          </a:p>
-          <a:p>
-            <a:endParaRPr lang="de-CH" sz="1000" b="1" dirty="0">
-              <a:solidFill>
-                <a:schemeClr val="tx1"/>
-              </a:solidFill>
-              <a:latin typeface="Arial" panose="020B0604020202020204" pitchFamily="34" charset="0"/>
-              <a:cs typeface="Arial" panose="020B0604020202020204" pitchFamily="34" charset="0"/>
-            </a:endParaRPr>
-          </a:p>
-          <a:p>
-            <a:endParaRPr lang="de-CH" sz="1000" b="1" dirty="0">
-              <a:solidFill>
-                <a:schemeClr val="tx1"/>
-              </a:solidFill>
-              <a:latin typeface="Arial" panose="020B0604020202020204" pitchFamily="34" charset="0"/>
-              <a:cs typeface="Arial" panose="020B0604020202020204" pitchFamily="34" charset="0"/>
-            </a:endParaRPr>
-          </a:p>
-          <a:p>
-            <a:endParaRPr lang="de-CH" sz="1000" b="1" dirty="0">
-              <a:solidFill>
-                <a:schemeClr val="tx1"/>
-              </a:solidFill>
-              <a:latin typeface="Arial" panose="020B0604020202020204" pitchFamily="34" charset="0"/>
-              <a:cs typeface="Arial" panose="020B0604020202020204" pitchFamily="34" charset="0"/>
-            </a:endParaRPr>
-          </a:p>
-          <a:p>
-            <a:endParaRPr lang="de-CH" sz="1000" b="1" dirty="0">
-              <a:solidFill>
-                <a:schemeClr val="tx1"/>
-              </a:solidFill>
-              <a:latin typeface="Arial" panose="020B0604020202020204" pitchFamily="34" charset="0"/>
-              <a:cs typeface="Arial" panose="020B0604020202020204" pitchFamily="34" charset="0"/>
-            </a:endParaRPr>
-          </a:p>
-          <a:p>
-            <a:endParaRPr lang="de-CH" sz="1000" b="1" dirty="0">
-              <a:solidFill>
-                <a:schemeClr val="tx1"/>
-              </a:solidFill>
-              <a:latin typeface="Arial" panose="020B0604020202020204" pitchFamily="34" charset="0"/>
-              <a:cs typeface="Arial" panose="020B0604020202020204" pitchFamily="34" charset="0"/>
-            </a:endParaRPr>
-          </a:p>
-          <a:p>
-            <a:endParaRPr lang="de-CH" sz="1000" b="1" dirty="0">
-              <a:solidFill>
-                <a:schemeClr val="tx1"/>
-              </a:solidFill>
-              <a:latin typeface="Arial" panose="020B0604020202020204" pitchFamily="34" charset="0"/>
-              <a:cs typeface="Arial" panose="020B0604020202020204" pitchFamily="34" charset="0"/>
-            </a:endParaRPr>
-          </a:p>
-          <a:p>
-            <a:endParaRPr lang="de-CH" sz="1000" b="1" dirty="0">
-              <a:solidFill>
-                <a:schemeClr val="tx1"/>
-              </a:solidFill>
-              <a:latin typeface="Arial" panose="020B0604020202020204" pitchFamily="34" charset="0"/>
-              <a:cs typeface="Arial" panose="020B0604020202020204" pitchFamily="34" charset="0"/>
-            </a:endParaRPr>
-          </a:p>
-          <a:p>
-            <a:endParaRPr lang="de-CH" sz="1000" b="1" dirty="0">
-              <a:solidFill>
-                <a:schemeClr val="tx1"/>
-              </a:solidFill>
-              <a:latin typeface="Arial" panose="020B0604020202020204" pitchFamily="34" charset="0"/>
-              <a:cs typeface="Arial" panose="020B0604020202020204" pitchFamily="34" charset="0"/>
-            </a:endParaRPr>
-          </a:p>
-          <a:p>
-            <a:endParaRPr lang="de-CH" sz="1000" b="1" dirty="0">
-              <a:solidFill>
-                <a:schemeClr val="tx1"/>
-              </a:solidFill>
-              <a:latin typeface="Arial" panose="020B0604020202020204" pitchFamily="34" charset="0"/>
-              <a:cs typeface="Arial" panose="020B0604020202020204" pitchFamily="34" charset="0"/>
-            </a:endParaRPr>
-          </a:p>
-        </p:txBody>
-      </p:sp>
-      <p:sp>
-        <p:nvSpPr>
-          <p:cNvPr id="22" name="Rechteck 21">
-            <a:extLst>
-              <a:ext uri="{FF2B5EF4-FFF2-40B4-BE49-F238E27FC236}">
-                <a16:creationId xmlns:a16="http://schemas.microsoft.com/office/drawing/2014/main" id="{E4B8E656-F143-A868-A706-65B1BE8E2B2B}"/>
-              </a:ext>
-            </a:extLst>
-          </p:cNvPr>
-          <p:cNvSpPr/>
-          <p:nvPr/>
-        </p:nvSpPr>
-        <p:spPr>
-          <a:xfrm>
-            <a:off x="6881928" y="1707017"/>
-            <a:ext cx="2966541" cy="1672730"/>
-          </a:xfrm>
-          <a:prstGeom prst="rect">
-            <a:avLst/>
-          </a:prstGeom>
-          <a:noFill/>
-          <a:ln w="19050">
-            <a:solidFill>
-              <a:schemeClr val="tx1"/>
-            </a:solidFill>
-            <a:prstDash val="dash"/>
-          </a:ln>
-        </p:spPr>
-        <p:style>
-          <a:lnRef idx="2">
-            <a:schemeClr val="accent1">
-              <a:shade val="50000"/>
-            </a:schemeClr>
-          </a:lnRef>
-          <a:fillRef idx="1">
-            <a:schemeClr val="accent1"/>
-          </a:fillRef>
-          <a:effectRef idx="0">
-            <a:schemeClr val="accent1"/>
-          </a:effectRef>
-          <a:fontRef idx="minor">
-            <a:schemeClr val="lt1"/>
-          </a:fontRef>
-        </p:style>
-        <p:txBody>
-          <a:bodyPr rtlCol="0" anchor="ctr"/>
-          <a:lstStyle/>
-          <a:p>
-            <a:r>
-              <a:rPr lang="de-CH" sz="1200" b="1" dirty="0" err="1">
-                <a:solidFill>
-                  <a:schemeClr val="tx1"/>
-                </a:solidFill>
-                <a:latin typeface="Arial" panose="020B0604020202020204" pitchFamily="34" charset="0"/>
-                <a:cs typeface="Arial" panose="020B0604020202020204" pitchFamily="34" charset="0"/>
-              </a:rPr>
-              <a:t>Function</a:t>
-            </a:r>
-            <a:r>
-              <a:rPr lang="de-CH" sz="1200" b="1" dirty="0">
-                <a:solidFill>
-                  <a:schemeClr val="tx1"/>
-                </a:solidFill>
-                <a:latin typeface="Arial" panose="020B0604020202020204" pitchFamily="34" charset="0"/>
-                <a:cs typeface="Arial" panose="020B0604020202020204" pitchFamily="34" charset="0"/>
-              </a:rPr>
-              <a:t> </a:t>
-            </a:r>
-            <a:r>
-              <a:rPr lang="de-CH" sz="1200" b="1" dirty="0" err="1">
-                <a:solidFill>
-                  <a:schemeClr val="tx1"/>
-                </a:solidFill>
-                <a:latin typeface="Arial" panose="020B0604020202020204" pitchFamily="34" charset="0"/>
-                <a:cs typeface="Arial" panose="020B0604020202020204" pitchFamily="34" charset="0"/>
-              </a:rPr>
-              <a:t>UtilFiles.php</a:t>
-            </a:r>
-            <a:endParaRPr lang="de-CH" sz="1200" b="1" dirty="0">
-              <a:solidFill>
-                <a:schemeClr val="tx1"/>
-              </a:solidFill>
-              <a:latin typeface="Arial" panose="020B0604020202020204" pitchFamily="34" charset="0"/>
-              <a:cs typeface="Arial" panose="020B0604020202020204" pitchFamily="34" charset="0"/>
-            </a:endParaRPr>
-          </a:p>
-          <a:p>
-            <a:endParaRPr lang="de-CH" sz="1000" b="1" dirty="0">
-              <a:solidFill>
-                <a:schemeClr val="tx1"/>
-              </a:solidFill>
-              <a:latin typeface="Arial" panose="020B0604020202020204" pitchFamily="34" charset="0"/>
-              <a:cs typeface="Arial" panose="020B0604020202020204" pitchFamily="34" charset="0"/>
-            </a:endParaRPr>
-          </a:p>
-          <a:p>
-            <a:r>
-              <a:rPr lang="de-CH" sz="1000" b="1" dirty="0" err="1">
-                <a:solidFill>
-                  <a:schemeClr val="tx1"/>
-                </a:solidFill>
-                <a:latin typeface="Arial" panose="020B0604020202020204" pitchFamily="34" charset="0"/>
-                <a:cs typeface="Arial" panose="020B0604020202020204" pitchFamily="34" charset="0"/>
-              </a:rPr>
-              <a:t>dirExists</a:t>
-            </a:r>
-            <a:endParaRPr lang="de-CH" sz="1000" b="1" dirty="0">
-              <a:solidFill>
-                <a:schemeClr val="tx1"/>
-              </a:solidFill>
-              <a:latin typeface="Arial" panose="020B0604020202020204" pitchFamily="34" charset="0"/>
-              <a:cs typeface="Arial" panose="020B0604020202020204" pitchFamily="34" charset="0"/>
-            </a:endParaRPr>
-          </a:p>
-          <a:p>
-            <a:r>
-              <a:rPr lang="de-CH" sz="1000" b="1" dirty="0" err="1">
-                <a:solidFill>
-                  <a:schemeClr val="tx1"/>
-                </a:solidFill>
-                <a:latin typeface="Arial" panose="020B0604020202020204" pitchFamily="34" charset="0"/>
-                <a:cs typeface="Arial" panose="020B0604020202020204" pitchFamily="34" charset="0"/>
-              </a:rPr>
-              <a:t>fileExists</a:t>
-            </a:r>
-            <a:endParaRPr lang="de-CH" sz="1000" b="1" dirty="0">
-              <a:solidFill>
-                <a:schemeClr val="tx1"/>
-              </a:solidFill>
-              <a:latin typeface="Arial" panose="020B0604020202020204" pitchFamily="34" charset="0"/>
-              <a:cs typeface="Arial" panose="020B0604020202020204" pitchFamily="34" charset="0"/>
-            </a:endParaRPr>
-          </a:p>
-          <a:p>
-            <a:r>
-              <a:rPr lang="de-CH" sz="1000" b="1" dirty="0" err="1">
-                <a:solidFill>
-                  <a:schemeClr val="tx1"/>
-                </a:solidFill>
-                <a:latin typeface="Arial" panose="020B0604020202020204" pitchFamily="34" charset="0"/>
-                <a:cs typeface="Arial" panose="020B0604020202020204" pitchFamily="34" charset="0"/>
-              </a:rPr>
-              <a:t>createDir</a:t>
-            </a:r>
-            <a:endParaRPr lang="de-CH" sz="1000" b="1" dirty="0">
-              <a:solidFill>
-                <a:schemeClr val="tx1"/>
-              </a:solidFill>
-              <a:latin typeface="Arial" panose="020B0604020202020204" pitchFamily="34" charset="0"/>
-              <a:cs typeface="Arial" panose="020B0604020202020204" pitchFamily="34" charset="0"/>
-            </a:endParaRPr>
-          </a:p>
-          <a:p>
-            <a:r>
-              <a:rPr lang="de-CH" sz="1000" b="1" dirty="0" err="1">
-                <a:solidFill>
-                  <a:schemeClr val="tx1"/>
-                </a:solidFill>
-                <a:latin typeface="Arial" panose="020B0604020202020204" pitchFamily="34" charset="0"/>
-                <a:cs typeface="Arial" panose="020B0604020202020204" pitchFamily="34" charset="0"/>
-              </a:rPr>
-              <a:t>deleteDir</a:t>
-            </a:r>
-            <a:endParaRPr lang="de-CH" sz="1000" b="1" dirty="0">
-              <a:solidFill>
-                <a:schemeClr val="tx1"/>
-              </a:solidFill>
-              <a:latin typeface="Arial" panose="020B0604020202020204" pitchFamily="34" charset="0"/>
-              <a:cs typeface="Arial" panose="020B0604020202020204" pitchFamily="34" charset="0"/>
-            </a:endParaRPr>
-          </a:p>
-          <a:p>
-            <a:r>
-              <a:rPr lang="de-CH" sz="1000" b="1" dirty="0" err="1">
-                <a:solidFill>
-                  <a:schemeClr val="tx1"/>
-                </a:solidFill>
-                <a:latin typeface="Arial" panose="020B0604020202020204" pitchFamily="34" charset="0"/>
-                <a:cs typeface="Arial" panose="020B0604020202020204" pitchFamily="34" charset="0"/>
-              </a:rPr>
-              <a:t>deleteFile</a:t>
-            </a:r>
-            <a:endParaRPr lang="de-CH" sz="1000" b="1" dirty="0">
-              <a:solidFill>
-                <a:schemeClr val="tx1"/>
-              </a:solidFill>
-              <a:latin typeface="Arial" panose="020B0604020202020204" pitchFamily="34" charset="0"/>
-              <a:cs typeface="Arial" panose="020B0604020202020204" pitchFamily="34" charset="0"/>
-            </a:endParaRPr>
-          </a:p>
-          <a:p>
-            <a:r>
-              <a:rPr lang="de-CH" sz="1000" b="1" dirty="0" err="1">
-                <a:solidFill>
-                  <a:schemeClr val="tx1"/>
-                </a:solidFill>
-                <a:latin typeface="Arial" panose="020B0604020202020204" pitchFamily="34" charset="0"/>
-                <a:cs typeface="Arial" panose="020B0604020202020204" pitchFamily="34" charset="0"/>
-              </a:rPr>
-              <a:t>createFile</a:t>
-            </a:r>
-            <a:endParaRPr lang="de-CH" sz="1000" b="1" dirty="0">
-              <a:solidFill>
-                <a:schemeClr val="tx1"/>
-              </a:solidFill>
-              <a:latin typeface="Arial" panose="020B0604020202020204" pitchFamily="34" charset="0"/>
-              <a:cs typeface="Arial" panose="020B0604020202020204" pitchFamily="34" charset="0"/>
-            </a:endParaRPr>
-          </a:p>
-        </p:txBody>
-      </p:sp>
-      <p:sp>
-        <p:nvSpPr>
-          <p:cNvPr id="23" name="Rechteck 22">
-            <a:extLst>
-              <a:ext uri="{FF2B5EF4-FFF2-40B4-BE49-F238E27FC236}">
-                <a16:creationId xmlns:a16="http://schemas.microsoft.com/office/drawing/2014/main" id="{C0AECD91-CD20-3CC6-2099-FBF3F5CB13CA}"/>
-              </a:ext>
-            </a:extLst>
-          </p:cNvPr>
-          <p:cNvSpPr/>
-          <p:nvPr/>
-        </p:nvSpPr>
-        <p:spPr>
-          <a:xfrm>
-            <a:off x="6881931" y="575478"/>
-            <a:ext cx="2966541" cy="570469"/>
-          </a:xfrm>
-          <a:prstGeom prst="rect">
-            <a:avLst/>
-          </a:prstGeom>
-          <a:noFill/>
-          <a:ln w="19050">
-            <a:solidFill>
-              <a:schemeClr val="tx1"/>
-            </a:solidFill>
-          </a:ln>
-        </p:spPr>
-        <p:style>
-          <a:lnRef idx="2">
-            <a:schemeClr val="accent1">
-              <a:shade val="50000"/>
-            </a:schemeClr>
-          </a:lnRef>
-          <a:fillRef idx="1">
-            <a:schemeClr val="accent1"/>
-          </a:fillRef>
-          <a:effectRef idx="0">
-            <a:schemeClr val="accent1"/>
-          </a:effectRef>
-          <a:fontRef idx="minor">
-            <a:schemeClr val="lt1"/>
-          </a:fontRef>
-        </p:style>
-        <p:txBody>
-          <a:bodyPr rtlCol="0" anchor="ctr"/>
-          <a:lstStyle/>
-          <a:p>
-            <a:pPr algn="ctr"/>
-            <a:r>
-              <a:rPr lang="de-CH" dirty="0" err="1">
-                <a:solidFill>
-                  <a:schemeClr val="tx1"/>
-                </a:solidFill>
-                <a:latin typeface="Arial" panose="020B0604020202020204" pitchFamily="34" charset="0"/>
-                <a:cs typeface="Arial" panose="020B0604020202020204" pitchFamily="34" charset="0"/>
-              </a:rPr>
-              <a:t>UtilFiles.php</a:t>
-            </a:r>
-            <a:r>
-              <a:rPr lang="de-CH" dirty="0">
-                <a:solidFill>
-                  <a:schemeClr val="tx1"/>
-                </a:solidFill>
-                <a:latin typeface="Arial" panose="020B0604020202020204" pitchFamily="34" charset="0"/>
-                <a:cs typeface="Arial" panose="020B0604020202020204" pitchFamily="34" charset="0"/>
-              </a:rPr>
-              <a:t> </a:t>
-            </a:r>
-          </a:p>
-          <a:p>
-            <a:pPr algn="ctr"/>
-            <a:r>
-              <a:rPr lang="de-CH" sz="1200" dirty="0">
-                <a:solidFill>
-                  <a:schemeClr val="tx1"/>
-                </a:solidFill>
-                <a:latin typeface="Arial" panose="020B0604020202020204" pitchFamily="34" charset="0"/>
-                <a:cs typeface="Arial" panose="020B0604020202020204" pitchFamily="34" charset="0"/>
-              </a:rPr>
-              <a:t>File </a:t>
-            </a:r>
-            <a:r>
-              <a:rPr lang="de-CH" sz="1200" dirty="0" err="1">
-                <a:solidFill>
-                  <a:schemeClr val="tx1"/>
-                </a:solidFill>
-                <a:latin typeface="Arial" panose="020B0604020202020204" pitchFamily="34" charset="0"/>
-                <a:cs typeface="Arial" panose="020B0604020202020204" pitchFamily="34" charset="0"/>
-              </a:rPr>
-              <a:t>functions</a:t>
-            </a:r>
-            <a:endParaRPr lang="de-CH" sz="1200" dirty="0">
-              <a:solidFill>
-                <a:schemeClr val="tx1"/>
-              </a:solidFill>
-              <a:latin typeface="Arial" panose="020B0604020202020204" pitchFamily="34" charset="0"/>
-              <a:cs typeface="Arial" panose="020B0604020202020204" pitchFamily="34" charset="0"/>
-            </a:endParaRPr>
-          </a:p>
-        </p:txBody>
-      </p:sp>
-      <p:sp>
-        <p:nvSpPr>
-          <p:cNvPr id="24" name="Rechteck 23">
-            <a:extLst>
-              <a:ext uri="{FF2B5EF4-FFF2-40B4-BE49-F238E27FC236}">
-                <a16:creationId xmlns:a16="http://schemas.microsoft.com/office/drawing/2014/main" id="{B99C907A-8144-AA0B-5B80-16CB73DF9999}"/>
-              </a:ext>
-            </a:extLst>
-          </p:cNvPr>
-          <p:cNvSpPr/>
-          <p:nvPr/>
-        </p:nvSpPr>
-        <p:spPr>
-          <a:xfrm>
-            <a:off x="6881928" y="1136548"/>
-            <a:ext cx="2966541" cy="570469"/>
-          </a:xfrm>
-          <a:prstGeom prst="rect">
-            <a:avLst/>
-          </a:prstGeom>
-          <a:noFill/>
-          <a:ln w="19050">
-            <a:solidFill>
-              <a:schemeClr val="tx1"/>
-            </a:solidFill>
-            <a:prstDash val="dash"/>
-          </a:ln>
-        </p:spPr>
-        <p:style>
-          <a:lnRef idx="2">
-            <a:schemeClr val="accent1">
-              <a:shade val="50000"/>
-            </a:schemeClr>
-          </a:lnRef>
-          <a:fillRef idx="1">
-            <a:schemeClr val="accent1"/>
-          </a:fillRef>
-          <a:effectRef idx="0">
-            <a:schemeClr val="accent1"/>
-          </a:effectRef>
-          <a:fontRef idx="minor">
-            <a:schemeClr val="lt1"/>
-          </a:fontRef>
-        </p:style>
-        <p:txBody>
-          <a:bodyPr rtlCol="0" anchor="ctr"/>
-          <a:lstStyle/>
-          <a:p>
-            <a:endParaRPr lang="en-US" sz="1000" b="1" dirty="0">
-              <a:solidFill>
-                <a:schemeClr val="tx1"/>
-              </a:solidFill>
-              <a:latin typeface="Arial" panose="020B0604020202020204" pitchFamily="34" charset="0"/>
-              <a:cs typeface="Arial" panose="020B0604020202020204" pitchFamily="34" charset="0"/>
-            </a:endParaRPr>
-          </a:p>
-          <a:p>
-            <a:r>
-              <a:rPr lang="de-CH" sz="1000" b="1" dirty="0">
-                <a:solidFill>
-                  <a:schemeClr val="tx1"/>
-                </a:solidFill>
-                <a:latin typeface="Arial" panose="020B0604020202020204" pitchFamily="34" charset="0"/>
-                <a:cs typeface="Arial" panose="020B0604020202020204" pitchFamily="34" charset="0"/>
-              </a:rPr>
-              <a:t>Switch </a:t>
-            </a:r>
-            <a:r>
-              <a:rPr lang="de-CH" sz="1000" b="1" dirty="0" err="1">
-                <a:solidFill>
-                  <a:schemeClr val="tx1"/>
-                </a:solidFill>
-                <a:latin typeface="Arial" panose="020B0604020202020204" pitchFamily="34" charset="0"/>
-                <a:cs typeface="Arial" panose="020B0604020202020204" pitchFamily="34" charset="0"/>
-              </a:rPr>
-              <a:t>to</a:t>
-            </a:r>
-            <a:r>
-              <a:rPr lang="de-CH" sz="1000" b="1" dirty="0">
-                <a:solidFill>
-                  <a:schemeClr val="tx1"/>
-                </a:solidFill>
-                <a:latin typeface="Arial" panose="020B0604020202020204" pitchFamily="34" charset="0"/>
-                <a:cs typeface="Arial" panose="020B0604020202020204" pitchFamily="34" charset="0"/>
-              </a:rPr>
-              <a:t> </a:t>
-            </a:r>
-            <a:r>
-              <a:rPr lang="de-CH" sz="1000" b="1" dirty="0" err="1">
-                <a:solidFill>
-                  <a:schemeClr val="tx1"/>
-                </a:solidFill>
-                <a:latin typeface="Arial" panose="020B0604020202020204" pitchFamily="34" charset="0"/>
-                <a:cs typeface="Arial" panose="020B0604020202020204" pitchFamily="34" charset="0"/>
-              </a:rPr>
-              <a:t>the</a:t>
-            </a:r>
-            <a:r>
-              <a:rPr lang="de-CH" sz="1000" b="1" dirty="0">
-                <a:solidFill>
-                  <a:schemeClr val="tx1"/>
-                </a:solidFill>
-                <a:latin typeface="Arial" panose="020B0604020202020204" pitchFamily="34" charset="0"/>
-                <a:cs typeface="Arial" panose="020B0604020202020204" pitchFamily="34" charset="0"/>
-              </a:rPr>
-              <a:t> </a:t>
-            </a:r>
-            <a:r>
-              <a:rPr lang="de-CH" sz="1000" b="1" dirty="0" err="1">
-                <a:solidFill>
-                  <a:schemeClr val="tx1"/>
-                </a:solidFill>
-                <a:latin typeface="Arial" panose="020B0604020202020204" pitchFamily="34" charset="0"/>
-                <a:cs typeface="Arial" panose="020B0604020202020204" pitchFamily="34" charset="0"/>
-              </a:rPr>
-              <a:t>required</a:t>
-            </a:r>
-            <a:r>
-              <a:rPr lang="de-CH" sz="1000" b="1" dirty="0">
-                <a:solidFill>
-                  <a:schemeClr val="tx1"/>
-                </a:solidFill>
-                <a:latin typeface="Arial" panose="020B0604020202020204" pitchFamily="34" charset="0"/>
-                <a:cs typeface="Arial" panose="020B0604020202020204" pitchFamily="34" charset="0"/>
-              </a:rPr>
-              <a:t> </a:t>
-            </a:r>
-            <a:r>
-              <a:rPr lang="de-CH" sz="1000" b="1" dirty="0" err="1">
-                <a:solidFill>
-                  <a:schemeClr val="tx1"/>
-                </a:solidFill>
-                <a:latin typeface="Arial" panose="020B0604020202020204" pitchFamily="34" charset="0"/>
-                <a:cs typeface="Arial" panose="020B0604020202020204" pitchFamily="34" charset="0"/>
-              </a:rPr>
-              <a:t>execution</a:t>
-            </a:r>
-            <a:r>
-              <a:rPr lang="de-CH" sz="1000" b="1" dirty="0">
-                <a:solidFill>
-                  <a:schemeClr val="tx1"/>
-                </a:solidFill>
-                <a:latin typeface="Arial" panose="020B0604020202020204" pitchFamily="34" charset="0"/>
-                <a:cs typeface="Arial" panose="020B0604020202020204" pitchFamily="34" charset="0"/>
-              </a:rPr>
-              <a:t> </a:t>
-            </a:r>
-            <a:r>
-              <a:rPr lang="de-CH" sz="1000" b="1" dirty="0" err="1">
-                <a:solidFill>
-                  <a:schemeClr val="tx1"/>
-                </a:solidFill>
-                <a:latin typeface="Arial" panose="020B0604020202020204" pitchFamily="34" charset="0"/>
-                <a:cs typeface="Arial" panose="020B0604020202020204" pitchFamily="34" charset="0"/>
-              </a:rPr>
-              <a:t>function</a:t>
-            </a:r>
-            <a:endParaRPr lang="de-CH" sz="1000" b="1" dirty="0">
-              <a:solidFill>
-                <a:schemeClr val="tx1"/>
-              </a:solidFill>
-              <a:latin typeface="Arial" panose="020B0604020202020204" pitchFamily="34" charset="0"/>
-              <a:cs typeface="Arial" panose="020B0604020202020204" pitchFamily="34" charset="0"/>
-            </a:endParaRPr>
-          </a:p>
-        </p:txBody>
-      </p:sp>
-    </p:spTree>
-    <p:extLst>
-      <p:ext uri="{BB962C8B-B14F-4D97-AF65-F5344CB8AC3E}">
-        <p14:creationId xmlns:p14="http://schemas.microsoft.com/office/powerpoint/2010/main" val="2431712540"/>
-      </p:ext>
-    </p:extLst>
-  </p:cSld>
-  <p:clrMapOvr>
-    <a:masterClrMapping/>
-  </p:clrMapOvr>
-</p:sld>
-</file>
-
-<file path=ppt/slides/slide21.xml><?xml version="1.0" encoding="utf-8"?>
-<p:sld xmlns:a="http://schemas.openxmlformats.org/drawingml/2006/main" xmlns:r="http://schemas.openxmlformats.org/officeDocument/2006/relationships" xmlns:p="http://schemas.openxmlformats.org/presentationml/2006/main">
-  <p:cSld>
-    <p:spTree>
-      <p:nvGrpSpPr>
-        <p:cNvPr id="1" name=""/>
-        <p:cNvGrpSpPr/>
-        <p:nvPr/>
-      </p:nvGrpSpPr>
-      <p:grpSpPr>
-        <a:xfrm>
-          <a:off x="0" y="0"/>
-          <a:ext cx="0" cy="0"/>
-          <a:chOff x="0" y="0"/>
-          <a:chExt cx="0" cy="0"/>
-        </a:xfrm>
-      </p:grpSpPr>
     </p:spTree>
     <p:extLst>
       <p:ext uri="{BB962C8B-B14F-4D97-AF65-F5344CB8AC3E}">
@@ -25773,7 +23503,7 @@
 </p:sld>
 </file>
 
-<file path=ppt/slides/slide22.xml><?xml version="1.0" encoding="utf-8"?>
+<file path=ppt/slides/slide21.xml><?xml version="1.0" encoding="utf-8"?>
 <p:sld xmlns:a="http://schemas.openxmlformats.org/drawingml/2006/main" xmlns:r="http://schemas.openxmlformats.org/officeDocument/2006/relationships" xmlns:p="http://schemas.openxmlformats.org/presentationml/2006/main">
   <p:cSld>
     <p:spTree>
